--- a/Medienverwaltungsdatenbank Gruppe1.pptx
+++ b/Medienverwaltungsdatenbank Gruppe1.pptx
@@ -19051,7 +19051,7 @@
         </p:spPr>
         <p:txBody>
           <a:bodyPr>
-            <a:normAutofit fontScale="77500" lnSpcReduction="20000"/>
+            <a:normAutofit fontScale="70000" lnSpcReduction="20000"/>
           </a:bodyPr>
           <a:lstStyle/>
           <a:p>
@@ -19145,7 +19145,7 @@
             </a:pPr>
             <a:r>
               <a:rPr lang="de-DE" dirty="0"/>
-              <a:t>Views, Funktionen, Transaktionen - Übersicht</a:t>
+              <a:t>Übersicht: Views, Funktionen, Transaktionen, Trigger</a:t>
             </a:r>
           </a:p>
           <a:p>
@@ -26805,8 +26805,8 @@
         </p:nvSpPr>
         <p:spPr>
           <a:xfrm>
-            <a:off x="1766742" y="1066800"/>
-            <a:ext cx="8658516" cy="609600"/>
+            <a:off x="748400" y="1066800"/>
+            <a:ext cx="10148200" cy="609600"/>
           </a:xfrm>
           <a:prstGeom prst="rect">
             <a:avLst/>
@@ -26984,7 +26984,7 @@
           <a:p>
             <a:r>
               <a:rPr lang="de-DE" dirty="0"/>
-              <a:t>Views, Funktionen, Transaktionen</a:t>
+              <a:t>Übersicht: Views, Funktionen, Transaktionen, Trigger</a:t>
             </a:r>
           </a:p>
           <a:p>

--- a/Medienverwaltungsdatenbank Gruppe1.pptx
+++ b/Medienverwaltungsdatenbank Gruppe1.pptx
@@ -237,7 +237,7 @@
           <a:p>
             <a:fld id="{77D5EFAF-E70D-4EAB-8272-5C61B681CB4A}" type="datetimeFigureOut">
               <a:rPr lang="de-DE" smtClean="0"/>
-              <a:t>29.01.2025</a:t>
+              <a:t>30.01.2025</a:t>
             </a:fld>
             <a:endParaRPr lang="de-DE"/>
           </a:p>
@@ -419,7 +419,7 @@
             <a:fld id="{D3962EC7-0D43-44FC-9E1B-67DC9E990A5E}" type="datetimeFigureOut">
               <a:rPr lang="de-DE" smtClean="0"/>
               <a:pPr/>
-              <a:t>29.01.2025</a:t>
+              <a:t>30.01.2025</a:t>
             </a:fld>
             <a:endParaRPr lang="de-DE"/>
           </a:p>
@@ -5800,7 +5800,7 @@
           <a:p>
             <a:fld id="{8E4D871A-5D80-4C11-B3ED-C3CE1D227336}" type="datetime1">
               <a:rPr lang="de-DE" smtClean="0"/>
-              <a:t>29.01.2025</a:t>
+              <a:t>30.01.2025</a:t>
             </a:fld>
             <a:endParaRPr lang="de-DE"/>
           </a:p>
@@ -6028,7 +6028,7 @@
           <a:p>
             <a:fld id="{267ED303-FB57-488C-82D4-DF76186A07D3}" type="datetime1">
               <a:rPr lang="de-DE" smtClean="0"/>
-              <a:t>29.01.2025</a:t>
+              <a:t>30.01.2025</a:t>
             </a:fld>
             <a:endParaRPr lang="de-DE" dirty="0"/>
           </a:p>
@@ -6308,7 +6308,7 @@
           <a:p>
             <a:fld id="{B3324BE7-7F5A-494A-BD10-1C0163A30414}" type="datetime1">
               <a:rPr lang="de-DE" smtClean="0"/>
-              <a:t>29.01.2025</a:t>
+              <a:t>30.01.2025</a:t>
             </a:fld>
             <a:endParaRPr lang="de-DE" dirty="0"/>
           </a:p>
@@ -6578,7 +6578,7 @@
           <a:p>
             <a:fld id="{064A188B-21B4-4A8D-83C8-7E791F366FD9}" type="datetime1">
               <a:rPr lang="de-DE" smtClean="0"/>
-              <a:t>29.01.2025</a:t>
+              <a:t>30.01.2025</a:t>
             </a:fld>
             <a:endParaRPr lang="de-DE" dirty="0"/>
           </a:p>
@@ -6995,7 +6995,7 @@
           <a:p>
             <a:fld id="{5A5F09BD-03F5-4C49-80D7-3DA1C0A872D5}" type="datetime1">
               <a:rPr lang="de-DE" smtClean="0"/>
-              <a:t>29.01.2025</a:t>
+              <a:t>30.01.2025</a:t>
             </a:fld>
             <a:endParaRPr lang="de-DE" dirty="0"/>
           </a:p>
@@ -7141,7 +7141,7 @@
           <a:p>
             <a:fld id="{6026F39E-F7EC-4B84-9C37-8690984FE4D5}" type="datetime1">
               <a:rPr lang="de-DE" smtClean="0"/>
-              <a:t>29.01.2025</a:t>
+              <a:t>30.01.2025</a:t>
             </a:fld>
             <a:endParaRPr lang="de-DE" dirty="0"/>
           </a:p>
@@ -7259,7 +7259,7 @@
           <a:p>
             <a:fld id="{31418602-D941-4A49-9446-B64F5A22A085}" type="datetime1">
               <a:rPr lang="de-DE" smtClean="0"/>
-              <a:t>29.01.2025</a:t>
+              <a:t>30.01.2025</a:t>
             </a:fld>
             <a:endParaRPr lang="de-DE" dirty="0"/>
           </a:p>
@@ -7575,7 +7575,7 @@
           <a:p>
             <a:fld id="{03033249-D010-40F8-B47F-946F6814A06A}" type="datetime1">
               <a:rPr lang="de-DE" smtClean="0"/>
-              <a:t>29.01.2025</a:t>
+              <a:t>30.01.2025</a:t>
             </a:fld>
             <a:endParaRPr lang="de-DE" dirty="0"/>
           </a:p>
@@ -7868,7 +7868,7 @@
           <a:p>
             <a:fld id="{76585B8D-1870-4F78-BE2E-2699F501307D}" type="datetime1">
               <a:rPr lang="de-DE" smtClean="0"/>
-              <a:t>29.01.2025</a:t>
+              <a:t>30.01.2025</a:t>
             </a:fld>
             <a:endParaRPr lang="de-DE" dirty="0"/>
           </a:p>
@@ -8071,7 +8071,7 @@
           <a:p>
             <a:fld id="{4BF9EEE7-A2C7-4ACB-A34A-E88C67FBD696}" type="datetime1">
               <a:rPr lang="de-DE" smtClean="0"/>
-              <a:t>29.01.2025</a:t>
+              <a:t>30.01.2025</a:t>
             </a:fld>
             <a:endParaRPr lang="de-DE" dirty="0"/>
           </a:p>
@@ -8284,7 +8284,7 @@
           <a:p>
             <a:fld id="{691A7485-77A7-44E2-883A-FF8407A1A046}" type="datetime1">
               <a:rPr lang="de-DE" smtClean="0"/>
-              <a:t>29.01.2025</a:t>
+              <a:t>30.01.2025</a:t>
             </a:fld>
             <a:endParaRPr lang="de-DE" dirty="0"/>
           </a:p>
@@ -8432,7 +8432,7 @@
           <a:p>
             <a:fld id="{A4681764-CC49-4870-8B4A-58EBB06CE56E}" type="datetime1">
               <a:rPr lang="de-DE" smtClean="0"/>
-              <a:t>29.01.2025</a:t>
+              <a:t>30.01.2025</a:t>
             </a:fld>
             <a:endParaRPr lang="de-DE" dirty="0"/>
           </a:p>
@@ -8887,7 +8887,7 @@
           <a:p>
             <a:fld id="{A3B7E015-F6DD-469F-90E4-FB4A8C04FC0B}" type="datetime1">
               <a:rPr lang="de-DE" smtClean="0"/>
-              <a:t>29.01.2025</a:t>
+              <a:t>30.01.2025</a:t>
             </a:fld>
             <a:endParaRPr lang="de-DE" dirty="0"/>
           </a:p>
@@ -9342,7 +9342,7 @@
           <a:p>
             <a:fld id="{D2DAB08A-7767-47B3-9ABC-F251074A687B}" type="datetime1">
               <a:rPr lang="de-DE" smtClean="0"/>
-              <a:t>29.01.2025</a:t>
+              <a:t>30.01.2025</a:t>
             </a:fld>
             <a:endParaRPr lang="de-DE" dirty="0"/>
           </a:p>
@@ -9870,7 +9870,7 @@
           <a:p>
             <a:fld id="{6E224F6F-7879-40FC-901C-18BF6D42ED8D}" type="datetime1">
               <a:rPr lang="de-DE" smtClean="0"/>
-              <a:t>29.01.2025</a:t>
+              <a:t>30.01.2025</a:t>
             </a:fld>
             <a:endParaRPr lang="de-DE" dirty="0"/>
           </a:p>
@@ -10156,7 +10156,7 @@
           <a:p>
             <a:fld id="{C7A0F3EB-20A0-4500-8BD5-99B2F4FBEAA9}" type="datetime1">
               <a:rPr lang="de-DE" smtClean="0"/>
-              <a:t>29.01.2025</a:t>
+              <a:t>30.01.2025</a:t>
             </a:fld>
             <a:endParaRPr lang="de-DE" dirty="0"/>
           </a:p>
@@ -10611,7 +10611,7 @@
           <a:p>
             <a:fld id="{E9D597F0-980E-4A77-9D38-21E0C09079D3}" type="datetime1">
               <a:rPr lang="de-DE" smtClean="0"/>
-              <a:t>29.01.2025</a:t>
+              <a:t>30.01.2025</a:t>
             </a:fld>
             <a:endParaRPr lang="de-DE" dirty="0"/>
           </a:p>
@@ -11006,7 +11006,7 @@
           <a:p>
             <a:fld id="{6A6E7471-7EEB-432B-89A6-1AD99B0E46FF}" type="datetime1">
               <a:rPr lang="de-DE" smtClean="0"/>
-              <a:t>29.01.2025</a:t>
+              <a:t>30.01.2025</a:t>
             </a:fld>
             <a:endParaRPr lang="de-DE" dirty="0"/>
           </a:p>
@@ -11461,7 +11461,7 @@
           <a:p>
             <a:fld id="{5241AFB2-4563-40C8-B55A-8DF3E65E7F81}" type="datetime1">
               <a:rPr lang="de-DE" smtClean="0"/>
-              <a:t>29.01.2025</a:t>
+              <a:t>30.01.2025</a:t>
             </a:fld>
             <a:endParaRPr lang="de-DE" dirty="0"/>
           </a:p>
@@ -11933,7 +11933,7 @@
           <a:p>
             <a:fld id="{A66FA4F9-E427-452F-83F5-F8F1CC44DC41}" type="datetime1">
               <a:rPr lang="de-DE" smtClean="0"/>
-              <a:t>29.01.2025</a:t>
+              <a:t>30.01.2025</a:t>
             </a:fld>
             <a:endParaRPr lang="de-DE"/>
           </a:p>
@@ -12204,7 +12204,7 @@
           <a:p>
             <a:fld id="{03768D43-2635-4FA2-AABB-860D9CB8B160}" type="datetime1">
               <a:rPr lang="de-DE" smtClean="0"/>
-              <a:t>29.01.2025</a:t>
+              <a:t>30.01.2025</a:t>
             </a:fld>
             <a:endParaRPr lang="de-DE" dirty="0"/>
           </a:p>
@@ -12733,7 +12733,7 @@
           <a:p>
             <a:fld id="{606E70BA-FD79-466F-A344-6ED84EB9E5B8}" type="datetime1">
               <a:rPr lang="de-DE" smtClean="0"/>
-              <a:t>29.01.2025</a:t>
+              <a:t>30.01.2025</a:t>
             </a:fld>
             <a:endParaRPr lang="de-DE" dirty="0"/>
           </a:p>
@@ -13811,10 +13811,10 @@
       </p:sp>
       <p:sp>
         <p:nvSpPr>
-          <p:cNvPr id="4" name="Untertitel 2">
-            <a:extLst>
-              <a:ext uri="{FF2B5EF4-FFF2-40B4-BE49-F238E27FC236}">
-                <a16:creationId xmlns:a16="http://schemas.microsoft.com/office/drawing/2014/main" id="{D3D17AE4-F515-3AF8-BA95-BA4D63C3D0EF}"/>
+          <p:cNvPr id="5" name="Textplatzhalter 19">
+            <a:extLst>
+              <a:ext uri="{FF2B5EF4-FFF2-40B4-BE49-F238E27FC236}">
+                <a16:creationId xmlns:a16="http://schemas.microsoft.com/office/drawing/2014/main" id="{8C56FF10-4BFD-D879-E931-201320815EF4}"/>
               </a:ext>
             </a:extLst>
           </p:cNvPr>
@@ -13825,19 +13825,17 @@
         </p:nvSpPr>
         <p:spPr>
           <a:xfrm>
-            <a:off x="5191886" y="6176962"/>
-            <a:ext cx="2362198" cy="1528763"/>
+            <a:off x="4533899" y="6316363"/>
+            <a:ext cx="5029200" cy="588104"/>
           </a:xfrm>
           <a:prstGeom prst="rect">
             <a:avLst/>
           </a:prstGeom>
         </p:spPr>
         <p:txBody>
-          <a:bodyPr vert="horz" lIns="91440" tIns="45720" rIns="91440" bIns="45720" rtlCol="0">
-            <a:normAutofit/>
-          </a:bodyPr>
+          <a:bodyPr/>
           <a:lstStyle>
-            <a:lvl1pPr marL="0" indent="0" algn="ctr" defTabSz="914400" rtl="0" eaLnBrk="1" latinLnBrk="0" hangingPunct="1">
+            <a:lvl1pPr marL="228600" indent="-228600" algn="l" defTabSz="914400" rtl="0" eaLnBrk="1" latinLnBrk="0" hangingPunct="1">
               <a:lnSpc>
                 <a:spcPct val="90000"/>
               </a:lnSpc>
@@ -13845,8 +13843,8 @@
                 <a:spcPts val="1000"/>
               </a:spcBef>
               <a:buFont typeface="Arial" panose="020B0604020202020204" pitchFamily="34" charset="0"/>
-              <a:buNone/>
-              <a:defRPr sz="2400" kern="1200">
+              <a:buChar char="•"/>
+              <a:defRPr sz="2800" kern="1200">
                 <a:solidFill>
                   <a:schemeClr val="tx1"/>
                 </a:solidFill>
@@ -13855,7 +13853,7 @@
                 <a:cs typeface="+mn-cs"/>
               </a:defRPr>
             </a:lvl1pPr>
-            <a:lvl2pPr marL="457200" indent="0" algn="ctr" defTabSz="914400" rtl="0" eaLnBrk="1" latinLnBrk="0" hangingPunct="1">
+            <a:lvl2pPr marL="685800" indent="-228600" algn="l" defTabSz="914400" rtl="0" eaLnBrk="1" latinLnBrk="0" hangingPunct="1">
               <a:lnSpc>
                 <a:spcPct val="90000"/>
               </a:lnSpc>
@@ -13863,8 +13861,8 @@
                 <a:spcPts val="500"/>
               </a:spcBef>
               <a:buFont typeface="Arial" panose="020B0604020202020204" pitchFamily="34" charset="0"/>
-              <a:buNone/>
-              <a:defRPr sz="2000" kern="1200">
+              <a:buChar char="•"/>
+              <a:defRPr sz="2400" kern="1200">
                 <a:solidFill>
                   <a:schemeClr val="tx1"/>
                 </a:solidFill>
@@ -13873,7 +13871,7 @@
                 <a:cs typeface="+mn-cs"/>
               </a:defRPr>
             </a:lvl2pPr>
-            <a:lvl3pPr marL="914400" indent="0" algn="ctr" defTabSz="914400" rtl="0" eaLnBrk="1" latinLnBrk="0" hangingPunct="1">
+            <a:lvl3pPr marL="1143000" indent="-228600" algn="l" defTabSz="914400" rtl="0" eaLnBrk="1" latinLnBrk="0" hangingPunct="1">
               <a:lnSpc>
                 <a:spcPct val="90000"/>
               </a:lnSpc>
@@ -13881,8 +13879,8 @@
                 <a:spcPts val="500"/>
               </a:spcBef>
               <a:buFont typeface="Arial" panose="020B0604020202020204" pitchFamily="34" charset="0"/>
-              <a:buNone/>
-              <a:defRPr sz="1800" kern="1200">
+              <a:buChar char="•"/>
+              <a:defRPr sz="2000" kern="1200">
                 <a:solidFill>
                   <a:schemeClr val="tx1"/>
                 </a:solidFill>
@@ -13891,7 +13889,7 @@
                 <a:cs typeface="+mn-cs"/>
               </a:defRPr>
             </a:lvl3pPr>
-            <a:lvl4pPr marL="1371600" indent="0" algn="ctr" defTabSz="914400" rtl="0" eaLnBrk="1" latinLnBrk="0" hangingPunct="1">
+            <a:lvl4pPr marL="1600200" indent="-228600" algn="l" defTabSz="914400" rtl="0" eaLnBrk="1" latinLnBrk="0" hangingPunct="1">
               <a:lnSpc>
                 <a:spcPct val="90000"/>
               </a:lnSpc>
@@ -13899,8 +13897,8 @@
                 <a:spcPts val="500"/>
               </a:spcBef>
               <a:buFont typeface="Arial" panose="020B0604020202020204" pitchFamily="34" charset="0"/>
-              <a:buNone/>
-              <a:defRPr sz="1600" kern="1200">
+              <a:buChar char="•"/>
+              <a:defRPr sz="1800" kern="1200">
                 <a:solidFill>
                   <a:schemeClr val="tx1"/>
                 </a:solidFill>
@@ -13909,7 +13907,7 @@
                 <a:cs typeface="+mn-cs"/>
               </a:defRPr>
             </a:lvl4pPr>
-            <a:lvl5pPr marL="1828800" indent="0" algn="ctr" defTabSz="914400" rtl="0" eaLnBrk="1" latinLnBrk="0" hangingPunct="1">
+            <a:lvl5pPr marL="2057400" indent="-228600" algn="l" defTabSz="914400" rtl="0" eaLnBrk="1" latinLnBrk="0" hangingPunct="1">
               <a:lnSpc>
                 <a:spcPct val="90000"/>
               </a:lnSpc>
@@ -13917,8 +13915,8 @@
                 <a:spcPts val="500"/>
               </a:spcBef>
               <a:buFont typeface="Arial" panose="020B0604020202020204" pitchFamily="34" charset="0"/>
-              <a:buNone/>
-              <a:defRPr sz="1600" kern="1200">
+              <a:buChar char="•"/>
+              <a:defRPr sz="1800" kern="1200">
                 <a:solidFill>
                   <a:schemeClr val="tx1"/>
                 </a:solidFill>
@@ -13927,7 +13925,7 @@
                 <a:cs typeface="+mn-cs"/>
               </a:defRPr>
             </a:lvl5pPr>
-            <a:lvl6pPr marL="2286000" indent="0" algn="ctr" defTabSz="914400" rtl="0" eaLnBrk="1" latinLnBrk="0" hangingPunct="1">
+            <a:lvl6pPr marL="2514600" indent="-228600" algn="l" defTabSz="914400" rtl="0" eaLnBrk="1" latinLnBrk="0" hangingPunct="1">
               <a:lnSpc>
                 <a:spcPct val="90000"/>
               </a:lnSpc>
@@ -13935,8 +13933,8 @@
                 <a:spcPts val="500"/>
               </a:spcBef>
               <a:buFont typeface="Arial" panose="020B0604020202020204" pitchFamily="34" charset="0"/>
-              <a:buNone/>
-              <a:defRPr sz="1600" kern="1200">
+              <a:buChar char="•"/>
+              <a:defRPr sz="1800" kern="1200">
                 <a:solidFill>
                   <a:schemeClr val="tx1"/>
                 </a:solidFill>
@@ -13945,7 +13943,7 @@
                 <a:cs typeface="+mn-cs"/>
               </a:defRPr>
             </a:lvl6pPr>
-            <a:lvl7pPr marL="2743200" indent="0" algn="ctr" defTabSz="914400" rtl="0" eaLnBrk="1" latinLnBrk="0" hangingPunct="1">
+            <a:lvl7pPr marL="2971800" indent="-228600" algn="l" defTabSz="914400" rtl="0" eaLnBrk="1" latinLnBrk="0" hangingPunct="1">
               <a:lnSpc>
                 <a:spcPct val="90000"/>
               </a:lnSpc>
@@ -13953,8 +13951,8 @@
                 <a:spcPts val="500"/>
               </a:spcBef>
               <a:buFont typeface="Arial" panose="020B0604020202020204" pitchFamily="34" charset="0"/>
-              <a:buNone/>
-              <a:defRPr sz="1600" kern="1200">
+              <a:buChar char="•"/>
+              <a:defRPr sz="1800" kern="1200">
                 <a:solidFill>
                   <a:schemeClr val="tx1"/>
                 </a:solidFill>
@@ -13963,7 +13961,7 @@
                 <a:cs typeface="+mn-cs"/>
               </a:defRPr>
             </a:lvl7pPr>
-            <a:lvl8pPr marL="3200400" indent="0" algn="ctr" defTabSz="914400" rtl="0" eaLnBrk="1" latinLnBrk="0" hangingPunct="1">
+            <a:lvl8pPr marL="3429000" indent="-228600" algn="l" defTabSz="914400" rtl="0" eaLnBrk="1" latinLnBrk="0" hangingPunct="1">
               <a:lnSpc>
                 <a:spcPct val="90000"/>
               </a:lnSpc>
@@ -13971,8 +13969,8 @@
                 <a:spcPts val="500"/>
               </a:spcBef>
               <a:buFont typeface="Arial" panose="020B0604020202020204" pitchFamily="34" charset="0"/>
-              <a:buNone/>
-              <a:defRPr sz="1600" kern="1200">
+              <a:buChar char="•"/>
+              <a:defRPr sz="1800" kern="1200">
                 <a:solidFill>
                   <a:schemeClr val="tx1"/>
                 </a:solidFill>
@@ -13981,7 +13979,7 @@
                 <a:cs typeface="+mn-cs"/>
               </a:defRPr>
             </a:lvl8pPr>
-            <a:lvl9pPr marL="3657600" indent="0" algn="ctr" defTabSz="914400" rtl="0" eaLnBrk="1" latinLnBrk="0" hangingPunct="1">
+            <a:lvl9pPr marL="3886200" indent="-228600" algn="l" defTabSz="914400" rtl="0" eaLnBrk="1" latinLnBrk="0" hangingPunct="1">
               <a:lnSpc>
                 <a:spcPct val="90000"/>
               </a:lnSpc>
@@ -13989,8 +13987,8 @@
                 <a:spcPts val="500"/>
               </a:spcBef>
               <a:buFont typeface="Arial" panose="020B0604020202020204" pitchFamily="34" charset="0"/>
-              <a:buNone/>
-              <a:defRPr sz="1600" kern="1200">
+              <a:buChar char="•"/>
+              <a:defRPr sz="1800" kern="1200">
                 <a:solidFill>
                   <a:schemeClr val="tx1"/>
                 </a:solidFill>
@@ -14001,15 +13999,27 @@
             </a:lvl9pPr>
           </a:lstStyle>
           <a:p>
-            <a:pPr algn="l"/>
-            <a:r>
-              <a:rPr lang="en-US" sz="2000" dirty="0" err="1"/>
+            <a:pPr marL="0" indent="0">
+              <a:buNone/>
+            </a:pPr>
+            <a:r>
+              <a:rPr lang="de-DE" sz="1800" dirty="0"/>
+              <a:t>IT-Akademie Dr. Heuer, 31. </a:t>
+            </a:r>
+            <a:r>
+              <a:rPr lang="en-US" sz="1800" dirty="0" err="1"/>
               <a:t>Januar</a:t>
             </a:r>
             <a:r>
-              <a:rPr lang="en-US" sz="2000" dirty="0"/>
+              <a:rPr lang="en-US" sz="1800" dirty="0"/>
               <a:t> 2025</a:t>
             </a:r>
+          </a:p>
+          <a:p>
+            <a:pPr marL="0" indent="0">
+              <a:buNone/>
+            </a:pPr>
+            <a:endParaRPr lang="de-DE" sz="1800" dirty="0"/>
           </a:p>
         </p:txBody>
       </p:sp>
@@ -14564,7 +14574,7 @@
             <a:pPr algn="ctr"/>
             <a:fld id="{6DCE2E55-0611-429C-9DFA-BA78059032C7}" type="datetime1">
               <a:rPr lang="de-DE" smtClean="0"/>
-              <a:t>29.01.2025</a:t>
+              <a:t>30.01.2025</a:t>
             </a:fld>
             <a:endParaRPr lang="de-DE" dirty="0"/>
           </a:p>
@@ -15001,6 +15011,36 @@
           </a:p>
         </p:txBody>
       </p:sp>
+      <p:pic>
+        <p:nvPicPr>
+          <p:cNvPr id="17" name="Grafik 16">
+            <a:extLst>
+              <a:ext uri="{FF2B5EF4-FFF2-40B4-BE49-F238E27FC236}">
+                <a16:creationId xmlns:a16="http://schemas.microsoft.com/office/drawing/2014/main" id="{4F798B8E-49A2-8622-BDD6-989DE82B3423}"/>
+              </a:ext>
+            </a:extLst>
+          </p:cNvPr>
+          <p:cNvPicPr>
+            <a:picLocks noChangeAspect="1"/>
+          </p:cNvPicPr>
+          <p:nvPr/>
+        </p:nvPicPr>
+        <p:blipFill>
+          <a:blip r:embed="rId3"/>
+          <a:stretch>
+            <a:fillRect/>
+          </a:stretch>
+        </p:blipFill>
+        <p:spPr>
+          <a:xfrm>
+            <a:off x="3087168" y="1712495"/>
+            <a:ext cx="6031842" cy="4309747"/>
+          </a:xfrm>
+          <a:prstGeom prst="rect">
+            <a:avLst/>
+          </a:prstGeom>
+        </p:spPr>
+      </p:pic>
     </p:spTree>
     <p:extLst>
       <p:ext uri="{BB962C8B-B14F-4D97-AF65-F5344CB8AC3E}">
@@ -15552,7 +15592,7 @@
             <a:pPr algn="ctr"/>
             <a:fld id="{6DCE2E55-0611-429C-9DFA-BA78059032C7}" type="datetime1">
               <a:rPr lang="de-DE" smtClean="0"/>
-              <a:t>29.01.2025</a:t>
+              <a:t>30.01.2025</a:t>
             </a:fld>
             <a:endParaRPr lang="de-DE" dirty="0"/>
           </a:p>
@@ -16540,7 +16580,7 @@
             <a:pPr algn="ctr"/>
             <a:fld id="{6DCE2E55-0611-429C-9DFA-BA78059032C7}" type="datetime1">
               <a:rPr lang="de-DE" smtClean="0"/>
-              <a:t>29.01.2025</a:t>
+              <a:t>30.01.2025</a:t>
             </a:fld>
             <a:endParaRPr lang="de-DE" dirty="0"/>
           </a:p>
@@ -16803,11 +16843,41 @@
           <a:p>
             <a:r>
               <a:rPr lang="de-DE" dirty="0"/>
-              <a:t>Transaktionen</a:t>
-            </a:r>
-          </a:p>
-        </p:txBody>
-      </p:sp>
+              <a:t>Trigger</a:t>
+            </a:r>
+          </a:p>
+        </p:txBody>
+      </p:sp>
+      <p:pic>
+        <p:nvPicPr>
+          <p:cNvPr id="5" name="Grafik 4">
+            <a:extLst>
+              <a:ext uri="{FF2B5EF4-FFF2-40B4-BE49-F238E27FC236}">
+                <a16:creationId xmlns:a16="http://schemas.microsoft.com/office/drawing/2014/main" id="{CF84A689-86B6-7BD3-1738-06920D976BC1}"/>
+              </a:ext>
+            </a:extLst>
+          </p:cNvPr>
+          <p:cNvPicPr>
+            <a:picLocks noChangeAspect="1"/>
+          </p:cNvPicPr>
+          <p:nvPr/>
+        </p:nvPicPr>
+        <p:blipFill>
+          <a:blip r:embed="rId3"/>
+          <a:stretch>
+            <a:fillRect/>
+          </a:stretch>
+        </p:blipFill>
+        <p:spPr>
+          <a:xfrm>
+            <a:off x="3746109" y="1676400"/>
+            <a:ext cx="4775982" cy="4271069"/>
+          </a:xfrm>
+          <a:prstGeom prst="rect">
+            <a:avLst/>
+          </a:prstGeom>
+        </p:spPr>
+      </p:pic>
     </p:spTree>
     <p:extLst>
       <p:ext uri="{BB962C8B-B14F-4D97-AF65-F5344CB8AC3E}">
@@ -17359,7 +17429,7 @@
             <a:pPr algn="ctr"/>
             <a:fld id="{6DCE2E55-0611-429C-9DFA-BA78059032C7}" type="datetime1">
               <a:rPr lang="de-DE" smtClean="0"/>
-              <a:t>29.01.2025</a:t>
+              <a:t>30.01.2025</a:t>
             </a:fld>
             <a:endParaRPr lang="de-DE" dirty="0"/>
           </a:p>
@@ -17655,27 +17725,19 @@
           <a:p>
             <a:r>
               <a:rPr lang="de-DE" dirty="0"/>
-              <a:t>Medientypen</a:t>
+              <a:t>Medientypen (z.B. Zeitschriften)</a:t>
             </a:r>
           </a:p>
           <a:p>
             <a:r>
               <a:rPr lang="de-DE" dirty="0"/>
-              <a:t>Attribute erweitern (</a:t>
-            </a:r>
-            <a:r>
-              <a:rPr lang="de-DE" dirty="0" err="1"/>
-              <a:t>actors</a:t>
-            </a:r>
+              <a:t>Attribute erweitern (z.B. Actors)</a:t>
+            </a:r>
+          </a:p>
+          <a:p>
             <a:r>
               <a:rPr lang="de-DE" dirty="0"/>
-              <a:t>)</a:t>
-            </a:r>
-          </a:p>
-          <a:p>
-            <a:r>
-              <a:rPr lang="de-DE" dirty="0"/>
-              <a:t>Benutzer-zugehörigkeit</a:t>
+              <a:t>Benutzer-Entity </a:t>
             </a:r>
           </a:p>
           <a:p>
@@ -18273,7 +18335,7 @@
             <a:pPr algn="ctr"/>
             <a:fld id="{6DCE2E55-0611-429C-9DFA-BA78059032C7}" type="datetime1">
               <a:rPr lang="de-DE" smtClean="0"/>
-              <a:t>29.01.2025</a:t>
+              <a:t>30.01.2025</a:t>
             </a:fld>
             <a:endParaRPr lang="de-DE" dirty="0"/>
           </a:p>
@@ -19027,7 +19089,7 @@
             <a:fld id="{78528F33-B51B-4692-8105-AFA8C2F7C22E}" type="datetime1">
               <a:rPr lang="de-DE" smtClean="0"/>
               <a:pPr algn="ctr"/>
-              <a:t>29.01.2025</a:t>
+              <a:t>30.01.2025</a:t>
             </a:fld>
             <a:endParaRPr lang="de-DE" dirty="0"/>
           </a:p>
@@ -20062,7 +20124,7 @@
             <a:pPr algn="ctr"/>
             <a:fld id="{6365D8CF-27D3-43A4-BBA3-052FBE53B27E}" type="datetime1">
               <a:rPr lang="de-DE" smtClean="0"/>
-              <a:t>29.01.2025</a:t>
+              <a:t>30.01.2025</a:t>
             </a:fld>
             <a:endParaRPr lang="de-DE" dirty="0"/>
           </a:p>
@@ -20580,33 +20642,6 @@
           </a:extLst>
         </p:spPr>
       </p:pic>
-      <p:sp>
-        <p:nvSpPr>
-          <p:cNvPr id="26" name="Titel 25">
-            <a:extLst>
-              <a:ext uri="{FF2B5EF4-FFF2-40B4-BE49-F238E27FC236}">
-                <a16:creationId xmlns:a16="http://schemas.microsoft.com/office/drawing/2014/main" id="{23C900A7-6FD9-9841-1CC7-DF5FD1B8240F}"/>
-              </a:ext>
-            </a:extLst>
-          </p:cNvPr>
-          <p:cNvSpPr>
-            <a:spLocks noGrp="1"/>
-          </p:cNvSpPr>
-          <p:nvPr>
-            <p:ph type="title"/>
-          </p:nvPr>
-        </p:nvSpPr>
-        <p:spPr/>
-        <p:txBody>
-          <a:bodyPr>
-            <a:normAutofit fontScale="90000"/>
-          </a:bodyPr>
-          <a:lstStyle/>
-          <a:p>
-            <a:endParaRPr lang="de-DE"/>
-          </a:p>
-        </p:txBody>
-      </p:sp>
       <p:sp>
         <p:nvSpPr>
           <p:cNvPr id="27" name="Textplatzhalter 19">
@@ -21357,7 +21392,7 @@
             <a:pPr algn="ctr"/>
             <a:fld id="{374E3A58-FB67-4F71-9C3A-917825C8FEC1}" type="datetime1">
               <a:rPr lang="de-DE" smtClean="0"/>
-              <a:t>29.01.2025</a:t>
+              <a:t>30.01.2025</a:t>
             </a:fld>
             <a:endParaRPr lang="de-DE" dirty="0"/>
           </a:p>
@@ -21464,33 +21499,6 @@
           </a:prstGeom>
         </p:spPr>
       </p:pic>
-      <p:sp>
-        <p:nvSpPr>
-          <p:cNvPr id="17" name="Titel 16">
-            <a:extLst>
-              <a:ext uri="{FF2B5EF4-FFF2-40B4-BE49-F238E27FC236}">
-                <a16:creationId xmlns:a16="http://schemas.microsoft.com/office/drawing/2014/main" id="{675D2D45-1CB5-CC3F-6953-4BDDA693057E}"/>
-              </a:ext>
-            </a:extLst>
-          </p:cNvPr>
-          <p:cNvSpPr>
-            <a:spLocks noGrp="1"/>
-          </p:cNvSpPr>
-          <p:nvPr>
-            <p:ph type="title"/>
-          </p:nvPr>
-        </p:nvSpPr>
-        <p:spPr/>
-        <p:txBody>
-          <a:bodyPr>
-            <a:normAutofit fontScale="90000"/>
-          </a:bodyPr>
-          <a:lstStyle/>
-          <a:p>
-            <a:endParaRPr lang="de-DE"/>
-          </a:p>
-        </p:txBody>
-      </p:sp>
       <p:sp>
         <p:nvSpPr>
           <p:cNvPr id="18" name="Textplatzhalter 19">
@@ -22241,7 +22249,7 @@
             <a:pPr algn="ctr"/>
             <a:fld id="{0953343C-08E3-417E-ABC9-2F51F6F24065}" type="datetime1">
               <a:rPr lang="de-DE" smtClean="0"/>
-              <a:t>29.01.2025</a:t>
+              <a:t>30.01.2025</a:t>
             </a:fld>
             <a:endParaRPr lang="de-DE" dirty="0"/>
           </a:p>
@@ -22348,33 +22356,6 @@
           </a:prstGeom>
         </p:spPr>
       </p:pic>
-      <p:sp>
-        <p:nvSpPr>
-          <p:cNvPr id="19" name="Titel 18">
-            <a:extLst>
-              <a:ext uri="{FF2B5EF4-FFF2-40B4-BE49-F238E27FC236}">
-                <a16:creationId xmlns:a16="http://schemas.microsoft.com/office/drawing/2014/main" id="{8AFD3121-0315-2E80-4B09-7197CC3D32F3}"/>
-              </a:ext>
-            </a:extLst>
-          </p:cNvPr>
-          <p:cNvSpPr>
-            <a:spLocks noGrp="1"/>
-          </p:cNvSpPr>
-          <p:nvPr>
-            <p:ph type="title"/>
-          </p:nvPr>
-        </p:nvSpPr>
-        <p:spPr/>
-        <p:txBody>
-          <a:bodyPr>
-            <a:normAutofit fontScale="90000"/>
-          </a:bodyPr>
-          <a:lstStyle/>
-          <a:p>
-            <a:endParaRPr lang="de-DE"/>
-          </a:p>
-        </p:txBody>
-      </p:sp>
       <p:sp>
         <p:nvSpPr>
           <p:cNvPr id="21" name="Textplatzhalter 19">
@@ -23125,7 +23106,7 @@
             <a:pPr algn="ctr"/>
             <a:fld id="{6DCE2E55-0611-429C-9DFA-BA78059032C7}" type="datetime1">
               <a:rPr lang="de-DE" smtClean="0"/>
-              <a:t>29.01.2025</a:t>
+              <a:t>30.01.2025</a:t>
             </a:fld>
             <a:endParaRPr lang="de-DE" dirty="0"/>
           </a:p>
@@ -23181,7 +23162,7 @@
         </p:blipFill>
         <p:spPr>
           <a:xfrm>
-            <a:off x="6072042" y="1263533"/>
+            <a:off x="6400800" y="1217304"/>
             <a:ext cx="4655640" cy="4876436"/>
           </a:xfrm>
           <a:prstGeom prst="rect">
@@ -23252,14 +23233,17 @@
         </p:nvSpPr>
         <p:spPr>
           <a:xfrm>
-            <a:off x="990600" y="2028825"/>
-            <a:ext cx="3999234" cy="949113"/>
+            <a:off x="2177598" y="5210960"/>
+            <a:ext cx="6019800" cy="949113"/>
           </a:xfrm>
         </p:spPr>
         <p:txBody>
           <a:bodyPr/>
           <a:lstStyle/>
           <a:p>
+            <a:pPr marL="0" indent="0">
+              <a:buNone/>
+            </a:pPr>
             <a:r>
               <a:rPr lang="de-DE" dirty="0"/>
               <a:t>zentrale Tabelle für alle Medientypen</a:t>
@@ -23267,53 +23251,6 @@
           </a:p>
         </p:txBody>
       </p:sp>
-      <p:pic>
-        <p:nvPicPr>
-          <p:cNvPr id="22" name="Picture 2">
-            <a:extLst>
-              <a:ext uri="{FF2B5EF4-FFF2-40B4-BE49-F238E27FC236}">
-                <a16:creationId xmlns:a16="http://schemas.microsoft.com/office/drawing/2014/main" id="{A8D9A848-3EF6-61F4-9952-76FBD72C62DD}"/>
-              </a:ext>
-            </a:extLst>
-          </p:cNvPr>
-          <p:cNvPicPr>
-            <a:picLocks noChangeAspect="1" noChangeArrowheads="1"/>
-          </p:cNvPicPr>
-          <p:nvPr/>
-        </p:nvPicPr>
-        <p:blipFill>
-          <a:blip r:embed="rId4" cstate="print">
-            <a:extLst>
-              <a:ext uri="{28A0092B-C50C-407E-A947-70E740481C1C}">
-                <a14:useLocalDpi xmlns:a14="http://schemas.microsoft.com/office/drawing/2010/main" val="0"/>
-              </a:ext>
-            </a:extLst>
-          </a:blip>
-          <a:srcRect/>
-          <a:stretch>
-            <a:fillRect/>
-          </a:stretch>
-        </p:blipFill>
-        <p:spPr bwMode="auto">
-          <a:xfrm>
-            <a:off x="1464401" y="3880063"/>
-            <a:ext cx="2852647" cy="1951764"/>
-          </a:xfrm>
-          <a:prstGeom prst="rect">
-            <a:avLst/>
-          </a:prstGeom>
-          <a:noFill/>
-          <a:extLst>
-            <a:ext uri="{909E8E84-426E-40DD-AFC4-6F175D3DCCD1}">
-              <a14:hiddenFill xmlns:a14="http://schemas.microsoft.com/office/drawing/2010/main">
-                <a:solidFill>
-                  <a:srgbClr val="FFFFFF"/>
-                </a:solidFill>
-              </a14:hiddenFill>
-            </a:ext>
-          </a:extLst>
-        </p:spPr>
-      </p:pic>
       <p:sp>
         <p:nvSpPr>
           <p:cNvPr id="24" name="Titel 23">
@@ -23540,6 +23477,36 @@
           </a:p>
         </p:txBody>
       </p:sp>
+      <p:pic>
+        <p:nvPicPr>
+          <p:cNvPr id="3" name="Grafik 2">
+            <a:extLst>
+              <a:ext uri="{FF2B5EF4-FFF2-40B4-BE49-F238E27FC236}">
+                <a16:creationId xmlns:a16="http://schemas.microsoft.com/office/drawing/2014/main" id="{980A64AF-0DCF-455C-7CEA-579F4A13899A}"/>
+              </a:ext>
+            </a:extLst>
+          </p:cNvPr>
+          <p:cNvPicPr>
+            <a:picLocks noChangeAspect="1"/>
+          </p:cNvPicPr>
+          <p:nvPr/>
+        </p:nvPicPr>
+        <p:blipFill>
+          <a:blip r:embed="rId4"/>
+          <a:stretch>
+            <a:fillRect/>
+          </a:stretch>
+        </p:blipFill>
+        <p:spPr>
+          <a:xfrm>
+            <a:off x="748400" y="1934561"/>
+            <a:ext cx="5211548" cy="2973308"/>
+          </a:xfrm>
+          <a:prstGeom prst="rect">
+            <a:avLst/>
+          </a:prstGeom>
+        </p:spPr>
+      </p:pic>
     </p:spTree>
     <p:extLst>
       <p:ext uri="{BB962C8B-B14F-4D97-AF65-F5344CB8AC3E}">
@@ -24323,7 +24290,7 @@
             <a:pPr algn="ctr"/>
             <a:fld id="{6DCE2E55-0611-429C-9DFA-BA78059032C7}" type="datetime1">
               <a:rPr lang="de-DE" smtClean="0"/>
-              <a:t>29.01.2025</a:t>
+              <a:t>30.01.2025</a:t>
             </a:fld>
             <a:endParaRPr lang="de-DE" dirty="0"/>
           </a:p>
@@ -24561,215 +24528,36 @@
           </a:p>
         </p:txBody>
       </p:sp>
-      <p:sp>
-        <p:nvSpPr>
-          <p:cNvPr id="35" name="Textplatzhalter 8">
-            <a:extLst>
-              <a:ext uri="{FF2B5EF4-FFF2-40B4-BE49-F238E27FC236}">
-                <a16:creationId xmlns:a16="http://schemas.microsoft.com/office/drawing/2014/main" id="{397F5D70-EB8A-EAD6-3793-C41E1BB978B6}"/>
-              </a:ext>
-            </a:extLst>
-          </p:cNvPr>
-          <p:cNvSpPr txBox="1">
-            <a:spLocks/>
-          </p:cNvSpPr>
+      <p:pic>
+        <p:nvPicPr>
+          <p:cNvPr id="3" name="Grafik 2">
+            <a:extLst>
+              <a:ext uri="{FF2B5EF4-FFF2-40B4-BE49-F238E27FC236}">
+                <a16:creationId xmlns:a16="http://schemas.microsoft.com/office/drawing/2014/main" id="{CE64A41B-526B-A328-CC92-5E0A95E6B02B}"/>
+              </a:ext>
+            </a:extLst>
+          </p:cNvPr>
+          <p:cNvPicPr>
+            <a:picLocks noChangeAspect="1"/>
+          </p:cNvPicPr>
           <p:nvPr/>
-        </p:nvSpPr>
+        </p:nvPicPr>
+        <p:blipFill>
+          <a:blip r:embed="rId4"/>
+          <a:stretch>
+            <a:fillRect/>
+          </a:stretch>
+        </p:blipFill>
         <p:spPr>
           <a:xfrm>
-            <a:off x="-659750" y="2987971"/>
-            <a:ext cx="8658516" cy="609600"/>
+            <a:off x="893604" y="1937491"/>
+            <a:ext cx="5856605" cy="3271621"/>
           </a:xfrm>
           <a:prstGeom prst="rect">
             <a:avLst/>
           </a:prstGeom>
         </p:spPr>
-        <p:txBody>
-          <a:bodyPr vert="horz" lIns="91440" tIns="45720" rIns="91440" bIns="45720" rtlCol="0">
-            <a:noAutofit/>
-          </a:bodyPr>
-          <a:lstStyle>
-            <a:lvl1pPr marL="0" indent="0" algn="ctr" defTabSz="914400" rtl="0" eaLnBrk="1" latinLnBrk="0" hangingPunct="1">
-              <a:lnSpc>
-                <a:spcPct val="90000"/>
-              </a:lnSpc>
-              <a:spcBef>
-                <a:spcPts val="1000"/>
-              </a:spcBef>
-              <a:buFont typeface="Arial" panose="020B0604020202020204" pitchFamily="34" charset="0"/>
-              <a:buNone/>
-              <a:tabLst/>
-              <a:defRPr sz="3200" u="sng" kern="1200">
-                <a:solidFill>
-                  <a:schemeClr val="tx1"/>
-                </a:solidFill>
-                <a:latin typeface="+mn-lt"/>
-                <a:ea typeface="+mn-ea"/>
-                <a:cs typeface="+mn-cs"/>
-              </a:defRPr>
-            </a:lvl1pPr>
-            <a:lvl2pPr marL="685800" indent="-228600" algn="l" defTabSz="914400" rtl="0" eaLnBrk="1" latinLnBrk="0" hangingPunct="1">
-              <a:lnSpc>
-                <a:spcPct val="90000"/>
-              </a:lnSpc>
-              <a:spcBef>
-                <a:spcPts val="500"/>
-              </a:spcBef>
-              <a:buFont typeface="Arial" panose="020B0604020202020204" pitchFamily="34" charset="0"/>
-              <a:buChar char="•"/>
-              <a:defRPr sz="2400" kern="1200">
-                <a:solidFill>
-                  <a:schemeClr val="tx1"/>
-                </a:solidFill>
-                <a:latin typeface="+mn-lt"/>
-                <a:ea typeface="+mn-ea"/>
-                <a:cs typeface="+mn-cs"/>
-              </a:defRPr>
-            </a:lvl2pPr>
-            <a:lvl3pPr marL="1143000" indent="-228600" algn="l" defTabSz="914400" rtl="0" eaLnBrk="1" latinLnBrk="0" hangingPunct="1">
-              <a:lnSpc>
-                <a:spcPct val="90000"/>
-              </a:lnSpc>
-              <a:spcBef>
-                <a:spcPts val="500"/>
-              </a:spcBef>
-              <a:buFont typeface="Arial" panose="020B0604020202020204" pitchFamily="34" charset="0"/>
-              <a:buChar char="•"/>
-              <a:defRPr sz="2000" kern="1200">
-                <a:solidFill>
-                  <a:schemeClr val="tx1"/>
-                </a:solidFill>
-                <a:latin typeface="+mn-lt"/>
-                <a:ea typeface="+mn-ea"/>
-                <a:cs typeface="+mn-cs"/>
-              </a:defRPr>
-            </a:lvl3pPr>
-            <a:lvl4pPr marL="1600200" indent="-228600" algn="l" defTabSz="914400" rtl="0" eaLnBrk="1" latinLnBrk="0" hangingPunct="1">
-              <a:lnSpc>
-                <a:spcPct val="90000"/>
-              </a:lnSpc>
-              <a:spcBef>
-                <a:spcPts val="500"/>
-              </a:spcBef>
-              <a:buFont typeface="Arial" panose="020B0604020202020204" pitchFamily="34" charset="0"/>
-              <a:buChar char="•"/>
-              <a:defRPr sz="1800" kern="1200">
-                <a:solidFill>
-                  <a:schemeClr val="tx1"/>
-                </a:solidFill>
-                <a:latin typeface="+mn-lt"/>
-                <a:ea typeface="+mn-ea"/>
-                <a:cs typeface="+mn-cs"/>
-              </a:defRPr>
-            </a:lvl4pPr>
-            <a:lvl5pPr marL="2057400" indent="-228600" algn="l" defTabSz="914400" rtl="0" eaLnBrk="1" latinLnBrk="0" hangingPunct="1">
-              <a:lnSpc>
-                <a:spcPct val="90000"/>
-              </a:lnSpc>
-              <a:spcBef>
-                <a:spcPts val="500"/>
-              </a:spcBef>
-              <a:buFont typeface="Arial" panose="020B0604020202020204" pitchFamily="34" charset="0"/>
-              <a:buChar char="•"/>
-              <a:defRPr sz="1800" kern="1200">
-                <a:solidFill>
-                  <a:schemeClr val="tx1"/>
-                </a:solidFill>
-                <a:latin typeface="+mn-lt"/>
-                <a:ea typeface="+mn-ea"/>
-                <a:cs typeface="+mn-cs"/>
-              </a:defRPr>
-            </a:lvl5pPr>
-            <a:lvl6pPr marL="2514600" indent="-228600" algn="l" defTabSz="914400" rtl="0" eaLnBrk="1" latinLnBrk="0" hangingPunct="1">
-              <a:lnSpc>
-                <a:spcPct val="90000"/>
-              </a:lnSpc>
-              <a:spcBef>
-                <a:spcPts val="500"/>
-              </a:spcBef>
-              <a:buFont typeface="Arial" panose="020B0604020202020204" pitchFamily="34" charset="0"/>
-              <a:buChar char="•"/>
-              <a:defRPr sz="1800" kern="1200">
-                <a:solidFill>
-                  <a:schemeClr val="tx1"/>
-                </a:solidFill>
-                <a:latin typeface="+mn-lt"/>
-                <a:ea typeface="+mn-ea"/>
-                <a:cs typeface="+mn-cs"/>
-              </a:defRPr>
-            </a:lvl6pPr>
-            <a:lvl7pPr marL="2971800" indent="-228600" algn="l" defTabSz="914400" rtl="0" eaLnBrk="1" latinLnBrk="0" hangingPunct="1">
-              <a:lnSpc>
-                <a:spcPct val="90000"/>
-              </a:lnSpc>
-              <a:spcBef>
-                <a:spcPts val="500"/>
-              </a:spcBef>
-              <a:buFont typeface="Arial" panose="020B0604020202020204" pitchFamily="34" charset="0"/>
-              <a:buChar char="•"/>
-              <a:defRPr sz="1800" kern="1200">
-                <a:solidFill>
-                  <a:schemeClr val="tx1"/>
-                </a:solidFill>
-                <a:latin typeface="+mn-lt"/>
-                <a:ea typeface="+mn-ea"/>
-                <a:cs typeface="+mn-cs"/>
-              </a:defRPr>
-            </a:lvl7pPr>
-            <a:lvl8pPr marL="3429000" indent="-228600" algn="l" defTabSz="914400" rtl="0" eaLnBrk="1" latinLnBrk="0" hangingPunct="1">
-              <a:lnSpc>
-                <a:spcPct val="90000"/>
-              </a:lnSpc>
-              <a:spcBef>
-                <a:spcPts val="500"/>
-              </a:spcBef>
-              <a:buFont typeface="Arial" panose="020B0604020202020204" pitchFamily="34" charset="0"/>
-              <a:buChar char="•"/>
-              <a:defRPr sz="1800" kern="1200">
-                <a:solidFill>
-                  <a:schemeClr val="tx1"/>
-                </a:solidFill>
-                <a:latin typeface="+mn-lt"/>
-                <a:ea typeface="+mn-ea"/>
-                <a:cs typeface="+mn-cs"/>
-              </a:defRPr>
-            </a:lvl8pPr>
-            <a:lvl9pPr marL="3886200" indent="-228600" algn="l" defTabSz="914400" rtl="0" eaLnBrk="1" latinLnBrk="0" hangingPunct="1">
-              <a:lnSpc>
-                <a:spcPct val="90000"/>
-              </a:lnSpc>
-              <a:spcBef>
-                <a:spcPts val="500"/>
-              </a:spcBef>
-              <a:buFont typeface="Arial" panose="020B0604020202020204" pitchFamily="34" charset="0"/>
-              <a:buChar char="•"/>
-              <a:defRPr sz="1800" kern="1200">
-                <a:solidFill>
-                  <a:schemeClr val="tx1"/>
-                </a:solidFill>
-                <a:latin typeface="+mn-lt"/>
-                <a:ea typeface="+mn-ea"/>
-                <a:cs typeface="+mn-cs"/>
-              </a:defRPr>
-            </a:lvl9pPr>
-          </a:lstStyle>
-          <a:p>
-            <a:r>
-              <a:rPr lang="de-DE" dirty="0"/>
-              <a:t>Platz für </a:t>
-            </a:r>
-            <a:r>
-              <a:rPr lang="de-DE" dirty="0" err="1"/>
-              <a:t>Tabellenscreenshot</a:t>
-            </a:r>
-            <a:endParaRPr lang="de-DE" dirty="0"/>
-          </a:p>
-          <a:p>
-            <a:pPr algn="l"/>
-            <a:endParaRPr lang="de-DE" dirty="0"/>
-          </a:p>
-        </p:txBody>
-      </p:sp>
+      </p:pic>
     </p:spTree>
     <p:extLst>
       <p:ext uri="{BB962C8B-B14F-4D97-AF65-F5344CB8AC3E}">
@@ -25321,7 +25109,7 @@
             <a:pPr algn="ctr"/>
             <a:fld id="{6DCE2E55-0611-429C-9DFA-BA78059032C7}" type="datetime1">
               <a:rPr lang="de-DE" smtClean="0"/>
-              <a:t>29.01.2025</a:t>
+              <a:t>30.01.2025</a:t>
             </a:fld>
             <a:endParaRPr lang="de-DE" dirty="0"/>
           </a:p>
@@ -26556,7 +26344,7 @@
             <a:pPr algn="ctr"/>
             <a:fld id="{6DCE2E55-0611-429C-9DFA-BA78059032C7}" type="datetime1">
               <a:rPr lang="de-DE" smtClean="0"/>
-              <a:t>29.01.2025</a:t>
+              <a:t>30.01.2025</a:t>
             </a:fld>
             <a:endParaRPr lang="de-DE" dirty="0"/>
           </a:p>
@@ -26987,6 +26775,234 @@
               <a:t>Übersicht: Views, Funktionen, Transaktionen, Trigger</a:t>
             </a:r>
           </a:p>
+          <a:p>
+            <a:pPr algn="l"/>
+            <a:endParaRPr lang="de-DE" dirty="0"/>
+          </a:p>
+        </p:txBody>
+      </p:sp>
+      <p:pic>
+        <p:nvPicPr>
+          <p:cNvPr id="5" name="Grafik 4">
+            <a:extLst>
+              <a:ext uri="{FF2B5EF4-FFF2-40B4-BE49-F238E27FC236}">
+                <a16:creationId xmlns:a16="http://schemas.microsoft.com/office/drawing/2014/main" id="{F8880B6C-66A9-E57F-4F43-A67525439BB8}"/>
+              </a:ext>
+            </a:extLst>
+          </p:cNvPr>
+          <p:cNvPicPr>
+            <a:picLocks noChangeAspect="1"/>
+          </p:cNvPicPr>
+          <p:nvPr/>
+        </p:nvPicPr>
+        <p:blipFill>
+          <a:blip r:embed="rId3"/>
+          <a:stretch>
+            <a:fillRect/>
+          </a:stretch>
+        </p:blipFill>
+        <p:spPr>
+          <a:xfrm>
+            <a:off x="619463" y="1676400"/>
+            <a:ext cx="1595312" cy="4279490"/>
+          </a:xfrm>
+          <a:prstGeom prst="rect">
+            <a:avLst/>
+          </a:prstGeom>
+        </p:spPr>
+      </p:pic>
+      <p:sp>
+        <p:nvSpPr>
+          <p:cNvPr id="6" name="Textplatzhalter 8">
+            <a:extLst>
+              <a:ext uri="{FF2B5EF4-FFF2-40B4-BE49-F238E27FC236}">
+                <a16:creationId xmlns:a16="http://schemas.microsoft.com/office/drawing/2014/main" id="{2CB9312D-B44B-6E14-5231-2F5EE7F39DD9}"/>
+              </a:ext>
+            </a:extLst>
+          </p:cNvPr>
+          <p:cNvSpPr txBox="1">
+            <a:spLocks/>
+          </p:cNvSpPr>
+          <p:nvPr/>
+        </p:nvSpPr>
+        <p:spPr>
+          <a:xfrm>
+            <a:off x="2890725" y="1872916"/>
+            <a:ext cx="6212270" cy="609600"/>
+          </a:xfrm>
+          <a:prstGeom prst="rect">
+            <a:avLst/>
+          </a:prstGeom>
+        </p:spPr>
+        <p:txBody>
+          <a:bodyPr vert="horz" lIns="91440" tIns="45720" rIns="91440" bIns="45720" rtlCol="0">
+            <a:noAutofit/>
+          </a:bodyPr>
+          <a:lstStyle>
+            <a:lvl1pPr marL="0" indent="0" algn="ctr" defTabSz="914400" rtl="0" eaLnBrk="1" latinLnBrk="0" hangingPunct="1">
+              <a:lnSpc>
+                <a:spcPct val="90000"/>
+              </a:lnSpc>
+              <a:spcBef>
+                <a:spcPts val="1000"/>
+              </a:spcBef>
+              <a:buFont typeface="Arial" panose="020B0604020202020204" pitchFamily="34" charset="0"/>
+              <a:buNone/>
+              <a:tabLst/>
+              <a:defRPr sz="3200" u="sng" kern="1200">
+                <a:solidFill>
+                  <a:schemeClr val="tx1"/>
+                </a:solidFill>
+                <a:latin typeface="+mn-lt"/>
+                <a:ea typeface="+mn-ea"/>
+                <a:cs typeface="+mn-cs"/>
+              </a:defRPr>
+            </a:lvl1pPr>
+            <a:lvl2pPr marL="685800" indent="-228600" algn="l" defTabSz="914400" rtl="0" eaLnBrk="1" latinLnBrk="0" hangingPunct="1">
+              <a:lnSpc>
+                <a:spcPct val="90000"/>
+              </a:lnSpc>
+              <a:spcBef>
+                <a:spcPts val="500"/>
+              </a:spcBef>
+              <a:buFont typeface="Arial" panose="020B0604020202020204" pitchFamily="34" charset="0"/>
+              <a:buChar char="•"/>
+              <a:defRPr sz="2400" kern="1200">
+                <a:solidFill>
+                  <a:schemeClr val="tx1"/>
+                </a:solidFill>
+                <a:latin typeface="+mn-lt"/>
+                <a:ea typeface="+mn-ea"/>
+                <a:cs typeface="+mn-cs"/>
+              </a:defRPr>
+            </a:lvl2pPr>
+            <a:lvl3pPr marL="1143000" indent="-228600" algn="l" defTabSz="914400" rtl="0" eaLnBrk="1" latinLnBrk="0" hangingPunct="1">
+              <a:lnSpc>
+                <a:spcPct val="90000"/>
+              </a:lnSpc>
+              <a:spcBef>
+                <a:spcPts val="500"/>
+              </a:spcBef>
+              <a:buFont typeface="Arial" panose="020B0604020202020204" pitchFamily="34" charset="0"/>
+              <a:buChar char="•"/>
+              <a:defRPr sz="2000" kern="1200">
+                <a:solidFill>
+                  <a:schemeClr val="tx1"/>
+                </a:solidFill>
+                <a:latin typeface="+mn-lt"/>
+                <a:ea typeface="+mn-ea"/>
+                <a:cs typeface="+mn-cs"/>
+              </a:defRPr>
+            </a:lvl3pPr>
+            <a:lvl4pPr marL="1600200" indent="-228600" algn="l" defTabSz="914400" rtl="0" eaLnBrk="1" latinLnBrk="0" hangingPunct="1">
+              <a:lnSpc>
+                <a:spcPct val="90000"/>
+              </a:lnSpc>
+              <a:spcBef>
+                <a:spcPts val="500"/>
+              </a:spcBef>
+              <a:buFont typeface="Arial" panose="020B0604020202020204" pitchFamily="34" charset="0"/>
+              <a:buChar char="•"/>
+              <a:defRPr sz="1800" kern="1200">
+                <a:solidFill>
+                  <a:schemeClr val="tx1"/>
+                </a:solidFill>
+                <a:latin typeface="+mn-lt"/>
+                <a:ea typeface="+mn-ea"/>
+                <a:cs typeface="+mn-cs"/>
+              </a:defRPr>
+            </a:lvl4pPr>
+            <a:lvl5pPr marL="2057400" indent="-228600" algn="l" defTabSz="914400" rtl="0" eaLnBrk="1" latinLnBrk="0" hangingPunct="1">
+              <a:lnSpc>
+                <a:spcPct val="90000"/>
+              </a:lnSpc>
+              <a:spcBef>
+                <a:spcPts val="500"/>
+              </a:spcBef>
+              <a:buFont typeface="Arial" panose="020B0604020202020204" pitchFamily="34" charset="0"/>
+              <a:buChar char="•"/>
+              <a:defRPr sz="1800" kern="1200">
+                <a:solidFill>
+                  <a:schemeClr val="tx1"/>
+                </a:solidFill>
+                <a:latin typeface="+mn-lt"/>
+                <a:ea typeface="+mn-ea"/>
+                <a:cs typeface="+mn-cs"/>
+              </a:defRPr>
+            </a:lvl5pPr>
+            <a:lvl6pPr marL="2514600" indent="-228600" algn="l" defTabSz="914400" rtl="0" eaLnBrk="1" latinLnBrk="0" hangingPunct="1">
+              <a:lnSpc>
+                <a:spcPct val="90000"/>
+              </a:lnSpc>
+              <a:spcBef>
+                <a:spcPts val="500"/>
+              </a:spcBef>
+              <a:buFont typeface="Arial" panose="020B0604020202020204" pitchFamily="34" charset="0"/>
+              <a:buChar char="•"/>
+              <a:defRPr sz="1800" kern="1200">
+                <a:solidFill>
+                  <a:schemeClr val="tx1"/>
+                </a:solidFill>
+                <a:latin typeface="+mn-lt"/>
+                <a:ea typeface="+mn-ea"/>
+                <a:cs typeface="+mn-cs"/>
+              </a:defRPr>
+            </a:lvl6pPr>
+            <a:lvl7pPr marL="2971800" indent="-228600" algn="l" defTabSz="914400" rtl="0" eaLnBrk="1" latinLnBrk="0" hangingPunct="1">
+              <a:lnSpc>
+                <a:spcPct val="90000"/>
+              </a:lnSpc>
+              <a:spcBef>
+                <a:spcPts val="500"/>
+              </a:spcBef>
+              <a:buFont typeface="Arial" panose="020B0604020202020204" pitchFamily="34" charset="0"/>
+              <a:buChar char="•"/>
+              <a:defRPr sz="1800" kern="1200">
+                <a:solidFill>
+                  <a:schemeClr val="tx1"/>
+                </a:solidFill>
+                <a:latin typeface="+mn-lt"/>
+                <a:ea typeface="+mn-ea"/>
+                <a:cs typeface="+mn-cs"/>
+              </a:defRPr>
+            </a:lvl7pPr>
+            <a:lvl8pPr marL="3429000" indent="-228600" algn="l" defTabSz="914400" rtl="0" eaLnBrk="1" latinLnBrk="0" hangingPunct="1">
+              <a:lnSpc>
+                <a:spcPct val="90000"/>
+              </a:lnSpc>
+              <a:spcBef>
+                <a:spcPts val="500"/>
+              </a:spcBef>
+              <a:buFont typeface="Arial" panose="020B0604020202020204" pitchFamily="34" charset="0"/>
+              <a:buChar char="•"/>
+              <a:defRPr sz="1800" kern="1200">
+                <a:solidFill>
+                  <a:schemeClr val="tx1"/>
+                </a:solidFill>
+                <a:latin typeface="+mn-lt"/>
+                <a:ea typeface="+mn-ea"/>
+                <a:cs typeface="+mn-cs"/>
+              </a:defRPr>
+            </a:lvl8pPr>
+            <a:lvl9pPr marL="3886200" indent="-228600" algn="l" defTabSz="914400" rtl="0" eaLnBrk="1" latinLnBrk="0" hangingPunct="1">
+              <a:lnSpc>
+                <a:spcPct val="90000"/>
+              </a:lnSpc>
+              <a:spcBef>
+                <a:spcPts val="500"/>
+              </a:spcBef>
+              <a:buFont typeface="Arial" panose="020B0604020202020204" pitchFamily="34" charset="0"/>
+              <a:buChar char="•"/>
+              <a:defRPr sz="1800" kern="1200">
+                <a:solidFill>
+                  <a:schemeClr val="tx1"/>
+                </a:solidFill>
+                <a:latin typeface="+mn-lt"/>
+                <a:ea typeface="+mn-ea"/>
+                <a:cs typeface="+mn-cs"/>
+              </a:defRPr>
+            </a:lvl9pPr>
+          </a:lstStyle>
           <a:p>
             <a:pPr algn="l"/>
             <a:endParaRPr lang="de-DE" dirty="0"/>

--- a/Medienverwaltungsdatenbank Gruppe1.pptx
+++ b/Medienverwaltungsdatenbank Gruppe1.pptx
@@ -3574,11 +3574,11 @@
           <a:p>
             <a:r>
               <a:rPr lang="de-DE" dirty="0"/>
-              <a:t>Wir haben folgende Tabellen überlegt: </a:t>
+              <a:t>Wir haben folgende Tabellen überlegt: media, </a:t>
             </a:r>
             <a:r>
               <a:rPr lang="de-DE" dirty="0" err="1"/>
-              <a:t>media</a:t>
+              <a:t>books</a:t>
             </a:r>
             <a:r>
               <a:rPr lang="de-DE" dirty="0"/>
@@ -3586,7 +3586,7 @@
             </a:r>
             <a:r>
               <a:rPr lang="de-DE" dirty="0" err="1"/>
-              <a:t>books</a:t>
+              <a:t>films</a:t>
             </a:r>
             <a:r>
               <a:rPr lang="de-DE" dirty="0"/>
@@ -3594,27 +3594,11 @@
             </a:r>
             <a:r>
               <a:rPr lang="de-DE" dirty="0" err="1"/>
-              <a:t>films</a:t>
+              <a:t>series</a:t>
             </a:r>
             <a:r>
               <a:rPr lang="de-DE" dirty="0"/>
-              <a:t>, </a:t>
-            </a:r>
-            <a:r>
-              <a:rPr lang="de-DE" dirty="0" err="1"/>
-              <a:t>series</a:t>
-            </a:r>
-            <a:r>
-              <a:rPr lang="de-DE" dirty="0"/>
-              <a:t>, </a:t>
-            </a:r>
-            <a:r>
-              <a:rPr lang="de-DE" dirty="0" err="1"/>
-              <a:t>locations</a:t>
-            </a:r>
-            <a:r>
-              <a:rPr lang="de-DE" dirty="0"/>
-              <a:t>, </a:t>
+              <a:t>, locations, </a:t>
             </a:r>
             <a:r>
               <a:rPr lang="de-DE" dirty="0" err="1"/>
@@ -3622,15 +3606,7 @@
             </a:r>
             <a:r>
               <a:rPr lang="de-DE" dirty="0"/>
-              <a:t>, </a:t>
-            </a:r>
-            <a:r>
-              <a:rPr lang="de-DE" dirty="0" err="1"/>
-              <a:t>withdrawals</a:t>
-            </a:r>
-            <a:r>
-              <a:rPr lang="de-DE" dirty="0"/>
-              <a:t> und </a:t>
+              <a:t>, withdrawals und </a:t>
             </a:r>
             <a:r>
               <a:rPr lang="de-DE" dirty="0" err="1"/>
@@ -18635,13 +18611,13 @@
       </p:grpSpPr>
       <p:sp>
         <p:nvSpPr>
-          <p:cNvPr id="10" name="Rechteck 9"/>
+          <p:cNvPr id="13" name="Rechteck 12"/>
           <p:cNvSpPr/>
           <p:nvPr/>
         </p:nvSpPr>
         <p:spPr>
           <a:xfrm>
-            <a:off x="4737498" y="606375"/>
+            <a:off x="6631184" y="586441"/>
             <a:ext cx="900000" cy="216000"/>
           </a:xfrm>
           <a:prstGeom prst="rect">
@@ -18677,56 +18653,7 @@
                 <a:latin typeface="Arial" panose="020B0604020202020204" pitchFamily="34" charset="0"/>
                 <a:cs typeface="Arial" panose="020B0604020202020204" pitchFamily="34" charset="0"/>
               </a:rPr>
-              <a:t>Soll-Zustand</a:t>
-            </a:r>
-          </a:p>
-        </p:txBody>
-      </p:sp>
-      <p:sp>
-        <p:nvSpPr>
-          <p:cNvPr id="13" name="Rechteck 12"/>
-          <p:cNvSpPr/>
-          <p:nvPr/>
-        </p:nvSpPr>
-        <p:spPr>
-          <a:xfrm>
-            <a:off x="6568680" y="606375"/>
-            <a:ext cx="900000" cy="216000"/>
-          </a:xfrm>
-          <a:prstGeom prst="rect">
-            <a:avLst/>
-          </a:prstGeom>
-          <a:ln>
-            <a:solidFill>
-              <a:schemeClr val="bg1"/>
-            </a:solidFill>
-          </a:ln>
-        </p:spPr>
-        <p:style>
-          <a:lnRef idx="2">
-            <a:schemeClr val="dk1"/>
-          </a:lnRef>
-          <a:fillRef idx="1">
-            <a:schemeClr val="lt1"/>
-          </a:fillRef>
-          <a:effectRef idx="0">
-            <a:schemeClr val="dk1"/>
-          </a:effectRef>
-          <a:fontRef idx="minor">
-            <a:schemeClr val="dk1"/>
-          </a:fontRef>
-        </p:style>
-        <p:txBody>
-          <a:bodyPr lIns="36000" rIns="36000" rtlCol="0" anchor="ctr"/>
-          <a:lstStyle/>
-          <a:p>
-            <a:pPr algn="ctr"/>
-            <a:r>
-              <a:rPr lang="de-DE" sz="800" dirty="0">
-                <a:latin typeface="Arial" panose="020B0604020202020204" pitchFamily="34" charset="0"/>
-                <a:cs typeface="Arial" panose="020B0604020202020204" pitchFamily="34" charset="0"/>
-              </a:rPr>
-              <a:t>Durchführung</a:t>
+              <a:t>???</a:t>
             </a:r>
           </a:p>
         </p:txBody>
@@ -18739,7 +18666,7 @@
         </p:nvSpPr>
         <p:spPr>
           <a:xfrm>
-            <a:off x="1990725" y="606375"/>
+            <a:off x="609600" y="593625"/>
             <a:ext cx="900000" cy="216000"/>
           </a:xfrm>
           <a:prstGeom prst="rect">
@@ -18784,7 +18711,155 @@
         </p:nvSpPr>
         <p:spPr>
           <a:xfrm>
-            <a:off x="2906316" y="606375"/>
+            <a:off x="1526545" y="593476"/>
+            <a:ext cx="831084" cy="216000"/>
+          </a:xfrm>
+          <a:prstGeom prst="rect">
+            <a:avLst/>
+          </a:prstGeom>
+          <a:ln>
+            <a:solidFill>
+              <a:schemeClr val="bg1"/>
+            </a:solidFill>
+          </a:ln>
+        </p:spPr>
+        <p:style>
+          <a:lnRef idx="2">
+            <a:schemeClr val="dk1"/>
+          </a:lnRef>
+          <a:fillRef idx="1">
+            <a:schemeClr val="lt1"/>
+          </a:fillRef>
+          <a:effectRef idx="0">
+            <a:schemeClr val="dk1"/>
+          </a:effectRef>
+          <a:fontRef idx="minor">
+            <a:schemeClr val="dk1"/>
+          </a:fontRef>
+        </p:style>
+        <p:txBody>
+          <a:bodyPr lIns="36000" rIns="36000" rtlCol="0" anchor="ctr"/>
+          <a:lstStyle/>
+          <a:p>
+            <a:pPr algn="ctr"/>
+            <a:r>
+              <a:rPr lang="de-DE" sz="800" dirty="0">
+                <a:latin typeface="Arial" panose="020B0604020202020204" pitchFamily="34" charset="0"/>
+                <a:cs typeface="Arial" panose="020B0604020202020204" pitchFamily="34" charset="0"/>
+              </a:rPr>
+              <a:t>Analyse-Phase</a:t>
+            </a:r>
+          </a:p>
+        </p:txBody>
+      </p:sp>
+      <p:sp>
+        <p:nvSpPr>
+          <p:cNvPr id="9" name="Rechteck 8"/>
+          <p:cNvSpPr/>
+          <p:nvPr/>
+        </p:nvSpPr>
+        <p:spPr>
+          <a:xfrm>
+            <a:off x="3567547" y="568126"/>
+            <a:ext cx="835707" cy="239887"/>
+          </a:xfrm>
+          <a:prstGeom prst="rect">
+            <a:avLst/>
+          </a:prstGeom>
+          <a:ln>
+            <a:solidFill>
+              <a:schemeClr val="bg1"/>
+            </a:solidFill>
+          </a:ln>
+        </p:spPr>
+        <p:style>
+          <a:lnRef idx="2">
+            <a:schemeClr val="dk1"/>
+          </a:lnRef>
+          <a:fillRef idx="1">
+            <a:schemeClr val="lt1"/>
+          </a:fillRef>
+          <a:effectRef idx="0">
+            <a:schemeClr val="dk1"/>
+          </a:effectRef>
+          <a:fontRef idx="minor">
+            <a:schemeClr val="dk1"/>
+          </a:fontRef>
+        </p:style>
+        <p:txBody>
+          <a:bodyPr lIns="36000" rIns="36000" rtlCol="0" anchor="ctr"/>
+          <a:lstStyle/>
+          <a:p>
+            <a:pPr algn="ctr"/>
+            <a:r>
+              <a:rPr lang="de-DE" sz="800" dirty="0">
+                <a:latin typeface="Arial" panose="020B0604020202020204" pitchFamily="34" charset="0"/>
+                <a:cs typeface="Arial" panose="020B0604020202020204" pitchFamily="34" charset="0"/>
+              </a:rPr>
+              <a:t>Tabelle „media“</a:t>
+            </a:r>
+          </a:p>
+        </p:txBody>
+      </p:sp>
+      <p:sp>
+        <p:nvSpPr>
+          <p:cNvPr id="11" name="Rechteck 10"/>
+          <p:cNvSpPr/>
+          <p:nvPr/>
+        </p:nvSpPr>
+        <p:spPr>
+          <a:xfrm>
+            <a:off x="5153105" y="562405"/>
+            <a:ext cx="1669749" cy="248024"/>
+          </a:xfrm>
+          <a:prstGeom prst="rect">
+            <a:avLst/>
+          </a:prstGeom>
+          <a:ln>
+            <a:solidFill>
+              <a:schemeClr val="bg1"/>
+            </a:solidFill>
+          </a:ln>
+        </p:spPr>
+        <p:style>
+          <a:lnRef idx="2">
+            <a:schemeClr val="dk1"/>
+          </a:lnRef>
+          <a:fillRef idx="1">
+            <a:schemeClr val="lt1"/>
+          </a:fillRef>
+          <a:effectRef idx="0">
+            <a:schemeClr val="dk1"/>
+          </a:effectRef>
+          <a:fontRef idx="minor">
+            <a:schemeClr val="dk1"/>
+          </a:fontRef>
+        </p:style>
+        <p:txBody>
+          <a:bodyPr lIns="36000" rIns="36000" rtlCol="0" anchor="ctr"/>
+          <a:lstStyle/>
+          <a:p>
+            <a:pPr algn="ctr"/>
+            <a:r>
+              <a:rPr lang="de-DE" sz="800" dirty="0"/>
+              <a:t>Tabelle „withdrawals“</a:t>
+            </a:r>
+            <a:endParaRPr lang="de-DE" sz="800" dirty="0">
+              <a:latin typeface="Arial" panose="020B0604020202020204" pitchFamily="34" charset="0"/>
+              <a:cs typeface="Arial" panose="020B0604020202020204" pitchFamily="34" charset="0"/>
+            </a:endParaRPr>
+          </a:p>
+        </p:txBody>
+      </p:sp>
+      <p:sp>
+        <p:nvSpPr>
+          <p:cNvPr id="14" name="Rechteck 13"/>
+          <p:cNvSpPr/>
+          <p:nvPr/>
+        </p:nvSpPr>
+        <p:spPr>
+          <a:xfrm>
+            <a:off x="7522175" y="586441"/>
             <a:ext cx="900000" cy="216000"/>
           </a:xfrm>
           <a:prstGeom prst="rect">
@@ -18820,20 +18895,20 @@
                 <a:latin typeface="Arial" panose="020B0604020202020204" pitchFamily="34" charset="0"/>
                 <a:cs typeface="Arial" panose="020B0604020202020204" pitchFamily="34" charset="0"/>
               </a:rPr>
-              <a:t>Betriebsumfeld</a:t>
-            </a:r>
-          </a:p>
-        </p:txBody>
-      </p:sp>
-      <p:sp>
-        <p:nvSpPr>
-          <p:cNvPr id="9" name="Rechteck 8"/>
+              <a:t>???</a:t>
+            </a:r>
+          </a:p>
+        </p:txBody>
+      </p:sp>
+      <p:sp>
+        <p:nvSpPr>
+          <p:cNvPr id="15" name="Rechteck 14"/>
           <p:cNvSpPr/>
           <p:nvPr/>
         </p:nvSpPr>
         <p:spPr>
           <a:xfrm>
-            <a:off x="3821907" y="606375"/>
+            <a:off x="8475776" y="576001"/>
             <a:ext cx="900000" cy="216000"/>
           </a:xfrm>
           <a:prstGeom prst="rect">
@@ -18869,203 +18944,7 @@
                 <a:latin typeface="Arial" panose="020B0604020202020204" pitchFamily="34" charset="0"/>
                 <a:cs typeface="Arial" panose="020B0604020202020204" pitchFamily="34" charset="0"/>
               </a:rPr>
-              <a:t>Ist-Zustand</a:t>
-            </a:r>
-          </a:p>
-        </p:txBody>
-      </p:sp>
-      <p:sp>
-        <p:nvSpPr>
-          <p:cNvPr id="11" name="Rechteck 10"/>
-          <p:cNvSpPr/>
-          <p:nvPr/>
-        </p:nvSpPr>
-        <p:spPr>
-          <a:xfrm>
-            <a:off x="5653089" y="606375"/>
-            <a:ext cx="900000" cy="216000"/>
-          </a:xfrm>
-          <a:prstGeom prst="rect">
-            <a:avLst/>
-          </a:prstGeom>
-          <a:ln>
-            <a:solidFill>
-              <a:schemeClr val="bg1"/>
-            </a:solidFill>
-          </a:ln>
-        </p:spPr>
-        <p:style>
-          <a:lnRef idx="2">
-            <a:schemeClr val="dk1"/>
-          </a:lnRef>
-          <a:fillRef idx="1">
-            <a:schemeClr val="lt1"/>
-          </a:fillRef>
-          <a:effectRef idx="0">
-            <a:schemeClr val="dk1"/>
-          </a:effectRef>
-          <a:fontRef idx="minor">
-            <a:schemeClr val="dk1"/>
-          </a:fontRef>
-        </p:style>
-        <p:txBody>
-          <a:bodyPr lIns="36000" rIns="36000" rtlCol="0" anchor="ctr"/>
-          <a:lstStyle/>
-          <a:p>
-            <a:pPr algn="ctr"/>
-            <a:r>
-              <a:rPr lang="de-DE" sz="800" dirty="0">
-                <a:latin typeface="Arial" panose="020B0604020202020204" pitchFamily="34" charset="0"/>
-                <a:cs typeface="Arial" panose="020B0604020202020204" pitchFamily="34" charset="0"/>
-              </a:rPr>
-              <a:t>Wirtschaftlichkeit</a:t>
-            </a:r>
-          </a:p>
-        </p:txBody>
-      </p:sp>
-      <p:sp>
-        <p:nvSpPr>
-          <p:cNvPr id="14" name="Rechteck 13"/>
-          <p:cNvSpPr/>
-          <p:nvPr/>
-        </p:nvSpPr>
-        <p:spPr>
-          <a:xfrm>
-            <a:off x="7484271" y="606375"/>
-            <a:ext cx="900000" cy="216000"/>
-          </a:xfrm>
-          <a:prstGeom prst="rect">
-            <a:avLst/>
-          </a:prstGeom>
-          <a:ln>
-            <a:solidFill>
-              <a:schemeClr val="bg1"/>
-            </a:solidFill>
-          </a:ln>
-        </p:spPr>
-        <p:style>
-          <a:lnRef idx="2">
-            <a:schemeClr val="dk1"/>
-          </a:lnRef>
-          <a:fillRef idx="1">
-            <a:schemeClr val="lt1"/>
-          </a:fillRef>
-          <a:effectRef idx="0">
-            <a:schemeClr val="dk1"/>
-          </a:effectRef>
-          <a:fontRef idx="minor">
-            <a:schemeClr val="dk1"/>
-          </a:fontRef>
-        </p:style>
-        <p:txBody>
-          <a:bodyPr lIns="36000" rIns="36000" rtlCol="0" anchor="ctr"/>
-          <a:lstStyle/>
-          <a:p>
-            <a:pPr algn="ctr"/>
-            <a:r>
-              <a:rPr lang="de-DE" sz="800" dirty="0">
-                <a:latin typeface="Arial" panose="020B0604020202020204" pitchFamily="34" charset="0"/>
-                <a:cs typeface="Arial" panose="020B0604020202020204" pitchFamily="34" charset="0"/>
-              </a:rPr>
-              <a:t>Tests</a:t>
-            </a:r>
-          </a:p>
-        </p:txBody>
-      </p:sp>
-      <p:sp>
-        <p:nvSpPr>
-          <p:cNvPr id="15" name="Rechteck 14"/>
-          <p:cNvSpPr/>
-          <p:nvPr/>
-        </p:nvSpPr>
-        <p:spPr>
-          <a:xfrm>
-            <a:off x="8399862" y="606375"/>
-            <a:ext cx="900000" cy="216000"/>
-          </a:xfrm>
-          <a:prstGeom prst="rect">
-            <a:avLst/>
-          </a:prstGeom>
-          <a:ln>
-            <a:solidFill>
-              <a:schemeClr val="bg1"/>
-            </a:solidFill>
-          </a:ln>
-        </p:spPr>
-        <p:style>
-          <a:lnRef idx="2">
-            <a:schemeClr val="dk1"/>
-          </a:lnRef>
-          <a:fillRef idx="1">
-            <a:schemeClr val="lt1"/>
-          </a:fillRef>
-          <a:effectRef idx="0">
-            <a:schemeClr val="dk1"/>
-          </a:effectRef>
-          <a:fontRef idx="minor">
-            <a:schemeClr val="dk1"/>
-          </a:fontRef>
-        </p:style>
-        <p:txBody>
-          <a:bodyPr lIns="36000" rIns="36000" rtlCol="0" anchor="ctr"/>
-          <a:lstStyle/>
-          <a:p>
-            <a:pPr algn="ctr"/>
-            <a:r>
-              <a:rPr lang="de-DE" sz="800" dirty="0">
-                <a:latin typeface="Arial" panose="020B0604020202020204" pitchFamily="34" charset="0"/>
-                <a:cs typeface="Arial" panose="020B0604020202020204" pitchFamily="34" charset="0"/>
-              </a:rPr>
-              <a:t>Soll-Ist-Vergleich</a:t>
-            </a:r>
-          </a:p>
-        </p:txBody>
-      </p:sp>
-      <p:sp>
-        <p:nvSpPr>
-          <p:cNvPr id="16" name="Rechteck 15"/>
-          <p:cNvSpPr/>
-          <p:nvPr/>
-        </p:nvSpPr>
-        <p:spPr>
-          <a:xfrm>
-            <a:off x="9315455" y="606375"/>
-            <a:ext cx="900000" cy="216000"/>
-          </a:xfrm>
-          <a:prstGeom prst="rect">
-            <a:avLst/>
-          </a:prstGeom>
-          <a:ln>
-            <a:solidFill>
-              <a:schemeClr val="bg1"/>
-            </a:solidFill>
-          </a:ln>
-        </p:spPr>
-        <p:style>
-          <a:lnRef idx="2">
-            <a:schemeClr val="dk1"/>
-          </a:lnRef>
-          <a:fillRef idx="1">
-            <a:schemeClr val="lt1"/>
-          </a:fillRef>
-          <a:effectRef idx="0">
-            <a:schemeClr val="dk1"/>
-          </a:effectRef>
-          <a:fontRef idx="minor">
-            <a:schemeClr val="dk1"/>
-          </a:fontRef>
-        </p:style>
-        <p:txBody>
-          <a:bodyPr lIns="36000" rIns="36000" rtlCol="0" anchor="ctr"/>
-          <a:lstStyle/>
-          <a:p>
-            <a:pPr algn="ctr"/>
-            <a:r>
-              <a:rPr lang="de-DE" sz="800" dirty="0">
-                <a:latin typeface="Arial" panose="020B0604020202020204" pitchFamily="34" charset="0"/>
-                <a:cs typeface="Arial" panose="020B0604020202020204" pitchFamily="34" charset="0"/>
-              </a:rPr>
-              <a:t>Fazit</a:t>
+              <a:t>????</a:t>
             </a:r>
           </a:p>
         </p:txBody>
@@ -19133,7 +19012,7 @@
             </a:pPr>
             <a:r>
               <a:rPr lang="de-DE" dirty="0"/>
-              <a:t>Beziehungs-Modell</a:t>
+              <a:t>Entity Relationship Model</a:t>
             </a:r>
           </a:p>
           <a:p>
@@ -19153,15 +19032,7 @@
             </a:pPr>
             <a:r>
               <a:rPr lang="de-DE" dirty="0"/>
-              <a:t>Tabelle „</a:t>
-            </a:r>
-            <a:r>
-              <a:rPr lang="de-DE" dirty="0" err="1"/>
-              <a:t>media</a:t>
-            </a:r>
-            <a:r>
-              <a:rPr lang="de-DE" dirty="0"/>
-              <a:t>“</a:t>
+              <a:t>Tabelle „media“</a:t>
             </a:r>
           </a:p>
           <a:p>
@@ -19171,15 +19042,7 @@
             </a:pPr>
             <a:r>
               <a:rPr lang="de-DE" dirty="0"/>
-              <a:t>Tabelle „</a:t>
-            </a:r>
-            <a:r>
-              <a:rPr lang="de-DE" dirty="0" err="1"/>
-              <a:t>locations</a:t>
-            </a:r>
-            <a:r>
-              <a:rPr lang="de-DE" dirty="0"/>
-              <a:t>“</a:t>
+              <a:t>Tabelle „locations“</a:t>
             </a:r>
           </a:p>
           <a:p>
@@ -19189,15 +19052,7 @@
             </a:pPr>
             <a:r>
               <a:rPr lang="de-DE" dirty="0"/>
-              <a:t>Tabelle „</a:t>
-            </a:r>
-            <a:r>
-              <a:rPr lang="de-DE" dirty="0" err="1"/>
-              <a:t>withdrawals</a:t>
-            </a:r>
-            <a:r>
-              <a:rPr lang="de-DE" dirty="0"/>
-              <a:t>“</a:t>
+              <a:t>Tabelle „withdrawals“</a:t>
             </a:r>
           </a:p>
           <a:p>
@@ -19349,33 +19204,6 @@
       </p:sp>
       <p:sp>
         <p:nvSpPr>
-          <p:cNvPr id="23" name="Titel 22">
-            <a:extLst>
-              <a:ext uri="{FF2B5EF4-FFF2-40B4-BE49-F238E27FC236}">
-                <a16:creationId xmlns:a16="http://schemas.microsoft.com/office/drawing/2014/main" id="{A3EC446A-CBB8-0700-DA6A-D366A57761D7}"/>
-              </a:ext>
-            </a:extLst>
-          </p:cNvPr>
-          <p:cNvSpPr>
-            <a:spLocks noGrp="1"/>
-          </p:cNvSpPr>
-          <p:nvPr>
-            <p:ph type="title"/>
-          </p:nvPr>
-        </p:nvSpPr>
-        <p:spPr/>
-        <p:txBody>
-          <a:bodyPr>
-            <a:normAutofit fontScale="90000"/>
-          </a:bodyPr>
-          <a:lstStyle/>
-          <a:p>
-            <a:endParaRPr lang="de-DE"/>
-          </a:p>
-        </p:txBody>
-      </p:sp>
-      <p:sp>
-        <p:nvSpPr>
           <p:cNvPr id="24" name="Textplatzhalter 19">
             <a:extLst>
               <a:ext uri="{FF2B5EF4-FFF2-40B4-BE49-F238E27FC236}">
@@ -19569,6 +19397,275 @@
             <a:r>
               <a:rPr lang="de-DE" dirty="0"/>
               <a:t>Gruppenprojekt</a:t>
+            </a:r>
+          </a:p>
+        </p:txBody>
+      </p:sp>
+      <p:sp>
+        <p:nvSpPr>
+          <p:cNvPr id="2" name="Rechteck 1">
+            <a:extLst>
+              <a:ext uri="{FF2B5EF4-FFF2-40B4-BE49-F238E27FC236}">
+                <a16:creationId xmlns:a16="http://schemas.microsoft.com/office/drawing/2014/main" id="{D0C219B0-4ABB-C53A-F0F8-716A05F495B6}"/>
+              </a:ext>
+            </a:extLst>
+          </p:cNvPr>
+          <p:cNvSpPr/>
+          <p:nvPr/>
+        </p:nvSpPr>
+        <p:spPr>
+          <a:xfrm>
+            <a:off x="2328135" y="593476"/>
+            <a:ext cx="659544" cy="216000"/>
+          </a:xfrm>
+          <a:prstGeom prst="rect">
+            <a:avLst/>
+          </a:prstGeom>
+          <a:ln>
+            <a:solidFill>
+              <a:schemeClr val="bg1"/>
+            </a:solidFill>
+          </a:ln>
+        </p:spPr>
+        <p:style>
+          <a:lnRef idx="2">
+            <a:schemeClr val="dk1"/>
+          </a:lnRef>
+          <a:fillRef idx="1">
+            <a:schemeClr val="lt1"/>
+          </a:fillRef>
+          <a:effectRef idx="0">
+            <a:schemeClr val="dk1"/>
+          </a:effectRef>
+          <a:fontRef idx="minor">
+            <a:schemeClr val="dk1"/>
+          </a:fontRef>
+        </p:style>
+        <p:txBody>
+          <a:bodyPr lIns="36000" rIns="36000" rtlCol="0" anchor="ctr"/>
+          <a:lstStyle/>
+          <a:p>
+            <a:pPr algn="ctr"/>
+            <a:r>
+              <a:rPr lang="de-DE" sz="800" dirty="0">
+                <a:latin typeface="Arial" panose="020B0604020202020204" pitchFamily="34" charset="0"/>
+                <a:cs typeface="Arial" panose="020B0604020202020204" pitchFamily="34" charset="0"/>
+              </a:rPr>
+              <a:t>ER-Model</a:t>
+            </a:r>
+          </a:p>
+        </p:txBody>
+      </p:sp>
+      <p:sp>
+        <p:nvSpPr>
+          <p:cNvPr id="5" name="Rechteck 4">
+            <a:extLst>
+              <a:ext uri="{FF2B5EF4-FFF2-40B4-BE49-F238E27FC236}">
+                <a16:creationId xmlns:a16="http://schemas.microsoft.com/office/drawing/2014/main" id="{5782BE81-7179-9DDE-98C3-3C572DD0278E}"/>
+              </a:ext>
+            </a:extLst>
+          </p:cNvPr>
+          <p:cNvSpPr/>
+          <p:nvPr/>
+        </p:nvSpPr>
+        <p:spPr>
+          <a:xfrm>
+            <a:off x="2932254" y="592013"/>
+            <a:ext cx="674774" cy="216000"/>
+          </a:xfrm>
+          <a:prstGeom prst="rect">
+            <a:avLst/>
+          </a:prstGeom>
+          <a:ln>
+            <a:solidFill>
+              <a:schemeClr val="bg1"/>
+            </a:solidFill>
+          </a:ln>
+        </p:spPr>
+        <p:style>
+          <a:lnRef idx="2">
+            <a:schemeClr val="dk1"/>
+          </a:lnRef>
+          <a:fillRef idx="1">
+            <a:schemeClr val="lt1"/>
+          </a:fillRef>
+          <a:effectRef idx="0">
+            <a:schemeClr val="dk1"/>
+          </a:effectRef>
+          <a:fontRef idx="minor">
+            <a:schemeClr val="dk1"/>
+          </a:fontRef>
+        </p:style>
+        <p:txBody>
+          <a:bodyPr lIns="36000" rIns="36000" rtlCol="0" anchor="ctr"/>
+          <a:lstStyle/>
+          <a:p>
+            <a:pPr algn="ctr"/>
+            <a:r>
+              <a:rPr lang="de-DE" sz="800" dirty="0">
+                <a:latin typeface="Arial" panose="020B0604020202020204" pitchFamily="34" charset="0"/>
+                <a:cs typeface="Arial" panose="020B0604020202020204" pitchFamily="34" charset="0"/>
+              </a:rPr>
+              <a:t>DB-Struktur</a:t>
+            </a:r>
+          </a:p>
+        </p:txBody>
+      </p:sp>
+      <p:sp>
+        <p:nvSpPr>
+          <p:cNvPr id="6" name="Rechteck 5">
+            <a:extLst>
+              <a:ext uri="{FF2B5EF4-FFF2-40B4-BE49-F238E27FC236}">
+                <a16:creationId xmlns:a16="http://schemas.microsoft.com/office/drawing/2014/main" id="{A66B95B8-4AB9-5C5C-FE4B-ECF617A50D3F}"/>
+              </a:ext>
+            </a:extLst>
+          </p:cNvPr>
+          <p:cNvSpPr/>
+          <p:nvPr/>
+        </p:nvSpPr>
+        <p:spPr>
+          <a:xfrm>
+            <a:off x="10925245" y="586441"/>
+            <a:ext cx="900000" cy="216000"/>
+          </a:xfrm>
+          <a:prstGeom prst="rect">
+            <a:avLst/>
+          </a:prstGeom>
+          <a:ln>
+            <a:solidFill>
+              <a:schemeClr val="bg1"/>
+            </a:solidFill>
+          </a:ln>
+        </p:spPr>
+        <p:style>
+          <a:lnRef idx="2">
+            <a:schemeClr val="dk1"/>
+          </a:lnRef>
+          <a:fillRef idx="1">
+            <a:schemeClr val="lt1"/>
+          </a:fillRef>
+          <a:effectRef idx="0">
+            <a:schemeClr val="dk1"/>
+          </a:effectRef>
+          <a:fontRef idx="minor">
+            <a:schemeClr val="dk1"/>
+          </a:fontRef>
+        </p:style>
+        <p:txBody>
+          <a:bodyPr lIns="36000" rIns="36000" rtlCol="0" anchor="ctr"/>
+          <a:lstStyle/>
+          <a:p>
+            <a:pPr algn="ctr"/>
+            <a:r>
+              <a:rPr lang="de-DE" sz="800" dirty="0">
+                <a:latin typeface="Arial" panose="020B0604020202020204" pitchFamily="34" charset="0"/>
+                <a:cs typeface="Arial" panose="020B0604020202020204" pitchFamily="34" charset="0"/>
+              </a:rPr>
+              <a:t>Fazit</a:t>
+            </a:r>
+          </a:p>
+        </p:txBody>
+      </p:sp>
+      <p:sp>
+        <p:nvSpPr>
+          <p:cNvPr id="17" name="Rechteck 16">
+            <a:extLst>
+              <a:ext uri="{FF2B5EF4-FFF2-40B4-BE49-F238E27FC236}">
+                <a16:creationId xmlns:a16="http://schemas.microsoft.com/office/drawing/2014/main" id="{18D6696F-FC26-6BD2-A06B-A76B5C526650}"/>
+              </a:ext>
+            </a:extLst>
+          </p:cNvPr>
+          <p:cNvSpPr/>
+          <p:nvPr/>
+        </p:nvSpPr>
+        <p:spPr>
+          <a:xfrm>
+            <a:off x="9634106" y="604028"/>
+            <a:ext cx="1482809" cy="201638"/>
+          </a:xfrm>
+          <a:prstGeom prst="rect">
+            <a:avLst/>
+          </a:prstGeom>
+          <a:ln>
+            <a:solidFill>
+              <a:schemeClr val="bg1"/>
+            </a:solidFill>
+          </a:ln>
+        </p:spPr>
+        <p:style>
+          <a:lnRef idx="2">
+            <a:schemeClr val="dk1"/>
+          </a:lnRef>
+          <a:fillRef idx="1">
+            <a:schemeClr val="lt1"/>
+          </a:fillRef>
+          <a:effectRef idx="0">
+            <a:schemeClr val="dk1"/>
+          </a:effectRef>
+          <a:fontRef idx="minor">
+            <a:schemeClr val="dk1"/>
+          </a:fontRef>
+        </p:style>
+        <p:txBody>
+          <a:bodyPr lIns="36000" rIns="36000" rtlCol="0" anchor="ctr"/>
+          <a:lstStyle/>
+          <a:p>
+            <a:pPr algn="ctr"/>
+            <a:r>
+              <a:rPr lang="de-DE" sz="800" dirty="0">
+                <a:latin typeface="Arial" panose="020B0604020202020204" pitchFamily="34" charset="0"/>
+                <a:cs typeface="Arial" panose="020B0604020202020204" pitchFamily="34" charset="0"/>
+              </a:rPr>
+              <a:t>Entwicklungsmöglichkeiten</a:t>
+            </a:r>
+          </a:p>
+        </p:txBody>
+      </p:sp>
+      <p:sp>
+        <p:nvSpPr>
+          <p:cNvPr id="10" name="Rechteck 9"/>
+          <p:cNvSpPr/>
+          <p:nvPr/>
+        </p:nvSpPr>
+        <p:spPr>
+          <a:xfrm>
+            <a:off x="4376800" y="559989"/>
+            <a:ext cx="1109600" cy="248024"/>
+          </a:xfrm>
+          <a:prstGeom prst="rect">
+            <a:avLst/>
+          </a:prstGeom>
+          <a:ln>
+            <a:solidFill>
+              <a:schemeClr val="bg1"/>
+            </a:solidFill>
+          </a:ln>
+        </p:spPr>
+        <p:style>
+          <a:lnRef idx="2">
+            <a:schemeClr val="dk1"/>
+          </a:lnRef>
+          <a:fillRef idx="1">
+            <a:schemeClr val="lt1"/>
+          </a:fillRef>
+          <a:effectRef idx="0">
+            <a:schemeClr val="dk1"/>
+          </a:effectRef>
+          <a:fontRef idx="minor">
+            <a:schemeClr val="dk1"/>
+          </a:fontRef>
+        </p:style>
+        <p:txBody>
+          <a:bodyPr lIns="36000" rIns="36000" rtlCol="0" anchor="ctr"/>
+          <a:lstStyle/>
+          <a:p>
+            <a:pPr algn="ctr"/>
+            <a:r>
+              <a:rPr lang="de-DE" sz="800" dirty="0">
+                <a:latin typeface="Arial" panose="020B0604020202020204" pitchFamily="34" charset="0"/>
+                <a:cs typeface="Arial" panose="020B0604020202020204" pitchFamily="34" charset="0"/>
+              </a:rPr>
+              <a:t>Tabelle „locations“</a:t>
             </a:r>
           </a:p>
         </p:txBody>
@@ -21454,12 +21551,8 @@
           <a:p>
             <a:r>
               <a:rPr lang="de-DE" dirty="0"/>
-              <a:t>Beziehungs-Modell</a:t>
-            </a:r>
-          </a:p>
-          <a:p>
-            <a:pPr algn="l"/>
-            <a:endParaRPr lang="de-DE" dirty="0"/>
+              <a:t>Entity Relationship Model</a:t>
+            </a:r>
           </a:p>
         </p:txBody>
       </p:sp>
@@ -23198,15 +23291,7 @@
           <a:p>
             <a:r>
               <a:rPr lang="de-DE" dirty="0"/>
-              <a:t>Tabelle „</a:t>
-            </a:r>
-            <a:r>
-              <a:rPr lang="de-DE" dirty="0" err="1"/>
-              <a:t>media</a:t>
-            </a:r>
-            <a:r>
-              <a:rPr lang="de-DE" dirty="0"/>
-              <a:t>“</a:t>
+              <a:t>Tabelle „media“</a:t>
             </a:r>
           </a:p>
           <a:p>
@@ -23579,15 +23664,7 @@
           <a:p>
             <a:r>
               <a:rPr lang="de-DE" dirty="0"/>
-              <a:t>Tabelle „</a:t>
-            </a:r>
-            <a:r>
-              <a:rPr lang="de-DE" dirty="0" err="1"/>
-              <a:t>locations</a:t>
-            </a:r>
-            <a:r>
-              <a:rPr lang="de-DE" dirty="0"/>
-              <a:t>“</a:t>
+              <a:t>Tabelle „locations“</a:t>
             </a:r>
           </a:p>
           <a:p>
@@ -25537,15 +25614,7 @@
           <a:p>
             <a:r>
               <a:rPr lang="de-DE" dirty="0"/>
-              <a:t>Tabelle „</a:t>
-            </a:r>
-            <a:r>
-              <a:rPr lang="de-DE" dirty="0" err="1"/>
-              <a:t>withdrawals</a:t>
-            </a:r>
-            <a:r>
-              <a:rPr lang="de-DE" dirty="0"/>
-              <a:t>“</a:t>
+              <a:t>Tabelle „withdrawals“</a:t>
             </a:r>
           </a:p>
           <a:p>

--- a/Medienverwaltungsdatenbank Gruppe1.pptx
+++ b/Medienverwaltungsdatenbank Gruppe1.pptx
@@ -21556,42 +21556,6 @@
           </a:p>
         </p:txBody>
       </p:sp>
-      <p:pic>
-        <p:nvPicPr>
-          <p:cNvPr id="6" name="Grafik 5" descr="Ein Bild, das Diagramm, Reihe, Text, Screenshot enthält.&#10;&#10;Automatisch generierte Beschreibung">
-            <a:extLst>
-              <a:ext uri="{FF2B5EF4-FFF2-40B4-BE49-F238E27FC236}">
-                <a16:creationId xmlns:a16="http://schemas.microsoft.com/office/drawing/2014/main" id="{52D76B9B-DC4A-47F1-3DE0-BABD8BE60DFF}"/>
-              </a:ext>
-            </a:extLst>
-          </p:cNvPr>
-          <p:cNvPicPr>
-            <a:picLocks noChangeAspect="1"/>
-          </p:cNvPicPr>
-          <p:nvPr/>
-        </p:nvPicPr>
-        <p:blipFill>
-          <a:blip r:embed="rId3">
-            <a:extLst>
-              <a:ext uri="{28A0092B-C50C-407E-A947-70E740481C1C}">
-                <a14:useLocalDpi xmlns:a14="http://schemas.microsoft.com/office/drawing/2010/main" val="0"/>
-              </a:ext>
-            </a:extLst>
-          </a:blip>
-          <a:stretch>
-            <a:fillRect/>
-          </a:stretch>
-        </p:blipFill>
-        <p:spPr>
-          <a:xfrm>
-            <a:off x="2813752" y="1768425"/>
-            <a:ext cx="6578673" cy="3976938"/>
-          </a:xfrm>
-          <a:prstGeom prst="rect">
-            <a:avLst/>
-          </a:prstGeom>
-        </p:spPr>
-      </p:pic>
       <p:sp>
         <p:nvSpPr>
           <p:cNvPr id="18" name="Textplatzhalter 19">
@@ -21791,6 +21755,42 @@
           </a:p>
         </p:txBody>
       </p:sp>
+      <p:pic>
+        <p:nvPicPr>
+          <p:cNvPr id="5" name="Grafik 4" descr="Ein Bild, das Screenshot, Text, Schrift, Diagramm enthält.&#10;&#10;Automatisch generierte Beschreibung">
+            <a:extLst>
+              <a:ext uri="{FF2B5EF4-FFF2-40B4-BE49-F238E27FC236}">
+                <a16:creationId xmlns:a16="http://schemas.microsoft.com/office/drawing/2014/main" id="{7A2EC333-1858-F6D7-D5B1-AA3E138914BC}"/>
+              </a:ext>
+            </a:extLst>
+          </p:cNvPr>
+          <p:cNvPicPr>
+            <a:picLocks noChangeAspect="1"/>
+          </p:cNvPicPr>
+          <p:nvPr/>
+        </p:nvPicPr>
+        <p:blipFill>
+          <a:blip r:embed="rId3">
+            <a:extLst>
+              <a:ext uri="{28A0092B-C50C-407E-A947-70E740481C1C}">
+                <a14:useLocalDpi xmlns:a14="http://schemas.microsoft.com/office/drawing/2010/main" val="0"/>
+              </a:ext>
+            </a:extLst>
+          </a:blip>
+          <a:stretch>
+            <a:fillRect/>
+          </a:stretch>
+        </p:blipFill>
+        <p:spPr>
+          <a:xfrm>
+            <a:off x="1719779" y="2041459"/>
+            <a:ext cx="9020175" cy="3932525"/>
+          </a:xfrm>
+          <a:prstGeom prst="rect">
+            <a:avLst/>
+          </a:prstGeom>
+        </p:spPr>
+      </p:pic>
     </p:spTree>
     <p:extLst>
       <p:ext uri="{BB962C8B-B14F-4D97-AF65-F5344CB8AC3E}">

--- a/Medienverwaltungsdatenbank Gruppe1.pptx
+++ b/Medienverwaltungsdatenbank Gruppe1.pptx
@@ -6,10 +6,10 @@
     <p:sldMasterId id="2147483820" r:id="rId2"/>
   </p:sldMasterIdLst>
   <p:notesMasterIdLst>
-    <p:notesMasterId r:id="rId17"/>
+    <p:notesMasterId r:id="rId18"/>
   </p:notesMasterIdLst>
   <p:handoutMasterIdLst>
-    <p:handoutMasterId r:id="rId18"/>
+    <p:handoutMasterId r:id="rId19"/>
   </p:handoutMasterIdLst>
   <p:sldIdLst>
     <p:sldId id="256" r:id="rId3"/>
@@ -20,12 +20,13 @@
     <p:sldId id="281" r:id="rId8"/>
     <p:sldId id="263" r:id="rId9"/>
     <p:sldId id="282" r:id="rId10"/>
-    <p:sldId id="283" r:id="rId11"/>
-    <p:sldId id="284" r:id="rId12"/>
-    <p:sldId id="285" r:id="rId13"/>
-    <p:sldId id="286" r:id="rId14"/>
-    <p:sldId id="287" r:id="rId15"/>
-    <p:sldId id="288" r:id="rId16"/>
+    <p:sldId id="286" r:id="rId11"/>
+    <p:sldId id="289" r:id="rId12"/>
+    <p:sldId id="283" r:id="rId13"/>
+    <p:sldId id="284" r:id="rId14"/>
+    <p:sldId id="285" r:id="rId15"/>
+    <p:sldId id="287" r:id="rId16"/>
+    <p:sldId id="288" r:id="rId17"/>
   </p:sldIdLst>
   <p:sldSz cx="12192000" cy="6858000"/>
   <p:notesSz cx="6858000" cy="9144000"/>
@@ -1052,7 +1053,7 @@
         <p:cNvPr id="1" name="">
           <a:extLst>
             <a:ext uri="{FF2B5EF4-FFF2-40B4-BE49-F238E27FC236}">
-              <a16:creationId xmlns:a16="http://schemas.microsoft.com/office/drawing/2014/main" id="{DD18C45E-6FD5-4F6F-BB60-4AD192895B6C}"/>
+              <a16:creationId xmlns:a16="http://schemas.microsoft.com/office/drawing/2014/main" id="{14CB91BB-8E16-6274-2D18-7A6A4CF4B423}"/>
             </a:ext>
           </a:extLst>
         </p:cNvPr>
@@ -1072,7 +1073,7 @@
           <p:cNvPr id="2" name="Folienbildplatzhalter 1">
             <a:extLst>
               <a:ext uri="{FF2B5EF4-FFF2-40B4-BE49-F238E27FC236}">
-                <a16:creationId xmlns:a16="http://schemas.microsoft.com/office/drawing/2014/main" id="{A2F1D066-3FEA-740C-5823-9E147651E9A9}"/>
+                <a16:creationId xmlns:a16="http://schemas.microsoft.com/office/drawing/2014/main" id="{9C7CE3BB-232E-6651-B10B-51EE90C56EDC}"/>
               </a:ext>
             </a:extLst>
           </p:cNvPr>
@@ -1090,7 +1091,195 @@
           <p:cNvPr id="3" name="Notizenplatzhalter 2">
             <a:extLst>
               <a:ext uri="{FF2B5EF4-FFF2-40B4-BE49-F238E27FC236}">
-                <a16:creationId xmlns:a16="http://schemas.microsoft.com/office/drawing/2014/main" id="{77287524-2F49-83CE-0608-1396255923C6}"/>
+                <a16:creationId xmlns:a16="http://schemas.microsoft.com/office/drawing/2014/main" id="{FF1F7670-F99E-4D83-631C-3306B37D58C0}"/>
+              </a:ext>
+            </a:extLst>
+          </p:cNvPr>
+          <p:cNvSpPr>
+            <a:spLocks noGrp="1"/>
+          </p:cNvSpPr>
+          <p:nvPr>
+            <p:ph type="body" idx="1"/>
+          </p:nvPr>
+        </p:nvSpPr>
+        <p:spPr/>
+        <p:txBody>
+          <a:bodyPr/>
+          <a:lstStyle/>
+          <a:p>
+            <a:pPr marL="285750" indent="-285750">
+              <a:buFont typeface="Arial" panose="020B0604020202020204" pitchFamily="34" charset="0"/>
+              <a:buChar char="•"/>
+            </a:pPr>
+            <a:r>
+              <a:rPr lang="de-DE" dirty="0"/>
+              <a:t>Tabellen erklären</a:t>
+            </a:r>
+          </a:p>
+          <a:p>
+            <a:pPr marL="285750" marR="0" lvl="0" indent="-285750" algn="l" defTabSz="914400" rtl="0" eaLnBrk="1" fontAlgn="auto" latinLnBrk="0" hangingPunct="1">
+              <a:lnSpc>
+                <a:spcPct val="100000"/>
+              </a:lnSpc>
+              <a:spcBef>
+                <a:spcPts val="0"/>
+              </a:spcBef>
+              <a:spcAft>
+                <a:spcPts val="0"/>
+              </a:spcAft>
+              <a:buClrTx/>
+              <a:buSzTx/>
+              <a:buFont typeface="Arial" panose="020B0604020202020204" pitchFamily="34" charset="0"/>
+              <a:buChar char="•"/>
+              <a:tabLst/>
+              <a:defRPr/>
+            </a:pPr>
+            <a:r>
+              <a:rPr lang="de-DE" dirty="0"/>
+              <a:t>Erklärung der Attribute, </a:t>
+            </a:r>
+            <a:r>
+              <a:rPr lang="de-DE" sz="1200" dirty="0">
+                <a:solidFill>
+                  <a:srgbClr val="3C3939"/>
+                </a:solidFill>
+                <a:latin typeface="Roboto" pitchFamily="34" charset="0"/>
+                <a:ea typeface="Roboto" pitchFamily="34" charset="-122"/>
+                <a:cs typeface="Roboto" pitchFamily="34" charset="-120"/>
+              </a:rPr>
+              <a:t>Datentype</a:t>
+            </a:r>
+          </a:p>
+          <a:p>
+            <a:pPr marL="285750" indent="-285750">
+              <a:buFont typeface="Arial" panose="020B0604020202020204" pitchFamily="34" charset="0"/>
+              <a:buChar char="•"/>
+            </a:pPr>
+            <a:r>
+              <a:rPr lang="de-DE" dirty="0"/>
+              <a:t>Datenintegrität-Lösung (ON UPDATE CASCADE)</a:t>
+            </a:r>
+          </a:p>
+        </p:txBody>
+      </p:sp>
+      <p:sp>
+        <p:nvSpPr>
+          <p:cNvPr id="4" name="Foliennummernplatzhalter 3">
+            <a:extLst>
+              <a:ext uri="{FF2B5EF4-FFF2-40B4-BE49-F238E27FC236}">
+                <a16:creationId xmlns:a16="http://schemas.microsoft.com/office/drawing/2014/main" id="{03DB1F23-94F6-CAC4-F943-FDD46EAC9FF4}"/>
+              </a:ext>
+            </a:extLst>
+          </p:cNvPr>
+          <p:cNvSpPr>
+            <a:spLocks noGrp="1"/>
+          </p:cNvSpPr>
+          <p:nvPr>
+            <p:ph type="sldNum" sz="quarter" idx="5"/>
+          </p:nvPr>
+        </p:nvSpPr>
+        <p:spPr/>
+        <p:txBody>
+          <a:bodyPr/>
+          <a:lstStyle/>
+          <a:p>
+            <a:fld id="{ED6708E0-6EBE-4615-87DF-D15A83EC26B6}" type="slidenum">
+              <a:rPr lang="de-DE" smtClean="0"/>
+              <a:pPr/>
+              <a:t>10</a:t>
+            </a:fld>
+            <a:endParaRPr lang="de-DE"/>
+          </a:p>
+        </p:txBody>
+      </p:sp>
+      <p:sp>
+        <p:nvSpPr>
+          <p:cNvPr id="5" name="Fußzeilenplatzhalter 4">
+            <a:extLst>
+              <a:ext uri="{FF2B5EF4-FFF2-40B4-BE49-F238E27FC236}">
+                <a16:creationId xmlns:a16="http://schemas.microsoft.com/office/drawing/2014/main" id="{C848BA3E-2C1E-CC7C-E5A4-F9469F0C9DC0}"/>
+              </a:ext>
+            </a:extLst>
+          </p:cNvPr>
+          <p:cNvSpPr>
+            <a:spLocks noGrp="1"/>
+          </p:cNvSpPr>
+          <p:nvPr>
+            <p:ph type="ftr" sz="quarter" idx="4"/>
+          </p:nvPr>
+        </p:nvSpPr>
+        <p:spPr/>
+        <p:txBody>
+          <a:bodyPr/>
+          <a:lstStyle/>
+          <a:p>
+            <a:r>
+              <a:rPr lang="de-DE"/>
+              <a:t>Gruppenprojekt        IT-Akademie Dr. Heuer               31.01.2025</a:t>
+            </a:r>
+          </a:p>
+        </p:txBody>
+      </p:sp>
+    </p:spTree>
+    <p:extLst>
+      <p:ext uri="{BB962C8B-B14F-4D97-AF65-F5344CB8AC3E}">
+        <p14:creationId xmlns:p14="http://schemas.microsoft.com/office/powerpoint/2010/main" val="581687278"/>
+      </p:ext>
+    </p:extLst>
+  </p:cSld>
+  <p:clrMapOvr>
+    <a:masterClrMapping/>
+  </p:clrMapOvr>
+</p:notes>
+</file>
+
+<file path=ppt/notesSlides/notesSlide11.xml><?xml version="1.0" encoding="utf-8"?>
+<p:notes xmlns:a="http://schemas.openxmlformats.org/drawingml/2006/main" xmlns:r="http://schemas.openxmlformats.org/officeDocument/2006/relationships" xmlns:p="http://schemas.openxmlformats.org/presentationml/2006/main">
+  <p:cSld>
+    <p:spTree>
+      <p:nvGrpSpPr>
+        <p:cNvPr id="1" name="">
+          <a:extLst>
+            <a:ext uri="{FF2B5EF4-FFF2-40B4-BE49-F238E27FC236}">
+              <a16:creationId xmlns:a16="http://schemas.microsoft.com/office/drawing/2014/main" id="{10A0D2AC-C879-552C-0E7F-4C71EFC7A151}"/>
+            </a:ext>
+          </a:extLst>
+        </p:cNvPr>
+        <p:cNvGrpSpPr/>
+        <p:nvPr/>
+      </p:nvGrpSpPr>
+      <p:grpSpPr>
+        <a:xfrm>
+          <a:off x="0" y="0"/>
+          <a:ext cx="0" cy="0"/>
+          <a:chOff x="0" y="0"/>
+          <a:chExt cx="0" cy="0"/>
+        </a:xfrm>
+      </p:grpSpPr>
+      <p:sp>
+        <p:nvSpPr>
+          <p:cNvPr id="2" name="Folienbildplatzhalter 1">
+            <a:extLst>
+              <a:ext uri="{FF2B5EF4-FFF2-40B4-BE49-F238E27FC236}">
+                <a16:creationId xmlns:a16="http://schemas.microsoft.com/office/drawing/2014/main" id="{BFCC4F3F-EE37-733E-EF5E-FBDF2BAE7FE3}"/>
+              </a:ext>
+            </a:extLst>
+          </p:cNvPr>
+          <p:cNvSpPr>
+            <a:spLocks noGrp="1" noRot="1" noChangeAspect="1"/>
+          </p:cNvSpPr>
+          <p:nvPr>
+            <p:ph type="sldImg"/>
+          </p:nvPr>
+        </p:nvSpPr>
+        <p:spPr/>
+      </p:sp>
+      <p:sp>
+        <p:nvSpPr>
+          <p:cNvPr id="3" name="Notizenplatzhalter 2">
+            <a:extLst>
+              <a:ext uri="{FF2B5EF4-FFF2-40B4-BE49-F238E27FC236}">
+                <a16:creationId xmlns:a16="http://schemas.microsoft.com/office/drawing/2014/main" id="{5449D636-97AA-539F-5EAC-9AF129D796EA}"/>
               </a:ext>
             </a:extLst>
           </p:cNvPr>
@@ -1150,7 +1339,7 @@
           <p:cNvPr id="4" name="Foliennummernplatzhalter 3">
             <a:extLst>
               <a:ext uri="{FF2B5EF4-FFF2-40B4-BE49-F238E27FC236}">
-                <a16:creationId xmlns:a16="http://schemas.microsoft.com/office/drawing/2014/main" id="{70A22545-D0A0-8254-35B9-2DE86ED9F571}"/>
+                <a16:creationId xmlns:a16="http://schemas.microsoft.com/office/drawing/2014/main" id="{CF307635-035A-3835-D9E5-7B60BE40F035}"/>
               </a:ext>
             </a:extLst>
           </p:cNvPr>
@@ -1169,7 +1358,179 @@
             <a:fld id="{ED6708E0-6EBE-4615-87DF-D15A83EC26B6}" type="slidenum">
               <a:rPr lang="de-DE" smtClean="0"/>
               <a:pPr/>
-              <a:t>10</a:t>
+              <a:t>11</a:t>
+            </a:fld>
+            <a:endParaRPr lang="de-DE"/>
+          </a:p>
+        </p:txBody>
+      </p:sp>
+      <p:sp>
+        <p:nvSpPr>
+          <p:cNvPr id="5" name="Fußzeilenplatzhalter 4">
+            <a:extLst>
+              <a:ext uri="{FF2B5EF4-FFF2-40B4-BE49-F238E27FC236}">
+                <a16:creationId xmlns:a16="http://schemas.microsoft.com/office/drawing/2014/main" id="{22479FED-28DF-8B5F-DAE7-5F42B5FA30FC}"/>
+              </a:ext>
+            </a:extLst>
+          </p:cNvPr>
+          <p:cNvSpPr>
+            <a:spLocks noGrp="1"/>
+          </p:cNvSpPr>
+          <p:nvPr>
+            <p:ph type="ftr" sz="quarter" idx="4"/>
+          </p:nvPr>
+        </p:nvSpPr>
+        <p:spPr/>
+        <p:txBody>
+          <a:bodyPr/>
+          <a:lstStyle/>
+          <a:p>
+            <a:r>
+              <a:rPr lang="de-DE"/>
+              <a:t>Gruppenprojekt        IT-Akademie Dr. Heuer               31.01.2025</a:t>
+            </a:r>
+          </a:p>
+        </p:txBody>
+      </p:sp>
+    </p:spTree>
+    <p:extLst>
+      <p:ext uri="{BB962C8B-B14F-4D97-AF65-F5344CB8AC3E}">
+        <p14:creationId xmlns:p14="http://schemas.microsoft.com/office/powerpoint/2010/main" val="1390775372"/>
+      </p:ext>
+    </p:extLst>
+  </p:cSld>
+  <p:clrMapOvr>
+    <a:masterClrMapping/>
+  </p:clrMapOvr>
+</p:notes>
+</file>
+
+<file path=ppt/notesSlides/notesSlide12.xml><?xml version="1.0" encoding="utf-8"?>
+<p:notes xmlns:a="http://schemas.openxmlformats.org/drawingml/2006/main" xmlns:r="http://schemas.openxmlformats.org/officeDocument/2006/relationships" xmlns:p="http://schemas.openxmlformats.org/presentationml/2006/main">
+  <p:cSld>
+    <p:spTree>
+      <p:nvGrpSpPr>
+        <p:cNvPr id="1" name="">
+          <a:extLst>
+            <a:ext uri="{FF2B5EF4-FFF2-40B4-BE49-F238E27FC236}">
+              <a16:creationId xmlns:a16="http://schemas.microsoft.com/office/drawing/2014/main" id="{DD18C45E-6FD5-4F6F-BB60-4AD192895B6C}"/>
+            </a:ext>
+          </a:extLst>
+        </p:cNvPr>
+        <p:cNvGrpSpPr/>
+        <p:nvPr/>
+      </p:nvGrpSpPr>
+      <p:grpSpPr>
+        <a:xfrm>
+          <a:off x="0" y="0"/>
+          <a:ext cx="0" cy="0"/>
+          <a:chOff x="0" y="0"/>
+          <a:chExt cx="0" cy="0"/>
+        </a:xfrm>
+      </p:grpSpPr>
+      <p:sp>
+        <p:nvSpPr>
+          <p:cNvPr id="2" name="Folienbildplatzhalter 1">
+            <a:extLst>
+              <a:ext uri="{FF2B5EF4-FFF2-40B4-BE49-F238E27FC236}">
+                <a16:creationId xmlns:a16="http://schemas.microsoft.com/office/drawing/2014/main" id="{A2F1D066-3FEA-740C-5823-9E147651E9A9}"/>
+              </a:ext>
+            </a:extLst>
+          </p:cNvPr>
+          <p:cNvSpPr>
+            <a:spLocks noGrp="1" noRot="1" noChangeAspect="1"/>
+          </p:cNvSpPr>
+          <p:nvPr>
+            <p:ph type="sldImg"/>
+          </p:nvPr>
+        </p:nvSpPr>
+        <p:spPr/>
+      </p:sp>
+      <p:sp>
+        <p:nvSpPr>
+          <p:cNvPr id="3" name="Notizenplatzhalter 2">
+            <a:extLst>
+              <a:ext uri="{FF2B5EF4-FFF2-40B4-BE49-F238E27FC236}">
+                <a16:creationId xmlns:a16="http://schemas.microsoft.com/office/drawing/2014/main" id="{77287524-2F49-83CE-0608-1396255923C6}"/>
+              </a:ext>
+            </a:extLst>
+          </p:cNvPr>
+          <p:cNvSpPr>
+            <a:spLocks noGrp="1"/>
+          </p:cNvSpPr>
+          <p:nvPr>
+            <p:ph type="body" idx="1"/>
+          </p:nvPr>
+        </p:nvSpPr>
+        <p:spPr/>
+        <p:txBody>
+          <a:bodyPr/>
+          <a:lstStyle/>
+          <a:p>
+            <a:pPr marL="0" marR="0" lvl="0" indent="0" algn="l" defTabSz="914400" rtl="0" eaLnBrk="1" fontAlgn="auto" latinLnBrk="0" hangingPunct="1">
+              <a:lnSpc>
+                <a:spcPct val="100000"/>
+              </a:lnSpc>
+              <a:spcBef>
+                <a:spcPts val="0"/>
+              </a:spcBef>
+              <a:spcAft>
+                <a:spcPts val="0"/>
+              </a:spcAft>
+              <a:buClrTx/>
+              <a:buSzTx/>
+              <a:buFontTx/>
+              <a:buNone/>
+              <a:tabLst/>
+              <a:defRPr/>
+            </a:pPr>
+            <a:r>
+              <a:rPr lang="de-DE" sz="1200" dirty="0">
+                <a:solidFill>
+                  <a:srgbClr val="3C3939"/>
+                </a:solidFill>
+                <a:latin typeface="Roboto" pitchFamily="34" charset="0"/>
+                <a:ea typeface="Roboto" pitchFamily="34" charset="-122"/>
+                <a:cs typeface="Roboto" pitchFamily="34" charset="-120"/>
+              </a:rPr>
+              <a:t>Code + Erklärung kurz</a:t>
+            </a:r>
+            <a:endParaRPr lang="en-US" sz="1200" dirty="0">
+              <a:solidFill>
+                <a:srgbClr val="3C3939"/>
+              </a:solidFill>
+              <a:latin typeface="Roboto" pitchFamily="34" charset="0"/>
+              <a:ea typeface="Roboto" pitchFamily="34" charset="-122"/>
+              <a:cs typeface="Roboto" pitchFamily="34" charset="-120"/>
+            </a:endParaRPr>
+          </a:p>
+        </p:txBody>
+      </p:sp>
+      <p:sp>
+        <p:nvSpPr>
+          <p:cNvPr id="4" name="Foliennummernplatzhalter 3">
+            <a:extLst>
+              <a:ext uri="{FF2B5EF4-FFF2-40B4-BE49-F238E27FC236}">
+                <a16:creationId xmlns:a16="http://schemas.microsoft.com/office/drawing/2014/main" id="{70A22545-D0A0-8254-35B9-2DE86ED9F571}"/>
+              </a:ext>
+            </a:extLst>
+          </p:cNvPr>
+          <p:cNvSpPr>
+            <a:spLocks noGrp="1"/>
+          </p:cNvSpPr>
+          <p:nvPr>
+            <p:ph type="sldNum" sz="quarter" idx="5"/>
+          </p:nvPr>
+        </p:nvSpPr>
+        <p:spPr/>
+        <p:txBody>
+          <a:bodyPr/>
+          <a:lstStyle/>
+          <a:p>
+            <a:fld id="{ED6708E0-6EBE-4615-87DF-D15A83EC26B6}" type="slidenum">
+              <a:rPr lang="de-DE" smtClean="0"/>
+              <a:pPr/>
+              <a:t>12</a:t>
             </a:fld>
             <a:endParaRPr lang="de-DE"/>
           </a:p>
@@ -1216,7 +1577,7 @@
 </p:notes>
 </file>
 
-<file path=ppt/notesSlides/notesSlide11.xml><?xml version="1.0" encoding="utf-8"?>
+<file path=ppt/notesSlides/notesSlide13.xml><?xml version="1.0" encoding="utf-8"?>
 <p:notes xmlns:a="http://schemas.openxmlformats.org/drawingml/2006/main" xmlns:r="http://schemas.openxmlformats.org/officeDocument/2006/relationships" xmlns:p="http://schemas.openxmlformats.org/presentationml/2006/main">
   <p:cSld>
     <p:spTree>
@@ -1341,7 +1702,7 @@
             <a:fld id="{ED6708E0-6EBE-4615-87DF-D15A83EC26B6}" type="slidenum">
               <a:rPr lang="de-DE" smtClean="0"/>
               <a:pPr/>
-              <a:t>11</a:t>
+              <a:t>13</a:t>
             </a:fld>
             <a:endParaRPr lang="de-DE"/>
           </a:p>
@@ -1388,179 +1749,7 @@
 </p:notes>
 </file>
 
-<file path=ppt/notesSlides/notesSlide12.xml><?xml version="1.0" encoding="utf-8"?>
-<p:notes xmlns:a="http://schemas.openxmlformats.org/drawingml/2006/main" xmlns:r="http://schemas.openxmlformats.org/officeDocument/2006/relationships" xmlns:p="http://schemas.openxmlformats.org/presentationml/2006/main">
-  <p:cSld>
-    <p:spTree>
-      <p:nvGrpSpPr>
-        <p:cNvPr id="1" name="">
-          <a:extLst>
-            <a:ext uri="{FF2B5EF4-FFF2-40B4-BE49-F238E27FC236}">
-              <a16:creationId xmlns:a16="http://schemas.microsoft.com/office/drawing/2014/main" id="{9A188B8A-C817-DF25-3A31-B2838D85AD6E}"/>
-            </a:ext>
-          </a:extLst>
-        </p:cNvPr>
-        <p:cNvGrpSpPr/>
-        <p:nvPr/>
-      </p:nvGrpSpPr>
-      <p:grpSpPr>
-        <a:xfrm>
-          <a:off x="0" y="0"/>
-          <a:ext cx="0" cy="0"/>
-          <a:chOff x="0" y="0"/>
-          <a:chExt cx="0" cy="0"/>
-        </a:xfrm>
-      </p:grpSpPr>
-      <p:sp>
-        <p:nvSpPr>
-          <p:cNvPr id="2" name="Folienbildplatzhalter 1">
-            <a:extLst>
-              <a:ext uri="{FF2B5EF4-FFF2-40B4-BE49-F238E27FC236}">
-                <a16:creationId xmlns:a16="http://schemas.microsoft.com/office/drawing/2014/main" id="{BFA611C5-D269-8CB0-BA47-7088FDE611B6}"/>
-              </a:ext>
-            </a:extLst>
-          </p:cNvPr>
-          <p:cNvSpPr>
-            <a:spLocks noGrp="1" noRot="1" noChangeAspect="1"/>
-          </p:cNvSpPr>
-          <p:nvPr>
-            <p:ph type="sldImg"/>
-          </p:nvPr>
-        </p:nvSpPr>
-        <p:spPr/>
-      </p:sp>
-      <p:sp>
-        <p:nvSpPr>
-          <p:cNvPr id="3" name="Notizenplatzhalter 2">
-            <a:extLst>
-              <a:ext uri="{FF2B5EF4-FFF2-40B4-BE49-F238E27FC236}">
-                <a16:creationId xmlns:a16="http://schemas.microsoft.com/office/drawing/2014/main" id="{7B36CC3D-9296-17BF-C112-B64F269AC450}"/>
-              </a:ext>
-            </a:extLst>
-          </p:cNvPr>
-          <p:cNvSpPr>
-            <a:spLocks noGrp="1"/>
-          </p:cNvSpPr>
-          <p:nvPr>
-            <p:ph type="body" idx="1"/>
-          </p:nvPr>
-        </p:nvSpPr>
-        <p:spPr/>
-        <p:txBody>
-          <a:bodyPr/>
-          <a:lstStyle/>
-          <a:p>
-            <a:pPr marL="0" marR="0" lvl="0" indent="0" algn="l" defTabSz="914400" rtl="0" eaLnBrk="1" fontAlgn="auto" latinLnBrk="0" hangingPunct="1">
-              <a:lnSpc>
-                <a:spcPct val="100000"/>
-              </a:lnSpc>
-              <a:spcBef>
-                <a:spcPts val="0"/>
-              </a:spcBef>
-              <a:spcAft>
-                <a:spcPts val="0"/>
-              </a:spcAft>
-              <a:buClrTx/>
-              <a:buSzTx/>
-              <a:buFontTx/>
-              <a:buNone/>
-              <a:tabLst/>
-              <a:defRPr/>
-            </a:pPr>
-            <a:r>
-              <a:rPr lang="de-DE" sz="1200" dirty="0">
-                <a:solidFill>
-                  <a:srgbClr val="3C3939"/>
-                </a:solidFill>
-                <a:latin typeface="Roboto" pitchFamily="34" charset="0"/>
-                <a:ea typeface="Roboto" pitchFamily="34" charset="-122"/>
-                <a:cs typeface="Roboto" pitchFamily="34" charset="-120"/>
-              </a:rPr>
-              <a:t>Code + Erklärung kurz</a:t>
-            </a:r>
-            <a:endParaRPr lang="en-US" sz="1200" dirty="0">
-              <a:solidFill>
-                <a:srgbClr val="3C3939"/>
-              </a:solidFill>
-              <a:latin typeface="Roboto" pitchFamily="34" charset="0"/>
-              <a:ea typeface="Roboto" pitchFamily="34" charset="-122"/>
-              <a:cs typeface="Roboto" pitchFamily="34" charset="-120"/>
-            </a:endParaRPr>
-          </a:p>
-        </p:txBody>
-      </p:sp>
-      <p:sp>
-        <p:nvSpPr>
-          <p:cNvPr id="4" name="Foliennummernplatzhalter 3">
-            <a:extLst>
-              <a:ext uri="{FF2B5EF4-FFF2-40B4-BE49-F238E27FC236}">
-                <a16:creationId xmlns:a16="http://schemas.microsoft.com/office/drawing/2014/main" id="{7AADA7BC-C996-5FFF-C1F3-AF10024E436D}"/>
-              </a:ext>
-            </a:extLst>
-          </p:cNvPr>
-          <p:cNvSpPr>
-            <a:spLocks noGrp="1"/>
-          </p:cNvSpPr>
-          <p:nvPr>
-            <p:ph type="sldNum" sz="quarter" idx="5"/>
-          </p:nvPr>
-        </p:nvSpPr>
-        <p:spPr/>
-        <p:txBody>
-          <a:bodyPr/>
-          <a:lstStyle/>
-          <a:p>
-            <a:fld id="{ED6708E0-6EBE-4615-87DF-D15A83EC26B6}" type="slidenum">
-              <a:rPr lang="de-DE" smtClean="0"/>
-              <a:pPr/>
-              <a:t>12</a:t>
-            </a:fld>
-            <a:endParaRPr lang="de-DE"/>
-          </a:p>
-        </p:txBody>
-      </p:sp>
-      <p:sp>
-        <p:nvSpPr>
-          <p:cNvPr id="5" name="Fußzeilenplatzhalter 4">
-            <a:extLst>
-              <a:ext uri="{FF2B5EF4-FFF2-40B4-BE49-F238E27FC236}">
-                <a16:creationId xmlns:a16="http://schemas.microsoft.com/office/drawing/2014/main" id="{EABAD05E-7965-EC83-DF9F-BBBD7CC416F8}"/>
-              </a:ext>
-            </a:extLst>
-          </p:cNvPr>
-          <p:cNvSpPr>
-            <a:spLocks noGrp="1"/>
-          </p:cNvSpPr>
-          <p:nvPr>
-            <p:ph type="ftr" sz="quarter" idx="4"/>
-          </p:nvPr>
-        </p:nvSpPr>
-        <p:spPr/>
-        <p:txBody>
-          <a:bodyPr/>
-          <a:lstStyle/>
-          <a:p>
-            <a:r>
-              <a:rPr lang="de-DE"/>
-              <a:t>Gruppenprojekt        IT-Akademie Dr. Heuer               31.01.2025</a:t>
-            </a:r>
-          </a:p>
-        </p:txBody>
-      </p:sp>
-    </p:spTree>
-    <p:extLst>
-      <p:ext uri="{BB962C8B-B14F-4D97-AF65-F5344CB8AC3E}">
-        <p14:creationId xmlns:p14="http://schemas.microsoft.com/office/powerpoint/2010/main" val="3530850273"/>
-      </p:ext>
-    </p:extLst>
-  </p:cSld>
-  <p:clrMapOvr>
-    <a:masterClrMapping/>
-  </p:clrMapOvr>
-</p:notes>
-</file>
-
-<file path=ppt/notesSlides/notesSlide13.xml><?xml version="1.0" encoding="utf-8"?>
+<file path=ppt/notesSlides/notesSlide14.xml><?xml version="1.0" encoding="utf-8"?>
 <p:notes xmlns:a="http://schemas.openxmlformats.org/drawingml/2006/main" xmlns:r="http://schemas.openxmlformats.org/officeDocument/2006/relationships" xmlns:p="http://schemas.openxmlformats.org/presentationml/2006/main">
   <p:cSld>
     <p:spTree>
@@ -1704,7 +1893,7 @@
             <a:fld id="{ED6708E0-6EBE-4615-87DF-D15A83EC26B6}" type="slidenum">
               <a:rPr lang="de-DE" smtClean="0"/>
               <a:pPr/>
-              <a:t>13</a:t>
+              <a:t>14</a:t>
             </a:fld>
             <a:endParaRPr lang="de-DE"/>
           </a:p>
@@ -1751,7 +1940,7 @@
 </p:notes>
 </file>
 
-<file path=ppt/notesSlides/notesSlide14.xml><?xml version="1.0" encoding="utf-8"?>
+<file path=ppt/notesSlides/notesSlide15.xml><?xml version="1.0" encoding="utf-8"?>
 <p:notes xmlns:a="http://schemas.openxmlformats.org/drawingml/2006/main" xmlns:r="http://schemas.openxmlformats.org/officeDocument/2006/relationships" xmlns:p="http://schemas.openxmlformats.org/presentationml/2006/main">
   <p:cSld>
     <p:spTree>
@@ -2404,7 +2593,7 @@
             <a:fld id="{ED6708E0-6EBE-4615-87DF-D15A83EC26B6}" type="slidenum">
               <a:rPr lang="de-DE" smtClean="0"/>
               <a:pPr/>
-              <a:t>14</a:t>
+              <a:t>15</a:t>
             </a:fld>
             <a:endParaRPr lang="de-DE"/>
           </a:p>
@@ -5435,7 +5624,7 @@
         <p:cNvPr id="1" name="">
           <a:extLst>
             <a:ext uri="{FF2B5EF4-FFF2-40B4-BE49-F238E27FC236}">
-              <a16:creationId xmlns:a16="http://schemas.microsoft.com/office/drawing/2014/main" id="{10A0D2AC-C879-552C-0E7F-4C71EFC7A151}"/>
+              <a16:creationId xmlns:a16="http://schemas.microsoft.com/office/drawing/2014/main" id="{9A188B8A-C817-DF25-3A31-B2838D85AD6E}"/>
             </a:ext>
           </a:extLst>
         </p:cNvPr>
@@ -5455,7 +5644,7 @@
           <p:cNvPr id="2" name="Folienbildplatzhalter 1">
             <a:extLst>
               <a:ext uri="{FF2B5EF4-FFF2-40B4-BE49-F238E27FC236}">
-                <a16:creationId xmlns:a16="http://schemas.microsoft.com/office/drawing/2014/main" id="{BFCC4F3F-EE37-733E-EF5E-FBDF2BAE7FE3}"/>
+                <a16:creationId xmlns:a16="http://schemas.microsoft.com/office/drawing/2014/main" id="{BFA611C5-D269-8CB0-BA47-7088FDE611B6}"/>
               </a:ext>
             </a:extLst>
           </p:cNvPr>
@@ -5473,7 +5662,7 @@
           <p:cNvPr id="3" name="Notizenplatzhalter 2">
             <a:extLst>
               <a:ext uri="{FF2B5EF4-FFF2-40B4-BE49-F238E27FC236}">
-                <a16:creationId xmlns:a16="http://schemas.microsoft.com/office/drawing/2014/main" id="{5449D636-97AA-539F-5EAC-9AF129D796EA}"/>
+                <a16:creationId xmlns:a16="http://schemas.microsoft.com/office/drawing/2014/main" id="{7B36CC3D-9296-17BF-C112-B64F269AC450}"/>
               </a:ext>
             </a:extLst>
           </p:cNvPr>
@@ -5533,7 +5722,7 @@
           <p:cNvPr id="4" name="Foliennummernplatzhalter 3">
             <a:extLst>
               <a:ext uri="{FF2B5EF4-FFF2-40B4-BE49-F238E27FC236}">
-                <a16:creationId xmlns:a16="http://schemas.microsoft.com/office/drawing/2014/main" id="{CF307635-035A-3835-D9E5-7B60BE40F035}"/>
+                <a16:creationId xmlns:a16="http://schemas.microsoft.com/office/drawing/2014/main" id="{7AADA7BC-C996-5FFF-C1F3-AF10024E436D}"/>
               </a:ext>
             </a:extLst>
           </p:cNvPr>
@@ -5563,7 +5752,7 @@
           <p:cNvPr id="5" name="Fußzeilenplatzhalter 4">
             <a:extLst>
               <a:ext uri="{FF2B5EF4-FFF2-40B4-BE49-F238E27FC236}">
-                <a16:creationId xmlns:a16="http://schemas.microsoft.com/office/drawing/2014/main" id="{22479FED-28DF-8B5F-DAE7-5F42B5FA30FC}"/>
+                <a16:creationId xmlns:a16="http://schemas.microsoft.com/office/drawing/2014/main" id="{EABAD05E-7965-EC83-DF9F-BBBD7CC416F8}"/>
               </a:ext>
             </a:extLst>
           </p:cNvPr>
@@ -5589,7 +5778,7 @@
     </p:spTree>
     <p:extLst>
       <p:ext uri="{BB962C8B-B14F-4D97-AF65-F5344CB8AC3E}">
-        <p14:creationId xmlns:p14="http://schemas.microsoft.com/office/powerpoint/2010/main" val="1390775372"/>
+        <p14:creationId xmlns:p14="http://schemas.microsoft.com/office/powerpoint/2010/main" val="3530850273"/>
       </p:ext>
     </p:extLst>
   </p:cSld>
@@ -14020,6 +14209,2474 @@
         <p:cNvPr id="1" name="">
           <a:extLst>
             <a:ext uri="{FF2B5EF4-FFF2-40B4-BE49-F238E27FC236}">
+              <a16:creationId xmlns:a16="http://schemas.microsoft.com/office/drawing/2014/main" id="{C4D4EDB4-151B-AEC4-0D7A-DFF6E61D8D7D}"/>
+            </a:ext>
+          </a:extLst>
+        </p:cNvPr>
+        <p:cNvGrpSpPr/>
+        <p:nvPr/>
+      </p:nvGrpSpPr>
+      <p:grpSpPr>
+        <a:xfrm>
+          <a:off x="0" y="0"/>
+          <a:ext cx="0" cy="0"/>
+          <a:chOff x="0" y="0"/>
+          <a:chExt cx="0" cy="0"/>
+        </a:xfrm>
+      </p:grpSpPr>
+      <p:sp>
+        <p:nvSpPr>
+          <p:cNvPr id="10" name="Rechteck 9">
+            <a:extLst>
+              <a:ext uri="{FF2B5EF4-FFF2-40B4-BE49-F238E27FC236}">
+                <a16:creationId xmlns:a16="http://schemas.microsoft.com/office/drawing/2014/main" id="{95E51CF3-1EBC-5403-B750-FA9688928737}"/>
+              </a:ext>
+            </a:extLst>
+          </p:cNvPr>
+          <p:cNvSpPr/>
+          <p:nvPr/>
+        </p:nvSpPr>
+        <p:spPr>
+          <a:xfrm>
+            <a:off x="4737498" y="606375"/>
+            <a:ext cx="900000" cy="216000"/>
+          </a:xfrm>
+          <a:prstGeom prst="rect">
+            <a:avLst/>
+          </a:prstGeom>
+          <a:ln>
+            <a:solidFill>
+              <a:schemeClr val="bg1"/>
+            </a:solidFill>
+          </a:ln>
+        </p:spPr>
+        <p:style>
+          <a:lnRef idx="2">
+            <a:schemeClr val="dk1"/>
+          </a:lnRef>
+          <a:fillRef idx="1">
+            <a:schemeClr val="lt1"/>
+          </a:fillRef>
+          <a:effectRef idx="0">
+            <a:schemeClr val="dk1"/>
+          </a:effectRef>
+          <a:fontRef idx="minor">
+            <a:schemeClr val="dk1"/>
+          </a:fontRef>
+        </p:style>
+        <p:txBody>
+          <a:bodyPr lIns="36000" rIns="36000" rtlCol="0" anchor="ctr"/>
+          <a:lstStyle/>
+          <a:p>
+            <a:pPr algn="ctr"/>
+            <a:r>
+              <a:rPr lang="de-DE" sz="800" dirty="0">
+                <a:latin typeface="Arial" panose="020B0604020202020204" pitchFamily="34" charset="0"/>
+                <a:cs typeface="Arial" panose="020B0604020202020204" pitchFamily="34" charset="0"/>
+              </a:rPr>
+              <a:t>Soll-Zustand</a:t>
+            </a:r>
+          </a:p>
+        </p:txBody>
+      </p:sp>
+      <p:sp>
+        <p:nvSpPr>
+          <p:cNvPr id="13" name="Rechteck 12">
+            <a:extLst>
+              <a:ext uri="{FF2B5EF4-FFF2-40B4-BE49-F238E27FC236}">
+                <a16:creationId xmlns:a16="http://schemas.microsoft.com/office/drawing/2014/main" id="{0C6737A1-016C-5151-59F6-5E72CF4E72C6}"/>
+              </a:ext>
+            </a:extLst>
+          </p:cNvPr>
+          <p:cNvSpPr/>
+          <p:nvPr/>
+        </p:nvSpPr>
+        <p:spPr>
+          <a:xfrm>
+            <a:off x="6568680" y="606375"/>
+            <a:ext cx="900000" cy="216000"/>
+          </a:xfrm>
+          <a:prstGeom prst="rect">
+            <a:avLst/>
+          </a:prstGeom>
+          <a:ln>
+            <a:solidFill>
+              <a:schemeClr val="bg1"/>
+            </a:solidFill>
+          </a:ln>
+        </p:spPr>
+        <p:style>
+          <a:lnRef idx="2">
+            <a:schemeClr val="dk1"/>
+          </a:lnRef>
+          <a:fillRef idx="1">
+            <a:schemeClr val="lt1"/>
+          </a:fillRef>
+          <a:effectRef idx="0">
+            <a:schemeClr val="dk1"/>
+          </a:effectRef>
+          <a:fontRef idx="minor">
+            <a:schemeClr val="dk1"/>
+          </a:fontRef>
+        </p:style>
+        <p:txBody>
+          <a:bodyPr lIns="36000" rIns="36000" rtlCol="0" anchor="ctr"/>
+          <a:lstStyle/>
+          <a:p>
+            <a:pPr algn="ctr"/>
+            <a:r>
+              <a:rPr lang="de-DE" sz="800" dirty="0">
+                <a:latin typeface="Arial" panose="020B0604020202020204" pitchFamily="34" charset="0"/>
+                <a:cs typeface="Arial" panose="020B0604020202020204" pitchFamily="34" charset="0"/>
+              </a:rPr>
+              <a:t>Durchführung</a:t>
+            </a:r>
+          </a:p>
+        </p:txBody>
+      </p:sp>
+      <p:sp>
+        <p:nvSpPr>
+          <p:cNvPr id="7" name="Rechteck 6">
+            <a:extLst>
+              <a:ext uri="{FF2B5EF4-FFF2-40B4-BE49-F238E27FC236}">
+                <a16:creationId xmlns:a16="http://schemas.microsoft.com/office/drawing/2014/main" id="{D5906CFF-3FF9-DD3D-BD9C-3BDF418E8353}"/>
+              </a:ext>
+            </a:extLst>
+          </p:cNvPr>
+          <p:cNvSpPr/>
+          <p:nvPr/>
+        </p:nvSpPr>
+        <p:spPr>
+          <a:xfrm>
+            <a:off x="1990725" y="606375"/>
+            <a:ext cx="900000" cy="216000"/>
+          </a:xfrm>
+          <a:prstGeom prst="rect">
+            <a:avLst/>
+          </a:prstGeom>
+          <a:ln/>
+        </p:spPr>
+        <p:style>
+          <a:lnRef idx="1">
+            <a:schemeClr val="accent5"/>
+          </a:lnRef>
+          <a:fillRef idx="3">
+            <a:schemeClr val="accent5"/>
+          </a:fillRef>
+          <a:effectRef idx="2">
+            <a:schemeClr val="accent5"/>
+          </a:effectRef>
+          <a:fontRef idx="minor">
+            <a:schemeClr val="lt1"/>
+          </a:fontRef>
+        </p:style>
+        <p:txBody>
+          <a:bodyPr lIns="36000" rIns="36000" rtlCol="0" anchor="ctr"/>
+          <a:lstStyle/>
+          <a:p>
+            <a:pPr algn="ctr"/>
+            <a:r>
+              <a:rPr lang="de-DE" sz="800" dirty="0">
+                <a:latin typeface="Arial" panose="020B0604020202020204" pitchFamily="34" charset="0"/>
+                <a:cs typeface="Arial" panose="020B0604020202020204" pitchFamily="34" charset="0"/>
+              </a:rPr>
+              <a:t>Inhalt</a:t>
+            </a:r>
+          </a:p>
+        </p:txBody>
+      </p:sp>
+      <p:sp>
+        <p:nvSpPr>
+          <p:cNvPr id="12" name="Rechteck 11">
+            <a:extLst>
+              <a:ext uri="{FF2B5EF4-FFF2-40B4-BE49-F238E27FC236}">
+                <a16:creationId xmlns:a16="http://schemas.microsoft.com/office/drawing/2014/main" id="{D61DAB73-E59B-461D-9C3F-489FA24BD7A9}"/>
+              </a:ext>
+            </a:extLst>
+          </p:cNvPr>
+          <p:cNvSpPr/>
+          <p:nvPr/>
+        </p:nvSpPr>
+        <p:spPr>
+          <a:xfrm>
+            <a:off x="2906316" y="606375"/>
+            <a:ext cx="900000" cy="216000"/>
+          </a:xfrm>
+          <a:prstGeom prst="rect">
+            <a:avLst/>
+          </a:prstGeom>
+          <a:ln>
+            <a:solidFill>
+              <a:schemeClr val="bg1"/>
+            </a:solidFill>
+          </a:ln>
+        </p:spPr>
+        <p:style>
+          <a:lnRef idx="2">
+            <a:schemeClr val="dk1"/>
+          </a:lnRef>
+          <a:fillRef idx="1">
+            <a:schemeClr val="lt1"/>
+          </a:fillRef>
+          <a:effectRef idx="0">
+            <a:schemeClr val="dk1"/>
+          </a:effectRef>
+          <a:fontRef idx="minor">
+            <a:schemeClr val="dk1"/>
+          </a:fontRef>
+        </p:style>
+        <p:txBody>
+          <a:bodyPr lIns="36000" rIns="36000" rtlCol="0" anchor="ctr"/>
+          <a:lstStyle/>
+          <a:p>
+            <a:pPr algn="ctr"/>
+            <a:r>
+              <a:rPr lang="de-DE" sz="800" dirty="0">
+                <a:latin typeface="Arial" panose="020B0604020202020204" pitchFamily="34" charset="0"/>
+                <a:cs typeface="Arial" panose="020B0604020202020204" pitchFamily="34" charset="0"/>
+              </a:rPr>
+              <a:t>Betriebsumfeld</a:t>
+            </a:r>
+          </a:p>
+        </p:txBody>
+      </p:sp>
+      <p:sp>
+        <p:nvSpPr>
+          <p:cNvPr id="9" name="Rechteck 8">
+            <a:extLst>
+              <a:ext uri="{FF2B5EF4-FFF2-40B4-BE49-F238E27FC236}">
+                <a16:creationId xmlns:a16="http://schemas.microsoft.com/office/drawing/2014/main" id="{2057060D-A42A-0D39-3504-DD4DD227DF07}"/>
+              </a:ext>
+            </a:extLst>
+          </p:cNvPr>
+          <p:cNvSpPr/>
+          <p:nvPr/>
+        </p:nvSpPr>
+        <p:spPr>
+          <a:xfrm>
+            <a:off x="3821907" y="606375"/>
+            <a:ext cx="900000" cy="216000"/>
+          </a:xfrm>
+          <a:prstGeom prst="rect">
+            <a:avLst/>
+          </a:prstGeom>
+          <a:ln>
+            <a:solidFill>
+              <a:schemeClr val="bg1"/>
+            </a:solidFill>
+          </a:ln>
+        </p:spPr>
+        <p:style>
+          <a:lnRef idx="2">
+            <a:schemeClr val="dk1"/>
+          </a:lnRef>
+          <a:fillRef idx="1">
+            <a:schemeClr val="lt1"/>
+          </a:fillRef>
+          <a:effectRef idx="0">
+            <a:schemeClr val="dk1"/>
+          </a:effectRef>
+          <a:fontRef idx="minor">
+            <a:schemeClr val="dk1"/>
+          </a:fontRef>
+        </p:style>
+        <p:txBody>
+          <a:bodyPr lIns="36000" rIns="36000" rtlCol="0" anchor="ctr"/>
+          <a:lstStyle/>
+          <a:p>
+            <a:pPr algn="ctr"/>
+            <a:r>
+              <a:rPr lang="de-DE" sz="800" dirty="0">
+                <a:latin typeface="Arial" panose="020B0604020202020204" pitchFamily="34" charset="0"/>
+                <a:cs typeface="Arial" panose="020B0604020202020204" pitchFamily="34" charset="0"/>
+              </a:rPr>
+              <a:t>Ist-Zustand</a:t>
+            </a:r>
+          </a:p>
+        </p:txBody>
+      </p:sp>
+      <p:sp>
+        <p:nvSpPr>
+          <p:cNvPr id="11" name="Rechteck 10">
+            <a:extLst>
+              <a:ext uri="{FF2B5EF4-FFF2-40B4-BE49-F238E27FC236}">
+                <a16:creationId xmlns:a16="http://schemas.microsoft.com/office/drawing/2014/main" id="{99F3BFEE-12A6-DE40-9C95-83179930961F}"/>
+              </a:ext>
+            </a:extLst>
+          </p:cNvPr>
+          <p:cNvSpPr/>
+          <p:nvPr/>
+        </p:nvSpPr>
+        <p:spPr>
+          <a:xfrm>
+            <a:off x="5653089" y="606375"/>
+            <a:ext cx="900000" cy="216000"/>
+          </a:xfrm>
+          <a:prstGeom prst="rect">
+            <a:avLst/>
+          </a:prstGeom>
+          <a:ln>
+            <a:solidFill>
+              <a:schemeClr val="bg1"/>
+            </a:solidFill>
+          </a:ln>
+        </p:spPr>
+        <p:style>
+          <a:lnRef idx="2">
+            <a:schemeClr val="dk1"/>
+          </a:lnRef>
+          <a:fillRef idx="1">
+            <a:schemeClr val="lt1"/>
+          </a:fillRef>
+          <a:effectRef idx="0">
+            <a:schemeClr val="dk1"/>
+          </a:effectRef>
+          <a:fontRef idx="minor">
+            <a:schemeClr val="dk1"/>
+          </a:fontRef>
+        </p:style>
+        <p:txBody>
+          <a:bodyPr lIns="36000" rIns="36000" rtlCol="0" anchor="ctr"/>
+          <a:lstStyle/>
+          <a:p>
+            <a:pPr algn="ctr"/>
+            <a:r>
+              <a:rPr lang="de-DE" sz="800" dirty="0">
+                <a:latin typeface="Arial" panose="020B0604020202020204" pitchFamily="34" charset="0"/>
+                <a:cs typeface="Arial" panose="020B0604020202020204" pitchFamily="34" charset="0"/>
+              </a:rPr>
+              <a:t>Wirtschaftlichkeit</a:t>
+            </a:r>
+          </a:p>
+        </p:txBody>
+      </p:sp>
+      <p:sp>
+        <p:nvSpPr>
+          <p:cNvPr id="14" name="Rechteck 13">
+            <a:extLst>
+              <a:ext uri="{FF2B5EF4-FFF2-40B4-BE49-F238E27FC236}">
+                <a16:creationId xmlns:a16="http://schemas.microsoft.com/office/drawing/2014/main" id="{DD5F16CE-154A-A118-61B6-153A7321B2D7}"/>
+              </a:ext>
+            </a:extLst>
+          </p:cNvPr>
+          <p:cNvSpPr/>
+          <p:nvPr/>
+        </p:nvSpPr>
+        <p:spPr>
+          <a:xfrm>
+            <a:off x="7484271" y="606375"/>
+            <a:ext cx="900000" cy="216000"/>
+          </a:xfrm>
+          <a:prstGeom prst="rect">
+            <a:avLst/>
+          </a:prstGeom>
+          <a:ln>
+            <a:solidFill>
+              <a:schemeClr val="bg1"/>
+            </a:solidFill>
+          </a:ln>
+        </p:spPr>
+        <p:style>
+          <a:lnRef idx="2">
+            <a:schemeClr val="dk1"/>
+          </a:lnRef>
+          <a:fillRef idx="1">
+            <a:schemeClr val="lt1"/>
+          </a:fillRef>
+          <a:effectRef idx="0">
+            <a:schemeClr val="dk1"/>
+          </a:effectRef>
+          <a:fontRef idx="minor">
+            <a:schemeClr val="dk1"/>
+          </a:fontRef>
+        </p:style>
+        <p:txBody>
+          <a:bodyPr lIns="36000" rIns="36000" rtlCol="0" anchor="ctr"/>
+          <a:lstStyle/>
+          <a:p>
+            <a:pPr algn="ctr"/>
+            <a:r>
+              <a:rPr lang="de-DE" sz="800" dirty="0">
+                <a:latin typeface="Arial" panose="020B0604020202020204" pitchFamily="34" charset="0"/>
+                <a:cs typeface="Arial" panose="020B0604020202020204" pitchFamily="34" charset="0"/>
+              </a:rPr>
+              <a:t>Tests</a:t>
+            </a:r>
+          </a:p>
+        </p:txBody>
+      </p:sp>
+      <p:sp>
+        <p:nvSpPr>
+          <p:cNvPr id="15" name="Rechteck 14">
+            <a:extLst>
+              <a:ext uri="{FF2B5EF4-FFF2-40B4-BE49-F238E27FC236}">
+                <a16:creationId xmlns:a16="http://schemas.microsoft.com/office/drawing/2014/main" id="{70EFF149-4724-5322-EEC6-35D52A38FD03}"/>
+              </a:ext>
+            </a:extLst>
+          </p:cNvPr>
+          <p:cNvSpPr/>
+          <p:nvPr/>
+        </p:nvSpPr>
+        <p:spPr>
+          <a:xfrm>
+            <a:off x="8399862" y="606375"/>
+            <a:ext cx="900000" cy="216000"/>
+          </a:xfrm>
+          <a:prstGeom prst="rect">
+            <a:avLst/>
+          </a:prstGeom>
+          <a:ln>
+            <a:solidFill>
+              <a:schemeClr val="bg1"/>
+            </a:solidFill>
+          </a:ln>
+        </p:spPr>
+        <p:style>
+          <a:lnRef idx="2">
+            <a:schemeClr val="dk1"/>
+          </a:lnRef>
+          <a:fillRef idx="1">
+            <a:schemeClr val="lt1"/>
+          </a:fillRef>
+          <a:effectRef idx="0">
+            <a:schemeClr val="dk1"/>
+          </a:effectRef>
+          <a:fontRef idx="minor">
+            <a:schemeClr val="dk1"/>
+          </a:fontRef>
+        </p:style>
+        <p:txBody>
+          <a:bodyPr lIns="36000" rIns="36000" rtlCol="0" anchor="ctr"/>
+          <a:lstStyle/>
+          <a:p>
+            <a:pPr algn="ctr"/>
+            <a:r>
+              <a:rPr lang="de-DE" sz="800" dirty="0">
+                <a:latin typeface="Arial" panose="020B0604020202020204" pitchFamily="34" charset="0"/>
+                <a:cs typeface="Arial" panose="020B0604020202020204" pitchFamily="34" charset="0"/>
+              </a:rPr>
+              <a:t>Soll-Ist-Vergleich</a:t>
+            </a:r>
+          </a:p>
+        </p:txBody>
+      </p:sp>
+      <p:sp>
+        <p:nvSpPr>
+          <p:cNvPr id="16" name="Rechteck 15">
+            <a:extLst>
+              <a:ext uri="{FF2B5EF4-FFF2-40B4-BE49-F238E27FC236}">
+                <a16:creationId xmlns:a16="http://schemas.microsoft.com/office/drawing/2014/main" id="{D09784B2-7047-D7AC-CF38-B1813AADC254}"/>
+              </a:ext>
+            </a:extLst>
+          </p:cNvPr>
+          <p:cNvSpPr/>
+          <p:nvPr/>
+        </p:nvSpPr>
+        <p:spPr>
+          <a:xfrm>
+            <a:off x="9315455" y="606375"/>
+            <a:ext cx="900000" cy="216000"/>
+          </a:xfrm>
+          <a:prstGeom prst="rect">
+            <a:avLst/>
+          </a:prstGeom>
+          <a:ln>
+            <a:solidFill>
+              <a:schemeClr val="bg1"/>
+            </a:solidFill>
+          </a:ln>
+        </p:spPr>
+        <p:style>
+          <a:lnRef idx="2">
+            <a:schemeClr val="dk1"/>
+          </a:lnRef>
+          <a:fillRef idx="1">
+            <a:schemeClr val="lt1"/>
+          </a:fillRef>
+          <a:effectRef idx="0">
+            <a:schemeClr val="dk1"/>
+          </a:effectRef>
+          <a:fontRef idx="minor">
+            <a:schemeClr val="dk1"/>
+          </a:fontRef>
+        </p:style>
+        <p:txBody>
+          <a:bodyPr lIns="36000" rIns="36000" rtlCol="0" anchor="ctr"/>
+          <a:lstStyle/>
+          <a:p>
+            <a:pPr algn="ctr"/>
+            <a:r>
+              <a:rPr lang="de-DE" sz="800" dirty="0">
+                <a:latin typeface="Arial" panose="020B0604020202020204" pitchFamily="34" charset="0"/>
+                <a:cs typeface="Arial" panose="020B0604020202020204" pitchFamily="34" charset="0"/>
+              </a:rPr>
+              <a:t>Fazit</a:t>
+            </a:r>
+          </a:p>
+        </p:txBody>
+      </p:sp>
+      <p:sp>
+        <p:nvSpPr>
+          <p:cNvPr id="4" name="Datumsplatzhalter 3">
+            <a:extLst>
+              <a:ext uri="{FF2B5EF4-FFF2-40B4-BE49-F238E27FC236}">
+                <a16:creationId xmlns:a16="http://schemas.microsoft.com/office/drawing/2014/main" id="{B8531F45-FC1A-92A7-993D-9C45C54CAADA}"/>
+              </a:ext>
+            </a:extLst>
+          </p:cNvPr>
+          <p:cNvSpPr>
+            <a:spLocks noGrp="1"/>
+          </p:cNvSpPr>
+          <p:nvPr>
+            <p:ph type="dt" sz="half" idx="10"/>
+          </p:nvPr>
+        </p:nvSpPr>
+        <p:spPr/>
+        <p:txBody>
+          <a:bodyPr/>
+          <a:lstStyle/>
+          <a:p>
+            <a:pPr algn="ctr"/>
+            <a:fld id="{6DCE2E55-0611-429C-9DFA-BA78059032C7}" type="datetime1">
+              <a:rPr lang="de-DE" smtClean="0"/>
+              <a:t>30.01.2025</a:t>
+            </a:fld>
+            <a:endParaRPr lang="de-DE" dirty="0"/>
+          </a:p>
+        </p:txBody>
+      </p:sp>
+      <p:sp>
+        <p:nvSpPr>
+          <p:cNvPr id="20" name="Textplatzhalter 19">
+            <a:extLst>
+              <a:ext uri="{FF2B5EF4-FFF2-40B4-BE49-F238E27FC236}">
+                <a16:creationId xmlns:a16="http://schemas.microsoft.com/office/drawing/2014/main" id="{80DB0952-E42E-3408-EA45-1CDB34B3E906}"/>
+              </a:ext>
+            </a:extLst>
+          </p:cNvPr>
+          <p:cNvSpPr>
+            <a:spLocks noGrp="1"/>
+          </p:cNvSpPr>
+          <p:nvPr>
+            <p:ph type="body" sz="quarter" idx="15"/>
+          </p:nvPr>
+        </p:nvSpPr>
+        <p:spPr/>
+        <p:txBody>
+          <a:bodyPr/>
+          <a:lstStyle/>
+          <a:p>
+            <a:r>
+              <a:rPr lang="de-DE" dirty="0"/>
+              <a:t>IT-Akademie Dr. Heuer</a:t>
+            </a:r>
+          </a:p>
+        </p:txBody>
+      </p:sp>
+      <p:sp>
+        <p:nvSpPr>
+          <p:cNvPr id="25" name="Textplatzhalter 19">
+            <a:extLst>
+              <a:ext uri="{FF2B5EF4-FFF2-40B4-BE49-F238E27FC236}">
+                <a16:creationId xmlns:a16="http://schemas.microsoft.com/office/drawing/2014/main" id="{23135D53-0B1A-9943-3318-91AB1AD8A595}"/>
+              </a:ext>
+            </a:extLst>
+          </p:cNvPr>
+          <p:cNvSpPr txBox="1">
+            <a:spLocks/>
+          </p:cNvSpPr>
+          <p:nvPr/>
+        </p:nvSpPr>
+        <p:spPr>
+          <a:xfrm>
+            <a:off x="748400" y="6396831"/>
+            <a:ext cx="2640000" cy="360000"/>
+          </a:xfrm>
+          <a:prstGeom prst="rect">
+            <a:avLst/>
+          </a:prstGeom>
+        </p:spPr>
+        <p:txBody>
+          <a:bodyPr vert="horz" lIns="91440" tIns="45720" rIns="91440" bIns="45720" rtlCol="0" anchor="ctr">
+            <a:normAutofit/>
+          </a:bodyPr>
+          <a:lstStyle>
+            <a:lvl1pPr marL="0" indent="0" algn="l" defTabSz="914400" rtl="0" eaLnBrk="1" latinLnBrk="0" hangingPunct="1">
+              <a:lnSpc>
+                <a:spcPct val="90000"/>
+              </a:lnSpc>
+              <a:spcBef>
+                <a:spcPts val="1000"/>
+              </a:spcBef>
+              <a:buFont typeface="Arial" panose="020B0604020202020204" pitchFamily="34" charset="0"/>
+              <a:buNone/>
+              <a:defRPr lang="de-DE" sz="1200" kern="1200" smtClean="0">
+                <a:solidFill>
+                  <a:schemeClr val="tx1"/>
+                </a:solidFill>
+                <a:latin typeface="Arial" panose="020B0604020202020204" pitchFamily="34" charset="0"/>
+                <a:ea typeface="+mn-ea"/>
+                <a:cs typeface="Arial" panose="020B0604020202020204" pitchFamily="34" charset="0"/>
+              </a:defRPr>
+            </a:lvl1pPr>
+            <a:lvl2pPr marL="685800" indent="-228600" algn="l" defTabSz="914400" rtl="0" eaLnBrk="1" latinLnBrk="0" hangingPunct="1">
+              <a:lnSpc>
+                <a:spcPct val="90000"/>
+              </a:lnSpc>
+              <a:spcBef>
+                <a:spcPts val="500"/>
+              </a:spcBef>
+              <a:buFont typeface="Arial" panose="020B0604020202020204" pitchFamily="34" charset="0"/>
+              <a:buChar char="•"/>
+              <a:defRPr sz="2400" kern="1200">
+                <a:solidFill>
+                  <a:schemeClr val="tx1"/>
+                </a:solidFill>
+                <a:latin typeface="+mn-lt"/>
+                <a:ea typeface="+mn-ea"/>
+                <a:cs typeface="+mn-cs"/>
+              </a:defRPr>
+            </a:lvl2pPr>
+            <a:lvl3pPr marL="1143000" indent="-228600" algn="l" defTabSz="914400" rtl="0" eaLnBrk="1" latinLnBrk="0" hangingPunct="1">
+              <a:lnSpc>
+                <a:spcPct val="90000"/>
+              </a:lnSpc>
+              <a:spcBef>
+                <a:spcPts val="500"/>
+              </a:spcBef>
+              <a:buFont typeface="Arial" panose="020B0604020202020204" pitchFamily="34" charset="0"/>
+              <a:buChar char="•"/>
+              <a:defRPr sz="2000" kern="1200">
+                <a:solidFill>
+                  <a:schemeClr val="tx1"/>
+                </a:solidFill>
+                <a:latin typeface="+mn-lt"/>
+                <a:ea typeface="+mn-ea"/>
+                <a:cs typeface="+mn-cs"/>
+              </a:defRPr>
+            </a:lvl3pPr>
+            <a:lvl4pPr marL="1600200" indent="-228600" algn="l" defTabSz="914400" rtl="0" eaLnBrk="1" latinLnBrk="0" hangingPunct="1">
+              <a:lnSpc>
+                <a:spcPct val="90000"/>
+              </a:lnSpc>
+              <a:spcBef>
+                <a:spcPts val="500"/>
+              </a:spcBef>
+              <a:buFont typeface="Arial" panose="020B0604020202020204" pitchFamily="34" charset="0"/>
+              <a:buChar char="•"/>
+              <a:defRPr sz="1800" kern="1200">
+                <a:solidFill>
+                  <a:schemeClr val="tx1"/>
+                </a:solidFill>
+                <a:latin typeface="+mn-lt"/>
+                <a:ea typeface="+mn-ea"/>
+                <a:cs typeface="+mn-cs"/>
+              </a:defRPr>
+            </a:lvl4pPr>
+            <a:lvl5pPr marL="2057400" indent="-228600" algn="l" defTabSz="914400" rtl="0" eaLnBrk="1" latinLnBrk="0" hangingPunct="1">
+              <a:lnSpc>
+                <a:spcPct val="90000"/>
+              </a:lnSpc>
+              <a:spcBef>
+                <a:spcPts val="500"/>
+              </a:spcBef>
+              <a:buFont typeface="Arial" panose="020B0604020202020204" pitchFamily="34" charset="0"/>
+              <a:buChar char="•"/>
+              <a:defRPr sz="1800" kern="1200">
+                <a:solidFill>
+                  <a:schemeClr val="tx1"/>
+                </a:solidFill>
+                <a:latin typeface="+mn-lt"/>
+                <a:ea typeface="+mn-ea"/>
+                <a:cs typeface="+mn-cs"/>
+              </a:defRPr>
+            </a:lvl5pPr>
+            <a:lvl6pPr marL="2514600" indent="-228600" algn="l" defTabSz="914400" rtl="0" eaLnBrk="1" latinLnBrk="0" hangingPunct="1">
+              <a:lnSpc>
+                <a:spcPct val="90000"/>
+              </a:lnSpc>
+              <a:spcBef>
+                <a:spcPts val="500"/>
+              </a:spcBef>
+              <a:buFont typeface="Arial" panose="020B0604020202020204" pitchFamily="34" charset="0"/>
+              <a:buChar char="•"/>
+              <a:defRPr sz="1800" kern="1200">
+                <a:solidFill>
+                  <a:schemeClr val="tx1"/>
+                </a:solidFill>
+                <a:latin typeface="+mn-lt"/>
+                <a:ea typeface="+mn-ea"/>
+                <a:cs typeface="+mn-cs"/>
+              </a:defRPr>
+            </a:lvl6pPr>
+            <a:lvl7pPr marL="2971800" indent="-228600" algn="l" defTabSz="914400" rtl="0" eaLnBrk="1" latinLnBrk="0" hangingPunct="1">
+              <a:lnSpc>
+                <a:spcPct val="90000"/>
+              </a:lnSpc>
+              <a:spcBef>
+                <a:spcPts val="500"/>
+              </a:spcBef>
+              <a:buFont typeface="Arial" panose="020B0604020202020204" pitchFamily="34" charset="0"/>
+              <a:buChar char="•"/>
+              <a:defRPr sz="1800" kern="1200">
+                <a:solidFill>
+                  <a:schemeClr val="tx1"/>
+                </a:solidFill>
+                <a:latin typeface="+mn-lt"/>
+                <a:ea typeface="+mn-ea"/>
+                <a:cs typeface="+mn-cs"/>
+              </a:defRPr>
+            </a:lvl7pPr>
+            <a:lvl8pPr marL="3429000" indent="-228600" algn="l" defTabSz="914400" rtl="0" eaLnBrk="1" latinLnBrk="0" hangingPunct="1">
+              <a:lnSpc>
+                <a:spcPct val="90000"/>
+              </a:lnSpc>
+              <a:spcBef>
+                <a:spcPts val="500"/>
+              </a:spcBef>
+              <a:buFont typeface="Arial" panose="020B0604020202020204" pitchFamily="34" charset="0"/>
+              <a:buChar char="•"/>
+              <a:defRPr sz="1800" kern="1200">
+                <a:solidFill>
+                  <a:schemeClr val="tx1"/>
+                </a:solidFill>
+                <a:latin typeface="+mn-lt"/>
+                <a:ea typeface="+mn-ea"/>
+                <a:cs typeface="+mn-cs"/>
+              </a:defRPr>
+            </a:lvl8pPr>
+            <a:lvl9pPr marL="3886200" indent="-228600" algn="l" defTabSz="914400" rtl="0" eaLnBrk="1" latinLnBrk="0" hangingPunct="1">
+              <a:lnSpc>
+                <a:spcPct val="90000"/>
+              </a:lnSpc>
+              <a:spcBef>
+                <a:spcPts val="500"/>
+              </a:spcBef>
+              <a:buFont typeface="Arial" panose="020B0604020202020204" pitchFamily="34" charset="0"/>
+              <a:buChar char="•"/>
+              <a:defRPr sz="1800" kern="1200">
+                <a:solidFill>
+                  <a:schemeClr val="tx1"/>
+                </a:solidFill>
+                <a:latin typeface="+mn-lt"/>
+                <a:ea typeface="+mn-ea"/>
+                <a:cs typeface="+mn-cs"/>
+              </a:defRPr>
+            </a:lvl9pPr>
+          </a:lstStyle>
+          <a:p>
+            <a:r>
+              <a:rPr lang="de-DE" dirty="0"/>
+              <a:t>Gruppenprojekt</a:t>
+            </a:r>
+          </a:p>
+        </p:txBody>
+      </p:sp>
+      <p:sp>
+        <p:nvSpPr>
+          <p:cNvPr id="6" name="Textplatzhalter 8">
+            <a:extLst>
+              <a:ext uri="{FF2B5EF4-FFF2-40B4-BE49-F238E27FC236}">
+                <a16:creationId xmlns:a16="http://schemas.microsoft.com/office/drawing/2014/main" id="{82D41F14-DA35-D6F5-F178-F98D6E7F461B}"/>
+              </a:ext>
+            </a:extLst>
+          </p:cNvPr>
+          <p:cNvSpPr txBox="1">
+            <a:spLocks/>
+          </p:cNvSpPr>
+          <p:nvPr/>
+        </p:nvSpPr>
+        <p:spPr>
+          <a:xfrm>
+            <a:off x="720326" y="1060840"/>
+            <a:ext cx="10972800" cy="609600"/>
+          </a:xfrm>
+          <a:prstGeom prst="rect">
+            <a:avLst/>
+          </a:prstGeom>
+        </p:spPr>
+        <p:txBody>
+          <a:bodyPr vert="horz" lIns="91440" tIns="45720" rIns="91440" bIns="45720" rtlCol="0">
+            <a:noAutofit/>
+          </a:bodyPr>
+          <a:lstStyle>
+            <a:lvl1pPr marL="0" indent="0" algn="ctr" defTabSz="914400" rtl="0" eaLnBrk="1" latinLnBrk="0" hangingPunct="1">
+              <a:lnSpc>
+                <a:spcPct val="90000"/>
+              </a:lnSpc>
+              <a:spcBef>
+                <a:spcPts val="1000"/>
+              </a:spcBef>
+              <a:buFont typeface="Arial" panose="020B0604020202020204" pitchFamily="34" charset="0"/>
+              <a:buNone/>
+              <a:tabLst/>
+              <a:defRPr sz="3200" u="sng" kern="1200">
+                <a:solidFill>
+                  <a:schemeClr val="tx1"/>
+                </a:solidFill>
+                <a:latin typeface="+mn-lt"/>
+                <a:ea typeface="+mn-ea"/>
+                <a:cs typeface="+mn-cs"/>
+              </a:defRPr>
+            </a:lvl1pPr>
+            <a:lvl2pPr marL="685800" indent="-228600" algn="l" defTabSz="914400" rtl="0" eaLnBrk="1" latinLnBrk="0" hangingPunct="1">
+              <a:lnSpc>
+                <a:spcPct val="90000"/>
+              </a:lnSpc>
+              <a:spcBef>
+                <a:spcPts val="500"/>
+              </a:spcBef>
+              <a:buFont typeface="Arial" panose="020B0604020202020204" pitchFamily="34" charset="0"/>
+              <a:buChar char="•"/>
+              <a:defRPr sz="2400" kern="1200">
+                <a:solidFill>
+                  <a:schemeClr val="tx1"/>
+                </a:solidFill>
+                <a:latin typeface="+mn-lt"/>
+                <a:ea typeface="+mn-ea"/>
+                <a:cs typeface="+mn-cs"/>
+              </a:defRPr>
+            </a:lvl2pPr>
+            <a:lvl3pPr marL="1143000" indent="-228600" algn="l" defTabSz="914400" rtl="0" eaLnBrk="1" latinLnBrk="0" hangingPunct="1">
+              <a:lnSpc>
+                <a:spcPct val="90000"/>
+              </a:lnSpc>
+              <a:spcBef>
+                <a:spcPts val="500"/>
+              </a:spcBef>
+              <a:buFont typeface="Arial" panose="020B0604020202020204" pitchFamily="34" charset="0"/>
+              <a:buChar char="•"/>
+              <a:defRPr sz="2000" kern="1200">
+                <a:solidFill>
+                  <a:schemeClr val="tx1"/>
+                </a:solidFill>
+                <a:latin typeface="+mn-lt"/>
+                <a:ea typeface="+mn-ea"/>
+                <a:cs typeface="+mn-cs"/>
+              </a:defRPr>
+            </a:lvl3pPr>
+            <a:lvl4pPr marL="1600200" indent="-228600" algn="l" defTabSz="914400" rtl="0" eaLnBrk="1" latinLnBrk="0" hangingPunct="1">
+              <a:lnSpc>
+                <a:spcPct val="90000"/>
+              </a:lnSpc>
+              <a:spcBef>
+                <a:spcPts val="500"/>
+              </a:spcBef>
+              <a:buFont typeface="Arial" panose="020B0604020202020204" pitchFamily="34" charset="0"/>
+              <a:buChar char="•"/>
+              <a:defRPr sz="1800" kern="1200">
+                <a:solidFill>
+                  <a:schemeClr val="tx1"/>
+                </a:solidFill>
+                <a:latin typeface="+mn-lt"/>
+                <a:ea typeface="+mn-ea"/>
+                <a:cs typeface="+mn-cs"/>
+              </a:defRPr>
+            </a:lvl4pPr>
+            <a:lvl5pPr marL="2057400" indent="-228600" algn="l" defTabSz="914400" rtl="0" eaLnBrk="1" latinLnBrk="0" hangingPunct="1">
+              <a:lnSpc>
+                <a:spcPct val="90000"/>
+              </a:lnSpc>
+              <a:spcBef>
+                <a:spcPts val="500"/>
+              </a:spcBef>
+              <a:buFont typeface="Arial" panose="020B0604020202020204" pitchFamily="34" charset="0"/>
+              <a:buChar char="•"/>
+              <a:defRPr sz="1800" kern="1200">
+                <a:solidFill>
+                  <a:schemeClr val="tx1"/>
+                </a:solidFill>
+                <a:latin typeface="+mn-lt"/>
+                <a:ea typeface="+mn-ea"/>
+                <a:cs typeface="+mn-cs"/>
+              </a:defRPr>
+            </a:lvl5pPr>
+            <a:lvl6pPr marL="2514600" indent="-228600" algn="l" defTabSz="914400" rtl="0" eaLnBrk="1" latinLnBrk="0" hangingPunct="1">
+              <a:lnSpc>
+                <a:spcPct val="90000"/>
+              </a:lnSpc>
+              <a:spcBef>
+                <a:spcPts val="500"/>
+              </a:spcBef>
+              <a:buFont typeface="Arial" panose="020B0604020202020204" pitchFamily="34" charset="0"/>
+              <a:buChar char="•"/>
+              <a:defRPr sz="1800" kern="1200">
+                <a:solidFill>
+                  <a:schemeClr val="tx1"/>
+                </a:solidFill>
+                <a:latin typeface="+mn-lt"/>
+                <a:ea typeface="+mn-ea"/>
+                <a:cs typeface="+mn-cs"/>
+              </a:defRPr>
+            </a:lvl6pPr>
+            <a:lvl7pPr marL="2971800" indent="-228600" algn="l" defTabSz="914400" rtl="0" eaLnBrk="1" latinLnBrk="0" hangingPunct="1">
+              <a:lnSpc>
+                <a:spcPct val="90000"/>
+              </a:lnSpc>
+              <a:spcBef>
+                <a:spcPts val="500"/>
+              </a:spcBef>
+              <a:buFont typeface="Arial" panose="020B0604020202020204" pitchFamily="34" charset="0"/>
+              <a:buChar char="•"/>
+              <a:defRPr sz="1800" kern="1200">
+                <a:solidFill>
+                  <a:schemeClr val="tx1"/>
+                </a:solidFill>
+                <a:latin typeface="+mn-lt"/>
+                <a:ea typeface="+mn-ea"/>
+                <a:cs typeface="+mn-cs"/>
+              </a:defRPr>
+            </a:lvl7pPr>
+            <a:lvl8pPr marL="3429000" indent="-228600" algn="l" defTabSz="914400" rtl="0" eaLnBrk="1" latinLnBrk="0" hangingPunct="1">
+              <a:lnSpc>
+                <a:spcPct val="90000"/>
+              </a:lnSpc>
+              <a:spcBef>
+                <a:spcPts val="500"/>
+              </a:spcBef>
+              <a:buFont typeface="Arial" panose="020B0604020202020204" pitchFamily="34" charset="0"/>
+              <a:buChar char="•"/>
+              <a:defRPr sz="1800" kern="1200">
+                <a:solidFill>
+                  <a:schemeClr val="tx1"/>
+                </a:solidFill>
+                <a:latin typeface="+mn-lt"/>
+                <a:ea typeface="+mn-ea"/>
+                <a:cs typeface="+mn-cs"/>
+              </a:defRPr>
+            </a:lvl8pPr>
+            <a:lvl9pPr marL="3886200" indent="-228600" algn="l" defTabSz="914400" rtl="0" eaLnBrk="1" latinLnBrk="0" hangingPunct="1">
+              <a:lnSpc>
+                <a:spcPct val="90000"/>
+              </a:lnSpc>
+              <a:spcBef>
+                <a:spcPts val="500"/>
+              </a:spcBef>
+              <a:buFont typeface="Arial" panose="020B0604020202020204" pitchFamily="34" charset="0"/>
+              <a:buChar char="•"/>
+              <a:defRPr sz="1800" kern="1200">
+                <a:solidFill>
+                  <a:schemeClr val="tx1"/>
+                </a:solidFill>
+                <a:latin typeface="+mn-lt"/>
+                <a:ea typeface="+mn-ea"/>
+                <a:cs typeface="+mn-cs"/>
+              </a:defRPr>
+            </a:lvl9pPr>
+          </a:lstStyle>
+          <a:p>
+            <a:r>
+              <a:rPr lang="de-DE" dirty="0"/>
+              <a:t>Tabelle „withdrawals“</a:t>
+            </a:r>
+          </a:p>
+          <a:p>
+            <a:pPr algn="l"/>
+            <a:endParaRPr lang="de-DE" dirty="0"/>
+          </a:p>
+        </p:txBody>
+      </p:sp>
+      <p:sp>
+        <p:nvSpPr>
+          <p:cNvPr id="26" name="Textplatzhalter 8">
+            <a:extLst>
+              <a:ext uri="{FF2B5EF4-FFF2-40B4-BE49-F238E27FC236}">
+                <a16:creationId xmlns:a16="http://schemas.microsoft.com/office/drawing/2014/main" id="{E3D88AFB-B121-1D4A-30B6-9646EBA357B3}"/>
+              </a:ext>
+            </a:extLst>
+          </p:cNvPr>
+          <p:cNvSpPr txBox="1">
+            <a:spLocks/>
+          </p:cNvSpPr>
+          <p:nvPr/>
+        </p:nvSpPr>
+        <p:spPr>
+          <a:xfrm>
+            <a:off x="5334000" y="1752600"/>
+            <a:ext cx="8658516" cy="609600"/>
+          </a:xfrm>
+          <a:prstGeom prst="rect">
+            <a:avLst/>
+          </a:prstGeom>
+        </p:spPr>
+        <p:txBody>
+          <a:bodyPr vert="horz" lIns="91440" tIns="45720" rIns="91440" bIns="45720" rtlCol="0">
+            <a:noAutofit/>
+          </a:bodyPr>
+          <a:lstStyle>
+            <a:lvl1pPr marL="0" indent="0" algn="ctr" defTabSz="914400" rtl="0" eaLnBrk="1" latinLnBrk="0" hangingPunct="1">
+              <a:lnSpc>
+                <a:spcPct val="90000"/>
+              </a:lnSpc>
+              <a:spcBef>
+                <a:spcPts val="1000"/>
+              </a:spcBef>
+              <a:buFont typeface="Arial" panose="020B0604020202020204" pitchFamily="34" charset="0"/>
+              <a:buNone/>
+              <a:tabLst/>
+              <a:defRPr sz="3200" u="sng" kern="1200">
+                <a:solidFill>
+                  <a:schemeClr val="tx1"/>
+                </a:solidFill>
+                <a:latin typeface="+mn-lt"/>
+                <a:ea typeface="+mn-ea"/>
+                <a:cs typeface="+mn-cs"/>
+              </a:defRPr>
+            </a:lvl1pPr>
+            <a:lvl2pPr marL="685800" indent="-228600" algn="l" defTabSz="914400" rtl="0" eaLnBrk="1" latinLnBrk="0" hangingPunct="1">
+              <a:lnSpc>
+                <a:spcPct val="90000"/>
+              </a:lnSpc>
+              <a:spcBef>
+                <a:spcPts val="500"/>
+              </a:spcBef>
+              <a:buFont typeface="Arial" panose="020B0604020202020204" pitchFamily="34" charset="0"/>
+              <a:buChar char="•"/>
+              <a:defRPr sz="2400" kern="1200">
+                <a:solidFill>
+                  <a:schemeClr val="tx1"/>
+                </a:solidFill>
+                <a:latin typeface="+mn-lt"/>
+                <a:ea typeface="+mn-ea"/>
+                <a:cs typeface="+mn-cs"/>
+              </a:defRPr>
+            </a:lvl2pPr>
+            <a:lvl3pPr marL="1143000" indent="-228600" algn="l" defTabSz="914400" rtl="0" eaLnBrk="1" latinLnBrk="0" hangingPunct="1">
+              <a:lnSpc>
+                <a:spcPct val="90000"/>
+              </a:lnSpc>
+              <a:spcBef>
+                <a:spcPts val="500"/>
+              </a:spcBef>
+              <a:buFont typeface="Arial" panose="020B0604020202020204" pitchFamily="34" charset="0"/>
+              <a:buChar char="•"/>
+              <a:defRPr sz="2000" kern="1200">
+                <a:solidFill>
+                  <a:schemeClr val="tx1"/>
+                </a:solidFill>
+                <a:latin typeface="+mn-lt"/>
+                <a:ea typeface="+mn-ea"/>
+                <a:cs typeface="+mn-cs"/>
+              </a:defRPr>
+            </a:lvl3pPr>
+            <a:lvl4pPr marL="1600200" indent="-228600" algn="l" defTabSz="914400" rtl="0" eaLnBrk="1" latinLnBrk="0" hangingPunct="1">
+              <a:lnSpc>
+                <a:spcPct val="90000"/>
+              </a:lnSpc>
+              <a:spcBef>
+                <a:spcPts val="500"/>
+              </a:spcBef>
+              <a:buFont typeface="Arial" panose="020B0604020202020204" pitchFamily="34" charset="0"/>
+              <a:buChar char="•"/>
+              <a:defRPr sz="1800" kern="1200">
+                <a:solidFill>
+                  <a:schemeClr val="tx1"/>
+                </a:solidFill>
+                <a:latin typeface="+mn-lt"/>
+                <a:ea typeface="+mn-ea"/>
+                <a:cs typeface="+mn-cs"/>
+              </a:defRPr>
+            </a:lvl4pPr>
+            <a:lvl5pPr marL="2057400" indent="-228600" algn="l" defTabSz="914400" rtl="0" eaLnBrk="1" latinLnBrk="0" hangingPunct="1">
+              <a:lnSpc>
+                <a:spcPct val="90000"/>
+              </a:lnSpc>
+              <a:spcBef>
+                <a:spcPts val="500"/>
+              </a:spcBef>
+              <a:buFont typeface="Arial" panose="020B0604020202020204" pitchFamily="34" charset="0"/>
+              <a:buChar char="•"/>
+              <a:defRPr sz="1800" kern="1200">
+                <a:solidFill>
+                  <a:schemeClr val="tx1"/>
+                </a:solidFill>
+                <a:latin typeface="+mn-lt"/>
+                <a:ea typeface="+mn-ea"/>
+                <a:cs typeface="+mn-cs"/>
+              </a:defRPr>
+            </a:lvl5pPr>
+            <a:lvl6pPr marL="2514600" indent="-228600" algn="l" defTabSz="914400" rtl="0" eaLnBrk="1" latinLnBrk="0" hangingPunct="1">
+              <a:lnSpc>
+                <a:spcPct val="90000"/>
+              </a:lnSpc>
+              <a:spcBef>
+                <a:spcPts val="500"/>
+              </a:spcBef>
+              <a:buFont typeface="Arial" panose="020B0604020202020204" pitchFamily="34" charset="0"/>
+              <a:buChar char="•"/>
+              <a:defRPr sz="1800" kern="1200">
+                <a:solidFill>
+                  <a:schemeClr val="tx1"/>
+                </a:solidFill>
+                <a:latin typeface="+mn-lt"/>
+                <a:ea typeface="+mn-ea"/>
+                <a:cs typeface="+mn-cs"/>
+              </a:defRPr>
+            </a:lvl6pPr>
+            <a:lvl7pPr marL="2971800" indent="-228600" algn="l" defTabSz="914400" rtl="0" eaLnBrk="1" latinLnBrk="0" hangingPunct="1">
+              <a:lnSpc>
+                <a:spcPct val="90000"/>
+              </a:lnSpc>
+              <a:spcBef>
+                <a:spcPts val="500"/>
+              </a:spcBef>
+              <a:buFont typeface="Arial" panose="020B0604020202020204" pitchFamily="34" charset="0"/>
+              <a:buChar char="•"/>
+              <a:defRPr sz="1800" kern="1200">
+                <a:solidFill>
+                  <a:schemeClr val="tx1"/>
+                </a:solidFill>
+                <a:latin typeface="+mn-lt"/>
+                <a:ea typeface="+mn-ea"/>
+                <a:cs typeface="+mn-cs"/>
+              </a:defRPr>
+            </a:lvl7pPr>
+            <a:lvl8pPr marL="3429000" indent="-228600" algn="l" defTabSz="914400" rtl="0" eaLnBrk="1" latinLnBrk="0" hangingPunct="1">
+              <a:lnSpc>
+                <a:spcPct val="90000"/>
+              </a:lnSpc>
+              <a:spcBef>
+                <a:spcPts val="500"/>
+              </a:spcBef>
+              <a:buFont typeface="Arial" panose="020B0604020202020204" pitchFamily="34" charset="0"/>
+              <a:buChar char="•"/>
+              <a:defRPr sz="1800" kern="1200">
+                <a:solidFill>
+                  <a:schemeClr val="tx1"/>
+                </a:solidFill>
+                <a:latin typeface="+mn-lt"/>
+                <a:ea typeface="+mn-ea"/>
+                <a:cs typeface="+mn-cs"/>
+              </a:defRPr>
+            </a:lvl8pPr>
+            <a:lvl9pPr marL="3886200" indent="-228600" algn="l" defTabSz="914400" rtl="0" eaLnBrk="1" latinLnBrk="0" hangingPunct="1">
+              <a:lnSpc>
+                <a:spcPct val="90000"/>
+              </a:lnSpc>
+              <a:spcBef>
+                <a:spcPts val="500"/>
+              </a:spcBef>
+              <a:buFont typeface="Arial" panose="020B0604020202020204" pitchFamily="34" charset="0"/>
+              <a:buChar char="•"/>
+              <a:defRPr sz="1800" kern="1200">
+                <a:solidFill>
+                  <a:schemeClr val="tx1"/>
+                </a:solidFill>
+                <a:latin typeface="+mn-lt"/>
+                <a:ea typeface="+mn-ea"/>
+                <a:cs typeface="+mn-cs"/>
+              </a:defRPr>
+            </a:lvl9pPr>
+          </a:lstStyle>
+          <a:p>
+            <a:r>
+              <a:rPr lang="de-DE" sz="2000" dirty="0"/>
+              <a:t>Trigger AFTER INSERT/DELETE</a:t>
+            </a:r>
+          </a:p>
+          <a:p>
+            <a:pPr algn="l"/>
+            <a:endParaRPr lang="de-DE" dirty="0"/>
+          </a:p>
+        </p:txBody>
+      </p:sp>
+      <p:pic>
+        <p:nvPicPr>
+          <p:cNvPr id="3" name="Grafik 2">
+            <a:extLst>
+              <a:ext uri="{FF2B5EF4-FFF2-40B4-BE49-F238E27FC236}">
+                <a16:creationId xmlns:a16="http://schemas.microsoft.com/office/drawing/2014/main" id="{02C67760-7ADC-A834-9D32-3A9B689D7988}"/>
+              </a:ext>
+            </a:extLst>
+          </p:cNvPr>
+          <p:cNvPicPr>
+            <a:picLocks noChangeAspect="1"/>
+          </p:cNvPicPr>
+          <p:nvPr/>
+        </p:nvPicPr>
+        <p:blipFill>
+          <a:blip r:embed="rId3"/>
+          <a:stretch>
+            <a:fillRect/>
+          </a:stretch>
+        </p:blipFill>
+        <p:spPr>
+          <a:xfrm>
+            <a:off x="933499" y="1494645"/>
+            <a:ext cx="4845633" cy="1569062"/>
+          </a:xfrm>
+          <a:prstGeom prst="rect">
+            <a:avLst/>
+          </a:prstGeom>
+        </p:spPr>
+      </p:pic>
+      <p:pic>
+        <p:nvPicPr>
+          <p:cNvPr id="8" name="Grafik 7">
+            <a:extLst>
+              <a:ext uri="{FF2B5EF4-FFF2-40B4-BE49-F238E27FC236}">
+                <a16:creationId xmlns:a16="http://schemas.microsoft.com/office/drawing/2014/main" id="{DAF68AED-7471-B0B2-1696-D770D7591CAB}"/>
+              </a:ext>
+            </a:extLst>
+          </p:cNvPr>
+          <p:cNvPicPr>
+            <a:picLocks noChangeAspect="1"/>
+          </p:cNvPicPr>
+          <p:nvPr/>
+        </p:nvPicPr>
+        <p:blipFill>
+          <a:blip r:embed="rId4"/>
+          <a:stretch>
+            <a:fillRect/>
+          </a:stretch>
+        </p:blipFill>
+        <p:spPr>
+          <a:xfrm>
+            <a:off x="396902" y="3911772"/>
+            <a:ext cx="6850009" cy="1569062"/>
+          </a:xfrm>
+          <a:prstGeom prst="rect">
+            <a:avLst/>
+          </a:prstGeom>
+        </p:spPr>
+      </p:pic>
+    </p:spTree>
+    <p:extLst>
+      <p:ext uri="{BB962C8B-B14F-4D97-AF65-F5344CB8AC3E}">
+        <p14:creationId xmlns:p14="http://schemas.microsoft.com/office/powerpoint/2010/main" val="830451143"/>
+      </p:ext>
+    </p:extLst>
+  </p:cSld>
+  <p:clrMapOvr>
+    <a:masterClrMapping/>
+  </p:clrMapOvr>
+</p:sld>
+</file>
+
+<file path=ppt/slides/slide11.xml><?xml version="1.0" encoding="utf-8"?>
+<p:sld xmlns:a="http://schemas.openxmlformats.org/drawingml/2006/main" xmlns:r="http://schemas.openxmlformats.org/officeDocument/2006/relationships" xmlns:p="http://schemas.openxmlformats.org/presentationml/2006/main">
+  <p:cSld>
+    <p:spTree>
+      <p:nvGrpSpPr>
+        <p:cNvPr id="1" name="">
+          <a:extLst>
+            <a:ext uri="{FF2B5EF4-FFF2-40B4-BE49-F238E27FC236}">
+              <a16:creationId xmlns:a16="http://schemas.microsoft.com/office/drawing/2014/main" id="{57814646-CBAF-9928-E8E4-9E22C7680D2D}"/>
+            </a:ext>
+          </a:extLst>
+        </p:cNvPr>
+        <p:cNvGrpSpPr/>
+        <p:nvPr/>
+      </p:nvGrpSpPr>
+      <p:grpSpPr>
+        <a:xfrm>
+          <a:off x="0" y="0"/>
+          <a:ext cx="0" cy="0"/>
+          <a:chOff x="0" y="0"/>
+          <a:chExt cx="0" cy="0"/>
+        </a:xfrm>
+      </p:grpSpPr>
+      <p:sp>
+        <p:nvSpPr>
+          <p:cNvPr id="10" name="Rechteck 9">
+            <a:extLst>
+              <a:ext uri="{FF2B5EF4-FFF2-40B4-BE49-F238E27FC236}">
+                <a16:creationId xmlns:a16="http://schemas.microsoft.com/office/drawing/2014/main" id="{70F37CE2-67FE-EFD9-43A1-61A05C647B07}"/>
+              </a:ext>
+            </a:extLst>
+          </p:cNvPr>
+          <p:cNvSpPr/>
+          <p:nvPr/>
+        </p:nvSpPr>
+        <p:spPr>
+          <a:xfrm>
+            <a:off x="4737498" y="606375"/>
+            <a:ext cx="900000" cy="216000"/>
+          </a:xfrm>
+          <a:prstGeom prst="rect">
+            <a:avLst/>
+          </a:prstGeom>
+          <a:ln>
+            <a:solidFill>
+              <a:schemeClr val="bg1"/>
+            </a:solidFill>
+          </a:ln>
+        </p:spPr>
+        <p:style>
+          <a:lnRef idx="2">
+            <a:schemeClr val="dk1"/>
+          </a:lnRef>
+          <a:fillRef idx="1">
+            <a:schemeClr val="lt1"/>
+          </a:fillRef>
+          <a:effectRef idx="0">
+            <a:schemeClr val="dk1"/>
+          </a:effectRef>
+          <a:fontRef idx="minor">
+            <a:schemeClr val="dk1"/>
+          </a:fontRef>
+        </p:style>
+        <p:txBody>
+          <a:bodyPr lIns="36000" rIns="36000" rtlCol="0" anchor="ctr"/>
+          <a:lstStyle/>
+          <a:p>
+            <a:pPr algn="ctr"/>
+            <a:r>
+              <a:rPr lang="de-DE" sz="800" dirty="0">
+                <a:latin typeface="Arial" panose="020B0604020202020204" pitchFamily="34" charset="0"/>
+                <a:cs typeface="Arial" panose="020B0604020202020204" pitchFamily="34" charset="0"/>
+              </a:rPr>
+              <a:t>Soll-Zustand</a:t>
+            </a:r>
+          </a:p>
+        </p:txBody>
+      </p:sp>
+      <p:sp>
+        <p:nvSpPr>
+          <p:cNvPr id="13" name="Rechteck 12">
+            <a:extLst>
+              <a:ext uri="{FF2B5EF4-FFF2-40B4-BE49-F238E27FC236}">
+                <a16:creationId xmlns:a16="http://schemas.microsoft.com/office/drawing/2014/main" id="{2DDB8613-00D6-0031-2E65-1021EDBB036F}"/>
+              </a:ext>
+            </a:extLst>
+          </p:cNvPr>
+          <p:cNvSpPr/>
+          <p:nvPr/>
+        </p:nvSpPr>
+        <p:spPr>
+          <a:xfrm>
+            <a:off x="6568680" y="606375"/>
+            <a:ext cx="900000" cy="216000"/>
+          </a:xfrm>
+          <a:prstGeom prst="rect">
+            <a:avLst/>
+          </a:prstGeom>
+          <a:ln>
+            <a:solidFill>
+              <a:schemeClr val="bg1"/>
+            </a:solidFill>
+          </a:ln>
+        </p:spPr>
+        <p:style>
+          <a:lnRef idx="2">
+            <a:schemeClr val="dk1"/>
+          </a:lnRef>
+          <a:fillRef idx="1">
+            <a:schemeClr val="lt1"/>
+          </a:fillRef>
+          <a:effectRef idx="0">
+            <a:schemeClr val="dk1"/>
+          </a:effectRef>
+          <a:fontRef idx="minor">
+            <a:schemeClr val="dk1"/>
+          </a:fontRef>
+        </p:style>
+        <p:txBody>
+          <a:bodyPr lIns="36000" rIns="36000" rtlCol="0" anchor="ctr"/>
+          <a:lstStyle/>
+          <a:p>
+            <a:pPr algn="ctr"/>
+            <a:r>
+              <a:rPr lang="de-DE" sz="800" dirty="0">
+                <a:latin typeface="Arial" panose="020B0604020202020204" pitchFamily="34" charset="0"/>
+                <a:cs typeface="Arial" panose="020B0604020202020204" pitchFamily="34" charset="0"/>
+              </a:rPr>
+              <a:t>Durchführung</a:t>
+            </a:r>
+          </a:p>
+        </p:txBody>
+      </p:sp>
+      <p:sp>
+        <p:nvSpPr>
+          <p:cNvPr id="7" name="Rechteck 6">
+            <a:extLst>
+              <a:ext uri="{FF2B5EF4-FFF2-40B4-BE49-F238E27FC236}">
+                <a16:creationId xmlns:a16="http://schemas.microsoft.com/office/drawing/2014/main" id="{4D30831C-65FB-1731-0AEC-17521B32F551}"/>
+              </a:ext>
+            </a:extLst>
+          </p:cNvPr>
+          <p:cNvSpPr/>
+          <p:nvPr/>
+        </p:nvSpPr>
+        <p:spPr>
+          <a:xfrm>
+            <a:off x="1990725" y="606375"/>
+            <a:ext cx="900000" cy="216000"/>
+          </a:xfrm>
+          <a:prstGeom prst="rect">
+            <a:avLst/>
+          </a:prstGeom>
+          <a:ln/>
+        </p:spPr>
+        <p:style>
+          <a:lnRef idx="1">
+            <a:schemeClr val="accent5"/>
+          </a:lnRef>
+          <a:fillRef idx="3">
+            <a:schemeClr val="accent5"/>
+          </a:fillRef>
+          <a:effectRef idx="2">
+            <a:schemeClr val="accent5"/>
+          </a:effectRef>
+          <a:fontRef idx="minor">
+            <a:schemeClr val="lt1"/>
+          </a:fontRef>
+        </p:style>
+        <p:txBody>
+          <a:bodyPr lIns="36000" rIns="36000" rtlCol="0" anchor="ctr"/>
+          <a:lstStyle/>
+          <a:p>
+            <a:pPr algn="ctr"/>
+            <a:r>
+              <a:rPr lang="de-DE" sz="800" dirty="0">
+                <a:latin typeface="Arial" panose="020B0604020202020204" pitchFamily="34" charset="0"/>
+                <a:cs typeface="Arial" panose="020B0604020202020204" pitchFamily="34" charset="0"/>
+              </a:rPr>
+              <a:t>Inhalt</a:t>
+            </a:r>
+          </a:p>
+        </p:txBody>
+      </p:sp>
+      <p:sp>
+        <p:nvSpPr>
+          <p:cNvPr id="12" name="Rechteck 11">
+            <a:extLst>
+              <a:ext uri="{FF2B5EF4-FFF2-40B4-BE49-F238E27FC236}">
+                <a16:creationId xmlns:a16="http://schemas.microsoft.com/office/drawing/2014/main" id="{CAB9FA23-1F65-BEA8-500F-850A4A249023}"/>
+              </a:ext>
+            </a:extLst>
+          </p:cNvPr>
+          <p:cNvSpPr/>
+          <p:nvPr/>
+        </p:nvSpPr>
+        <p:spPr>
+          <a:xfrm>
+            <a:off x="2906316" y="606375"/>
+            <a:ext cx="900000" cy="216000"/>
+          </a:xfrm>
+          <a:prstGeom prst="rect">
+            <a:avLst/>
+          </a:prstGeom>
+          <a:ln>
+            <a:solidFill>
+              <a:schemeClr val="bg1"/>
+            </a:solidFill>
+          </a:ln>
+        </p:spPr>
+        <p:style>
+          <a:lnRef idx="2">
+            <a:schemeClr val="dk1"/>
+          </a:lnRef>
+          <a:fillRef idx="1">
+            <a:schemeClr val="lt1"/>
+          </a:fillRef>
+          <a:effectRef idx="0">
+            <a:schemeClr val="dk1"/>
+          </a:effectRef>
+          <a:fontRef idx="minor">
+            <a:schemeClr val="dk1"/>
+          </a:fontRef>
+        </p:style>
+        <p:txBody>
+          <a:bodyPr lIns="36000" rIns="36000" rtlCol="0" anchor="ctr"/>
+          <a:lstStyle/>
+          <a:p>
+            <a:pPr algn="ctr"/>
+            <a:r>
+              <a:rPr lang="de-DE" sz="800" dirty="0">
+                <a:latin typeface="Arial" panose="020B0604020202020204" pitchFamily="34" charset="0"/>
+                <a:cs typeface="Arial" panose="020B0604020202020204" pitchFamily="34" charset="0"/>
+              </a:rPr>
+              <a:t>Betriebsumfeld</a:t>
+            </a:r>
+          </a:p>
+        </p:txBody>
+      </p:sp>
+      <p:sp>
+        <p:nvSpPr>
+          <p:cNvPr id="9" name="Rechteck 8">
+            <a:extLst>
+              <a:ext uri="{FF2B5EF4-FFF2-40B4-BE49-F238E27FC236}">
+                <a16:creationId xmlns:a16="http://schemas.microsoft.com/office/drawing/2014/main" id="{BD8C514E-295C-33D5-9309-43319A022A6B}"/>
+              </a:ext>
+            </a:extLst>
+          </p:cNvPr>
+          <p:cNvSpPr/>
+          <p:nvPr/>
+        </p:nvSpPr>
+        <p:spPr>
+          <a:xfrm>
+            <a:off x="3821907" y="606375"/>
+            <a:ext cx="900000" cy="216000"/>
+          </a:xfrm>
+          <a:prstGeom prst="rect">
+            <a:avLst/>
+          </a:prstGeom>
+          <a:ln>
+            <a:solidFill>
+              <a:schemeClr val="bg1"/>
+            </a:solidFill>
+          </a:ln>
+        </p:spPr>
+        <p:style>
+          <a:lnRef idx="2">
+            <a:schemeClr val="dk1"/>
+          </a:lnRef>
+          <a:fillRef idx="1">
+            <a:schemeClr val="lt1"/>
+          </a:fillRef>
+          <a:effectRef idx="0">
+            <a:schemeClr val="dk1"/>
+          </a:effectRef>
+          <a:fontRef idx="minor">
+            <a:schemeClr val="dk1"/>
+          </a:fontRef>
+        </p:style>
+        <p:txBody>
+          <a:bodyPr lIns="36000" rIns="36000" rtlCol="0" anchor="ctr"/>
+          <a:lstStyle/>
+          <a:p>
+            <a:pPr algn="ctr"/>
+            <a:r>
+              <a:rPr lang="de-DE" sz="800" dirty="0">
+                <a:latin typeface="Arial" panose="020B0604020202020204" pitchFamily="34" charset="0"/>
+                <a:cs typeface="Arial" panose="020B0604020202020204" pitchFamily="34" charset="0"/>
+              </a:rPr>
+              <a:t>Ist-Zustand</a:t>
+            </a:r>
+          </a:p>
+        </p:txBody>
+      </p:sp>
+      <p:sp>
+        <p:nvSpPr>
+          <p:cNvPr id="11" name="Rechteck 10">
+            <a:extLst>
+              <a:ext uri="{FF2B5EF4-FFF2-40B4-BE49-F238E27FC236}">
+                <a16:creationId xmlns:a16="http://schemas.microsoft.com/office/drawing/2014/main" id="{2125A600-2F67-4E5E-603B-346C390BF6AC}"/>
+              </a:ext>
+            </a:extLst>
+          </p:cNvPr>
+          <p:cNvSpPr/>
+          <p:nvPr/>
+        </p:nvSpPr>
+        <p:spPr>
+          <a:xfrm>
+            <a:off x="5653089" y="606375"/>
+            <a:ext cx="900000" cy="216000"/>
+          </a:xfrm>
+          <a:prstGeom prst="rect">
+            <a:avLst/>
+          </a:prstGeom>
+          <a:ln>
+            <a:solidFill>
+              <a:schemeClr val="bg1"/>
+            </a:solidFill>
+          </a:ln>
+        </p:spPr>
+        <p:style>
+          <a:lnRef idx="2">
+            <a:schemeClr val="dk1"/>
+          </a:lnRef>
+          <a:fillRef idx="1">
+            <a:schemeClr val="lt1"/>
+          </a:fillRef>
+          <a:effectRef idx="0">
+            <a:schemeClr val="dk1"/>
+          </a:effectRef>
+          <a:fontRef idx="minor">
+            <a:schemeClr val="dk1"/>
+          </a:fontRef>
+        </p:style>
+        <p:txBody>
+          <a:bodyPr lIns="36000" rIns="36000" rtlCol="0" anchor="ctr"/>
+          <a:lstStyle/>
+          <a:p>
+            <a:pPr algn="ctr"/>
+            <a:r>
+              <a:rPr lang="de-DE" sz="800" dirty="0">
+                <a:latin typeface="Arial" panose="020B0604020202020204" pitchFamily="34" charset="0"/>
+                <a:cs typeface="Arial" panose="020B0604020202020204" pitchFamily="34" charset="0"/>
+              </a:rPr>
+              <a:t>Wirtschaftlichkeit</a:t>
+            </a:r>
+          </a:p>
+        </p:txBody>
+      </p:sp>
+      <p:sp>
+        <p:nvSpPr>
+          <p:cNvPr id="14" name="Rechteck 13">
+            <a:extLst>
+              <a:ext uri="{FF2B5EF4-FFF2-40B4-BE49-F238E27FC236}">
+                <a16:creationId xmlns:a16="http://schemas.microsoft.com/office/drawing/2014/main" id="{2CBEF01A-894D-DADC-0C90-B3D7884DD1E2}"/>
+              </a:ext>
+            </a:extLst>
+          </p:cNvPr>
+          <p:cNvSpPr/>
+          <p:nvPr/>
+        </p:nvSpPr>
+        <p:spPr>
+          <a:xfrm>
+            <a:off x="7484271" y="606375"/>
+            <a:ext cx="900000" cy="216000"/>
+          </a:xfrm>
+          <a:prstGeom prst="rect">
+            <a:avLst/>
+          </a:prstGeom>
+          <a:ln>
+            <a:solidFill>
+              <a:schemeClr val="bg1"/>
+            </a:solidFill>
+          </a:ln>
+        </p:spPr>
+        <p:style>
+          <a:lnRef idx="2">
+            <a:schemeClr val="dk1"/>
+          </a:lnRef>
+          <a:fillRef idx="1">
+            <a:schemeClr val="lt1"/>
+          </a:fillRef>
+          <a:effectRef idx="0">
+            <a:schemeClr val="dk1"/>
+          </a:effectRef>
+          <a:fontRef idx="minor">
+            <a:schemeClr val="dk1"/>
+          </a:fontRef>
+        </p:style>
+        <p:txBody>
+          <a:bodyPr lIns="36000" rIns="36000" rtlCol="0" anchor="ctr"/>
+          <a:lstStyle/>
+          <a:p>
+            <a:pPr algn="ctr"/>
+            <a:r>
+              <a:rPr lang="de-DE" sz="800" dirty="0">
+                <a:latin typeface="Arial" panose="020B0604020202020204" pitchFamily="34" charset="0"/>
+                <a:cs typeface="Arial" panose="020B0604020202020204" pitchFamily="34" charset="0"/>
+              </a:rPr>
+              <a:t>Tests</a:t>
+            </a:r>
+          </a:p>
+        </p:txBody>
+      </p:sp>
+      <p:sp>
+        <p:nvSpPr>
+          <p:cNvPr id="15" name="Rechteck 14">
+            <a:extLst>
+              <a:ext uri="{FF2B5EF4-FFF2-40B4-BE49-F238E27FC236}">
+                <a16:creationId xmlns:a16="http://schemas.microsoft.com/office/drawing/2014/main" id="{FB5BBBEF-502D-CC67-DE9B-ADD9EE1E3F0C}"/>
+              </a:ext>
+            </a:extLst>
+          </p:cNvPr>
+          <p:cNvSpPr/>
+          <p:nvPr/>
+        </p:nvSpPr>
+        <p:spPr>
+          <a:xfrm>
+            <a:off x="8399862" y="606375"/>
+            <a:ext cx="900000" cy="216000"/>
+          </a:xfrm>
+          <a:prstGeom prst="rect">
+            <a:avLst/>
+          </a:prstGeom>
+          <a:ln>
+            <a:solidFill>
+              <a:schemeClr val="bg1"/>
+            </a:solidFill>
+          </a:ln>
+        </p:spPr>
+        <p:style>
+          <a:lnRef idx="2">
+            <a:schemeClr val="dk1"/>
+          </a:lnRef>
+          <a:fillRef idx="1">
+            <a:schemeClr val="lt1"/>
+          </a:fillRef>
+          <a:effectRef idx="0">
+            <a:schemeClr val="dk1"/>
+          </a:effectRef>
+          <a:fontRef idx="minor">
+            <a:schemeClr val="dk1"/>
+          </a:fontRef>
+        </p:style>
+        <p:txBody>
+          <a:bodyPr lIns="36000" rIns="36000" rtlCol="0" anchor="ctr"/>
+          <a:lstStyle/>
+          <a:p>
+            <a:pPr algn="ctr"/>
+            <a:r>
+              <a:rPr lang="de-DE" sz="800" dirty="0">
+                <a:latin typeface="Arial" panose="020B0604020202020204" pitchFamily="34" charset="0"/>
+                <a:cs typeface="Arial" panose="020B0604020202020204" pitchFamily="34" charset="0"/>
+              </a:rPr>
+              <a:t>Soll-Ist-Vergleich</a:t>
+            </a:r>
+          </a:p>
+        </p:txBody>
+      </p:sp>
+      <p:sp>
+        <p:nvSpPr>
+          <p:cNvPr id="16" name="Rechteck 15">
+            <a:extLst>
+              <a:ext uri="{FF2B5EF4-FFF2-40B4-BE49-F238E27FC236}">
+                <a16:creationId xmlns:a16="http://schemas.microsoft.com/office/drawing/2014/main" id="{6B81D970-014F-4C1A-9DC0-5DA9F7463087}"/>
+              </a:ext>
+            </a:extLst>
+          </p:cNvPr>
+          <p:cNvSpPr/>
+          <p:nvPr/>
+        </p:nvSpPr>
+        <p:spPr>
+          <a:xfrm>
+            <a:off x="9315455" y="606375"/>
+            <a:ext cx="900000" cy="216000"/>
+          </a:xfrm>
+          <a:prstGeom prst="rect">
+            <a:avLst/>
+          </a:prstGeom>
+          <a:ln>
+            <a:solidFill>
+              <a:schemeClr val="bg1"/>
+            </a:solidFill>
+          </a:ln>
+        </p:spPr>
+        <p:style>
+          <a:lnRef idx="2">
+            <a:schemeClr val="dk1"/>
+          </a:lnRef>
+          <a:fillRef idx="1">
+            <a:schemeClr val="lt1"/>
+          </a:fillRef>
+          <a:effectRef idx="0">
+            <a:schemeClr val="dk1"/>
+          </a:effectRef>
+          <a:fontRef idx="minor">
+            <a:schemeClr val="dk1"/>
+          </a:fontRef>
+        </p:style>
+        <p:txBody>
+          <a:bodyPr lIns="36000" rIns="36000" rtlCol="0" anchor="ctr"/>
+          <a:lstStyle/>
+          <a:p>
+            <a:pPr algn="ctr"/>
+            <a:r>
+              <a:rPr lang="de-DE" sz="800" dirty="0">
+                <a:latin typeface="Arial" panose="020B0604020202020204" pitchFamily="34" charset="0"/>
+                <a:cs typeface="Arial" panose="020B0604020202020204" pitchFamily="34" charset="0"/>
+              </a:rPr>
+              <a:t>Fazit</a:t>
+            </a:r>
+          </a:p>
+        </p:txBody>
+      </p:sp>
+      <p:sp>
+        <p:nvSpPr>
+          <p:cNvPr id="4" name="Datumsplatzhalter 3">
+            <a:extLst>
+              <a:ext uri="{FF2B5EF4-FFF2-40B4-BE49-F238E27FC236}">
+                <a16:creationId xmlns:a16="http://schemas.microsoft.com/office/drawing/2014/main" id="{B89056D3-E7A9-628C-263B-0B790C525B20}"/>
+              </a:ext>
+            </a:extLst>
+          </p:cNvPr>
+          <p:cNvSpPr>
+            <a:spLocks noGrp="1"/>
+          </p:cNvSpPr>
+          <p:nvPr>
+            <p:ph type="dt" sz="half" idx="10"/>
+          </p:nvPr>
+        </p:nvSpPr>
+        <p:spPr/>
+        <p:txBody>
+          <a:bodyPr/>
+          <a:lstStyle/>
+          <a:p>
+            <a:pPr algn="ctr"/>
+            <a:fld id="{6DCE2E55-0611-429C-9DFA-BA78059032C7}" type="datetime1">
+              <a:rPr lang="de-DE" smtClean="0"/>
+              <a:t>30.01.2025</a:t>
+            </a:fld>
+            <a:endParaRPr lang="de-DE" dirty="0"/>
+          </a:p>
+        </p:txBody>
+      </p:sp>
+      <p:sp>
+        <p:nvSpPr>
+          <p:cNvPr id="20" name="Textplatzhalter 19">
+            <a:extLst>
+              <a:ext uri="{FF2B5EF4-FFF2-40B4-BE49-F238E27FC236}">
+                <a16:creationId xmlns:a16="http://schemas.microsoft.com/office/drawing/2014/main" id="{5D5F7D64-3633-4828-00F6-1258C458532E}"/>
+              </a:ext>
+            </a:extLst>
+          </p:cNvPr>
+          <p:cNvSpPr>
+            <a:spLocks noGrp="1"/>
+          </p:cNvSpPr>
+          <p:nvPr>
+            <p:ph type="body" sz="quarter" idx="15"/>
+          </p:nvPr>
+        </p:nvSpPr>
+        <p:spPr/>
+        <p:txBody>
+          <a:bodyPr/>
+          <a:lstStyle/>
+          <a:p>
+            <a:r>
+              <a:rPr lang="de-DE" dirty="0"/>
+              <a:t>IT-Akademie Dr. Heuer</a:t>
+            </a:r>
+          </a:p>
+        </p:txBody>
+      </p:sp>
+      <p:sp>
+        <p:nvSpPr>
+          <p:cNvPr id="25" name="Textplatzhalter 19">
+            <a:extLst>
+              <a:ext uri="{FF2B5EF4-FFF2-40B4-BE49-F238E27FC236}">
+                <a16:creationId xmlns:a16="http://schemas.microsoft.com/office/drawing/2014/main" id="{BFB515AA-12DA-1B54-CC06-44F79CECFB86}"/>
+              </a:ext>
+            </a:extLst>
+          </p:cNvPr>
+          <p:cNvSpPr txBox="1">
+            <a:spLocks/>
+          </p:cNvSpPr>
+          <p:nvPr/>
+        </p:nvSpPr>
+        <p:spPr>
+          <a:xfrm>
+            <a:off x="748400" y="6396831"/>
+            <a:ext cx="2640000" cy="360000"/>
+          </a:xfrm>
+          <a:prstGeom prst="rect">
+            <a:avLst/>
+          </a:prstGeom>
+        </p:spPr>
+        <p:txBody>
+          <a:bodyPr vert="horz" lIns="91440" tIns="45720" rIns="91440" bIns="45720" rtlCol="0" anchor="ctr">
+            <a:normAutofit/>
+          </a:bodyPr>
+          <a:lstStyle>
+            <a:lvl1pPr marL="0" indent="0" algn="l" defTabSz="914400" rtl="0" eaLnBrk="1" latinLnBrk="0" hangingPunct="1">
+              <a:lnSpc>
+                <a:spcPct val="90000"/>
+              </a:lnSpc>
+              <a:spcBef>
+                <a:spcPts val="1000"/>
+              </a:spcBef>
+              <a:buFont typeface="Arial" panose="020B0604020202020204" pitchFamily="34" charset="0"/>
+              <a:buNone/>
+              <a:defRPr lang="de-DE" sz="1200" kern="1200" smtClean="0">
+                <a:solidFill>
+                  <a:schemeClr val="tx1"/>
+                </a:solidFill>
+                <a:latin typeface="Arial" panose="020B0604020202020204" pitchFamily="34" charset="0"/>
+                <a:ea typeface="+mn-ea"/>
+                <a:cs typeface="Arial" panose="020B0604020202020204" pitchFamily="34" charset="0"/>
+              </a:defRPr>
+            </a:lvl1pPr>
+            <a:lvl2pPr marL="685800" indent="-228600" algn="l" defTabSz="914400" rtl="0" eaLnBrk="1" latinLnBrk="0" hangingPunct="1">
+              <a:lnSpc>
+                <a:spcPct val="90000"/>
+              </a:lnSpc>
+              <a:spcBef>
+                <a:spcPts val="500"/>
+              </a:spcBef>
+              <a:buFont typeface="Arial" panose="020B0604020202020204" pitchFamily="34" charset="0"/>
+              <a:buChar char="•"/>
+              <a:defRPr sz="2400" kern="1200">
+                <a:solidFill>
+                  <a:schemeClr val="tx1"/>
+                </a:solidFill>
+                <a:latin typeface="+mn-lt"/>
+                <a:ea typeface="+mn-ea"/>
+                <a:cs typeface="+mn-cs"/>
+              </a:defRPr>
+            </a:lvl2pPr>
+            <a:lvl3pPr marL="1143000" indent="-228600" algn="l" defTabSz="914400" rtl="0" eaLnBrk="1" latinLnBrk="0" hangingPunct="1">
+              <a:lnSpc>
+                <a:spcPct val="90000"/>
+              </a:lnSpc>
+              <a:spcBef>
+                <a:spcPts val="500"/>
+              </a:spcBef>
+              <a:buFont typeface="Arial" panose="020B0604020202020204" pitchFamily="34" charset="0"/>
+              <a:buChar char="•"/>
+              <a:defRPr sz="2000" kern="1200">
+                <a:solidFill>
+                  <a:schemeClr val="tx1"/>
+                </a:solidFill>
+                <a:latin typeface="+mn-lt"/>
+                <a:ea typeface="+mn-ea"/>
+                <a:cs typeface="+mn-cs"/>
+              </a:defRPr>
+            </a:lvl3pPr>
+            <a:lvl4pPr marL="1600200" indent="-228600" algn="l" defTabSz="914400" rtl="0" eaLnBrk="1" latinLnBrk="0" hangingPunct="1">
+              <a:lnSpc>
+                <a:spcPct val="90000"/>
+              </a:lnSpc>
+              <a:spcBef>
+                <a:spcPts val="500"/>
+              </a:spcBef>
+              <a:buFont typeface="Arial" panose="020B0604020202020204" pitchFamily="34" charset="0"/>
+              <a:buChar char="•"/>
+              <a:defRPr sz="1800" kern="1200">
+                <a:solidFill>
+                  <a:schemeClr val="tx1"/>
+                </a:solidFill>
+                <a:latin typeface="+mn-lt"/>
+                <a:ea typeface="+mn-ea"/>
+                <a:cs typeface="+mn-cs"/>
+              </a:defRPr>
+            </a:lvl4pPr>
+            <a:lvl5pPr marL="2057400" indent="-228600" algn="l" defTabSz="914400" rtl="0" eaLnBrk="1" latinLnBrk="0" hangingPunct="1">
+              <a:lnSpc>
+                <a:spcPct val="90000"/>
+              </a:lnSpc>
+              <a:spcBef>
+                <a:spcPts val="500"/>
+              </a:spcBef>
+              <a:buFont typeface="Arial" panose="020B0604020202020204" pitchFamily="34" charset="0"/>
+              <a:buChar char="•"/>
+              <a:defRPr sz="1800" kern="1200">
+                <a:solidFill>
+                  <a:schemeClr val="tx1"/>
+                </a:solidFill>
+                <a:latin typeface="+mn-lt"/>
+                <a:ea typeface="+mn-ea"/>
+                <a:cs typeface="+mn-cs"/>
+              </a:defRPr>
+            </a:lvl5pPr>
+            <a:lvl6pPr marL="2514600" indent="-228600" algn="l" defTabSz="914400" rtl="0" eaLnBrk="1" latinLnBrk="0" hangingPunct="1">
+              <a:lnSpc>
+                <a:spcPct val="90000"/>
+              </a:lnSpc>
+              <a:spcBef>
+                <a:spcPts val="500"/>
+              </a:spcBef>
+              <a:buFont typeface="Arial" panose="020B0604020202020204" pitchFamily="34" charset="0"/>
+              <a:buChar char="•"/>
+              <a:defRPr sz="1800" kern="1200">
+                <a:solidFill>
+                  <a:schemeClr val="tx1"/>
+                </a:solidFill>
+                <a:latin typeface="+mn-lt"/>
+                <a:ea typeface="+mn-ea"/>
+                <a:cs typeface="+mn-cs"/>
+              </a:defRPr>
+            </a:lvl6pPr>
+            <a:lvl7pPr marL="2971800" indent="-228600" algn="l" defTabSz="914400" rtl="0" eaLnBrk="1" latinLnBrk="0" hangingPunct="1">
+              <a:lnSpc>
+                <a:spcPct val="90000"/>
+              </a:lnSpc>
+              <a:spcBef>
+                <a:spcPts val="500"/>
+              </a:spcBef>
+              <a:buFont typeface="Arial" panose="020B0604020202020204" pitchFamily="34" charset="0"/>
+              <a:buChar char="•"/>
+              <a:defRPr sz="1800" kern="1200">
+                <a:solidFill>
+                  <a:schemeClr val="tx1"/>
+                </a:solidFill>
+                <a:latin typeface="+mn-lt"/>
+                <a:ea typeface="+mn-ea"/>
+                <a:cs typeface="+mn-cs"/>
+              </a:defRPr>
+            </a:lvl7pPr>
+            <a:lvl8pPr marL="3429000" indent="-228600" algn="l" defTabSz="914400" rtl="0" eaLnBrk="1" latinLnBrk="0" hangingPunct="1">
+              <a:lnSpc>
+                <a:spcPct val="90000"/>
+              </a:lnSpc>
+              <a:spcBef>
+                <a:spcPts val="500"/>
+              </a:spcBef>
+              <a:buFont typeface="Arial" panose="020B0604020202020204" pitchFamily="34" charset="0"/>
+              <a:buChar char="•"/>
+              <a:defRPr sz="1800" kern="1200">
+                <a:solidFill>
+                  <a:schemeClr val="tx1"/>
+                </a:solidFill>
+                <a:latin typeface="+mn-lt"/>
+                <a:ea typeface="+mn-ea"/>
+                <a:cs typeface="+mn-cs"/>
+              </a:defRPr>
+            </a:lvl8pPr>
+            <a:lvl9pPr marL="3886200" indent="-228600" algn="l" defTabSz="914400" rtl="0" eaLnBrk="1" latinLnBrk="0" hangingPunct="1">
+              <a:lnSpc>
+                <a:spcPct val="90000"/>
+              </a:lnSpc>
+              <a:spcBef>
+                <a:spcPts val="500"/>
+              </a:spcBef>
+              <a:buFont typeface="Arial" panose="020B0604020202020204" pitchFamily="34" charset="0"/>
+              <a:buChar char="•"/>
+              <a:defRPr sz="1800" kern="1200">
+                <a:solidFill>
+                  <a:schemeClr val="tx1"/>
+                </a:solidFill>
+                <a:latin typeface="+mn-lt"/>
+                <a:ea typeface="+mn-ea"/>
+                <a:cs typeface="+mn-cs"/>
+              </a:defRPr>
+            </a:lvl9pPr>
+          </a:lstStyle>
+          <a:p>
+            <a:r>
+              <a:rPr lang="de-DE" dirty="0"/>
+              <a:t>Gruppenprojekt</a:t>
+            </a:r>
+          </a:p>
+        </p:txBody>
+      </p:sp>
+      <p:sp>
+        <p:nvSpPr>
+          <p:cNvPr id="2" name="Textplatzhalter 8">
+            <a:extLst>
+              <a:ext uri="{FF2B5EF4-FFF2-40B4-BE49-F238E27FC236}">
+                <a16:creationId xmlns:a16="http://schemas.microsoft.com/office/drawing/2014/main" id="{4D89D4B7-527C-1A84-5FF6-440A305BC7EC}"/>
+              </a:ext>
+            </a:extLst>
+          </p:cNvPr>
+          <p:cNvSpPr txBox="1">
+            <a:spLocks/>
+          </p:cNvSpPr>
+          <p:nvPr/>
+        </p:nvSpPr>
+        <p:spPr>
+          <a:xfrm>
+            <a:off x="748400" y="1066800"/>
+            <a:ext cx="10148200" cy="609600"/>
+          </a:xfrm>
+          <a:prstGeom prst="rect">
+            <a:avLst/>
+          </a:prstGeom>
+        </p:spPr>
+        <p:txBody>
+          <a:bodyPr vert="horz" lIns="91440" tIns="45720" rIns="91440" bIns="45720" rtlCol="0">
+            <a:noAutofit/>
+          </a:bodyPr>
+          <a:lstStyle>
+            <a:lvl1pPr marL="0" indent="0" algn="ctr" defTabSz="914400" rtl="0" eaLnBrk="1" latinLnBrk="0" hangingPunct="1">
+              <a:lnSpc>
+                <a:spcPct val="90000"/>
+              </a:lnSpc>
+              <a:spcBef>
+                <a:spcPts val="1000"/>
+              </a:spcBef>
+              <a:buFont typeface="Arial" panose="020B0604020202020204" pitchFamily="34" charset="0"/>
+              <a:buNone/>
+              <a:tabLst/>
+              <a:defRPr sz="3200" u="sng" kern="1200">
+                <a:solidFill>
+                  <a:schemeClr val="tx1"/>
+                </a:solidFill>
+                <a:latin typeface="+mn-lt"/>
+                <a:ea typeface="+mn-ea"/>
+                <a:cs typeface="+mn-cs"/>
+              </a:defRPr>
+            </a:lvl1pPr>
+            <a:lvl2pPr marL="685800" indent="-228600" algn="l" defTabSz="914400" rtl="0" eaLnBrk="1" latinLnBrk="0" hangingPunct="1">
+              <a:lnSpc>
+                <a:spcPct val="90000"/>
+              </a:lnSpc>
+              <a:spcBef>
+                <a:spcPts val="500"/>
+              </a:spcBef>
+              <a:buFont typeface="Arial" panose="020B0604020202020204" pitchFamily="34" charset="0"/>
+              <a:buChar char="•"/>
+              <a:defRPr sz="2400" kern="1200">
+                <a:solidFill>
+                  <a:schemeClr val="tx1"/>
+                </a:solidFill>
+                <a:latin typeface="+mn-lt"/>
+                <a:ea typeface="+mn-ea"/>
+                <a:cs typeface="+mn-cs"/>
+              </a:defRPr>
+            </a:lvl2pPr>
+            <a:lvl3pPr marL="1143000" indent="-228600" algn="l" defTabSz="914400" rtl="0" eaLnBrk="1" latinLnBrk="0" hangingPunct="1">
+              <a:lnSpc>
+                <a:spcPct val="90000"/>
+              </a:lnSpc>
+              <a:spcBef>
+                <a:spcPts val="500"/>
+              </a:spcBef>
+              <a:buFont typeface="Arial" panose="020B0604020202020204" pitchFamily="34" charset="0"/>
+              <a:buChar char="•"/>
+              <a:defRPr sz="2000" kern="1200">
+                <a:solidFill>
+                  <a:schemeClr val="tx1"/>
+                </a:solidFill>
+                <a:latin typeface="+mn-lt"/>
+                <a:ea typeface="+mn-ea"/>
+                <a:cs typeface="+mn-cs"/>
+              </a:defRPr>
+            </a:lvl3pPr>
+            <a:lvl4pPr marL="1600200" indent="-228600" algn="l" defTabSz="914400" rtl="0" eaLnBrk="1" latinLnBrk="0" hangingPunct="1">
+              <a:lnSpc>
+                <a:spcPct val="90000"/>
+              </a:lnSpc>
+              <a:spcBef>
+                <a:spcPts val="500"/>
+              </a:spcBef>
+              <a:buFont typeface="Arial" panose="020B0604020202020204" pitchFamily="34" charset="0"/>
+              <a:buChar char="•"/>
+              <a:defRPr sz="1800" kern="1200">
+                <a:solidFill>
+                  <a:schemeClr val="tx1"/>
+                </a:solidFill>
+                <a:latin typeface="+mn-lt"/>
+                <a:ea typeface="+mn-ea"/>
+                <a:cs typeface="+mn-cs"/>
+              </a:defRPr>
+            </a:lvl4pPr>
+            <a:lvl5pPr marL="2057400" indent="-228600" algn="l" defTabSz="914400" rtl="0" eaLnBrk="1" latinLnBrk="0" hangingPunct="1">
+              <a:lnSpc>
+                <a:spcPct val="90000"/>
+              </a:lnSpc>
+              <a:spcBef>
+                <a:spcPts val="500"/>
+              </a:spcBef>
+              <a:buFont typeface="Arial" panose="020B0604020202020204" pitchFamily="34" charset="0"/>
+              <a:buChar char="•"/>
+              <a:defRPr sz="1800" kern="1200">
+                <a:solidFill>
+                  <a:schemeClr val="tx1"/>
+                </a:solidFill>
+                <a:latin typeface="+mn-lt"/>
+                <a:ea typeface="+mn-ea"/>
+                <a:cs typeface="+mn-cs"/>
+              </a:defRPr>
+            </a:lvl5pPr>
+            <a:lvl6pPr marL="2514600" indent="-228600" algn="l" defTabSz="914400" rtl="0" eaLnBrk="1" latinLnBrk="0" hangingPunct="1">
+              <a:lnSpc>
+                <a:spcPct val="90000"/>
+              </a:lnSpc>
+              <a:spcBef>
+                <a:spcPts val="500"/>
+              </a:spcBef>
+              <a:buFont typeface="Arial" panose="020B0604020202020204" pitchFamily="34" charset="0"/>
+              <a:buChar char="•"/>
+              <a:defRPr sz="1800" kern="1200">
+                <a:solidFill>
+                  <a:schemeClr val="tx1"/>
+                </a:solidFill>
+                <a:latin typeface="+mn-lt"/>
+                <a:ea typeface="+mn-ea"/>
+                <a:cs typeface="+mn-cs"/>
+              </a:defRPr>
+            </a:lvl6pPr>
+            <a:lvl7pPr marL="2971800" indent="-228600" algn="l" defTabSz="914400" rtl="0" eaLnBrk="1" latinLnBrk="0" hangingPunct="1">
+              <a:lnSpc>
+                <a:spcPct val="90000"/>
+              </a:lnSpc>
+              <a:spcBef>
+                <a:spcPts val="500"/>
+              </a:spcBef>
+              <a:buFont typeface="Arial" panose="020B0604020202020204" pitchFamily="34" charset="0"/>
+              <a:buChar char="•"/>
+              <a:defRPr sz="1800" kern="1200">
+                <a:solidFill>
+                  <a:schemeClr val="tx1"/>
+                </a:solidFill>
+                <a:latin typeface="+mn-lt"/>
+                <a:ea typeface="+mn-ea"/>
+                <a:cs typeface="+mn-cs"/>
+              </a:defRPr>
+            </a:lvl7pPr>
+            <a:lvl8pPr marL="3429000" indent="-228600" algn="l" defTabSz="914400" rtl="0" eaLnBrk="1" latinLnBrk="0" hangingPunct="1">
+              <a:lnSpc>
+                <a:spcPct val="90000"/>
+              </a:lnSpc>
+              <a:spcBef>
+                <a:spcPts val="500"/>
+              </a:spcBef>
+              <a:buFont typeface="Arial" panose="020B0604020202020204" pitchFamily="34" charset="0"/>
+              <a:buChar char="•"/>
+              <a:defRPr sz="1800" kern="1200">
+                <a:solidFill>
+                  <a:schemeClr val="tx1"/>
+                </a:solidFill>
+                <a:latin typeface="+mn-lt"/>
+                <a:ea typeface="+mn-ea"/>
+                <a:cs typeface="+mn-cs"/>
+              </a:defRPr>
+            </a:lvl8pPr>
+            <a:lvl9pPr marL="3886200" indent="-228600" algn="l" defTabSz="914400" rtl="0" eaLnBrk="1" latinLnBrk="0" hangingPunct="1">
+              <a:lnSpc>
+                <a:spcPct val="90000"/>
+              </a:lnSpc>
+              <a:spcBef>
+                <a:spcPts val="500"/>
+              </a:spcBef>
+              <a:buFont typeface="Arial" panose="020B0604020202020204" pitchFamily="34" charset="0"/>
+              <a:buChar char="•"/>
+              <a:defRPr sz="1800" kern="1200">
+                <a:solidFill>
+                  <a:schemeClr val="tx1"/>
+                </a:solidFill>
+                <a:latin typeface="+mn-lt"/>
+                <a:ea typeface="+mn-ea"/>
+                <a:cs typeface="+mn-cs"/>
+              </a:defRPr>
+            </a:lvl9pPr>
+          </a:lstStyle>
+          <a:p>
+            <a:r>
+              <a:rPr lang="de-DE" dirty="0"/>
+              <a:t>Übersicht: Views, Funktionen, Transaktionen, Trigger</a:t>
+            </a:r>
+          </a:p>
+          <a:p>
+            <a:pPr algn="l"/>
+            <a:endParaRPr lang="de-DE" dirty="0"/>
+          </a:p>
+        </p:txBody>
+      </p:sp>
+      <p:pic>
+        <p:nvPicPr>
+          <p:cNvPr id="5" name="Grafik 4">
+            <a:extLst>
+              <a:ext uri="{FF2B5EF4-FFF2-40B4-BE49-F238E27FC236}">
+                <a16:creationId xmlns:a16="http://schemas.microsoft.com/office/drawing/2014/main" id="{F8880B6C-66A9-E57F-4F43-A67525439BB8}"/>
+              </a:ext>
+            </a:extLst>
+          </p:cNvPr>
+          <p:cNvPicPr>
+            <a:picLocks noChangeAspect="1"/>
+          </p:cNvPicPr>
+          <p:nvPr/>
+        </p:nvPicPr>
+        <p:blipFill>
+          <a:blip r:embed="rId3"/>
+          <a:stretch>
+            <a:fillRect/>
+          </a:stretch>
+        </p:blipFill>
+        <p:spPr>
+          <a:xfrm>
+            <a:off x="619463" y="1676400"/>
+            <a:ext cx="1595312" cy="4279490"/>
+          </a:xfrm>
+          <a:prstGeom prst="rect">
+            <a:avLst/>
+          </a:prstGeom>
+        </p:spPr>
+      </p:pic>
+      <p:sp>
+        <p:nvSpPr>
+          <p:cNvPr id="6" name="Textplatzhalter 8">
+            <a:extLst>
+              <a:ext uri="{FF2B5EF4-FFF2-40B4-BE49-F238E27FC236}">
+                <a16:creationId xmlns:a16="http://schemas.microsoft.com/office/drawing/2014/main" id="{2CB9312D-B44B-6E14-5231-2F5EE7F39DD9}"/>
+              </a:ext>
+            </a:extLst>
+          </p:cNvPr>
+          <p:cNvSpPr txBox="1">
+            <a:spLocks/>
+          </p:cNvSpPr>
+          <p:nvPr/>
+        </p:nvSpPr>
+        <p:spPr>
+          <a:xfrm>
+            <a:off x="2890725" y="1872916"/>
+            <a:ext cx="6212270" cy="609600"/>
+          </a:xfrm>
+          <a:prstGeom prst="rect">
+            <a:avLst/>
+          </a:prstGeom>
+        </p:spPr>
+        <p:txBody>
+          <a:bodyPr vert="horz" lIns="91440" tIns="45720" rIns="91440" bIns="45720" rtlCol="0">
+            <a:noAutofit/>
+          </a:bodyPr>
+          <a:lstStyle>
+            <a:lvl1pPr marL="0" indent="0" algn="ctr" defTabSz="914400" rtl="0" eaLnBrk="1" latinLnBrk="0" hangingPunct="1">
+              <a:lnSpc>
+                <a:spcPct val="90000"/>
+              </a:lnSpc>
+              <a:spcBef>
+                <a:spcPts val="1000"/>
+              </a:spcBef>
+              <a:buFont typeface="Arial" panose="020B0604020202020204" pitchFamily="34" charset="0"/>
+              <a:buNone/>
+              <a:tabLst/>
+              <a:defRPr sz="3200" u="sng" kern="1200">
+                <a:solidFill>
+                  <a:schemeClr val="tx1"/>
+                </a:solidFill>
+                <a:latin typeface="+mn-lt"/>
+                <a:ea typeface="+mn-ea"/>
+                <a:cs typeface="+mn-cs"/>
+              </a:defRPr>
+            </a:lvl1pPr>
+            <a:lvl2pPr marL="685800" indent="-228600" algn="l" defTabSz="914400" rtl="0" eaLnBrk="1" latinLnBrk="0" hangingPunct="1">
+              <a:lnSpc>
+                <a:spcPct val="90000"/>
+              </a:lnSpc>
+              <a:spcBef>
+                <a:spcPts val="500"/>
+              </a:spcBef>
+              <a:buFont typeface="Arial" panose="020B0604020202020204" pitchFamily="34" charset="0"/>
+              <a:buChar char="•"/>
+              <a:defRPr sz="2400" kern="1200">
+                <a:solidFill>
+                  <a:schemeClr val="tx1"/>
+                </a:solidFill>
+                <a:latin typeface="+mn-lt"/>
+                <a:ea typeface="+mn-ea"/>
+                <a:cs typeface="+mn-cs"/>
+              </a:defRPr>
+            </a:lvl2pPr>
+            <a:lvl3pPr marL="1143000" indent="-228600" algn="l" defTabSz="914400" rtl="0" eaLnBrk="1" latinLnBrk="0" hangingPunct="1">
+              <a:lnSpc>
+                <a:spcPct val="90000"/>
+              </a:lnSpc>
+              <a:spcBef>
+                <a:spcPts val="500"/>
+              </a:spcBef>
+              <a:buFont typeface="Arial" panose="020B0604020202020204" pitchFamily="34" charset="0"/>
+              <a:buChar char="•"/>
+              <a:defRPr sz="2000" kern="1200">
+                <a:solidFill>
+                  <a:schemeClr val="tx1"/>
+                </a:solidFill>
+                <a:latin typeface="+mn-lt"/>
+                <a:ea typeface="+mn-ea"/>
+                <a:cs typeface="+mn-cs"/>
+              </a:defRPr>
+            </a:lvl3pPr>
+            <a:lvl4pPr marL="1600200" indent="-228600" algn="l" defTabSz="914400" rtl="0" eaLnBrk="1" latinLnBrk="0" hangingPunct="1">
+              <a:lnSpc>
+                <a:spcPct val="90000"/>
+              </a:lnSpc>
+              <a:spcBef>
+                <a:spcPts val="500"/>
+              </a:spcBef>
+              <a:buFont typeface="Arial" panose="020B0604020202020204" pitchFamily="34" charset="0"/>
+              <a:buChar char="•"/>
+              <a:defRPr sz="1800" kern="1200">
+                <a:solidFill>
+                  <a:schemeClr val="tx1"/>
+                </a:solidFill>
+                <a:latin typeface="+mn-lt"/>
+                <a:ea typeface="+mn-ea"/>
+                <a:cs typeface="+mn-cs"/>
+              </a:defRPr>
+            </a:lvl4pPr>
+            <a:lvl5pPr marL="2057400" indent="-228600" algn="l" defTabSz="914400" rtl="0" eaLnBrk="1" latinLnBrk="0" hangingPunct="1">
+              <a:lnSpc>
+                <a:spcPct val="90000"/>
+              </a:lnSpc>
+              <a:spcBef>
+                <a:spcPts val="500"/>
+              </a:spcBef>
+              <a:buFont typeface="Arial" panose="020B0604020202020204" pitchFamily="34" charset="0"/>
+              <a:buChar char="•"/>
+              <a:defRPr sz="1800" kern="1200">
+                <a:solidFill>
+                  <a:schemeClr val="tx1"/>
+                </a:solidFill>
+                <a:latin typeface="+mn-lt"/>
+                <a:ea typeface="+mn-ea"/>
+                <a:cs typeface="+mn-cs"/>
+              </a:defRPr>
+            </a:lvl5pPr>
+            <a:lvl6pPr marL="2514600" indent="-228600" algn="l" defTabSz="914400" rtl="0" eaLnBrk="1" latinLnBrk="0" hangingPunct="1">
+              <a:lnSpc>
+                <a:spcPct val="90000"/>
+              </a:lnSpc>
+              <a:spcBef>
+                <a:spcPts val="500"/>
+              </a:spcBef>
+              <a:buFont typeface="Arial" panose="020B0604020202020204" pitchFamily="34" charset="0"/>
+              <a:buChar char="•"/>
+              <a:defRPr sz="1800" kern="1200">
+                <a:solidFill>
+                  <a:schemeClr val="tx1"/>
+                </a:solidFill>
+                <a:latin typeface="+mn-lt"/>
+                <a:ea typeface="+mn-ea"/>
+                <a:cs typeface="+mn-cs"/>
+              </a:defRPr>
+            </a:lvl6pPr>
+            <a:lvl7pPr marL="2971800" indent="-228600" algn="l" defTabSz="914400" rtl="0" eaLnBrk="1" latinLnBrk="0" hangingPunct="1">
+              <a:lnSpc>
+                <a:spcPct val="90000"/>
+              </a:lnSpc>
+              <a:spcBef>
+                <a:spcPts val="500"/>
+              </a:spcBef>
+              <a:buFont typeface="Arial" panose="020B0604020202020204" pitchFamily="34" charset="0"/>
+              <a:buChar char="•"/>
+              <a:defRPr sz="1800" kern="1200">
+                <a:solidFill>
+                  <a:schemeClr val="tx1"/>
+                </a:solidFill>
+                <a:latin typeface="+mn-lt"/>
+                <a:ea typeface="+mn-ea"/>
+                <a:cs typeface="+mn-cs"/>
+              </a:defRPr>
+            </a:lvl7pPr>
+            <a:lvl8pPr marL="3429000" indent="-228600" algn="l" defTabSz="914400" rtl="0" eaLnBrk="1" latinLnBrk="0" hangingPunct="1">
+              <a:lnSpc>
+                <a:spcPct val="90000"/>
+              </a:lnSpc>
+              <a:spcBef>
+                <a:spcPts val="500"/>
+              </a:spcBef>
+              <a:buFont typeface="Arial" panose="020B0604020202020204" pitchFamily="34" charset="0"/>
+              <a:buChar char="•"/>
+              <a:defRPr sz="1800" kern="1200">
+                <a:solidFill>
+                  <a:schemeClr val="tx1"/>
+                </a:solidFill>
+                <a:latin typeface="+mn-lt"/>
+                <a:ea typeface="+mn-ea"/>
+                <a:cs typeface="+mn-cs"/>
+              </a:defRPr>
+            </a:lvl8pPr>
+            <a:lvl9pPr marL="3886200" indent="-228600" algn="l" defTabSz="914400" rtl="0" eaLnBrk="1" latinLnBrk="0" hangingPunct="1">
+              <a:lnSpc>
+                <a:spcPct val="90000"/>
+              </a:lnSpc>
+              <a:spcBef>
+                <a:spcPts val="500"/>
+              </a:spcBef>
+              <a:buFont typeface="Arial" panose="020B0604020202020204" pitchFamily="34" charset="0"/>
+              <a:buChar char="•"/>
+              <a:defRPr sz="1800" kern="1200">
+                <a:solidFill>
+                  <a:schemeClr val="tx1"/>
+                </a:solidFill>
+                <a:latin typeface="+mn-lt"/>
+                <a:ea typeface="+mn-ea"/>
+                <a:cs typeface="+mn-cs"/>
+              </a:defRPr>
+            </a:lvl9pPr>
+          </a:lstStyle>
+          <a:p>
+            <a:pPr algn="l"/>
+            <a:endParaRPr lang="de-DE" dirty="0"/>
+          </a:p>
+        </p:txBody>
+      </p:sp>
+    </p:spTree>
+    <p:extLst>
+      <p:ext uri="{BB962C8B-B14F-4D97-AF65-F5344CB8AC3E}">
+        <p14:creationId xmlns:p14="http://schemas.microsoft.com/office/powerpoint/2010/main" val="656778967"/>
+      </p:ext>
+    </p:extLst>
+  </p:cSld>
+  <p:clrMapOvr>
+    <a:masterClrMapping/>
+  </p:clrMapOvr>
+</p:sld>
+</file>
+
+<file path=ppt/slides/slide12.xml><?xml version="1.0" encoding="utf-8"?>
+<p:sld xmlns:a="http://schemas.openxmlformats.org/drawingml/2006/main" xmlns:r="http://schemas.openxmlformats.org/officeDocument/2006/relationships" xmlns:p="http://schemas.openxmlformats.org/presentationml/2006/main">
+  <p:cSld>
+    <p:spTree>
+      <p:nvGrpSpPr>
+        <p:cNvPr id="1" name="">
+          <a:extLst>
+            <a:ext uri="{FF2B5EF4-FFF2-40B4-BE49-F238E27FC236}">
               <a16:creationId xmlns:a16="http://schemas.microsoft.com/office/drawing/2014/main" id="{0D212585-8A23-06D1-32F4-C0D84864F805}"/>
             </a:ext>
           </a:extLst>
@@ -15030,7 +17687,7 @@
 </p:sld>
 </file>
 
-<file path=ppt/slides/slide11.xml><?xml version="1.0" encoding="utf-8"?>
+<file path=ppt/slides/slide13.xml><?xml version="1.0" encoding="utf-8"?>
 <p:sld xmlns:a="http://schemas.openxmlformats.org/drawingml/2006/main" xmlns:r="http://schemas.openxmlformats.org/officeDocument/2006/relationships" xmlns:p="http://schemas.openxmlformats.org/presentationml/2006/main">
   <p:cSld>
     <p:spTree>
@@ -16018,856 +18675,7 @@
 </p:sld>
 </file>
 
-<file path=ppt/slides/slide12.xml><?xml version="1.0" encoding="utf-8"?>
-<p:sld xmlns:a="http://schemas.openxmlformats.org/drawingml/2006/main" xmlns:r="http://schemas.openxmlformats.org/officeDocument/2006/relationships" xmlns:p="http://schemas.openxmlformats.org/presentationml/2006/main">
-  <p:cSld>
-    <p:spTree>
-      <p:nvGrpSpPr>
-        <p:cNvPr id="1" name="">
-          <a:extLst>
-            <a:ext uri="{FF2B5EF4-FFF2-40B4-BE49-F238E27FC236}">
-              <a16:creationId xmlns:a16="http://schemas.microsoft.com/office/drawing/2014/main" id="{3C552B2C-6262-2AEE-B0D6-BAE5E35A1662}"/>
-            </a:ext>
-          </a:extLst>
-        </p:cNvPr>
-        <p:cNvGrpSpPr/>
-        <p:nvPr/>
-      </p:nvGrpSpPr>
-      <p:grpSpPr>
-        <a:xfrm>
-          <a:off x="0" y="0"/>
-          <a:ext cx="0" cy="0"/>
-          <a:chOff x="0" y="0"/>
-          <a:chExt cx="0" cy="0"/>
-        </a:xfrm>
-      </p:grpSpPr>
-      <p:sp>
-        <p:nvSpPr>
-          <p:cNvPr id="10" name="Rechteck 9">
-            <a:extLst>
-              <a:ext uri="{FF2B5EF4-FFF2-40B4-BE49-F238E27FC236}">
-                <a16:creationId xmlns:a16="http://schemas.microsoft.com/office/drawing/2014/main" id="{2925995B-3192-C871-09E4-7810941D9476}"/>
-              </a:ext>
-            </a:extLst>
-          </p:cNvPr>
-          <p:cNvSpPr/>
-          <p:nvPr/>
-        </p:nvSpPr>
-        <p:spPr>
-          <a:xfrm>
-            <a:off x="4737498" y="606375"/>
-            <a:ext cx="900000" cy="216000"/>
-          </a:xfrm>
-          <a:prstGeom prst="rect">
-            <a:avLst/>
-          </a:prstGeom>
-          <a:ln>
-            <a:solidFill>
-              <a:schemeClr val="bg1"/>
-            </a:solidFill>
-          </a:ln>
-        </p:spPr>
-        <p:style>
-          <a:lnRef idx="2">
-            <a:schemeClr val="dk1"/>
-          </a:lnRef>
-          <a:fillRef idx="1">
-            <a:schemeClr val="lt1"/>
-          </a:fillRef>
-          <a:effectRef idx="0">
-            <a:schemeClr val="dk1"/>
-          </a:effectRef>
-          <a:fontRef idx="minor">
-            <a:schemeClr val="dk1"/>
-          </a:fontRef>
-        </p:style>
-        <p:txBody>
-          <a:bodyPr lIns="36000" rIns="36000" rtlCol="0" anchor="ctr"/>
-          <a:lstStyle/>
-          <a:p>
-            <a:pPr algn="ctr"/>
-            <a:r>
-              <a:rPr lang="de-DE" sz="800" dirty="0">
-                <a:latin typeface="Arial" panose="020B0604020202020204" pitchFamily="34" charset="0"/>
-                <a:cs typeface="Arial" panose="020B0604020202020204" pitchFamily="34" charset="0"/>
-              </a:rPr>
-              <a:t>Soll-Zustand</a:t>
-            </a:r>
-          </a:p>
-        </p:txBody>
-      </p:sp>
-      <p:sp>
-        <p:nvSpPr>
-          <p:cNvPr id="13" name="Rechteck 12">
-            <a:extLst>
-              <a:ext uri="{FF2B5EF4-FFF2-40B4-BE49-F238E27FC236}">
-                <a16:creationId xmlns:a16="http://schemas.microsoft.com/office/drawing/2014/main" id="{D1427493-E727-A5FD-6D81-C083606842E7}"/>
-              </a:ext>
-            </a:extLst>
-          </p:cNvPr>
-          <p:cNvSpPr/>
-          <p:nvPr/>
-        </p:nvSpPr>
-        <p:spPr>
-          <a:xfrm>
-            <a:off x="6568680" y="606375"/>
-            <a:ext cx="900000" cy="216000"/>
-          </a:xfrm>
-          <a:prstGeom prst="rect">
-            <a:avLst/>
-          </a:prstGeom>
-          <a:ln>
-            <a:solidFill>
-              <a:schemeClr val="bg1"/>
-            </a:solidFill>
-          </a:ln>
-        </p:spPr>
-        <p:style>
-          <a:lnRef idx="2">
-            <a:schemeClr val="dk1"/>
-          </a:lnRef>
-          <a:fillRef idx="1">
-            <a:schemeClr val="lt1"/>
-          </a:fillRef>
-          <a:effectRef idx="0">
-            <a:schemeClr val="dk1"/>
-          </a:effectRef>
-          <a:fontRef idx="minor">
-            <a:schemeClr val="dk1"/>
-          </a:fontRef>
-        </p:style>
-        <p:txBody>
-          <a:bodyPr lIns="36000" rIns="36000" rtlCol="0" anchor="ctr"/>
-          <a:lstStyle/>
-          <a:p>
-            <a:pPr algn="ctr"/>
-            <a:r>
-              <a:rPr lang="de-DE" sz="800" dirty="0">
-                <a:latin typeface="Arial" panose="020B0604020202020204" pitchFamily="34" charset="0"/>
-                <a:cs typeface="Arial" panose="020B0604020202020204" pitchFamily="34" charset="0"/>
-              </a:rPr>
-              <a:t>Durchführung</a:t>
-            </a:r>
-          </a:p>
-        </p:txBody>
-      </p:sp>
-      <p:sp>
-        <p:nvSpPr>
-          <p:cNvPr id="7" name="Rechteck 6">
-            <a:extLst>
-              <a:ext uri="{FF2B5EF4-FFF2-40B4-BE49-F238E27FC236}">
-                <a16:creationId xmlns:a16="http://schemas.microsoft.com/office/drawing/2014/main" id="{B0BF878D-9AFC-4658-02EF-CEEA0B9123C1}"/>
-              </a:ext>
-            </a:extLst>
-          </p:cNvPr>
-          <p:cNvSpPr/>
-          <p:nvPr/>
-        </p:nvSpPr>
-        <p:spPr>
-          <a:xfrm>
-            <a:off x="1990725" y="606375"/>
-            <a:ext cx="900000" cy="216000"/>
-          </a:xfrm>
-          <a:prstGeom prst="rect">
-            <a:avLst/>
-          </a:prstGeom>
-          <a:ln/>
-        </p:spPr>
-        <p:style>
-          <a:lnRef idx="1">
-            <a:schemeClr val="accent5"/>
-          </a:lnRef>
-          <a:fillRef idx="3">
-            <a:schemeClr val="accent5"/>
-          </a:fillRef>
-          <a:effectRef idx="2">
-            <a:schemeClr val="accent5"/>
-          </a:effectRef>
-          <a:fontRef idx="minor">
-            <a:schemeClr val="lt1"/>
-          </a:fontRef>
-        </p:style>
-        <p:txBody>
-          <a:bodyPr lIns="36000" rIns="36000" rtlCol="0" anchor="ctr"/>
-          <a:lstStyle/>
-          <a:p>
-            <a:pPr algn="ctr"/>
-            <a:r>
-              <a:rPr lang="de-DE" sz="800" dirty="0">
-                <a:latin typeface="Arial" panose="020B0604020202020204" pitchFamily="34" charset="0"/>
-                <a:cs typeface="Arial" panose="020B0604020202020204" pitchFamily="34" charset="0"/>
-              </a:rPr>
-              <a:t>Inhalt</a:t>
-            </a:r>
-          </a:p>
-        </p:txBody>
-      </p:sp>
-      <p:sp>
-        <p:nvSpPr>
-          <p:cNvPr id="12" name="Rechteck 11">
-            <a:extLst>
-              <a:ext uri="{FF2B5EF4-FFF2-40B4-BE49-F238E27FC236}">
-                <a16:creationId xmlns:a16="http://schemas.microsoft.com/office/drawing/2014/main" id="{FB92BF14-6DC6-489E-626A-97865F64FAA9}"/>
-              </a:ext>
-            </a:extLst>
-          </p:cNvPr>
-          <p:cNvSpPr/>
-          <p:nvPr/>
-        </p:nvSpPr>
-        <p:spPr>
-          <a:xfrm>
-            <a:off x="2906316" y="606375"/>
-            <a:ext cx="900000" cy="216000"/>
-          </a:xfrm>
-          <a:prstGeom prst="rect">
-            <a:avLst/>
-          </a:prstGeom>
-          <a:ln>
-            <a:solidFill>
-              <a:schemeClr val="bg1"/>
-            </a:solidFill>
-          </a:ln>
-        </p:spPr>
-        <p:style>
-          <a:lnRef idx="2">
-            <a:schemeClr val="dk1"/>
-          </a:lnRef>
-          <a:fillRef idx="1">
-            <a:schemeClr val="lt1"/>
-          </a:fillRef>
-          <a:effectRef idx="0">
-            <a:schemeClr val="dk1"/>
-          </a:effectRef>
-          <a:fontRef idx="minor">
-            <a:schemeClr val="dk1"/>
-          </a:fontRef>
-        </p:style>
-        <p:txBody>
-          <a:bodyPr lIns="36000" rIns="36000" rtlCol="0" anchor="ctr"/>
-          <a:lstStyle/>
-          <a:p>
-            <a:pPr algn="ctr"/>
-            <a:r>
-              <a:rPr lang="de-DE" sz="800" dirty="0">
-                <a:latin typeface="Arial" panose="020B0604020202020204" pitchFamily="34" charset="0"/>
-                <a:cs typeface="Arial" panose="020B0604020202020204" pitchFamily="34" charset="0"/>
-              </a:rPr>
-              <a:t>Betriebsumfeld</a:t>
-            </a:r>
-          </a:p>
-        </p:txBody>
-      </p:sp>
-      <p:sp>
-        <p:nvSpPr>
-          <p:cNvPr id="9" name="Rechteck 8">
-            <a:extLst>
-              <a:ext uri="{FF2B5EF4-FFF2-40B4-BE49-F238E27FC236}">
-                <a16:creationId xmlns:a16="http://schemas.microsoft.com/office/drawing/2014/main" id="{FAF062EE-5B92-FF02-EE91-2426A0BE6B81}"/>
-              </a:ext>
-            </a:extLst>
-          </p:cNvPr>
-          <p:cNvSpPr/>
-          <p:nvPr/>
-        </p:nvSpPr>
-        <p:spPr>
-          <a:xfrm>
-            <a:off x="3821907" y="606375"/>
-            <a:ext cx="900000" cy="216000"/>
-          </a:xfrm>
-          <a:prstGeom prst="rect">
-            <a:avLst/>
-          </a:prstGeom>
-          <a:ln>
-            <a:solidFill>
-              <a:schemeClr val="bg1"/>
-            </a:solidFill>
-          </a:ln>
-        </p:spPr>
-        <p:style>
-          <a:lnRef idx="2">
-            <a:schemeClr val="dk1"/>
-          </a:lnRef>
-          <a:fillRef idx="1">
-            <a:schemeClr val="lt1"/>
-          </a:fillRef>
-          <a:effectRef idx="0">
-            <a:schemeClr val="dk1"/>
-          </a:effectRef>
-          <a:fontRef idx="minor">
-            <a:schemeClr val="dk1"/>
-          </a:fontRef>
-        </p:style>
-        <p:txBody>
-          <a:bodyPr lIns="36000" rIns="36000" rtlCol="0" anchor="ctr"/>
-          <a:lstStyle/>
-          <a:p>
-            <a:pPr algn="ctr"/>
-            <a:r>
-              <a:rPr lang="de-DE" sz="800" dirty="0">
-                <a:latin typeface="Arial" panose="020B0604020202020204" pitchFamily="34" charset="0"/>
-                <a:cs typeface="Arial" panose="020B0604020202020204" pitchFamily="34" charset="0"/>
-              </a:rPr>
-              <a:t>Ist-Zustand</a:t>
-            </a:r>
-          </a:p>
-        </p:txBody>
-      </p:sp>
-      <p:sp>
-        <p:nvSpPr>
-          <p:cNvPr id="11" name="Rechteck 10">
-            <a:extLst>
-              <a:ext uri="{FF2B5EF4-FFF2-40B4-BE49-F238E27FC236}">
-                <a16:creationId xmlns:a16="http://schemas.microsoft.com/office/drawing/2014/main" id="{12007403-7092-3280-5408-0F6D77378108}"/>
-              </a:ext>
-            </a:extLst>
-          </p:cNvPr>
-          <p:cNvSpPr/>
-          <p:nvPr/>
-        </p:nvSpPr>
-        <p:spPr>
-          <a:xfrm>
-            <a:off x="5653089" y="606375"/>
-            <a:ext cx="900000" cy="216000"/>
-          </a:xfrm>
-          <a:prstGeom prst="rect">
-            <a:avLst/>
-          </a:prstGeom>
-          <a:ln>
-            <a:solidFill>
-              <a:schemeClr val="bg1"/>
-            </a:solidFill>
-          </a:ln>
-        </p:spPr>
-        <p:style>
-          <a:lnRef idx="2">
-            <a:schemeClr val="dk1"/>
-          </a:lnRef>
-          <a:fillRef idx="1">
-            <a:schemeClr val="lt1"/>
-          </a:fillRef>
-          <a:effectRef idx="0">
-            <a:schemeClr val="dk1"/>
-          </a:effectRef>
-          <a:fontRef idx="minor">
-            <a:schemeClr val="dk1"/>
-          </a:fontRef>
-        </p:style>
-        <p:txBody>
-          <a:bodyPr lIns="36000" rIns="36000" rtlCol="0" anchor="ctr"/>
-          <a:lstStyle/>
-          <a:p>
-            <a:pPr algn="ctr"/>
-            <a:r>
-              <a:rPr lang="de-DE" sz="800" dirty="0">
-                <a:latin typeface="Arial" panose="020B0604020202020204" pitchFamily="34" charset="0"/>
-                <a:cs typeface="Arial" panose="020B0604020202020204" pitchFamily="34" charset="0"/>
-              </a:rPr>
-              <a:t>Wirtschaftlichkeit</a:t>
-            </a:r>
-          </a:p>
-        </p:txBody>
-      </p:sp>
-      <p:sp>
-        <p:nvSpPr>
-          <p:cNvPr id="14" name="Rechteck 13">
-            <a:extLst>
-              <a:ext uri="{FF2B5EF4-FFF2-40B4-BE49-F238E27FC236}">
-                <a16:creationId xmlns:a16="http://schemas.microsoft.com/office/drawing/2014/main" id="{A4A547D2-A074-85CD-CA5B-64BCEAA5D3D3}"/>
-              </a:ext>
-            </a:extLst>
-          </p:cNvPr>
-          <p:cNvSpPr/>
-          <p:nvPr/>
-        </p:nvSpPr>
-        <p:spPr>
-          <a:xfrm>
-            <a:off x="7484271" y="606375"/>
-            <a:ext cx="900000" cy="216000"/>
-          </a:xfrm>
-          <a:prstGeom prst="rect">
-            <a:avLst/>
-          </a:prstGeom>
-          <a:ln>
-            <a:solidFill>
-              <a:schemeClr val="bg1"/>
-            </a:solidFill>
-          </a:ln>
-        </p:spPr>
-        <p:style>
-          <a:lnRef idx="2">
-            <a:schemeClr val="dk1"/>
-          </a:lnRef>
-          <a:fillRef idx="1">
-            <a:schemeClr val="lt1"/>
-          </a:fillRef>
-          <a:effectRef idx="0">
-            <a:schemeClr val="dk1"/>
-          </a:effectRef>
-          <a:fontRef idx="minor">
-            <a:schemeClr val="dk1"/>
-          </a:fontRef>
-        </p:style>
-        <p:txBody>
-          <a:bodyPr lIns="36000" rIns="36000" rtlCol="0" anchor="ctr"/>
-          <a:lstStyle/>
-          <a:p>
-            <a:pPr algn="ctr"/>
-            <a:r>
-              <a:rPr lang="de-DE" sz="800" dirty="0">
-                <a:latin typeface="Arial" panose="020B0604020202020204" pitchFamily="34" charset="0"/>
-                <a:cs typeface="Arial" panose="020B0604020202020204" pitchFamily="34" charset="0"/>
-              </a:rPr>
-              <a:t>Tests</a:t>
-            </a:r>
-          </a:p>
-        </p:txBody>
-      </p:sp>
-      <p:sp>
-        <p:nvSpPr>
-          <p:cNvPr id="15" name="Rechteck 14">
-            <a:extLst>
-              <a:ext uri="{FF2B5EF4-FFF2-40B4-BE49-F238E27FC236}">
-                <a16:creationId xmlns:a16="http://schemas.microsoft.com/office/drawing/2014/main" id="{F1947D71-D572-2CE0-E93B-B5561276F948}"/>
-              </a:ext>
-            </a:extLst>
-          </p:cNvPr>
-          <p:cNvSpPr/>
-          <p:nvPr/>
-        </p:nvSpPr>
-        <p:spPr>
-          <a:xfrm>
-            <a:off x="8399862" y="606375"/>
-            <a:ext cx="900000" cy="216000"/>
-          </a:xfrm>
-          <a:prstGeom prst="rect">
-            <a:avLst/>
-          </a:prstGeom>
-          <a:ln>
-            <a:solidFill>
-              <a:schemeClr val="bg1"/>
-            </a:solidFill>
-          </a:ln>
-        </p:spPr>
-        <p:style>
-          <a:lnRef idx="2">
-            <a:schemeClr val="dk1"/>
-          </a:lnRef>
-          <a:fillRef idx="1">
-            <a:schemeClr val="lt1"/>
-          </a:fillRef>
-          <a:effectRef idx="0">
-            <a:schemeClr val="dk1"/>
-          </a:effectRef>
-          <a:fontRef idx="minor">
-            <a:schemeClr val="dk1"/>
-          </a:fontRef>
-        </p:style>
-        <p:txBody>
-          <a:bodyPr lIns="36000" rIns="36000" rtlCol="0" anchor="ctr"/>
-          <a:lstStyle/>
-          <a:p>
-            <a:pPr algn="ctr"/>
-            <a:r>
-              <a:rPr lang="de-DE" sz="800" dirty="0">
-                <a:latin typeface="Arial" panose="020B0604020202020204" pitchFamily="34" charset="0"/>
-                <a:cs typeface="Arial" panose="020B0604020202020204" pitchFamily="34" charset="0"/>
-              </a:rPr>
-              <a:t>Soll-Ist-Vergleich</a:t>
-            </a:r>
-          </a:p>
-        </p:txBody>
-      </p:sp>
-      <p:sp>
-        <p:nvSpPr>
-          <p:cNvPr id="16" name="Rechteck 15">
-            <a:extLst>
-              <a:ext uri="{FF2B5EF4-FFF2-40B4-BE49-F238E27FC236}">
-                <a16:creationId xmlns:a16="http://schemas.microsoft.com/office/drawing/2014/main" id="{951D829E-0523-2C6A-9B07-A752EC12D59C}"/>
-              </a:ext>
-            </a:extLst>
-          </p:cNvPr>
-          <p:cNvSpPr/>
-          <p:nvPr/>
-        </p:nvSpPr>
-        <p:spPr>
-          <a:xfrm>
-            <a:off x="9315455" y="606375"/>
-            <a:ext cx="900000" cy="216000"/>
-          </a:xfrm>
-          <a:prstGeom prst="rect">
-            <a:avLst/>
-          </a:prstGeom>
-          <a:ln>
-            <a:solidFill>
-              <a:schemeClr val="bg1"/>
-            </a:solidFill>
-          </a:ln>
-        </p:spPr>
-        <p:style>
-          <a:lnRef idx="2">
-            <a:schemeClr val="dk1"/>
-          </a:lnRef>
-          <a:fillRef idx="1">
-            <a:schemeClr val="lt1"/>
-          </a:fillRef>
-          <a:effectRef idx="0">
-            <a:schemeClr val="dk1"/>
-          </a:effectRef>
-          <a:fontRef idx="minor">
-            <a:schemeClr val="dk1"/>
-          </a:fontRef>
-        </p:style>
-        <p:txBody>
-          <a:bodyPr lIns="36000" rIns="36000" rtlCol="0" anchor="ctr"/>
-          <a:lstStyle/>
-          <a:p>
-            <a:pPr algn="ctr"/>
-            <a:r>
-              <a:rPr lang="de-DE" sz="800" dirty="0">
-                <a:latin typeface="Arial" panose="020B0604020202020204" pitchFamily="34" charset="0"/>
-                <a:cs typeface="Arial" panose="020B0604020202020204" pitchFamily="34" charset="0"/>
-              </a:rPr>
-              <a:t>Fazit</a:t>
-            </a:r>
-          </a:p>
-        </p:txBody>
-      </p:sp>
-      <p:sp>
-        <p:nvSpPr>
-          <p:cNvPr id="4" name="Datumsplatzhalter 3">
-            <a:extLst>
-              <a:ext uri="{FF2B5EF4-FFF2-40B4-BE49-F238E27FC236}">
-                <a16:creationId xmlns:a16="http://schemas.microsoft.com/office/drawing/2014/main" id="{7B9F5546-905F-8244-ED36-9E90092BCECD}"/>
-              </a:ext>
-            </a:extLst>
-          </p:cNvPr>
-          <p:cNvSpPr>
-            <a:spLocks noGrp="1"/>
-          </p:cNvSpPr>
-          <p:nvPr>
-            <p:ph type="dt" sz="half" idx="10"/>
-          </p:nvPr>
-        </p:nvSpPr>
-        <p:spPr/>
-        <p:txBody>
-          <a:bodyPr/>
-          <a:lstStyle/>
-          <a:p>
-            <a:pPr algn="ctr"/>
-            <a:fld id="{6DCE2E55-0611-429C-9DFA-BA78059032C7}" type="datetime1">
-              <a:rPr lang="de-DE" smtClean="0"/>
-              <a:t>30.01.2025</a:t>
-            </a:fld>
-            <a:endParaRPr lang="de-DE" dirty="0"/>
-          </a:p>
-        </p:txBody>
-      </p:sp>
-      <p:sp>
-        <p:nvSpPr>
-          <p:cNvPr id="20" name="Textplatzhalter 19">
-            <a:extLst>
-              <a:ext uri="{FF2B5EF4-FFF2-40B4-BE49-F238E27FC236}">
-                <a16:creationId xmlns:a16="http://schemas.microsoft.com/office/drawing/2014/main" id="{84219752-2111-0101-F916-D4944B45C24B}"/>
-              </a:ext>
-            </a:extLst>
-          </p:cNvPr>
-          <p:cNvSpPr>
-            <a:spLocks noGrp="1"/>
-          </p:cNvSpPr>
-          <p:nvPr>
-            <p:ph type="body" sz="quarter" idx="15"/>
-          </p:nvPr>
-        </p:nvSpPr>
-        <p:spPr/>
-        <p:txBody>
-          <a:bodyPr/>
-          <a:lstStyle/>
-          <a:p>
-            <a:r>
-              <a:rPr lang="de-DE" dirty="0"/>
-              <a:t>IT-Akademie Dr. Heuer</a:t>
-            </a:r>
-          </a:p>
-        </p:txBody>
-      </p:sp>
-      <p:sp>
-        <p:nvSpPr>
-          <p:cNvPr id="25" name="Textplatzhalter 19">
-            <a:extLst>
-              <a:ext uri="{FF2B5EF4-FFF2-40B4-BE49-F238E27FC236}">
-                <a16:creationId xmlns:a16="http://schemas.microsoft.com/office/drawing/2014/main" id="{A94D8F20-191D-ACD1-41EC-FDA0547DE242}"/>
-              </a:ext>
-            </a:extLst>
-          </p:cNvPr>
-          <p:cNvSpPr txBox="1">
-            <a:spLocks/>
-          </p:cNvSpPr>
-          <p:nvPr/>
-        </p:nvSpPr>
-        <p:spPr>
-          <a:xfrm>
-            <a:off x="748400" y="6396831"/>
-            <a:ext cx="2640000" cy="360000"/>
-          </a:xfrm>
-          <a:prstGeom prst="rect">
-            <a:avLst/>
-          </a:prstGeom>
-        </p:spPr>
-        <p:txBody>
-          <a:bodyPr vert="horz" lIns="91440" tIns="45720" rIns="91440" bIns="45720" rtlCol="0" anchor="ctr">
-            <a:normAutofit/>
-          </a:bodyPr>
-          <a:lstStyle>
-            <a:lvl1pPr marL="0" indent="0" algn="l" defTabSz="914400" rtl="0" eaLnBrk="1" latinLnBrk="0" hangingPunct="1">
-              <a:lnSpc>
-                <a:spcPct val="90000"/>
-              </a:lnSpc>
-              <a:spcBef>
-                <a:spcPts val="1000"/>
-              </a:spcBef>
-              <a:buFont typeface="Arial" panose="020B0604020202020204" pitchFamily="34" charset="0"/>
-              <a:buNone/>
-              <a:defRPr lang="de-DE" sz="1200" kern="1200" smtClean="0">
-                <a:solidFill>
-                  <a:schemeClr val="tx1"/>
-                </a:solidFill>
-                <a:latin typeface="Arial" panose="020B0604020202020204" pitchFamily="34" charset="0"/>
-                <a:ea typeface="+mn-ea"/>
-                <a:cs typeface="Arial" panose="020B0604020202020204" pitchFamily="34" charset="0"/>
-              </a:defRPr>
-            </a:lvl1pPr>
-            <a:lvl2pPr marL="685800" indent="-228600" algn="l" defTabSz="914400" rtl="0" eaLnBrk="1" latinLnBrk="0" hangingPunct="1">
-              <a:lnSpc>
-                <a:spcPct val="90000"/>
-              </a:lnSpc>
-              <a:spcBef>
-                <a:spcPts val="500"/>
-              </a:spcBef>
-              <a:buFont typeface="Arial" panose="020B0604020202020204" pitchFamily="34" charset="0"/>
-              <a:buChar char="•"/>
-              <a:defRPr sz="2400" kern="1200">
-                <a:solidFill>
-                  <a:schemeClr val="tx1"/>
-                </a:solidFill>
-                <a:latin typeface="+mn-lt"/>
-                <a:ea typeface="+mn-ea"/>
-                <a:cs typeface="+mn-cs"/>
-              </a:defRPr>
-            </a:lvl2pPr>
-            <a:lvl3pPr marL="1143000" indent="-228600" algn="l" defTabSz="914400" rtl="0" eaLnBrk="1" latinLnBrk="0" hangingPunct="1">
-              <a:lnSpc>
-                <a:spcPct val="90000"/>
-              </a:lnSpc>
-              <a:spcBef>
-                <a:spcPts val="500"/>
-              </a:spcBef>
-              <a:buFont typeface="Arial" panose="020B0604020202020204" pitchFamily="34" charset="0"/>
-              <a:buChar char="•"/>
-              <a:defRPr sz="2000" kern="1200">
-                <a:solidFill>
-                  <a:schemeClr val="tx1"/>
-                </a:solidFill>
-                <a:latin typeface="+mn-lt"/>
-                <a:ea typeface="+mn-ea"/>
-                <a:cs typeface="+mn-cs"/>
-              </a:defRPr>
-            </a:lvl3pPr>
-            <a:lvl4pPr marL="1600200" indent="-228600" algn="l" defTabSz="914400" rtl="0" eaLnBrk="1" latinLnBrk="0" hangingPunct="1">
-              <a:lnSpc>
-                <a:spcPct val="90000"/>
-              </a:lnSpc>
-              <a:spcBef>
-                <a:spcPts val="500"/>
-              </a:spcBef>
-              <a:buFont typeface="Arial" panose="020B0604020202020204" pitchFamily="34" charset="0"/>
-              <a:buChar char="•"/>
-              <a:defRPr sz="1800" kern="1200">
-                <a:solidFill>
-                  <a:schemeClr val="tx1"/>
-                </a:solidFill>
-                <a:latin typeface="+mn-lt"/>
-                <a:ea typeface="+mn-ea"/>
-                <a:cs typeface="+mn-cs"/>
-              </a:defRPr>
-            </a:lvl4pPr>
-            <a:lvl5pPr marL="2057400" indent="-228600" algn="l" defTabSz="914400" rtl="0" eaLnBrk="1" latinLnBrk="0" hangingPunct="1">
-              <a:lnSpc>
-                <a:spcPct val="90000"/>
-              </a:lnSpc>
-              <a:spcBef>
-                <a:spcPts val="500"/>
-              </a:spcBef>
-              <a:buFont typeface="Arial" panose="020B0604020202020204" pitchFamily="34" charset="0"/>
-              <a:buChar char="•"/>
-              <a:defRPr sz="1800" kern="1200">
-                <a:solidFill>
-                  <a:schemeClr val="tx1"/>
-                </a:solidFill>
-                <a:latin typeface="+mn-lt"/>
-                <a:ea typeface="+mn-ea"/>
-                <a:cs typeface="+mn-cs"/>
-              </a:defRPr>
-            </a:lvl5pPr>
-            <a:lvl6pPr marL="2514600" indent="-228600" algn="l" defTabSz="914400" rtl="0" eaLnBrk="1" latinLnBrk="0" hangingPunct="1">
-              <a:lnSpc>
-                <a:spcPct val="90000"/>
-              </a:lnSpc>
-              <a:spcBef>
-                <a:spcPts val="500"/>
-              </a:spcBef>
-              <a:buFont typeface="Arial" panose="020B0604020202020204" pitchFamily="34" charset="0"/>
-              <a:buChar char="•"/>
-              <a:defRPr sz="1800" kern="1200">
-                <a:solidFill>
-                  <a:schemeClr val="tx1"/>
-                </a:solidFill>
-                <a:latin typeface="+mn-lt"/>
-                <a:ea typeface="+mn-ea"/>
-                <a:cs typeface="+mn-cs"/>
-              </a:defRPr>
-            </a:lvl6pPr>
-            <a:lvl7pPr marL="2971800" indent="-228600" algn="l" defTabSz="914400" rtl="0" eaLnBrk="1" latinLnBrk="0" hangingPunct="1">
-              <a:lnSpc>
-                <a:spcPct val="90000"/>
-              </a:lnSpc>
-              <a:spcBef>
-                <a:spcPts val="500"/>
-              </a:spcBef>
-              <a:buFont typeface="Arial" panose="020B0604020202020204" pitchFamily="34" charset="0"/>
-              <a:buChar char="•"/>
-              <a:defRPr sz="1800" kern="1200">
-                <a:solidFill>
-                  <a:schemeClr val="tx1"/>
-                </a:solidFill>
-                <a:latin typeface="+mn-lt"/>
-                <a:ea typeface="+mn-ea"/>
-                <a:cs typeface="+mn-cs"/>
-              </a:defRPr>
-            </a:lvl7pPr>
-            <a:lvl8pPr marL="3429000" indent="-228600" algn="l" defTabSz="914400" rtl="0" eaLnBrk="1" latinLnBrk="0" hangingPunct="1">
-              <a:lnSpc>
-                <a:spcPct val="90000"/>
-              </a:lnSpc>
-              <a:spcBef>
-                <a:spcPts val="500"/>
-              </a:spcBef>
-              <a:buFont typeface="Arial" panose="020B0604020202020204" pitchFamily="34" charset="0"/>
-              <a:buChar char="•"/>
-              <a:defRPr sz="1800" kern="1200">
-                <a:solidFill>
-                  <a:schemeClr val="tx1"/>
-                </a:solidFill>
-                <a:latin typeface="+mn-lt"/>
-                <a:ea typeface="+mn-ea"/>
-                <a:cs typeface="+mn-cs"/>
-              </a:defRPr>
-            </a:lvl8pPr>
-            <a:lvl9pPr marL="3886200" indent="-228600" algn="l" defTabSz="914400" rtl="0" eaLnBrk="1" latinLnBrk="0" hangingPunct="1">
-              <a:lnSpc>
-                <a:spcPct val="90000"/>
-              </a:lnSpc>
-              <a:spcBef>
-                <a:spcPts val="500"/>
-              </a:spcBef>
-              <a:buFont typeface="Arial" panose="020B0604020202020204" pitchFamily="34" charset="0"/>
-              <a:buChar char="•"/>
-              <a:defRPr sz="1800" kern="1200">
-                <a:solidFill>
-                  <a:schemeClr val="tx1"/>
-                </a:solidFill>
-                <a:latin typeface="+mn-lt"/>
-                <a:ea typeface="+mn-ea"/>
-                <a:cs typeface="+mn-cs"/>
-              </a:defRPr>
-            </a:lvl9pPr>
-          </a:lstStyle>
-          <a:p>
-            <a:r>
-              <a:rPr lang="de-DE" dirty="0"/>
-              <a:t>Gruppenprojekt</a:t>
-            </a:r>
-          </a:p>
-        </p:txBody>
-      </p:sp>
-      <p:sp>
-        <p:nvSpPr>
-          <p:cNvPr id="3" name="Textplatzhalter 25">
-            <a:extLst>
-              <a:ext uri="{FF2B5EF4-FFF2-40B4-BE49-F238E27FC236}">
-                <a16:creationId xmlns:a16="http://schemas.microsoft.com/office/drawing/2014/main" id="{EE1E0506-16D2-FE74-9A69-8CD482FCA95C}"/>
-              </a:ext>
-            </a:extLst>
-          </p:cNvPr>
-          <p:cNvSpPr>
-            <a:spLocks noGrp="1"/>
-          </p:cNvSpPr>
-          <p:nvPr>
-            <p:ph type="body" sz="quarter" idx="13"/>
-          </p:nvPr>
-        </p:nvSpPr>
-        <p:spPr>
-          <a:xfrm>
-            <a:off x="2019300" y="990600"/>
-            <a:ext cx="8229600" cy="1066800"/>
-          </a:xfrm>
-        </p:spPr>
-        <p:txBody>
-          <a:bodyPr>
-            <a:normAutofit/>
-          </a:bodyPr>
-          <a:lstStyle/>
-          <a:p>
-            <a:r>
-              <a:rPr lang="de-DE" dirty="0"/>
-              <a:t>Trigger</a:t>
-            </a:r>
-          </a:p>
-        </p:txBody>
-      </p:sp>
-      <p:pic>
-        <p:nvPicPr>
-          <p:cNvPr id="5" name="Grafik 4">
-            <a:extLst>
-              <a:ext uri="{FF2B5EF4-FFF2-40B4-BE49-F238E27FC236}">
-                <a16:creationId xmlns:a16="http://schemas.microsoft.com/office/drawing/2014/main" id="{CF84A689-86B6-7BD3-1738-06920D976BC1}"/>
-              </a:ext>
-            </a:extLst>
-          </p:cNvPr>
-          <p:cNvPicPr>
-            <a:picLocks noChangeAspect="1"/>
-          </p:cNvPicPr>
-          <p:nvPr/>
-        </p:nvPicPr>
-        <p:blipFill>
-          <a:blip r:embed="rId3"/>
-          <a:stretch>
-            <a:fillRect/>
-          </a:stretch>
-        </p:blipFill>
-        <p:spPr>
-          <a:xfrm>
-            <a:off x="3746109" y="1676400"/>
-            <a:ext cx="4775982" cy="4271069"/>
-          </a:xfrm>
-          <a:prstGeom prst="rect">
-            <a:avLst/>
-          </a:prstGeom>
-        </p:spPr>
-      </p:pic>
-    </p:spTree>
-    <p:extLst>
-      <p:ext uri="{BB962C8B-B14F-4D97-AF65-F5344CB8AC3E}">
-        <p14:creationId xmlns:p14="http://schemas.microsoft.com/office/powerpoint/2010/main" val="763745059"/>
-      </p:ext>
-    </p:extLst>
-  </p:cSld>
-  <p:clrMapOvr>
-    <a:masterClrMapping/>
-  </p:clrMapOvr>
-</p:sld>
-</file>
-
-<file path=ppt/slides/slide13.xml><?xml version="1.0" encoding="utf-8"?>
+<file path=ppt/slides/slide14.xml><?xml version="1.0" encoding="utf-8"?>
 <p:sld xmlns:a="http://schemas.openxmlformats.org/drawingml/2006/main" xmlns:r="http://schemas.openxmlformats.org/officeDocument/2006/relationships" xmlns:p="http://schemas.openxmlformats.org/presentationml/2006/main">
   <p:cSld>
     <p:spTree>
@@ -17773,7 +19581,7 @@
 </p:sld>
 </file>
 
-<file path=ppt/slides/slide14.xml><?xml version="1.0" encoding="utf-8"?>
+<file path=ppt/slides/slide15.xml><?xml version="1.0" encoding="utf-8"?>
 <p:sld xmlns:a="http://schemas.openxmlformats.org/drawingml/2006/main" xmlns:r="http://schemas.openxmlformats.org/officeDocument/2006/relationships" xmlns:p="http://schemas.openxmlformats.org/presentationml/2006/main">
   <p:cSld>
     <p:spTree>
@@ -25645,223 +27453,44 @@
         </p:blipFill>
         <p:spPr>
           <a:xfrm>
-            <a:off x="7318909" y="1908905"/>
-            <a:ext cx="3961905" cy="3847619"/>
+            <a:off x="990600" y="1623731"/>
+            <a:ext cx="4070801" cy="3953374"/>
           </a:xfrm>
           <a:prstGeom prst="rect">
             <a:avLst/>
           </a:prstGeom>
         </p:spPr>
       </p:pic>
-      <p:sp>
-        <p:nvSpPr>
-          <p:cNvPr id="26" name="Textplatzhalter 8">
-            <a:extLst>
-              <a:ext uri="{FF2B5EF4-FFF2-40B4-BE49-F238E27FC236}">
-                <a16:creationId xmlns:a16="http://schemas.microsoft.com/office/drawing/2014/main" id="{8C7C9B03-80E5-DE0F-7C28-3437F58E5F49}"/>
-              </a:ext>
-            </a:extLst>
-          </p:cNvPr>
-          <p:cNvSpPr txBox="1">
-            <a:spLocks/>
-          </p:cNvSpPr>
+      <p:pic>
+        <p:nvPicPr>
+          <p:cNvPr id="3" name="Grafik 2">
+            <a:extLst>
+              <a:ext uri="{FF2B5EF4-FFF2-40B4-BE49-F238E27FC236}">
+                <a16:creationId xmlns:a16="http://schemas.microsoft.com/office/drawing/2014/main" id="{E50A683C-7F3D-C748-309D-5F9B14884AA2}"/>
+              </a:ext>
+            </a:extLst>
+          </p:cNvPr>
+          <p:cNvPicPr>
+            <a:picLocks noChangeAspect="1"/>
+          </p:cNvPicPr>
           <p:nvPr/>
-        </p:nvSpPr>
+        </p:nvPicPr>
+        <p:blipFill>
+          <a:blip r:embed="rId4"/>
+          <a:stretch>
+            <a:fillRect/>
+          </a:stretch>
+        </p:blipFill>
         <p:spPr>
           <a:xfrm>
-            <a:off x="-659750" y="2987971"/>
-            <a:ext cx="8658516" cy="609600"/>
+            <a:off x="5179477" y="2320821"/>
+            <a:ext cx="6288913" cy="2036410"/>
           </a:xfrm>
           <a:prstGeom prst="rect">
             <a:avLst/>
           </a:prstGeom>
         </p:spPr>
-        <p:txBody>
-          <a:bodyPr vert="horz" lIns="91440" tIns="45720" rIns="91440" bIns="45720" rtlCol="0">
-            <a:noAutofit/>
-          </a:bodyPr>
-          <a:lstStyle>
-            <a:lvl1pPr marL="0" indent="0" algn="ctr" defTabSz="914400" rtl="0" eaLnBrk="1" latinLnBrk="0" hangingPunct="1">
-              <a:lnSpc>
-                <a:spcPct val="90000"/>
-              </a:lnSpc>
-              <a:spcBef>
-                <a:spcPts val="1000"/>
-              </a:spcBef>
-              <a:buFont typeface="Arial" panose="020B0604020202020204" pitchFamily="34" charset="0"/>
-              <a:buNone/>
-              <a:tabLst/>
-              <a:defRPr sz="3200" u="sng" kern="1200">
-                <a:solidFill>
-                  <a:schemeClr val="tx1"/>
-                </a:solidFill>
-                <a:latin typeface="+mn-lt"/>
-                <a:ea typeface="+mn-ea"/>
-                <a:cs typeface="+mn-cs"/>
-              </a:defRPr>
-            </a:lvl1pPr>
-            <a:lvl2pPr marL="685800" indent="-228600" algn="l" defTabSz="914400" rtl="0" eaLnBrk="1" latinLnBrk="0" hangingPunct="1">
-              <a:lnSpc>
-                <a:spcPct val="90000"/>
-              </a:lnSpc>
-              <a:spcBef>
-                <a:spcPts val="500"/>
-              </a:spcBef>
-              <a:buFont typeface="Arial" panose="020B0604020202020204" pitchFamily="34" charset="0"/>
-              <a:buChar char="•"/>
-              <a:defRPr sz="2400" kern="1200">
-                <a:solidFill>
-                  <a:schemeClr val="tx1"/>
-                </a:solidFill>
-                <a:latin typeface="+mn-lt"/>
-                <a:ea typeface="+mn-ea"/>
-                <a:cs typeface="+mn-cs"/>
-              </a:defRPr>
-            </a:lvl2pPr>
-            <a:lvl3pPr marL="1143000" indent="-228600" algn="l" defTabSz="914400" rtl="0" eaLnBrk="1" latinLnBrk="0" hangingPunct="1">
-              <a:lnSpc>
-                <a:spcPct val="90000"/>
-              </a:lnSpc>
-              <a:spcBef>
-                <a:spcPts val="500"/>
-              </a:spcBef>
-              <a:buFont typeface="Arial" panose="020B0604020202020204" pitchFamily="34" charset="0"/>
-              <a:buChar char="•"/>
-              <a:defRPr sz="2000" kern="1200">
-                <a:solidFill>
-                  <a:schemeClr val="tx1"/>
-                </a:solidFill>
-                <a:latin typeface="+mn-lt"/>
-                <a:ea typeface="+mn-ea"/>
-                <a:cs typeface="+mn-cs"/>
-              </a:defRPr>
-            </a:lvl3pPr>
-            <a:lvl4pPr marL="1600200" indent="-228600" algn="l" defTabSz="914400" rtl="0" eaLnBrk="1" latinLnBrk="0" hangingPunct="1">
-              <a:lnSpc>
-                <a:spcPct val="90000"/>
-              </a:lnSpc>
-              <a:spcBef>
-                <a:spcPts val="500"/>
-              </a:spcBef>
-              <a:buFont typeface="Arial" panose="020B0604020202020204" pitchFamily="34" charset="0"/>
-              <a:buChar char="•"/>
-              <a:defRPr sz="1800" kern="1200">
-                <a:solidFill>
-                  <a:schemeClr val="tx1"/>
-                </a:solidFill>
-                <a:latin typeface="+mn-lt"/>
-                <a:ea typeface="+mn-ea"/>
-                <a:cs typeface="+mn-cs"/>
-              </a:defRPr>
-            </a:lvl4pPr>
-            <a:lvl5pPr marL="2057400" indent="-228600" algn="l" defTabSz="914400" rtl="0" eaLnBrk="1" latinLnBrk="0" hangingPunct="1">
-              <a:lnSpc>
-                <a:spcPct val="90000"/>
-              </a:lnSpc>
-              <a:spcBef>
-                <a:spcPts val="500"/>
-              </a:spcBef>
-              <a:buFont typeface="Arial" panose="020B0604020202020204" pitchFamily="34" charset="0"/>
-              <a:buChar char="•"/>
-              <a:defRPr sz="1800" kern="1200">
-                <a:solidFill>
-                  <a:schemeClr val="tx1"/>
-                </a:solidFill>
-                <a:latin typeface="+mn-lt"/>
-                <a:ea typeface="+mn-ea"/>
-                <a:cs typeface="+mn-cs"/>
-              </a:defRPr>
-            </a:lvl5pPr>
-            <a:lvl6pPr marL="2514600" indent="-228600" algn="l" defTabSz="914400" rtl="0" eaLnBrk="1" latinLnBrk="0" hangingPunct="1">
-              <a:lnSpc>
-                <a:spcPct val="90000"/>
-              </a:lnSpc>
-              <a:spcBef>
-                <a:spcPts val="500"/>
-              </a:spcBef>
-              <a:buFont typeface="Arial" panose="020B0604020202020204" pitchFamily="34" charset="0"/>
-              <a:buChar char="•"/>
-              <a:defRPr sz="1800" kern="1200">
-                <a:solidFill>
-                  <a:schemeClr val="tx1"/>
-                </a:solidFill>
-                <a:latin typeface="+mn-lt"/>
-                <a:ea typeface="+mn-ea"/>
-                <a:cs typeface="+mn-cs"/>
-              </a:defRPr>
-            </a:lvl6pPr>
-            <a:lvl7pPr marL="2971800" indent="-228600" algn="l" defTabSz="914400" rtl="0" eaLnBrk="1" latinLnBrk="0" hangingPunct="1">
-              <a:lnSpc>
-                <a:spcPct val="90000"/>
-              </a:lnSpc>
-              <a:spcBef>
-                <a:spcPts val="500"/>
-              </a:spcBef>
-              <a:buFont typeface="Arial" panose="020B0604020202020204" pitchFamily="34" charset="0"/>
-              <a:buChar char="•"/>
-              <a:defRPr sz="1800" kern="1200">
-                <a:solidFill>
-                  <a:schemeClr val="tx1"/>
-                </a:solidFill>
-                <a:latin typeface="+mn-lt"/>
-                <a:ea typeface="+mn-ea"/>
-                <a:cs typeface="+mn-cs"/>
-              </a:defRPr>
-            </a:lvl7pPr>
-            <a:lvl8pPr marL="3429000" indent="-228600" algn="l" defTabSz="914400" rtl="0" eaLnBrk="1" latinLnBrk="0" hangingPunct="1">
-              <a:lnSpc>
-                <a:spcPct val="90000"/>
-              </a:lnSpc>
-              <a:spcBef>
-                <a:spcPts val="500"/>
-              </a:spcBef>
-              <a:buFont typeface="Arial" panose="020B0604020202020204" pitchFamily="34" charset="0"/>
-              <a:buChar char="•"/>
-              <a:defRPr sz="1800" kern="1200">
-                <a:solidFill>
-                  <a:schemeClr val="tx1"/>
-                </a:solidFill>
-                <a:latin typeface="+mn-lt"/>
-                <a:ea typeface="+mn-ea"/>
-                <a:cs typeface="+mn-cs"/>
-              </a:defRPr>
-            </a:lvl8pPr>
-            <a:lvl9pPr marL="3886200" indent="-228600" algn="l" defTabSz="914400" rtl="0" eaLnBrk="1" latinLnBrk="0" hangingPunct="1">
-              <a:lnSpc>
-                <a:spcPct val="90000"/>
-              </a:lnSpc>
-              <a:spcBef>
-                <a:spcPts val="500"/>
-              </a:spcBef>
-              <a:buFont typeface="Arial" panose="020B0604020202020204" pitchFamily="34" charset="0"/>
-              <a:buChar char="•"/>
-              <a:defRPr sz="1800" kern="1200">
-                <a:solidFill>
-                  <a:schemeClr val="tx1"/>
-                </a:solidFill>
-                <a:latin typeface="+mn-lt"/>
-                <a:ea typeface="+mn-ea"/>
-                <a:cs typeface="+mn-cs"/>
-              </a:defRPr>
-            </a:lvl9pPr>
-          </a:lstStyle>
-          <a:p>
-            <a:r>
-              <a:rPr lang="de-DE" dirty="0"/>
-              <a:t>Platz für </a:t>
-            </a:r>
-            <a:r>
-              <a:rPr lang="de-DE" dirty="0" err="1"/>
-              <a:t>Tabellenscreenshot</a:t>
-            </a:r>
-            <a:endParaRPr lang="de-DE" dirty="0"/>
-          </a:p>
-          <a:p>
-            <a:pPr algn="l"/>
-            <a:endParaRPr lang="de-DE" dirty="0"/>
-          </a:p>
-        </p:txBody>
-      </p:sp>
+      </p:pic>
     </p:spTree>
     <p:extLst>
       <p:ext uri="{BB962C8B-B14F-4D97-AF65-F5344CB8AC3E}">
@@ -25883,7 +27512,7 @@
         <p:cNvPr id="1" name="">
           <a:extLst>
             <a:ext uri="{FF2B5EF4-FFF2-40B4-BE49-F238E27FC236}">
-              <a16:creationId xmlns:a16="http://schemas.microsoft.com/office/drawing/2014/main" id="{57814646-CBAF-9928-E8E4-9E22C7680D2D}"/>
+              <a16:creationId xmlns:a16="http://schemas.microsoft.com/office/drawing/2014/main" id="{3C552B2C-6262-2AEE-B0D6-BAE5E35A1662}"/>
             </a:ext>
           </a:extLst>
         </p:cNvPr>
@@ -25903,7 +27532,7 @@
           <p:cNvPr id="10" name="Rechteck 9">
             <a:extLst>
               <a:ext uri="{FF2B5EF4-FFF2-40B4-BE49-F238E27FC236}">
-                <a16:creationId xmlns:a16="http://schemas.microsoft.com/office/drawing/2014/main" id="{70F37CE2-67FE-EFD9-43A1-61A05C647B07}"/>
+                <a16:creationId xmlns:a16="http://schemas.microsoft.com/office/drawing/2014/main" id="{2925995B-3192-C871-09E4-7810941D9476}"/>
               </a:ext>
             </a:extLst>
           </p:cNvPr>
@@ -25958,7 +27587,7 @@
           <p:cNvPr id="13" name="Rechteck 12">
             <a:extLst>
               <a:ext uri="{FF2B5EF4-FFF2-40B4-BE49-F238E27FC236}">
-                <a16:creationId xmlns:a16="http://schemas.microsoft.com/office/drawing/2014/main" id="{2DDB8613-00D6-0031-2E65-1021EDBB036F}"/>
+                <a16:creationId xmlns:a16="http://schemas.microsoft.com/office/drawing/2014/main" id="{D1427493-E727-A5FD-6D81-C083606842E7}"/>
               </a:ext>
             </a:extLst>
           </p:cNvPr>
@@ -26013,7 +27642,7 @@
           <p:cNvPr id="7" name="Rechteck 6">
             <a:extLst>
               <a:ext uri="{FF2B5EF4-FFF2-40B4-BE49-F238E27FC236}">
-                <a16:creationId xmlns:a16="http://schemas.microsoft.com/office/drawing/2014/main" id="{4D30831C-65FB-1731-0AEC-17521B32F551}"/>
+                <a16:creationId xmlns:a16="http://schemas.microsoft.com/office/drawing/2014/main" id="{B0BF878D-9AFC-4658-02EF-CEEA0B9123C1}"/>
               </a:ext>
             </a:extLst>
           </p:cNvPr>
@@ -26064,7 +27693,7 @@
           <p:cNvPr id="12" name="Rechteck 11">
             <a:extLst>
               <a:ext uri="{FF2B5EF4-FFF2-40B4-BE49-F238E27FC236}">
-                <a16:creationId xmlns:a16="http://schemas.microsoft.com/office/drawing/2014/main" id="{CAB9FA23-1F65-BEA8-500F-850A4A249023}"/>
+                <a16:creationId xmlns:a16="http://schemas.microsoft.com/office/drawing/2014/main" id="{FB92BF14-6DC6-489E-626A-97865F64FAA9}"/>
               </a:ext>
             </a:extLst>
           </p:cNvPr>
@@ -26119,7 +27748,7 @@
           <p:cNvPr id="9" name="Rechteck 8">
             <a:extLst>
               <a:ext uri="{FF2B5EF4-FFF2-40B4-BE49-F238E27FC236}">
-                <a16:creationId xmlns:a16="http://schemas.microsoft.com/office/drawing/2014/main" id="{BD8C514E-295C-33D5-9309-43319A022A6B}"/>
+                <a16:creationId xmlns:a16="http://schemas.microsoft.com/office/drawing/2014/main" id="{FAF062EE-5B92-FF02-EE91-2426A0BE6B81}"/>
               </a:ext>
             </a:extLst>
           </p:cNvPr>
@@ -26174,7 +27803,7 @@
           <p:cNvPr id="11" name="Rechteck 10">
             <a:extLst>
               <a:ext uri="{FF2B5EF4-FFF2-40B4-BE49-F238E27FC236}">
-                <a16:creationId xmlns:a16="http://schemas.microsoft.com/office/drawing/2014/main" id="{2125A600-2F67-4E5E-603B-346C390BF6AC}"/>
+                <a16:creationId xmlns:a16="http://schemas.microsoft.com/office/drawing/2014/main" id="{12007403-7092-3280-5408-0F6D77378108}"/>
               </a:ext>
             </a:extLst>
           </p:cNvPr>
@@ -26229,7 +27858,7 @@
           <p:cNvPr id="14" name="Rechteck 13">
             <a:extLst>
               <a:ext uri="{FF2B5EF4-FFF2-40B4-BE49-F238E27FC236}">
-                <a16:creationId xmlns:a16="http://schemas.microsoft.com/office/drawing/2014/main" id="{2CBEF01A-894D-DADC-0C90-B3D7884DD1E2}"/>
+                <a16:creationId xmlns:a16="http://schemas.microsoft.com/office/drawing/2014/main" id="{A4A547D2-A074-85CD-CA5B-64BCEAA5D3D3}"/>
               </a:ext>
             </a:extLst>
           </p:cNvPr>
@@ -26284,7 +27913,7 @@
           <p:cNvPr id="15" name="Rechteck 14">
             <a:extLst>
               <a:ext uri="{FF2B5EF4-FFF2-40B4-BE49-F238E27FC236}">
-                <a16:creationId xmlns:a16="http://schemas.microsoft.com/office/drawing/2014/main" id="{FB5BBBEF-502D-CC67-DE9B-ADD9EE1E3F0C}"/>
+                <a16:creationId xmlns:a16="http://schemas.microsoft.com/office/drawing/2014/main" id="{F1947D71-D572-2CE0-E93B-B5561276F948}"/>
               </a:ext>
             </a:extLst>
           </p:cNvPr>
@@ -26339,7 +27968,7 @@
           <p:cNvPr id="16" name="Rechteck 15">
             <a:extLst>
               <a:ext uri="{FF2B5EF4-FFF2-40B4-BE49-F238E27FC236}">
-                <a16:creationId xmlns:a16="http://schemas.microsoft.com/office/drawing/2014/main" id="{6B81D970-014F-4C1A-9DC0-5DA9F7463087}"/>
+                <a16:creationId xmlns:a16="http://schemas.microsoft.com/office/drawing/2014/main" id="{951D829E-0523-2C6A-9B07-A752EC12D59C}"/>
               </a:ext>
             </a:extLst>
           </p:cNvPr>
@@ -26394,7 +28023,7 @@
           <p:cNvPr id="4" name="Datumsplatzhalter 3">
             <a:extLst>
               <a:ext uri="{FF2B5EF4-FFF2-40B4-BE49-F238E27FC236}">
-                <a16:creationId xmlns:a16="http://schemas.microsoft.com/office/drawing/2014/main" id="{B89056D3-E7A9-628C-263B-0B790C525B20}"/>
+                <a16:creationId xmlns:a16="http://schemas.microsoft.com/office/drawing/2014/main" id="{7B9F5546-905F-8244-ED36-9E90092BCECD}"/>
               </a:ext>
             </a:extLst>
           </p:cNvPr>
@@ -26424,7 +28053,7 @@
           <p:cNvPr id="20" name="Textplatzhalter 19">
             <a:extLst>
               <a:ext uri="{FF2B5EF4-FFF2-40B4-BE49-F238E27FC236}">
-                <a16:creationId xmlns:a16="http://schemas.microsoft.com/office/drawing/2014/main" id="{5D5F7D64-3633-4828-00F6-1258C458532E}"/>
+                <a16:creationId xmlns:a16="http://schemas.microsoft.com/office/drawing/2014/main" id="{84219752-2111-0101-F916-D4944B45C24B}"/>
               </a:ext>
             </a:extLst>
           </p:cNvPr>
@@ -26452,7 +28081,7 @@
           <p:cNvPr id="25" name="Textplatzhalter 19">
             <a:extLst>
               <a:ext uri="{FF2B5EF4-FFF2-40B4-BE49-F238E27FC236}">
-                <a16:creationId xmlns:a16="http://schemas.microsoft.com/office/drawing/2014/main" id="{BFB515AA-12DA-1B54-CC06-44F79CECFB86}"/>
+                <a16:creationId xmlns:a16="http://schemas.microsoft.com/office/drawing/2014/main" id="{A94D8F20-191D-ACD1-41EC-FDA0547DE242}"/>
               </a:ext>
             </a:extLst>
           </p:cNvPr>
@@ -26648,205 +28277,36 @@
       </p:sp>
       <p:sp>
         <p:nvSpPr>
-          <p:cNvPr id="2" name="Textplatzhalter 8">
-            <a:extLst>
-              <a:ext uri="{FF2B5EF4-FFF2-40B4-BE49-F238E27FC236}">
-                <a16:creationId xmlns:a16="http://schemas.microsoft.com/office/drawing/2014/main" id="{4D89D4B7-527C-1A84-5FF6-440A305BC7EC}"/>
-              </a:ext>
-            </a:extLst>
-          </p:cNvPr>
-          <p:cNvSpPr txBox="1">
-            <a:spLocks/>
+          <p:cNvPr id="3" name="Textplatzhalter 25">
+            <a:extLst>
+              <a:ext uri="{FF2B5EF4-FFF2-40B4-BE49-F238E27FC236}">
+                <a16:creationId xmlns:a16="http://schemas.microsoft.com/office/drawing/2014/main" id="{EE1E0506-16D2-FE74-9A69-8CD482FCA95C}"/>
+              </a:ext>
+            </a:extLst>
+          </p:cNvPr>
+          <p:cNvSpPr>
+            <a:spLocks noGrp="1"/>
           </p:cNvSpPr>
-          <p:nvPr/>
+          <p:nvPr>
+            <p:ph type="body" sz="quarter" idx="13"/>
+          </p:nvPr>
         </p:nvSpPr>
         <p:spPr>
           <a:xfrm>
-            <a:off x="748400" y="1066800"/>
-            <a:ext cx="10148200" cy="609600"/>
-          </a:xfrm>
-          <a:prstGeom prst="rect">
-            <a:avLst/>
-          </a:prstGeom>
-        </p:spPr>
-        <p:txBody>
-          <a:bodyPr vert="horz" lIns="91440" tIns="45720" rIns="91440" bIns="45720" rtlCol="0">
-            <a:noAutofit/>
+            <a:off x="2019300" y="990600"/>
+            <a:ext cx="8229600" cy="1066800"/>
+          </a:xfrm>
+        </p:spPr>
+        <p:txBody>
+          <a:bodyPr>
+            <a:normAutofit/>
           </a:bodyPr>
-          <a:lstStyle>
-            <a:lvl1pPr marL="0" indent="0" algn="ctr" defTabSz="914400" rtl="0" eaLnBrk="1" latinLnBrk="0" hangingPunct="1">
-              <a:lnSpc>
-                <a:spcPct val="90000"/>
-              </a:lnSpc>
-              <a:spcBef>
-                <a:spcPts val="1000"/>
-              </a:spcBef>
-              <a:buFont typeface="Arial" panose="020B0604020202020204" pitchFamily="34" charset="0"/>
-              <a:buNone/>
-              <a:tabLst/>
-              <a:defRPr sz="3200" u="sng" kern="1200">
-                <a:solidFill>
-                  <a:schemeClr val="tx1"/>
-                </a:solidFill>
-                <a:latin typeface="+mn-lt"/>
-                <a:ea typeface="+mn-ea"/>
-                <a:cs typeface="+mn-cs"/>
-              </a:defRPr>
-            </a:lvl1pPr>
-            <a:lvl2pPr marL="685800" indent="-228600" algn="l" defTabSz="914400" rtl="0" eaLnBrk="1" latinLnBrk="0" hangingPunct="1">
-              <a:lnSpc>
-                <a:spcPct val="90000"/>
-              </a:lnSpc>
-              <a:spcBef>
-                <a:spcPts val="500"/>
-              </a:spcBef>
-              <a:buFont typeface="Arial" panose="020B0604020202020204" pitchFamily="34" charset="0"/>
-              <a:buChar char="•"/>
-              <a:defRPr sz="2400" kern="1200">
-                <a:solidFill>
-                  <a:schemeClr val="tx1"/>
-                </a:solidFill>
-                <a:latin typeface="+mn-lt"/>
-                <a:ea typeface="+mn-ea"/>
-                <a:cs typeface="+mn-cs"/>
-              </a:defRPr>
-            </a:lvl2pPr>
-            <a:lvl3pPr marL="1143000" indent="-228600" algn="l" defTabSz="914400" rtl="0" eaLnBrk="1" latinLnBrk="0" hangingPunct="1">
-              <a:lnSpc>
-                <a:spcPct val="90000"/>
-              </a:lnSpc>
-              <a:spcBef>
-                <a:spcPts val="500"/>
-              </a:spcBef>
-              <a:buFont typeface="Arial" panose="020B0604020202020204" pitchFamily="34" charset="0"/>
-              <a:buChar char="•"/>
-              <a:defRPr sz="2000" kern="1200">
-                <a:solidFill>
-                  <a:schemeClr val="tx1"/>
-                </a:solidFill>
-                <a:latin typeface="+mn-lt"/>
-                <a:ea typeface="+mn-ea"/>
-                <a:cs typeface="+mn-cs"/>
-              </a:defRPr>
-            </a:lvl3pPr>
-            <a:lvl4pPr marL="1600200" indent="-228600" algn="l" defTabSz="914400" rtl="0" eaLnBrk="1" latinLnBrk="0" hangingPunct="1">
-              <a:lnSpc>
-                <a:spcPct val="90000"/>
-              </a:lnSpc>
-              <a:spcBef>
-                <a:spcPts val="500"/>
-              </a:spcBef>
-              <a:buFont typeface="Arial" panose="020B0604020202020204" pitchFamily="34" charset="0"/>
-              <a:buChar char="•"/>
-              <a:defRPr sz="1800" kern="1200">
-                <a:solidFill>
-                  <a:schemeClr val="tx1"/>
-                </a:solidFill>
-                <a:latin typeface="+mn-lt"/>
-                <a:ea typeface="+mn-ea"/>
-                <a:cs typeface="+mn-cs"/>
-              </a:defRPr>
-            </a:lvl4pPr>
-            <a:lvl5pPr marL="2057400" indent="-228600" algn="l" defTabSz="914400" rtl="0" eaLnBrk="1" latinLnBrk="0" hangingPunct="1">
-              <a:lnSpc>
-                <a:spcPct val="90000"/>
-              </a:lnSpc>
-              <a:spcBef>
-                <a:spcPts val="500"/>
-              </a:spcBef>
-              <a:buFont typeface="Arial" panose="020B0604020202020204" pitchFamily="34" charset="0"/>
-              <a:buChar char="•"/>
-              <a:defRPr sz="1800" kern="1200">
-                <a:solidFill>
-                  <a:schemeClr val="tx1"/>
-                </a:solidFill>
-                <a:latin typeface="+mn-lt"/>
-                <a:ea typeface="+mn-ea"/>
-                <a:cs typeface="+mn-cs"/>
-              </a:defRPr>
-            </a:lvl5pPr>
-            <a:lvl6pPr marL="2514600" indent="-228600" algn="l" defTabSz="914400" rtl="0" eaLnBrk="1" latinLnBrk="0" hangingPunct="1">
-              <a:lnSpc>
-                <a:spcPct val="90000"/>
-              </a:lnSpc>
-              <a:spcBef>
-                <a:spcPts val="500"/>
-              </a:spcBef>
-              <a:buFont typeface="Arial" panose="020B0604020202020204" pitchFamily="34" charset="0"/>
-              <a:buChar char="•"/>
-              <a:defRPr sz="1800" kern="1200">
-                <a:solidFill>
-                  <a:schemeClr val="tx1"/>
-                </a:solidFill>
-                <a:latin typeface="+mn-lt"/>
-                <a:ea typeface="+mn-ea"/>
-                <a:cs typeface="+mn-cs"/>
-              </a:defRPr>
-            </a:lvl6pPr>
-            <a:lvl7pPr marL="2971800" indent="-228600" algn="l" defTabSz="914400" rtl="0" eaLnBrk="1" latinLnBrk="0" hangingPunct="1">
-              <a:lnSpc>
-                <a:spcPct val="90000"/>
-              </a:lnSpc>
-              <a:spcBef>
-                <a:spcPts val="500"/>
-              </a:spcBef>
-              <a:buFont typeface="Arial" panose="020B0604020202020204" pitchFamily="34" charset="0"/>
-              <a:buChar char="•"/>
-              <a:defRPr sz="1800" kern="1200">
-                <a:solidFill>
-                  <a:schemeClr val="tx1"/>
-                </a:solidFill>
-                <a:latin typeface="+mn-lt"/>
-                <a:ea typeface="+mn-ea"/>
-                <a:cs typeface="+mn-cs"/>
-              </a:defRPr>
-            </a:lvl7pPr>
-            <a:lvl8pPr marL="3429000" indent="-228600" algn="l" defTabSz="914400" rtl="0" eaLnBrk="1" latinLnBrk="0" hangingPunct="1">
-              <a:lnSpc>
-                <a:spcPct val="90000"/>
-              </a:lnSpc>
-              <a:spcBef>
-                <a:spcPts val="500"/>
-              </a:spcBef>
-              <a:buFont typeface="Arial" panose="020B0604020202020204" pitchFamily="34" charset="0"/>
-              <a:buChar char="•"/>
-              <a:defRPr sz="1800" kern="1200">
-                <a:solidFill>
-                  <a:schemeClr val="tx1"/>
-                </a:solidFill>
-                <a:latin typeface="+mn-lt"/>
-                <a:ea typeface="+mn-ea"/>
-                <a:cs typeface="+mn-cs"/>
-              </a:defRPr>
-            </a:lvl8pPr>
-            <a:lvl9pPr marL="3886200" indent="-228600" algn="l" defTabSz="914400" rtl="0" eaLnBrk="1" latinLnBrk="0" hangingPunct="1">
-              <a:lnSpc>
-                <a:spcPct val="90000"/>
-              </a:lnSpc>
-              <a:spcBef>
-                <a:spcPts val="500"/>
-              </a:spcBef>
-              <a:buFont typeface="Arial" panose="020B0604020202020204" pitchFamily="34" charset="0"/>
-              <a:buChar char="•"/>
-              <a:defRPr sz="1800" kern="1200">
-                <a:solidFill>
-                  <a:schemeClr val="tx1"/>
-                </a:solidFill>
-                <a:latin typeface="+mn-lt"/>
-                <a:ea typeface="+mn-ea"/>
-                <a:cs typeface="+mn-cs"/>
-              </a:defRPr>
-            </a:lvl9pPr>
-          </a:lstStyle>
+          <a:lstStyle/>
           <a:p>
             <a:r>
               <a:rPr lang="de-DE" dirty="0"/>
-              <a:t>Übersicht: Views, Funktionen, Transaktionen, Trigger</a:t>
-            </a:r>
-          </a:p>
-          <a:p>
-            <a:pPr algn="l"/>
-            <a:endParaRPr lang="de-DE" dirty="0"/>
+              <a:t>Trigger</a:t>
+            </a:r>
           </a:p>
         </p:txBody>
       </p:sp>
@@ -26855,7 +28315,7 @@
           <p:cNvPr id="5" name="Grafik 4">
             <a:extLst>
               <a:ext uri="{FF2B5EF4-FFF2-40B4-BE49-F238E27FC236}">
-                <a16:creationId xmlns:a16="http://schemas.microsoft.com/office/drawing/2014/main" id="{F8880B6C-66A9-E57F-4F43-A67525439BB8}"/>
+                <a16:creationId xmlns:a16="http://schemas.microsoft.com/office/drawing/2014/main" id="{CF84A689-86B6-7BD3-1738-06920D976BC1}"/>
               </a:ext>
             </a:extLst>
           </p:cNvPr>
@@ -26872,216 +28332,78 @@
         </p:blipFill>
         <p:spPr>
           <a:xfrm>
-            <a:off x="619463" y="1676400"/>
-            <a:ext cx="1595312" cy="4279490"/>
+            <a:off x="609600" y="1447800"/>
+            <a:ext cx="5262392" cy="4706056"/>
           </a:xfrm>
           <a:prstGeom prst="rect">
             <a:avLst/>
           </a:prstGeom>
         </p:spPr>
       </p:pic>
-      <p:sp>
-        <p:nvSpPr>
-          <p:cNvPr id="6" name="Textplatzhalter 8">
-            <a:extLst>
-              <a:ext uri="{FF2B5EF4-FFF2-40B4-BE49-F238E27FC236}">
-                <a16:creationId xmlns:a16="http://schemas.microsoft.com/office/drawing/2014/main" id="{2CB9312D-B44B-6E14-5231-2F5EE7F39DD9}"/>
-              </a:ext>
-            </a:extLst>
-          </p:cNvPr>
-          <p:cNvSpPr txBox="1">
-            <a:spLocks/>
-          </p:cNvSpPr>
+      <p:pic>
+        <p:nvPicPr>
+          <p:cNvPr id="2" name="Grafik 1">
+            <a:extLst>
+              <a:ext uri="{FF2B5EF4-FFF2-40B4-BE49-F238E27FC236}">
+                <a16:creationId xmlns:a16="http://schemas.microsoft.com/office/drawing/2014/main" id="{CE782280-75E7-C8D6-B433-7FCE9499D2D5}"/>
+              </a:ext>
+            </a:extLst>
+          </p:cNvPr>
+          <p:cNvPicPr>
+            <a:picLocks noChangeAspect="1"/>
+          </p:cNvPicPr>
           <p:nvPr/>
-        </p:nvSpPr>
+        </p:nvPicPr>
+        <p:blipFill>
+          <a:blip r:embed="rId4"/>
+          <a:stretch>
+            <a:fillRect/>
+          </a:stretch>
+        </p:blipFill>
         <p:spPr>
           <a:xfrm>
-            <a:off x="2890725" y="1872916"/>
-            <a:ext cx="6212270" cy="609600"/>
+            <a:off x="6320010" y="1524000"/>
+            <a:ext cx="4845633" cy="1569062"/>
           </a:xfrm>
           <a:prstGeom prst="rect">
             <a:avLst/>
           </a:prstGeom>
         </p:spPr>
-        <p:txBody>
-          <a:bodyPr vert="horz" lIns="91440" tIns="45720" rIns="91440" bIns="45720" rtlCol="0">
-            <a:noAutofit/>
-          </a:bodyPr>
-          <a:lstStyle>
-            <a:lvl1pPr marL="0" indent="0" algn="ctr" defTabSz="914400" rtl="0" eaLnBrk="1" latinLnBrk="0" hangingPunct="1">
-              <a:lnSpc>
-                <a:spcPct val="90000"/>
-              </a:lnSpc>
-              <a:spcBef>
-                <a:spcPts val="1000"/>
-              </a:spcBef>
-              <a:buFont typeface="Arial" panose="020B0604020202020204" pitchFamily="34" charset="0"/>
-              <a:buNone/>
-              <a:tabLst/>
-              <a:defRPr sz="3200" u="sng" kern="1200">
-                <a:solidFill>
-                  <a:schemeClr val="tx1"/>
-                </a:solidFill>
-                <a:latin typeface="+mn-lt"/>
-                <a:ea typeface="+mn-ea"/>
-                <a:cs typeface="+mn-cs"/>
-              </a:defRPr>
-            </a:lvl1pPr>
-            <a:lvl2pPr marL="685800" indent="-228600" algn="l" defTabSz="914400" rtl="0" eaLnBrk="1" latinLnBrk="0" hangingPunct="1">
-              <a:lnSpc>
-                <a:spcPct val="90000"/>
-              </a:lnSpc>
-              <a:spcBef>
-                <a:spcPts val="500"/>
-              </a:spcBef>
-              <a:buFont typeface="Arial" panose="020B0604020202020204" pitchFamily="34" charset="0"/>
-              <a:buChar char="•"/>
-              <a:defRPr sz="2400" kern="1200">
-                <a:solidFill>
-                  <a:schemeClr val="tx1"/>
-                </a:solidFill>
-                <a:latin typeface="+mn-lt"/>
-                <a:ea typeface="+mn-ea"/>
-                <a:cs typeface="+mn-cs"/>
-              </a:defRPr>
-            </a:lvl2pPr>
-            <a:lvl3pPr marL="1143000" indent="-228600" algn="l" defTabSz="914400" rtl="0" eaLnBrk="1" latinLnBrk="0" hangingPunct="1">
-              <a:lnSpc>
-                <a:spcPct val="90000"/>
-              </a:lnSpc>
-              <a:spcBef>
-                <a:spcPts val="500"/>
-              </a:spcBef>
-              <a:buFont typeface="Arial" panose="020B0604020202020204" pitchFamily="34" charset="0"/>
-              <a:buChar char="•"/>
-              <a:defRPr sz="2000" kern="1200">
-                <a:solidFill>
-                  <a:schemeClr val="tx1"/>
-                </a:solidFill>
-                <a:latin typeface="+mn-lt"/>
-                <a:ea typeface="+mn-ea"/>
-                <a:cs typeface="+mn-cs"/>
-              </a:defRPr>
-            </a:lvl3pPr>
-            <a:lvl4pPr marL="1600200" indent="-228600" algn="l" defTabSz="914400" rtl="0" eaLnBrk="1" latinLnBrk="0" hangingPunct="1">
-              <a:lnSpc>
-                <a:spcPct val="90000"/>
-              </a:lnSpc>
-              <a:spcBef>
-                <a:spcPts val="500"/>
-              </a:spcBef>
-              <a:buFont typeface="Arial" panose="020B0604020202020204" pitchFamily="34" charset="0"/>
-              <a:buChar char="•"/>
-              <a:defRPr sz="1800" kern="1200">
-                <a:solidFill>
-                  <a:schemeClr val="tx1"/>
-                </a:solidFill>
-                <a:latin typeface="+mn-lt"/>
-                <a:ea typeface="+mn-ea"/>
-                <a:cs typeface="+mn-cs"/>
-              </a:defRPr>
-            </a:lvl4pPr>
-            <a:lvl5pPr marL="2057400" indent="-228600" algn="l" defTabSz="914400" rtl="0" eaLnBrk="1" latinLnBrk="0" hangingPunct="1">
-              <a:lnSpc>
-                <a:spcPct val="90000"/>
-              </a:lnSpc>
-              <a:spcBef>
-                <a:spcPts val="500"/>
-              </a:spcBef>
-              <a:buFont typeface="Arial" panose="020B0604020202020204" pitchFamily="34" charset="0"/>
-              <a:buChar char="•"/>
-              <a:defRPr sz="1800" kern="1200">
-                <a:solidFill>
-                  <a:schemeClr val="tx1"/>
-                </a:solidFill>
-                <a:latin typeface="+mn-lt"/>
-                <a:ea typeface="+mn-ea"/>
-                <a:cs typeface="+mn-cs"/>
-              </a:defRPr>
-            </a:lvl5pPr>
-            <a:lvl6pPr marL="2514600" indent="-228600" algn="l" defTabSz="914400" rtl="0" eaLnBrk="1" latinLnBrk="0" hangingPunct="1">
-              <a:lnSpc>
-                <a:spcPct val="90000"/>
-              </a:lnSpc>
-              <a:spcBef>
-                <a:spcPts val="500"/>
-              </a:spcBef>
-              <a:buFont typeface="Arial" panose="020B0604020202020204" pitchFamily="34" charset="0"/>
-              <a:buChar char="•"/>
-              <a:defRPr sz="1800" kern="1200">
-                <a:solidFill>
-                  <a:schemeClr val="tx1"/>
-                </a:solidFill>
-                <a:latin typeface="+mn-lt"/>
-                <a:ea typeface="+mn-ea"/>
-                <a:cs typeface="+mn-cs"/>
-              </a:defRPr>
-            </a:lvl6pPr>
-            <a:lvl7pPr marL="2971800" indent="-228600" algn="l" defTabSz="914400" rtl="0" eaLnBrk="1" latinLnBrk="0" hangingPunct="1">
-              <a:lnSpc>
-                <a:spcPct val="90000"/>
-              </a:lnSpc>
-              <a:spcBef>
-                <a:spcPts val="500"/>
-              </a:spcBef>
-              <a:buFont typeface="Arial" panose="020B0604020202020204" pitchFamily="34" charset="0"/>
-              <a:buChar char="•"/>
-              <a:defRPr sz="1800" kern="1200">
-                <a:solidFill>
-                  <a:schemeClr val="tx1"/>
-                </a:solidFill>
-                <a:latin typeface="+mn-lt"/>
-                <a:ea typeface="+mn-ea"/>
-                <a:cs typeface="+mn-cs"/>
-              </a:defRPr>
-            </a:lvl7pPr>
-            <a:lvl8pPr marL="3429000" indent="-228600" algn="l" defTabSz="914400" rtl="0" eaLnBrk="1" latinLnBrk="0" hangingPunct="1">
-              <a:lnSpc>
-                <a:spcPct val="90000"/>
-              </a:lnSpc>
-              <a:spcBef>
-                <a:spcPts val="500"/>
-              </a:spcBef>
-              <a:buFont typeface="Arial" panose="020B0604020202020204" pitchFamily="34" charset="0"/>
-              <a:buChar char="•"/>
-              <a:defRPr sz="1800" kern="1200">
-                <a:solidFill>
-                  <a:schemeClr val="tx1"/>
-                </a:solidFill>
-                <a:latin typeface="+mn-lt"/>
-                <a:ea typeface="+mn-ea"/>
-                <a:cs typeface="+mn-cs"/>
-              </a:defRPr>
-            </a:lvl8pPr>
-            <a:lvl9pPr marL="3886200" indent="-228600" algn="l" defTabSz="914400" rtl="0" eaLnBrk="1" latinLnBrk="0" hangingPunct="1">
-              <a:lnSpc>
-                <a:spcPct val="90000"/>
-              </a:lnSpc>
-              <a:spcBef>
-                <a:spcPts val="500"/>
-              </a:spcBef>
-              <a:buFont typeface="Arial" panose="020B0604020202020204" pitchFamily="34" charset="0"/>
-              <a:buChar char="•"/>
-              <a:defRPr sz="1800" kern="1200">
-                <a:solidFill>
-                  <a:schemeClr val="tx1"/>
-                </a:solidFill>
-                <a:latin typeface="+mn-lt"/>
-                <a:ea typeface="+mn-ea"/>
-                <a:cs typeface="+mn-cs"/>
-              </a:defRPr>
-            </a:lvl9pPr>
-          </a:lstStyle>
-          <a:p>
-            <a:pPr algn="l"/>
-            <a:endParaRPr lang="de-DE" dirty="0"/>
-          </a:p>
-        </p:txBody>
-      </p:sp>
+      </p:pic>
+      <p:pic>
+        <p:nvPicPr>
+          <p:cNvPr id="6" name="Grafik 5">
+            <a:extLst>
+              <a:ext uri="{FF2B5EF4-FFF2-40B4-BE49-F238E27FC236}">
+                <a16:creationId xmlns:a16="http://schemas.microsoft.com/office/drawing/2014/main" id="{AEAF3491-9520-CF04-0DFD-8B77FAE2E3B7}"/>
+              </a:ext>
+            </a:extLst>
+          </p:cNvPr>
+          <p:cNvPicPr>
+            <a:picLocks noChangeAspect="1"/>
+          </p:cNvPicPr>
+          <p:nvPr/>
+        </p:nvPicPr>
+        <p:blipFill>
+          <a:blip r:embed="rId5"/>
+          <a:stretch>
+            <a:fillRect/>
+          </a:stretch>
+        </p:blipFill>
+        <p:spPr>
+          <a:xfrm>
+            <a:off x="4909867" y="4163614"/>
+            <a:ext cx="6850009" cy="1569062"/>
+          </a:xfrm>
+          <a:prstGeom prst="rect">
+            <a:avLst/>
+          </a:prstGeom>
+        </p:spPr>
+      </p:pic>
     </p:spTree>
     <p:extLst>
       <p:ext uri="{BB962C8B-B14F-4D97-AF65-F5344CB8AC3E}">
-        <p14:creationId xmlns:p14="http://schemas.microsoft.com/office/powerpoint/2010/main" val="656778967"/>
+        <p14:creationId xmlns:p14="http://schemas.microsoft.com/office/powerpoint/2010/main" val="763745059"/>
       </p:ext>
     </p:extLst>
   </p:cSld>

--- a/Medienverwaltungsdatenbank Gruppe1.pptx
+++ b/Medienverwaltungsdatenbank Gruppe1.pptx
@@ -6,10 +6,10 @@
     <p:sldMasterId id="2147483820" r:id="rId2"/>
   </p:sldMasterIdLst>
   <p:notesMasterIdLst>
-    <p:notesMasterId r:id="rId18"/>
+    <p:notesMasterId r:id="rId17"/>
   </p:notesMasterIdLst>
   <p:handoutMasterIdLst>
-    <p:handoutMasterId r:id="rId19"/>
+    <p:handoutMasterId r:id="rId18"/>
   </p:handoutMasterIdLst>
   <p:sldIdLst>
     <p:sldId id="256" r:id="rId3"/>
@@ -24,9 +24,8 @@
     <p:sldId id="289" r:id="rId12"/>
     <p:sldId id="283" r:id="rId13"/>
     <p:sldId id="284" r:id="rId14"/>
-    <p:sldId id="285" r:id="rId15"/>
-    <p:sldId id="287" r:id="rId16"/>
-    <p:sldId id="288" r:id="rId17"/>
+    <p:sldId id="287" r:id="rId15"/>
+    <p:sldId id="288" r:id="rId16"/>
   </p:sldIdLst>
   <p:sldSz cx="12192000" cy="6858000"/>
   <p:notesSz cx="6858000" cy="9144000"/>
@@ -1585,178 +1584,6 @@
         <p:cNvPr id="1" name="">
           <a:extLst>
             <a:ext uri="{FF2B5EF4-FFF2-40B4-BE49-F238E27FC236}">
-              <a16:creationId xmlns:a16="http://schemas.microsoft.com/office/drawing/2014/main" id="{AAF70148-2CC0-5FEA-9207-11A6121B9EA1}"/>
-            </a:ext>
-          </a:extLst>
-        </p:cNvPr>
-        <p:cNvGrpSpPr/>
-        <p:nvPr/>
-      </p:nvGrpSpPr>
-      <p:grpSpPr>
-        <a:xfrm>
-          <a:off x="0" y="0"/>
-          <a:ext cx="0" cy="0"/>
-          <a:chOff x="0" y="0"/>
-          <a:chExt cx="0" cy="0"/>
-        </a:xfrm>
-      </p:grpSpPr>
-      <p:sp>
-        <p:nvSpPr>
-          <p:cNvPr id="2" name="Folienbildplatzhalter 1">
-            <a:extLst>
-              <a:ext uri="{FF2B5EF4-FFF2-40B4-BE49-F238E27FC236}">
-                <a16:creationId xmlns:a16="http://schemas.microsoft.com/office/drawing/2014/main" id="{EDADC04A-2EE1-5E7A-C6F8-08C545323FE9}"/>
-              </a:ext>
-            </a:extLst>
-          </p:cNvPr>
-          <p:cNvSpPr>
-            <a:spLocks noGrp="1" noRot="1" noChangeAspect="1"/>
-          </p:cNvSpPr>
-          <p:nvPr>
-            <p:ph type="sldImg"/>
-          </p:nvPr>
-        </p:nvSpPr>
-        <p:spPr/>
-      </p:sp>
-      <p:sp>
-        <p:nvSpPr>
-          <p:cNvPr id="3" name="Notizenplatzhalter 2">
-            <a:extLst>
-              <a:ext uri="{FF2B5EF4-FFF2-40B4-BE49-F238E27FC236}">
-                <a16:creationId xmlns:a16="http://schemas.microsoft.com/office/drawing/2014/main" id="{76E96456-F920-8554-2835-0E59C2B1447F}"/>
-              </a:ext>
-            </a:extLst>
-          </p:cNvPr>
-          <p:cNvSpPr>
-            <a:spLocks noGrp="1"/>
-          </p:cNvSpPr>
-          <p:nvPr>
-            <p:ph type="body" idx="1"/>
-          </p:nvPr>
-        </p:nvSpPr>
-        <p:spPr/>
-        <p:txBody>
-          <a:bodyPr/>
-          <a:lstStyle/>
-          <a:p>
-            <a:pPr marL="0" marR="0" lvl="0" indent="0" algn="l" defTabSz="914400" rtl="0" eaLnBrk="1" fontAlgn="auto" latinLnBrk="0" hangingPunct="1">
-              <a:lnSpc>
-                <a:spcPct val="100000"/>
-              </a:lnSpc>
-              <a:spcBef>
-                <a:spcPts val="0"/>
-              </a:spcBef>
-              <a:spcAft>
-                <a:spcPts val="0"/>
-              </a:spcAft>
-              <a:buClrTx/>
-              <a:buSzTx/>
-              <a:buFontTx/>
-              <a:buNone/>
-              <a:tabLst/>
-              <a:defRPr/>
-            </a:pPr>
-            <a:r>
-              <a:rPr lang="de-DE" sz="1200" dirty="0">
-                <a:solidFill>
-                  <a:srgbClr val="3C3939"/>
-                </a:solidFill>
-                <a:latin typeface="Roboto" pitchFamily="34" charset="0"/>
-                <a:ea typeface="Roboto" pitchFamily="34" charset="-122"/>
-                <a:cs typeface="Roboto" pitchFamily="34" charset="-120"/>
-              </a:rPr>
-              <a:t>Code + Erklärung kurz</a:t>
-            </a:r>
-            <a:endParaRPr lang="en-US" sz="1200" dirty="0">
-              <a:solidFill>
-                <a:srgbClr val="3C3939"/>
-              </a:solidFill>
-              <a:latin typeface="Roboto" pitchFamily="34" charset="0"/>
-              <a:ea typeface="Roboto" pitchFamily="34" charset="-122"/>
-              <a:cs typeface="Roboto" pitchFamily="34" charset="-120"/>
-            </a:endParaRPr>
-          </a:p>
-        </p:txBody>
-      </p:sp>
-      <p:sp>
-        <p:nvSpPr>
-          <p:cNvPr id="4" name="Foliennummernplatzhalter 3">
-            <a:extLst>
-              <a:ext uri="{FF2B5EF4-FFF2-40B4-BE49-F238E27FC236}">
-                <a16:creationId xmlns:a16="http://schemas.microsoft.com/office/drawing/2014/main" id="{35452E73-1462-9D9B-9565-6A1E136F0F62}"/>
-              </a:ext>
-            </a:extLst>
-          </p:cNvPr>
-          <p:cNvSpPr>
-            <a:spLocks noGrp="1"/>
-          </p:cNvSpPr>
-          <p:nvPr>
-            <p:ph type="sldNum" sz="quarter" idx="5"/>
-          </p:nvPr>
-        </p:nvSpPr>
-        <p:spPr/>
-        <p:txBody>
-          <a:bodyPr/>
-          <a:lstStyle/>
-          <a:p>
-            <a:fld id="{ED6708E0-6EBE-4615-87DF-D15A83EC26B6}" type="slidenum">
-              <a:rPr lang="de-DE" smtClean="0"/>
-              <a:pPr/>
-              <a:t>13</a:t>
-            </a:fld>
-            <a:endParaRPr lang="de-DE"/>
-          </a:p>
-        </p:txBody>
-      </p:sp>
-      <p:sp>
-        <p:nvSpPr>
-          <p:cNvPr id="5" name="Fußzeilenplatzhalter 4">
-            <a:extLst>
-              <a:ext uri="{FF2B5EF4-FFF2-40B4-BE49-F238E27FC236}">
-                <a16:creationId xmlns:a16="http://schemas.microsoft.com/office/drawing/2014/main" id="{F5A30A06-D8BE-27CE-0716-65C4D42F9339}"/>
-              </a:ext>
-            </a:extLst>
-          </p:cNvPr>
-          <p:cNvSpPr>
-            <a:spLocks noGrp="1"/>
-          </p:cNvSpPr>
-          <p:nvPr>
-            <p:ph type="ftr" sz="quarter" idx="4"/>
-          </p:nvPr>
-        </p:nvSpPr>
-        <p:spPr/>
-        <p:txBody>
-          <a:bodyPr/>
-          <a:lstStyle/>
-          <a:p>
-            <a:r>
-              <a:rPr lang="de-DE"/>
-              <a:t>Gruppenprojekt        IT-Akademie Dr. Heuer               31.01.2025</a:t>
-            </a:r>
-          </a:p>
-        </p:txBody>
-      </p:sp>
-    </p:spTree>
-    <p:extLst>
-      <p:ext uri="{BB962C8B-B14F-4D97-AF65-F5344CB8AC3E}">
-        <p14:creationId xmlns:p14="http://schemas.microsoft.com/office/powerpoint/2010/main" val="3373034195"/>
-      </p:ext>
-    </p:extLst>
-  </p:cSld>
-  <p:clrMapOvr>
-    <a:masterClrMapping/>
-  </p:clrMapOvr>
-</p:notes>
-</file>
-
-<file path=ppt/notesSlides/notesSlide14.xml><?xml version="1.0" encoding="utf-8"?>
-<p:notes xmlns:a="http://schemas.openxmlformats.org/drawingml/2006/main" xmlns:r="http://schemas.openxmlformats.org/officeDocument/2006/relationships" xmlns:p="http://schemas.openxmlformats.org/presentationml/2006/main">
-  <p:cSld>
-    <p:spTree>
-      <p:nvGrpSpPr>
-        <p:cNvPr id="1" name="">
-          <a:extLst>
-            <a:ext uri="{FF2B5EF4-FFF2-40B4-BE49-F238E27FC236}">
               <a16:creationId xmlns:a16="http://schemas.microsoft.com/office/drawing/2014/main" id="{0C2F1967-D264-FB4D-F12E-77EDB15503D7}"/>
             </a:ext>
           </a:extLst>
@@ -1893,7 +1720,7 @@
             <a:fld id="{ED6708E0-6EBE-4615-87DF-D15A83EC26B6}" type="slidenum">
               <a:rPr lang="de-DE" smtClean="0"/>
               <a:pPr/>
-              <a:t>14</a:t>
+              <a:t>13</a:t>
             </a:fld>
             <a:endParaRPr lang="de-DE"/>
           </a:p>
@@ -1940,7 +1767,7 @@
 </p:notes>
 </file>
 
-<file path=ppt/notesSlides/notesSlide15.xml><?xml version="1.0" encoding="utf-8"?>
+<file path=ppt/notesSlides/notesSlide14.xml><?xml version="1.0" encoding="utf-8"?>
 <p:notes xmlns:a="http://schemas.openxmlformats.org/drawingml/2006/main" xmlns:r="http://schemas.openxmlformats.org/officeDocument/2006/relationships" xmlns:p="http://schemas.openxmlformats.org/presentationml/2006/main">
   <p:cSld>
     <p:spTree>
@@ -2593,7 +2420,7 @@
             <a:fld id="{ED6708E0-6EBE-4615-87DF-D15A83EC26B6}" type="slidenum">
               <a:rPr lang="de-DE" smtClean="0"/>
               <a:pPr/>
-              <a:t>15</a:t>
+              <a:t>14</a:t>
             </a:fld>
             <a:endParaRPr lang="de-DE"/>
           </a:p>
@@ -17695,994 +17522,6 @@
         <p:cNvPr id="1" name="">
           <a:extLst>
             <a:ext uri="{FF2B5EF4-FFF2-40B4-BE49-F238E27FC236}">
-              <a16:creationId xmlns:a16="http://schemas.microsoft.com/office/drawing/2014/main" id="{52BB1D58-6A1F-0A27-D038-5CE0E0DAFF36}"/>
-            </a:ext>
-          </a:extLst>
-        </p:cNvPr>
-        <p:cNvGrpSpPr/>
-        <p:nvPr/>
-      </p:nvGrpSpPr>
-      <p:grpSpPr>
-        <a:xfrm>
-          <a:off x="0" y="0"/>
-          <a:ext cx="0" cy="0"/>
-          <a:chOff x="0" y="0"/>
-          <a:chExt cx="0" cy="0"/>
-        </a:xfrm>
-      </p:grpSpPr>
-      <p:sp>
-        <p:nvSpPr>
-          <p:cNvPr id="10" name="Rechteck 9">
-            <a:extLst>
-              <a:ext uri="{FF2B5EF4-FFF2-40B4-BE49-F238E27FC236}">
-                <a16:creationId xmlns:a16="http://schemas.microsoft.com/office/drawing/2014/main" id="{F3C62909-E94D-7F02-09AD-BF85BD0BF7CF}"/>
-              </a:ext>
-            </a:extLst>
-          </p:cNvPr>
-          <p:cNvSpPr/>
-          <p:nvPr/>
-        </p:nvSpPr>
-        <p:spPr>
-          <a:xfrm>
-            <a:off x="4737498" y="606375"/>
-            <a:ext cx="900000" cy="216000"/>
-          </a:xfrm>
-          <a:prstGeom prst="rect">
-            <a:avLst/>
-          </a:prstGeom>
-          <a:ln>
-            <a:solidFill>
-              <a:schemeClr val="bg1"/>
-            </a:solidFill>
-          </a:ln>
-        </p:spPr>
-        <p:style>
-          <a:lnRef idx="2">
-            <a:schemeClr val="dk1"/>
-          </a:lnRef>
-          <a:fillRef idx="1">
-            <a:schemeClr val="lt1"/>
-          </a:fillRef>
-          <a:effectRef idx="0">
-            <a:schemeClr val="dk1"/>
-          </a:effectRef>
-          <a:fontRef idx="minor">
-            <a:schemeClr val="dk1"/>
-          </a:fontRef>
-        </p:style>
-        <p:txBody>
-          <a:bodyPr lIns="36000" rIns="36000" rtlCol="0" anchor="ctr"/>
-          <a:lstStyle/>
-          <a:p>
-            <a:pPr algn="ctr"/>
-            <a:r>
-              <a:rPr lang="de-DE" sz="800" dirty="0">
-                <a:latin typeface="Arial" panose="020B0604020202020204" pitchFamily="34" charset="0"/>
-                <a:cs typeface="Arial" panose="020B0604020202020204" pitchFamily="34" charset="0"/>
-              </a:rPr>
-              <a:t>Soll-Zustand</a:t>
-            </a:r>
-          </a:p>
-        </p:txBody>
-      </p:sp>
-      <p:sp>
-        <p:nvSpPr>
-          <p:cNvPr id="13" name="Rechteck 12">
-            <a:extLst>
-              <a:ext uri="{FF2B5EF4-FFF2-40B4-BE49-F238E27FC236}">
-                <a16:creationId xmlns:a16="http://schemas.microsoft.com/office/drawing/2014/main" id="{F1707F4D-934F-B6D7-7590-B892EAEF75F2}"/>
-              </a:ext>
-            </a:extLst>
-          </p:cNvPr>
-          <p:cNvSpPr/>
-          <p:nvPr/>
-        </p:nvSpPr>
-        <p:spPr>
-          <a:xfrm>
-            <a:off x="6568680" y="606375"/>
-            <a:ext cx="900000" cy="216000"/>
-          </a:xfrm>
-          <a:prstGeom prst="rect">
-            <a:avLst/>
-          </a:prstGeom>
-          <a:ln>
-            <a:solidFill>
-              <a:schemeClr val="bg1"/>
-            </a:solidFill>
-          </a:ln>
-        </p:spPr>
-        <p:style>
-          <a:lnRef idx="2">
-            <a:schemeClr val="dk1"/>
-          </a:lnRef>
-          <a:fillRef idx="1">
-            <a:schemeClr val="lt1"/>
-          </a:fillRef>
-          <a:effectRef idx="0">
-            <a:schemeClr val="dk1"/>
-          </a:effectRef>
-          <a:fontRef idx="minor">
-            <a:schemeClr val="dk1"/>
-          </a:fontRef>
-        </p:style>
-        <p:txBody>
-          <a:bodyPr lIns="36000" rIns="36000" rtlCol="0" anchor="ctr"/>
-          <a:lstStyle/>
-          <a:p>
-            <a:pPr algn="ctr"/>
-            <a:r>
-              <a:rPr lang="de-DE" sz="800" dirty="0">
-                <a:latin typeface="Arial" panose="020B0604020202020204" pitchFamily="34" charset="0"/>
-                <a:cs typeface="Arial" panose="020B0604020202020204" pitchFamily="34" charset="0"/>
-              </a:rPr>
-              <a:t>Durchführung</a:t>
-            </a:r>
-          </a:p>
-        </p:txBody>
-      </p:sp>
-      <p:sp>
-        <p:nvSpPr>
-          <p:cNvPr id="7" name="Rechteck 6">
-            <a:extLst>
-              <a:ext uri="{FF2B5EF4-FFF2-40B4-BE49-F238E27FC236}">
-                <a16:creationId xmlns:a16="http://schemas.microsoft.com/office/drawing/2014/main" id="{DB6298FD-B867-E2BB-860A-333967513F29}"/>
-              </a:ext>
-            </a:extLst>
-          </p:cNvPr>
-          <p:cNvSpPr/>
-          <p:nvPr/>
-        </p:nvSpPr>
-        <p:spPr>
-          <a:xfrm>
-            <a:off x="1990725" y="606375"/>
-            <a:ext cx="900000" cy="216000"/>
-          </a:xfrm>
-          <a:prstGeom prst="rect">
-            <a:avLst/>
-          </a:prstGeom>
-          <a:ln/>
-        </p:spPr>
-        <p:style>
-          <a:lnRef idx="1">
-            <a:schemeClr val="accent5"/>
-          </a:lnRef>
-          <a:fillRef idx="3">
-            <a:schemeClr val="accent5"/>
-          </a:fillRef>
-          <a:effectRef idx="2">
-            <a:schemeClr val="accent5"/>
-          </a:effectRef>
-          <a:fontRef idx="minor">
-            <a:schemeClr val="lt1"/>
-          </a:fontRef>
-        </p:style>
-        <p:txBody>
-          <a:bodyPr lIns="36000" rIns="36000" rtlCol="0" anchor="ctr"/>
-          <a:lstStyle/>
-          <a:p>
-            <a:pPr algn="ctr"/>
-            <a:r>
-              <a:rPr lang="de-DE" sz="800" dirty="0">
-                <a:latin typeface="Arial" panose="020B0604020202020204" pitchFamily="34" charset="0"/>
-                <a:cs typeface="Arial" panose="020B0604020202020204" pitchFamily="34" charset="0"/>
-              </a:rPr>
-              <a:t>Inhalt</a:t>
-            </a:r>
-          </a:p>
-        </p:txBody>
-      </p:sp>
-      <p:sp>
-        <p:nvSpPr>
-          <p:cNvPr id="12" name="Rechteck 11">
-            <a:extLst>
-              <a:ext uri="{FF2B5EF4-FFF2-40B4-BE49-F238E27FC236}">
-                <a16:creationId xmlns:a16="http://schemas.microsoft.com/office/drawing/2014/main" id="{504ED97F-FD80-4911-6A1B-39BEB7D930B0}"/>
-              </a:ext>
-            </a:extLst>
-          </p:cNvPr>
-          <p:cNvSpPr/>
-          <p:nvPr/>
-        </p:nvSpPr>
-        <p:spPr>
-          <a:xfrm>
-            <a:off x="2906316" y="606375"/>
-            <a:ext cx="900000" cy="216000"/>
-          </a:xfrm>
-          <a:prstGeom prst="rect">
-            <a:avLst/>
-          </a:prstGeom>
-          <a:ln>
-            <a:solidFill>
-              <a:schemeClr val="bg1"/>
-            </a:solidFill>
-          </a:ln>
-        </p:spPr>
-        <p:style>
-          <a:lnRef idx="2">
-            <a:schemeClr val="dk1"/>
-          </a:lnRef>
-          <a:fillRef idx="1">
-            <a:schemeClr val="lt1"/>
-          </a:fillRef>
-          <a:effectRef idx="0">
-            <a:schemeClr val="dk1"/>
-          </a:effectRef>
-          <a:fontRef idx="minor">
-            <a:schemeClr val="dk1"/>
-          </a:fontRef>
-        </p:style>
-        <p:txBody>
-          <a:bodyPr lIns="36000" rIns="36000" rtlCol="0" anchor="ctr"/>
-          <a:lstStyle/>
-          <a:p>
-            <a:pPr algn="ctr"/>
-            <a:r>
-              <a:rPr lang="de-DE" sz="800" dirty="0">
-                <a:latin typeface="Arial" panose="020B0604020202020204" pitchFamily="34" charset="0"/>
-                <a:cs typeface="Arial" panose="020B0604020202020204" pitchFamily="34" charset="0"/>
-              </a:rPr>
-              <a:t>Betriebsumfeld</a:t>
-            </a:r>
-          </a:p>
-        </p:txBody>
-      </p:sp>
-      <p:sp>
-        <p:nvSpPr>
-          <p:cNvPr id="9" name="Rechteck 8">
-            <a:extLst>
-              <a:ext uri="{FF2B5EF4-FFF2-40B4-BE49-F238E27FC236}">
-                <a16:creationId xmlns:a16="http://schemas.microsoft.com/office/drawing/2014/main" id="{B2EA5E9F-06DC-FC3D-3F89-E15BD8F5354C}"/>
-              </a:ext>
-            </a:extLst>
-          </p:cNvPr>
-          <p:cNvSpPr/>
-          <p:nvPr/>
-        </p:nvSpPr>
-        <p:spPr>
-          <a:xfrm>
-            <a:off x="3821907" y="606375"/>
-            <a:ext cx="900000" cy="216000"/>
-          </a:xfrm>
-          <a:prstGeom prst="rect">
-            <a:avLst/>
-          </a:prstGeom>
-          <a:ln>
-            <a:solidFill>
-              <a:schemeClr val="bg1"/>
-            </a:solidFill>
-          </a:ln>
-        </p:spPr>
-        <p:style>
-          <a:lnRef idx="2">
-            <a:schemeClr val="dk1"/>
-          </a:lnRef>
-          <a:fillRef idx="1">
-            <a:schemeClr val="lt1"/>
-          </a:fillRef>
-          <a:effectRef idx="0">
-            <a:schemeClr val="dk1"/>
-          </a:effectRef>
-          <a:fontRef idx="minor">
-            <a:schemeClr val="dk1"/>
-          </a:fontRef>
-        </p:style>
-        <p:txBody>
-          <a:bodyPr lIns="36000" rIns="36000" rtlCol="0" anchor="ctr"/>
-          <a:lstStyle/>
-          <a:p>
-            <a:pPr algn="ctr"/>
-            <a:r>
-              <a:rPr lang="de-DE" sz="800" dirty="0">
-                <a:latin typeface="Arial" panose="020B0604020202020204" pitchFamily="34" charset="0"/>
-                <a:cs typeface="Arial" panose="020B0604020202020204" pitchFamily="34" charset="0"/>
-              </a:rPr>
-              <a:t>Ist-Zustand</a:t>
-            </a:r>
-          </a:p>
-        </p:txBody>
-      </p:sp>
-      <p:sp>
-        <p:nvSpPr>
-          <p:cNvPr id="11" name="Rechteck 10">
-            <a:extLst>
-              <a:ext uri="{FF2B5EF4-FFF2-40B4-BE49-F238E27FC236}">
-                <a16:creationId xmlns:a16="http://schemas.microsoft.com/office/drawing/2014/main" id="{17E34967-2DC6-CDE9-A13E-FFB1F02904B1}"/>
-              </a:ext>
-            </a:extLst>
-          </p:cNvPr>
-          <p:cNvSpPr/>
-          <p:nvPr/>
-        </p:nvSpPr>
-        <p:spPr>
-          <a:xfrm>
-            <a:off x="5653089" y="606375"/>
-            <a:ext cx="900000" cy="216000"/>
-          </a:xfrm>
-          <a:prstGeom prst="rect">
-            <a:avLst/>
-          </a:prstGeom>
-          <a:ln>
-            <a:solidFill>
-              <a:schemeClr val="bg1"/>
-            </a:solidFill>
-          </a:ln>
-        </p:spPr>
-        <p:style>
-          <a:lnRef idx="2">
-            <a:schemeClr val="dk1"/>
-          </a:lnRef>
-          <a:fillRef idx="1">
-            <a:schemeClr val="lt1"/>
-          </a:fillRef>
-          <a:effectRef idx="0">
-            <a:schemeClr val="dk1"/>
-          </a:effectRef>
-          <a:fontRef idx="minor">
-            <a:schemeClr val="dk1"/>
-          </a:fontRef>
-        </p:style>
-        <p:txBody>
-          <a:bodyPr lIns="36000" rIns="36000" rtlCol="0" anchor="ctr"/>
-          <a:lstStyle/>
-          <a:p>
-            <a:pPr algn="ctr"/>
-            <a:r>
-              <a:rPr lang="de-DE" sz="800" dirty="0">
-                <a:latin typeface="Arial" panose="020B0604020202020204" pitchFamily="34" charset="0"/>
-                <a:cs typeface="Arial" panose="020B0604020202020204" pitchFamily="34" charset="0"/>
-              </a:rPr>
-              <a:t>Wirtschaftlichkeit</a:t>
-            </a:r>
-          </a:p>
-        </p:txBody>
-      </p:sp>
-      <p:sp>
-        <p:nvSpPr>
-          <p:cNvPr id="14" name="Rechteck 13">
-            <a:extLst>
-              <a:ext uri="{FF2B5EF4-FFF2-40B4-BE49-F238E27FC236}">
-                <a16:creationId xmlns:a16="http://schemas.microsoft.com/office/drawing/2014/main" id="{95C99885-4F3F-4DF4-B4DB-4846DC8C4757}"/>
-              </a:ext>
-            </a:extLst>
-          </p:cNvPr>
-          <p:cNvSpPr/>
-          <p:nvPr/>
-        </p:nvSpPr>
-        <p:spPr>
-          <a:xfrm>
-            <a:off x="7484271" y="606375"/>
-            <a:ext cx="900000" cy="216000"/>
-          </a:xfrm>
-          <a:prstGeom prst="rect">
-            <a:avLst/>
-          </a:prstGeom>
-          <a:ln>
-            <a:solidFill>
-              <a:schemeClr val="bg1"/>
-            </a:solidFill>
-          </a:ln>
-        </p:spPr>
-        <p:style>
-          <a:lnRef idx="2">
-            <a:schemeClr val="dk1"/>
-          </a:lnRef>
-          <a:fillRef idx="1">
-            <a:schemeClr val="lt1"/>
-          </a:fillRef>
-          <a:effectRef idx="0">
-            <a:schemeClr val="dk1"/>
-          </a:effectRef>
-          <a:fontRef idx="minor">
-            <a:schemeClr val="dk1"/>
-          </a:fontRef>
-        </p:style>
-        <p:txBody>
-          <a:bodyPr lIns="36000" rIns="36000" rtlCol="0" anchor="ctr"/>
-          <a:lstStyle/>
-          <a:p>
-            <a:pPr algn="ctr"/>
-            <a:r>
-              <a:rPr lang="de-DE" sz="800" dirty="0">
-                <a:latin typeface="Arial" panose="020B0604020202020204" pitchFamily="34" charset="0"/>
-                <a:cs typeface="Arial" panose="020B0604020202020204" pitchFamily="34" charset="0"/>
-              </a:rPr>
-              <a:t>Tests</a:t>
-            </a:r>
-          </a:p>
-        </p:txBody>
-      </p:sp>
-      <p:sp>
-        <p:nvSpPr>
-          <p:cNvPr id="15" name="Rechteck 14">
-            <a:extLst>
-              <a:ext uri="{FF2B5EF4-FFF2-40B4-BE49-F238E27FC236}">
-                <a16:creationId xmlns:a16="http://schemas.microsoft.com/office/drawing/2014/main" id="{F2D6ED75-F7DA-3106-210D-A8F80B0BFC60}"/>
-              </a:ext>
-            </a:extLst>
-          </p:cNvPr>
-          <p:cNvSpPr/>
-          <p:nvPr/>
-        </p:nvSpPr>
-        <p:spPr>
-          <a:xfrm>
-            <a:off x="8399862" y="606375"/>
-            <a:ext cx="900000" cy="216000"/>
-          </a:xfrm>
-          <a:prstGeom prst="rect">
-            <a:avLst/>
-          </a:prstGeom>
-          <a:ln>
-            <a:solidFill>
-              <a:schemeClr val="bg1"/>
-            </a:solidFill>
-          </a:ln>
-        </p:spPr>
-        <p:style>
-          <a:lnRef idx="2">
-            <a:schemeClr val="dk1"/>
-          </a:lnRef>
-          <a:fillRef idx="1">
-            <a:schemeClr val="lt1"/>
-          </a:fillRef>
-          <a:effectRef idx="0">
-            <a:schemeClr val="dk1"/>
-          </a:effectRef>
-          <a:fontRef idx="minor">
-            <a:schemeClr val="dk1"/>
-          </a:fontRef>
-        </p:style>
-        <p:txBody>
-          <a:bodyPr lIns="36000" rIns="36000" rtlCol="0" anchor="ctr"/>
-          <a:lstStyle/>
-          <a:p>
-            <a:pPr algn="ctr"/>
-            <a:r>
-              <a:rPr lang="de-DE" sz="800" dirty="0">
-                <a:latin typeface="Arial" panose="020B0604020202020204" pitchFamily="34" charset="0"/>
-                <a:cs typeface="Arial" panose="020B0604020202020204" pitchFamily="34" charset="0"/>
-              </a:rPr>
-              <a:t>Soll-Ist-Vergleich</a:t>
-            </a:r>
-          </a:p>
-        </p:txBody>
-      </p:sp>
-      <p:sp>
-        <p:nvSpPr>
-          <p:cNvPr id="16" name="Rechteck 15">
-            <a:extLst>
-              <a:ext uri="{FF2B5EF4-FFF2-40B4-BE49-F238E27FC236}">
-                <a16:creationId xmlns:a16="http://schemas.microsoft.com/office/drawing/2014/main" id="{F3008928-26D9-C9ED-3C85-E5F15169DF1C}"/>
-              </a:ext>
-            </a:extLst>
-          </p:cNvPr>
-          <p:cNvSpPr/>
-          <p:nvPr/>
-        </p:nvSpPr>
-        <p:spPr>
-          <a:xfrm>
-            <a:off x="9315455" y="606375"/>
-            <a:ext cx="900000" cy="216000"/>
-          </a:xfrm>
-          <a:prstGeom prst="rect">
-            <a:avLst/>
-          </a:prstGeom>
-          <a:ln>
-            <a:solidFill>
-              <a:schemeClr val="bg1"/>
-            </a:solidFill>
-          </a:ln>
-        </p:spPr>
-        <p:style>
-          <a:lnRef idx="2">
-            <a:schemeClr val="dk1"/>
-          </a:lnRef>
-          <a:fillRef idx="1">
-            <a:schemeClr val="lt1"/>
-          </a:fillRef>
-          <a:effectRef idx="0">
-            <a:schemeClr val="dk1"/>
-          </a:effectRef>
-          <a:fontRef idx="minor">
-            <a:schemeClr val="dk1"/>
-          </a:fontRef>
-        </p:style>
-        <p:txBody>
-          <a:bodyPr lIns="36000" rIns="36000" rtlCol="0" anchor="ctr"/>
-          <a:lstStyle/>
-          <a:p>
-            <a:pPr algn="ctr"/>
-            <a:r>
-              <a:rPr lang="de-DE" sz="800" dirty="0">
-                <a:latin typeface="Arial" panose="020B0604020202020204" pitchFamily="34" charset="0"/>
-                <a:cs typeface="Arial" panose="020B0604020202020204" pitchFamily="34" charset="0"/>
-              </a:rPr>
-              <a:t>Fazit</a:t>
-            </a:r>
-          </a:p>
-        </p:txBody>
-      </p:sp>
-      <p:sp>
-        <p:nvSpPr>
-          <p:cNvPr id="4" name="Datumsplatzhalter 3">
-            <a:extLst>
-              <a:ext uri="{FF2B5EF4-FFF2-40B4-BE49-F238E27FC236}">
-                <a16:creationId xmlns:a16="http://schemas.microsoft.com/office/drawing/2014/main" id="{02F189B9-3AB0-E1E0-81D5-761CA8595A7A}"/>
-              </a:ext>
-            </a:extLst>
-          </p:cNvPr>
-          <p:cNvSpPr>
-            <a:spLocks noGrp="1"/>
-          </p:cNvSpPr>
-          <p:nvPr>
-            <p:ph type="dt" sz="half" idx="10"/>
-          </p:nvPr>
-        </p:nvSpPr>
-        <p:spPr/>
-        <p:txBody>
-          <a:bodyPr/>
-          <a:lstStyle/>
-          <a:p>
-            <a:pPr algn="ctr"/>
-            <a:fld id="{6DCE2E55-0611-429C-9DFA-BA78059032C7}" type="datetime1">
-              <a:rPr lang="de-DE" smtClean="0"/>
-              <a:t>30.01.2025</a:t>
-            </a:fld>
-            <a:endParaRPr lang="de-DE" dirty="0"/>
-          </a:p>
-        </p:txBody>
-      </p:sp>
-      <p:sp>
-        <p:nvSpPr>
-          <p:cNvPr id="20" name="Textplatzhalter 19">
-            <a:extLst>
-              <a:ext uri="{FF2B5EF4-FFF2-40B4-BE49-F238E27FC236}">
-                <a16:creationId xmlns:a16="http://schemas.microsoft.com/office/drawing/2014/main" id="{222B9E83-3D95-B556-B65C-8C8B82A69CE1}"/>
-              </a:ext>
-            </a:extLst>
-          </p:cNvPr>
-          <p:cNvSpPr>
-            <a:spLocks noGrp="1"/>
-          </p:cNvSpPr>
-          <p:nvPr>
-            <p:ph type="body" sz="quarter" idx="15"/>
-          </p:nvPr>
-        </p:nvSpPr>
-        <p:spPr/>
-        <p:txBody>
-          <a:bodyPr/>
-          <a:lstStyle/>
-          <a:p>
-            <a:r>
-              <a:rPr lang="de-DE" dirty="0"/>
-              <a:t>IT-Akademie Dr. Heuer</a:t>
-            </a:r>
-          </a:p>
-        </p:txBody>
-      </p:sp>
-      <p:sp>
-        <p:nvSpPr>
-          <p:cNvPr id="25" name="Textplatzhalter 19">
-            <a:extLst>
-              <a:ext uri="{FF2B5EF4-FFF2-40B4-BE49-F238E27FC236}">
-                <a16:creationId xmlns:a16="http://schemas.microsoft.com/office/drawing/2014/main" id="{A51B46EA-97D4-7559-5E56-ED7552F1D1C2}"/>
-              </a:ext>
-            </a:extLst>
-          </p:cNvPr>
-          <p:cNvSpPr txBox="1">
-            <a:spLocks/>
-          </p:cNvSpPr>
-          <p:nvPr/>
-        </p:nvSpPr>
-        <p:spPr>
-          <a:xfrm>
-            <a:off x="748400" y="6396831"/>
-            <a:ext cx="2640000" cy="360000"/>
-          </a:xfrm>
-          <a:prstGeom prst="rect">
-            <a:avLst/>
-          </a:prstGeom>
-        </p:spPr>
-        <p:txBody>
-          <a:bodyPr vert="horz" lIns="91440" tIns="45720" rIns="91440" bIns="45720" rtlCol="0" anchor="ctr">
-            <a:normAutofit/>
-          </a:bodyPr>
-          <a:lstStyle>
-            <a:lvl1pPr marL="0" indent="0" algn="l" defTabSz="914400" rtl="0" eaLnBrk="1" latinLnBrk="0" hangingPunct="1">
-              <a:lnSpc>
-                <a:spcPct val="90000"/>
-              </a:lnSpc>
-              <a:spcBef>
-                <a:spcPts val="1000"/>
-              </a:spcBef>
-              <a:buFont typeface="Arial" panose="020B0604020202020204" pitchFamily="34" charset="0"/>
-              <a:buNone/>
-              <a:defRPr lang="de-DE" sz="1200" kern="1200" smtClean="0">
-                <a:solidFill>
-                  <a:schemeClr val="tx1"/>
-                </a:solidFill>
-                <a:latin typeface="Arial" panose="020B0604020202020204" pitchFamily="34" charset="0"/>
-                <a:ea typeface="+mn-ea"/>
-                <a:cs typeface="Arial" panose="020B0604020202020204" pitchFamily="34" charset="0"/>
-              </a:defRPr>
-            </a:lvl1pPr>
-            <a:lvl2pPr marL="685800" indent="-228600" algn="l" defTabSz="914400" rtl="0" eaLnBrk="1" latinLnBrk="0" hangingPunct="1">
-              <a:lnSpc>
-                <a:spcPct val="90000"/>
-              </a:lnSpc>
-              <a:spcBef>
-                <a:spcPts val="500"/>
-              </a:spcBef>
-              <a:buFont typeface="Arial" panose="020B0604020202020204" pitchFamily="34" charset="0"/>
-              <a:buChar char="•"/>
-              <a:defRPr sz="2400" kern="1200">
-                <a:solidFill>
-                  <a:schemeClr val="tx1"/>
-                </a:solidFill>
-                <a:latin typeface="+mn-lt"/>
-                <a:ea typeface="+mn-ea"/>
-                <a:cs typeface="+mn-cs"/>
-              </a:defRPr>
-            </a:lvl2pPr>
-            <a:lvl3pPr marL="1143000" indent="-228600" algn="l" defTabSz="914400" rtl="0" eaLnBrk="1" latinLnBrk="0" hangingPunct="1">
-              <a:lnSpc>
-                <a:spcPct val="90000"/>
-              </a:lnSpc>
-              <a:spcBef>
-                <a:spcPts val="500"/>
-              </a:spcBef>
-              <a:buFont typeface="Arial" panose="020B0604020202020204" pitchFamily="34" charset="0"/>
-              <a:buChar char="•"/>
-              <a:defRPr sz="2000" kern="1200">
-                <a:solidFill>
-                  <a:schemeClr val="tx1"/>
-                </a:solidFill>
-                <a:latin typeface="+mn-lt"/>
-                <a:ea typeface="+mn-ea"/>
-                <a:cs typeface="+mn-cs"/>
-              </a:defRPr>
-            </a:lvl3pPr>
-            <a:lvl4pPr marL="1600200" indent="-228600" algn="l" defTabSz="914400" rtl="0" eaLnBrk="1" latinLnBrk="0" hangingPunct="1">
-              <a:lnSpc>
-                <a:spcPct val="90000"/>
-              </a:lnSpc>
-              <a:spcBef>
-                <a:spcPts val="500"/>
-              </a:spcBef>
-              <a:buFont typeface="Arial" panose="020B0604020202020204" pitchFamily="34" charset="0"/>
-              <a:buChar char="•"/>
-              <a:defRPr sz="1800" kern="1200">
-                <a:solidFill>
-                  <a:schemeClr val="tx1"/>
-                </a:solidFill>
-                <a:latin typeface="+mn-lt"/>
-                <a:ea typeface="+mn-ea"/>
-                <a:cs typeface="+mn-cs"/>
-              </a:defRPr>
-            </a:lvl4pPr>
-            <a:lvl5pPr marL="2057400" indent="-228600" algn="l" defTabSz="914400" rtl="0" eaLnBrk="1" latinLnBrk="0" hangingPunct="1">
-              <a:lnSpc>
-                <a:spcPct val="90000"/>
-              </a:lnSpc>
-              <a:spcBef>
-                <a:spcPts val="500"/>
-              </a:spcBef>
-              <a:buFont typeface="Arial" panose="020B0604020202020204" pitchFamily="34" charset="0"/>
-              <a:buChar char="•"/>
-              <a:defRPr sz="1800" kern="1200">
-                <a:solidFill>
-                  <a:schemeClr val="tx1"/>
-                </a:solidFill>
-                <a:latin typeface="+mn-lt"/>
-                <a:ea typeface="+mn-ea"/>
-                <a:cs typeface="+mn-cs"/>
-              </a:defRPr>
-            </a:lvl5pPr>
-            <a:lvl6pPr marL="2514600" indent="-228600" algn="l" defTabSz="914400" rtl="0" eaLnBrk="1" latinLnBrk="0" hangingPunct="1">
-              <a:lnSpc>
-                <a:spcPct val="90000"/>
-              </a:lnSpc>
-              <a:spcBef>
-                <a:spcPts val="500"/>
-              </a:spcBef>
-              <a:buFont typeface="Arial" panose="020B0604020202020204" pitchFamily="34" charset="0"/>
-              <a:buChar char="•"/>
-              <a:defRPr sz="1800" kern="1200">
-                <a:solidFill>
-                  <a:schemeClr val="tx1"/>
-                </a:solidFill>
-                <a:latin typeface="+mn-lt"/>
-                <a:ea typeface="+mn-ea"/>
-                <a:cs typeface="+mn-cs"/>
-              </a:defRPr>
-            </a:lvl6pPr>
-            <a:lvl7pPr marL="2971800" indent="-228600" algn="l" defTabSz="914400" rtl="0" eaLnBrk="1" latinLnBrk="0" hangingPunct="1">
-              <a:lnSpc>
-                <a:spcPct val="90000"/>
-              </a:lnSpc>
-              <a:spcBef>
-                <a:spcPts val="500"/>
-              </a:spcBef>
-              <a:buFont typeface="Arial" panose="020B0604020202020204" pitchFamily="34" charset="0"/>
-              <a:buChar char="•"/>
-              <a:defRPr sz="1800" kern="1200">
-                <a:solidFill>
-                  <a:schemeClr val="tx1"/>
-                </a:solidFill>
-                <a:latin typeface="+mn-lt"/>
-                <a:ea typeface="+mn-ea"/>
-                <a:cs typeface="+mn-cs"/>
-              </a:defRPr>
-            </a:lvl7pPr>
-            <a:lvl8pPr marL="3429000" indent="-228600" algn="l" defTabSz="914400" rtl="0" eaLnBrk="1" latinLnBrk="0" hangingPunct="1">
-              <a:lnSpc>
-                <a:spcPct val="90000"/>
-              </a:lnSpc>
-              <a:spcBef>
-                <a:spcPts val="500"/>
-              </a:spcBef>
-              <a:buFont typeface="Arial" panose="020B0604020202020204" pitchFamily="34" charset="0"/>
-              <a:buChar char="•"/>
-              <a:defRPr sz="1800" kern="1200">
-                <a:solidFill>
-                  <a:schemeClr val="tx1"/>
-                </a:solidFill>
-                <a:latin typeface="+mn-lt"/>
-                <a:ea typeface="+mn-ea"/>
-                <a:cs typeface="+mn-cs"/>
-              </a:defRPr>
-            </a:lvl8pPr>
-            <a:lvl9pPr marL="3886200" indent="-228600" algn="l" defTabSz="914400" rtl="0" eaLnBrk="1" latinLnBrk="0" hangingPunct="1">
-              <a:lnSpc>
-                <a:spcPct val="90000"/>
-              </a:lnSpc>
-              <a:spcBef>
-                <a:spcPts val="500"/>
-              </a:spcBef>
-              <a:buFont typeface="Arial" panose="020B0604020202020204" pitchFamily="34" charset="0"/>
-              <a:buChar char="•"/>
-              <a:defRPr sz="1800" kern="1200">
-                <a:solidFill>
-                  <a:schemeClr val="tx1"/>
-                </a:solidFill>
-                <a:latin typeface="+mn-lt"/>
-                <a:ea typeface="+mn-ea"/>
-                <a:cs typeface="+mn-cs"/>
-              </a:defRPr>
-            </a:lvl9pPr>
-          </a:lstStyle>
-          <a:p>
-            <a:r>
-              <a:rPr lang="de-DE" dirty="0"/>
-              <a:t>Gruppenprojekt</a:t>
-            </a:r>
-          </a:p>
-        </p:txBody>
-      </p:sp>
-      <p:sp>
-        <p:nvSpPr>
-          <p:cNvPr id="2" name="Textplatzhalter 8">
-            <a:extLst>
-              <a:ext uri="{FF2B5EF4-FFF2-40B4-BE49-F238E27FC236}">
-                <a16:creationId xmlns:a16="http://schemas.microsoft.com/office/drawing/2014/main" id="{6DA3D65D-AC69-3DA4-7C68-5C9E8635C40B}"/>
-              </a:ext>
-            </a:extLst>
-          </p:cNvPr>
-          <p:cNvSpPr txBox="1">
-            <a:spLocks/>
-          </p:cNvSpPr>
-          <p:nvPr/>
-        </p:nvSpPr>
-        <p:spPr>
-          <a:xfrm>
-            <a:off x="1766742" y="1066800"/>
-            <a:ext cx="8658516" cy="609600"/>
-          </a:xfrm>
-          <a:prstGeom prst="rect">
-            <a:avLst/>
-          </a:prstGeom>
-        </p:spPr>
-        <p:txBody>
-          <a:bodyPr vert="horz" lIns="91440" tIns="45720" rIns="91440" bIns="45720" rtlCol="0">
-            <a:noAutofit/>
-          </a:bodyPr>
-          <a:lstStyle>
-            <a:lvl1pPr marL="0" indent="0" algn="ctr" defTabSz="914400" rtl="0" eaLnBrk="1" latinLnBrk="0" hangingPunct="1">
-              <a:lnSpc>
-                <a:spcPct val="90000"/>
-              </a:lnSpc>
-              <a:spcBef>
-                <a:spcPts val="1000"/>
-              </a:spcBef>
-              <a:buFont typeface="Arial" panose="020B0604020202020204" pitchFamily="34" charset="0"/>
-              <a:buNone/>
-              <a:tabLst/>
-              <a:defRPr sz="3200" u="sng" kern="1200">
-                <a:solidFill>
-                  <a:schemeClr val="tx1"/>
-                </a:solidFill>
-                <a:latin typeface="+mn-lt"/>
-                <a:ea typeface="+mn-ea"/>
-                <a:cs typeface="+mn-cs"/>
-              </a:defRPr>
-            </a:lvl1pPr>
-            <a:lvl2pPr marL="685800" indent="-228600" algn="l" defTabSz="914400" rtl="0" eaLnBrk="1" latinLnBrk="0" hangingPunct="1">
-              <a:lnSpc>
-                <a:spcPct val="90000"/>
-              </a:lnSpc>
-              <a:spcBef>
-                <a:spcPts val="500"/>
-              </a:spcBef>
-              <a:buFont typeface="Arial" panose="020B0604020202020204" pitchFamily="34" charset="0"/>
-              <a:buChar char="•"/>
-              <a:defRPr sz="2400" kern="1200">
-                <a:solidFill>
-                  <a:schemeClr val="tx1"/>
-                </a:solidFill>
-                <a:latin typeface="+mn-lt"/>
-                <a:ea typeface="+mn-ea"/>
-                <a:cs typeface="+mn-cs"/>
-              </a:defRPr>
-            </a:lvl2pPr>
-            <a:lvl3pPr marL="1143000" indent="-228600" algn="l" defTabSz="914400" rtl="0" eaLnBrk="1" latinLnBrk="0" hangingPunct="1">
-              <a:lnSpc>
-                <a:spcPct val="90000"/>
-              </a:lnSpc>
-              <a:spcBef>
-                <a:spcPts val="500"/>
-              </a:spcBef>
-              <a:buFont typeface="Arial" panose="020B0604020202020204" pitchFamily="34" charset="0"/>
-              <a:buChar char="•"/>
-              <a:defRPr sz="2000" kern="1200">
-                <a:solidFill>
-                  <a:schemeClr val="tx1"/>
-                </a:solidFill>
-                <a:latin typeface="+mn-lt"/>
-                <a:ea typeface="+mn-ea"/>
-                <a:cs typeface="+mn-cs"/>
-              </a:defRPr>
-            </a:lvl3pPr>
-            <a:lvl4pPr marL="1600200" indent="-228600" algn="l" defTabSz="914400" rtl="0" eaLnBrk="1" latinLnBrk="0" hangingPunct="1">
-              <a:lnSpc>
-                <a:spcPct val="90000"/>
-              </a:lnSpc>
-              <a:spcBef>
-                <a:spcPts val="500"/>
-              </a:spcBef>
-              <a:buFont typeface="Arial" panose="020B0604020202020204" pitchFamily="34" charset="0"/>
-              <a:buChar char="•"/>
-              <a:defRPr sz="1800" kern="1200">
-                <a:solidFill>
-                  <a:schemeClr val="tx1"/>
-                </a:solidFill>
-                <a:latin typeface="+mn-lt"/>
-                <a:ea typeface="+mn-ea"/>
-                <a:cs typeface="+mn-cs"/>
-              </a:defRPr>
-            </a:lvl4pPr>
-            <a:lvl5pPr marL="2057400" indent="-228600" algn="l" defTabSz="914400" rtl="0" eaLnBrk="1" latinLnBrk="0" hangingPunct="1">
-              <a:lnSpc>
-                <a:spcPct val="90000"/>
-              </a:lnSpc>
-              <a:spcBef>
-                <a:spcPts val="500"/>
-              </a:spcBef>
-              <a:buFont typeface="Arial" panose="020B0604020202020204" pitchFamily="34" charset="0"/>
-              <a:buChar char="•"/>
-              <a:defRPr sz="1800" kern="1200">
-                <a:solidFill>
-                  <a:schemeClr val="tx1"/>
-                </a:solidFill>
-                <a:latin typeface="+mn-lt"/>
-                <a:ea typeface="+mn-ea"/>
-                <a:cs typeface="+mn-cs"/>
-              </a:defRPr>
-            </a:lvl5pPr>
-            <a:lvl6pPr marL="2514600" indent="-228600" algn="l" defTabSz="914400" rtl="0" eaLnBrk="1" latinLnBrk="0" hangingPunct="1">
-              <a:lnSpc>
-                <a:spcPct val="90000"/>
-              </a:lnSpc>
-              <a:spcBef>
-                <a:spcPts val="500"/>
-              </a:spcBef>
-              <a:buFont typeface="Arial" panose="020B0604020202020204" pitchFamily="34" charset="0"/>
-              <a:buChar char="•"/>
-              <a:defRPr sz="1800" kern="1200">
-                <a:solidFill>
-                  <a:schemeClr val="tx1"/>
-                </a:solidFill>
-                <a:latin typeface="+mn-lt"/>
-                <a:ea typeface="+mn-ea"/>
-                <a:cs typeface="+mn-cs"/>
-              </a:defRPr>
-            </a:lvl6pPr>
-            <a:lvl7pPr marL="2971800" indent="-228600" algn="l" defTabSz="914400" rtl="0" eaLnBrk="1" latinLnBrk="0" hangingPunct="1">
-              <a:lnSpc>
-                <a:spcPct val="90000"/>
-              </a:lnSpc>
-              <a:spcBef>
-                <a:spcPts val="500"/>
-              </a:spcBef>
-              <a:buFont typeface="Arial" panose="020B0604020202020204" pitchFamily="34" charset="0"/>
-              <a:buChar char="•"/>
-              <a:defRPr sz="1800" kern="1200">
-                <a:solidFill>
-                  <a:schemeClr val="tx1"/>
-                </a:solidFill>
-                <a:latin typeface="+mn-lt"/>
-                <a:ea typeface="+mn-ea"/>
-                <a:cs typeface="+mn-cs"/>
-              </a:defRPr>
-            </a:lvl7pPr>
-            <a:lvl8pPr marL="3429000" indent="-228600" algn="l" defTabSz="914400" rtl="0" eaLnBrk="1" latinLnBrk="0" hangingPunct="1">
-              <a:lnSpc>
-                <a:spcPct val="90000"/>
-              </a:lnSpc>
-              <a:spcBef>
-                <a:spcPts val="500"/>
-              </a:spcBef>
-              <a:buFont typeface="Arial" panose="020B0604020202020204" pitchFamily="34" charset="0"/>
-              <a:buChar char="•"/>
-              <a:defRPr sz="1800" kern="1200">
-                <a:solidFill>
-                  <a:schemeClr val="tx1"/>
-                </a:solidFill>
-                <a:latin typeface="+mn-lt"/>
-                <a:ea typeface="+mn-ea"/>
-                <a:cs typeface="+mn-cs"/>
-              </a:defRPr>
-            </a:lvl8pPr>
-            <a:lvl9pPr marL="3886200" indent="-228600" algn="l" defTabSz="914400" rtl="0" eaLnBrk="1" latinLnBrk="0" hangingPunct="1">
-              <a:lnSpc>
-                <a:spcPct val="90000"/>
-              </a:lnSpc>
-              <a:spcBef>
-                <a:spcPts val="500"/>
-              </a:spcBef>
-              <a:buFont typeface="Arial" panose="020B0604020202020204" pitchFamily="34" charset="0"/>
-              <a:buChar char="•"/>
-              <a:defRPr sz="1800" kern="1200">
-                <a:solidFill>
-                  <a:schemeClr val="tx1"/>
-                </a:solidFill>
-                <a:latin typeface="+mn-lt"/>
-                <a:ea typeface="+mn-ea"/>
-                <a:cs typeface="+mn-cs"/>
-              </a:defRPr>
-            </a:lvl9pPr>
-          </a:lstStyle>
-          <a:p>
-            <a:r>
-              <a:rPr lang="de-DE" dirty="0"/>
-              <a:t>Funktionen</a:t>
-            </a:r>
-          </a:p>
-          <a:p>
-            <a:pPr algn="l"/>
-            <a:endParaRPr lang="de-DE" dirty="0"/>
-          </a:p>
-        </p:txBody>
-      </p:sp>
-    </p:spTree>
-    <p:extLst>
-      <p:ext uri="{BB962C8B-B14F-4D97-AF65-F5344CB8AC3E}">
-        <p14:creationId xmlns:p14="http://schemas.microsoft.com/office/powerpoint/2010/main" val="122351538"/>
-      </p:ext>
-    </p:extLst>
-  </p:cSld>
-  <p:clrMapOvr>
-    <a:masterClrMapping/>
-  </p:clrMapOvr>
-</p:sld>
-</file>
-
-<file path=ppt/slides/slide14.xml><?xml version="1.0" encoding="utf-8"?>
-<p:sld xmlns:a="http://schemas.openxmlformats.org/drawingml/2006/main" xmlns:r="http://schemas.openxmlformats.org/officeDocument/2006/relationships" xmlns:p="http://schemas.openxmlformats.org/presentationml/2006/main">
-  <p:cSld>
-    <p:spTree>
-      <p:nvGrpSpPr>
-        <p:cNvPr id="1" name="">
-          <a:extLst>
-            <a:ext uri="{FF2B5EF4-FFF2-40B4-BE49-F238E27FC236}">
               <a16:creationId xmlns:a16="http://schemas.microsoft.com/office/drawing/2014/main" id="{A9C37334-26E1-8D29-92E0-32D6C0373810}"/>
             </a:ext>
           </a:extLst>
@@ -19581,7 +18420,7 @@
 </p:sld>
 </file>
 
-<file path=ppt/slides/slide15.xml><?xml version="1.0" encoding="utf-8"?>
+<file path=ppt/slides/slide14.xml><?xml version="1.0" encoding="utf-8"?>
 <p:sld xmlns:a="http://schemas.openxmlformats.org/drawingml/2006/main" xmlns:r="http://schemas.openxmlformats.org/officeDocument/2006/relationships" xmlns:p="http://schemas.openxmlformats.org/presentationml/2006/main">
   <p:cSld>
     <p:spTree>
@@ -20387,6 +19226,42 @@
           </a:p>
         </p:txBody>
       </p:sp>
+      <p:pic>
+        <p:nvPicPr>
+          <p:cNvPr id="3" name="Grafik 2" descr="Ein Bild, das Text, Im Haus, Person, Computermonitor enthält.&#10;&#10;Automatisch generierte Beschreibung">
+            <a:extLst>
+              <a:ext uri="{FF2B5EF4-FFF2-40B4-BE49-F238E27FC236}">
+                <a16:creationId xmlns:a16="http://schemas.microsoft.com/office/drawing/2014/main" id="{974FA48B-A266-D9F3-0A37-4BFED5167E09}"/>
+              </a:ext>
+            </a:extLst>
+          </p:cNvPr>
+          <p:cNvPicPr>
+            <a:picLocks noChangeAspect="1"/>
+          </p:cNvPicPr>
+          <p:nvPr/>
+        </p:nvPicPr>
+        <p:blipFill>
+          <a:blip r:embed="rId3" cstate="print">
+            <a:extLst>
+              <a:ext uri="{28A0092B-C50C-407E-A947-70E740481C1C}">
+                <a14:useLocalDpi xmlns:a14="http://schemas.microsoft.com/office/drawing/2010/main" val="0"/>
+              </a:ext>
+            </a:extLst>
+          </a:blip>
+          <a:stretch>
+            <a:fillRect/>
+          </a:stretch>
+        </p:blipFill>
+        <p:spPr>
+          <a:xfrm>
+            <a:off x="6830562" y="1624522"/>
+            <a:ext cx="4038600" cy="4038600"/>
+          </a:xfrm>
+          <a:prstGeom prst="rect">
+            <a:avLst/>
+          </a:prstGeom>
+        </p:spPr>
+      </p:pic>
     </p:spTree>
     <p:extLst>
       <p:ext uri="{BB962C8B-B14F-4D97-AF65-F5344CB8AC3E}">
@@ -23591,8 +22466,8 @@
         </p:blipFill>
         <p:spPr>
           <a:xfrm>
-            <a:off x="1719779" y="2041459"/>
-            <a:ext cx="9020175" cy="3932525"/>
+            <a:off x="2478108" y="2057400"/>
+            <a:ext cx="7235784" cy="3154584"/>
           </a:xfrm>
           <a:prstGeom prst="rect">
             <a:avLst/>
@@ -24221,42 +23096,6 @@
           </a:p>
         </p:txBody>
       </p:sp>
-      <p:pic>
-        <p:nvPicPr>
-          <p:cNvPr id="17" name="Grafik 16" descr="Ein Bild, das Screenshot, Text, Design enthält.&#10;&#10;Automatisch generierte Beschreibung">
-            <a:extLst>
-              <a:ext uri="{FF2B5EF4-FFF2-40B4-BE49-F238E27FC236}">
-                <a16:creationId xmlns:a16="http://schemas.microsoft.com/office/drawing/2014/main" id="{E112ACF5-A0EA-D4E2-D8F8-87D10D4F3B3A}"/>
-              </a:ext>
-            </a:extLst>
-          </p:cNvPr>
-          <p:cNvPicPr>
-            <a:picLocks noChangeAspect="1"/>
-          </p:cNvPicPr>
-          <p:nvPr/>
-        </p:nvPicPr>
-        <p:blipFill>
-          <a:blip r:embed="rId3">
-            <a:extLst>
-              <a:ext uri="{28A0092B-C50C-407E-A947-70E740481C1C}">
-                <a14:useLocalDpi xmlns:a14="http://schemas.microsoft.com/office/drawing/2010/main" val="0"/>
-              </a:ext>
-            </a:extLst>
-          </a:blip>
-          <a:stretch>
-            <a:fillRect/>
-          </a:stretch>
-        </p:blipFill>
-        <p:spPr>
-          <a:xfrm>
-            <a:off x="3012282" y="1576137"/>
-            <a:ext cx="6287580" cy="4253847"/>
-          </a:xfrm>
-          <a:prstGeom prst="rect">
-            <a:avLst/>
-          </a:prstGeom>
-        </p:spPr>
-      </p:pic>
       <p:sp>
         <p:nvSpPr>
           <p:cNvPr id="21" name="Textplatzhalter 19">
@@ -24456,6 +23295,42 @@
           </a:p>
         </p:txBody>
       </p:sp>
+      <p:pic>
+        <p:nvPicPr>
+          <p:cNvPr id="5" name="Grafik 4" descr="Ein Bild, das Screenshot, Text, Design enthält.&#10;&#10;Automatisch generierte Beschreibung">
+            <a:extLst>
+              <a:ext uri="{FF2B5EF4-FFF2-40B4-BE49-F238E27FC236}">
+                <a16:creationId xmlns:a16="http://schemas.microsoft.com/office/drawing/2014/main" id="{2B0C4DCA-D669-80BE-EE9B-28B93AEBABF4}"/>
+              </a:ext>
+            </a:extLst>
+          </p:cNvPr>
+          <p:cNvPicPr>
+            <a:picLocks noChangeAspect="1"/>
+          </p:cNvPicPr>
+          <p:nvPr/>
+        </p:nvPicPr>
+        <p:blipFill>
+          <a:blip r:embed="rId3">
+            <a:extLst>
+              <a:ext uri="{28A0092B-C50C-407E-A947-70E740481C1C}">
+                <a14:useLocalDpi xmlns:a14="http://schemas.microsoft.com/office/drawing/2010/main" val="0"/>
+              </a:ext>
+            </a:extLst>
+          </a:blip>
+          <a:stretch>
+            <a:fillRect/>
+          </a:stretch>
+        </p:blipFill>
+        <p:spPr>
+          <a:xfrm>
+            <a:off x="2944948" y="1841670"/>
+            <a:ext cx="6316282" cy="4313690"/>
+          </a:xfrm>
+          <a:prstGeom prst="rect">
+            <a:avLst/>
+          </a:prstGeom>
+        </p:spPr>
+      </p:pic>
     </p:spTree>
     <p:extLst>
       <p:ext uri="{BB962C8B-B14F-4D97-AF65-F5344CB8AC3E}">

--- a/Medienverwaltungsdatenbank Gruppe1.pptx
+++ b/Medienverwaltungsdatenbank Gruppe1.pptx
@@ -15259,7 +15259,7 @@
         </p:blipFill>
         <p:spPr>
           <a:xfrm>
-            <a:off x="396902" y="3911772"/>
+            <a:off x="381311" y="3794293"/>
             <a:ext cx="6850009" cy="1569062"/>
           </a:xfrm>
           <a:prstGeom prst="rect">
@@ -15267,6 +15267,163 @@
           </a:prstGeom>
         </p:spPr>
       </p:pic>
+      <p:sp>
+        <p:nvSpPr>
+          <p:cNvPr id="2" name="Textfeld 1">
+            <a:extLst>
+              <a:ext uri="{FF2B5EF4-FFF2-40B4-BE49-F238E27FC236}">
+                <a16:creationId xmlns:a16="http://schemas.microsoft.com/office/drawing/2014/main" id="{C67121C2-94F5-A948-60D1-F6B57939080F}"/>
+              </a:ext>
+            </a:extLst>
+          </p:cNvPr>
+          <p:cNvSpPr txBox="1"/>
+          <p:nvPr/>
+        </p:nvSpPr>
+        <p:spPr>
+          <a:xfrm>
+            <a:off x="602510" y="3255149"/>
+            <a:ext cx="5974713" cy="369332"/>
+          </a:xfrm>
+          <a:prstGeom prst="rect">
+            <a:avLst/>
+          </a:prstGeom>
+          <a:noFill/>
+        </p:spPr>
+        <p:txBody>
+          <a:bodyPr wrap="none" rtlCol="0">
+            <a:spAutoFit/>
+          </a:bodyPr>
+          <a:lstStyle/>
+          <a:p>
+            <a:r>
+              <a:rPr lang="en-US" sz="1800" b="1" i="0" u="none" strike="noStrike" baseline="0" dirty="0">
+                <a:solidFill>
+                  <a:srgbClr val="0000FF"/>
+                </a:solidFill>
+                <a:latin typeface="Courier New" panose="02070309020205020404" pitchFamily="49" charset="0"/>
+              </a:rPr>
+              <a:t>DELETE</a:t>
+            </a:r>
+            <a:r>
+              <a:rPr lang="en-US" sz="1800" b="0" i="0" u="none" strike="noStrike" baseline="0" dirty="0">
+                <a:solidFill>
+                  <a:srgbClr val="000000"/>
+                </a:solidFill>
+                <a:latin typeface="Courier New" panose="02070309020205020404" pitchFamily="49" charset="0"/>
+              </a:rPr>
+              <a:t> </a:t>
+            </a:r>
+            <a:r>
+              <a:rPr lang="en-US" sz="1800" b="1" i="0" u="none" strike="noStrike" baseline="0" dirty="0">
+                <a:solidFill>
+                  <a:srgbClr val="0000FF"/>
+                </a:solidFill>
+                <a:latin typeface="Courier New" panose="02070309020205020404" pitchFamily="49" charset="0"/>
+              </a:rPr>
+              <a:t>FROM</a:t>
+            </a:r>
+            <a:r>
+              <a:rPr lang="en-US" sz="1800" b="0" i="0" u="none" strike="noStrike" baseline="0" dirty="0">
+                <a:solidFill>
+                  <a:srgbClr val="000000"/>
+                </a:solidFill>
+                <a:latin typeface="Courier New" panose="02070309020205020404" pitchFamily="49" charset="0"/>
+              </a:rPr>
+              <a:t> </a:t>
+            </a:r>
+            <a:r>
+              <a:rPr lang="en-US" sz="1800" b="0" i="0" u="none" strike="noStrike" baseline="0" dirty="0">
+                <a:solidFill>
+                  <a:srgbClr val="FF00FF"/>
+                </a:solidFill>
+                <a:latin typeface="Courier New" panose="02070309020205020404" pitchFamily="49" charset="0"/>
+              </a:rPr>
+              <a:t>withdrawals</a:t>
+            </a:r>
+            <a:r>
+              <a:rPr lang="en-US" sz="1800" b="0" i="0" u="none" strike="noStrike" baseline="0" dirty="0">
+                <a:solidFill>
+                  <a:srgbClr val="000000"/>
+                </a:solidFill>
+                <a:latin typeface="Courier New" panose="02070309020205020404" pitchFamily="49" charset="0"/>
+              </a:rPr>
+              <a:t> </a:t>
+            </a:r>
+            <a:r>
+              <a:rPr lang="en-US" sz="1800" b="1" i="0" u="none" strike="noStrike" baseline="0" dirty="0">
+                <a:solidFill>
+                  <a:srgbClr val="0000FF"/>
+                </a:solidFill>
+                <a:latin typeface="Courier New" panose="02070309020205020404" pitchFamily="49" charset="0"/>
+              </a:rPr>
+              <a:t>WHERE</a:t>
+            </a:r>
+            <a:r>
+              <a:rPr lang="en-US" sz="1800" b="0" i="0" u="none" strike="noStrike" baseline="0" dirty="0">
+                <a:solidFill>
+                  <a:srgbClr val="000000"/>
+                </a:solidFill>
+                <a:latin typeface="Courier New" panose="02070309020205020404" pitchFamily="49" charset="0"/>
+              </a:rPr>
+              <a:t> </a:t>
+            </a:r>
+            <a:r>
+              <a:rPr lang="en-US" sz="1800" b="0" i="0" u="none" strike="noStrike" baseline="0" dirty="0" err="1">
+                <a:solidFill>
+                  <a:srgbClr val="808000"/>
+                </a:solidFill>
+                <a:latin typeface="Courier New" panose="02070309020205020404" pitchFamily="49" charset="0"/>
+              </a:rPr>
+              <a:t>mediaID</a:t>
+            </a:r>
+            <a:r>
+              <a:rPr lang="en-US" sz="1800" b="0" i="0" u="none" strike="noStrike" baseline="0" dirty="0">
+                <a:solidFill>
+                  <a:srgbClr val="000000"/>
+                </a:solidFill>
+                <a:latin typeface="Courier New" panose="02070309020205020404" pitchFamily="49" charset="0"/>
+              </a:rPr>
+              <a:t> </a:t>
+            </a:r>
+            <a:r>
+              <a:rPr lang="en-US" sz="1800" b="0" i="0" u="none" strike="noStrike" baseline="0" dirty="0">
+                <a:solidFill>
+                  <a:srgbClr val="0000FF"/>
+                </a:solidFill>
+                <a:latin typeface="Courier New" panose="02070309020205020404" pitchFamily="49" charset="0"/>
+              </a:rPr>
+              <a:t>=</a:t>
+            </a:r>
+            <a:r>
+              <a:rPr lang="en-US" sz="1800" b="0" i="0" u="none" strike="noStrike" baseline="0" dirty="0">
+                <a:solidFill>
+                  <a:srgbClr val="000000"/>
+                </a:solidFill>
+                <a:latin typeface="Courier New" panose="02070309020205020404" pitchFamily="49" charset="0"/>
+              </a:rPr>
+              <a:t> </a:t>
+            </a:r>
+            <a:r>
+              <a:rPr lang="en-US" sz="1800" b="0" i="0" u="none" strike="noStrike" baseline="0" dirty="0">
+                <a:solidFill>
+                  <a:srgbClr val="800080"/>
+                </a:solidFill>
+                <a:latin typeface="Courier New" panose="02070309020205020404" pitchFamily="49" charset="0"/>
+              </a:rPr>
+              <a:t>8</a:t>
+            </a:r>
+            <a:r>
+              <a:rPr lang="en-US" sz="1800" b="0" i="0" u="none" strike="noStrike" baseline="0" dirty="0">
+                <a:solidFill>
+                  <a:srgbClr val="0000FF"/>
+                </a:solidFill>
+                <a:latin typeface="Courier New" panose="02070309020205020404" pitchFamily="49" charset="0"/>
+              </a:rPr>
+              <a:t>;</a:t>
+            </a:r>
+          </a:p>
+        </p:txBody>
+      </p:sp>
     </p:spTree>
     <p:extLst>
       <p:ext uri="{BB962C8B-B14F-4D97-AF65-F5344CB8AC3E}">
@@ -16246,7 +16403,7 @@
           <a:p>
             <a:r>
               <a:rPr lang="de-DE" dirty="0"/>
-              <a:t>Übersicht: Views, Funktionen, Transaktionen, Trigger</a:t>
+              <a:t>Views</a:t>
             </a:r>
           </a:p>
           <a:p>
@@ -16255,36 +16412,6 @@
           </a:p>
         </p:txBody>
       </p:sp>
-      <p:pic>
-        <p:nvPicPr>
-          <p:cNvPr id="5" name="Grafik 4">
-            <a:extLst>
-              <a:ext uri="{FF2B5EF4-FFF2-40B4-BE49-F238E27FC236}">
-                <a16:creationId xmlns:a16="http://schemas.microsoft.com/office/drawing/2014/main" id="{F8880B6C-66A9-E57F-4F43-A67525439BB8}"/>
-              </a:ext>
-            </a:extLst>
-          </p:cNvPr>
-          <p:cNvPicPr>
-            <a:picLocks noChangeAspect="1"/>
-          </p:cNvPicPr>
-          <p:nvPr/>
-        </p:nvPicPr>
-        <p:blipFill>
-          <a:blip r:embed="rId3"/>
-          <a:stretch>
-            <a:fillRect/>
-          </a:stretch>
-        </p:blipFill>
-        <p:spPr>
-          <a:xfrm>
-            <a:off x="619463" y="1676400"/>
-            <a:ext cx="1595312" cy="4279490"/>
-          </a:xfrm>
-          <a:prstGeom prst="rect">
-            <a:avLst/>
-          </a:prstGeom>
-        </p:spPr>
-      </p:pic>
       <p:sp>
         <p:nvSpPr>
           <p:cNvPr id="6" name="Textplatzhalter 8">
@@ -16480,6 +16607,1891 @@
           <a:p>
             <a:pPr algn="l"/>
             <a:endParaRPr lang="de-DE" dirty="0"/>
+          </a:p>
+        </p:txBody>
+      </p:sp>
+      <p:sp>
+        <p:nvSpPr>
+          <p:cNvPr id="3" name="Textfeld 2">
+            <a:extLst>
+              <a:ext uri="{FF2B5EF4-FFF2-40B4-BE49-F238E27FC236}">
+                <a16:creationId xmlns:a16="http://schemas.microsoft.com/office/drawing/2014/main" id="{975C9F9C-3CCC-3A2C-3220-687CA432404E}"/>
+              </a:ext>
+            </a:extLst>
+          </p:cNvPr>
+          <p:cNvSpPr txBox="1"/>
+          <p:nvPr/>
+        </p:nvSpPr>
+        <p:spPr>
+          <a:xfrm>
+            <a:off x="1372835" y="2418055"/>
+            <a:ext cx="2591287" cy="2031325"/>
+          </a:xfrm>
+          <a:prstGeom prst="rect">
+            <a:avLst/>
+          </a:prstGeom>
+          <a:noFill/>
+        </p:spPr>
+        <p:txBody>
+          <a:bodyPr wrap="none" rtlCol="0">
+            <a:spAutoFit/>
+          </a:bodyPr>
+          <a:lstStyle/>
+          <a:p>
+            <a:pPr marL="342900" indent="-342900">
+              <a:buFont typeface="+mj-lt"/>
+              <a:buAutoNum type="arabicPeriod"/>
+            </a:pPr>
+            <a:r>
+              <a:rPr lang="de-DE" b="1" dirty="0" err="1"/>
+              <a:t>view_master</a:t>
+            </a:r>
+            <a:endParaRPr lang="de-DE" b="1" dirty="0"/>
+          </a:p>
+          <a:p>
+            <a:pPr marL="342900" indent="-342900">
+              <a:buFont typeface="+mj-lt"/>
+              <a:buAutoNum type="arabicPeriod"/>
+            </a:pPr>
+            <a:r>
+              <a:rPr lang="de-DE" b="1" dirty="0" err="1"/>
+              <a:t>View_media_titles</a:t>
+            </a:r>
+            <a:endParaRPr lang="de-DE" b="1" dirty="0"/>
+          </a:p>
+          <a:p>
+            <a:pPr marL="342900" indent="-342900">
+              <a:buFont typeface="+mj-lt"/>
+              <a:buAutoNum type="arabicPeriod"/>
+            </a:pPr>
+            <a:r>
+              <a:rPr lang="de-DE" b="1" dirty="0" err="1"/>
+              <a:t>view_films_details</a:t>
+            </a:r>
+            <a:endParaRPr lang="de-DE" b="1" dirty="0"/>
+          </a:p>
+          <a:p>
+            <a:pPr marL="342900" indent="-342900">
+              <a:buFont typeface="+mj-lt"/>
+              <a:buAutoNum type="arabicPeriod"/>
+            </a:pPr>
+            <a:r>
+              <a:rPr lang="de-DE" b="1" dirty="0" err="1"/>
+              <a:t>view</a:t>
+            </a:r>
+            <a:r>
+              <a:rPr lang="de-DE" b="1" dirty="0"/>
+              <a:t>_ </a:t>
+            </a:r>
+            <a:r>
+              <a:rPr lang="de-DE" b="1" dirty="0" err="1"/>
+              <a:t>book_details</a:t>
+            </a:r>
+            <a:endParaRPr lang="de-DE" b="1" dirty="0"/>
+          </a:p>
+          <a:p>
+            <a:pPr marL="342900" indent="-342900">
+              <a:buFont typeface="+mj-lt"/>
+              <a:buAutoNum type="arabicPeriod"/>
+            </a:pPr>
+            <a:r>
+              <a:rPr lang="de-DE" b="1" dirty="0" err="1"/>
+              <a:t>view_music_details</a:t>
+            </a:r>
+            <a:endParaRPr lang="de-DE" b="1" dirty="0"/>
+          </a:p>
+          <a:p>
+            <a:pPr marL="342900" indent="-342900">
+              <a:buFont typeface="+mj-lt"/>
+              <a:buAutoNum type="arabicPeriod"/>
+            </a:pPr>
+            <a:r>
+              <a:rPr lang="de-DE" b="1" dirty="0" err="1"/>
+              <a:t>view_series_details</a:t>
+            </a:r>
+            <a:endParaRPr lang="de-DE" b="1" dirty="0"/>
+          </a:p>
+          <a:p>
+            <a:pPr marL="285750" indent="-285750">
+              <a:buFontTx/>
+              <a:buChar char="-"/>
+            </a:pPr>
+            <a:endParaRPr lang="de-DE" dirty="0"/>
+          </a:p>
+        </p:txBody>
+      </p:sp>
+      <p:sp>
+        <p:nvSpPr>
+          <p:cNvPr id="19" name="Textfeld 18">
+            <a:extLst>
+              <a:ext uri="{FF2B5EF4-FFF2-40B4-BE49-F238E27FC236}">
+                <a16:creationId xmlns:a16="http://schemas.microsoft.com/office/drawing/2014/main" id="{0D4991D4-2166-BFEB-1801-8796706140FE}"/>
+              </a:ext>
+            </a:extLst>
+          </p:cNvPr>
+          <p:cNvSpPr txBox="1"/>
+          <p:nvPr/>
+        </p:nvSpPr>
+        <p:spPr>
+          <a:xfrm>
+            <a:off x="4721907" y="1590050"/>
+            <a:ext cx="6376160" cy="3600986"/>
+          </a:xfrm>
+          <a:prstGeom prst="rect">
+            <a:avLst/>
+          </a:prstGeom>
+          <a:noFill/>
+        </p:spPr>
+        <p:txBody>
+          <a:bodyPr wrap="square">
+            <a:spAutoFit/>
+          </a:bodyPr>
+          <a:lstStyle/>
+          <a:p>
+            <a:r>
+              <a:rPr lang="de-DE" sz="1200" b="0" i="0" u="none" strike="noStrike" baseline="0" dirty="0">
+                <a:solidFill>
+                  <a:srgbClr val="000000"/>
+                </a:solidFill>
+                <a:latin typeface="Courier New" panose="02070309020205020404" pitchFamily="49" charset="0"/>
+              </a:rPr>
+              <a:t> </a:t>
+            </a:r>
+          </a:p>
+          <a:p>
+            <a:r>
+              <a:rPr lang="de-DE" sz="1200" b="0" i="1" u="none" strike="noStrike" baseline="0" dirty="0">
+                <a:solidFill>
+                  <a:srgbClr val="808080"/>
+                </a:solidFill>
+                <a:latin typeface="Courier New" panose="02070309020205020404" pitchFamily="49" charset="0"/>
+              </a:rPr>
+              <a:t>/*===========================================================*/</a:t>
+            </a:r>
+          </a:p>
+          <a:p>
+            <a:r>
+              <a:rPr lang="de-DE" sz="1200" b="0" i="1" u="none" strike="noStrike" baseline="0" dirty="0">
+                <a:solidFill>
+                  <a:srgbClr val="808080"/>
+                </a:solidFill>
+                <a:latin typeface="Courier New" panose="02070309020205020404" pitchFamily="49" charset="0"/>
+              </a:rPr>
+              <a:t>/* VIEWS */</a:t>
+            </a:r>
+            <a:r>
+              <a:rPr lang="de-DE" sz="1200" b="0" i="0" u="none" strike="noStrike" baseline="0" dirty="0">
+                <a:solidFill>
+                  <a:srgbClr val="000000"/>
+                </a:solidFill>
+                <a:latin typeface="Courier New" panose="02070309020205020404" pitchFamily="49" charset="0"/>
+              </a:rPr>
+              <a:t>   </a:t>
+            </a:r>
+          </a:p>
+          <a:p>
+            <a:r>
+              <a:rPr lang="de-DE" sz="1200" b="0" i="1" u="none" strike="noStrike" baseline="0" dirty="0">
+                <a:solidFill>
+                  <a:srgbClr val="808080"/>
+                </a:solidFill>
+                <a:latin typeface="Courier New" panose="02070309020205020404" pitchFamily="49" charset="0"/>
+              </a:rPr>
+              <a:t>/*===========================================================*/</a:t>
+            </a:r>
+          </a:p>
+          <a:p>
+            <a:r>
+              <a:rPr lang="de-DE" sz="1200" b="0" i="0" u="none" strike="noStrike" baseline="0" dirty="0">
+                <a:solidFill>
+                  <a:srgbClr val="000000"/>
+                </a:solidFill>
+                <a:latin typeface="Courier New" panose="02070309020205020404" pitchFamily="49" charset="0"/>
+              </a:rPr>
+              <a:t> </a:t>
+            </a:r>
+          </a:p>
+          <a:p>
+            <a:r>
+              <a:rPr lang="en-US" sz="1200" b="0" i="0" u="none" strike="noStrike" baseline="0" dirty="0">
+                <a:solidFill>
+                  <a:srgbClr val="000000"/>
+                </a:solidFill>
+                <a:latin typeface="Courier New" panose="02070309020205020404" pitchFamily="49" charset="0"/>
+              </a:rPr>
+              <a:t> </a:t>
+            </a:r>
+            <a:r>
+              <a:rPr lang="en-US" sz="1200" b="1" i="0" u="none" strike="noStrike" baseline="0" dirty="0">
+                <a:solidFill>
+                  <a:srgbClr val="0000FF"/>
+                </a:solidFill>
+                <a:latin typeface="Courier New" panose="02070309020205020404" pitchFamily="49" charset="0"/>
+              </a:rPr>
+              <a:t>DROP</a:t>
+            </a:r>
+            <a:r>
+              <a:rPr lang="en-US" sz="1200" b="0" i="0" u="none" strike="noStrike" baseline="0" dirty="0">
+                <a:solidFill>
+                  <a:srgbClr val="000000"/>
+                </a:solidFill>
+                <a:latin typeface="Courier New" panose="02070309020205020404" pitchFamily="49" charset="0"/>
+              </a:rPr>
+              <a:t> </a:t>
+            </a:r>
+            <a:r>
+              <a:rPr lang="en-US" sz="1200" b="1" i="0" u="none" strike="noStrike" baseline="0" dirty="0">
+                <a:solidFill>
+                  <a:srgbClr val="0000FF"/>
+                </a:solidFill>
+                <a:latin typeface="Courier New" panose="02070309020205020404" pitchFamily="49" charset="0"/>
+              </a:rPr>
+              <a:t>VIEW</a:t>
+            </a:r>
+            <a:r>
+              <a:rPr lang="en-US" sz="1200" b="0" i="0" u="none" strike="noStrike" baseline="0" dirty="0">
+                <a:solidFill>
+                  <a:srgbClr val="000000"/>
+                </a:solidFill>
+                <a:latin typeface="Courier New" panose="02070309020205020404" pitchFamily="49" charset="0"/>
+              </a:rPr>
+              <a:t> </a:t>
+            </a:r>
+            <a:r>
+              <a:rPr lang="en-US" sz="1200" b="1" i="0" u="none" strike="noStrike" baseline="0" dirty="0">
+                <a:solidFill>
+                  <a:srgbClr val="000000"/>
+                </a:solidFill>
+                <a:latin typeface="Courier New" panose="02070309020205020404" pitchFamily="49" charset="0"/>
+              </a:rPr>
+              <a:t>IF</a:t>
+            </a:r>
+            <a:r>
+              <a:rPr lang="en-US" sz="1200" b="0" i="0" u="none" strike="noStrike" baseline="0" dirty="0">
+                <a:solidFill>
+                  <a:srgbClr val="000000"/>
+                </a:solidFill>
+                <a:latin typeface="Courier New" panose="02070309020205020404" pitchFamily="49" charset="0"/>
+              </a:rPr>
+              <a:t> </a:t>
+            </a:r>
+            <a:r>
+              <a:rPr lang="en-US" sz="1200" b="1" i="0" u="none" strike="noStrike" baseline="0" dirty="0">
+                <a:solidFill>
+                  <a:srgbClr val="0000FF"/>
+                </a:solidFill>
+                <a:latin typeface="Courier New" panose="02070309020205020404" pitchFamily="49" charset="0"/>
+              </a:rPr>
+              <a:t>EXISTS</a:t>
+            </a:r>
+            <a:r>
+              <a:rPr lang="en-US" sz="1200" b="0" i="0" u="none" strike="noStrike" baseline="0" dirty="0">
+                <a:solidFill>
+                  <a:srgbClr val="000000"/>
+                </a:solidFill>
+                <a:latin typeface="Courier New" panose="02070309020205020404" pitchFamily="49" charset="0"/>
+              </a:rPr>
+              <a:t> </a:t>
+            </a:r>
+            <a:r>
+              <a:rPr lang="en-US" sz="1200" b="0" i="0" u="none" strike="noStrike" baseline="0" dirty="0" err="1">
+                <a:solidFill>
+                  <a:srgbClr val="FF00FF"/>
+                </a:solidFill>
+                <a:latin typeface="Courier New" panose="02070309020205020404" pitchFamily="49" charset="0"/>
+              </a:rPr>
+              <a:t>view_media_titles</a:t>
+            </a:r>
+            <a:r>
+              <a:rPr lang="en-US" sz="1200" b="0" i="0" u="none" strike="noStrike" baseline="0" dirty="0">
+                <a:solidFill>
+                  <a:srgbClr val="0000FF"/>
+                </a:solidFill>
+                <a:latin typeface="Courier New" panose="02070309020205020404" pitchFamily="49" charset="0"/>
+              </a:rPr>
+              <a:t>;</a:t>
+            </a:r>
+          </a:p>
+          <a:p>
+            <a:r>
+              <a:rPr lang="en-US" sz="1200" b="1" i="0" u="none" strike="noStrike" baseline="0" dirty="0">
+                <a:solidFill>
+                  <a:srgbClr val="0000FF"/>
+                </a:solidFill>
+                <a:latin typeface="Courier New" panose="02070309020205020404" pitchFamily="49" charset="0"/>
+              </a:rPr>
+              <a:t>CREATE</a:t>
+            </a:r>
+            <a:r>
+              <a:rPr lang="en-US" sz="1200" b="0" i="0" u="none" strike="noStrike" baseline="0" dirty="0">
+                <a:solidFill>
+                  <a:srgbClr val="000000"/>
+                </a:solidFill>
+                <a:latin typeface="Courier New" panose="02070309020205020404" pitchFamily="49" charset="0"/>
+              </a:rPr>
+              <a:t> </a:t>
+            </a:r>
+            <a:r>
+              <a:rPr lang="en-US" sz="1200" b="1" i="0" u="none" strike="noStrike" baseline="0" dirty="0">
+                <a:solidFill>
+                  <a:srgbClr val="0000FF"/>
+                </a:solidFill>
+                <a:latin typeface="Courier New" panose="02070309020205020404" pitchFamily="49" charset="0"/>
+              </a:rPr>
+              <a:t>VIEW</a:t>
+            </a:r>
+            <a:r>
+              <a:rPr lang="en-US" sz="1200" b="0" i="0" u="none" strike="noStrike" baseline="0" dirty="0">
+                <a:solidFill>
+                  <a:srgbClr val="000000"/>
+                </a:solidFill>
+                <a:latin typeface="Courier New" panose="02070309020205020404" pitchFamily="49" charset="0"/>
+              </a:rPr>
+              <a:t> </a:t>
+            </a:r>
+            <a:r>
+              <a:rPr lang="en-US" sz="1200" b="1" i="0" u="none" strike="noStrike" baseline="0" dirty="0">
+                <a:solidFill>
+                  <a:srgbClr val="000000"/>
+                </a:solidFill>
+                <a:latin typeface="Courier New" panose="02070309020205020404" pitchFamily="49" charset="0"/>
+              </a:rPr>
+              <a:t>IF</a:t>
+            </a:r>
+            <a:r>
+              <a:rPr lang="en-US" sz="1200" b="0" i="0" u="none" strike="noStrike" baseline="0" dirty="0">
+                <a:solidFill>
+                  <a:srgbClr val="000000"/>
+                </a:solidFill>
+                <a:latin typeface="Courier New" panose="02070309020205020404" pitchFamily="49" charset="0"/>
+              </a:rPr>
+              <a:t> </a:t>
+            </a:r>
+            <a:r>
+              <a:rPr lang="en-US" sz="1200" b="1" i="0" u="none" strike="noStrike" baseline="0" dirty="0">
+                <a:solidFill>
+                  <a:srgbClr val="0000FF"/>
+                </a:solidFill>
+                <a:latin typeface="Courier New" panose="02070309020205020404" pitchFamily="49" charset="0"/>
+              </a:rPr>
+              <a:t>NOT</a:t>
+            </a:r>
+            <a:r>
+              <a:rPr lang="en-US" sz="1200" b="0" i="0" u="none" strike="noStrike" baseline="0" dirty="0">
+                <a:solidFill>
+                  <a:srgbClr val="000000"/>
+                </a:solidFill>
+                <a:latin typeface="Courier New" panose="02070309020205020404" pitchFamily="49" charset="0"/>
+              </a:rPr>
+              <a:t> </a:t>
+            </a:r>
+            <a:r>
+              <a:rPr lang="en-US" sz="1200" b="1" i="0" u="none" strike="noStrike" baseline="0" dirty="0">
+                <a:solidFill>
+                  <a:srgbClr val="0000FF"/>
+                </a:solidFill>
+                <a:latin typeface="Courier New" panose="02070309020205020404" pitchFamily="49" charset="0"/>
+              </a:rPr>
+              <a:t>EXISTS</a:t>
+            </a:r>
+            <a:r>
+              <a:rPr lang="en-US" sz="1200" b="0" i="0" u="none" strike="noStrike" baseline="0" dirty="0">
+                <a:solidFill>
+                  <a:srgbClr val="000000"/>
+                </a:solidFill>
+                <a:latin typeface="Courier New" panose="02070309020205020404" pitchFamily="49" charset="0"/>
+              </a:rPr>
+              <a:t> </a:t>
+            </a:r>
+            <a:r>
+              <a:rPr lang="en-US" sz="1200" b="0" i="0" u="none" strike="noStrike" baseline="0" dirty="0" err="1">
+                <a:solidFill>
+                  <a:srgbClr val="FF00FF"/>
+                </a:solidFill>
+                <a:latin typeface="Courier New" panose="02070309020205020404" pitchFamily="49" charset="0"/>
+              </a:rPr>
+              <a:t>view_media_titles</a:t>
+            </a:r>
+            <a:r>
+              <a:rPr lang="en-US" sz="1200" b="0" i="0" u="none" strike="noStrike" baseline="0" dirty="0">
+                <a:solidFill>
+                  <a:srgbClr val="000000"/>
+                </a:solidFill>
+                <a:latin typeface="Courier New" panose="02070309020205020404" pitchFamily="49" charset="0"/>
+              </a:rPr>
+              <a:t> </a:t>
+            </a:r>
+            <a:r>
+              <a:rPr lang="en-US" sz="1200" b="1" i="0" u="none" strike="noStrike" baseline="0" dirty="0">
+                <a:solidFill>
+                  <a:srgbClr val="0000FF"/>
+                </a:solidFill>
+                <a:latin typeface="Courier New" panose="02070309020205020404" pitchFamily="49" charset="0"/>
+              </a:rPr>
+              <a:t>AS</a:t>
+            </a:r>
+          </a:p>
+          <a:p>
+            <a:r>
+              <a:rPr lang="en-US" sz="1200" b="1" i="0" u="none" strike="noStrike" baseline="0" dirty="0">
+                <a:solidFill>
+                  <a:srgbClr val="0000FF"/>
+                </a:solidFill>
+                <a:latin typeface="Courier New" panose="02070309020205020404" pitchFamily="49" charset="0"/>
+              </a:rPr>
+              <a:t>SELECT</a:t>
+            </a:r>
+            <a:r>
+              <a:rPr lang="en-US" sz="1200" b="0" i="0" u="none" strike="noStrike" baseline="0" dirty="0">
+                <a:solidFill>
+                  <a:srgbClr val="000000"/>
+                </a:solidFill>
+                <a:latin typeface="Courier New" panose="02070309020205020404" pitchFamily="49" charset="0"/>
+              </a:rPr>
+              <a:t> </a:t>
+            </a:r>
+            <a:r>
+              <a:rPr lang="en-US" sz="1200" b="0" i="0" u="none" strike="noStrike" baseline="0" dirty="0" err="1">
+                <a:solidFill>
+                  <a:srgbClr val="FF00FF"/>
+                </a:solidFill>
+                <a:latin typeface="Courier New" panose="02070309020205020404" pitchFamily="49" charset="0"/>
+              </a:rPr>
+              <a:t>media</a:t>
+            </a:r>
+            <a:r>
+              <a:rPr lang="en-US" sz="1200" b="0" i="0" u="none" strike="noStrike" baseline="0" dirty="0" err="1">
+                <a:solidFill>
+                  <a:srgbClr val="0000FF"/>
+                </a:solidFill>
+                <a:latin typeface="Courier New" panose="02070309020205020404" pitchFamily="49" charset="0"/>
+              </a:rPr>
+              <a:t>.</a:t>
+            </a:r>
+            <a:r>
+              <a:rPr lang="en-US" sz="1200" b="0" i="0" u="none" strike="noStrike" baseline="0" dirty="0" err="1">
+                <a:solidFill>
+                  <a:srgbClr val="808000"/>
+                </a:solidFill>
+                <a:latin typeface="Courier New" panose="02070309020205020404" pitchFamily="49" charset="0"/>
+              </a:rPr>
+              <a:t>mediaID</a:t>
+            </a:r>
+            <a:r>
+              <a:rPr lang="en-US" sz="1200" b="0" i="0" u="none" strike="noStrike" baseline="0" dirty="0">
+                <a:solidFill>
+                  <a:srgbClr val="0000FF"/>
+                </a:solidFill>
+                <a:latin typeface="Courier New" panose="02070309020205020404" pitchFamily="49" charset="0"/>
+              </a:rPr>
+              <a:t>,</a:t>
+            </a:r>
+            <a:r>
+              <a:rPr lang="en-US" sz="1200" b="0" i="0" u="none" strike="noStrike" baseline="0" dirty="0">
+                <a:solidFill>
+                  <a:srgbClr val="000000"/>
+                </a:solidFill>
+                <a:latin typeface="Courier New" panose="02070309020205020404" pitchFamily="49" charset="0"/>
+              </a:rPr>
+              <a:t> </a:t>
+            </a:r>
+            <a:r>
+              <a:rPr lang="en-US" sz="1200" b="0" i="0" u="none" strike="noStrike" baseline="0" dirty="0" err="1">
+                <a:solidFill>
+                  <a:srgbClr val="FF00FF"/>
+                </a:solidFill>
+                <a:latin typeface="Courier New" panose="02070309020205020404" pitchFamily="49" charset="0"/>
+              </a:rPr>
+              <a:t>media</a:t>
+            </a:r>
+            <a:r>
+              <a:rPr lang="en-US" sz="1200" b="0" i="0" u="none" strike="noStrike" baseline="0" dirty="0" err="1">
+                <a:solidFill>
+                  <a:srgbClr val="0000FF"/>
+                </a:solidFill>
+                <a:latin typeface="Courier New" panose="02070309020205020404" pitchFamily="49" charset="0"/>
+              </a:rPr>
+              <a:t>.</a:t>
+            </a:r>
+            <a:r>
+              <a:rPr lang="en-US" sz="1200" b="0" i="0" u="none" strike="noStrike" baseline="0" dirty="0" err="1">
+                <a:solidFill>
+                  <a:srgbClr val="808000"/>
+                </a:solidFill>
+                <a:latin typeface="Courier New" panose="02070309020205020404" pitchFamily="49" charset="0"/>
+              </a:rPr>
+              <a:t>title</a:t>
+            </a:r>
+            <a:r>
+              <a:rPr lang="en-US" sz="1200" b="0" i="0" u="none" strike="noStrike" baseline="0" dirty="0">
+                <a:solidFill>
+                  <a:srgbClr val="0000FF"/>
+                </a:solidFill>
+                <a:latin typeface="Courier New" panose="02070309020205020404" pitchFamily="49" charset="0"/>
+              </a:rPr>
+              <a:t>,</a:t>
+            </a:r>
+            <a:r>
+              <a:rPr lang="en-US" sz="1200" b="0" i="0" u="none" strike="noStrike" baseline="0" dirty="0">
+                <a:solidFill>
+                  <a:srgbClr val="000000"/>
+                </a:solidFill>
+                <a:latin typeface="Courier New" panose="02070309020205020404" pitchFamily="49" charset="0"/>
+              </a:rPr>
+              <a:t> </a:t>
+            </a:r>
+          </a:p>
+          <a:p>
+            <a:r>
+              <a:rPr lang="de-DE" sz="1200" b="0" i="0" u="none" strike="noStrike" baseline="0" dirty="0">
+                <a:solidFill>
+                  <a:srgbClr val="000000"/>
+                </a:solidFill>
+                <a:latin typeface="Courier New" panose="02070309020205020404" pitchFamily="49" charset="0"/>
+              </a:rPr>
+              <a:t>       </a:t>
+            </a:r>
+            <a:r>
+              <a:rPr lang="de-DE" sz="1200" b="1" i="0" u="none" strike="noStrike" baseline="0" dirty="0">
+                <a:solidFill>
+                  <a:srgbClr val="000000"/>
+                </a:solidFill>
+                <a:latin typeface="Courier New" panose="02070309020205020404" pitchFamily="49" charset="0"/>
+              </a:rPr>
+              <a:t>CASE</a:t>
+            </a:r>
+            <a:r>
+              <a:rPr lang="de-DE" sz="1200" b="0" i="0" u="none" strike="noStrike" baseline="0" dirty="0">
+                <a:solidFill>
+                  <a:srgbClr val="000000"/>
+                </a:solidFill>
+                <a:latin typeface="Courier New" panose="02070309020205020404" pitchFamily="49" charset="0"/>
+              </a:rPr>
+              <a:t> </a:t>
+            </a:r>
+          </a:p>
+          <a:p>
+            <a:r>
+              <a:rPr lang="en-US" sz="1200" b="0" i="0" u="none" strike="noStrike" baseline="0" dirty="0">
+                <a:solidFill>
+                  <a:srgbClr val="000000"/>
+                </a:solidFill>
+                <a:latin typeface="Courier New" panose="02070309020205020404" pitchFamily="49" charset="0"/>
+              </a:rPr>
+              <a:t>           </a:t>
+            </a:r>
+            <a:r>
+              <a:rPr lang="en-US" sz="1200" b="1" i="0" u="none" strike="noStrike" baseline="0" dirty="0">
+                <a:solidFill>
+                  <a:srgbClr val="000000"/>
+                </a:solidFill>
+                <a:latin typeface="Courier New" panose="02070309020205020404" pitchFamily="49" charset="0"/>
+              </a:rPr>
+              <a:t>WHEN</a:t>
+            </a:r>
+            <a:r>
+              <a:rPr lang="en-US" sz="1200" b="0" i="0" u="none" strike="noStrike" baseline="0" dirty="0">
+                <a:solidFill>
+                  <a:srgbClr val="000000"/>
+                </a:solidFill>
+                <a:latin typeface="Courier New" panose="02070309020205020404" pitchFamily="49" charset="0"/>
+              </a:rPr>
+              <a:t> </a:t>
+            </a:r>
+            <a:r>
+              <a:rPr lang="en-US" sz="1200" b="0" i="0" u="none" strike="noStrike" baseline="0" dirty="0" err="1">
+                <a:solidFill>
+                  <a:srgbClr val="FF00FF"/>
+                </a:solidFill>
+                <a:latin typeface="Courier New" panose="02070309020205020404" pitchFamily="49" charset="0"/>
+              </a:rPr>
+              <a:t>music</a:t>
+            </a:r>
+            <a:r>
+              <a:rPr lang="en-US" sz="1200" b="0" i="0" u="none" strike="noStrike" baseline="0" dirty="0" err="1">
+                <a:solidFill>
+                  <a:srgbClr val="0000FF"/>
+                </a:solidFill>
+                <a:latin typeface="Courier New" panose="02070309020205020404" pitchFamily="49" charset="0"/>
+              </a:rPr>
+              <a:t>.</a:t>
+            </a:r>
+            <a:r>
+              <a:rPr lang="en-US" sz="1200" b="0" i="0" u="none" strike="noStrike" baseline="0" dirty="0" err="1">
+                <a:solidFill>
+                  <a:srgbClr val="808000"/>
+                </a:solidFill>
+                <a:latin typeface="Courier New" panose="02070309020205020404" pitchFamily="49" charset="0"/>
+              </a:rPr>
+              <a:t>mediaID</a:t>
+            </a:r>
+            <a:r>
+              <a:rPr lang="en-US" sz="1200" b="0" i="0" u="none" strike="noStrike" baseline="0" dirty="0">
+                <a:solidFill>
+                  <a:srgbClr val="000000"/>
+                </a:solidFill>
+                <a:latin typeface="Courier New" panose="02070309020205020404" pitchFamily="49" charset="0"/>
+              </a:rPr>
+              <a:t> </a:t>
+            </a:r>
+            <a:r>
+              <a:rPr lang="en-US" sz="1200" b="1" i="0" u="none" strike="noStrike" baseline="0" dirty="0">
+                <a:solidFill>
+                  <a:srgbClr val="0000FF"/>
+                </a:solidFill>
+                <a:latin typeface="Courier New" panose="02070309020205020404" pitchFamily="49" charset="0"/>
+              </a:rPr>
+              <a:t>IS</a:t>
+            </a:r>
+            <a:r>
+              <a:rPr lang="en-US" sz="1200" b="0" i="0" u="none" strike="noStrike" baseline="0" dirty="0">
+                <a:solidFill>
+                  <a:srgbClr val="000000"/>
+                </a:solidFill>
+                <a:latin typeface="Courier New" panose="02070309020205020404" pitchFamily="49" charset="0"/>
+              </a:rPr>
+              <a:t> </a:t>
+            </a:r>
+            <a:r>
+              <a:rPr lang="en-US" sz="1200" b="1" i="0" u="none" strike="noStrike" baseline="0" dirty="0">
+                <a:solidFill>
+                  <a:srgbClr val="0000FF"/>
+                </a:solidFill>
+                <a:latin typeface="Courier New" panose="02070309020205020404" pitchFamily="49" charset="0"/>
+              </a:rPr>
+              <a:t>NOT</a:t>
+            </a:r>
+            <a:r>
+              <a:rPr lang="en-US" sz="1200" b="0" i="0" u="none" strike="noStrike" baseline="0" dirty="0">
+                <a:solidFill>
+                  <a:srgbClr val="000000"/>
+                </a:solidFill>
+                <a:latin typeface="Courier New" panose="02070309020205020404" pitchFamily="49" charset="0"/>
+              </a:rPr>
+              <a:t> </a:t>
+            </a:r>
+            <a:r>
+              <a:rPr lang="en-US" sz="1200" b="1" i="0" u="none" strike="noStrike" baseline="0" dirty="0">
+                <a:solidFill>
+                  <a:srgbClr val="0000FF"/>
+                </a:solidFill>
+                <a:latin typeface="Courier New" panose="02070309020205020404" pitchFamily="49" charset="0"/>
+              </a:rPr>
+              <a:t>NULL</a:t>
+            </a:r>
+            <a:r>
+              <a:rPr lang="en-US" sz="1200" b="0" i="0" u="none" strike="noStrike" baseline="0" dirty="0">
+                <a:solidFill>
+                  <a:srgbClr val="000000"/>
+                </a:solidFill>
+                <a:latin typeface="Courier New" panose="02070309020205020404" pitchFamily="49" charset="0"/>
+              </a:rPr>
+              <a:t> </a:t>
+            </a:r>
+            <a:r>
+              <a:rPr lang="en-US" sz="1200" b="1" i="0" u="none" strike="noStrike" baseline="0" dirty="0">
+                <a:solidFill>
+                  <a:srgbClr val="000000"/>
+                </a:solidFill>
+                <a:latin typeface="Courier New" panose="02070309020205020404" pitchFamily="49" charset="0"/>
+              </a:rPr>
+              <a:t>THEN</a:t>
+            </a:r>
+            <a:r>
+              <a:rPr lang="en-US" sz="1200" b="0" i="0" u="none" strike="noStrike" baseline="0" dirty="0">
+                <a:solidFill>
+                  <a:srgbClr val="000000"/>
+                </a:solidFill>
+                <a:latin typeface="Courier New" panose="02070309020205020404" pitchFamily="49" charset="0"/>
+              </a:rPr>
+              <a:t> </a:t>
+            </a:r>
+            <a:r>
+              <a:rPr lang="en-US" sz="1200" b="0" i="0" u="none" strike="noStrike" baseline="0" dirty="0">
+                <a:solidFill>
+                  <a:srgbClr val="008000"/>
+                </a:solidFill>
+                <a:latin typeface="Courier New" panose="02070309020205020404" pitchFamily="49" charset="0"/>
+              </a:rPr>
+              <a:t>'Music'</a:t>
+            </a:r>
+          </a:p>
+          <a:p>
+            <a:r>
+              <a:rPr lang="en-US" sz="1200" b="0" i="0" u="none" strike="noStrike" baseline="0" dirty="0">
+                <a:solidFill>
+                  <a:srgbClr val="000000"/>
+                </a:solidFill>
+                <a:latin typeface="Courier New" panose="02070309020205020404" pitchFamily="49" charset="0"/>
+              </a:rPr>
+              <a:t>           </a:t>
+            </a:r>
+            <a:r>
+              <a:rPr lang="en-US" sz="1200" b="1" i="0" u="none" strike="noStrike" baseline="0" dirty="0">
+                <a:solidFill>
+                  <a:srgbClr val="000000"/>
+                </a:solidFill>
+                <a:latin typeface="Courier New" panose="02070309020205020404" pitchFamily="49" charset="0"/>
+              </a:rPr>
+              <a:t>WHEN</a:t>
+            </a:r>
+            <a:r>
+              <a:rPr lang="en-US" sz="1200" b="0" i="0" u="none" strike="noStrike" baseline="0" dirty="0">
+                <a:solidFill>
+                  <a:srgbClr val="000000"/>
+                </a:solidFill>
+                <a:latin typeface="Courier New" panose="02070309020205020404" pitchFamily="49" charset="0"/>
+              </a:rPr>
+              <a:t> </a:t>
+            </a:r>
+            <a:r>
+              <a:rPr lang="en-US" sz="1200" b="0" i="0" u="none" strike="noStrike" baseline="0" dirty="0" err="1">
+                <a:solidFill>
+                  <a:srgbClr val="FF00FF"/>
+                </a:solidFill>
+                <a:latin typeface="Courier New" panose="02070309020205020404" pitchFamily="49" charset="0"/>
+              </a:rPr>
+              <a:t>films</a:t>
+            </a:r>
+            <a:r>
+              <a:rPr lang="en-US" sz="1200" b="0" i="0" u="none" strike="noStrike" baseline="0" dirty="0" err="1">
+                <a:solidFill>
+                  <a:srgbClr val="0000FF"/>
+                </a:solidFill>
+                <a:latin typeface="Courier New" panose="02070309020205020404" pitchFamily="49" charset="0"/>
+              </a:rPr>
+              <a:t>.</a:t>
+            </a:r>
+            <a:r>
+              <a:rPr lang="en-US" sz="1200" b="0" i="0" u="none" strike="noStrike" baseline="0" dirty="0" err="1">
+                <a:solidFill>
+                  <a:srgbClr val="808000"/>
+                </a:solidFill>
+                <a:latin typeface="Courier New" panose="02070309020205020404" pitchFamily="49" charset="0"/>
+              </a:rPr>
+              <a:t>mediaID</a:t>
+            </a:r>
+            <a:r>
+              <a:rPr lang="en-US" sz="1200" b="0" i="0" u="none" strike="noStrike" baseline="0" dirty="0">
+                <a:solidFill>
+                  <a:srgbClr val="000000"/>
+                </a:solidFill>
+                <a:latin typeface="Courier New" panose="02070309020205020404" pitchFamily="49" charset="0"/>
+              </a:rPr>
+              <a:t> </a:t>
+            </a:r>
+            <a:r>
+              <a:rPr lang="en-US" sz="1200" b="1" i="0" u="none" strike="noStrike" baseline="0" dirty="0">
+                <a:solidFill>
+                  <a:srgbClr val="0000FF"/>
+                </a:solidFill>
+                <a:latin typeface="Courier New" panose="02070309020205020404" pitchFamily="49" charset="0"/>
+              </a:rPr>
+              <a:t>IS</a:t>
+            </a:r>
+            <a:r>
+              <a:rPr lang="en-US" sz="1200" b="0" i="0" u="none" strike="noStrike" baseline="0" dirty="0">
+                <a:solidFill>
+                  <a:srgbClr val="000000"/>
+                </a:solidFill>
+                <a:latin typeface="Courier New" panose="02070309020205020404" pitchFamily="49" charset="0"/>
+              </a:rPr>
+              <a:t> </a:t>
+            </a:r>
+            <a:r>
+              <a:rPr lang="en-US" sz="1200" b="1" i="0" u="none" strike="noStrike" baseline="0" dirty="0">
+                <a:solidFill>
+                  <a:srgbClr val="0000FF"/>
+                </a:solidFill>
+                <a:latin typeface="Courier New" panose="02070309020205020404" pitchFamily="49" charset="0"/>
+              </a:rPr>
+              <a:t>NOT</a:t>
+            </a:r>
+            <a:r>
+              <a:rPr lang="en-US" sz="1200" b="0" i="0" u="none" strike="noStrike" baseline="0" dirty="0">
+                <a:solidFill>
+                  <a:srgbClr val="000000"/>
+                </a:solidFill>
+                <a:latin typeface="Courier New" panose="02070309020205020404" pitchFamily="49" charset="0"/>
+              </a:rPr>
+              <a:t> </a:t>
+            </a:r>
+            <a:r>
+              <a:rPr lang="en-US" sz="1200" b="1" i="0" u="none" strike="noStrike" baseline="0" dirty="0">
+                <a:solidFill>
+                  <a:srgbClr val="0000FF"/>
+                </a:solidFill>
+                <a:latin typeface="Courier New" panose="02070309020205020404" pitchFamily="49" charset="0"/>
+              </a:rPr>
+              <a:t>NULL</a:t>
+            </a:r>
+            <a:r>
+              <a:rPr lang="en-US" sz="1200" b="0" i="0" u="none" strike="noStrike" baseline="0" dirty="0">
+                <a:solidFill>
+                  <a:srgbClr val="000000"/>
+                </a:solidFill>
+                <a:latin typeface="Courier New" panose="02070309020205020404" pitchFamily="49" charset="0"/>
+              </a:rPr>
+              <a:t> </a:t>
+            </a:r>
+            <a:r>
+              <a:rPr lang="en-US" sz="1200" b="1" i="0" u="none" strike="noStrike" baseline="0" dirty="0">
+                <a:solidFill>
+                  <a:srgbClr val="000000"/>
+                </a:solidFill>
+                <a:latin typeface="Courier New" panose="02070309020205020404" pitchFamily="49" charset="0"/>
+              </a:rPr>
+              <a:t>THEN</a:t>
+            </a:r>
+            <a:r>
+              <a:rPr lang="en-US" sz="1200" b="0" i="0" u="none" strike="noStrike" baseline="0" dirty="0">
+                <a:solidFill>
+                  <a:srgbClr val="000000"/>
+                </a:solidFill>
+                <a:latin typeface="Courier New" panose="02070309020205020404" pitchFamily="49" charset="0"/>
+              </a:rPr>
+              <a:t> </a:t>
+            </a:r>
+            <a:r>
+              <a:rPr lang="en-US" sz="1200" b="0" i="0" u="none" strike="noStrike" baseline="0" dirty="0">
+                <a:solidFill>
+                  <a:srgbClr val="008000"/>
+                </a:solidFill>
+                <a:latin typeface="Courier New" panose="02070309020205020404" pitchFamily="49" charset="0"/>
+              </a:rPr>
+              <a:t>'Film'</a:t>
+            </a:r>
+          </a:p>
+          <a:p>
+            <a:r>
+              <a:rPr lang="en-US" sz="1200" b="0" i="0" u="none" strike="noStrike" baseline="0" dirty="0">
+                <a:solidFill>
+                  <a:srgbClr val="000000"/>
+                </a:solidFill>
+                <a:latin typeface="Courier New" panose="02070309020205020404" pitchFamily="49" charset="0"/>
+              </a:rPr>
+              <a:t>           </a:t>
+            </a:r>
+            <a:r>
+              <a:rPr lang="en-US" sz="1200" b="1" i="0" u="none" strike="noStrike" baseline="0" dirty="0">
+                <a:solidFill>
+                  <a:srgbClr val="000000"/>
+                </a:solidFill>
+                <a:latin typeface="Courier New" panose="02070309020205020404" pitchFamily="49" charset="0"/>
+              </a:rPr>
+              <a:t>WHEN</a:t>
+            </a:r>
+            <a:r>
+              <a:rPr lang="en-US" sz="1200" b="0" i="0" u="none" strike="noStrike" baseline="0" dirty="0">
+                <a:solidFill>
+                  <a:srgbClr val="000000"/>
+                </a:solidFill>
+                <a:latin typeface="Courier New" panose="02070309020205020404" pitchFamily="49" charset="0"/>
+              </a:rPr>
+              <a:t> </a:t>
+            </a:r>
+            <a:r>
+              <a:rPr lang="en-US" sz="1200" b="0" i="0" u="none" strike="noStrike" baseline="0" dirty="0" err="1">
+                <a:solidFill>
+                  <a:srgbClr val="FF00FF"/>
+                </a:solidFill>
+                <a:latin typeface="Courier New" panose="02070309020205020404" pitchFamily="49" charset="0"/>
+              </a:rPr>
+              <a:t>books</a:t>
+            </a:r>
+            <a:r>
+              <a:rPr lang="en-US" sz="1200" b="0" i="0" u="none" strike="noStrike" baseline="0" dirty="0" err="1">
+                <a:solidFill>
+                  <a:srgbClr val="0000FF"/>
+                </a:solidFill>
+                <a:latin typeface="Courier New" panose="02070309020205020404" pitchFamily="49" charset="0"/>
+              </a:rPr>
+              <a:t>.</a:t>
+            </a:r>
+            <a:r>
+              <a:rPr lang="en-US" sz="1200" b="0" i="0" u="none" strike="noStrike" baseline="0" dirty="0" err="1">
+                <a:solidFill>
+                  <a:srgbClr val="808000"/>
+                </a:solidFill>
+                <a:latin typeface="Courier New" panose="02070309020205020404" pitchFamily="49" charset="0"/>
+              </a:rPr>
+              <a:t>mediaID</a:t>
+            </a:r>
+            <a:r>
+              <a:rPr lang="en-US" sz="1200" b="0" i="0" u="none" strike="noStrike" baseline="0" dirty="0">
+                <a:solidFill>
+                  <a:srgbClr val="000000"/>
+                </a:solidFill>
+                <a:latin typeface="Courier New" panose="02070309020205020404" pitchFamily="49" charset="0"/>
+              </a:rPr>
+              <a:t> </a:t>
+            </a:r>
+            <a:r>
+              <a:rPr lang="en-US" sz="1200" b="1" i="0" u="none" strike="noStrike" baseline="0" dirty="0">
+                <a:solidFill>
+                  <a:srgbClr val="0000FF"/>
+                </a:solidFill>
+                <a:latin typeface="Courier New" panose="02070309020205020404" pitchFamily="49" charset="0"/>
+              </a:rPr>
+              <a:t>IS</a:t>
+            </a:r>
+            <a:r>
+              <a:rPr lang="en-US" sz="1200" b="0" i="0" u="none" strike="noStrike" baseline="0" dirty="0">
+                <a:solidFill>
+                  <a:srgbClr val="000000"/>
+                </a:solidFill>
+                <a:latin typeface="Courier New" panose="02070309020205020404" pitchFamily="49" charset="0"/>
+              </a:rPr>
+              <a:t> </a:t>
+            </a:r>
+            <a:r>
+              <a:rPr lang="en-US" sz="1200" b="1" i="0" u="none" strike="noStrike" baseline="0" dirty="0">
+                <a:solidFill>
+                  <a:srgbClr val="0000FF"/>
+                </a:solidFill>
+                <a:latin typeface="Courier New" panose="02070309020205020404" pitchFamily="49" charset="0"/>
+              </a:rPr>
+              <a:t>NOT</a:t>
+            </a:r>
+            <a:r>
+              <a:rPr lang="en-US" sz="1200" b="0" i="0" u="none" strike="noStrike" baseline="0" dirty="0">
+                <a:solidFill>
+                  <a:srgbClr val="000000"/>
+                </a:solidFill>
+                <a:latin typeface="Courier New" panose="02070309020205020404" pitchFamily="49" charset="0"/>
+              </a:rPr>
+              <a:t> </a:t>
+            </a:r>
+            <a:r>
+              <a:rPr lang="en-US" sz="1200" b="1" i="0" u="none" strike="noStrike" baseline="0" dirty="0">
+                <a:solidFill>
+                  <a:srgbClr val="0000FF"/>
+                </a:solidFill>
+                <a:latin typeface="Courier New" panose="02070309020205020404" pitchFamily="49" charset="0"/>
+              </a:rPr>
+              <a:t>NULL</a:t>
+            </a:r>
+            <a:r>
+              <a:rPr lang="en-US" sz="1200" b="0" i="0" u="none" strike="noStrike" baseline="0" dirty="0">
+                <a:solidFill>
+                  <a:srgbClr val="000000"/>
+                </a:solidFill>
+                <a:latin typeface="Courier New" panose="02070309020205020404" pitchFamily="49" charset="0"/>
+              </a:rPr>
+              <a:t> </a:t>
+            </a:r>
+            <a:r>
+              <a:rPr lang="en-US" sz="1200" b="1" i="0" u="none" strike="noStrike" baseline="0" dirty="0">
+                <a:solidFill>
+                  <a:srgbClr val="000000"/>
+                </a:solidFill>
+                <a:latin typeface="Courier New" panose="02070309020205020404" pitchFamily="49" charset="0"/>
+              </a:rPr>
+              <a:t>THEN</a:t>
+            </a:r>
+            <a:r>
+              <a:rPr lang="en-US" sz="1200" b="0" i="0" u="none" strike="noStrike" baseline="0" dirty="0">
+                <a:solidFill>
+                  <a:srgbClr val="000000"/>
+                </a:solidFill>
+                <a:latin typeface="Courier New" panose="02070309020205020404" pitchFamily="49" charset="0"/>
+              </a:rPr>
+              <a:t> </a:t>
+            </a:r>
+            <a:r>
+              <a:rPr lang="en-US" sz="1200" b="0" i="0" u="none" strike="noStrike" baseline="0" dirty="0">
+                <a:solidFill>
+                  <a:srgbClr val="008000"/>
+                </a:solidFill>
+                <a:latin typeface="Courier New" panose="02070309020205020404" pitchFamily="49" charset="0"/>
+              </a:rPr>
+              <a:t>'Book'</a:t>
+            </a:r>
+          </a:p>
+          <a:p>
+            <a:r>
+              <a:rPr lang="en-US" sz="1200" b="0" i="0" u="none" strike="noStrike" baseline="0" dirty="0">
+                <a:solidFill>
+                  <a:srgbClr val="000000"/>
+                </a:solidFill>
+                <a:latin typeface="Courier New" panose="02070309020205020404" pitchFamily="49" charset="0"/>
+              </a:rPr>
+              <a:t>           </a:t>
+            </a:r>
+            <a:r>
+              <a:rPr lang="en-US" sz="1200" b="1" i="0" u="none" strike="noStrike" baseline="0" dirty="0">
+                <a:solidFill>
+                  <a:srgbClr val="000000"/>
+                </a:solidFill>
+                <a:latin typeface="Courier New" panose="02070309020205020404" pitchFamily="49" charset="0"/>
+              </a:rPr>
+              <a:t>WHEN</a:t>
+            </a:r>
+            <a:r>
+              <a:rPr lang="en-US" sz="1200" b="0" i="0" u="none" strike="noStrike" baseline="0" dirty="0">
+                <a:solidFill>
+                  <a:srgbClr val="000000"/>
+                </a:solidFill>
+                <a:latin typeface="Courier New" panose="02070309020205020404" pitchFamily="49" charset="0"/>
+              </a:rPr>
+              <a:t> </a:t>
+            </a:r>
+            <a:r>
+              <a:rPr lang="en-US" sz="1200" b="0" i="0" u="none" strike="noStrike" baseline="0" dirty="0" err="1">
+                <a:solidFill>
+                  <a:srgbClr val="FF00FF"/>
+                </a:solidFill>
+                <a:latin typeface="Courier New" panose="02070309020205020404" pitchFamily="49" charset="0"/>
+              </a:rPr>
+              <a:t>series</a:t>
+            </a:r>
+            <a:r>
+              <a:rPr lang="en-US" sz="1200" b="0" i="0" u="none" strike="noStrike" baseline="0" dirty="0" err="1">
+                <a:solidFill>
+                  <a:srgbClr val="0000FF"/>
+                </a:solidFill>
+                <a:latin typeface="Courier New" panose="02070309020205020404" pitchFamily="49" charset="0"/>
+              </a:rPr>
+              <a:t>.</a:t>
+            </a:r>
+            <a:r>
+              <a:rPr lang="en-US" sz="1200" b="0" i="0" u="none" strike="noStrike" baseline="0" dirty="0" err="1">
+                <a:solidFill>
+                  <a:srgbClr val="808000"/>
+                </a:solidFill>
+                <a:latin typeface="Courier New" panose="02070309020205020404" pitchFamily="49" charset="0"/>
+              </a:rPr>
+              <a:t>mediaID</a:t>
+            </a:r>
+            <a:r>
+              <a:rPr lang="en-US" sz="1200" b="0" i="0" u="none" strike="noStrike" baseline="0" dirty="0">
+                <a:solidFill>
+                  <a:srgbClr val="000000"/>
+                </a:solidFill>
+                <a:latin typeface="Courier New" panose="02070309020205020404" pitchFamily="49" charset="0"/>
+              </a:rPr>
+              <a:t> </a:t>
+            </a:r>
+            <a:r>
+              <a:rPr lang="en-US" sz="1200" b="1" i="0" u="none" strike="noStrike" baseline="0" dirty="0">
+                <a:solidFill>
+                  <a:srgbClr val="0000FF"/>
+                </a:solidFill>
+                <a:latin typeface="Courier New" panose="02070309020205020404" pitchFamily="49" charset="0"/>
+              </a:rPr>
+              <a:t>IS</a:t>
+            </a:r>
+            <a:r>
+              <a:rPr lang="en-US" sz="1200" b="0" i="0" u="none" strike="noStrike" baseline="0" dirty="0">
+                <a:solidFill>
+                  <a:srgbClr val="000000"/>
+                </a:solidFill>
+                <a:latin typeface="Courier New" panose="02070309020205020404" pitchFamily="49" charset="0"/>
+              </a:rPr>
+              <a:t> </a:t>
+            </a:r>
+            <a:r>
+              <a:rPr lang="en-US" sz="1200" b="1" i="0" u="none" strike="noStrike" baseline="0" dirty="0">
+                <a:solidFill>
+                  <a:srgbClr val="0000FF"/>
+                </a:solidFill>
+                <a:latin typeface="Courier New" panose="02070309020205020404" pitchFamily="49" charset="0"/>
+              </a:rPr>
+              <a:t>NOT</a:t>
+            </a:r>
+            <a:r>
+              <a:rPr lang="en-US" sz="1200" b="0" i="0" u="none" strike="noStrike" baseline="0" dirty="0">
+                <a:solidFill>
+                  <a:srgbClr val="000000"/>
+                </a:solidFill>
+                <a:latin typeface="Courier New" panose="02070309020205020404" pitchFamily="49" charset="0"/>
+              </a:rPr>
+              <a:t> </a:t>
+            </a:r>
+            <a:r>
+              <a:rPr lang="en-US" sz="1200" b="1" i="0" u="none" strike="noStrike" baseline="0" dirty="0">
+                <a:solidFill>
+                  <a:srgbClr val="0000FF"/>
+                </a:solidFill>
+                <a:latin typeface="Courier New" panose="02070309020205020404" pitchFamily="49" charset="0"/>
+              </a:rPr>
+              <a:t>NULL</a:t>
+            </a:r>
+            <a:r>
+              <a:rPr lang="en-US" sz="1200" b="0" i="0" u="none" strike="noStrike" baseline="0" dirty="0">
+                <a:solidFill>
+                  <a:srgbClr val="000000"/>
+                </a:solidFill>
+                <a:latin typeface="Courier New" panose="02070309020205020404" pitchFamily="49" charset="0"/>
+              </a:rPr>
+              <a:t> </a:t>
+            </a:r>
+            <a:r>
+              <a:rPr lang="en-US" sz="1200" b="1" i="0" u="none" strike="noStrike" baseline="0" dirty="0">
+                <a:solidFill>
+                  <a:srgbClr val="000000"/>
+                </a:solidFill>
+                <a:latin typeface="Courier New" panose="02070309020205020404" pitchFamily="49" charset="0"/>
+              </a:rPr>
+              <a:t>THEN</a:t>
+            </a:r>
+            <a:r>
+              <a:rPr lang="en-US" sz="1200" b="0" i="0" u="none" strike="noStrike" baseline="0" dirty="0">
+                <a:solidFill>
+                  <a:srgbClr val="000000"/>
+                </a:solidFill>
+                <a:latin typeface="Courier New" panose="02070309020205020404" pitchFamily="49" charset="0"/>
+              </a:rPr>
+              <a:t> </a:t>
+            </a:r>
+            <a:r>
+              <a:rPr lang="en-US" sz="1200" b="0" i="0" u="none" strike="noStrike" baseline="0" dirty="0">
+                <a:solidFill>
+                  <a:srgbClr val="008000"/>
+                </a:solidFill>
+                <a:latin typeface="Courier New" panose="02070309020205020404" pitchFamily="49" charset="0"/>
+              </a:rPr>
+              <a:t>'Series'</a:t>
+            </a:r>
+          </a:p>
+          <a:p>
+            <a:r>
+              <a:rPr lang="de-DE" sz="1200" b="0" i="0" u="none" strike="noStrike" baseline="0" dirty="0">
+                <a:solidFill>
+                  <a:srgbClr val="000000"/>
+                </a:solidFill>
+                <a:latin typeface="Courier New" panose="02070309020205020404" pitchFamily="49" charset="0"/>
+              </a:rPr>
+              <a:t>       </a:t>
+            </a:r>
+            <a:r>
+              <a:rPr lang="de-DE" sz="1200" b="1" i="0" u="none" strike="noStrike" baseline="0" dirty="0">
+                <a:solidFill>
+                  <a:srgbClr val="0000FF"/>
+                </a:solidFill>
+                <a:latin typeface="Courier New" panose="02070309020205020404" pitchFamily="49" charset="0"/>
+              </a:rPr>
+              <a:t>END</a:t>
+            </a:r>
+            <a:r>
+              <a:rPr lang="de-DE" sz="1200" b="0" i="0" u="none" strike="noStrike" baseline="0" dirty="0">
+                <a:solidFill>
+                  <a:srgbClr val="000000"/>
+                </a:solidFill>
+                <a:latin typeface="Courier New" panose="02070309020205020404" pitchFamily="49" charset="0"/>
+              </a:rPr>
+              <a:t> </a:t>
+            </a:r>
+            <a:r>
+              <a:rPr lang="de-DE" sz="1200" b="1" i="0" u="none" strike="noStrike" baseline="0" dirty="0">
+                <a:solidFill>
+                  <a:srgbClr val="0000FF"/>
+                </a:solidFill>
+                <a:latin typeface="Courier New" panose="02070309020205020404" pitchFamily="49" charset="0"/>
+              </a:rPr>
+              <a:t>AS</a:t>
+            </a:r>
+            <a:r>
+              <a:rPr lang="de-DE" sz="1200" b="0" i="0" u="none" strike="noStrike" baseline="0" dirty="0">
+                <a:solidFill>
+                  <a:srgbClr val="000000"/>
+                </a:solidFill>
+                <a:latin typeface="Courier New" panose="02070309020205020404" pitchFamily="49" charset="0"/>
+              </a:rPr>
+              <a:t> </a:t>
+            </a:r>
+            <a:r>
+              <a:rPr lang="de-DE" sz="1200" b="0" i="0" u="none" strike="noStrike" baseline="0" dirty="0" err="1">
+                <a:solidFill>
+                  <a:srgbClr val="808000"/>
+                </a:solidFill>
+                <a:latin typeface="Courier New" panose="02070309020205020404" pitchFamily="49" charset="0"/>
+              </a:rPr>
+              <a:t>media_type</a:t>
+            </a:r>
+            <a:endParaRPr lang="de-DE" sz="1200" b="0" i="0" u="none" strike="noStrike" baseline="0" dirty="0">
+              <a:solidFill>
+                <a:srgbClr val="808000"/>
+              </a:solidFill>
+              <a:latin typeface="Courier New" panose="02070309020205020404" pitchFamily="49" charset="0"/>
+            </a:endParaRPr>
+          </a:p>
+          <a:p>
+            <a:r>
+              <a:rPr lang="de-DE" sz="1200" b="1" i="0" u="none" strike="noStrike" baseline="0" dirty="0">
+                <a:solidFill>
+                  <a:srgbClr val="0000FF"/>
+                </a:solidFill>
+                <a:latin typeface="Courier New" panose="02070309020205020404" pitchFamily="49" charset="0"/>
+              </a:rPr>
+              <a:t>FROM</a:t>
+            </a:r>
+            <a:r>
+              <a:rPr lang="de-DE" sz="1200" b="0" i="0" u="none" strike="noStrike" baseline="0" dirty="0">
+                <a:solidFill>
+                  <a:srgbClr val="000000"/>
+                </a:solidFill>
+                <a:latin typeface="Courier New" panose="02070309020205020404" pitchFamily="49" charset="0"/>
+              </a:rPr>
+              <a:t> </a:t>
+            </a:r>
+            <a:r>
+              <a:rPr lang="de-DE" sz="1200" b="0" i="0" u="none" strike="noStrike" baseline="0" dirty="0">
+                <a:solidFill>
+                  <a:srgbClr val="FF00FF"/>
+                </a:solidFill>
+                <a:latin typeface="Courier New" panose="02070309020205020404" pitchFamily="49" charset="0"/>
+              </a:rPr>
+              <a:t>media</a:t>
+            </a:r>
+          </a:p>
+          <a:p>
+            <a:r>
+              <a:rPr lang="en-US" sz="1200" b="1" i="0" u="none" strike="noStrike" baseline="0" dirty="0">
+                <a:solidFill>
+                  <a:srgbClr val="000080"/>
+                </a:solidFill>
+                <a:latin typeface="Courier New" panose="02070309020205020404" pitchFamily="49" charset="0"/>
+              </a:rPr>
+              <a:t>LEFT</a:t>
+            </a:r>
+            <a:r>
+              <a:rPr lang="en-US" sz="1200" b="0" i="0" u="none" strike="noStrike" baseline="0" dirty="0">
+                <a:solidFill>
+                  <a:srgbClr val="000000"/>
+                </a:solidFill>
+                <a:latin typeface="Courier New" panose="02070309020205020404" pitchFamily="49" charset="0"/>
+              </a:rPr>
+              <a:t> </a:t>
+            </a:r>
+            <a:r>
+              <a:rPr lang="en-US" sz="1200" b="1" i="0" u="none" strike="noStrike" baseline="0" dirty="0">
+                <a:solidFill>
+                  <a:srgbClr val="0000FF"/>
+                </a:solidFill>
+                <a:latin typeface="Courier New" panose="02070309020205020404" pitchFamily="49" charset="0"/>
+              </a:rPr>
+              <a:t>JOIN</a:t>
+            </a:r>
+            <a:r>
+              <a:rPr lang="en-US" sz="1200" b="0" i="0" u="none" strike="noStrike" baseline="0" dirty="0">
+                <a:solidFill>
+                  <a:srgbClr val="000000"/>
+                </a:solidFill>
+                <a:latin typeface="Courier New" panose="02070309020205020404" pitchFamily="49" charset="0"/>
+              </a:rPr>
+              <a:t> </a:t>
+            </a:r>
+            <a:r>
+              <a:rPr lang="en-US" sz="1200" b="0" i="0" u="none" strike="noStrike" baseline="0" dirty="0">
+                <a:solidFill>
+                  <a:srgbClr val="FF00FF"/>
+                </a:solidFill>
+                <a:latin typeface="Courier New" panose="02070309020205020404" pitchFamily="49" charset="0"/>
+              </a:rPr>
+              <a:t>music</a:t>
+            </a:r>
+            <a:r>
+              <a:rPr lang="en-US" sz="1200" b="0" i="0" u="none" strike="noStrike" baseline="0" dirty="0">
+                <a:solidFill>
+                  <a:srgbClr val="000000"/>
+                </a:solidFill>
+                <a:latin typeface="Courier New" panose="02070309020205020404" pitchFamily="49" charset="0"/>
+              </a:rPr>
+              <a:t> </a:t>
+            </a:r>
+            <a:r>
+              <a:rPr lang="en-US" sz="1200" b="1" i="0" u="none" strike="noStrike" baseline="0" dirty="0">
+                <a:solidFill>
+                  <a:srgbClr val="0000FF"/>
+                </a:solidFill>
+                <a:latin typeface="Courier New" panose="02070309020205020404" pitchFamily="49" charset="0"/>
+              </a:rPr>
+              <a:t>ON</a:t>
+            </a:r>
+            <a:r>
+              <a:rPr lang="en-US" sz="1200" b="0" i="0" u="none" strike="noStrike" baseline="0" dirty="0">
+                <a:solidFill>
+                  <a:srgbClr val="000000"/>
+                </a:solidFill>
+                <a:latin typeface="Courier New" panose="02070309020205020404" pitchFamily="49" charset="0"/>
+              </a:rPr>
+              <a:t> </a:t>
+            </a:r>
+            <a:r>
+              <a:rPr lang="en-US" sz="1200" b="0" i="0" u="none" strike="noStrike" baseline="0" dirty="0" err="1">
+                <a:solidFill>
+                  <a:srgbClr val="FF00FF"/>
+                </a:solidFill>
+                <a:latin typeface="Courier New" panose="02070309020205020404" pitchFamily="49" charset="0"/>
+              </a:rPr>
+              <a:t>media</a:t>
+            </a:r>
+            <a:r>
+              <a:rPr lang="en-US" sz="1200" b="0" i="0" u="none" strike="noStrike" baseline="0" dirty="0" err="1">
+                <a:solidFill>
+                  <a:srgbClr val="0000FF"/>
+                </a:solidFill>
+                <a:latin typeface="Courier New" panose="02070309020205020404" pitchFamily="49" charset="0"/>
+              </a:rPr>
+              <a:t>.</a:t>
+            </a:r>
+            <a:r>
+              <a:rPr lang="en-US" sz="1200" b="0" i="0" u="none" strike="noStrike" baseline="0" dirty="0" err="1">
+                <a:solidFill>
+                  <a:srgbClr val="808000"/>
+                </a:solidFill>
+                <a:latin typeface="Courier New" panose="02070309020205020404" pitchFamily="49" charset="0"/>
+              </a:rPr>
+              <a:t>mediaID</a:t>
+            </a:r>
+            <a:r>
+              <a:rPr lang="en-US" sz="1200" b="0" i="0" u="none" strike="noStrike" baseline="0" dirty="0">
+                <a:solidFill>
+                  <a:srgbClr val="000000"/>
+                </a:solidFill>
+                <a:latin typeface="Courier New" panose="02070309020205020404" pitchFamily="49" charset="0"/>
+              </a:rPr>
+              <a:t> </a:t>
+            </a:r>
+            <a:r>
+              <a:rPr lang="en-US" sz="1200" b="0" i="0" u="none" strike="noStrike" baseline="0" dirty="0">
+                <a:solidFill>
+                  <a:srgbClr val="0000FF"/>
+                </a:solidFill>
+                <a:latin typeface="Courier New" panose="02070309020205020404" pitchFamily="49" charset="0"/>
+              </a:rPr>
+              <a:t>=</a:t>
+            </a:r>
+            <a:r>
+              <a:rPr lang="en-US" sz="1200" b="0" i="0" u="none" strike="noStrike" baseline="0" dirty="0">
+                <a:solidFill>
+                  <a:srgbClr val="000000"/>
+                </a:solidFill>
+                <a:latin typeface="Courier New" panose="02070309020205020404" pitchFamily="49" charset="0"/>
+              </a:rPr>
+              <a:t> </a:t>
+            </a:r>
+            <a:r>
+              <a:rPr lang="en-US" sz="1200" b="0" i="0" u="none" strike="noStrike" baseline="0" dirty="0" err="1">
+                <a:solidFill>
+                  <a:srgbClr val="FF00FF"/>
+                </a:solidFill>
+                <a:latin typeface="Courier New" panose="02070309020205020404" pitchFamily="49" charset="0"/>
+              </a:rPr>
+              <a:t>music</a:t>
+            </a:r>
+            <a:r>
+              <a:rPr lang="en-US" sz="1200" b="0" i="0" u="none" strike="noStrike" baseline="0" dirty="0" err="1">
+                <a:solidFill>
+                  <a:srgbClr val="0000FF"/>
+                </a:solidFill>
+                <a:latin typeface="Courier New" panose="02070309020205020404" pitchFamily="49" charset="0"/>
+              </a:rPr>
+              <a:t>.</a:t>
+            </a:r>
+            <a:r>
+              <a:rPr lang="en-US" sz="1200" b="0" i="0" u="none" strike="noStrike" baseline="0" dirty="0" err="1">
+                <a:solidFill>
+                  <a:srgbClr val="808000"/>
+                </a:solidFill>
+                <a:latin typeface="Courier New" panose="02070309020205020404" pitchFamily="49" charset="0"/>
+              </a:rPr>
+              <a:t>mediaID</a:t>
+            </a:r>
+            <a:endParaRPr lang="en-US" sz="1200" b="0" i="0" u="none" strike="noStrike" baseline="0" dirty="0">
+              <a:solidFill>
+                <a:srgbClr val="808000"/>
+              </a:solidFill>
+              <a:latin typeface="Courier New" panose="02070309020205020404" pitchFamily="49" charset="0"/>
+            </a:endParaRPr>
+          </a:p>
+          <a:p>
+            <a:r>
+              <a:rPr lang="en-US" sz="1200" b="1" i="0" u="none" strike="noStrike" baseline="0" dirty="0">
+                <a:solidFill>
+                  <a:srgbClr val="000080"/>
+                </a:solidFill>
+                <a:latin typeface="Courier New" panose="02070309020205020404" pitchFamily="49" charset="0"/>
+              </a:rPr>
+              <a:t>LEFT</a:t>
+            </a:r>
+            <a:r>
+              <a:rPr lang="en-US" sz="1200" b="0" i="0" u="none" strike="noStrike" baseline="0" dirty="0">
+                <a:solidFill>
+                  <a:srgbClr val="000000"/>
+                </a:solidFill>
+                <a:latin typeface="Courier New" panose="02070309020205020404" pitchFamily="49" charset="0"/>
+              </a:rPr>
+              <a:t> </a:t>
+            </a:r>
+            <a:r>
+              <a:rPr lang="en-US" sz="1200" b="1" i="0" u="none" strike="noStrike" baseline="0" dirty="0">
+                <a:solidFill>
+                  <a:srgbClr val="0000FF"/>
+                </a:solidFill>
+                <a:latin typeface="Courier New" panose="02070309020205020404" pitchFamily="49" charset="0"/>
+              </a:rPr>
+              <a:t>JOIN</a:t>
+            </a:r>
+            <a:r>
+              <a:rPr lang="en-US" sz="1200" b="0" i="0" u="none" strike="noStrike" baseline="0" dirty="0">
+                <a:solidFill>
+                  <a:srgbClr val="000000"/>
+                </a:solidFill>
+                <a:latin typeface="Courier New" panose="02070309020205020404" pitchFamily="49" charset="0"/>
+              </a:rPr>
+              <a:t> </a:t>
+            </a:r>
+            <a:r>
+              <a:rPr lang="en-US" sz="1200" b="0" i="0" u="none" strike="noStrike" baseline="0" dirty="0">
+                <a:solidFill>
+                  <a:srgbClr val="FF00FF"/>
+                </a:solidFill>
+                <a:latin typeface="Courier New" panose="02070309020205020404" pitchFamily="49" charset="0"/>
+              </a:rPr>
+              <a:t>films</a:t>
+            </a:r>
+            <a:r>
+              <a:rPr lang="en-US" sz="1200" b="0" i="0" u="none" strike="noStrike" baseline="0" dirty="0">
+                <a:solidFill>
+                  <a:srgbClr val="000000"/>
+                </a:solidFill>
+                <a:latin typeface="Courier New" panose="02070309020205020404" pitchFamily="49" charset="0"/>
+              </a:rPr>
+              <a:t> </a:t>
+            </a:r>
+            <a:r>
+              <a:rPr lang="en-US" sz="1200" b="1" i="0" u="none" strike="noStrike" baseline="0" dirty="0">
+                <a:solidFill>
+                  <a:srgbClr val="0000FF"/>
+                </a:solidFill>
+                <a:latin typeface="Courier New" panose="02070309020205020404" pitchFamily="49" charset="0"/>
+              </a:rPr>
+              <a:t>ON</a:t>
+            </a:r>
+            <a:r>
+              <a:rPr lang="en-US" sz="1200" b="0" i="0" u="none" strike="noStrike" baseline="0" dirty="0">
+                <a:solidFill>
+                  <a:srgbClr val="000000"/>
+                </a:solidFill>
+                <a:latin typeface="Courier New" panose="02070309020205020404" pitchFamily="49" charset="0"/>
+              </a:rPr>
+              <a:t> </a:t>
+            </a:r>
+            <a:r>
+              <a:rPr lang="en-US" sz="1200" b="0" i="0" u="none" strike="noStrike" baseline="0" dirty="0" err="1">
+                <a:solidFill>
+                  <a:srgbClr val="FF00FF"/>
+                </a:solidFill>
+                <a:latin typeface="Courier New" panose="02070309020205020404" pitchFamily="49" charset="0"/>
+              </a:rPr>
+              <a:t>media</a:t>
+            </a:r>
+            <a:r>
+              <a:rPr lang="en-US" sz="1200" b="0" i="0" u="none" strike="noStrike" baseline="0" dirty="0" err="1">
+                <a:solidFill>
+                  <a:srgbClr val="0000FF"/>
+                </a:solidFill>
+                <a:latin typeface="Courier New" panose="02070309020205020404" pitchFamily="49" charset="0"/>
+              </a:rPr>
+              <a:t>.</a:t>
+            </a:r>
+            <a:r>
+              <a:rPr lang="en-US" sz="1200" b="0" i="0" u="none" strike="noStrike" baseline="0" dirty="0" err="1">
+                <a:solidFill>
+                  <a:srgbClr val="808000"/>
+                </a:solidFill>
+                <a:latin typeface="Courier New" panose="02070309020205020404" pitchFamily="49" charset="0"/>
+              </a:rPr>
+              <a:t>mediaID</a:t>
+            </a:r>
+            <a:r>
+              <a:rPr lang="en-US" sz="1200" b="0" i="0" u="none" strike="noStrike" baseline="0" dirty="0">
+                <a:solidFill>
+                  <a:srgbClr val="000000"/>
+                </a:solidFill>
+                <a:latin typeface="Courier New" panose="02070309020205020404" pitchFamily="49" charset="0"/>
+              </a:rPr>
+              <a:t> </a:t>
+            </a:r>
+            <a:r>
+              <a:rPr lang="en-US" sz="1200" b="0" i="0" u="none" strike="noStrike" baseline="0" dirty="0">
+                <a:solidFill>
+                  <a:srgbClr val="0000FF"/>
+                </a:solidFill>
+                <a:latin typeface="Courier New" panose="02070309020205020404" pitchFamily="49" charset="0"/>
+              </a:rPr>
+              <a:t>=</a:t>
+            </a:r>
+            <a:r>
+              <a:rPr lang="en-US" sz="1200" b="0" i="0" u="none" strike="noStrike" baseline="0" dirty="0">
+                <a:solidFill>
+                  <a:srgbClr val="000000"/>
+                </a:solidFill>
+                <a:latin typeface="Courier New" panose="02070309020205020404" pitchFamily="49" charset="0"/>
+              </a:rPr>
+              <a:t> </a:t>
+            </a:r>
+            <a:r>
+              <a:rPr lang="en-US" sz="1200" b="0" i="0" u="none" strike="noStrike" baseline="0" dirty="0" err="1">
+                <a:solidFill>
+                  <a:srgbClr val="FF00FF"/>
+                </a:solidFill>
+                <a:latin typeface="Courier New" panose="02070309020205020404" pitchFamily="49" charset="0"/>
+              </a:rPr>
+              <a:t>films</a:t>
+            </a:r>
+            <a:r>
+              <a:rPr lang="en-US" sz="1200" b="0" i="0" u="none" strike="noStrike" baseline="0" dirty="0" err="1">
+                <a:solidFill>
+                  <a:srgbClr val="0000FF"/>
+                </a:solidFill>
+                <a:latin typeface="Courier New" panose="02070309020205020404" pitchFamily="49" charset="0"/>
+              </a:rPr>
+              <a:t>.</a:t>
+            </a:r>
+            <a:r>
+              <a:rPr lang="en-US" sz="1200" b="0" i="0" u="none" strike="noStrike" baseline="0" dirty="0" err="1">
+                <a:solidFill>
+                  <a:srgbClr val="808000"/>
+                </a:solidFill>
+                <a:latin typeface="Courier New" panose="02070309020205020404" pitchFamily="49" charset="0"/>
+              </a:rPr>
+              <a:t>mediaID</a:t>
+            </a:r>
+            <a:endParaRPr lang="en-US" sz="1200" b="0" i="0" u="none" strike="noStrike" baseline="0" dirty="0">
+              <a:solidFill>
+                <a:srgbClr val="808000"/>
+              </a:solidFill>
+              <a:latin typeface="Courier New" panose="02070309020205020404" pitchFamily="49" charset="0"/>
+            </a:endParaRPr>
+          </a:p>
+          <a:p>
+            <a:r>
+              <a:rPr lang="en-US" sz="1200" b="1" i="0" u="none" strike="noStrike" baseline="0" dirty="0">
+                <a:solidFill>
+                  <a:srgbClr val="000080"/>
+                </a:solidFill>
+                <a:latin typeface="Courier New" panose="02070309020205020404" pitchFamily="49" charset="0"/>
+              </a:rPr>
+              <a:t>LEFT</a:t>
+            </a:r>
+            <a:r>
+              <a:rPr lang="en-US" sz="1200" b="0" i="0" u="none" strike="noStrike" baseline="0" dirty="0">
+                <a:solidFill>
+                  <a:srgbClr val="000000"/>
+                </a:solidFill>
+                <a:latin typeface="Courier New" panose="02070309020205020404" pitchFamily="49" charset="0"/>
+              </a:rPr>
+              <a:t> </a:t>
+            </a:r>
+            <a:r>
+              <a:rPr lang="en-US" sz="1200" b="1" i="0" u="none" strike="noStrike" baseline="0" dirty="0">
+                <a:solidFill>
+                  <a:srgbClr val="0000FF"/>
+                </a:solidFill>
+                <a:latin typeface="Courier New" panose="02070309020205020404" pitchFamily="49" charset="0"/>
+              </a:rPr>
+              <a:t>JOIN</a:t>
+            </a:r>
+            <a:r>
+              <a:rPr lang="en-US" sz="1200" b="0" i="0" u="none" strike="noStrike" baseline="0" dirty="0">
+                <a:solidFill>
+                  <a:srgbClr val="000000"/>
+                </a:solidFill>
+                <a:latin typeface="Courier New" panose="02070309020205020404" pitchFamily="49" charset="0"/>
+              </a:rPr>
+              <a:t> </a:t>
+            </a:r>
+            <a:r>
+              <a:rPr lang="en-US" sz="1200" b="0" i="0" u="none" strike="noStrike" baseline="0" dirty="0">
+                <a:solidFill>
+                  <a:srgbClr val="FF00FF"/>
+                </a:solidFill>
+                <a:latin typeface="Courier New" panose="02070309020205020404" pitchFamily="49" charset="0"/>
+              </a:rPr>
+              <a:t>books</a:t>
+            </a:r>
+            <a:r>
+              <a:rPr lang="en-US" sz="1200" b="0" i="0" u="none" strike="noStrike" baseline="0" dirty="0">
+                <a:solidFill>
+                  <a:srgbClr val="000000"/>
+                </a:solidFill>
+                <a:latin typeface="Courier New" panose="02070309020205020404" pitchFamily="49" charset="0"/>
+              </a:rPr>
+              <a:t> </a:t>
+            </a:r>
+            <a:r>
+              <a:rPr lang="en-US" sz="1200" b="1" i="0" u="none" strike="noStrike" baseline="0" dirty="0">
+                <a:solidFill>
+                  <a:srgbClr val="0000FF"/>
+                </a:solidFill>
+                <a:latin typeface="Courier New" panose="02070309020205020404" pitchFamily="49" charset="0"/>
+              </a:rPr>
+              <a:t>ON</a:t>
+            </a:r>
+            <a:r>
+              <a:rPr lang="en-US" sz="1200" b="0" i="0" u="none" strike="noStrike" baseline="0" dirty="0">
+                <a:solidFill>
+                  <a:srgbClr val="000000"/>
+                </a:solidFill>
+                <a:latin typeface="Courier New" panose="02070309020205020404" pitchFamily="49" charset="0"/>
+              </a:rPr>
+              <a:t> </a:t>
+            </a:r>
+            <a:r>
+              <a:rPr lang="en-US" sz="1200" b="0" i="0" u="none" strike="noStrike" baseline="0" dirty="0" err="1">
+                <a:solidFill>
+                  <a:srgbClr val="FF00FF"/>
+                </a:solidFill>
+                <a:latin typeface="Courier New" panose="02070309020205020404" pitchFamily="49" charset="0"/>
+              </a:rPr>
+              <a:t>media</a:t>
+            </a:r>
+            <a:r>
+              <a:rPr lang="en-US" sz="1200" b="0" i="0" u="none" strike="noStrike" baseline="0" dirty="0" err="1">
+                <a:solidFill>
+                  <a:srgbClr val="0000FF"/>
+                </a:solidFill>
+                <a:latin typeface="Courier New" panose="02070309020205020404" pitchFamily="49" charset="0"/>
+              </a:rPr>
+              <a:t>.</a:t>
+            </a:r>
+            <a:r>
+              <a:rPr lang="en-US" sz="1200" b="0" i="0" u="none" strike="noStrike" baseline="0" dirty="0" err="1">
+                <a:solidFill>
+                  <a:srgbClr val="808000"/>
+                </a:solidFill>
+                <a:latin typeface="Courier New" panose="02070309020205020404" pitchFamily="49" charset="0"/>
+              </a:rPr>
+              <a:t>mediaID</a:t>
+            </a:r>
+            <a:r>
+              <a:rPr lang="en-US" sz="1200" b="0" i="0" u="none" strike="noStrike" baseline="0" dirty="0">
+                <a:solidFill>
+                  <a:srgbClr val="000000"/>
+                </a:solidFill>
+                <a:latin typeface="Courier New" panose="02070309020205020404" pitchFamily="49" charset="0"/>
+              </a:rPr>
+              <a:t> </a:t>
+            </a:r>
+            <a:r>
+              <a:rPr lang="en-US" sz="1200" b="0" i="0" u="none" strike="noStrike" baseline="0" dirty="0">
+                <a:solidFill>
+                  <a:srgbClr val="0000FF"/>
+                </a:solidFill>
+                <a:latin typeface="Courier New" panose="02070309020205020404" pitchFamily="49" charset="0"/>
+              </a:rPr>
+              <a:t>=</a:t>
+            </a:r>
+            <a:r>
+              <a:rPr lang="en-US" sz="1200" b="0" i="0" u="none" strike="noStrike" baseline="0" dirty="0">
+                <a:solidFill>
+                  <a:srgbClr val="000000"/>
+                </a:solidFill>
+                <a:latin typeface="Courier New" panose="02070309020205020404" pitchFamily="49" charset="0"/>
+              </a:rPr>
+              <a:t> </a:t>
+            </a:r>
+            <a:r>
+              <a:rPr lang="en-US" sz="1200" b="0" i="0" u="none" strike="noStrike" baseline="0" dirty="0" err="1">
+                <a:solidFill>
+                  <a:srgbClr val="FF00FF"/>
+                </a:solidFill>
+                <a:latin typeface="Courier New" panose="02070309020205020404" pitchFamily="49" charset="0"/>
+              </a:rPr>
+              <a:t>books</a:t>
+            </a:r>
+            <a:r>
+              <a:rPr lang="en-US" sz="1200" b="0" i="0" u="none" strike="noStrike" baseline="0" dirty="0" err="1">
+                <a:solidFill>
+                  <a:srgbClr val="0000FF"/>
+                </a:solidFill>
+                <a:latin typeface="Courier New" panose="02070309020205020404" pitchFamily="49" charset="0"/>
+              </a:rPr>
+              <a:t>.</a:t>
+            </a:r>
+            <a:r>
+              <a:rPr lang="en-US" sz="1200" b="0" i="0" u="none" strike="noStrike" baseline="0" dirty="0" err="1">
+                <a:solidFill>
+                  <a:srgbClr val="808000"/>
+                </a:solidFill>
+                <a:latin typeface="Courier New" panose="02070309020205020404" pitchFamily="49" charset="0"/>
+              </a:rPr>
+              <a:t>mediaID</a:t>
+            </a:r>
+            <a:endParaRPr lang="en-US" sz="1200" b="0" i="0" u="none" strike="noStrike" baseline="0" dirty="0">
+              <a:solidFill>
+                <a:srgbClr val="808000"/>
+              </a:solidFill>
+              <a:latin typeface="Courier New" panose="02070309020205020404" pitchFamily="49" charset="0"/>
+            </a:endParaRPr>
+          </a:p>
+          <a:p>
+            <a:r>
+              <a:rPr lang="en-US" sz="1200" b="1" i="0" u="none" strike="noStrike" baseline="0" dirty="0">
+                <a:solidFill>
+                  <a:srgbClr val="000080"/>
+                </a:solidFill>
+                <a:latin typeface="Courier New" panose="02070309020205020404" pitchFamily="49" charset="0"/>
+              </a:rPr>
+              <a:t>LEFT</a:t>
+            </a:r>
+            <a:r>
+              <a:rPr lang="en-US" sz="1200" b="0" i="0" u="none" strike="noStrike" baseline="0" dirty="0">
+                <a:solidFill>
+                  <a:srgbClr val="000000"/>
+                </a:solidFill>
+                <a:latin typeface="Courier New" panose="02070309020205020404" pitchFamily="49" charset="0"/>
+              </a:rPr>
+              <a:t> </a:t>
+            </a:r>
+            <a:r>
+              <a:rPr lang="en-US" sz="1200" b="1" i="0" u="none" strike="noStrike" baseline="0" dirty="0">
+                <a:solidFill>
+                  <a:srgbClr val="0000FF"/>
+                </a:solidFill>
+                <a:latin typeface="Courier New" panose="02070309020205020404" pitchFamily="49" charset="0"/>
+              </a:rPr>
+              <a:t>JOIN</a:t>
+            </a:r>
+            <a:r>
+              <a:rPr lang="en-US" sz="1200" b="0" i="0" u="none" strike="noStrike" baseline="0" dirty="0">
+                <a:solidFill>
+                  <a:srgbClr val="000000"/>
+                </a:solidFill>
+                <a:latin typeface="Courier New" panose="02070309020205020404" pitchFamily="49" charset="0"/>
+              </a:rPr>
+              <a:t> </a:t>
+            </a:r>
+            <a:r>
+              <a:rPr lang="en-US" sz="1200" b="0" i="0" u="none" strike="noStrike" baseline="0" dirty="0">
+                <a:solidFill>
+                  <a:srgbClr val="FF00FF"/>
+                </a:solidFill>
+                <a:latin typeface="Courier New" panose="02070309020205020404" pitchFamily="49" charset="0"/>
+              </a:rPr>
+              <a:t>series</a:t>
+            </a:r>
+            <a:r>
+              <a:rPr lang="en-US" sz="1200" b="0" i="0" u="none" strike="noStrike" baseline="0" dirty="0">
+                <a:solidFill>
+                  <a:srgbClr val="000000"/>
+                </a:solidFill>
+                <a:latin typeface="Courier New" panose="02070309020205020404" pitchFamily="49" charset="0"/>
+              </a:rPr>
+              <a:t> </a:t>
+            </a:r>
+            <a:r>
+              <a:rPr lang="en-US" sz="1200" b="1" i="0" u="none" strike="noStrike" baseline="0" dirty="0">
+                <a:solidFill>
+                  <a:srgbClr val="0000FF"/>
+                </a:solidFill>
+                <a:latin typeface="Courier New" panose="02070309020205020404" pitchFamily="49" charset="0"/>
+              </a:rPr>
+              <a:t>ON</a:t>
+            </a:r>
+            <a:r>
+              <a:rPr lang="en-US" sz="1200" b="0" i="0" u="none" strike="noStrike" baseline="0" dirty="0">
+                <a:solidFill>
+                  <a:srgbClr val="000000"/>
+                </a:solidFill>
+                <a:latin typeface="Courier New" panose="02070309020205020404" pitchFamily="49" charset="0"/>
+              </a:rPr>
+              <a:t> </a:t>
+            </a:r>
+            <a:r>
+              <a:rPr lang="en-US" sz="1200" b="0" i="0" u="none" strike="noStrike" baseline="0" dirty="0" err="1">
+                <a:solidFill>
+                  <a:srgbClr val="FF00FF"/>
+                </a:solidFill>
+                <a:latin typeface="Courier New" panose="02070309020205020404" pitchFamily="49" charset="0"/>
+              </a:rPr>
+              <a:t>media</a:t>
+            </a:r>
+            <a:r>
+              <a:rPr lang="en-US" sz="1200" b="0" i="0" u="none" strike="noStrike" baseline="0" dirty="0" err="1">
+                <a:solidFill>
+                  <a:srgbClr val="0000FF"/>
+                </a:solidFill>
+                <a:latin typeface="Courier New" panose="02070309020205020404" pitchFamily="49" charset="0"/>
+              </a:rPr>
+              <a:t>.</a:t>
+            </a:r>
+            <a:r>
+              <a:rPr lang="en-US" sz="1200" b="0" i="0" u="none" strike="noStrike" baseline="0" dirty="0" err="1">
+                <a:solidFill>
+                  <a:srgbClr val="808000"/>
+                </a:solidFill>
+                <a:latin typeface="Courier New" panose="02070309020205020404" pitchFamily="49" charset="0"/>
+              </a:rPr>
+              <a:t>mediaID</a:t>
+            </a:r>
+            <a:r>
+              <a:rPr lang="en-US" sz="1200" b="0" i="0" u="none" strike="noStrike" baseline="0" dirty="0">
+                <a:solidFill>
+                  <a:srgbClr val="000000"/>
+                </a:solidFill>
+                <a:latin typeface="Courier New" panose="02070309020205020404" pitchFamily="49" charset="0"/>
+              </a:rPr>
+              <a:t> </a:t>
+            </a:r>
+            <a:r>
+              <a:rPr lang="en-US" sz="1200" b="0" i="0" u="none" strike="noStrike" baseline="0" dirty="0">
+                <a:solidFill>
+                  <a:srgbClr val="0000FF"/>
+                </a:solidFill>
+                <a:latin typeface="Courier New" panose="02070309020205020404" pitchFamily="49" charset="0"/>
+              </a:rPr>
+              <a:t>=</a:t>
+            </a:r>
+            <a:r>
+              <a:rPr lang="en-US" sz="1200" b="0" i="0" u="none" strike="noStrike" baseline="0" dirty="0">
+                <a:solidFill>
+                  <a:srgbClr val="000000"/>
+                </a:solidFill>
+                <a:latin typeface="Courier New" panose="02070309020205020404" pitchFamily="49" charset="0"/>
+              </a:rPr>
+              <a:t> </a:t>
+            </a:r>
+            <a:r>
+              <a:rPr lang="en-US" sz="1200" b="0" i="0" u="none" strike="noStrike" baseline="0" dirty="0" err="1">
+                <a:solidFill>
+                  <a:srgbClr val="FF00FF"/>
+                </a:solidFill>
+                <a:latin typeface="Courier New" panose="02070309020205020404" pitchFamily="49" charset="0"/>
+              </a:rPr>
+              <a:t>series</a:t>
+            </a:r>
+            <a:r>
+              <a:rPr lang="en-US" sz="1200" b="0" i="0" u="none" strike="noStrike" baseline="0" dirty="0" err="1">
+                <a:solidFill>
+                  <a:srgbClr val="0000FF"/>
+                </a:solidFill>
+                <a:latin typeface="Courier New" panose="02070309020205020404" pitchFamily="49" charset="0"/>
+              </a:rPr>
+              <a:t>.</a:t>
+            </a:r>
+            <a:r>
+              <a:rPr lang="en-US" sz="1200" b="0" i="0" u="none" strike="noStrike" baseline="0" dirty="0" err="1">
+                <a:solidFill>
+                  <a:srgbClr val="808000"/>
+                </a:solidFill>
+                <a:latin typeface="Courier New" panose="02070309020205020404" pitchFamily="49" charset="0"/>
+              </a:rPr>
+              <a:t>mediaID</a:t>
+            </a:r>
+            <a:r>
+              <a:rPr lang="en-US" sz="1200" b="0" i="0" u="none" strike="noStrike" baseline="0" dirty="0">
+                <a:solidFill>
+                  <a:srgbClr val="0000FF"/>
+                </a:solidFill>
+                <a:latin typeface="Courier New" panose="02070309020205020404" pitchFamily="49" charset="0"/>
+              </a:rPr>
+              <a:t>;</a:t>
+            </a:r>
+            <a:endParaRPr lang="de-DE" sz="1200" dirty="0"/>
           </a:p>
         </p:txBody>
       </p:sp>
@@ -17462,7 +19474,7 @@
           <a:p>
             <a:r>
               <a:rPr lang="de-DE" dirty="0"/>
-              <a:t>Sichten</a:t>
+              <a:t>Gespeicherte Prozeduren</a:t>
             </a:r>
           </a:p>
           <a:p>
@@ -17473,10 +19485,10 @@
       </p:sp>
       <p:pic>
         <p:nvPicPr>
-          <p:cNvPr id="17" name="Grafik 16">
+          <p:cNvPr id="8" name="Grafik 7">
             <a:extLst>
               <a:ext uri="{FF2B5EF4-FFF2-40B4-BE49-F238E27FC236}">
-                <a16:creationId xmlns:a16="http://schemas.microsoft.com/office/drawing/2014/main" id="{4F798B8E-49A2-8622-BDD6-989DE82B3423}"/>
+                <a16:creationId xmlns:a16="http://schemas.microsoft.com/office/drawing/2014/main" id="{2A343D9C-43D0-24C9-2E2A-C3E016D5FB0A}"/>
               </a:ext>
             </a:extLst>
           </p:cNvPr>
@@ -17493,14 +19505,1119 @@
         </p:blipFill>
         <p:spPr>
           <a:xfrm>
-            <a:off x="3087168" y="1712495"/>
-            <a:ext cx="6031842" cy="4309747"/>
+            <a:off x="1778774" y="2019300"/>
+            <a:ext cx="1749458" cy="1295400"/>
           </a:xfrm>
           <a:prstGeom prst="rect">
             <a:avLst/>
           </a:prstGeom>
         </p:spPr>
       </p:pic>
+      <p:sp>
+        <p:nvSpPr>
+          <p:cNvPr id="19" name="Textfeld 18">
+            <a:extLst>
+              <a:ext uri="{FF2B5EF4-FFF2-40B4-BE49-F238E27FC236}">
+                <a16:creationId xmlns:a16="http://schemas.microsoft.com/office/drawing/2014/main" id="{BFAE9AC7-D7D7-21CF-F2CD-9AD58B0B4E8D}"/>
+              </a:ext>
+            </a:extLst>
+          </p:cNvPr>
+          <p:cNvSpPr txBox="1"/>
+          <p:nvPr/>
+        </p:nvSpPr>
+        <p:spPr>
+          <a:xfrm>
+            <a:off x="4117731" y="1676400"/>
+            <a:ext cx="7544803" cy="4401205"/>
+          </a:xfrm>
+          <a:prstGeom prst="rect">
+            <a:avLst/>
+          </a:prstGeom>
+          <a:noFill/>
+        </p:spPr>
+        <p:txBody>
+          <a:bodyPr wrap="square">
+            <a:spAutoFit/>
+          </a:bodyPr>
+          <a:lstStyle/>
+          <a:p>
+            <a:endParaRPr lang="de-DE" sz="1400" b="0" i="0" u="none" strike="noStrike" baseline="0" dirty="0">
+              <a:latin typeface="Courier New" panose="02070309020205020404" pitchFamily="49" charset="0"/>
+            </a:endParaRPr>
+          </a:p>
+          <a:p>
+            <a:r>
+              <a:rPr lang="de-DE" sz="1400" b="0" i="1" u="none" strike="noStrike" baseline="0" dirty="0">
+                <a:solidFill>
+                  <a:srgbClr val="808080"/>
+                </a:solidFill>
+                <a:latin typeface="Courier New" panose="02070309020205020404" pitchFamily="49" charset="0"/>
+              </a:rPr>
+              <a:t>/*----------------------*/</a:t>
+            </a:r>
+          </a:p>
+          <a:p>
+            <a:r>
+              <a:rPr lang="de-DE" sz="1400" b="0" i="1" u="none" strike="noStrike" baseline="0" dirty="0">
+                <a:solidFill>
+                  <a:srgbClr val="808080"/>
+                </a:solidFill>
+                <a:latin typeface="Courier New" panose="02070309020205020404" pitchFamily="49" charset="0"/>
+              </a:rPr>
+              <a:t>/* </a:t>
+            </a:r>
+            <a:r>
+              <a:rPr lang="de-DE" sz="1400" b="0" i="1" u="none" strike="noStrike" baseline="0" dirty="0" err="1">
+                <a:solidFill>
+                  <a:srgbClr val="808080"/>
+                </a:solidFill>
+                <a:latin typeface="Courier New" panose="02070309020205020404" pitchFamily="49" charset="0"/>
+              </a:rPr>
+              <a:t>InsertProcedures.sql</a:t>
+            </a:r>
+            <a:r>
+              <a:rPr lang="de-DE" sz="1400" b="0" i="1" u="none" strike="noStrike" baseline="0" dirty="0">
+                <a:solidFill>
+                  <a:srgbClr val="808080"/>
+                </a:solidFill>
+                <a:latin typeface="Courier New" panose="02070309020205020404" pitchFamily="49" charset="0"/>
+              </a:rPr>
+              <a:t> */</a:t>
+            </a:r>
+          </a:p>
+          <a:p>
+            <a:r>
+              <a:rPr lang="de-DE" sz="1400" b="0" i="1" u="none" strike="noStrike" baseline="0" dirty="0">
+                <a:solidFill>
+                  <a:srgbClr val="808080"/>
+                </a:solidFill>
+                <a:latin typeface="Courier New" panose="02070309020205020404" pitchFamily="49" charset="0"/>
+              </a:rPr>
+              <a:t>/*----------------------*/</a:t>
+            </a:r>
+          </a:p>
+          <a:p>
+            <a:endParaRPr lang="de-DE" sz="1400" b="0" i="1" u="none" strike="noStrike" baseline="0" dirty="0">
+              <a:solidFill>
+                <a:srgbClr val="808080"/>
+              </a:solidFill>
+              <a:latin typeface="Courier New" panose="02070309020205020404" pitchFamily="49" charset="0"/>
+            </a:endParaRPr>
+          </a:p>
+          <a:p>
+            <a:r>
+              <a:rPr lang="en-US" sz="1400" b="1" i="0" u="none" strike="noStrike" baseline="0" dirty="0">
+                <a:solidFill>
+                  <a:srgbClr val="0000FF"/>
+                </a:solidFill>
+                <a:latin typeface="Courier New" panose="02070309020205020404" pitchFamily="49" charset="0"/>
+              </a:rPr>
+              <a:t>DROP</a:t>
+            </a:r>
+            <a:r>
+              <a:rPr lang="en-US" sz="1400" b="0" i="0" u="none" strike="noStrike" baseline="0" dirty="0">
+                <a:solidFill>
+                  <a:srgbClr val="000000"/>
+                </a:solidFill>
+                <a:latin typeface="Courier New" panose="02070309020205020404" pitchFamily="49" charset="0"/>
+              </a:rPr>
+              <a:t> </a:t>
+            </a:r>
+            <a:r>
+              <a:rPr lang="en-US" sz="1400" b="1" i="0" u="none" strike="noStrike" baseline="0" dirty="0">
+                <a:solidFill>
+                  <a:srgbClr val="0000FF"/>
+                </a:solidFill>
+                <a:latin typeface="Courier New" panose="02070309020205020404" pitchFamily="49" charset="0"/>
+              </a:rPr>
+              <a:t>PROCEDURE</a:t>
+            </a:r>
+            <a:r>
+              <a:rPr lang="en-US" sz="1400" b="0" i="0" u="none" strike="noStrike" baseline="0" dirty="0">
+                <a:solidFill>
+                  <a:srgbClr val="000000"/>
+                </a:solidFill>
+                <a:latin typeface="Courier New" panose="02070309020205020404" pitchFamily="49" charset="0"/>
+              </a:rPr>
+              <a:t> </a:t>
+            </a:r>
+            <a:r>
+              <a:rPr lang="en-US" sz="1400" b="1" i="0" u="none" strike="noStrike" baseline="0" dirty="0">
+                <a:solidFill>
+                  <a:srgbClr val="000000"/>
+                </a:solidFill>
+                <a:latin typeface="Courier New" panose="02070309020205020404" pitchFamily="49" charset="0"/>
+              </a:rPr>
+              <a:t>IF</a:t>
+            </a:r>
+            <a:r>
+              <a:rPr lang="en-US" sz="1400" b="0" i="0" u="none" strike="noStrike" baseline="0" dirty="0">
+                <a:solidFill>
+                  <a:srgbClr val="000000"/>
+                </a:solidFill>
+                <a:latin typeface="Courier New" panose="02070309020205020404" pitchFamily="49" charset="0"/>
+              </a:rPr>
+              <a:t> </a:t>
+            </a:r>
+            <a:r>
+              <a:rPr lang="en-US" sz="1400" b="1" i="0" u="none" strike="noStrike" baseline="0" dirty="0">
+                <a:solidFill>
+                  <a:srgbClr val="0000FF"/>
+                </a:solidFill>
+                <a:latin typeface="Courier New" panose="02070309020205020404" pitchFamily="49" charset="0"/>
+              </a:rPr>
+              <a:t>EXISTS</a:t>
+            </a:r>
+            <a:r>
+              <a:rPr lang="en-US" sz="1400" b="0" i="0" u="none" strike="noStrike" baseline="0" dirty="0">
+                <a:solidFill>
+                  <a:srgbClr val="000000"/>
+                </a:solidFill>
+                <a:latin typeface="Courier New" panose="02070309020205020404" pitchFamily="49" charset="0"/>
+              </a:rPr>
+              <a:t> </a:t>
+            </a:r>
+            <a:r>
+              <a:rPr lang="en-US" sz="1400" b="0" i="0" u="none" strike="noStrike" baseline="0" dirty="0" err="1">
+                <a:solidFill>
+                  <a:srgbClr val="000000"/>
+                </a:solidFill>
+                <a:latin typeface="Courier New" panose="02070309020205020404" pitchFamily="49" charset="0"/>
+              </a:rPr>
+              <a:t>insert_media</a:t>
+            </a:r>
+            <a:r>
+              <a:rPr lang="en-US" sz="1400" b="0" i="0" u="none" strike="noStrike" baseline="0" dirty="0">
+                <a:solidFill>
+                  <a:srgbClr val="0000FF"/>
+                </a:solidFill>
+                <a:latin typeface="Courier New" panose="02070309020205020404" pitchFamily="49" charset="0"/>
+              </a:rPr>
+              <a:t>;</a:t>
+            </a:r>
+          </a:p>
+          <a:p>
+            <a:r>
+              <a:rPr lang="en-US" sz="1400" b="1" i="0" u="none" strike="noStrike" baseline="0" dirty="0">
+                <a:solidFill>
+                  <a:srgbClr val="0000FF"/>
+                </a:solidFill>
+                <a:latin typeface="Courier New" panose="02070309020205020404" pitchFamily="49" charset="0"/>
+              </a:rPr>
+              <a:t>DROP</a:t>
+            </a:r>
+            <a:r>
+              <a:rPr lang="en-US" sz="1400" b="0" i="0" u="none" strike="noStrike" baseline="0" dirty="0">
+                <a:solidFill>
+                  <a:srgbClr val="000000"/>
+                </a:solidFill>
+                <a:latin typeface="Courier New" panose="02070309020205020404" pitchFamily="49" charset="0"/>
+              </a:rPr>
+              <a:t> </a:t>
+            </a:r>
+            <a:r>
+              <a:rPr lang="en-US" sz="1400" b="1" i="0" u="none" strike="noStrike" baseline="0" dirty="0">
+                <a:solidFill>
+                  <a:srgbClr val="0000FF"/>
+                </a:solidFill>
+                <a:latin typeface="Courier New" panose="02070309020205020404" pitchFamily="49" charset="0"/>
+              </a:rPr>
+              <a:t>PROCEDURE</a:t>
+            </a:r>
+            <a:r>
+              <a:rPr lang="en-US" sz="1400" b="0" i="0" u="none" strike="noStrike" baseline="0" dirty="0">
+                <a:solidFill>
+                  <a:srgbClr val="000000"/>
+                </a:solidFill>
+                <a:latin typeface="Courier New" panose="02070309020205020404" pitchFamily="49" charset="0"/>
+              </a:rPr>
+              <a:t> </a:t>
+            </a:r>
+            <a:r>
+              <a:rPr lang="en-US" sz="1400" b="1" i="0" u="none" strike="noStrike" baseline="0" dirty="0">
+                <a:solidFill>
+                  <a:srgbClr val="000000"/>
+                </a:solidFill>
+                <a:latin typeface="Courier New" panose="02070309020205020404" pitchFamily="49" charset="0"/>
+              </a:rPr>
+              <a:t>IF</a:t>
+            </a:r>
+            <a:r>
+              <a:rPr lang="en-US" sz="1400" b="0" i="0" u="none" strike="noStrike" baseline="0" dirty="0">
+                <a:solidFill>
+                  <a:srgbClr val="000000"/>
+                </a:solidFill>
+                <a:latin typeface="Courier New" panose="02070309020205020404" pitchFamily="49" charset="0"/>
+              </a:rPr>
+              <a:t> </a:t>
+            </a:r>
+            <a:r>
+              <a:rPr lang="en-US" sz="1400" b="1" i="0" u="none" strike="noStrike" baseline="0" dirty="0">
+                <a:solidFill>
+                  <a:srgbClr val="0000FF"/>
+                </a:solidFill>
+                <a:latin typeface="Courier New" panose="02070309020205020404" pitchFamily="49" charset="0"/>
+              </a:rPr>
+              <a:t>EXISTS</a:t>
+            </a:r>
+            <a:r>
+              <a:rPr lang="en-US" sz="1400" b="0" i="0" u="none" strike="noStrike" baseline="0" dirty="0">
+                <a:solidFill>
+                  <a:srgbClr val="000000"/>
+                </a:solidFill>
+                <a:latin typeface="Courier New" panose="02070309020205020404" pitchFamily="49" charset="0"/>
+              </a:rPr>
+              <a:t> </a:t>
+            </a:r>
+            <a:r>
+              <a:rPr lang="en-US" sz="1400" b="0" i="0" u="none" strike="noStrike" baseline="0" dirty="0" err="1">
+                <a:solidFill>
+                  <a:srgbClr val="000000"/>
+                </a:solidFill>
+                <a:latin typeface="Courier New" panose="02070309020205020404" pitchFamily="49" charset="0"/>
+              </a:rPr>
+              <a:t>insert_film</a:t>
+            </a:r>
+            <a:r>
+              <a:rPr lang="en-US" sz="1400" b="0" i="0" u="none" strike="noStrike" baseline="0" dirty="0">
+                <a:solidFill>
+                  <a:srgbClr val="0000FF"/>
+                </a:solidFill>
+                <a:latin typeface="Courier New" panose="02070309020205020404" pitchFamily="49" charset="0"/>
+              </a:rPr>
+              <a:t>;</a:t>
+            </a:r>
+          </a:p>
+          <a:p>
+            <a:endParaRPr lang="de-DE" sz="1400" b="0" i="0" u="none" strike="noStrike" baseline="0" dirty="0">
+              <a:solidFill>
+                <a:srgbClr val="0000FF"/>
+              </a:solidFill>
+              <a:latin typeface="Courier New" panose="02070309020205020404" pitchFamily="49" charset="0"/>
+            </a:endParaRPr>
+          </a:p>
+          <a:p>
+            <a:r>
+              <a:rPr lang="de-DE" sz="1400" b="0" i="0" u="none" strike="noStrike" baseline="0" dirty="0">
+                <a:solidFill>
+                  <a:srgbClr val="808000"/>
+                </a:solidFill>
+                <a:latin typeface="Courier New" panose="02070309020205020404" pitchFamily="49" charset="0"/>
+              </a:rPr>
+              <a:t>DELIMITER</a:t>
+            </a:r>
+            <a:r>
+              <a:rPr lang="de-DE" sz="1400" b="0" i="0" u="none" strike="noStrike" baseline="0" dirty="0">
+                <a:solidFill>
+                  <a:srgbClr val="000000"/>
+                </a:solidFill>
+                <a:latin typeface="Courier New" panose="02070309020205020404" pitchFamily="49" charset="0"/>
+              </a:rPr>
+              <a:t> </a:t>
+            </a:r>
+            <a:r>
+              <a:rPr lang="de-DE" sz="1400" b="0" i="0" u="none" strike="noStrike" baseline="0" dirty="0">
+                <a:solidFill>
+                  <a:srgbClr val="808000"/>
+                </a:solidFill>
+                <a:latin typeface="Courier New" panose="02070309020205020404" pitchFamily="49" charset="0"/>
+              </a:rPr>
+              <a:t>$$</a:t>
+            </a:r>
+          </a:p>
+          <a:p>
+            <a:endParaRPr lang="de-DE" sz="1400" b="0" i="0" u="none" strike="noStrike" baseline="0" dirty="0">
+              <a:solidFill>
+                <a:srgbClr val="808000"/>
+              </a:solidFill>
+              <a:latin typeface="Courier New" panose="02070309020205020404" pitchFamily="49" charset="0"/>
+            </a:endParaRPr>
+          </a:p>
+          <a:p>
+            <a:r>
+              <a:rPr lang="en-US" sz="1400" b="1" i="0" u="none" strike="noStrike" baseline="0" dirty="0">
+                <a:solidFill>
+                  <a:srgbClr val="0000FF"/>
+                </a:solidFill>
+                <a:latin typeface="Courier New" panose="02070309020205020404" pitchFamily="49" charset="0"/>
+              </a:rPr>
+              <a:t>CREATE</a:t>
+            </a:r>
+            <a:r>
+              <a:rPr lang="en-US" sz="1400" b="0" i="0" u="none" strike="noStrike" baseline="0" dirty="0">
+                <a:solidFill>
+                  <a:srgbClr val="000000"/>
+                </a:solidFill>
+                <a:latin typeface="Courier New" panose="02070309020205020404" pitchFamily="49" charset="0"/>
+              </a:rPr>
+              <a:t> </a:t>
+            </a:r>
+            <a:r>
+              <a:rPr lang="en-US" sz="1400" b="1" i="0" u="none" strike="noStrike" baseline="0" dirty="0">
+                <a:solidFill>
+                  <a:srgbClr val="0000FF"/>
+                </a:solidFill>
+                <a:latin typeface="Courier New" panose="02070309020205020404" pitchFamily="49" charset="0"/>
+              </a:rPr>
+              <a:t>PROCEDURE</a:t>
+            </a:r>
+            <a:r>
+              <a:rPr lang="en-US" sz="1400" b="0" i="0" u="none" strike="noStrike" baseline="0" dirty="0">
+                <a:solidFill>
+                  <a:srgbClr val="000000"/>
+                </a:solidFill>
+                <a:latin typeface="Courier New" panose="02070309020205020404" pitchFamily="49" charset="0"/>
+              </a:rPr>
+              <a:t> </a:t>
+            </a:r>
+            <a:r>
+              <a:rPr lang="en-US" sz="1400" b="0" i="0" u="none" strike="noStrike" baseline="0" dirty="0" err="1">
+                <a:solidFill>
+                  <a:srgbClr val="000000"/>
+                </a:solidFill>
+                <a:latin typeface="Courier New" panose="02070309020205020404" pitchFamily="49" charset="0"/>
+              </a:rPr>
+              <a:t>insert_media</a:t>
+            </a:r>
+            <a:r>
+              <a:rPr lang="en-US" sz="1400" b="0" i="0" u="none" strike="noStrike" baseline="0" dirty="0">
+                <a:solidFill>
+                  <a:srgbClr val="0000FF"/>
+                </a:solidFill>
+                <a:latin typeface="Courier New" panose="02070309020205020404" pitchFamily="49" charset="0"/>
+              </a:rPr>
+              <a:t>(</a:t>
+            </a:r>
+            <a:r>
+              <a:rPr lang="en-US" sz="1400" b="1" i="0" u="none" strike="noStrike" baseline="0" dirty="0">
+                <a:solidFill>
+                  <a:srgbClr val="0000FF"/>
+                </a:solidFill>
+                <a:latin typeface="Courier New" panose="02070309020205020404" pitchFamily="49" charset="0"/>
+              </a:rPr>
+              <a:t>IN</a:t>
+            </a:r>
+            <a:r>
+              <a:rPr lang="en-US" sz="1400" b="0" i="0" u="none" strike="noStrike" baseline="0" dirty="0">
+                <a:solidFill>
+                  <a:srgbClr val="000000"/>
+                </a:solidFill>
+                <a:latin typeface="Courier New" panose="02070309020205020404" pitchFamily="49" charset="0"/>
+              </a:rPr>
+              <a:t> </a:t>
+            </a:r>
+            <a:r>
+              <a:rPr lang="en-US" sz="1400" b="0" i="0" u="none" strike="noStrike" baseline="0" dirty="0">
+                <a:solidFill>
+                  <a:srgbClr val="808000"/>
+                </a:solidFill>
+                <a:latin typeface="Courier New" panose="02070309020205020404" pitchFamily="49" charset="0"/>
+              </a:rPr>
+              <a:t>title_</a:t>
+            </a:r>
+            <a:r>
+              <a:rPr lang="en-US" sz="1400" b="0" i="0" u="none" strike="noStrike" baseline="0" dirty="0">
+                <a:solidFill>
+                  <a:srgbClr val="000000"/>
+                </a:solidFill>
+                <a:latin typeface="Courier New" panose="02070309020205020404" pitchFamily="49" charset="0"/>
+              </a:rPr>
+              <a:t> </a:t>
+            </a:r>
+            <a:r>
+              <a:rPr lang="en-US" sz="1400" b="1" i="0" u="none" strike="noStrike" baseline="0" dirty="0">
+                <a:solidFill>
+                  <a:srgbClr val="0000FF"/>
+                </a:solidFill>
+                <a:latin typeface="Courier New" panose="02070309020205020404" pitchFamily="49" charset="0"/>
+              </a:rPr>
+              <a:t>NVARCHAR</a:t>
+            </a:r>
+            <a:r>
+              <a:rPr lang="en-US" sz="1400" b="0" i="0" u="none" strike="noStrike" baseline="0" dirty="0">
+                <a:solidFill>
+                  <a:srgbClr val="0000FF"/>
+                </a:solidFill>
+                <a:latin typeface="Courier New" panose="02070309020205020404" pitchFamily="49" charset="0"/>
+              </a:rPr>
+              <a:t>(</a:t>
+            </a:r>
+            <a:r>
+              <a:rPr lang="en-US" sz="1400" b="0" i="0" u="none" strike="noStrike" baseline="0" dirty="0">
+                <a:solidFill>
+                  <a:srgbClr val="800080"/>
+                </a:solidFill>
+                <a:latin typeface="Courier New" panose="02070309020205020404" pitchFamily="49" charset="0"/>
+              </a:rPr>
+              <a:t>255</a:t>
+            </a:r>
+            <a:r>
+              <a:rPr lang="en-US" sz="1400" b="0" i="0" u="none" strike="noStrike" baseline="0" dirty="0">
+                <a:solidFill>
+                  <a:srgbClr val="0000FF"/>
+                </a:solidFill>
+                <a:latin typeface="Courier New" panose="02070309020205020404" pitchFamily="49" charset="0"/>
+              </a:rPr>
+              <a:t>),</a:t>
+            </a:r>
+            <a:r>
+              <a:rPr lang="en-US" sz="1400" b="0" i="0" u="none" strike="noStrike" baseline="0" dirty="0">
+                <a:solidFill>
+                  <a:srgbClr val="000000"/>
+                </a:solidFill>
+                <a:latin typeface="Courier New" panose="02070309020205020404" pitchFamily="49" charset="0"/>
+              </a:rPr>
+              <a:t> </a:t>
+            </a:r>
+            <a:r>
+              <a:rPr lang="en-US" sz="1400" b="1" i="0" u="none" strike="noStrike" baseline="0" dirty="0">
+                <a:solidFill>
+                  <a:srgbClr val="0000FF"/>
+                </a:solidFill>
+                <a:latin typeface="Courier New" panose="02070309020205020404" pitchFamily="49" charset="0"/>
+              </a:rPr>
+              <a:t>IN</a:t>
+            </a:r>
+            <a:r>
+              <a:rPr lang="en-US" sz="1400" b="0" i="0" u="none" strike="noStrike" baseline="0" dirty="0">
+                <a:solidFill>
+                  <a:srgbClr val="000000"/>
+                </a:solidFill>
+                <a:latin typeface="Courier New" panose="02070309020205020404" pitchFamily="49" charset="0"/>
+              </a:rPr>
+              <a:t> </a:t>
+            </a:r>
+            <a:r>
+              <a:rPr lang="en-US" sz="1400" b="0" i="0" u="none" strike="noStrike" baseline="0" dirty="0" err="1">
+                <a:solidFill>
+                  <a:srgbClr val="808000"/>
+                </a:solidFill>
+                <a:latin typeface="Courier New" panose="02070309020205020404" pitchFamily="49" charset="0"/>
+              </a:rPr>
+              <a:t>releaseDate</a:t>
+            </a:r>
+            <a:r>
+              <a:rPr lang="en-US" sz="1400" b="0" i="0" u="none" strike="noStrike" baseline="0" dirty="0">
+                <a:solidFill>
+                  <a:srgbClr val="808000"/>
+                </a:solidFill>
+                <a:latin typeface="Courier New" panose="02070309020205020404" pitchFamily="49" charset="0"/>
+              </a:rPr>
+              <a:t>_</a:t>
+            </a:r>
+            <a:r>
+              <a:rPr lang="en-US" sz="1400" b="0" i="0" u="none" strike="noStrike" baseline="0" dirty="0">
+                <a:solidFill>
+                  <a:srgbClr val="000000"/>
+                </a:solidFill>
+                <a:latin typeface="Courier New" panose="02070309020205020404" pitchFamily="49" charset="0"/>
+              </a:rPr>
+              <a:t>  </a:t>
+            </a:r>
+            <a:r>
+              <a:rPr lang="en-US" sz="1400" b="1" i="0" u="none" strike="noStrike" baseline="0" dirty="0">
+                <a:solidFill>
+                  <a:srgbClr val="800000"/>
+                </a:solidFill>
+                <a:latin typeface="Courier New" panose="02070309020205020404" pitchFamily="49" charset="0"/>
+              </a:rPr>
+              <a:t>DATE</a:t>
+            </a:r>
+            <a:r>
+              <a:rPr lang="en-US" sz="1400" b="0" i="0" u="none" strike="noStrike" baseline="0" dirty="0">
+                <a:solidFill>
+                  <a:srgbClr val="0000FF"/>
+                </a:solidFill>
+                <a:latin typeface="Courier New" panose="02070309020205020404" pitchFamily="49" charset="0"/>
+              </a:rPr>
+              <a:t>,</a:t>
+            </a:r>
+            <a:r>
+              <a:rPr lang="en-US" sz="1400" b="0" i="0" u="none" strike="noStrike" baseline="0" dirty="0">
+                <a:solidFill>
+                  <a:srgbClr val="000000"/>
+                </a:solidFill>
+                <a:latin typeface="Courier New" panose="02070309020205020404" pitchFamily="49" charset="0"/>
+              </a:rPr>
+              <a:t> </a:t>
+            </a:r>
+            <a:r>
+              <a:rPr lang="en-US" sz="1400" b="0" i="0" u="none" strike="noStrike" baseline="0" dirty="0">
+                <a:solidFill>
+                  <a:srgbClr val="808000"/>
+                </a:solidFill>
+                <a:latin typeface="Courier New" panose="02070309020205020404" pitchFamily="49" charset="0"/>
+              </a:rPr>
+              <a:t>digital_</a:t>
+            </a:r>
+            <a:r>
+              <a:rPr lang="en-US" sz="1400" b="0" i="0" u="none" strike="noStrike" baseline="0" dirty="0">
+                <a:solidFill>
+                  <a:srgbClr val="000000"/>
+                </a:solidFill>
+                <a:latin typeface="Courier New" panose="02070309020205020404" pitchFamily="49" charset="0"/>
+              </a:rPr>
+              <a:t> </a:t>
+            </a:r>
+            <a:r>
+              <a:rPr lang="en-US" sz="1400" b="1" i="0" u="none" strike="noStrike" baseline="0" dirty="0">
+                <a:solidFill>
+                  <a:srgbClr val="800000"/>
+                </a:solidFill>
+                <a:latin typeface="Courier New" panose="02070309020205020404" pitchFamily="49" charset="0"/>
+              </a:rPr>
+              <a:t>BOOL</a:t>
+            </a:r>
+            <a:r>
+              <a:rPr lang="en-US" sz="1400" b="0" i="0" u="none" strike="noStrike" baseline="0" dirty="0">
+                <a:solidFill>
+                  <a:srgbClr val="0000FF"/>
+                </a:solidFill>
+                <a:latin typeface="Courier New" panose="02070309020205020404" pitchFamily="49" charset="0"/>
+              </a:rPr>
+              <a:t>,</a:t>
+            </a:r>
+            <a:r>
+              <a:rPr lang="en-US" sz="1400" b="0" i="0" u="none" strike="noStrike" baseline="0" dirty="0">
+                <a:solidFill>
+                  <a:srgbClr val="000000"/>
+                </a:solidFill>
+                <a:latin typeface="Courier New" panose="02070309020205020404" pitchFamily="49" charset="0"/>
+              </a:rPr>
+              <a:t> </a:t>
+            </a:r>
+            <a:r>
+              <a:rPr lang="en-US" sz="1400" b="1" i="0" u="none" strike="noStrike" baseline="0" dirty="0">
+                <a:solidFill>
+                  <a:srgbClr val="0000FF"/>
+                </a:solidFill>
+                <a:latin typeface="Courier New" panose="02070309020205020404" pitchFamily="49" charset="0"/>
+              </a:rPr>
+              <a:t>OUT</a:t>
+            </a:r>
+            <a:r>
+              <a:rPr lang="en-US" sz="1400" b="0" i="0" u="none" strike="noStrike" baseline="0" dirty="0">
+                <a:solidFill>
+                  <a:srgbClr val="000000"/>
+                </a:solidFill>
+                <a:latin typeface="Courier New" panose="02070309020205020404" pitchFamily="49" charset="0"/>
+              </a:rPr>
+              <a:t> </a:t>
+            </a:r>
+            <a:r>
+              <a:rPr lang="en-US" sz="1400" b="0" i="0" u="none" strike="noStrike" baseline="0" dirty="0" err="1">
+                <a:solidFill>
+                  <a:srgbClr val="808000"/>
+                </a:solidFill>
+                <a:latin typeface="Courier New" panose="02070309020205020404" pitchFamily="49" charset="0"/>
+              </a:rPr>
+              <a:t>mediaID</a:t>
+            </a:r>
+            <a:r>
+              <a:rPr lang="en-US" sz="1400" b="0" i="0" u="none" strike="noStrike" baseline="0" dirty="0">
+                <a:solidFill>
+                  <a:srgbClr val="808000"/>
+                </a:solidFill>
+                <a:latin typeface="Courier New" panose="02070309020205020404" pitchFamily="49" charset="0"/>
+              </a:rPr>
+              <a:t>_</a:t>
+            </a:r>
+            <a:r>
+              <a:rPr lang="en-US" sz="1400" b="0" i="0" u="none" strike="noStrike" baseline="0" dirty="0">
+                <a:solidFill>
+                  <a:srgbClr val="000000"/>
+                </a:solidFill>
+                <a:latin typeface="Courier New" panose="02070309020205020404" pitchFamily="49" charset="0"/>
+              </a:rPr>
+              <a:t> </a:t>
+            </a:r>
+            <a:r>
+              <a:rPr lang="en-US" sz="1400" b="1" i="0" u="none" strike="noStrike" baseline="0" dirty="0">
+                <a:solidFill>
+                  <a:srgbClr val="800000"/>
+                </a:solidFill>
+                <a:latin typeface="Courier New" panose="02070309020205020404" pitchFamily="49" charset="0"/>
+              </a:rPr>
+              <a:t>INT</a:t>
+            </a:r>
+            <a:r>
+              <a:rPr lang="en-US" sz="1400" b="0" i="0" u="none" strike="noStrike" baseline="0" dirty="0">
+                <a:solidFill>
+                  <a:srgbClr val="0000FF"/>
+                </a:solidFill>
+                <a:latin typeface="Courier New" panose="02070309020205020404" pitchFamily="49" charset="0"/>
+              </a:rPr>
+              <a:t>)</a:t>
+            </a:r>
+          </a:p>
+          <a:p>
+            <a:r>
+              <a:rPr lang="de-DE" sz="1400" b="1" i="0" u="none" strike="noStrike" baseline="0" dirty="0">
+                <a:solidFill>
+                  <a:srgbClr val="0000FF"/>
+                </a:solidFill>
+                <a:latin typeface="Courier New" panose="02070309020205020404" pitchFamily="49" charset="0"/>
+              </a:rPr>
+              <a:t>BEGIN</a:t>
+            </a:r>
+          </a:p>
+          <a:p>
+            <a:endParaRPr lang="de-DE" sz="1400" b="0" i="0" u="none" strike="noStrike" baseline="0" dirty="0">
+              <a:solidFill>
+                <a:srgbClr val="000000"/>
+              </a:solidFill>
+              <a:latin typeface="Courier New" panose="02070309020205020404" pitchFamily="49" charset="0"/>
+            </a:endParaRPr>
+          </a:p>
+          <a:p>
+            <a:r>
+              <a:rPr lang="en-US" sz="1400" b="1" i="0" u="none" strike="noStrike" baseline="0" dirty="0">
+                <a:solidFill>
+                  <a:srgbClr val="0000FF"/>
+                </a:solidFill>
+                <a:latin typeface="Courier New" panose="02070309020205020404" pitchFamily="49" charset="0"/>
+              </a:rPr>
+              <a:t>INSERT</a:t>
+            </a:r>
+            <a:r>
+              <a:rPr lang="en-US" sz="1400" b="0" i="0" u="none" strike="noStrike" baseline="0" dirty="0">
+                <a:solidFill>
+                  <a:srgbClr val="000000"/>
+                </a:solidFill>
+                <a:latin typeface="Courier New" panose="02070309020205020404" pitchFamily="49" charset="0"/>
+              </a:rPr>
+              <a:t> </a:t>
+            </a:r>
+            <a:r>
+              <a:rPr lang="en-US" sz="1400" b="1" i="0" u="none" strike="noStrike" baseline="0" dirty="0">
+                <a:solidFill>
+                  <a:srgbClr val="0000FF"/>
+                </a:solidFill>
+                <a:latin typeface="Courier New" panose="02070309020205020404" pitchFamily="49" charset="0"/>
+              </a:rPr>
+              <a:t>INTO</a:t>
+            </a:r>
+            <a:r>
+              <a:rPr lang="en-US" sz="1400" b="0" i="0" u="none" strike="noStrike" baseline="0" dirty="0">
+                <a:solidFill>
+                  <a:srgbClr val="000000"/>
+                </a:solidFill>
+                <a:latin typeface="Courier New" panose="02070309020205020404" pitchFamily="49" charset="0"/>
+              </a:rPr>
+              <a:t> </a:t>
+            </a:r>
+            <a:r>
+              <a:rPr lang="en-US" sz="1400" b="0" i="0" u="none" strike="noStrike" baseline="0" dirty="0" err="1">
+                <a:solidFill>
+                  <a:srgbClr val="808000"/>
+                </a:solidFill>
+                <a:latin typeface="Courier New" panose="02070309020205020404" pitchFamily="49" charset="0"/>
+              </a:rPr>
+              <a:t>mmsdb</a:t>
+            </a:r>
+            <a:r>
+              <a:rPr lang="en-US" sz="1400" b="0" i="0" u="none" strike="noStrike" baseline="0" dirty="0" err="1">
+                <a:solidFill>
+                  <a:srgbClr val="0000FF"/>
+                </a:solidFill>
+                <a:latin typeface="Courier New" panose="02070309020205020404" pitchFamily="49" charset="0"/>
+              </a:rPr>
+              <a:t>.</a:t>
+            </a:r>
+            <a:r>
+              <a:rPr lang="en-US" sz="1400" b="0" i="0" u="none" strike="noStrike" baseline="0" dirty="0" err="1">
+                <a:solidFill>
+                  <a:srgbClr val="FF00FF"/>
+                </a:solidFill>
+                <a:latin typeface="Courier New" panose="02070309020205020404" pitchFamily="49" charset="0"/>
+              </a:rPr>
+              <a:t>media</a:t>
+            </a:r>
+            <a:r>
+              <a:rPr lang="en-US" sz="1400" b="0" i="0" u="none" strike="noStrike" baseline="0" dirty="0">
+                <a:solidFill>
+                  <a:srgbClr val="000000"/>
+                </a:solidFill>
+                <a:latin typeface="Courier New" panose="02070309020205020404" pitchFamily="49" charset="0"/>
+              </a:rPr>
+              <a:t> </a:t>
+            </a:r>
+            <a:r>
+              <a:rPr lang="en-US" sz="1400" b="0" i="0" u="none" strike="noStrike" baseline="0" dirty="0">
+                <a:solidFill>
+                  <a:srgbClr val="0000FF"/>
+                </a:solidFill>
+                <a:latin typeface="Courier New" panose="02070309020205020404" pitchFamily="49" charset="0"/>
+              </a:rPr>
+              <a:t>(</a:t>
+            </a:r>
+            <a:r>
+              <a:rPr lang="en-US" sz="1400" b="0" i="0" u="none" strike="noStrike" baseline="0" dirty="0" err="1">
+                <a:solidFill>
+                  <a:srgbClr val="808000"/>
+                </a:solidFill>
+                <a:latin typeface="Courier New" panose="02070309020205020404" pitchFamily="49" charset="0"/>
+              </a:rPr>
+              <a:t>addedAt</a:t>
+            </a:r>
+            <a:r>
+              <a:rPr lang="en-US" sz="1400" b="0" i="0" u="none" strike="noStrike" baseline="0" dirty="0">
+                <a:solidFill>
+                  <a:srgbClr val="0000FF"/>
+                </a:solidFill>
+                <a:latin typeface="Courier New" panose="02070309020205020404" pitchFamily="49" charset="0"/>
+              </a:rPr>
+              <a:t>,</a:t>
+            </a:r>
+            <a:r>
+              <a:rPr lang="en-US" sz="1400" b="0" i="0" u="none" strike="noStrike" baseline="0" dirty="0">
+                <a:solidFill>
+                  <a:srgbClr val="000000"/>
+                </a:solidFill>
+                <a:latin typeface="Courier New" panose="02070309020205020404" pitchFamily="49" charset="0"/>
+              </a:rPr>
+              <a:t> </a:t>
+            </a:r>
+            <a:r>
+              <a:rPr lang="en-US" sz="1400" b="0" i="0" u="none" strike="noStrike" baseline="0" dirty="0">
+                <a:solidFill>
+                  <a:srgbClr val="808000"/>
+                </a:solidFill>
+                <a:latin typeface="Courier New" panose="02070309020205020404" pitchFamily="49" charset="0"/>
+              </a:rPr>
+              <a:t>title</a:t>
+            </a:r>
+            <a:r>
+              <a:rPr lang="en-US" sz="1400" b="0" i="0" u="none" strike="noStrike" baseline="0" dirty="0">
+                <a:solidFill>
+                  <a:srgbClr val="0000FF"/>
+                </a:solidFill>
+                <a:latin typeface="Courier New" panose="02070309020205020404" pitchFamily="49" charset="0"/>
+              </a:rPr>
+              <a:t>,</a:t>
+            </a:r>
+            <a:r>
+              <a:rPr lang="en-US" sz="1400" b="0" i="0" u="none" strike="noStrike" baseline="0" dirty="0">
+                <a:solidFill>
+                  <a:srgbClr val="000000"/>
+                </a:solidFill>
+                <a:latin typeface="Courier New" panose="02070309020205020404" pitchFamily="49" charset="0"/>
+              </a:rPr>
+              <a:t> </a:t>
+            </a:r>
+            <a:r>
+              <a:rPr lang="en-US" sz="1400" b="0" i="0" u="none" strike="noStrike" baseline="0" dirty="0" err="1">
+                <a:solidFill>
+                  <a:srgbClr val="808000"/>
+                </a:solidFill>
+                <a:latin typeface="Courier New" panose="02070309020205020404" pitchFamily="49" charset="0"/>
+              </a:rPr>
+              <a:t>releaseDate</a:t>
+            </a:r>
+            <a:r>
+              <a:rPr lang="en-US" sz="1400" b="0" i="0" u="none" strike="noStrike" baseline="0" dirty="0">
+                <a:solidFill>
+                  <a:srgbClr val="0000FF"/>
+                </a:solidFill>
+                <a:latin typeface="Courier New" panose="02070309020205020404" pitchFamily="49" charset="0"/>
+              </a:rPr>
+              <a:t>,</a:t>
+            </a:r>
+            <a:r>
+              <a:rPr lang="en-US" sz="1400" b="0" i="0" u="none" strike="noStrike" baseline="0" dirty="0">
+                <a:solidFill>
+                  <a:srgbClr val="000000"/>
+                </a:solidFill>
+                <a:latin typeface="Courier New" panose="02070309020205020404" pitchFamily="49" charset="0"/>
+              </a:rPr>
+              <a:t> </a:t>
+            </a:r>
+            <a:r>
+              <a:rPr lang="en-US" sz="1400" b="0" i="0" u="none" strike="noStrike" baseline="0" dirty="0">
+                <a:solidFill>
+                  <a:srgbClr val="808000"/>
+                </a:solidFill>
+                <a:latin typeface="Courier New" panose="02070309020205020404" pitchFamily="49" charset="0"/>
+              </a:rPr>
+              <a:t>digital</a:t>
+            </a:r>
+            <a:r>
+              <a:rPr lang="en-US" sz="1400" b="0" i="0" u="none" strike="noStrike" baseline="0" dirty="0">
+                <a:solidFill>
+                  <a:srgbClr val="0000FF"/>
+                </a:solidFill>
+                <a:latin typeface="Courier New" panose="02070309020205020404" pitchFamily="49" charset="0"/>
+              </a:rPr>
+              <a:t>)</a:t>
+            </a:r>
+          </a:p>
+          <a:p>
+            <a:r>
+              <a:rPr lang="en-US" sz="1400" b="1" i="0" u="none" strike="noStrike" baseline="0" dirty="0">
+                <a:solidFill>
+                  <a:srgbClr val="0000FF"/>
+                </a:solidFill>
+                <a:latin typeface="Courier New" panose="02070309020205020404" pitchFamily="49" charset="0"/>
+              </a:rPr>
+              <a:t>VALUES</a:t>
+            </a:r>
+            <a:r>
+              <a:rPr lang="en-US" sz="1400" b="0" i="0" u="none" strike="noStrike" baseline="0" dirty="0">
+                <a:solidFill>
+                  <a:srgbClr val="000000"/>
+                </a:solidFill>
+                <a:latin typeface="Courier New" panose="02070309020205020404" pitchFamily="49" charset="0"/>
+              </a:rPr>
+              <a:t> </a:t>
+            </a:r>
+            <a:r>
+              <a:rPr lang="en-US" sz="1400" b="0" i="0" u="none" strike="noStrike" baseline="0" dirty="0">
+                <a:solidFill>
+                  <a:srgbClr val="0000FF"/>
+                </a:solidFill>
+                <a:latin typeface="Courier New" panose="02070309020205020404" pitchFamily="49" charset="0"/>
+              </a:rPr>
+              <a:t>(</a:t>
+            </a:r>
+            <a:r>
+              <a:rPr lang="en-US" sz="1400" b="1" i="0" u="none" strike="noStrike" baseline="0" dirty="0">
+                <a:solidFill>
+                  <a:srgbClr val="000080"/>
+                </a:solidFill>
+                <a:latin typeface="Courier New" panose="02070309020205020404" pitchFamily="49" charset="0"/>
+              </a:rPr>
+              <a:t>NOW</a:t>
+            </a:r>
+            <a:r>
+              <a:rPr lang="en-US" sz="1400" b="0" i="0" u="none" strike="noStrike" baseline="0" dirty="0">
+                <a:solidFill>
+                  <a:srgbClr val="0000FF"/>
+                </a:solidFill>
+                <a:latin typeface="Courier New" panose="02070309020205020404" pitchFamily="49" charset="0"/>
+              </a:rPr>
+              <a:t>(),</a:t>
+            </a:r>
+            <a:r>
+              <a:rPr lang="en-US" sz="1400" b="0" i="0" u="none" strike="noStrike" baseline="0" dirty="0">
+                <a:solidFill>
+                  <a:srgbClr val="000000"/>
+                </a:solidFill>
+                <a:latin typeface="Courier New" panose="02070309020205020404" pitchFamily="49" charset="0"/>
+              </a:rPr>
+              <a:t> </a:t>
+            </a:r>
+            <a:r>
+              <a:rPr lang="en-US" sz="1400" b="0" i="0" u="none" strike="noStrike" baseline="0" dirty="0">
+                <a:solidFill>
+                  <a:srgbClr val="808000"/>
+                </a:solidFill>
+                <a:latin typeface="Courier New" panose="02070309020205020404" pitchFamily="49" charset="0"/>
+              </a:rPr>
+              <a:t>title_</a:t>
+            </a:r>
+            <a:r>
+              <a:rPr lang="en-US" sz="1400" b="0" i="0" u="none" strike="noStrike" baseline="0" dirty="0">
+                <a:solidFill>
+                  <a:srgbClr val="0000FF"/>
+                </a:solidFill>
+                <a:latin typeface="Courier New" panose="02070309020205020404" pitchFamily="49" charset="0"/>
+              </a:rPr>
+              <a:t>,</a:t>
+            </a:r>
+            <a:r>
+              <a:rPr lang="en-US" sz="1400" b="0" i="0" u="none" strike="noStrike" baseline="0" dirty="0">
+                <a:solidFill>
+                  <a:srgbClr val="000000"/>
+                </a:solidFill>
+                <a:latin typeface="Courier New" panose="02070309020205020404" pitchFamily="49" charset="0"/>
+              </a:rPr>
+              <a:t> </a:t>
+            </a:r>
+            <a:r>
+              <a:rPr lang="en-US" sz="1400" b="0" i="0" u="none" strike="noStrike" baseline="0" dirty="0" err="1">
+                <a:solidFill>
+                  <a:srgbClr val="808000"/>
+                </a:solidFill>
+                <a:latin typeface="Courier New" panose="02070309020205020404" pitchFamily="49" charset="0"/>
+              </a:rPr>
+              <a:t>releaseDate</a:t>
+            </a:r>
+            <a:r>
+              <a:rPr lang="en-US" sz="1400" b="0" i="0" u="none" strike="noStrike" baseline="0" dirty="0">
+                <a:solidFill>
+                  <a:srgbClr val="808000"/>
+                </a:solidFill>
+                <a:latin typeface="Courier New" panose="02070309020205020404" pitchFamily="49" charset="0"/>
+              </a:rPr>
+              <a:t>_</a:t>
+            </a:r>
+            <a:r>
+              <a:rPr lang="en-US" sz="1400" b="0" i="0" u="none" strike="noStrike" baseline="0" dirty="0">
+                <a:solidFill>
+                  <a:srgbClr val="0000FF"/>
+                </a:solidFill>
+                <a:latin typeface="Courier New" panose="02070309020205020404" pitchFamily="49" charset="0"/>
+              </a:rPr>
+              <a:t>,</a:t>
+            </a:r>
+            <a:r>
+              <a:rPr lang="en-US" sz="1400" b="0" i="0" u="none" strike="noStrike" baseline="0" dirty="0">
+                <a:solidFill>
+                  <a:srgbClr val="000000"/>
+                </a:solidFill>
+                <a:latin typeface="Courier New" panose="02070309020205020404" pitchFamily="49" charset="0"/>
+              </a:rPr>
+              <a:t> </a:t>
+            </a:r>
+            <a:r>
+              <a:rPr lang="en-US" sz="1400" b="0" i="0" u="none" strike="noStrike" baseline="0" dirty="0">
+                <a:solidFill>
+                  <a:srgbClr val="808000"/>
+                </a:solidFill>
+                <a:latin typeface="Courier New" panose="02070309020205020404" pitchFamily="49" charset="0"/>
+              </a:rPr>
+              <a:t>digital_</a:t>
+            </a:r>
+            <a:r>
+              <a:rPr lang="en-US" sz="1400" b="0" i="0" u="none" strike="noStrike" baseline="0" dirty="0">
+                <a:solidFill>
+                  <a:srgbClr val="0000FF"/>
+                </a:solidFill>
+                <a:latin typeface="Courier New" panose="02070309020205020404" pitchFamily="49" charset="0"/>
+              </a:rPr>
+              <a:t>);</a:t>
+            </a:r>
+          </a:p>
+          <a:p>
+            <a:endParaRPr lang="de-DE" sz="1400" b="0" i="0" u="none" strike="noStrike" baseline="0" dirty="0">
+              <a:solidFill>
+                <a:srgbClr val="000000"/>
+              </a:solidFill>
+              <a:latin typeface="Courier New" panose="02070309020205020404" pitchFamily="49" charset="0"/>
+            </a:endParaRPr>
+          </a:p>
+          <a:p>
+            <a:r>
+              <a:rPr lang="en-US" sz="1400" b="1" i="0" u="none" strike="noStrike" baseline="0" dirty="0">
+                <a:solidFill>
+                  <a:srgbClr val="0000FF"/>
+                </a:solidFill>
+                <a:latin typeface="Courier New" panose="02070309020205020404" pitchFamily="49" charset="0"/>
+              </a:rPr>
+              <a:t>SELECT</a:t>
+            </a:r>
+            <a:r>
+              <a:rPr lang="en-US" sz="1400" b="0" i="0" u="none" strike="noStrike" baseline="0" dirty="0">
+                <a:solidFill>
+                  <a:srgbClr val="000000"/>
+                </a:solidFill>
+                <a:latin typeface="Courier New" panose="02070309020205020404" pitchFamily="49" charset="0"/>
+              </a:rPr>
+              <a:t> </a:t>
+            </a:r>
+            <a:r>
+              <a:rPr lang="en-US" sz="1400" b="1" i="0" u="none" strike="noStrike" baseline="0" dirty="0">
+                <a:solidFill>
+                  <a:srgbClr val="000080"/>
+                </a:solidFill>
+                <a:latin typeface="Courier New" panose="02070309020205020404" pitchFamily="49" charset="0"/>
+              </a:rPr>
+              <a:t>LAST_INSERT_ID</a:t>
+            </a:r>
+            <a:r>
+              <a:rPr lang="en-US" sz="1400" b="0" i="0" u="none" strike="noStrike" baseline="0" dirty="0">
+                <a:solidFill>
+                  <a:srgbClr val="0000FF"/>
+                </a:solidFill>
+                <a:latin typeface="Courier New" panose="02070309020205020404" pitchFamily="49" charset="0"/>
+              </a:rPr>
+              <a:t>()</a:t>
+            </a:r>
+            <a:r>
+              <a:rPr lang="en-US" sz="1400" b="0" i="0" u="none" strike="noStrike" baseline="0" dirty="0">
+                <a:solidFill>
+                  <a:srgbClr val="000000"/>
+                </a:solidFill>
+                <a:latin typeface="Courier New" panose="02070309020205020404" pitchFamily="49" charset="0"/>
+              </a:rPr>
+              <a:t> </a:t>
+            </a:r>
+            <a:r>
+              <a:rPr lang="en-US" sz="1400" b="1" i="0" u="none" strike="noStrike" baseline="0" dirty="0">
+                <a:solidFill>
+                  <a:srgbClr val="0000FF"/>
+                </a:solidFill>
+                <a:latin typeface="Courier New" panose="02070309020205020404" pitchFamily="49" charset="0"/>
+              </a:rPr>
+              <a:t>INTO</a:t>
+            </a:r>
+            <a:r>
+              <a:rPr lang="en-US" sz="1400" b="0" i="0" u="none" strike="noStrike" baseline="0" dirty="0">
+                <a:solidFill>
+                  <a:srgbClr val="000000"/>
+                </a:solidFill>
+                <a:latin typeface="Courier New" panose="02070309020205020404" pitchFamily="49" charset="0"/>
+              </a:rPr>
+              <a:t> </a:t>
+            </a:r>
+            <a:r>
+              <a:rPr lang="en-US" sz="1400" b="0" i="0" u="none" strike="noStrike" baseline="0" dirty="0" err="1">
+                <a:solidFill>
+                  <a:srgbClr val="808000"/>
+                </a:solidFill>
+                <a:latin typeface="Courier New" panose="02070309020205020404" pitchFamily="49" charset="0"/>
+              </a:rPr>
+              <a:t>mediaID</a:t>
+            </a:r>
+            <a:r>
+              <a:rPr lang="en-US" sz="1400" b="0" i="0" u="none" strike="noStrike" baseline="0" dirty="0">
+                <a:solidFill>
+                  <a:srgbClr val="808000"/>
+                </a:solidFill>
+                <a:latin typeface="Courier New" panose="02070309020205020404" pitchFamily="49" charset="0"/>
+              </a:rPr>
+              <a:t>_</a:t>
+            </a:r>
+            <a:r>
+              <a:rPr lang="en-US" sz="1400" b="0" i="0" u="none" strike="noStrike" baseline="0" dirty="0">
+                <a:solidFill>
+                  <a:srgbClr val="0000FF"/>
+                </a:solidFill>
+                <a:latin typeface="Courier New" panose="02070309020205020404" pitchFamily="49" charset="0"/>
+              </a:rPr>
+              <a:t>;</a:t>
+            </a:r>
+          </a:p>
+          <a:p>
+            <a:endParaRPr lang="de-DE" sz="1400" b="0" i="0" u="none" strike="noStrike" baseline="0" dirty="0">
+              <a:solidFill>
+                <a:srgbClr val="000000"/>
+              </a:solidFill>
+              <a:latin typeface="Courier New" panose="02070309020205020404" pitchFamily="49" charset="0"/>
+            </a:endParaRPr>
+          </a:p>
+          <a:p>
+            <a:r>
+              <a:rPr lang="de-DE" sz="1400" b="1" i="0" u="none" strike="noStrike" baseline="0" dirty="0">
+                <a:solidFill>
+                  <a:srgbClr val="0000FF"/>
+                </a:solidFill>
+                <a:latin typeface="Courier New" panose="02070309020205020404" pitchFamily="49" charset="0"/>
+              </a:rPr>
+              <a:t>END</a:t>
+            </a:r>
+            <a:r>
+              <a:rPr lang="de-DE" sz="1400" b="0" i="0" u="none" strike="noStrike" baseline="0" dirty="0">
+                <a:solidFill>
+                  <a:srgbClr val="808000"/>
+                </a:solidFill>
+                <a:latin typeface="Courier New" panose="02070309020205020404" pitchFamily="49" charset="0"/>
+              </a:rPr>
+              <a:t>$$</a:t>
+            </a:r>
+          </a:p>
+        </p:txBody>
+      </p:sp>
     </p:spTree>
     <p:extLst>
       <p:ext uri="{BB962C8B-B14F-4D97-AF65-F5344CB8AC3E}">
@@ -18338,8 +21455,8 @@
         </p:nvSpPr>
         <p:spPr>
           <a:xfrm>
-            <a:off x="609600" y="1676400"/>
-            <a:ext cx="10972800" cy="4495800"/>
+            <a:off x="609600" y="2362200"/>
+            <a:ext cx="5620267" cy="3810000"/>
           </a:xfrm>
         </p:spPr>
         <p:txBody>
@@ -18367,6 +21484,12 @@
             <a:r>
               <a:rPr lang="de-DE" dirty="0"/>
               <a:t>Weitere Tabellen hinzufügen</a:t>
+            </a:r>
+          </a:p>
+          <a:p>
+            <a:r>
+              <a:rPr lang="de-DE" dirty="0"/>
+              <a:t>Weitere Views und Prozeduren</a:t>
             </a:r>
           </a:p>
         </p:txBody>
@@ -27207,7 +30330,7 @@
         </p:blipFill>
         <p:spPr>
           <a:xfrm>
-            <a:off x="609600" y="1447800"/>
+            <a:off x="725120" y="1244543"/>
             <a:ext cx="5262392" cy="4706056"/>
           </a:xfrm>
           <a:prstGeom prst="rect">

--- a/Medienverwaltungsdatenbank Gruppe1.pptx
+++ b/Medienverwaltungsdatenbank Gruppe1.pptx
@@ -1484,16 +1484,28 @@
               <a:defRPr/>
             </a:pPr>
             <a:r>
-              <a:rPr lang="de-DE" sz="1200" dirty="0">
-                <a:solidFill>
-                  <a:srgbClr val="3C3939"/>
-                </a:solidFill>
-                <a:latin typeface="Roboto" pitchFamily="34" charset="0"/>
-                <a:ea typeface="Roboto" pitchFamily="34" charset="-122"/>
-                <a:cs typeface="Roboto" pitchFamily="34" charset="-120"/>
-              </a:rPr>
-              <a:t>Code + Erklärung kurz</a:t>
-            </a:r>
+              <a:rPr lang="de-DE" dirty="0"/>
+              <a:t>Gespeicherte Prozeduren enthalten Transaktion.</a:t>
+            </a:r>
+          </a:p>
+          <a:p>
+            <a:pPr marL="0" marR="0" lvl="0" indent="0" algn="l" defTabSz="914400" rtl="0" eaLnBrk="1" fontAlgn="auto" latinLnBrk="0" hangingPunct="1">
+              <a:lnSpc>
+                <a:spcPct val="100000"/>
+              </a:lnSpc>
+              <a:spcBef>
+                <a:spcPts val="0"/>
+              </a:spcBef>
+              <a:spcAft>
+                <a:spcPts val="0"/>
+              </a:spcAft>
+              <a:buClrTx/>
+              <a:buSzTx/>
+              <a:buFontTx/>
+              <a:buNone/>
+              <a:tabLst/>
+              <a:defRPr/>
+            </a:pPr>
             <a:endParaRPr lang="en-US" sz="1200" dirty="0">
               <a:solidFill>
                 <a:srgbClr val="3C3939"/>
@@ -19485,10 +19497,10 @@
       </p:sp>
       <p:pic>
         <p:nvPicPr>
-          <p:cNvPr id="8" name="Grafik 7">
+          <p:cNvPr id="5" name="Grafik 4">
             <a:extLst>
               <a:ext uri="{FF2B5EF4-FFF2-40B4-BE49-F238E27FC236}">
-                <a16:creationId xmlns:a16="http://schemas.microsoft.com/office/drawing/2014/main" id="{2A343D9C-43D0-24C9-2E2A-C3E016D5FB0A}"/>
+                <a16:creationId xmlns:a16="http://schemas.microsoft.com/office/drawing/2014/main" id="{BC12B892-012A-94B1-8BF9-4A30CDC124E2}"/>
               </a:ext>
             </a:extLst>
           </p:cNvPr>
@@ -19505,7 +19517,37 @@
         </p:blipFill>
         <p:spPr>
           <a:xfrm>
-            <a:off x="1778774" y="2019300"/>
+            <a:off x="2299267" y="1916814"/>
+            <a:ext cx="7607643" cy="3756075"/>
+          </a:xfrm>
+          <a:prstGeom prst="rect">
+            <a:avLst/>
+          </a:prstGeom>
+        </p:spPr>
+      </p:pic>
+      <p:pic>
+        <p:nvPicPr>
+          <p:cNvPr id="8" name="Grafik 7">
+            <a:extLst>
+              <a:ext uri="{FF2B5EF4-FFF2-40B4-BE49-F238E27FC236}">
+                <a16:creationId xmlns:a16="http://schemas.microsoft.com/office/drawing/2014/main" id="{2A343D9C-43D0-24C9-2E2A-C3E016D5FB0A}"/>
+              </a:ext>
+            </a:extLst>
+          </p:cNvPr>
+          <p:cNvPicPr>
+            <a:picLocks noChangeAspect="1"/>
+          </p:cNvPicPr>
+          <p:nvPr/>
+        </p:nvPicPr>
+        <p:blipFill>
+          <a:blip r:embed="rId4"/>
+          <a:stretch>
+            <a:fillRect/>
+          </a:stretch>
+        </p:blipFill>
+        <p:spPr>
+          <a:xfrm>
+            <a:off x="7962967" y="2475388"/>
             <a:ext cx="1749458" cy="1295400"/>
           </a:xfrm>
           <a:prstGeom prst="rect">
@@ -19513,1111 +19555,6 @@
           </a:prstGeom>
         </p:spPr>
       </p:pic>
-      <p:sp>
-        <p:nvSpPr>
-          <p:cNvPr id="19" name="Textfeld 18">
-            <a:extLst>
-              <a:ext uri="{FF2B5EF4-FFF2-40B4-BE49-F238E27FC236}">
-                <a16:creationId xmlns:a16="http://schemas.microsoft.com/office/drawing/2014/main" id="{BFAE9AC7-D7D7-21CF-F2CD-9AD58B0B4E8D}"/>
-              </a:ext>
-            </a:extLst>
-          </p:cNvPr>
-          <p:cNvSpPr txBox="1"/>
-          <p:nvPr/>
-        </p:nvSpPr>
-        <p:spPr>
-          <a:xfrm>
-            <a:off x="4117731" y="1676400"/>
-            <a:ext cx="7544803" cy="4401205"/>
-          </a:xfrm>
-          <a:prstGeom prst="rect">
-            <a:avLst/>
-          </a:prstGeom>
-          <a:noFill/>
-        </p:spPr>
-        <p:txBody>
-          <a:bodyPr wrap="square">
-            <a:spAutoFit/>
-          </a:bodyPr>
-          <a:lstStyle/>
-          <a:p>
-            <a:endParaRPr lang="de-DE" sz="1400" b="0" i="0" u="none" strike="noStrike" baseline="0" dirty="0">
-              <a:latin typeface="Courier New" panose="02070309020205020404" pitchFamily="49" charset="0"/>
-            </a:endParaRPr>
-          </a:p>
-          <a:p>
-            <a:r>
-              <a:rPr lang="de-DE" sz="1400" b="0" i="1" u="none" strike="noStrike" baseline="0" dirty="0">
-                <a:solidFill>
-                  <a:srgbClr val="808080"/>
-                </a:solidFill>
-                <a:latin typeface="Courier New" panose="02070309020205020404" pitchFamily="49" charset="0"/>
-              </a:rPr>
-              <a:t>/*----------------------*/</a:t>
-            </a:r>
-          </a:p>
-          <a:p>
-            <a:r>
-              <a:rPr lang="de-DE" sz="1400" b="0" i="1" u="none" strike="noStrike" baseline="0" dirty="0">
-                <a:solidFill>
-                  <a:srgbClr val="808080"/>
-                </a:solidFill>
-                <a:latin typeface="Courier New" panose="02070309020205020404" pitchFamily="49" charset="0"/>
-              </a:rPr>
-              <a:t>/* </a:t>
-            </a:r>
-            <a:r>
-              <a:rPr lang="de-DE" sz="1400" b="0" i="1" u="none" strike="noStrike" baseline="0" dirty="0" err="1">
-                <a:solidFill>
-                  <a:srgbClr val="808080"/>
-                </a:solidFill>
-                <a:latin typeface="Courier New" panose="02070309020205020404" pitchFamily="49" charset="0"/>
-              </a:rPr>
-              <a:t>InsertProcedures.sql</a:t>
-            </a:r>
-            <a:r>
-              <a:rPr lang="de-DE" sz="1400" b="0" i="1" u="none" strike="noStrike" baseline="0" dirty="0">
-                <a:solidFill>
-                  <a:srgbClr val="808080"/>
-                </a:solidFill>
-                <a:latin typeface="Courier New" panose="02070309020205020404" pitchFamily="49" charset="0"/>
-              </a:rPr>
-              <a:t> */</a:t>
-            </a:r>
-          </a:p>
-          <a:p>
-            <a:r>
-              <a:rPr lang="de-DE" sz="1400" b="0" i="1" u="none" strike="noStrike" baseline="0" dirty="0">
-                <a:solidFill>
-                  <a:srgbClr val="808080"/>
-                </a:solidFill>
-                <a:latin typeface="Courier New" panose="02070309020205020404" pitchFamily="49" charset="0"/>
-              </a:rPr>
-              <a:t>/*----------------------*/</a:t>
-            </a:r>
-          </a:p>
-          <a:p>
-            <a:endParaRPr lang="de-DE" sz="1400" b="0" i="1" u="none" strike="noStrike" baseline="0" dirty="0">
-              <a:solidFill>
-                <a:srgbClr val="808080"/>
-              </a:solidFill>
-              <a:latin typeface="Courier New" panose="02070309020205020404" pitchFamily="49" charset="0"/>
-            </a:endParaRPr>
-          </a:p>
-          <a:p>
-            <a:r>
-              <a:rPr lang="en-US" sz="1400" b="1" i="0" u="none" strike="noStrike" baseline="0" dirty="0">
-                <a:solidFill>
-                  <a:srgbClr val="0000FF"/>
-                </a:solidFill>
-                <a:latin typeface="Courier New" panose="02070309020205020404" pitchFamily="49" charset="0"/>
-              </a:rPr>
-              <a:t>DROP</a:t>
-            </a:r>
-            <a:r>
-              <a:rPr lang="en-US" sz="1400" b="0" i="0" u="none" strike="noStrike" baseline="0" dirty="0">
-                <a:solidFill>
-                  <a:srgbClr val="000000"/>
-                </a:solidFill>
-                <a:latin typeface="Courier New" panose="02070309020205020404" pitchFamily="49" charset="0"/>
-              </a:rPr>
-              <a:t> </a:t>
-            </a:r>
-            <a:r>
-              <a:rPr lang="en-US" sz="1400" b="1" i="0" u="none" strike="noStrike" baseline="0" dirty="0">
-                <a:solidFill>
-                  <a:srgbClr val="0000FF"/>
-                </a:solidFill>
-                <a:latin typeface="Courier New" panose="02070309020205020404" pitchFamily="49" charset="0"/>
-              </a:rPr>
-              <a:t>PROCEDURE</a:t>
-            </a:r>
-            <a:r>
-              <a:rPr lang="en-US" sz="1400" b="0" i="0" u="none" strike="noStrike" baseline="0" dirty="0">
-                <a:solidFill>
-                  <a:srgbClr val="000000"/>
-                </a:solidFill>
-                <a:latin typeface="Courier New" panose="02070309020205020404" pitchFamily="49" charset="0"/>
-              </a:rPr>
-              <a:t> </a:t>
-            </a:r>
-            <a:r>
-              <a:rPr lang="en-US" sz="1400" b="1" i="0" u="none" strike="noStrike" baseline="0" dirty="0">
-                <a:solidFill>
-                  <a:srgbClr val="000000"/>
-                </a:solidFill>
-                <a:latin typeface="Courier New" panose="02070309020205020404" pitchFamily="49" charset="0"/>
-              </a:rPr>
-              <a:t>IF</a:t>
-            </a:r>
-            <a:r>
-              <a:rPr lang="en-US" sz="1400" b="0" i="0" u="none" strike="noStrike" baseline="0" dirty="0">
-                <a:solidFill>
-                  <a:srgbClr val="000000"/>
-                </a:solidFill>
-                <a:latin typeface="Courier New" panose="02070309020205020404" pitchFamily="49" charset="0"/>
-              </a:rPr>
-              <a:t> </a:t>
-            </a:r>
-            <a:r>
-              <a:rPr lang="en-US" sz="1400" b="1" i="0" u="none" strike="noStrike" baseline="0" dirty="0">
-                <a:solidFill>
-                  <a:srgbClr val="0000FF"/>
-                </a:solidFill>
-                <a:latin typeface="Courier New" panose="02070309020205020404" pitchFamily="49" charset="0"/>
-              </a:rPr>
-              <a:t>EXISTS</a:t>
-            </a:r>
-            <a:r>
-              <a:rPr lang="en-US" sz="1400" b="0" i="0" u="none" strike="noStrike" baseline="0" dirty="0">
-                <a:solidFill>
-                  <a:srgbClr val="000000"/>
-                </a:solidFill>
-                <a:latin typeface="Courier New" panose="02070309020205020404" pitchFamily="49" charset="0"/>
-              </a:rPr>
-              <a:t> </a:t>
-            </a:r>
-            <a:r>
-              <a:rPr lang="en-US" sz="1400" b="0" i="0" u="none" strike="noStrike" baseline="0" dirty="0" err="1">
-                <a:solidFill>
-                  <a:srgbClr val="000000"/>
-                </a:solidFill>
-                <a:latin typeface="Courier New" panose="02070309020205020404" pitchFamily="49" charset="0"/>
-              </a:rPr>
-              <a:t>insert_media</a:t>
-            </a:r>
-            <a:r>
-              <a:rPr lang="en-US" sz="1400" b="0" i="0" u="none" strike="noStrike" baseline="0" dirty="0">
-                <a:solidFill>
-                  <a:srgbClr val="0000FF"/>
-                </a:solidFill>
-                <a:latin typeface="Courier New" panose="02070309020205020404" pitchFamily="49" charset="0"/>
-              </a:rPr>
-              <a:t>;</a:t>
-            </a:r>
-          </a:p>
-          <a:p>
-            <a:r>
-              <a:rPr lang="en-US" sz="1400" b="1" i="0" u="none" strike="noStrike" baseline="0" dirty="0">
-                <a:solidFill>
-                  <a:srgbClr val="0000FF"/>
-                </a:solidFill>
-                <a:latin typeface="Courier New" panose="02070309020205020404" pitchFamily="49" charset="0"/>
-              </a:rPr>
-              <a:t>DROP</a:t>
-            </a:r>
-            <a:r>
-              <a:rPr lang="en-US" sz="1400" b="0" i="0" u="none" strike="noStrike" baseline="0" dirty="0">
-                <a:solidFill>
-                  <a:srgbClr val="000000"/>
-                </a:solidFill>
-                <a:latin typeface="Courier New" panose="02070309020205020404" pitchFamily="49" charset="0"/>
-              </a:rPr>
-              <a:t> </a:t>
-            </a:r>
-            <a:r>
-              <a:rPr lang="en-US" sz="1400" b="1" i="0" u="none" strike="noStrike" baseline="0" dirty="0">
-                <a:solidFill>
-                  <a:srgbClr val="0000FF"/>
-                </a:solidFill>
-                <a:latin typeface="Courier New" panose="02070309020205020404" pitchFamily="49" charset="0"/>
-              </a:rPr>
-              <a:t>PROCEDURE</a:t>
-            </a:r>
-            <a:r>
-              <a:rPr lang="en-US" sz="1400" b="0" i="0" u="none" strike="noStrike" baseline="0" dirty="0">
-                <a:solidFill>
-                  <a:srgbClr val="000000"/>
-                </a:solidFill>
-                <a:latin typeface="Courier New" panose="02070309020205020404" pitchFamily="49" charset="0"/>
-              </a:rPr>
-              <a:t> </a:t>
-            </a:r>
-            <a:r>
-              <a:rPr lang="en-US" sz="1400" b="1" i="0" u="none" strike="noStrike" baseline="0" dirty="0">
-                <a:solidFill>
-                  <a:srgbClr val="000000"/>
-                </a:solidFill>
-                <a:latin typeface="Courier New" panose="02070309020205020404" pitchFamily="49" charset="0"/>
-              </a:rPr>
-              <a:t>IF</a:t>
-            </a:r>
-            <a:r>
-              <a:rPr lang="en-US" sz="1400" b="0" i="0" u="none" strike="noStrike" baseline="0" dirty="0">
-                <a:solidFill>
-                  <a:srgbClr val="000000"/>
-                </a:solidFill>
-                <a:latin typeface="Courier New" panose="02070309020205020404" pitchFamily="49" charset="0"/>
-              </a:rPr>
-              <a:t> </a:t>
-            </a:r>
-            <a:r>
-              <a:rPr lang="en-US" sz="1400" b="1" i="0" u="none" strike="noStrike" baseline="0" dirty="0">
-                <a:solidFill>
-                  <a:srgbClr val="0000FF"/>
-                </a:solidFill>
-                <a:latin typeface="Courier New" panose="02070309020205020404" pitchFamily="49" charset="0"/>
-              </a:rPr>
-              <a:t>EXISTS</a:t>
-            </a:r>
-            <a:r>
-              <a:rPr lang="en-US" sz="1400" b="0" i="0" u="none" strike="noStrike" baseline="0" dirty="0">
-                <a:solidFill>
-                  <a:srgbClr val="000000"/>
-                </a:solidFill>
-                <a:latin typeface="Courier New" panose="02070309020205020404" pitchFamily="49" charset="0"/>
-              </a:rPr>
-              <a:t> </a:t>
-            </a:r>
-            <a:r>
-              <a:rPr lang="en-US" sz="1400" b="0" i="0" u="none" strike="noStrike" baseline="0" dirty="0" err="1">
-                <a:solidFill>
-                  <a:srgbClr val="000000"/>
-                </a:solidFill>
-                <a:latin typeface="Courier New" panose="02070309020205020404" pitchFamily="49" charset="0"/>
-              </a:rPr>
-              <a:t>insert_film</a:t>
-            </a:r>
-            <a:r>
-              <a:rPr lang="en-US" sz="1400" b="0" i="0" u="none" strike="noStrike" baseline="0" dirty="0">
-                <a:solidFill>
-                  <a:srgbClr val="0000FF"/>
-                </a:solidFill>
-                <a:latin typeface="Courier New" panose="02070309020205020404" pitchFamily="49" charset="0"/>
-              </a:rPr>
-              <a:t>;</a:t>
-            </a:r>
-          </a:p>
-          <a:p>
-            <a:endParaRPr lang="de-DE" sz="1400" b="0" i="0" u="none" strike="noStrike" baseline="0" dirty="0">
-              <a:solidFill>
-                <a:srgbClr val="0000FF"/>
-              </a:solidFill>
-              <a:latin typeface="Courier New" panose="02070309020205020404" pitchFamily="49" charset="0"/>
-            </a:endParaRPr>
-          </a:p>
-          <a:p>
-            <a:r>
-              <a:rPr lang="de-DE" sz="1400" b="0" i="0" u="none" strike="noStrike" baseline="0" dirty="0">
-                <a:solidFill>
-                  <a:srgbClr val="808000"/>
-                </a:solidFill>
-                <a:latin typeface="Courier New" panose="02070309020205020404" pitchFamily="49" charset="0"/>
-              </a:rPr>
-              <a:t>DELIMITER</a:t>
-            </a:r>
-            <a:r>
-              <a:rPr lang="de-DE" sz="1400" b="0" i="0" u="none" strike="noStrike" baseline="0" dirty="0">
-                <a:solidFill>
-                  <a:srgbClr val="000000"/>
-                </a:solidFill>
-                <a:latin typeface="Courier New" panose="02070309020205020404" pitchFamily="49" charset="0"/>
-              </a:rPr>
-              <a:t> </a:t>
-            </a:r>
-            <a:r>
-              <a:rPr lang="de-DE" sz="1400" b="0" i="0" u="none" strike="noStrike" baseline="0" dirty="0">
-                <a:solidFill>
-                  <a:srgbClr val="808000"/>
-                </a:solidFill>
-                <a:latin typeface="Courier New" panose="02070309020205020404" pitchFamily="49" charset="0"/>
-              </a:rPr>
-              <a:t>$$</a:t>
-            </a:r>
-          </a:p>
-          <a:p>
-            <a:endParaRPr lang="de-DE" sz="1400" b="0" i="0" u="none" strike="noStrike" baseline="0" dirty="0">
-              <a:solidFill>
-                <a:srgbClr val="808000"/>
-              </a:solidFill>
-              <a:latin typeface="Courier New" panose="02070309020205020404" pitchFamily="49" charset="0"/>
-            </a:endParaRPr>
-          </a:p>
-          <a:p>
-            <a:r>
-              <a:rPr lang="en-US" sz="1400" b="1" i="0" u="none" strike="noStrike" baseline="0" dirty="0">
-                <a:solidFill>
-                  <a:srgbClr val="0000FF"/>
-                </a:solidFill>
-                <a:latin typeface="Courier New" panose="02070309020205020404" pitchFamily="49" charset="0"/>
-              </a:rPr>
-              <a:t>CREATE</a:t>
-            </a:r>
-            <a:r>
-              <a:rPr lang="en-US" sz="1400" b="0" i="0" u="none" strike="noStrike" baseline="0" dirty="0">
-                <a:solidFill>
-                  <a:srgbClr val="000000"/>
-                </a:solidFill>
-                <a:latin typeface="Courier New" panose="02070309020205020404" pitchFamily="49" charset="0"/>
-              </a:rPr>
-              <a:t> </a:t>
-            </a:r>
-            <a:r>
-              <a:rPr lang="en-US" sz="1400" b="1" i="0" u="none" strike="noStrike" baseline="0" dirty="0">
-                <a:solidFill>
-                  <a:srgbClr val="0000FF"/>
-                </a:solidFill>
-                <a:latin typeface="Courier New" panose="02070309020205020404" pitchFamily="49" charset="0"/>
-              </a:rPr>
-              <a:t>PROCEDURE</a:t>
-            </a:r>
-            <a:r>
-              <a:rPr lang="en-US" sz="1400" b="0" i="0" u="none" strike="noStrike" baseline="0" dirty="0">
-                <a:solidFill>
-                  <a:srgbClr val="000000"/>
-                </a:solidFill>
-                <a:latin typeface="Courier New" panose="02070309020205020404" pitchFamily="49" charset="0"/>
-              </a:rPr>
-              <a:t> </a:t>
-            </a:r>
-            <a:r>
-              <a:rPr lang="en-US" sz="1400" b="0" i="0" u="none" strike="noStrike" baseline="0" dirty="0" err="1">
-                <a:solidFill>
-                  <a:srgbClr val="000000"/>
-                </a:solidFill>
-                <a:latin typeface="Courier New" panose="02070309020205020404" pitchFamily="49" charset="0"/>
-              </a:rPr>
-              <a:t>insert_media</a:t>
-            </a:r>
-            <a:r>
-              <a:rPr lang="en-US" sz="1400" b="0" i="0" u="none" strike="noStrike" baseline="0" dirty="0">
-                <a:solidFill>
-                  <a:srgbClr val="0000FF"/>
-                </a:solidFill>
-                <a:latin typeface="Courier New" panose="02070309020205020404" pitchFamily="49" charset="0"/>
-              </a:rPr>
-              <a:t>(</a:t>
-            </a:r>
-            <a:r>
-              <a:rPr lang="en-US" sz="1400" b="1" i="0" u="none" strike="noStrike" baseline="0" dirty="0">
-                <a:solidFill>
-                  <a:srgbClr val="0000FF"/>
-                </a:solidFill>
-                <a:latin typeface="Courier New" panose="02070309020205020404" pitchFamily="49" charset="0"/>
-              </a:rPr>
-              <a:t>IN</a:t>
-            </a:r>
-            <a:r>
-              <a:rPr lang="en-US" sz="1400" b="0" i="0" u="none" strike="noStrike" baseline="0" dirty="0">
-                <a:solidFill>
-                  <a:srgbClr val="000000"/>
-                </a:solidFill>
-                <a:latin typeface="Courier New" panose="02070309020205020404" pitchFamily="49" charset="0"/>
-              </a:rPr>
-              <a:t> </a:t>
-            </a:r>
-            <a:r>
-              <a:rPr lang="en-US" sz="1400" b="0" i="0" u="none" strike="noStrike" baseline="0" dirty="0">
-                <a:solidFill>
-                  <a:srgbClr val="808000"/>
-                </a:solidFill>
-                <a:latin typeface="Courier New" panose="02070309020205020404" pitchFamily="49" charset="0"/>
-              </a:rPr>
-              <a:t>title_</a:t>
-            </a:r>
-            <a:r>
-              <a:rPr lang="en-US" sz="1400" b="0" i="0" u="none" strike="noStrike" baseline="0" dirty="0">
-                <a:solidFill>
-                  <a:srgbClr val="000000"/>
-                </a:solidFill>
-                <a:latin typeface="Courier New" panose="02070309020205020404" pitchFamily="49" charset="0"/>
-              </a:rPr>
-              <a:t> </a:t>
-            </a:r>
-            <a:r>
-              <a:rPr lang="en-US" sz="1400" b="1" i="0" u="none" strike="noStrike" baseline="0" dirty="0">
-                <a:solidFill>
-                  <a:srgbClr val="0000FF"/>
-                </a:solidFill>
-                <a:latin typeface="Courier New" panose="02070309020205020404" pitchFamily="49" charset="0"/>
-              </a:rPr>
-              <a:t>NVARCHAR</a:t>
-            </a:r>
-            <a:r>
-              <a:rPr lang="en-US" sz="1400" b="0" i="0" u="none" strike="noStrike" baseline="0" dirty="0">
-                <a:solidFill>
-                  <a:srgbClr val="0000FF"/>
-                </a:solidFill>
-                <a:latin typeface="Courier New" panose="02070309020205020404" pitchFamily="49" charset="0"/>
-              </a:rPr>
-              <a:t>(</a:t>
-            </a:r>
-            <a:r>
-              <a:rPr lang="en-US" sz="1400" b="0" i="0" u="none" strike="noStrike" baseline="0" dirty="0">
-                <a:solidFill>
-                  <a:srgbClr val="800080"/>
-                </a:solidFill>
-                <a:latin typeface="Courier New" panose="02070309020205020404" pitchFamily="49" charset="0"/>
-              </a:rPr>
-              <a:t>255</a:t>
-            </a:r>
-            <a:r>
-              <a:rPr lang="en-US" sz="1400" b="0" i="0" u="none" strike="noStrike" baseline="0" dirty="0">
-                <a:solidFill>
-                  <a:srgbClr val="0000FF"/>
-                </a:solidFill>
-                <a:latin typeface="Courier New" panose="02070309020205020404" pitchFamily="49" charset="0"/>
-              </a:rPr>
-              <a:t>),</a:t>
-            </a:r>
-            <a:r>
-              <a:rPr lang="en-US" sz="1400" b="0" i="0" u="none" strike="noStrike" baseline="0" dirty="0">
-                <a:solidFill>
-                  <a:srgbClr val="000000"/>
-                </a:solidFill>
-                <a:latin typeface="Courier New" panose="02070309020205020404" pitchFamily="49" charset="0"/>
-              </a:rPr>
-              <a:t> </a:t>
-            </a:r>
-            <a:r>
-              <a:rPr lang="en-US" sz="1400" b="1" i="0" u="none" strike="noStrike" baseline="0" dirty="0">
-                <a:solidFill>
-                  <a:srgbClr val="0000FF"/>
-                </a:solidFill>
-                <a:latin typeface="Courier New" panose="02070309020205020404" pitchFamily="49" charset="0"/>
-              </a:rPr>
-              <a:t>IN</a:t>
-            </a:r>
-            <a:r>
-              <a:rPr lang="en-US" sz="1400" b="0" i="0" u="none" strike="noStrike" baseline="0" dirty="0">
-                <a:solidFill>
-                  <a:srgbClr val="000000"/>
-                </a:solidFill>
-                <a:latin typeface="Courier New" panose="02070309020205020404" pitchFamily="49" charset="0"/>
-              </a:rPr>
-              <a:t> </a:t>
-            </a:r>
-            <a:r>
-              <a:rPr lang="en-US" sz="1400" b="0" i="0" u="none" strike="noStrike" baseline="0" dirty="0" err="1">
-                <a:solidFill>
-                  <a:srgbClr val="808000"/>
-                </a:solidFill>
-                <a:latin typeface="Courier New" panose="02070309020205020404" pitchFamily="49" charset="0"/>
-              </a:rPr>
-              <a:t>releaseDate</a:t>
-            </a:r>
-            <a:r>
-              <a:rPr lang="en-US" sz="1400" b="0" i="0" u="none" strike="noStrike" baseline="0" dirty="0">
-                <a:solidFill>
-                  <a:srgbClr val="808000"/>
-                </a:solidFill>
-                <a:latin typeface="Courier New" panose="02070309020205020404" pitchFamily="49" charset="0"/>
-              </a:rPr>
-              <a:t>_</a:t>
-            </a:r>
-            <a:r>
-              <a:rPr lang="en-US" sz="1400" b="0" i="0" u="none" strike="noStrike" baseline="0" dirty="0">
-                <a:solidFill>
-                  <a:srgbClr val="000000"/>
-                </a:solidFill>
-                <a:latin typeface="Courier New" panose="02070309020205020404" pitchFamily="49" charset="0"/>
-              </a:rPr>
-              <a:t>  </a:t>
-            </a:r>
-            <a:r>
-              <a:rPr lang="en-US" sz="1400" b="1" i="0" u="none" strike="noStrike" baseline="0" dirty="0">
-                <a:solidFill>
-                  <a:srgbClr val="800000"/>
-                </a:solidFill>
-                <a:latin typeface="Courier New" panose="02070309020205020404" pitchFamily="49" charset="0"/>
-              </a:rPr>
-              <a:t>DATE</a:t>
-            </a:r>
-            <a:r>
-              <a:rPr lang="en-US" sz="1400" b="0" i="0" u="none" strike="noStrike" baseline="0" dirty="0">
-                <a:solidFill>
-                  <a:srgbClr val="0000FF"/>
-                </a:solidFill>
-                <a:latin typeface="Courier New" panose="02070309020205020404" pitchFamily="49" charset="0"/>
-              </a:rPr>
-              <a:t>,</a:t>
-            </a:r>
-            <a:r>
-              <a:rPr lang="en-US" sz="1400" b="0" i="0" u="none" strike="noStrike" baseline="0" dirty="0">
-                <a:solidFill>
-                  <a:srgbClr val="000000"/>
-                </a:solidFill>
-                <a:latin typeface="Courier New" panose="02070309020205020404" pitchFamily="49" charset="0"/>
-              </a:rPr>
-              <a:t> </a:t>
-            </a:r>
-            <a:r>
-              <a:rPr lang="en-US" sz="1400" b="0" i="0" u="none" strike="noStrike" baseline="0" dirty="0">
-                <a:solidFill>
-                  <a:srgbClr val="808000"/>
-                </a:solidFill>
-                <a:latin typeface="Courier New" panose="02070309020205020404" pitchFamily="49" charset="0"/>
-              </a:rPr>
-              <a:t>digital_</a:t>
-            </a:r>
-            <a:r>
-              <a:rPr lang="en-US" sz="1400" b="0" i="0" u="none" strike="noStrike" baseline="0" dirty="0">
-                <a:solidFill>
-                  <a:srgbClr val="000000"/>
-                </a:solidFill>
-                <a:latin typeface="Courier New" panose="02070309020205020404" pitchFamily="49" charset="0"/>
-              </a:rPr>
-              <a:t> </a:t>
-            </a:r>
-            <a:r>
-              <a:rPr lang="en-US" sz="1400" b="1" i="0" u="none" strike="noStrike" baseline="0" dirty="0">
-                <a:solidFill>
-                  <a:srgbClr val="800000"/>
-                </a:solidFill>
-                <a:latin typeface="Courier New" panose="02070309020205020404" pitchFamily="49" charset="0"/>
-              </a:rPr>
-              <a:t>BOOL</a:t>
-            </a:r>
-            <a:r>
-              <a:rPr lang="en-US" sz="1400" b="0" i="0" u="none" strike="noStrike" baseline="0" dirty="0">
-                <a:solidFill>
-                  <a:srgbClr val="0000FF"/>
-                </a:solidFill>
-                <a:latin typeface="Courier New" panose="02070309020205020404" pitchFamily="49" charset="0"/>
-              </a:rPr>
-              <a:t>,</a:t>
-            </a:r>
-            <a:r>
-              <a:rPr lang="en-US" sz="1400" b="0" i="0" u="none" strike="noStrike" baseline="0" dirty="0">
-                <a:solidFill>
-                  <a:srgbClr val="000000"/>
-                </a:solidFill>
-                <a:latin typeface="Courier New" panose="02070309020205020404" pitchFamily="49" charset="0"/>
-              </a:rPr>
-              <a:t> </a:t>
-            </a:r>
-            <a:r>
-              <a:rPr lang="en-US" sz="1400" b="1" i="0" u="none" strike="noStrike" baseline="0" dirty="0">
-                <a:solidFill>
-                  <a:srgbClr val="0000FF"/>
-                </a:solidFill>
-                <a:latin typeface="Courier New" panose="02070309020205020404" pitchFamily="49" charset="0"/>
-              </a:rPr>
-              <a:t>OUT</a:t>
-            </a:r>
-            <a:r>
-              <a:rPr lang="en-US" sz="1400" b="0" i="0" u="none" strike="noStrike" baseline="0" dirty="0">
-                <a:solidFill>
-                  <a:srgbClr val="000000"/>
-                </a:solidFill>
-                <a:latin typeface="Courier New" panose="02070309020205020404" pitchFamily="49" charset="0"/>
-              </a:rPr>
-              <a:t> </a:t>
-            </a:r>
-            <a:r>
-              <a:rPr lang="en-US" sz="1400" b="0" i="0" u="none" strike="noStrike" baseline="0" dirty="0" err="1">
-                <a:solidFill>
-                  <a:srgbClr val="808000"/>
-                </a:solidFill>
-                <a:latin typeface="Courier New" panose="02070309020205020404" pitchFamily="49" charset="0"/>
-              </a:rPr>
-              <a:t>mediaID</a:t>
-            </a:r>
-            <a:r>
-              <a:rPr lang="en-US" sz="1400" b="0" i="0" u="none" strike="noStrike" baseline="0" dirty="0">
-                <a:solidFill>
-                  <a:srgbClr val="808000"/>
-                </a:solidFill>
-                <a:latin typeface="Courier New" panose="02070309020205020404" pitchFamily="49" charset="0"/>
-              </a:rPr>
-              <a:t>_</a:t>
-            </a:r>
-            <a:r>
-              <a:rPr lang="en-US" sz="1400" b="0" i="0" u="none" strike="noStrike" baseline="0" dirty="0">
-                <a:solidFill>
-                  <a:srgbClr val="000000"/>
-                </a:solidFill>
-                <a:latin typeface="Courier New" panose="02070309020205020404" pitchFamily="49" charset="0"/>
-              </a:rPr>
-              <a:t> </a:t>
-            </a:r>
-            <a:r>
-              <a:rPr lang="en-US" sz="1400" b="1" i="0" u="none" strike="noStrike" baseline="0" dirty="0">
-                <a:solidFill>
-                  <a:srgbClr val="800000"/>
-                </a:solidFill>
-                <a:latin typeface="Courier New" panose="02070309020205020404" pitchFamily="49" charset="0"/>
-              </a:rPr>
-              <a:t>INT</a:t>
-            </a:r>
-            <a:r>
-              <a:rPr lang="en-US" sz="1400" b="0" i="0" u="none" strike="noStrike" baseline="0" dirty="0">
-                <a:solidFill>
-                  <a:srgbClr val="0000FF"/>
-                </a:solidFill>
-                <a:latin typeface="Courier New" panose="02070309020205020404" pitchFamily="49" charset="0"/>
-              </a:rPr>
-              <a:t>)</a:t>
-            </a:r>
-          </a:p>
-          <a:p>
-            <a:r>
-              <a:rPr lang="de-DE" sz="1400" b="1" i="0" u="none" strike="noStrike" baseline="0" dirty="0">
-                <a:solidFill>
-                  <a:srgbClr val="0000FF"/>
-                </a:solidFill>
-                <a:latin typeface="Courier New" panose="02070309020205020404" pitchFamily="49" charset="0"/>
-              </a:rPr>
-              <a:t>BEGIN</a:t>
-            </a:r>
-          </a:p>
-          <a:p>
-            <a:endParaRPr lang="de-DE" sz="1400" b="0" i="0" u="none" strike="noStrike" baseline="0" dirty="0">
-              <a:solidFill>
-                <a:srgbClr val="000000"/>
-              </a:solidFill>
-              <a:latin typeface="Courier New" panose="02070309020205020404" pitchFamily="49" charset="0"/>
-            </a:endParaRPr>
-          </a:p>
-          <a:p>
-            <a:r>
-              <a:rPr lang="en-US" sz="1400" b="1" i="0" u="none" strike="noStrike" baseline="0" dirty="0">
-                <a:solidFill>
-                  <a:srgbClr val="0000FF"/>
-                </a:solidFill>
-                <a:latin typeface="Courier New" panose="02070309020205020404" pitchFamily="49" charset="0"/>
-              </a:rPr>
-              <a:t>INSERT</a:t>
-            </a:r>
-            <a:r>
-              <a:rPr lang="en-US" sz="1400" b="0" i="0" u="none" strike="noStrike" baseline="0" dirty="0">
-                <a:solidFill>
-                  <a:srgbClr val="000000"/>
-                </a:solidFill>
-                <a:latin typeface="Courier New" panose="02070309020205020404" pitchFamily="49" charset="0"/>
-              </a:rPr>
-              <a:t> </a:t>
-            </a:r>
-            <a:r>
-              <a:rPr lang="en-US" sz="1400" b="1" i="0" u="none" strike="noStrike" baseline="0" dirty="0">
-                <a:solidFill>
-                  <a:srgbClr val="0000FF"/>
-                </a:solidFill>
-                <a:latin typeface="Courier New" panose="02070309020205020404" pitchFamily="49" charset="0"/>
-              </a:rPr>
-              <a:t>INTO</a:t>
-            </a:r>
-            <a:r>
-              <a:rPr lang="en-US" sz="1400" b="0" i="0" u="none" strike="noStrike" baseline="0" dirty="0">
-                <a:solidFill>
-                  <a:srgbClr val="000000"/>
-                </a:solidFill>
-                <a:latin typeface="Courier New" panose="02070309020205020404" pitchFamily="49" charset="0"/>
-              </a:rPr>
-              <a:t> </a:t>
-            </a:r>
-            <a:r>
-              <a:rPr lang="en-US" sz="1400" b="0" i="0" u="none" strike="noStrike" baseline="0" dirty="0" err="1">
-                <a:solidFill>
-                  <a:srgbClr val="808000"/>
-                </a:solidFill>
-                <a:latin typeface="Courier New" panose="02070309020205020404" pitchFamily="49" charset="0"/>
-              </a:rPr>
-              <a:t>mmsdb</a:t>
-            </a:r>
-            <a:r>
-              <a:rPr lang="en-US" sz="1400" b="0" i="0" u="none" strike="noStrike" baseline="0" dirty="0" err="1">
-                <a:solidFill>
-                  <a:srgbClr val="0000FF"/>
-                </a:solidFill>
-                <a:latin typeface="Courier New" panose="02070309020205020404" pitchFamily="49" charset="0"/>
-              </a:rPr>
-              <a:t>.</a:t>
-            </a:r>
-            <a:r>
-              <a:rPr lang="en-US" sz="1400" b="0" i="0" u="none" strike="noStrike" baseline="0" dirty="0" err="1">
-                <a:solidFill>
-                  <a:srgbClr val="FF00FF"/>
-                </a:solidFill>
-                <a:latin typeface="Courier New" panose="02070309020205020404" pitchFamily="49" charset="0"/>
-              </a:rPr>
-              <a:t>media</a:t>
-            </a:r>
-            <a:r>
-              <a:rPr lang="en-US" sz="1400" b="0" i="0" u="none" strike="noStrike" baseline="0" dirty="0">
-                <a:solidFill>
-                  <a:srgbClr val="000000"/>
-                </a:solidFill>
-                <a:latin typeface="Courier New" panose="02070309020205020404" pitchFamily="49" charset="0"/>
-              </a:rPr>
-              <a:t> </a:t>
-            </a:r>
-            <a:r>
-              <a:rPr lang="en-US" sz="1400" b="0" i="0" u="none" strike="noStrike" baseline="0" dirty="0">
-                <a:solidFill>
-                  <a:srgbClr val="0000FF"/>
-                </a:solidFill>
-                <a:latin typeface="Courier New" panose="02070309020205020404" pitchFamily="49" charset="0"/>
-              </a:rPr>
-              <a:t>(</a:t>
-            </a:r>
-            <a:r>
-              <a:rPr lang="en-US" sz="1400" b="0" i="0" u="none" strike="noStrike" baseline="0" dirty="0" err="1">
-                <a:solidFill>
-                  <a:srgbClr val="808000"/>
-                </a:solidFill>
-                <a:latin typeface="Courier New" panose="02070309020205020404" pitchFamily="49" charset="0"/>
-              </a:rPr>
-              <a:t>addedAt</a:t>
-            </a:r>
-            <a:r>
-              <a:rPr lang="en-US" sz="1400" b="0" i="0" u="none" strike="noStrike" baseline="0" dirty="0">
-                <a:solidFill>
-                  <a:srgbClr val="0000FF"/>
-                </a:solidFill>
-                <a:latin typeface="Courier New" panose="02070309020205020404" pitchFamily="49" charset="0"/>
-              </a:rPr>
-              <a:t>,</a:t>
-            </a:r>
-            <a:r>
-              <a:rPr lang="en-US" sz="1400" b="0" i="0" u="none" strike="noStrike" baseline="0" dirty="0">
-                <a:solidFill>
-                  <a:srgbClr val="000000"/>
-                </a:solidFill>
-                <a:latin typeface="Courier New" panose="02070309020205020404" pitchFamily="49" charset="0"/>
-              </a:rPr>
-              <a:t> </a:t>
-            </a:r>
-            <a:r>
-              <a:rPr lang="en-US" sz="1400" b="0" i="0" u="none" strike="noStrike" baseline="0" dirty="0">
-                <a:solidFill>
-                  <a:srgbClr val="808000"/>
-                </a:solidFill>
-                <a:latin typeface="Courier New" panose="02070309020205020404" pitchFamily="49" charset="0"/>
-              </a:rPr>
-              <a:t>title</a:t>
-            </a:r>
-            <a:r>
-              <a:rPr lang="en-US" sz="1400" b="0" i="0" u="none" strike="noStrike" baseline="0" dirty="0">
-                <a:solidFill>
-                  <a:srgbClr val="0000FF"/>
-                </a:solidFill>
-                <a:latin typeface="Courier New" panose="02070309020205020404" pitchFamily="49" charset="0"/>
-              </a:rPr>
-              <a:t>,</a:t>
-            </a:r>
-            <a:r>
-              <a:rPr lang="en-US" sz="1400" b="0" i="0" u="none" strike="noStrike" baseline="0" dirty="0">
-                <a:solidFill>
-                  <a:srgbClr val="000000"/>
-                </a:solidFill>
-                <a:latin typeface="Courier New" panose="02070309020205020404" pitchFamily="49" charset="0"/>
-              </a:rPr>
-              <a:t> </a:t>
-            </a:r>
-            <a:r>
-              <a:rPr lang="en-US" sz="1400" b="0" i="0" u="none" strike="noStrike" baseline="0" dirty="0" err="1">
-                <a:solidFill>
-                  <a:srgbClr val="808000"/>
-                </a:solidFill>
-                <a:latin typeface="Courier New" panose="02070309020205020404" pitchFamily="49" charset="0"/>
-              </a:rPr>
-              <a:t>releaseDate</a:t>
-            </a:r>
-            <a:r>
-              <a:rPr lang="en-US" sz="1400" b="0" i="0" u="none" strike="noStrike" baseline="0" dirty="0">
-                <a:solidFill>
-                  <a:srgbClr val="0000FF"/>
-                </a:solidFill>
-                <a:latin typeface="Courier New" panose="02070309020205020404" pitchFamily="49" charset="0"/>
-              </a:rPr>
-              <a:t>,</a:t>
-            </a:r>
-            <a:r>
-              <a:rPr lang="en-US" sz="1400" b="0" i="0" u="none" strike="noStrike" baseline="0" dirty="0">
-                <a:solidFill>
-                  <a:srgbClr val="000000"/>
-                </a:solidFill>
-                <a:latin typeface="Courier New" panose="02070309020205020404" pitchFamily="49" charset="0"/>
-              </a:rPr>
-              <a:t> </a:t>
-            </a:r>
-            <a:r>
-              <a:rPr lang="en-US" sz="1400" b="0" i="0" u="none" strike="noStrike" baseline="0" dirty="0">
-                <a:solidFill>
-                  <a:srgbClr val="808000"/>
-                </a:solidFill>
-                <a:latin typeface="Courier New" panose="02070309020205020404" pitchFamily="49" charset="0"/>
-              </a:rPr>
-              <a:t>digital</a:t>
-            </a:r>
-            <a:r>
-              <a:rPr lang="en-US" sz="1400" b="0" i="0" u="none" strike="noStrike" baseline="0" dirty="0">
-                <a:solidFill>
-                  <a:srgbClr val="0000FF"/>
-                </a:solidFill>
-                <a:latin typeface="Courier New" panose="02070309020205020404" pitchFamily="49" charset="0"/>
-              </a:rPr>
-              <a:t>)</a:t>
-            </a:r>
-          </a:p>
-          <a:p>
-            <a:r>
-              <a:rPr lang="en-US" sz="1400" b="1" i="0" u="none" strike="noStrike" baseline="0" dirty="0">
-                <a:solidFill>
-                  <a:srgbClr val="0000FF"/>
-                </a:solidFill>
-                <a:latin typeface="Courier New" panose="02070309020205020404" pitchFamily="49" charset="0"/>
-              </a:rPr>
-              <a:t>VALUES</a:t>
-            </a:r>
-            <a:r>
-              <a:rPr lang="en-US" sz="1400" b="0" i="0" u="none" strike="noStrike" baseline="0" dirty="0">
-                <a:solidFill>
-                  <a:srgbClr val="000000"/>
-                </a:solidFill>
-                <a:latin typeface="Courier New" panose="02070309020205020404" pitchFamily="49" charset="0"/>
-              </a:rPr>
-              <a:t> </a:t>
-            </a:r>
-            <a:r>
-              <a:rPr lang="en-US" sz="1400" b="0" i="0" u="none" strike="noStrike" baseline="0" dirty="0">
-                <a:solidFill>
-                  <a:srgbClr val="0000FF"/>
-                </a:solidFill>
-                <a:latin typeface="Courier New" panose="02070309020205020404" pitchFamily="49" charset="0"/>
-              </a:rPr>
-              <a:t>(</a:t>
-            </a:r>
-            <a:r>
-              <a:rPr lang="en-US" sz="1400" b="1" i="0" u="none" strike="noStrike" baseline="0" dirty="0">
-                <a:solidFill>
-                  <a:srgbClr val="000080"/>
-                </a:solidFill>
-                <a:latin typeface="Courier New" panose="02070309020205020404" pitchFamily="49" charset="0"/>
-              </a:rPr>
-              <a:t>NOW</a:t>
-            </a:r>
-            <a:r>
-              <a:rPr lang="en-US" sz="1400" b="0" i="0" u="none" strike="noStrike" baseline="0" dirty="0">
-                <a:solidFill>
-                  <a:srgbClr val="0000FF"/>
-                </a:solidFill>
-                <a:latin typeface="Courier New" panose="02070309020205020404" pitchFamily="49" charset="0"/>
-              </a:rPr>
-              <a:t>(),</a:t>
-            </a:r>
-            <a:r>
-              <a:rPr lang="en-US" sz="1400" b="0" i="0" u="none" strike="noStrike" baseline="0" dirty="0">
-                <a:solidFill>
-                  <a:srgbClr val="000000"/>
-                </a:solidFill>
-                <a:latin typeface="Courier New" panose="02070309020205020404" pitchFamily="49" charset="0"/>
-              </a:rPr>
-              <a:t> </a:t>
-            </a:r>
-            <a:r>
-              <a:rPr lang="en-US" sz="1400" b="0" i="0" u="none" strike="noStrike" baseline="0" dirty="0">
-                <a:solidFill>
-                  <a:srgbClr val="808000"/>
-                </a:solidFill>
-                <a:latin typeface="Courier New" panose="02070309020205020404" pitchFamily="49" charset="0"/>
-              </a:rPr>
-              <a:t>title_</a:t>
-            </a:r>
-            <a:r>
-              <a:rPr lang="en-US" sz="1400" b="0" i="0" u="none" strike="noStrike" baseline="0" dirty="0">
-                <a:solidFill>
-                  <a:srgbClr val="0000FF"/>
-                </a:solidFill>
-                <a:latin typeface="Courier New" panose="02070309020205020404" pitchFamily="49" charset="0"/>
-              </a:rPr>
-              <a:t>,</a:t>
-            </a:r>
-            <a:r>
-              <a:rPr lang="en-US" sz="1400" b="0" i="0" u="none" strike="noStrike" baseline="0" dirty="0">
-                <a:solidFill>
-                  <a:srgbClr val="000000"/>
-                </a:solidFill>
-                <a:latin typeface="Courier New" panose="02070309020205020404" pitchFamily="49" charset="0"/>
-              </a:rPr>
-              <a:t> </a:t>
-            </a:r>
-            <a:r>
-              <a:rPr lang="en-US" sz="1400" b="0" i="0" u="none" strike="noStrike" baseline="0" dirty="0" err="1">
-                <a:solidFill>
-                  <a:srgbClr val="808000"/>
-                </a:solidFill>
-                <a:latin typeface="Courier New" panose="02070309020205020404" pitchFamily="49" charset="0"/>
-              </a:rPr>
-              <a:t>releaseDate</a:t>
-            </a:r>
-            <a:r>
-              <a:rPr lang="en-US" sz="1400" b="0" i="0" u="none" strike="noStrike" baseline="0" dirty="0">
-                <a:solidFill>
-                  <a:srgbClr val="808000"/>
-                </a:solidFill>
-                <a:latin typeface="Courier New" panose="02070309020205020404" pitchFamily="49" charset="0"/>
-              </a:rPr>
-              <a:t>_</a:t>
-            </a:r>
-            <a:r>
-              <a:rPr lang="en-US" sz="1400" b="0" i="0" u="none" strike="noStrike" baseline="0" dirty="0">
-                <a:solidFill>
-                  <a:srgbClr val="0000FF"/>
-                </a:solidFill>
-                <a:latin typeface="Courier New" panose="02070309020205020404" pitchFamily="49" charset="0"/>
-              </a:rPr>
-              <a:t>,</a:t>
-            </a:r>
-            <a:r>
-              <a:rPr lang="en-US" sz="1400" b="0" i="0" u="none" strike="noStrike" baseline="0" dirty="0">
-                <a:solidFill>
-                  <a:srgbClr val="000000"/>
-                </a:solidFill>
-                <a:latin typeface="Courier New" panose="02070309020205020404" pitchFamily="49" charset="0"/>
-              </a:rPr>
-              <a:t> </a:t>
-            </a:r>
-            <a:r>
-              <a:rPr lang="en-US" sz="1400" b="0" i="0" u="none" strike="noStrike" baseline="0" dirty="0">
-                <a:solidFill>
-                  <a:srgbClr val="808000"/>
-                </a:solidFill>
-                <a:latin typeface="Courier New" panose="02070309020205020404" pitchFamily="49" charset="0"/>
-              </a:rPr>
-              <a:t>digital_</a:t>
-            </a:r>
-            <a:r>
-              <a:rPr lang="en-US" sz="1400" b="0" i="0" u="none" strike="noStrike" baseline="0" dirty="0">
-                <a:solidFill>
-                  <a:srgbClr val="0000FF"/>
-                </a:solidFill>
-                <a:latin typeface="Courier New" panose="02070309020205020404" pitchFamily="49" charset="0"/>
-              </a:rPr>
-              <a:t>);</a:t>
-            </a:r>
-          </a:p>
-          <a:p>
-            <a:endParaRPr lang="de-DE" sz="1400" b="0" i="0" u="none" strike="noStrike" baseline="0" dirty="0">
-              <a:solidFill>
-                <a:srgbClr val="000000"/>
-              </a:solidFill>
-              <a:latin typeface="Courier New" panose="02070309020205020404" pitchFamily="49" charset="0"/>
-            </a:endParaRPr>
-          </a:p>
-          <a:p>
-            <a:r>
-              <a:rPr lang="en-US" sz="1400" b="1" i="0" u="none" strike="noStrike" baseline="0" dirty="0">
-                <a:solidFill>
-                  <a:srgbClr val="0000FF"/>
-                </a:solidFill>
-                <a:latin typeface="Courier New" panose="02070309020205020404" pitchFamily="49" charset="0"/>
-              </a:rPr>
-              <a:t>SELECT</a:t>
-            </a:r>
-            <a:r>
-              <a:rPr lang="en-US" sz="1400" b="0" i="0" u="none" strike="noStrike" baseline="0" dirty="0">
-                <a:solidFill>
-                  <a:srgbClr val="000000"/>
-                </a:solidFill>
-                <a:latin typeface="Courier New" panose="02070309020205020404" pitchFamily="49" charset="0"/>
-              </a:rPr>
-              <a:t> </a:t>
-            </a:r>
-            <a:r>
-              <a:rPr lang="en-US" sz="1400" b="1" i="0" u="none" strike="noStrike" baseline="0" dirty="0">
-                <a:solidFill>
-                  <a:srgbClr val="000080"/>
-                </a:solidFill>
-                <a:latin typeface="Courier New" panose="02070309020205020404" pitchFamily="49" charset="0"/>
-              </a:rPr>
-              <a:t>LAST_INSERT_ID</a:t>
-            </a:r>
-            <a:r>
-              <a:rPr lang="en-US" sz="1400" b="0" i="0" u="none" strike="noStrike" baseline="0" dirty="0">
-                <a:solidFill>
-                  <a:srgbClr val="0000FF"/>
-                </a:solidFill>
-                <a:latin typeface="Courier New" panose="02070309020205020404" pitchFamily="49" charset="0"/>
-              </a:rPr>
-              <a:t>()</a:t>
-            </a:r>
-            <a:r>
-              <a:rPr lang="en-US" sz="1400" b="0" i="0" u="none" strike="noStrike" baseline="0" dirty="0">
-                <a:solidFill>
-                  <a:srgbClr val="000000"/>
-                </a:solidFill>
-                <a:latin typeface="Courier New" panose="02070309020205020404" pitchFamily="49" charset="0"/>
-              </a:rPr>
-              <a:t> </a:t>
-            </a:r>
-            <a:r>
-              <a:rPr lang="en-US" sz="1400" b="1" i="0" u="none" strike="noStrike" baseline="0" dirty="0">
-                <a:solidFill>
-                  <a:srgbClr val="0000FF"/>
-                </a:solidFill>
-                <a:latin typeface="Courier New" panose="02070309020205020404" pitchFamily="49" charset="0"/>
-              </a:rPr>
-              <a:t>INTO</a:t>
-            </a:r>
-            <a:r>
-              <a:rPr lang="en-US" sz="1400" b="0" i="0" u="none" strike="noStrike" baseline="0" dirty="0">
-                <a:solidFill>
-                  <a:srgbClr val="000000"/>
-                </a:solidFill>
-                <a:latin typeface="Courier New" panose="02070309020205020404" pitchFamily="49" charset="0"/>
-              </a:rPr>
-              <a:t> </a:t>
-            </a:r>
-            <a:r>
-              <a:rPr lang="en-US" sz="1400" b="0" i="0" u="none" strike="noStrike" baseline="0" dirty="0" err="1">
-                <a:solidFill>
-                  <a:srgbClr val="808000"/>
-                </a:solidFill>
-                <a:latin typeface="Courier New" panose="02070309020205020404" pitchFamily="49" charset="0"/>
-              </a:rPr>
-              <a:t>mediaID</a:t>
-            </a:r>
-            <a:r>
-              <a:rPr lang="en-US" sz="1400" b="0" i="0" u="none" strike="noStrike" baseline="0" dirty="0">
-                <a:solidFill>
-                  <a:srgbClr val="808000"/>
-                </a:solidFill>
-                <a:latin typeface="Courier New" panose="02070309020205020404" pitchFamily="49" charset="0"/>
-              </a:rPr>
-              <a:t>_</a:t>
-            </a:r>
-            <a:r>
-              <a:rPr lang="en-US" sz="1400" b="0" i="0" u="none" strike="noStrike" baseline="0" dirty="0">
-                <a:solidFill>
-                  <a:srgbClr val="0000FF"/>
-                </a:solidFill>
-                <a:latin typeface="Courier New" panose="02070309020205020404" pitchFamily="49" charset="0"/>
-              </a:rPr>
-              <a:t>;</a:t>
-            </a:r>
-          </a:p>
-          <a:p>
-            <a:endParaRPr lang="de-DE" sz="1400" b="0" i="0" u="none" strike="noStrike" baseline="0" dirty="0">
-              <a:solidFill>
-                <a:srgbClr val="000000"/>
-              </a:solidFill>
-              <a:latin typeface="Courier New" panose="02070309020205020404" pitchFamily="49" charset="0"/>
-            </a:endParaRPr>
-          </a:p>
-          <a:p>
-            <a:r>
-              <a:rPr lang="de-DE" sz="1400" b="1" i="0" u="none" strike="noStrike" baseline="0" dirty="0">
-                <a:solidFill>
-                  <a:srgbClr val="0000FF"/>
-                </a:solidFill>
-                <a:latin typeface="Courier New" panose="02070309020205020404" pitchFamily="49" charset="0"/>
-              </a:rPr>
-              <a:t>END</a:t>
-            </a:r>
-            <a:r>
-              <a:rPr lang="de-DE" sz="1400" b="0" i="0" u="none" strike="noStrike" baseline="0" dirty="0">
-                <a:solidFill>
-                  <a:srgbClr val="808000"/>
-                </a:solidFill>
-                <a:latin typeface="Courier New" panose="02070309020205020404" pitchFamily="49" charset="0"/>
-              </a:rPr>
-              <a:t>$$</a:t>
-            </a:r>
-          </a:p>
-        </p:txBody>
-      </p:sp>
     </p:spTree>
     <p:extLst>
       <p:ext uri="{BB962C8B-B14F-4D97-AF65-F5344CB8AC3E}">
@@ -22385,6 +21322,206 @@
           </a:prstGeom>
         </p:spPr>
       </p:pic>
+      <p:sp>
+        <p:nvSpPr>
+          <p:cNvPr id="2" name="Textplatzhalter 25">
+            <a:extLst>
+              <a:ext uri="{FF2B5EF4-FFF2-40B4-BE49-F238E27FC236}">
+                <a16:creationId xmlns:a16="http://schemas.microsoft.com/office/drawing/2014/main" id="{B0CDCB43-67A7-47EA-7978-41D7E292ABC0}"/>
+              </a:ext>
+            </a:extLst>
+          </p:cNvPr>
+          <p:cNvSpPr txBox="1">
+            <a:spLocks/>
+          </p:cNvSpPr>
+          <p:nvPr/>
+        </p:nvSpPr>
+        <p:spPr>
+          <a:xfrm>
+            <a:off x="302718" y="2029109"/>
+            <a:ext cx="6265962" cy="609600"/>
+          </a:xfrm>
+          <a:prstGeom prst="rect">
+            <a:avLst/>
+          </a:prstGeom>
+        </p:spPr>
+        <p:txBody>
+          <a:bodyPr vert="horz" lIns="91440" tIns="45720" rIns="91440" bIns="45720" rtlCol="0">
+            <a:normAutofit/>
+          </a:bodyPr>
+          <a:lstStyle>
+            <a:lvl1pPr marL="0" indent="0" algn="ctr" defTabSz="914400" rtl="0" eaLnBrk="1" latinLnBrk="0" hangingPunct="1">
+              <a:lnSpc>
+                <a:spcPct val="90000"/>
+              </a:lnSpc>
+              <a:spcBef>
+                <a:spcPts val="1000"/>
+              </a:spcBef>
+              <a:buFont typeface="Arial" panose="020B0604020202020204" pitchFamily="34" charset="0"/>
+              <a:buNone/>
+              <a:tabLst/>
+              <a:defRPr sz="3200" u="sng" kern="1200">
+                <a:solidFill>
+                  <a:schemeClr val="tx1"/>
+                </a:solidFill>
+                <a:latin typeface="+mn-lt"/>
+                <a:ea typeface="+mn-ea"/>
+                <a:cs typeface="+mn-cs"/>
+              </a:defRPr>
+            </a:lvl1pPr>
+            <a:lvl2pPr marL="685800" indent="-228600" algn="l" defTabSz="914400" rtl="0" eaLnBrk="1" latinLnBrk="0" hangingPunct="1">
+              <a:lnSpc>
+                <a:spcPct val="90000"/>
+              </a:lnSpc>
+              <a:spcBef>
+                <a:spcPts val="500"/>
+              </a:spcBef>
+              <a:buFont typeface="Arial" panose="020B0604020202020204" pitchFamily="34" charset="0"/>
+              <a:buChar char="•"/>
+              <a:defRPr sz="2400" kern="1200">
+                <a:solidFill>
+                  <a:schemeClr val="tx1"/>
+                </a:solidFill>
+                <a:latin typeface="+mn-lt"/>
+                <a:ea typeface="+mn-ea"/>
+                <a:cs typeface="+mn-cs"/>
+              </a:defRPr>
+            </a:lvl2pPr>
+            <a:lvl3pPr marL="1143000" indent="-228600" algn="l" defTabSz="914400" rtl="0" eaLnBrk="1" latinLnBrk="0" hangingPunct="1">
+              <a:lnSpc>
+                <a:spcPct val="90000"/>
+              </a:lnSpc>
+              <a:spcBef>
+                <a:spcPts val="500"/>
+              </a:spcBef>
+              <a:buFont typeface="Arial" panose="020B0604020202020204" pitchFamily="34" charset="0"/>
+              <a:buChar char="•"/>
+              <a:defRPr sz="2000" kern="1200">
+                <a:solidFill>
+                  <a:schemeClr val="tx1"/>
+                </a:solidFill>
+                <a:latin typeface="+mn-lt"/>
+                <a:ea typeface="+mn-ea"/>
+                <a:cs typeface="+mn-cs"/>
+              </a:defRPr>
+            </a:lvl3pPr>
+            <a:lvl4pPr marL="1600200" indent="-228600" algn="l" defTabSz="914400" rtl="0" eaLnBrk="1" latinLnBrk="0" hangingPunct="1">
+              <a:lnSpc>
+                <a:spcPct val="90000"/>
+              </a:lnSpc>
+              <a:spcBef>
+                <a:spcPts val="500"/>
+              </a:spcBef>
+              <a:buFont typeface="Arial" panose="020B0604020202020204" pitchFamily="34" charset="0"/>
+              <a:buChar char="•"/>
+              <a:defRPr sz="1800" kern="1200">
+                <a:solidFill>
+                  <a:schemeClr val="tx1"/>
+                </a:solidFill>
+                <a:latin typeface="+mn-lt"/>
+                <a:ea typeface="+mn-ea"/>
+                <a:cs typeface="+mn-cs"/>
+              </a:defRPr>
+            </a:lvl4pPr>
+            <a:lvl5pPr marL="2057400" indent="-228600" algn="l" defTabSz="914400" rtl="0" eaLnBrk="1" latinLnBrk="0" hangingPunct="1">
+              <a:lnSpc>
+                <a:spcPct val="90000"/>
+              </a:lnSpc>
+              <a:spcBef>
+                <a:spcPts val="500"/>
+              </a:spcBef>
+              <a:buFont typeface="Arial" panose="020B0604020202020204" pitchFamily="34" charset="0"/>
+              <a:buChar char="•"/>
+              <a:defRPr sz="1800" kern="1200">
+                <a:solidFill>
+                  <a:schemeClr val="tx1"/>
+                </a:solidFill>
+                <a:latin typeface="+mn-lt"/>
+                <a:ea typeface="+mn-ea"/>
+                <a:cs typeface="+mn-cs"/>
+              </a:defRPr>
+            </a:lvl5pPr>
+            <a:lvl6pPr marL="2514600" indent="-228600" algn="l" defTabSz="914400" rtl="0" eaLnBrk="1" latinLnBrk="0" hangingPunct="1">
+              <a:lnSpc>
+                <a:spcPct val="90000"/>
+              </a:lnSpc>
+              <a:spcBef>
+                <a:spcPts val="500"/>
+              </a:spcBef>
+              <a:buFont typeface="Arial" panose="020B0604020202020204" pitchFamily="34" charset="0"/>
+              <a:buChar char="•"/>
+              <a:defRPr sz="1800" kern="1200">
+                <a:solidFill>
+                  <a:schemeClr val="tx1"/>
+                </a:solidFill>
+                <a:latin typeface="+mn-lt"/>
+                <a:ea typeface="+mn-ea"/>
+                <a:cs typeface="+mn-cs"/>
+              </a:defRPr>
+            </a:lvl6pPr>
+            <a:lvl7pPr marL="2971800" indent="-228600" algn="l" defTabSz="914400" rtl="0" eaLnBrk="1" latinLnBrk="0" hangingPunct="1">
+              <a:lnSpc>
+                <a:spcPct val="90000"/>
+              </a:lnSpc>
+              <a:spcBef>
+                <a:spcPts val="500"/>
+              </a:spcBef>
+              <a:buFont typeface="Arial" panose="020B0604020202020204" pitchFamily="34" charset="0"/>
+              <a:buChar char="•"/>
+              <a:defRPr sz="1800" kern="1200">
+                <a:solidFill>
+                  <a:schemeClr val="tx1"/>
+                </a:solidFill>
+                <a:latin typeface="+mn-lt"/>
+                <a:ea typeface="+mn-ea"/>
+                <a:cs typeface="+mn-cs"/>
+              </a:defRPr>
+            </a:lvl7pPr>
+            <a:lvl8pPr marL="3429000" indent="-228600" algn="l" defTabSz="914400" rtl="0" eaLnBrk="1" latinLnBrk="0" hangingPunct="1">
+              <a:lnSpc>
+                <a:spcPct val="90000"/>
+              </a:lnSpc>
+              <a:spcBef>
+                <a:spcPts val="500"/>
+              </a:spcBef>
+              <a:buFont typeface="Arial" panose="020B0604020202020204" pitchFamily="34" charset="0"/>
+              <a:buChar char="•"/>
+              <a:defRPr sz="1800" kern="1200">
+                <a:solidFill>
+                  <a:schemeClr val="tx1"/>
+                </a:solidFill>
+                <a:latin typeface="+mn-lt"/>
+                <a:ea typeface="+mn-ea"/>
+                <a:cs typeface="+mn-cs"/>
+              </a:defRPr>
+            </a:lvl8pPr>
+            <a:lvl9pPr marL="3886200" indent="-228600" algn="l" defTabSz="914400" rtl="0" eaLnBrk="1" latinLnBrk="0" hangingPunct="1">
+              <a:lnSpc>
+                <a:spcPct val="90000"/>
+              </a:lnSpc>
+              <a:spcBef>
+                <a:spcPts val="500"/>
+              </a:spcBef>
+              <a:buFont typeface="Arial" panose="020B0604020202020204" pitchFamily="34" charset="0"/>
+              <a:buChar char="•"/>
+              <a:defRPr sz="1800" kern="1200">
+                <a:solidFill>
+                  <a:schemeClr val="tx1"/>
+                </a:solidFill>
+                <a:latin typeface="+mn-lt"/>
+                <a:ea typeface="+mn-ea"/>
+                <a:cs typeface="+mn-cs"/>
+              </a:defRPr>
+            </a:lvl9pPr>
+          </a:lstStyle>
+          <a:p>
+            <a:r>
+              <a:rPr lang="de-DE" sz="2400" u="none" dirty="0"/>
+              <a:t>Ordnung</a:t>
+            </a:r>
+          </a:p>
+        </p:txBody>
+      </p:sp>
     </p:spTree>
     <p:extLst>
       <p:ext uri="{BB962C8B-B14F-4D97-AF65-F5344CB8AC3E}">

--- a/Medienverwaltungsdatenbank Gruppe1.pptx
+++ b/Medienverwaltungsdatenbank Gruppe1.pptx
@@ -6,10 +6,10 @@
     <p:sldMasterId id="2147483820" r:id="rId2"/>
   </p:sldMasterIdLst>
   <p:notesMasterIdLst>
-    <p:notesMasterId r:id="rId26"/>
+    <p:notesMasterId r:id="rId27"/>
   </p:notesMasterIdLst>
   <p:handoutMasterIdLst>
-    <p:handoutMasterId r:id="rId27"/>
+    <p:handoutMasterId r:id="rId28"/>
   </p:handoutMasterIdLst>
   <p:sldIdLst>
     <p:sldId id="256" r:id="rId3"/>
@@ -23,18 +23,19 @@
     <p:sldId id="286" r:id="rId11"/>
     <p:sldId id="289" r:id="rId12"/>
     <p:sldId id="283" r:id="rId13"/>
-    <p:sldId id="284" r:id="rId14"/>
-    <p:sldId id="297" r:id="rId15"/>
-    <p:sldId id="291" r:id="rId16"/>
-    <p:sldId id="290" r:id="rId17"/>
-    <p:sldId id="293" r:id="rId18"/>
-    <p:sldId id="295" r:id="rId19"/>
-    <p:sldId id="294" r:id="rId20"/>
-    <p:sldId id="292" r:id="rId21"/>
-    <p:sldId id="287" r:id="rId22"/>
-    <p:sldId id="298" r:id="rId23"/>
-    <p:sldId id="299" r:id="rId24"/>
-    <p:sldId id="288" r:id="rId25"/>
+    <p:sldId id="300" r:id="rId14"/>
+    <p:sldId id="284" r:id="rId15"/>
+    <p:sldId id="297" r:id="rId16"/>
+    <p:sldId id="291" r:id="rId17"/>
+    <p:sldId id="290" r:id="rId18"/>
+    <p:sldId id="293" r:id="rId19"/>
+    <p:sldId id="295" r:id="rId20"/>
+    <p:sldId id="294" r:id="rId21"/>
+    <p:sldId id="292" r:id="rId22"/>
+    <p:sldId id="287" r:id="rId23"/>
+    <p:sldId id="298" r:id="rId24"/>
+    <p:sldId id="299" r:id="rId25"/>
+    <p:sldId id="288" r:id="rId26"/>
   </p:sldIdLst>
   <p:sldSz cx="12192000" cy="6858000"/>
   <p:notesSz cx="6858000" cy="9144000"/>
@@ -327,7 +328,7 @@
           <a:p>
             <a:fld id="{C27547F7-D748-49E6-9D4F-0B55DC9C0D26}" type="slidenum">
               <a:rPr lang="de-DE" smtClean="0"/>
-              <a:t>‹Nr.›</a:t>
+              <a:t>‹#›</a:t>
             </a:fld>
             <a:endParaRPr lang="de-DE"/>
           </a:p>
@@ -590,7 +591,7 @@
             <a:fld id="{ED6708E0-6EBE-4615-87DF-D15A83EC26B6}" type="slidenum">
               <a:rPr lang="de-DE" smtClean="0"/>
               <a:pPr/>
-              <a:t>‹Nr.›</a:t>
+              <a:t>‹#›</a:t>
             </a:fld>
             <a:endParaRPr lang="de-DE"/>
           </a:p>
@@ -1421,6 +1422,178 @@
         <p:cNvPr id="1" name="">
           <a:extLst>
             <a:ext uri="{FF2B5EF4-FFF2-40B4-BE49-F238E27FC236}">
+              <a16:creationId xmlns:a16="http://schemas.microsoft.com/office/drawing/2014/main" id="{ECA94BA8-2D95-325B-3BC4-58155B5C16B3}"/>
+            </a:ext>
+          </a:extLst>
+        </p:cNvPr>
+        <p:cNvGrpSpPr/>
+        <p:nvPr/>
+      </p:nvGrpSpPr>
+      <p:grpSpPr>
+        <a:xfrm>
+          <a:off x="0" y="0"/>
+          <a:ext cx="0" cy="0"/>
+          <a:chOff x="0" y="0"/>
+          <a:chExt cx="0" cy="0"/>
+        </a:xfrm>
+      </p:grpSpPr>
+      <p:sp>
+        <p:nvSpPr>
+          <p:cNvPr id="2" name="Folienbildplatzhalter 1">
+            <a:extLst>
+              <a:ext uri="{FF2B5EF4-FFF2-40B4-BE49-F238E27FC236}">
+                <a16:creationId xmlns:a16="http://schemas.microsoft.com/office/drawing/2014/main" id="{0D5F5B98-9718-877F-B099-BB0B7FD3A2F9}"/>
+              </a:ext>
+            </a:extLst>
+          </p:cNvPr>
+          <p:cNvSpPr>
+            <a:spLocks noGrp="1" noRot="1" noChangeAspect="1"/>
+          </p:cNvSpPr>
+          <p:nvPr>
+            <p:ph type="sldImg"/>
+          </p:nvPr>
+        </p:nvSpPr>
+        <p:spPr/>
+      </p:sp>
+      <p:sp>
+        <p:nvSpPr>
+          <p:cNvPr id="3" name="Notizenplatzhalter 2">
+            <a:extLst>
+              <a:ext uri="{FF2B5EF4-FFF2-40B4-BE49-F238E27FC236}">
+                <a16:creationId xmlns:a16="http://schemas.microsoft.com/office/drawing/2014/main" id="{4C32D5B7-25A9-621F-CAE9-BA6666210B89}"/>
+              </a:ext>
+            </a:extLst>
+          </p:cNvPr>
+          <p:cNvSpPr>
+            <a:spLocks noGrp="1"/>
+          </p:cNvSpPr>
+          <p:nvPr>
+            <p:ph type="body" idx="1"/>
+          </p:nvPr>
+        </p:nvSpPr>
+        <p:spPr/>
+        <p:txBody>
+          <a:bodyPr/>
+          <a:lstStyle/>
+          <a:p>
+            <a:pPr marL="0" marR="0" lvl="0" indent="0" algn="l" defTabSz="914400" rtl="0" eaLnBrk="1" fontAlgn="auto" latinLnBrk="0" hangingPunct="1">
+              <a:lnSpc>
+                <a:spcPct val="100000"/>
+              </a:lnSpc>
+              <a:spcBef>
+                <a:spcPts val="0"/>
+              </a:spcBef>
+              <a:spcAft>
+                <a:spcPts val="0"/>
+              </a:spcAft>
+              <a:buClrTx/>
+              <a:buSzTx/>
+              <a:buFontTx/>
+              <a:buNone/>
+              <a:tabLst/>
+              <a:defRPr/>
+            </a:pPr>
+            <a:r>
+              <a:rPr lang="de-DE" sz="1200" dirty="0">
+                <a:solidFill>
+                  <a:srgbClr val="3C3939"/>
+                </a:solidFill>
+                <a:latin typeface="Roboto" pitchFamily="34" charset="0"/>
+                <a:ea typeface="Roboto" pitchFamily="34" charset="-122"/>
+                <a:cs typeface="Roboto" pitchFamily="34" charset="-120"/>
+              </a:rPr>
+              <a:t>Code + Erklärung kurz</a:t>
+            </a:r>
+            <a:endParaRPr lang="en-US" sz="1200" dirty="0">
+              <a:solidFill>
+                <a:srgbClr val="3C3939"/>
+              </a:solidFill>
+              <a:latin typeface="Roboto" pitchFamily="34" charset="0"/>
+              <a:ea typeface="Roboto" pitchFamily="34" charset="-122"/>
+              <a:cs typeface="Roboto" pitchFamily="34" charset="-120"/>
+            </a:endParaRPr>
+          </a:p>
+        </p:txBody>
+      </p:sp>
+      <p:sp>
+        <p:nvSpPr>
+          <p:cNvPr id="4" name="Foliennummernplatzhalter 3">
+            <a:extLst>
+              <a:ext uri="{FF2B5EF4-FFF2-40B4-BE49-F238E27FC236}">
+                <a16:creationId xmlns:a16="http://schemas.microsoft.com/office/drawing/2014/main" id="{586F4A87-4125-D496-D811-9CC225BBDCB8}"/>
+              </a:ext>
+            </a:extLst>
+          </p:cNvPr>
+          <p:cNvSpPr>
+            <a:spLocks noGrp="1"/>
+          </p:cNvSpPr>
+          <p:nvPr>
+            <p:ph type="sldNum" sz="quarter" idx="5"/>
+          </p:nvPr>
+        </p:nvSpPr>
+        <p:spPr/>
+        <p:txBody>
+          <a:bodyPr/>
+          <a:lstStyle/>
+          <a:p>
+            <a:fld id="{ED6708E0-6EBE-4615-87DF-D15A83EC26B6}" type="slidenum">
+              <a:rPr lang="de-DE" smtClean="0"/>
+              <a:pPr/>
+              <a:t>12</a:t>
+            </a:fld>
+            <a:endParaRPr lang="de-DE"/>
+          </a:p>
+        </p:txBody>
+      </p:sp>
+      <p:sp>
+        <p:nvSpPr>
+          <p:cNvPr id="5" name="Fußzeilenplatzhalter 4">
+            <a:extLst>
+              <a:ext uri="{FF2B5EF4-FFF2-40B4-BE49-F238E27FC236}">
+                <a16:creationId xmlns:a16="http://schemas.microsoft.com/office/drawing/2014/main" id="{22A7EC22-8C6A-C769-A2EB-298B2E24BD77}"/>
+              </a:ext>
+            </a:extLst>
+          </p:cNvPr>
+          <p:cNvSpPr>
+            <a:spLocks noGrp="1"/>
+          </p:cNvSpPr>
+          <p:nvPr>
+            <p:ph type="ftr" sz="quarter" idx="4"/>
+          </p:nvPr>
+        </p:nvSpPr>
+        <p:spPr/>
+        <p:txBody>
+          <a:bodyPr/>
+          <a:lstStyle/>
+          <a:p>
+            <a:r>
+              <a:rPr lang="de-DE"/>
+              <a:t>Gruppenprojekt        IT-Akademie Dr. Heuer               31.01.2025</a:t>
+            </a:r>
+          </a:p>
+        </p:txBody>
+      </p:sp>
+    </p:spTree>
+    <p:extLst>
+      <p:ext uri="{BB962C8B-B14F-4D97-AF65-F5344CB8AC3E}">
+        <p14:creationId xmlns:p14="http://schemas.microsoft.com/office/powerpoint/2010/main" val="1677298312"/>
+      </p:ext>
+    </p:extLst>
+  </p:cSld>
+  <p:clrMapOvr>
+    <a:masterClrMapping/>
+  </p:clrMapOvr>
+</p:notes>
+</file>
+
+<file path=ppt/notesSlides/notesSlide13.xml><?xml version="1.0" encoding="utf-8"?>
+<p:notes xmlns:a="http://schemas.openxmlformats.org/drawingml/2006/main" xmlns:r="http://schemas.openxmlformats.org/officeDocument/2006/relationships" xmlns:p="http://schemas.openxmlformats.org/presentationml/2006/main">
+  <p:cSld>
+    <p:spTree>
+      <p:nvGrpSpPr>
+        <p:cNvPr id="1" name="">
+          <a:extLst>
+            <a:ext uri="{FF2B5EF4-FFF2-40B4-BE49-F238E27FC236}">
               <a16:creationId xmlns:a16="http://schemas.microsoft.com/office/drawing/2014/main" id="{DD18C45E-6FD5-4F6F-BB60-4AD192895B6C}"/>
             </a:ext>
           </a:extLst>
@@ -1550,7 +1723,7 @@
             <a:fld id="{ED6708E0-6EBE-4615-87DF-D15A83EC26B6}" type="slidenum">
               <a:rPr lang="de-DE" smtClean="0"/>
               <a:pPr/>
-              <a:t>12</a:t>
+              <a:t>13</a:t>
             </a:fld>
             <a:endParaRPr lang="de-DE"/>
           </a:p>
@@ -1597,7 +1770,7 @@
 </p:notes>
 </file>
 
-<file path=ppt/notesSlides/notesSlide13.xml><?xml version="1.0" encoding="utf-8"?>
+<file path=ppt/notesSlides/notesSlide14.xml><?xml version="1.0" encoding="utf-8"?>
 <p:notes xmlns:a="http://schemas.openxmlformats.org/drawingml/2006/main" xmlns:r="http://schemas.openxmlformats.org/officeDocument/2006/relationships" xmlns:p="http://schemas.openxmlformats.org/presentationml/2006/main">
   <p:cSld>
     <p:spTree>
@@ -1925,7 +2098,7 @@
             <a:fld id="{ED6708E0-6EBE-4615-87DF-D15A83EC26B6}" type="slidenum">
               <a:rPr lang="de-DE" smtClean="0"/>
               <a:pPr/>
-              <a:t>13</a:t>
+              <a:t>14</a:t>
             </a:fld>
             <a:endParaRPr lang="de-DE"/>
           </a:p>
@@ -1972,7 +2145,7 @@
 </p:notes>
 </file>
 
-<file path=ppt/notesSlides/notesSlide14.xml><?xml version="1.0" encoding="utf-8"?>
+<file path=ppt/notesSlides/notesSlide15.xml><?xml version="1.0" encoding="utf-8"?>
 <p:notes xmlns:a="http://schemas.openxmlformats.org/drawingml/2006/main" xmlns:r="http://schemas.openxmlformats.org/officeDocument/2006/relationships" xmlns:p="http://schemas.openxmlformats.org/presentationml/2006/main">
   <p:cSld>
     <p:spTree>
@@ -2227,7 +2400,7 @@
             <a:fld id="{ED6708E0-6EBE-4615-87DF-D15A83EC26B6}" type="slidenum">
               <a:rPr lang="de-DE" smtClean="0"/>
               <a:pPr/>
-              <a:t>14</a:t>
+              <a:t>15</a:t>
             </a:fld>
             <a:endParaRPr lang="de-DE"/>
           </a:p>
@@ -2274,7 +2447,7 @@
 </p:notes>
 </file>
 
-<file path=ppt/notesSlides/notesSlide15.xml><?xml version="1.0" encoding="utf-8"?>
+<file path=ppt/notesSlides/notesSlide16.xml><?xml version="1.0" encoding="utf-8"?>
 <p:notes xmlns:a="http://schemas.openxmlformats.org/drawingml/2006/main" xmlns:r="http://schemas.openxmlformats.org/officeDocument/2006/relationships" xmlns:p="http://schemas.openxmlformats.org/presentationml/2006/main">
   <p:cSld>
     <p:spTree>
@@ -2566,7 +2739,7 @@
             <a:fld id="{ED6708E0-6EBE-4615-87DF-D15A83EC26B6}" type="slidenum">
               <a:rPr lang="de-DE" smtClean="0"/>
               <a:pPr/>
-              <a:t>15</a:t>
+              <a:t>16</a:t>
             </a:fld>
             <a:endParaRPr lang="de-DE"/>
           </a:p>
@@ -2613,7 +2786,7 @@
 </p:notes>
 </file>
 
-<file path=ppt/notesSlides/notesSlide16.xml><?xml version="1.0" encoding="utf-8"?>
+<file path=ppt/notesSlides/notesSlide17.xml><?xml version="1.0" encoding="utf-8"?>
 <p:notes xmlns:a="http://schemas.openxmlformats.org/drawingml/2006/main" xmlns:r="http://schemas.openxmlformats.org/officeDocument/2006/relationships" xmlns:p="http://schemas.openxmlformats.org/presentationml/2006/main">
   <p:cSld>
     <p:spTree>
@@ -2789,7 +2962,7 @@
             <a:fld id="{ED6708E0-6EBE-4615-87DF-D15A83EC26B6}" type="slidenum">
               <a:rPr lang="de-DE" smtClean="0"/>
               <a:pPr/>
-              <a:t>16</a:t>
+              <a:t>17</a:t>
             </a:fld>
             <a:endParaRPr lang="de-DE"/>
           </a:p>
@@ -2836,7 +3009,7 @@
 </p:notes>
 </file>
 
-<file path=ppt/notesSlides/notesSlide17.xml><?xml version="1.0" encoding="utf-8"?>
+<file path=ppt/notesSlides/notesSlide18.xml><?xml version="1.0" encoding="utf-8"?>
 <p:notes xmlns:a="http://schemas.openxmlformats.org/drawingml/2006/main" xmlns:r="http://schemas.openxmlformats.org/officeDocument/2006/relationships" xmlns:p="http://schemas.openxmlformats.org/presentationml/2006/main">
   <p:cSld>
     <p:spTree>
@@ -3059,7 +3232,7 @@
             <a:fld id="{ED6708E0-6EBE-4615-87DF-D15A83EC26B6}" type="slidenum">
               <a:rPr lang="de-DE" smtClean="0"/>
               <a:pPr/>
-              <a:t>17</a:t>
+              <a:t>18</a:t>
             </a:fld>
             <a:endParaRPr lang="de-DE"/>
           </a:p>
@@ -3106,7 +3279,7 @@
 </p:notes>
 </file>
 
-<file path=ppt/notesSlides/notesSlide18.xml><?xml version="1.0" encoding="utf-8"?>
+<file path=ppt/notesSlides/notesSlide19.xml><?xml version="1.0" encoding="utf-8"?>
 <p:notes xmlns:a="http://schemas.openxmlformats.org/drawingml/2006/main" xmlns:r="http://schemas.openxmlformats.org/officeDocument/2006/relationships" xmlns:p="http://schemas.openxmlformats.org/presentationml/2006/main">
   <p:cSld>
     <p:spTree>
@@ -3395,7 +3568,7 @@
             <a:fld id="{ED6708E0-6EBE-4615-87DF-D15A83EC26B6}" type="slidenum">
               <a:rPr lang="de-DE" smtClean="0"/>
               <a:pPr/>
-              <a:t>18</a:t>
+              <a:t>19</a:t>
             </a:fld>
             <a:endParaRPr lang="de-DE"/>
           </a:p>
@@ -3433,167 +3606,6 @@
     <p:extLst>
       <p:ext uri="{BB962C8B-B14F-4D97-AF65-F5344CB8AC3E}">
         <p14:creationId xmlns:p14="http://schemas.microsoft.com/office/powerpoint/2010/main" val="981518240"/>
-      </p:ext>
-    </p:extLst>
-  </p:cSld>
-  <p:clrMapOvr>
-    <a:masterClrMapping/>
-  </p:clrMapOvr>
-</p:notes>
-</file>
-
-<file path=ppt/notesSlides/notesSlide19.xml><?xml version="1.0" encoding="utf-8"?>
-<p:notes xmlns:a="http://schemas.openxmlformats.org/drawingml/2006/main" xmlns:r="http://schemas.openxmlformats.org/officeDocument/2006/relationships" xmlns:p="http://schemas.openxmlformats.org/presentationml/2006/main">
-  <p:cSld>
-    <p:spTree>
-      <p:nvGrpSpPr>
-        <p:cNvPr id="1" name="">
-          <a:extLst>
-            <a:ext uri="{FF2B5EF4-FFF2-40B4-BE49-F238E27FC236}">
-              <a16:creationId xmlns:a16="http://schemas.microsoft.com/office/drawing/2014/main" id="{EDAF9FED-5B95-1B75-758B-9242355C8E02}"/>
-            </a:ext>
-          </a:extLst>
-        </p:cNvPr>
-        <p:cNvGrpSpPr/>
-        <p:nvPr/>
-      </p:nvGrpSpPr>
-      <p:grpSpPr>
-        <a:xfrm>
-          <a:off x="0" y="0"/>
-          <a:ext cx="0" cy="0"/>
-          <a:chOff x="0" y="0"/>
-          <a:chExt cx="0" cy="0"/>
-        </a:xfrm>
-      </p:grpSpPr>
-      <p:sp>
-        <p:nvSpPr>
-          <p:cNvPr id="2" name="Folienbildplatzhalter 1">
-            <a:extLst>
-              <a:ext uri="{FF2B5EF4-FFF2-40B4-BE49-F238E27FC236}">
-                <a16:creationId xmlns:a16="http://schemas.microsoft.com/office/drawing/2014/main" id="{630B9A77-CCA1-D404-6AE3-0746774DD96C}"/>
-              </a:ext>
-            </a:extLst>
-          </p:cNvPr>
-          <p:cNvSpPr>
-            <a:spLocks noGrp="1" noRot="1" noChangeAspect="1"/>
-          </p:cNvSpPr>
-          <p:nvPr>
-            <p:ph type="sldImg"/>
-          </p:nvPr>
-        </p:nvSpPr>
-        <p:spPr/>
-      </p:sp>
-      <p:sp>
-        <p:nvSpPr>
-          <p:cNvPr id="3" name="Notizenplatzhalter 2">
-            <a:extLst>
-              <a:ext uri="{FF2B5EF4-FFF2-40B4-BE49-F238E27FC236}">
-                <a16:creationId xmlns:a16="http://schemas.microsoft.com/office/drawing/2014/main" id="{79F45C4E-AF7A-CCE5-2D92-9B1DFE9CBD19}"/>
-              </a:ext>
-            </a:extLst>
-          </p:cNvPr>
-          <p:cNvSpPr>
-            <a:spLocks noGrp="1"/>
-          </p:cNvSpPr>
-          <p:nvPr>
-            <p:ph type="body" idx="1"/>
-          </p:nvPr>
-        </p:nvSpPr>
-        <p:spPr/>
-        <p:txBody>
-          <a:bodyPr/>
-          <a:lstStyle/>
-          <a:p>
-            <a:pPr marL="0" marR="0" lvl="0" indent="0" algn="l" defTabSz="914400" rtl="0" eaLnBrk="1" fontAlgn="auto" latinLnBrk="0" hangingPunct="1">
-              <a:lnSpc>
-                <a:spcPct val="100000"/>
-              </a:lnSpc>
-              <a:spcBef>
-                <a:spcPts val="0"/>
-              </a:spcBef>
-              <a:spcAft>
-                <a:spcPts val="0"/>
-              </a:spcAft>
-              <a:buClrTx/>
-              <a:buSzTx/>
-              <a:buFontTx/>
-              <a:buNone/>
-              <a:tabLst/>
-              <a:defRPr/>
-            </a:pPr>
-            <a:endParaRPr lang="en-US" sz="1200" dirty="0">
-              <a:solidFill>
-                <a:srgbClr val="3C3939"/>
-              </a:solidFill>
-              <a:latin typeface="Roboto" pitchFamily="34" charset="0"/>
-              <a:ea typeface="Roboto" pitchFamily="34" charset="-122"/>
-              <a:cs typeface="Roboto" pitchFamily="34" charset="-120"/>
-            </a:endParaRPr>
-          </a:p>
-        </p:txBody>
-      </p:sp>
-      <p:sp>
-        <p:nvSpPr>
-          <p:cNvPr id="4" name="Foliennummernplatzhalter 3">
-            <a:extLst>
-              <a:ext uri="{FF2B5EF4-FFF2-40B4-BE49-F238E27FC236}">
-                <a16:creationId xmlns:a16="http://schemas.microsoft.com/office/drawing/2014/main" id="{00BEFDC7-1F78-E403-2A53-07E775E91CD4}"/>
-              </a:ext>
-            </a:extLst>
-          </p:cNvPr>
-          <p:cNvSpPr>
-            <a:spLocks noGrp="1"/>
-          </p:cNvSpPr>
-          <p:nvPr>
-            <p:ph type="sldNum" sz="quarter" idx="5"/>
-          </p:nvPr>
-        </p:nvSpPr>
-        <p:spPr/>
-        <p:txBody>
-          <a:bodyPr/>
-          <a:lstStyle/>
-          <a:p>
-            <a:fld id="{ED6708E0-6EBE-4615-87DF-D15A83EC26B6}" type="slidenum">
-              <a:rPr lang="de-DE" smtClean="0"/>
-              <a:pPr/>
-              <a:t>19</a:t>
-            </a:fld>
-            <a:endParaRPr lang="de-DE"/>
-          </a:p>
-        </p:txBody>
-      </p:sp>
-      <p:sp>
-        <p:nvSpPr>
-          <p:cNvPr id="5" name="Fußzeilenplatzhalter 4">
-            <a:extLst>
-              <a:ext uri="{FF2B5EF4-FFF2-40B4-BE49-F238E27FC236}">
-                <a16:creationId xmlns:a16="http://schemas.microsoft.com/office/drawing/2014/main" id="{7E6B37D7-16EE-7F68-F128-7F514554B2FD}"/>
-              </a:ext>
-            </a:extLst>
-          </p:cNvPr>
-          <p:cNvSpPr>
-            <a:spLocks noGrp="1"/>
-          </p:cNvSpPr>
-          <p:nvPr>
-            <p:ph type="ftr" sz="quarter" idx="4"/>
-          </p:nvPr>
-        </p:nvSpPr>
-        <p:spPr/>
-        <p:txBody>
-          <a:bodyPr/>
-          <a:lstStyle/>
-          <a:p>
-            <a:r>
-              <a:rPr lang="de-DE"/>
-              <a:t>Gruppenprojekt        IT-Akademie Dr. Heuer               31.01.2025</a:t>
-            </a:r>
-          </a:p>
-        </p:txBody>
-      </p:sp>
-    </p:spTree>
-    <p:extLst>
-      <p:ext uri="{BB962C8B-B14F-4D97-AF65-F5344CB8AC3E}">
-        <p14:creationId xmlns:p14="http://schemas.microsoft.com/office/powerpoint/2010/main" val="3121162641"/>
       </p:ext>
     </p:extLst>
   </p:cSld>
@@ -4131,7 +4143,7 @@
         <p:cNvPr id="1" name="">
           <a:extLst>
             <a:ext uri="{FF2B5EF4-FFF2-40B4-BE49-F238E27FC236}">
-              <a16:creationId xmlns:a16="http://schemas.microsoft.com/office/drawing/2014/main" id="{0C2F1967-D264-FB4D-F12E-77EDB15503D7}"/>
+              <a16:creationId xmlns:a16="http://schemas.microsoft.com/office/drawing/2014/main" id="{EDAF9FED-5B95-1B75-758B-9242355C8E02}"/>
             </a:ext>
           </a:extLst>
         </p:cNvPr>
@@ -4151,7 +4163,7 @@
           <p:cNvPr id="2" name="Folienbildplatzhalter 1">
             <a:extLst>
               <a:ext uri="{FF2B5EF4-FFF2-40B4-BE49-F238E27FC236}">
-                <a16:creationId xmlns:a16="http://schemas.microsoft.com/office/drawing/2014/main" id="{AA160741-E902-4261-C861-FF34558184FB}"/>
+                <a16:creationId xmlns:a16="http://schemas.microsoft.com/office/drawing/2014/main" id="{630B9A77-CCA1-D404-6AE3-0746774DD96C}"/>
               </a:ext>
             </a:extLst>
           </p:cNvPr>
@@ -4169,7 +4181,7 @@
           <p:cNvPr id="3" name="Notizenplatzhalter 2">
             <a:extLst>
               <a:ext uri="{FF2B5EF4-FFF2-40B4-BE49-F238E27FC236}">
-                <a16:creationId xmlns:a16="http://schemas.microsoft.com/office/drawing/2014/main" id="{676D88A8-32DF-4405-4280-3CA223AC01FA}"/>
+                <a16:creationId xmlns:a16="http://schemas.microsoft.com/office/drawing/2014/main" id="{79F45C4E-AF7A-CCE5-2D92-9B1DFE9CBD19}"/>
               </a:ext>
             </a:extLst>
           </p:cNvPr>
@@ -4184,36 +4196,6 @@
         <p:txBody>
           <a:bodyPr/>
           <a:lstStyle/>
-          <a:p>
-            <a:pPr marL="0" marR="0" lvl="0" indent="0" algn="l" defTabSz="914400" rtl="0" eaLnBrk="1" fontAlgn="auto" latinLnBrk="0" hangingPunct="1">
-              <a:lnSpc>
-                <a:spcPct val="100000"/>
-              </a:lnSpc>
-              <a:spcBef>
-                <a:spcPts val="0"/>
-              </a:spcBef>
-              <a:spcAft>
-                <a:spcPts val="0"/>
-              </a:spcAft>
-              <a:buClrTx/>
-              <a:buSzTx/>
-              <a:buFontTx/>
-              <a:buNone/>
-              <a:tabLst/>
-              <a:defRPr/>
-            </a:pPr>
-            <a:r>
-              <a:rPr lang="de-DE" sz="1200" dirty="0">
-                <a:solidFill>
-                  <a:srgbClr val="3C3939"/>
-                </a:solidFill>
-                <a:latin typeface="Roboto" pitchFamily="34" charset="0"/>
-                <a:ea typeface="Roboto" pitchFamily="34" charset="-122"/>
-                <a:cs typeface="Roboto" pitchFamily="34" charset="-120"/>
-              </a:rPr>
-              <a:t>Diese Datenbank kann mit folgenden Features weiterentwickelt werden.</a:t>
-            </a:r>
-          </a:p>
           <a:p>
             <a:pPr marL="0" marR="0" lvl="0" indent="0" algn="l" defTabSz="914400" rtl="0" eaLnBrk="1" fontAlgn="auto" latinLnBrk="0" hangingPunct="1">
               <a:lnSpc>
@@ -4248,7 +4230,7 @@
           <p:cNvPr id="4" name="Foliennummernplatzhalter 3">
             <a:extLst>
               <a:ext uri="{FF2B5EF4-FFF2-40B4-BE49-F238E27FC236}">
-                <a16:creationId xmlns:a16="http://schemas.microsoft.com/office/drawing/2014/main" id="{C15A8B12-FBA5-882C-EDA4-195BBC6D00FD}"/>
+                <a16:creationId xmlns:a16="http://schemas.microsoft.com/office/drawing/2014/main" id="{00BEFDC7-1F78-E403-2A53-07E775E91CD4}"/>
               </a:ext>
             </a:extLst>
           </p:cNvPr>
@@ -4278,7 +4260,7 @@
           <p:cNvPr id="5" name="Fußzeilenplatzhalter 4">
             <a:extLst>
               <a:ext uri="{FF2B5EF4-FFF2-40B4-BE49-F238E27FC236}">
-                <a16:creationId xmlns:a16="http://schemas.microsoft.com/office/drawing/2014/main" id="{070F7FDB-74C2-847A-4E3B-B3FC90592491}"/>
+                <a16:creationId xmlns:a16="http://schemas.microsoft.com/office/drawing/2014/main" id="{7E6B37D7-16EE-7F68-F128-7F514554B2FD}"/>
               </a:ext>
             </a:extLst>
           </p:cNvPr>
@@ -4304,7 +4286,7 @@
     </p:spTree>
     <p:extLst>
       <p:ext uri="{BB962C8B-B14F-4D97-AF65-F5344CB8AC3E}">
-        <p14:creationId xmlns:p14="http://schemas.microsoft.com/office/powerpoint/2010/main" val="981845174"/>
+        <p14:creationId xmlns:p14="http://schemas.microsoft.com/office/powerpoint/2010/main" val="3121162641"/>
       </p:ext>
     </p:extLst>
   </p:cSld>
@@ -4322,7 +4304,7 @@
         <p:cNvPr id="1" name="">
           <a:extLst>
             <a:ext uri="{FF2B5EF4-FFF2-40B4-BE49-F238E27FC236}">
-              <a16:creationId xmlns:a16="http://schemas.microsoft.com/office/drawing/2014/main" id="{42D09113-87B6-1DA2-5BDD-896A2DDA4584}"/>
+              <a16:creationId xmlns:a16="http://schemas.microsoft.com/office/drawing/2014/main" id="{0C2F1967-D264-FB4D-F12E-77EDB15503D7}"/>
             </a:ext>
           </a:extLst>
         </p:cNvPr>
@@ -4342,7 +4324,7 @@
           <p:cNvPr id="2" name="Folienbildplatzhalter 1">
             <a:extLst>
               <a:ext uri="{FF2B5EF4-FFF2-40B4-BE49-F238E27FC236}">
-                <a16:creationId xmlns:a16="http://schemas.microsoft.com/office/drawing/2014/main" id="{AD3855E7-0393-29DC-A2F6-CABD9745D161}"/>
+                <a16:creationId xmlns:a16="http://schemas.microsoft.com/office/drawing/2014/main" id="{AA160741-E902-4261-C861-FF34558184FB}"/>
               </a:ext>
             </a:extLst>
           </p:cNvPr>
@@ -4360,7 +4342,7 @@
           <p:cNvPr id="3" name="Notizenplatzhalter 2">
             <a:extLst>
               <a:ext uri="{FF2B5EF4-FFF2-40B4-BE49-F238E27FC236}">
-                <a16:creationId xmlns:a16="http://schemas.microsoft.com/office/drawing/2014/main" id="{364C77D3-1977-2B18-1EF9-6A07B8E16A2E}"/>
+                <a16:creationId xmlns:a16="http://schemas.microsoft.com/office/drawing/2014/main" id="{676D88A8-32DF-4405-4280-3CA223AC01FA}"/>
               </a:ext>
             </a:extLst>
           </p:cNvPr>
@@ -4439,7 +4421,7 @@
           <p:cNvPr id="4" name="Foliennummernplatzhalter 3">
             <a:extLst>
               <a:ext uri="{FF2B5EF4-FFF2-40B4-BE49-F238E27FC236}">
-                <a16:creationId xmlns:a16="http://schemas.microsoft.com/office/drawing/2014/main" id="{0BA2B358-F6D1-5E8B-BAED-5250BC4FC3A6}"/>
+                <a16:creationId xmlns:a16="http://schemas.microsoft.com/office/drawing/2014/main" id="{C15A8B12-FBA5-882C-EDA4-195BBC6D00FD}"/>
               </a:ext>
             </a:extLst>
           </p:cNvPr>
@@ -4469,7 +4451,7 @@
           <p:cNvPr id="5" name="Fußzeilenplatzhalter 4">
             <a:extLst>
               <a:ext uri="{FF2B5EF4-FFF2-40B4-BE49-F238E27FC236}">
-                <a16:creationId xmlns:a16="http://schemas.microsoft.com/office/drawing/2014/main" id="{0D912226-339C-E6BA-4DCD-E684B803273A}"/>
+                <a16:creationId xmlns:a16="http://schemas.microsoft.com/office/drawing/2014/main" id="{070F7FDB-74C2-847A-4E3B-B3FC90592491}"/>
               </a:ext>
             </a:extLst>
           </p:cNvPr>
@@ -4495,7 +4477,7 @@
     </p:spTree>
     <p:extLst>
       <p:ext uri="{BB962C8B-B14F-4D97-AF65-F5344CB8AC3E}">
-        <p14:creationId xmlns:p14="http://schemas.microsoft.com/office/powerpoint/2010/main" val="1300442989"/>
+        <p14:creationId xmlns:p14="http://schemas.microsoft.com/office/powerpoint/2010/main" val="981845174"/>
       </p:ext>
     </p:extLst>
   </p:cSld>
@@ -4513,7 +4495,7 @@
         <p:cNvPr id="1" name="">
           <a:extLst>
             <a:ext uri="{FF2B5EF4-FFF2-40B4-BE49-F238E27FC236}">
-              <a16:creationId xmlns:a16="http://schemas.microsoft.com/office/drawing/2014/main" id="{C4FC5228-D4EE-2D28-D766-7C8BDF3D91A8}"/>
+              <a16:creationId xmlns:a16="http://schemas.microsoft.com/office/drawing/2014/main" id="{42D09113-87B6-1DA2-5BDD-896A2DDA4584}"/>
             </a:ext>
           </a:extLst>
         </p:cNvPr>
@@ -4533,7 +4515,7 @@
           <p:cNvPr id="2" name="Folienbildplatzhalter 1">
             <a:extLst>
               <a:ext uri="{FF2B5EF4-FFF2-40B4-BE49-F238E27FC236}">
-                <a16:creationId xmlns:a16="http://schemas.microsoft.com/office/drawing/2014/main" id="{B997CA01-B487-33CD-72E3-30734402FD59}"/>
+                <a16:creationId xmlns:a16="http://schemas.microsoft.com/office/drawing/2014/main" id="{AD3855E7-0393-29DC-A2F6-CABD9745D161}"/>
               </a:ext>
             </a:extLst>
           </p:cNvPr>
@@ -4551,7 +4533,7 @@
           <p:cNvPr id="3" name="Notizenplatzhalter 2">
             <a:extLst>
               <a:ext uri="{FF2B5EF4-FFF2-40B4-BE49-F238E27FC236}">
-                <a16:creationId xmlns:a16="http://schemas.microsoft.com/office/drawing/2014/main" id="{8C3E8A50-E5B9-E485-CD06-0C6FC73B168F}"/>
+                <a16:creationId xmlns:a16="http://schemas.microsoft.com/office/drawing/2014/main" id="{364C77D3-1977-2B18-1EF9-6A07B8E16A2E}"/>
               </a:ext>
             </a:extLst>
           </p:cNvPr>
@@ -4630,7 +4612,7 @@
           <p:cNvPr id="4" name="Foliennummernplatzhalter 3">
             <a:extLst>
               <a:ext uri="{FF2B5EF4-FFF2-40B4-BE49-F238E27FC236}">
-                <a16:creationId xmlns:a16="http://schemas.microsoft.com/office/drawing/2014/main" id="{7DF4E80B-D052-B524-A45B-4E2013B9AA93}"/>
+                <a16:creationId xmlns:a16="http://schemas.microsoft.com/office/drawing/2014/main" id="{0BA2B358-F6D1-5E8B-BAED-5250BC4FC3A6}"/>
               </a:ext>
             </a:extLst>
           </p:cNvPr>
@@ -4650,6 +4632,197 @@
               <a:rPr lang="de-DE" smtClean="0"/>
               <a:pPr/>
               <a:t>22</a:t>
+            </a:fld>
+            <a:endParaRPr lang="de-DE"/>
+          </a:p>
+        </p:txBody>
+      </p:sp>
+      <p:sp>
+        <p:nvSpPr>
+          <p:cNvPr id="5" name="Fußzeilenplatzhalter 4">
+            <a:extLst>
+              <a:ext uri="{FF2B5EF4-FFF2-40B4-BE49-F238E27FC236}">
+                <a16:creationId xmlns:a16="http://schemas.microsoft.com/office/drawing/2014/main" id="{0D912226-339C-E6BA-4DCD-E684B803273A}"/>
+              </a:ext>
+            </a:extLst>
+          </p:cNvPr>
+          <p:cNvSpPr>
+            <a:spLocks noGrp="1"/>
+          </p:cNvSpPr>
+          <p:nvPr>
+            <p:ph type="ftr" sz="quarter" idx="4"/>
+          </p:nvPr>
+        </p:nvSpPr>
+        <p:spPr/>
+        <p:txBody>
+          <a:bodyPr/>
+          <a:lstStyle/>
+          <a:p>
+            <a:r>
+              <a:rPr lang="de-DE"/>
+              <a:t>Gruppenprojekt        IT-Akademie Dr. Heuer               31.01.2025</a:t>
+            </a:r>
+          </a:p>
+        </p:txBody>
+      </p:sp>
+    </p:spTree>
+    <p:extLst>
+      <p:ext uri="{BB962C8B-B14F-4D97-AF65-F5344CB8AC3E}">
+        <p14:creationId xmlns:p14="http://schemas.microsoft.com/office/powerpoint/2010/main" val="1300442989"/>
+      </p:ext>
+    </p:extLst>
+  </p:cSld>
+  <p:clrMapOvr>
+    <a:masterClrMapping/>
+  </p:clrMapOvr>
+</p:notes>
+</file>
+
+<file path=ppt/notesSlides/notesSlide23.xml><?xml version="1.0" encoding="utf-8"?>
+<p:notes xmlns:a="http://schemas.openxmlformats.org/drawingml/2006/main" xmlns:r="http://schemas.openxmlformats.org/officeDocument/2006/relationships" xmlns:p="http://schemas.openxmlformats.org/presentationml/2006/main">
+  <p:cSld>
+    <p:spTree>
+      <p:nvGrpSpPr>
+        <p:cNvPr id="1" name="">
+          <a:extLst>
+            <a:ext uri="{FF2B5EF4-FFF2-40B4-BE49-F238E27FC236}">
+              <a16:creationId xmlns:a16="http://schemas.microsoft.com/office/drawing/2014/main" id="{C4FC5228-D4EE-2D28-D766-7C8BDF3D91A8}"/>
+            </a:ext>
+          </a:extLst>
+        </p:cNvPr>
+        <p:cNvGrpSpPr/>
+        <p:nvPr/>
+      </p:nvGrpSpPr>
+      <p:grpSpPr>
+        <a:xfrm>
+          <a:off x="0" y="0"/>
+          <a:ext cx="0" cy="0"/>
+          <a:chOff x="0" y="0"/>
+          <a:chExt cx="0" cy="0"/>
+        </a:xfrm>
+      </p:grpSpPr>
+      <p:sp>
+        <p:nvSpPr>
+          <p:cNvPr id="2" name="Folienbildplatzhalter 1">
+            <a:extLst>
+              <a:ext uri="{FF2B5EF4-FFF2-40B4-BE49-F238E27FC236}">
+                <a16:creationId xmlns:a16="http://schemas.microsoft.com/office/drawing/2014/main" id="{B997CA01-B487-33CD-72E3-30734402FD59}"/>
+              </a:ext>
+            </a:extLst>
+          </p:cNvPr>
+          <p:cNvSpPr>
+            <a:spLocks noGrp="1" noRot="1" noChangeAspect="1"/>
+          </p:cNvSpPr>
+          <p:nvPr>
+            <p:ph type="sldImg"/>
+          </p:nvPr>
+        </p:nvSpPr>
+        <p:spPr/>
+      </p:sp>
+      <p:sp>
+        <p:nvSpPr>
+          <p:cNvPr id="3" name="Notizenplatzhalter 2">
+            <a:extLst>
+              <a:ext uri="{FF2B5EF4-FFF2-40B4-BE49-F238E27FC236}">
+                <a16:creationId xmlns:a16="http://schemas.microsoft.com/office/drawing/2014/main" id="{8C3E8A50-E5B9-E485-CD06-0C6FC73B168F}"/>
+              </a:ext>
+            </a:extLst>
+          </p:cNvPr>
+          <p:cNvSpPr>
+            <a:spLocks noGrp="1"/>
+          </p:cNvSpPr>
+          <p:nvPr>
+            <p:ph type="body" idx="1"/>
+          </p:nvPr>
+        </p:nvSpPr>
+        <p:spPr/>
+        <p:txBody>
+          <a:bodyPr/>
+          <a:lstStyle/>
+          <a:p>
+            <a:pPr marL="0" marR="0" lvl="0" indent="0" algn="l" defTabSz="914400" rtl="0" eaLnBrk="1" fontAlgn="auto" latinLnBrk="0" hangingPunct="1">
+              <a:lnSpc>
+                <a:spcPct val="100000"/>
+              </a:lnSpc>
+              <a:spcBef>
+                <a:spcPts val="0"/>
+              </a:spcBef>
+              <a:spcAft>
+                <a:spcPts val="0"/>
+              </a:spcAft>
+              <a:buClrTx/>
+              <a:buSzTx/>
+              <a:buFontTx/>
+              <a:buNone/>
+              <a:tabLst/>
+              <a:defRPr/>
+            </a:pPr>
+            <a:r>
+              <a:rPr lang="de-DE" sz="1200" dirty="0">
+                <a:solidFill>
+                  <a:srgbClr val="3C3939"/>
+                </a:solidFill>
+                <a:latin typeface="Roboto" pitchFamily="34" charset="0"/>
+                <a:ea typeface="Roboto" pitchFamily="34" charset="-122"/>
+                <a:cs typeface="Roboto" pitchFamily="34" charset="-120"/>
+              </a:rPr>
+              <a:t>Diese Datenbank kann mit folgenden Features weiterentwickelt werden.</a:t>
+            </a:r>
+          </a:p>
+          <a:p>
+            <a:pPr marL="0" marR="0" lvl="0" indent="0" algn="l" defTabSz="914400" rtl="0" eaLnBrk="1" fontAlgn="auto" latinLnBrk="0" hangingPunct="1">
+              <a:lnSpc>
+                <a:spcPct val="100000"/>
+              </a:lnSpc>
+              <a:spcBef>
+                <a:spcPts val="0"/>
+              </a:spcBef>
+              <a:spcAft>
+                <a:spcPts val="0"/>
+              </a:spcAft>
+              <a:buClrTx/>
+              <a:buSzTx/>
+              <a:buFontTx/>
+              <a:buNone/>
+              <a:tabLst/>
+              <a:defRPr/>
+            </a:pPr>
+            <a:endParaRPr lang="en-US" sz="1200" dirty="0">
+              <a:solidFill>
+                <a:srgbClr val="3C3939"/>
+              </a:solidFill>
+              <a:latin typeface="Roboto" pitchFamily="34" charset="0"/>
+              <a:ea typeface="Roboto" pitchFamily="34" charset="-122"/>
+              <a:cs typeface="Roboto" pitchFamily="34" charset="-120"/>
+            </a:endParaRPr>
+          </a:p>
+        </p:txBody>
+      </p:sp>
+      <p:sp>
+        <p:nvSpPr>
+          <p:cNvPr id="4" name="Foliennummernplatzhalter 3">
+            <a:extLst>
+              <a:ext uri="{FF2B5EF4-FFF2-40B4-BE49-F238E27FC236}">
+                <a16:creationId xmlns:a16="http://schemas.microsoft.com/office/drawing/2014/main" id="{7DF4E80B-D052-B524-A45B-4E2013B9AA93}"/>
+              </a:ext>
+            </a:extLst>
+          </p:cNvPr>
+          <p:cNvSpPr>
+            <a:spLocks noGrp="1"/>
+          </p:cNvSpPr>
+          <p:nvPr>
+            <p:ph type="sldNum" sz="quarter" idx="5"/>
+          </p:nvPr>
+        </p:nvSpPr>
+        <p:spPr/>
+        <p:txBody>
+          <a:bodyPr/>
+          <a:lstStyle/>
+          <a:p>
+            <a:fld id="{ED6708E0-6EBE-4615-87DF-D15A83EC26B6}" type="slidenum">
+              <a:rPr lang="de-DE" smtClean="0"/>
+              <a:pPr/>
+              <a:t>23</a:t>
             </a:fld>
             <a:endParaRPr lang="de-DE"/>
           </a:p>
@@ -4696,7 +4869,7 @@
 </p:notes>
 </file>
 
-<file path=ppt/notesSlides/notesSlide23.xml><?xml version="1.0" encoding="utf-8"?>
+<file path=ppt/notesSlides/notesSlide24.xml><?xml version="1.0" encoding="utf-8"?>
 <p:notes xmlns:a="http://schemas.openxmlformats.org/drawingml/2006/main" xmlns:r="http://schemas.openxmlformats.org/officeDocument/2006/relationships" xmlns:p="http://schemas.openxmlformats.org/presentationml/2006/main">
   <p:cSld>
     <p:spTree>
@@ -5349,7 +5522,7 @@
             <a:fld id="{ED6708E0-6EBE-4615-87DF-D15A83EC26B6}" type="slidenum">
               <a:rPr lang="de-DE" smtClean="0"/>
               <a:pPr/>
-              <a:t>23</a:t>
+              <a:t>24</a:t>
             </a:fld>
             <a:endParaRPr lang="de-DE"/>
           </a:p>
@@ -8247,7 +8420,7 @@
             <a:fld id="{BA93D431-FB07-4B32-A294-EDD402A598F2}" type="slidenum">
               <a:rPr lang="de-DE" smtClean="0"/>
               <a:pPr/>
-              <a:t>‹Nr.›</a:t>
+              <a:t>‹#›</a:t>
             </a:fld>
             <a:endParaRPr lang="de-DE"/>
           </a:p>
@@ -8488,7 +8661,7 @@
             <a:fld id="{BA93D431-FB07-4B32-A294-EDD402A598F2}" type="slidenum">
               <a:rPr lang="de-DE" smtClean="0"/>
               <a:pPr/>
-              <a:t>‹Nr.›</a:t>
+              <a:t>‹#›</a:t>
             </a:fld>
             <a:endParaRPr lang="de-DE" dirty="0"/>
           </a:p>
@@ -8768,7 +8941,7 @@
             <a:fld id="{BA93D431-FB07-4B32-A294-EDD402A598F2}" type="slidenum">
               <a:rPr lang="de-DE" smtClean="0"/>
               <a:pPr/>
-              <a:t>‹Nr.›</a:t>
+              <a:t>‹#›</a:t>
             </a:fld>
             <a:endParaRPr lang="de-DE" dirty="0"/>
           </a:p>
@@ -9038,7 +9211,7 @@
             <a:fld id="{BA93D431-FB07-4B32-A294-EDD402A598F2}" type="slidenum">
               <a:rPr lang="de-DE" smtClean="0"/>
               <a:pPr/>
-              <a:t>‹Nr.›</a:t>
+              <a:t>‹#›</a:t>
             </a:fld>
             <a:endParaRPr lang="de-DE" dirty="0"/>
           </a:p>
@@ -9455,7 +9628,7 @@
             <a:fld id="{BA93D431-FB07-4B32-A294-EDD402A598F2}" type="slidenum">
               <a:rPr lang="de-DE" smtClean="0"/>
               <a:pPr/>
-              <a:t>‹Nr.›</a:t>
+              <a:t>‹#›</a:t>
             </a:fld>
             <a:endParaRPr lang="de-DE" dirty="0"/>
           </a:p>
@@ -9601,7 +9774,7 @@
             <a:fld id="{BA93D431-FB07-4B32-A294-EDD402A598F2}" type="slidenum">
               <a:rPr lang="de-DE" smtClean="0"/>
               <a:pPr/>
-              <a:t>‹Nr.›</a:t>
+              <a:t>‹#›</a:t>
             </a:fld>
             <a:endParaRPr lang="de-DE" dirty="0"/>
           </a:p>
@@ -9719,7 +9892,7 @@
             <a:fld id="{BA93D431-FB07-4B32-A294-EDD402A598F2}" type="slidenum">
               <a:rPr lang="de-DE" smtClean="0"/>
               <a:pPr/>
-              <a:t>‹Nr.›</a:t>
+              <a:t>‹#›</a:t>
             </a:fld>
             <a:endParaRPr lang="de-DE" dirty="0"/>
           </a:p>
@@ -10035,7 +10208,7 @@
             <a:fld id="{BA93D431-FB07-4B32-A294-EDD402A598F2}" type="slidenum">
               <a:rPr lang="de-DE" smtClean="0"/>
               <a:pPr/>
-              <a:t>‹Nr.›</a:t>
+              <a:t>‹#›</a:t>
             </a:fld>
             <a:endParaRPr lang="de-DE" dirty="0"/>
           </a:p>
@@ -10328,7 +10501,7 @@
             <a:fld id="{BA93D431-FB07-4B32-A294-EDD402A598F2}" type="slidenum">
               <a:rPr lang="de-DE" smtClean="0"/>
               <a:pPr/>
-              <a:t>‹Nr.›</a:t>
+              <a:t>‹#›</a:t>
             </a:fld>
             <a:endParaRPr lang="de-DE" dirty="0"/>
           </a:p>
@@ -10531,7 +10704,7 @@
             <a:fld id="{BA93D431-FB07-4B32-A294-EDD402A598F2}" type="slidenum">
               <a:rPr lang="de-DE" smtClean="0"/>
               <a:pPr/>
-              <a:t>‹Nr.›</a:t>
+              <a:t>‹#›</a:t>
             </a:fld>
             <a:endParaRPr lang="de-DE" dirty="0"/>
           </a:p>
@@ -10744,7 +10917,7 @@
             <a:fld id="{BA93D431-FB07-4B32-A294-EDD402A598F2}" type="slidenum">
               <a:rPr lang="de-DE" smtClean="0"/>
               <a:pPr/>
-              <a:t>‹Nr.›</a:t>
+              <a:t>‹#›</a:t>
             </a:fld>
             <a:endParaRPr lang="de-DE" dirty="0"/>
           </a:p>
@@ -11196,7 +11369,7 @@
             <a:fld id="{A60C3423-E9C8-4611-86F9-FF8D9F46AC4E}" type="slidenum">
               <a:rPr lang="de-DE" sz="1200" smtClean="0"/>
               <a:pPr algn="r"/>
-              <a:t>‹Nr.›</a:t>
+              <a:t>‹#›</a:t>
             </a:fld>
             <a:r>
               <a:rPr lang="de-DE" sz="1200" dirty="0"/>
@@ -11651,7 +11824,7 @@
             <a:fld id="{A60C3423-E9C8-4611-86F9-FF8D9F46AC4E}" type="slidenum">
               <a:rPr lang="de-DE" sz="1200" smtClean="0"/>
               <a:pPr algn="r"/>
-              <a:t>‹Nr.›</a:t>
+              <a:t>‹#›</a:t>
             </a:fld>
             <a:r>
               <a:rPr lang="de-DE" sz="1200" dirty="0"/>
@@ -12046,7 +12219,7 @@
             <a:fld id="{A60C3423-E9C8-4611-86F9-FF8D9F46AC4E}" type="slidenum">
               <a:rPr lang="de-DE" sz="1200" smtClean="0"/>
               <a:pPr algn="r"/>
-              <a:t>‹Nr.›</a:t>
+              <a:t>‹#›</a:t>
             </a:fld>
             <a:r>
               <a:rPr lang="de-DE" sz="1200" dirty="0"/>
@@ -12465,7 +12638,7 @@
             <a:fld id="{A60C3423-E9C8-4611-86F9-FF8D9F46AC4E}" type="slidenum">
               <a:rPr lang="de-DE" sz="1200" smtClean="0"/>
               <a:pPr algn="r"/>
-              <a:t>‹Nr.›</a:t>
+              <a:t>‹#›</a:t>
             </a:fld>
             <a:r>
               <a:rPr lang="de-DE" sz="1200" dirty="0"/>
@@ -12920,7 +13093,7 @@
             <a:fld id="{A60C3423-E9C8-4611-86F9-FF8D9F46AC4E}" type="slidenum">
               <a:rPr lang="de-DE" sz="1200" smtClean="0"/>
               <a:pPr algn="r"/>
-              <a:t>‹Nr.›</a:t>
+              <a:t>‹#›</a:t>
             </a:fld>
             <a:r>
               <a:rPr lang="de-DE" sz="1200" dirty="0"/>
@@ -13315,7 +13488,7 @@
             <a:fld id="{A60C3423-E9C8-4611-86F9-FF8D9F46AC4E}" type="slidenum">
               <a:rPr lang="de-DE" sz="1200" smtClean="0"/>
               <a:pPr algn="r"/>
-              <a:t>‹Nr.›</a:t>
+              <a:t>‹#›</a:t>
             </a:fld>
             <a:r>
               <a:rPr lang="de-DE" sz="1200" dirty="0"/>
@@ -13770,7 +13943,7 @@
             <a:fld id="{A60C3423-E9C8-4611-86F9-FF8D9F46AC4E}" type="slidenum">
               <a:rPr lang="de-DE" sz="1200" smtClean="0"/>
               <a:pPr algn="r"/>
-              <a:t>‹Nr.›</a:t>
+              <a:t>‹#›</a:t>
             </a:fld>
             <a:r>
               <a:rPr lang="de-DE" sz="1200" dirty="0"/>
@@ -14165,7 +14338,7 @@
             <a:fld id="{A60C3423-E9C8-4611-86F9-FF8D9F46AC4E}" type="slidenum">
               <a:rPr lang="de-DE" sz="1200" smtClean="0"/>
               <a:pPr algn="r"/>
-              <a:t>‹Nr.›</a:t>
+              <a:t>‹#›</a:t>
             </a:fld>
             <a:r>
               <a:rPr lang="de-DE" sz="1200" dirty="0"/>
@@ -14392,7 +14565,7 @@
             <a:fld id="{BA93D431-FB07-4B32-A294-EDD402A598F2}" type="slidenum">
               <a:rPr lang="de-DE" smtClean="0"/>
               <a:pPr/>
-              <a:t>‹Nr.›</a:t>
+              <a:t>‹#›</a:t>
             </a:fld>
             <a:endParaRPr lang="de-DE"/>
           </a:p>
@@ -14688,7 +14861,7 @@
             <a:fld id="{BA93D431-FB07-4B32-A294-EDD402A598F2}" type="slidenum">
               <a:rPr lang="de-DE" smtClean="0"/>
               <a:pPr/>
-              <a:t>‹Nr.›</a:t>
+              <a:t>‹#›</a:t>
             </a:fld>
             <a:endParaRPr lang="de-DE" dirty="0"/>
           </a:p>
@@ -15229,7 +15402,7 @@
             <a:fld id="{BA93D431-FB07-4B32-A294-EDD402A598F2}" type="slidenum">
               <a:rPr lang="de-DE" smtClean="0"/>
               <a:pPr/>
-              <a:t>‹Nr.›</a:t>
+              <a:t>‹#›</a:t>
             </a:fld>
             <a:endParaRPr lang="de-DE" dirty="0"/>
           </a:p>
@@ -17403,215 +17576,12 @@
           <a:p>
             <a:r>
               <a:rPr lang="de-DE" dirty="0"/>
-              <a:t>Tabelle „withdrawals“</a:t>
-            </a:r>
-          </a:p>
-          <a:p>
-            <a:pPr algn="l"/>
-            <a:endParaRPr lang="de-DE" dirty="0"/>
-          </a:p>
-        </p:txBody>
-      </p:sp>
-      <p:sp>
-        <p:nvSpPr>
-          <p:cNvPr id="26" name="Textplatzhalter 8">
-            <a:extLst>
-              <a:ext uri="{FF2B5EF4-FFF2-40B4-BE49-F238E27FC236}">
-                <a16:creationId xmlns:a16="http://schemas.microsoft.com/office/drawing/2014/main" id="{E3D88AFB-B121-1D4A-30B6-9646EBA357B3}"/>
-              </a:ext>
-            </a:extLst>
-          </p:cNvPr>
-          <p:cNvSpPr txBox="1">
-            <a:spLocks/>
-          </p:cNvSpPr>
-          <p:nvPr/>
-        </p:nvSpPr>
-        <p:spPr>
-          <a:xfrm>
-            <a:off x="5334000" y="1752600"/>
-            <a:ext cx="8658516" cy="609600"/>
-          </a:xfrm>
-          <a:prstGeom prst="rect">
-            <a:avLst/>
-          </a:prstGeom>
-        </p:spPr>
-        <p:txBody>
-          <a:bodyPr vert="horz" lIns="91440" tIns="45720" rIns="91440" bIns="45720" rtlCol="0">
-            <a:noAutofit/>
-          </a:bodyPr>
-          <a:lstStyle>
-            <a:lvl1pPr marL="0" indent="0" algn="ctr" defTabSz="914400" rtl="0" eaLnBrk="1" latinLnBrk="0" hangingPunct="1">
-              <a:lnSpc>
-                <a:spcPct val="90000"/>
-              </a:lnSpc>
-              <a:spcBef>
-                <a:spcPts val="1000"/>
-              </a:spcBef>
-              <a:buFont typeface="Arial" panose="020B0604020202020204" pitchFamily="34" charset="0"/>
-              <a:buNone/>
-              <a:tabLst/>
-              <a:defRPr sz="3200" u="sng" kern="1200">
-                <a:solidFill>
-                  <a:schemeClr val="tx1"/>
-                </a:solidFill>
-                <a:latin typeface="+mn-lt"/>
-                <a:ea typeface="+mn-ea"/>
-                <a:cs typeface="+mn-cs"/>
-              </a:defRPr>
-            </a:lvl1pPr>
-            <a:lvl2pPr marL="685800" indent="-228600" algn="l" defTabSz="914400" rtl="0" eaLnBrk="1" latinLnBrk="0" hangingPunct="1">
-              <a:lnSpc>
-                <a:spcPct val="90000"/>
-              </a:lnSpc>
-              <a:spcBef>
-                <a:spcPts val="500"/>
-              </a:spcBef>
-              <a:buFont typeface="Arial" panose="020B0604020202020204" pitchFamily="34" charset="0"/>
-              <a:buChar char="•"/>
-              <a:defRPr sz="2400" kern="1200">
-                <a:solidFill>
-                  <a:schemeClr val="tx1"/>
-                </a:solidFill>
-                <a:latin typeface="+mn-lt"/>
-                <a:ea typeface="+mn-ea"/>
-                <a:cs typeface="+mn-cs"/>
-              </a:defRPr>
-            </a:lvl2pPr>
-            <a:lvl3pPr marL="1143000" indent="-228600" algn="l" defTabSz="914400" rtl="0" eaLnBrk="1" latinLnBrk="0" hangingPunct="1">
-              <a:lnSpc>
-                <a:spcPct val="90000"/>
-              </a:lnSpc>
-              <a:spcBef>
-                <a:spcPts val="500"/>
-              </a:spcBef>
-              <a:buFont typeface="Arial" panose="020B0604020202020204" pitchFamily="34" charset="0"/>
-              <a:buChar char="•"/>
-              <a:defRPr sz="2000" kern="1200">
-                <a:solidFill>
-                  <a:schemeClr val="tx1"/>
-                </a:solidFill>
-                <a:latin typeface="+mn-lt"/>
-                <a:ea typeface="+mn-ea"/>
-                <a:cs typeface="+mn-cs"/>
-              </a:defRPr>
-            </a:lvl3pPr>
-            <a:lvl4pPr marL="1600200" indent="-228600" algn="l" defTabSz="914400" rtl="0" eaLnBrk="1" latinLnBrk="0" hangingPunct="1">
-              <a:lnSpc>
-                <a:spcPct val="90000"/>
-              </a:lnSpc>
-              <a:spcBef>
-                <a:spcPts val="500"/>
-              </a:spcBef>
-              <a:buFont typeface="Arial" panose="020B0604020202020204" pitchFamily="34" charset="0"/>
-              <a:buChar char="•"/>
-              <a:defRPr sz="1800" kern="1200">
-                <a:solidFill>
-                  <a:schemeClr val="tx1"/>
-                </a:solidFill>
-                <a:latin typeface="+mn-lt"/>
-                <a:ea typeface="+mn-ea"/>
-                <a:cs typeface="+mn-cs"/>
-              </a:defRPr>
-            </a:lvl4pPr>
-            <a:lvl5pPr marL="2057400" indent="-228600" algn="l" defTabSz="914400" rtl="0" eaLnBrk="1" latinLnBrk="0" hangingPunct="1">
-              <a:lnSpc>
-                <a:spcPct val="90000"/>
-              </a:lnSpc>
-              <a:spcBef>
-                <a:spcPts val="500"/>
-              </a:spcBef>
-              <a:buFont typeface="Arial" panose="020B0604020202020204" pitchFamily="34" charset="0"/>
-              <a:buChar char="•"/>
-              <a:defRPr sz="1800" kern="1200">
-                <a:solidFill>
-                  <a:schemeClr val="tx1"/>
-                </a:solidFill>
-                <a:latin typeface="+mn-lt"/>
-                <a:ea typeface="+mn-ea"/>
-                <a:cs typeface="+mn-cs"/>
-              </a:defRPr>
-            </a:lvl5pPr>
-            <a:lvl6pPr marL="2514600" indent="-228600" algn="l" defTabSz="914400" rtl="0" eaLnBrk="1" latinLnBrk="0" hangingPunct="1">
-              <a:lnSpc>
-                <a:spcPct val="90000"/>
-              </a:lnSpc>
-              <a:spcBef>
-                <a:spcPts val="500"/>
-              </a:spcBef>
-              <a:buFont typeface="Arial" panose="020B0604020202020204" pitchFamily="34" charset="0"/>
-              <a:buChar char="•"/>
-              <a:defRPr sz="1800" kern="1200">
-                <a:solidFill>
-                  <a:schemeClr val="tx1"/>
-                </a:solidFill>
-                <a:latin typeface="+mn-lt"/>
-                <a:ea typeface="+mn-ea"/>
-                <a:cs typeface="+mn-cs"/>
-              </a:defRPr>
-            </a:lvl6pPr>
-            <a:lvl7pPr marL="2971800" indent="-228600" algn="l" defTabSz="914400" rtl="0" eaLnBrk="1" latinLnBrk="0" hangingPunct="1">
-              <a:lnSpc>
-                <a:spcPct val="90000"/>
-              </a:lnSpc>
-              <a:spcBef>
-                <a:spcPts val="500"/>
-              </a:spcBef>
-              <a:buFont typeface="Arial" panose="020B0604020202020204" pitchFamily="34" charset="0"/>
-              <a:buChar char="•"/>
-              <a:defRPr sz="1800" kern="1200">
-                <a:solidFill>
-                  <a:schemeClr val="tx1"/>
-                </a:solidFill>
-                <a:latin typeface="+mn-lt"/>
-                <a:ea typeface="+mn-ea"/>
-                <a:cs typeface="+mn-cs"/>
-              </a:defRPr>
-            </a:lvl7pPr>
-            <a:lvl8pPr marL="3429000" indent="-228600" algn="l" defTabSz="914400" rtl="0" eaLnBrk="1" latinLnBrk="0" hangingPunct="1">
-              <a:lnSpc>
-                <a:spcPct val="90000"/>
-              </a:lnSpc>
-              <a:spcBef>
-                <a:spcPts val="500"/>
-              </a:spcBef>
-              <a:buFont typeface="Arial" panose="020B0604020202020204" pitchFamily="34" charset="0"/>
-              <a:buChar char="•"/>
-              <a:defRPr sz="1800" kern="1200">
-                <a:solidFill>
-                  <a:schemeClr val="tx1"/>
-                </a:solidFill>
-                <a:latin typeface="+mn-lt"/>
-                <a:ea typeface="+mn-ea"/>
-                <a:cs typeface="+mn-cs"/>
-              </a:defRPr>
-            </a:lvl8pPr>
-            <a:lvl9pPr marL="3886200" indent="-228600" algn="l" defTabSz="914400" rtl="0" eaLnBrk="1" latinLnBrk="0" hangingPunct="1">
-              <a:lnSpc>
-                <a:spcPct val="90000"/>
-              </a:lnSpc>
-              <a:spcBef>
-                <a:spcPts val="500"/>
-              </a:spcBef>
-              <a:buFont typeface="Arial" panose="020B0604020202020204" pitchFamily="34" charset="0"/>
-              <a:buChar char="•"/>
-              <a:defRPr sz="1800" kern="1200">
-                <a:solidFill>
-                  <a:schemeClr val="tx1"/>
-                </a:solidFill>
-                <a:latin typeface="+mn-lt"/>
-                <a:ea typeface="+mn-ea"/>
-                <a:cs typeface="+mn-cs"/>
-              </a:defRPr>
-            </a:lvl9pPr>
-          </a:lstStyle>
-          <a:p>
-            <a:r>
-              <a:rPr lang="de-DE" sz="2000" dirty="0"/>
-              <a:t>Trigger AFTER INSERT/DELETE</a:t>
-            </a:r>
-          </a:p>
-          <a:p>
-            <a:pPr algn="l"/>
+              <a:t>Trigger </a:t>
+            </a:r>
+            <a:r>
+              <a:rPr lang="de-DE" dirty="0" err="1"/>
+              <a:t>on_return</a:t>
+            </a:r>
             <a:endParaRPr lang="de-DE" dirty="0"/>
           </a:p>
         </p:txBody>
@@ -17638,20 +17608,177 @@
         </p:blipFill>
         <p:spPr>
           <a:xfrm>
-            <a:off x="933499" y="1494645"/>
-            <a:ext cx="4845633" cy="1569062"/>
+            <a:off x="630360" y="1649405"/>
+            <a:ext cx="5118413" cy="1657390"/>
           </a:xfrm>
           <a:prstGeom prst="rect">
             <a:avLst/>
           </a:prstGeom>
         </p:spPr>
       </p:pic>
+      <p:sp>
+        <p:nvSpPr>
+          <p:cNvPr id="2" name="Textfeld 1">
+            <a:extLst>
+              <a:ext uri="{FF2B5EF4-FFF2-40B4-BE49-F238E27FC236}">
+                <a16:creationId xmlns:a16="http://schemas.microsoft.com/office/drawing/2014/main" id="{C67121C2-94F5-A948-60D1-F6B57939080F}"/>
+              </a:ext>
+            </a:extLst>
+          </p:cNvPr>
+          <p:cNvSpPr txBox="1"/>
+          <p:nvPr/>
+        </p:nvSpPr>
+        <p:spPr>
+          <a:xfrm>
+            <a:off x="5748773" y="2327797"/>
+            <a:ext cx="5974713" cy="369332"/>
+          </a:xfrm>
+          <a:prstGeom prst="rect">
+            <a:avLst/>
+          </a:prstGeom>
+          <a:noFill/>
+        </p:spPr>
+        <p:txBody>
+          <a:bodyPr wrap="none" rtlCol="0">
+            <a:spAutoFit/>
+          </a:bodyPr>
+          <a:lstStyle/>
+          <a:p>
+            <a:r>
+              <a:rPr lang="en-US" sz="1800" b="1" i="0" u="none" strike="noStrike" baseline="0" dirty="0">
+                <a:solidFill>
+                  <a:srgbClr val="0000FF"/>
+                </a:solidFill>
+                <a:latin typeface="Courier New" panose="02070309020205020404" pitchFamily="49" charset="0"/>
+              </a:rPr>
+              <a:t>DELETE</a:t>
+            </a:r>
+            <a:r>
+              <a:rPr lang="en-US" sz="1800" b="0" i="0" u="none" strike="noStrike" baseline="0" dirty="0">
+                <a:solidFill>
+                  <a:srgbClr val="000000"/>
+                </a:solidFill>
+                <a:latin typeface="Courier New" panose="02070309020205020404" pitchFamily="49" charset="0"/>
+              </a:rPr>
+              <a:t> </a:t>
+            </a:r>
+            <a:r>
+              <a:rPr lang="en-US" sz="1800" b="1" i="0" u="none" strike="noStrike" baseline="0" dirty="0">
+                <a:solidFill>
+                  <a:srgbClr val="0000FF"/>
+                </a:solidFill>
+                <a:latin typeface="Courier New" panose="02070309020205020404" pitchFamily="49" charset="0"/>
+              </a:rPr>
+              <a:t>FROM</a:t>
+            </a:r>
+            <a:r>
+              <a:rPr lang="en-US" sz="1800" b="0" i="0" u="none" strike="noStrike" baseline="0" dirty="0">
+                <a:solidFill>
+                  <a:srgbClr val="000000"/>
+                </a:solidFill>
+                <a:latin typeface="Courier New" panose="02070309020205020404" pitchFamily="49" charset="0"/>
+              </a:rPr>
+              <a:t> </a:t>
+            </a:r>
+            <a:r>
+              <a:rPr lang="en-US" sz="1800" b="0" i="0" u="none" strike="noStrike" baseline="0" dirty="0">
+                <a:solidFill>
+                  <a:srgbClr val="FF00FF"/>
+                </a:solidFill>
+                <a:latin typeface="Courier New" panose="02070309020205020404" pitchFamily="49" charset="0"/>
+              </a:rPr>
+              <a:t>withdrawals</a:t>
+            </a:r>
+            <a:r>
+              <a:rPr lang="en-US" sz="1800" b="0" i="0" u="none" strike="noStrike" baseline="0" dirty="0">
+                <a:solidFill>
+                  <a:srgbClr val="000000"/>
+                </a:solidFill>
+                <a:latin typeface="Courier New" panose="02070309020205020404" pitchFamily="49" charset="0"/>
+              </a:rPr>
+              <a:t> </a:t>
+            </a:r>
+            <a:r>
+              <a:rPr lang="en-US" sz="1800" b="1" i="0" u="none" strike="noStrike" baseline="0" dirty="0">
+                <a:solidFill>
+                  <a:srgbClr val="0000FF"/>
+                </a:solidFill>
+                <a:latin typeface="Courier New" panose="02070309020205020404" pitchFamily="49" charset="0"/>
+              </a:rPr>
+              <a:t>WHERE</a:t>
+            </a:r>
+            <a:r>
+              <a:rPr lang="en-US" sz="1800" b="0" i="0" u="none" strike="noStrike" baseline="0" dirty="0">
+                <a:solidFill>
+                  <a:srgbClr val="000000"/>
+                </a:solidFill>
+                <a:latin typeface="Courier New" panose="02070309020205020404" pitchFamily="49" charset="0"/>
+              </a:rPr>
+              <a:t> </a:t>
+            </a:r>
+            <a:r>
+              <a:rPr lang="en-US" sz="1800" b="0" i="0" u="none" strike="noStrike" baseline="0" dirty="0" err="1">
+                <a:solidFill>
+                  <a:srgbClr val="808000"/>
+                </a:solidFill>
+                <a:latin typeface="Courier New" panose="02070309020205020404" pitchFamily="49" charset="0"/>
+              </a:rPr>
+              <a:t>mediaID</a:t>
+            </a:r>
+            <a:r>
+              <a:rPr lang="en-US" sz="1800" b="0" i="0" u="none" strike="noStrike" baseline="0" dirty="0">
+                <a:solidFill>
+                  <a:srgbClr val="000000"/>
+                </a:solidFill>
+                <a:latin typeface="Courier New" panose="02070309020205020404" pitchFamily="49" charset="0"/>
+              </a:rPr>
+              <a:t> </a:t>
+            </a:r>
+            <a:r>
+              <a:rPr lang="en-US" sz="1800" b="0" i="0" u="none" strike="noStrike" baseline="0" dirty="0">
+                <a:solidFill>
+                  <a:srgbClr val="0000FF"/>
+                </a:solidFill>
+                <a:latin typeface="Courier New" panose="02070309020205020404" pitchFamily="49" charset="0"/>
+              </a:rPr>
+              <a:t>=</a:t>
+            </a:r>
+            <a:r>
+              <a:rPr lang="en-US" sz="1800" b="0" i="0" u="none" strike="noStrike" baseline="0" dirty="0">
+                <a:solidFill>
+                  <a:srgbClr val="000000"/>
+                </a:solidFill>
+                <a:latin typeface="Courier New" panose="02070309020205020404" pitchFamily="49" charset="0"/>
+              </a:rPr>
+              <a:t> </a:t>
+            </a:r>
+            <a:r>
+              <a:rPr lang="en-US" sz="1800" b="0" i="0" u="none" strike="noStrike" baseline="0" dirty="0">
+                <a:solidFill>
+                  <a:srgbClr val="800080"/>
+                </a:solidFill>
+                <a:latin typeface="Courier New" panose="02070309020205020404" pitchFamily="49" charset="0"/>
+              </a:rPr>
+              <a:t>8</a:t>
+            </a:r>
+            <a:r>
+              <a:rPr lang="en-US" sz="1800" b="0" i="0" u="none" strike="noStrike" baseline="0" dirty="0">
+                <a:solidFill>
+                  <a:srgbClr val="0000FF"/>
+                </a:solidFill>
+                <a:latin typeface="Courier New" panose="02070309020205020404" pitchFamily="49" charset="0"/>
+              </a:rPr>
+              <a:t>;</a:t>
+            </a:r>
+          </a:p>
+        </p:txBody>
+      </p:sp>
       <p:pic>
         <p:nvPicPr>
-          <p:cNvPr id="8" name="Grafik 7">
-            <a:extLst>
-              <a:ext uri="{FF2B5EF4-FFF2-40B4-BE49-F238E27FC236}">
-                <a16:creationId xmlns:a16="http://schemas.microsoft.com/office/drawing/2014/main" id="{DAF68AED-7471-B0B2-1696-D770D7591CAB}"/>
+          <p:cNvPr id="22" name="Picture 21" descr="A screenshot of a computer&#10;&#10;Description automatically generated">
+            <a:extLst>
+              <a:ext uri="{FF2B5EF4-FFF2-40B4-BE49-F238E27FC236}">
+                <a16:creationId xmlns:a16="http://schemas.microsoft.com/office/drawing/2014/main" id="{91955F86-4294-3AF5-5F11-31B0BA8C5B71}"/>
               </a:ext>
             </a:extLst>
           </p:cNvPr>
@@ -17661,15 +17788,21 @@
           <p:nvPr/>
         </p:nvPicPr>
         <p:blipFill>
-          <a:blip r:embed="rId4"/>
+          <a:blip r:embed="rId4">
+            <a:extLst>
+              <a:ext uri="{28A0092B-C50C-407E-A947-70E740481C1C}">
+                <a14:useLocalDpi xmlns:a14="http://schemas.microsoft.com/office/drawing/2010/main" val="0"/>
+              </a:ext>
+            </a:extLst>
+          </a:blip>
           <a:stretch>
             <a:fillRect/>
           </a:stretch>
         </p:blipFill>
         <p:spPr>
           <a:xfrm>
-            <a:off x="381311" y="3794293"/>
-            <a:ext cx="6850009" cy="1569062"/>
+            <a:off x="630360" y="3870696"/>
+            <a:ext cx="7430537" cy="1514686"/>
           </a:xfrm>
           <a:prstGeom prst="rect">
             <a:avLst/>
@@ -17678,25 +17811,77 @@
       </p:pic>
       <p:sp>
         <p:nvSpPr>
-          <p:cNvPr id="2" name="Textfeld 1">
-            <a:extLst>
-              <a:ext uri="{FF2B5EF4-FFF2-40B4-BE49-F238E27FC236}">
-                <a16:creationId xmlns:a16="http://schemas.microsoft.com/office/drawing/2014/main" id="{C67121C2-94F5-A948-60D1-F6B57939080F}"/>
-              </a:ext>
-            </a:extLst>
-          </p:cNvPr>
-          <p:cNvSpPr txBox="1"/>
+          <p:cNvPr id="23" name="Rectangle 22">
+            <a:extLst>
+              <a:ext uri="{FF2B5EF4-FFF2-40B4-BE49-F238E27FC236}">
+                <a16:creationId xmlns:a16="http://schemas.microsoft.com/office/drawing/2014/main" id="{348374FE-E1AD-8AD6-B1C2-019357B0C439}"/>
+              </a:ext>
+            </a:extLst>
+          </p:cNvPr>
+          <p:cNvSpPr/>
           <p:nvPr/>
         </p:nvSpPr>
         <p:spPr>
           <a:xfrm>
-            <a:off x="602510" y="3255149"/>
-            <a:ext cx="5974713" cy="369332"/>
+            <a:off x="4572000" y="4495800"/>
+            <a:ext cx="2133600" cy="304800"/>
           </a:xfrm>
           <a:prstGeom prst="rect">
             <a:avLst/>
           </a:prstGeom>
           <a:noFill/>
+          <a:ln>
+            <a:solidFill>
+              <a:srgbClr val="FF0000"/>
+            </a:solidFill>
+          </a:ln>
+        </p:spPr>
+        <p:style>
+          <a:lnRef idx="2">
+            <a:schemeClr val="accent1">
+              <a:shade val="15000"/>
+            </a:schemeClr>
+          </a:lnRef>
+          <a:fillRef idx="1">
+            <a:schemeClr val="accent1"/>
+          </a:fillRef>
+          <a:effectRef idx="0">
+            <a:schemeClr val="accent1"/>
+          </a:effectRef>
+          <a:fontRef idx="minor">
+            <a:schemeClr val="lt1"/>
+          </a:fontRef>
+        </p:style>
+        <p:txBody>
+          <a:bodyPr rtlCol="0" anchor="ctr"/>
+          <a:lstStyle/>
+          <a:p>
+            <a:pPr algn="ctr"/>
+            <a:endParaRPr lang="en-US"/>
+          </a:p>
+        </p:txBody>
+      </p:sp>
+      <p:sp>
+        <p:nvSpPr>
+          <p:cNvPr id="24" name="TextBox 23">
+            <a:extLst>
+              <a:ext uri="{FF2B5EF4-FFF2-40B4-BE49-F238E27FC236}">
+                <a16:creationId xmlns:a16="http://schemas.microsoft.com/office/drawing/2014/main" id="{4AEA9C65-602C-9108-3899-04FD6155EC78}"/>
+              </a:ext>
+            </a:extLst>
+          </p:cNvPr>
+          <p:cNvSpPr txBox="1"/>
+          <p:nvPr/>
+        </p:nvSpPr>
+        <p:spPr>
+          <a:xfrm>
+            <a:off x="630360" y="3491204"/>
+            <a:ext cx="2298899" cy="369332"/>
+          </a:xfrm>
+          <a:prstGeom prst="rect">
+            <a:avLst/>
+          </a:prstGeom>
+          <a:noFill/>
         </p:spPr>
         <p:txBody>
           <a:bodyPr wrap="none" rtlCol="0">
@@ -17705,131 +17890,46 @@
           <a:lstStyle/>
           <a:p>
             <a:r>
-              <a:rPr lang="en-US" sz="1800" b="1" i="0" u="none" strike="noStrike" baseline="0" dirty="0">
-                <a:solidFill>
-                  <a:srgbClr val="0000FF"/>
-                </a:solidFill>
-                <a:latin typeface="Courier New" panose="02070309020205020404" pitchFamily="49" charset="0"/>
-              </a:rPr>
-              <a:t>DELETE</a:t>
-            </a:r>
-            <a:r>
-              <a:rPr lang="en-US" sz="1800" b="0" i="0" u="none" strike="noStrike" baseline="0" dirty="0">
-                <a:solidFill>
-                  <a:srgbClr val="000000"/>
-                </a:solidFill>
-                <a:latin typeface="Courier New" panose="02070309020205020404" pitchFamily="49" charset="0"/>
-              </a:rPr>
-              <a:t> </a:t>
-            </a:r>
-            <a:r>
-              <a:rPr lang="en-US" sz="1800" b="1" i="0" u="none" strike="noStrike" baseline="0" dirty="0">
-                <a:solidFill>
-                  <a:srgbClr val="0000FF"/>
-                </a:solidFill>
-                <a:latin typeface="Courier New" panose="02070309020205020404" pitchFamily="49" charset="0"/>
-              </a:rPr>
-              <a:t>FROM</a:t>
-            </a:r>
-            <a:r>
-              <a:rPr lang="en-US" sz="1800" b="0" i="0" u="none" strike="noStrike" baseline="0" dirty="0">
-                <a:solidFill>
-                  <a:srgbClr val="000000"/>
-                </a:solidFill>
-                <a:latin typeface="Courier New" panose="02070309020205020404" pitchFamily="49" charset="0"/>
-              </a:rPr>
-              <a:t> </a:t>
-            </a:r>
-            <a:r>
-              <a:rPr lang="en-US" sz="1800" b="0" i="0" u="none" strike="noStrike" baseline="0" dirty="0">
-                <a:solidFill>
-                  <a:srgbClr val="FF00FF"/>
-                </a:solidFill>
-                <a:latin typeface="Courier New" panose="02070309020205020404" pitchFamily="49" charset="0"/>
-              </a:rPr>
+              <a:rPr lang="en-US" altLang="zh-CN" b="1" dirty="0" err="1"/>
+              <a:t>withdrawals_history</a:t>
+            </a:r>
+            <a:endParaRPr lang="en-US" b="1" dirty="0"/>
+          </a:p>
+        </p:txBody>
+      </p:sp>
+      <p:sp>
+        <p:nvSpPr>
+          <p:cNvPr id="27" name="TextBox 26">
+            <a:extLst>
+              <a:ext uri="{FF2B5EF4-FFF2-40B4-BE49-F238E27FC236}">
+                <a16:creationId xmlns:a16="http://schemas.microsoft.com/office/drawing/2014/main" id="{FE8EE843-7447-6CAC-F14F-30D6E231C94E}"/>
+              </a:ext>
+            </a:extLst>
+          </p:cNvPr>
+          <p:cNvSpPr txBox="1"/>
+          <p:nvPr/>
+        </p:nvSpPr>
+        <p:spPr>
+          <a:xfrm>
+            <a:off x="611323" y="1321428"/>
+            <a:ext cx="1464953" cy="369332"/>
+          </a:xfrm>
+          <a:prstGeom prst="rect">
+            <a:avLst/>
+          </a:prstGeom>
+          <a:noFill/>
+        </p:spPr>
+        <p:txBody>
+          <a:bodyPr wrap="none" rtlCol="0">
+            <a:spAutoFit/>
+          </a:bodyPr>
+          <a:lstStyle/>
+          <a:p>
+            <a:r>
+              <a:rPr lang="en-US" altLang="zh-CN" b="1" dirty="0"/>
               <a:t>withdrawals</a:t>
             </a:r>
-            <a:r>
-              <a:rPr lang="en-US" sz="1800" b="0" i="0" u="none" strike="noStrike" baseline="0" dirty="0">
-                <a:solidFill>
-                  <a:srgbClr val="000000"/>
-                </a:solidFill>
-                <a:latin typeface="Courier New" panose="02070309020205020404" pitchFamily="49" charset="0"/>
-              </a:rPr>
-              <a:t> </a:t>
-            </a:r>
-            <a:r>
-              <a:rPr lang="en-US" sz="1800" b="1" i="0" u="none" strike="noStrike" baseline="0" dirty="0">
-                <a:solidFill>
-                  <a:srgbClr val="0000FF"/>
-                </a:solidFill>
-                <a:latin typeface="Courier New" panose="02070309020205020404" pitchFamily="49" charset="0"/>
-              </a:rPr>
-              <a:t>WHERE</a:t>
-            </a:r>
-            <a:r>
-              <a:rPr lang="en-US" sz="1800" b="0" i="0" u="none" strike="noStrike" baseline="0" dirty="0">
-                <a:solidFill>
-                  <a:srgbClr val="000000"/>
-                </a:solidFill>
-                <a:latin typeface="Courier New" panose="02070309020205020404" pitchFamily="49" charset="0"/>
-              </a:rPr>
-              <a:t> </a:t>
-            </a:r>
-            <a:r>
-              <a:rPr lang="en-US" sz="1800" b="0" i="0" u="none" strike="noStrike" baseline="0" dirty="0" err="1">
-                <a:solidFill>
-                  <a:srgbClr val="808000"/>
-                </a:solidFill>
-                <a:latin typeface="Courier New" panose="02070309020205020404" pitchFamily="49" charset="0"/>
-              </a:rPr>
-              <a:t>mediaID</a:t>
-            </a:r>
-            <a:r>
-              <a:rPr lang="en-US" sz="1800" b="0" i="0" u="none" strike="noStrike" baseline="0" dirty="0">
-                <a:solidFill>
-                  <a:srgbClr val="000000"/>
-                </a:solidFill>
-                <a:latin typeface="Courier New" panose="02070309020205020404" pitchFamily="49" charset="0"/>
-              </a:rPr>
-              <a:t> </a:t>
-            </a:r>
-            <a:r>
-              <a:rPr lang="en-US" sz="1800" b="0" i="0" u="none" strike="noStrike" baseline="0" dirty="0">
-                <a:solidFill>
-                  <a:srgbClr val="0000FF"/>
-                </a:solidFill>
-                <a:latin typeface="Courier New" panose="02070309020205020404" pitchFamily="49" charset="0"/>
-              </a:rPr>
-              <a:t>=</a:t>
-            </a:r>
-            <a:r>
-              <a:rPr lang="en-US" sz="1800" b="0" i="0" u="none" strike="noStrike" baseline="0" dirty="0">
-                <a:solidFill>
-                  <a:srgbClr val="000000"/>
-                </a:solidFill>
-                <a:latin typeface="Courier New" panose="02070309020205020404" pitchFamily="49" charset="0"/>
-              </a:rPr>
-              <a:t> </a:t>
-            </a:r>
-            <a:r>
-              <a:rPr lang="en-US" sz="1800" b="0" i="0" u="none" strike="noStrike" baseline="0" dirty="0">
-                <a:solidFill>
-                  <a:srgbClr val="800080"/>
-                </a:solidFill>
-                <a:latin typeface="Courier New" panose="02070309020205020404" pitchFamily="49" charset="0"/>
-              </a:rPr>
-              <a:t>8</a:t>
-            </a:r>
-            <a:r>
-              <a:rPr lang="en-US" sz="1800" b="0" i="0" u="none" strike="noStrike" baseline="0" dirty="0">
-                <a:solidFill>
-                  <a:srgbClr val="0000FF"/>
-                </a:solidFill>
-                <a:latin typeface="Courier New" panose="02070309020205020404" pitchFamily="49" charset="0"/>
-              </a:rPr>
-              <a:t>;</a:t>
-            </a:r>
+            <a:endParaRPr lang="en-US" b="1" dirty="0"/>
           </a:p>
         </p:txBody>
       </p:sp>
@@ -19129,1781 +19229,6 @@
           </a:p>
         </p:txBody>
       </p:sp>
-      <p:sp>
-        <p:nvSpPr>
-          <p:cNvPr id="19" name="Textfeld 18">
-            <a:extLst>
-              <a:ext uri="{FF2B5EF4-FFF2-40B4-BE49-F238E27FC236}">
-                <a16:creationId xmlns:a16="http://schemas.microsoft.com/office/drawing/2014/main" id="{0D4991D4-2166-BFEB-1801-8796706140FE}"/>
-              </a:ext>
-            </a:extLst>
-          </p:cNvPr>
-          <p:cNvSpPr txBox="1"/>
-          <p:nvPr/>
-        </p:nvSpPr>
-        <p:spPr>
-          <a:xfrm>
-            <a:off x="4721907" y="1590050"/>
-            <a:ext cx="6376160" cy="3600986"/>
-          </a:xfrm>
-          <a:prstGeom prst="rect">
-            <a:avLst/>
-          </a:prstGeom>
-          <a:noFill/>
-        </p:spPr>
-        <p:txBody>
-          <a:bodyPr wrap="square">
-            <a:spAutoFit/>
-          </a:bodyPr>
-          <a:lstStyle/>
-          <a:p>
-            <a:r>
-              <a:rPr lang="de-DE" sz="1200" b="0" i="0" u="none" strike="noStrike" baseline="0" dirty="0">
-                <a:solidFill>
-                  <a:srgbClr val="000000"/>
-                </a:solidFill>
-                <a:latin typeface="Courier New" panose="02070309020205020404" pitchFamily="49" charset="0"/>
-              </a:rPr>
-              <a:t> </a:t>
-            </a:r>
-          </a:p>
-          <a:p>
-            <a:r>
-              <a:rPr lang="de-DE" sz="1200" b="0" i="1" u="none" strike="noStrike" baseline="0" dirty="0">
-                <a:solidFill>
-                  <a:srgbClr val="808080"/>
-                </a:solidFill>
-                <a:latin typeface="Courier New" panose="02070309020205020404" pitchFamily="49" charset="0"/>
-              </a:rPr>
-              <a:t>/*===========================================================*/</a:t>
-            </a:r>
-          </a:p>
-          <a:p>
-            <a:r>
-              <a:rPr lang="de-DE" sz="1200" b="0" i="1" u="none" strike="noStrike" baseline="0" dirty="0">
-                <a:solidFill>
-                  <a:srgbClr val="808080"/>
-                </a:solidFill>
-                <a:latin typeface="Courier New" panose="02070309020205020404" pitchFamily="49" charset="0"/>
-              </a:rPr>
-              <a:t>/* VIEWS */</a:t>
-            </a:r>
-            <a:r>
-              <a:rPr lang="de-DE" sz="1200" b="0" i="0" u="none" strike="noStrike" baseline="0" dirty="0">
-                <a:solidFill>
-                  <a:srgbClr val="000000"/>
-                </a:solidFill>
-                <a:latin typeface="Courier New" panose="02070309020205020404" pitchFamily="49" charset="0"/>
-              </a:rPr>
-              <a:t>   </a:t>
-            </a:r>
-          </a:p>
-          <a:p>
-            <a:r>
-              <a:rPr lang="de-DE" sz="1200" b="0" i="1" u="none" strike="noStrike" baseline="0" dirty="0">
-                <a:solidFill>
-                  <a:srgbClr val="808080"/>
-                </a:solidFill>
-                <a:latin typeface="Courier New" panose="02070309020205020404" pitchFamily="49" charset="0"/>
-              </a:rPr>
-              <a:t>/*===========================================================*/</a:t>
-            </a:r>
-          </a:p>
-          <a:p>
-            <a:r>
-              <a:rPr lang="de-DE" sz="1200" b="0" i="0" u="none" strike="noStrike" baseline="0" dirty="0">
-                <a:solidFill>
-                  <a:srgbClr val="000000"/>
-                </a:solidFill>
-                <a:latin typeface="Courier New" panose="02070309020205020404" pitchFamily="49" charset="0"/>
-              </a:rPr>
-              <a:t> </a:t>
-            </a:r>
-          </a:p>
-          <a:p>
-            <a:r>
-              <a:rPr lang="en-US" sz="1200" b="0" i="0" u="none" strike="noStrike" baseline="0" dirty="0">
-                <a:solidFill>
-                  <a:srgbClr val="000000"/>
-                </a:solidFill>
-                <a:latin typeface="Courier New" panose="02070309020205020404" pitchFamily="49" charset="0"/>
-              </a:rPr>
-              <a:t> </a:t>
-            </a:r>
-            <a:r>
-              <a:rPr lang="en-US" sz="1200" b="1" i="0" u="none" strike="noStrike" baseline="0" dirty="0">
-                <a:solidFill>
-                  <a:srgbClr val="0000FF"/>
-                </a:solidFill>
-                <a:latin typeface="Courier New" panose="02070309020205020404" pitchFamily="49" charset="0"/>
-              </a:rPr>
-              <a:t>DROP</a:t>
-            </a:r>
-            <a:r>
-              <a:rPr lang="en-US" sz="1200" b="0" i="0" u="none" strike="noStrike" baseline="0" dirty="0">
-                <a:solidFill>
-                  <a:srgbClr val="000000"/>
-                </a:solidFill>
-                <a:latin typeface="Courier New" panose="02070309020205020404" pitchFamily="49" charset="0"/>
-              </a:rPr>
-              <a:t> </a:t>
-            </a:r>
-            <a:r>
-              <a:rPr lang="en-US" sz="1200" b="1" i="0" u="none" strike="noStrike" baseline="0" dirty="0">
-                <a:solidFill>
-                  <a:srgbClr val="0000FF"/>
-                </a:solidFill>
-                <a:latin typeface="Courier New" panose="02070309020205020404" pitchFamily="49" charset="0"/>
-              </a:rPr>
-              <a:t>VIEW</a:t>
-            </a:r>
-            <a:r>
-              <a:rPr lang="en-US" sz="1200" b="0" i="0" u="none" strike="noStrike" baseline="0" dirty="0">
-                <a:solidFill>
-                  <a:srgbClr val="000000"/>
-                </a:solidFill>
-                <a:latin typeface="Courier New" panose="02070309020205020404" pitchFamily="49" charset="0"/>
-              </a:rPr>
-              <a:t> </a:t>
-            </a:r>
-            <a:r>
-              <a:rPr lang="en-US" sz="1200" b="1" i="0" u="none" strike="noStrike" baseline="0" dirty="0">
-                <a:solidFill>
-                  <a:srgbClr val="000000"/>
-                </a:solidFill>
-                <a:latin typeface="Courier New" panose="02070309020205020404" pitchFamily="49" charset="0"/>
-              </a:rPr>
-              <a:t>IF</a:t>
-            </a:r>
-            <a:r>
-              <a:rPr lang="en-US" sz="1200" b="0" i="0" u="none" strike="noStrike" baseline="0" dirty="0">
-                <a:solidFill>
-                  <a:srgbClr val="000000"/>
-                </a:solidFill>
-                <a:latin typeface="Courier New" panose="02070309020205020404" pitchFamily="49" charset="0"/>
-              </a:rPr>
-              <a:t> </a:t>
-            </a:r>
-            <a:r>
-              <a:rPr lang="en-US" sz="1200" b="1" i="0" u="none" strike="noStrike" baseline="0" dirty="0">
-                <a:solidFill>
-                  <a:srgbClr val="0000FF"/>
-                </a:solidFill>
-                <a:latin typeface="Courier New" panose="02070309020205020404" pitchFamily="49" charset="0"/>
-              </a:rPr>
-              <a:t>EXISTS</a:t>
-            </a:r>
-            <a:r>
-              <a:rPr lang="en-US" sz="1200" b="0" i="0" u="none" strike="noStrike" baseline="0" dirty="0">
-                <a:solidFill>
-                  <a:srgbClr val="000000"/>
-                </a:solidFill>
-                <a:latin typeface="Courier New" panose="02070309020205020404" pitchFamily="49" charset="0"/>
-              </a:rPr>
-              <a:t> </a:t>
-            </a:r>
-            <a:r>
-              <a:rPr lang="en-US" sz="1200" b="0" i="0" u="none" strike="noStrike" baseline="0" dirty="0" err="1">
-                <a:solidFill>
-                  <a:srgbClr val="FF00FF"/>
-                </a:solidFill>
-                <a:latin typeface="Courier New" panose="02070309020205020404" pitchFamily="49" charset="0"/>
-              </a:rPr>
-              <a:t>view_media_titles</a:t>
-            </a:r>
-            <a:r>
-              <a:rPr lang="en-US" sz="1200" b="0" i="0" u="none" strike="noStrike" baseline="0" dirty="0">
-                <a:solidFill>
-                  <a:srgbClr val="0000FF"/>
-                </a:solidFill>
-                <a:latin typeface="Courier New" panose="02070309020205020404" pitchFamily="49" charset="0"/>
-              </a:rPr>
-              <a:t>;</a:t>
-            </a:r>
-          </a:p>
-          <a:p>
-            <a:r>
-              <a:rPr lang="en-US" sz="1200" b="1" i="0" u="none" strike="noStrike" baseline="0" dirty="0">
-                <a:solidFill>
-                  <a:srgbClr val="0000FF"/>
-                </a:solidFill>
-                <a:latin typeface="Courier New" panose="02070309020205020404" pitchFamily="49" charset="0"/>
-              </a:rPr>
-              <a:t>CREATE</a:t>
-            </a:r>
-            <a:r>
-              <a:rPr lang="en-US" sz="1200" b="0" i="0" u="none" strike="noStrike" baseline="0" dirty="0">
-                <a:solidFill>
-                  <a:srgbClr val="000000"/>
-                </a:solidFill>
-                <a:latin typeface="Courier New" panose="02070309020205020404" pitchFamily="49" charset="0"/>
-              </a:rPr>
-              <a:t> </a:t>
-            </a:r>
-            <a:r>
-              <a:rPr lang="en-US" sz="1200" b="1" i="0" u="none" strike="noStrike" baseline="0" dirty="0">
-                <a:solidFill>
-                  <a:srgbClr val="0000FF"/>
-                </a:solidFill>
-                <a:latin typeface="Courier New" panose="02070309020205020404" pitchFamily="49" charset="0"/>
-              </a:rPr>
-              <a:t>VIEW</a:t>
-            </a:r>
-            <a:r>
-              <a:rPr lang="en-US" sz="1200" b="0" i="0" u="none" strike="noStrike" baseline="0" dirty="0">
-                <a:solidFill>
-                  <a:srgbClr val="000000"/>
-                </a:solidFill>
-                <a:latin typeface="Courier New" panose="02070309020205020404" pitchFamily="49" charset="0"/>
-              </a:rPr>
-              <a:t> </a:t>
-            </a:r>
-            <a:r>
-              <a:rPr lang="en-US" sz="1200" b="1" i="0" u="none" strike="noStrike" baseline="0" dirty="0">
-                <a:solidFill>
-                  <a:srgbClr val="000000"/>
-                </a:solidFill>
-                <a:latin typeface="Courier New" panose="02070309020205020404" pitchFamily="49" charset="0"/>
-              </a:rPr>
-              <a:t>IF</a:t>
-            </a:r>
-            <a:r>
-              <a:rPr lang="en-US" sz="1200" b="0" i="0" u="none" strike="noStrike" baseline="0" dirty="0">
-                <a:solidFill>
-                  <a:srgbClr val="000000"/>
-                </a:solidFill>
-                <a:latin typeface="Courier New" panose="02070309020205020404" pitchFamily="49" charset="0"/>
-              </a:rPr>
-              <a:t> </a:t>
-            </a:r>
-            <a:r>
-              <a:rPr lang="en-US" sz="1200" b="1" i="0" u="none" strike="noStrike" baseline="0" dirty="0">
-                <a:solidFill>
-                  <a:srgbClr val="0000FF"/>
-                </a:solidFill>
-                <a:latin typeface="Courier New" panose="02070309020205020404" pitchFamily="49" charset="0"/>
-              </a:rPr>
-              <a:t>NOT</a:t>
-            </a:r>
-            <a:r>
-              <a:rPr lang="en-US" sz="1200" b="0" i="0" u="none" strike="noStrike" baseline="0" dirty="0">
-                <a:solidFill>
-                  <a:srgbClr val="000000"/>
-                </a:solidFill>
-                <a:latin typeface="Courier New" panose="02070309020205020404" pitchFamily="49" charset="0"/>
-              </a:rPr>
-              <a:t> </a:t>
-            </a:r>
-            <a:r>
-              <a:rPr lang="en-US" sz="1200" b="1" i="0" u="none" strike="noStrike" baseline="0" dirty="0">
-                <a:solidFill>
-                  <a:srgbClr val="0000FF"/>
-                </a:solidFill>
-                <a:latin typeface="Courier New" panose="02070309020205020404" pitchFamily="49" charset="0"/>
-              </a:rPr>
-              <a:t>EXISTS</a:t>
-            </a:r>
-            <a:r>
-              <a:rPr lang="en-US" sz="1200" b="0" i="0" u="none" strike="noStrike" baseline="0" dirty="0">
-                <a:solidFill>
-                  <a:srgbClr val="000000"/>
-                </a:solidFill>
-                <a:latin typeface="Courier New" panose="02070309020205020404" pitchFamily="49" charset="0"/>
-              </a:rPr>
-              <a:t> </a:t>
-            </a:r>
-            <a:r>
-              <a:rPr lang="en-US" sz="1200" b="0" i="0" u="none" strike="noStrike" baseline="0" dirty="0" err="1">
-                <a:solidFill>
-                  <a:srgbClr val="FF00FF"/>
-                </a:solidFill>
-                <a:latin typeface="Courier New" panose="02070309020205020404" pitchFamily="49" charset="0"/>
-              </a:rPr>
-              <a:t>view_media_titles</a:t>
-            </a:r>
-            <a:r>
-              <a:rPr lang="en-US" sz="1200" b="0" i="0" u="none" strike="noStrike" baseline="0" dirty="0">
-                <a:solidFill>
-                  <a:srgbClr val="000000"/>
-                </a:solidFill>
-                <a:latin typeface="Courier New" panose="02070309020205020404" pitchFamily="49" charset="0"/>
-              </a:rPr>
-              <a:t> </a:t>
-            </a:r>
-            <a:r>
-              <a:rPr lang="en-US" sz="1200" b="1" i="0" u="none" strike="noStrike" baseline="0" dirty="0">
-                <a:solidFill>
-                  <a:srgbClr val="0000FF"/>
-                </a:solidFill>
-                <a:latin typeface="Courier New" panose="02070309020205020404" pitchFamily="49" charset="0"/>
-              </a:rPr>
-              <a:t>AS</a:t>
-            </a:r>
-          </a:p>
-          <a:p>
-            <a:r>
-              <a:rPr lang="en-US" sz="1200" b="1" i="0" u="none" strike="noStrike" baseline="0" dirty="0">
-                <a:solidFill>
-                  <a:srgbClr val="0000FF"/>
-                </a:solidFill>
-                <a:latin typeface="Courier New" panose="02070309020205020404" pitchFamily="49" charset="0"/>
-              </a:rPr>
-              <a:t>SELECT</a:t>
-            </a:r>
-            <a:r>
-              <a:rPr lang="en-US" sz="1200" b="0" i="0" u="none" strike="noStrike" baseline="0" dirty="0">
-                <a:solidFill>
-                  <a:srgbClr val="000000"/>
-                </a:solidFill>
-                <a:latin typeface="Courier New" panose="02070309020205020404" pitchFamily="49" charset="0"/>
-              </a:rPr>
-              <a:t> </a:t>
-            </a:r>
-            <a:r>
-              <a:rPr lang="en-US" sz="1200" b="0" i="0" u="none" strike="noStrike" baseline="0" dirty="0" err="1">
-                <a:solidFill>
-                  <a:srgbClr val="FF00FF"/>
-                </a:solidFill>
-                <a:latin typeface="Courier New" panose="02070309020205020404" pitchFamily="49" charset="0"/>
-              </a:rPr>
-              <a:t>media</a:t>
-            </a:r>
-            <a:r>
-              <a:rPr lang="en-US" sz="1200" b="0" i="0" u="none" strike="noStrike" baseline="0" dirty="0" err="1">
-                <a:solidFill>
-                  <a:srgbClr val="0000FF"/>
-                </a:solidFill>
-                <a:latin typeface="Courier New" panose="02070309020205020404" pitchFamily="49" charset="0"/>
-              </a:rPr>
-              <a:t>.</a:t>
-            </a:r>
-            <a:r>
-              <a:rPr lang="en-US" sz="1200" b="0" i="0" u="none" strike="noStrike" baseline="0" dirty="0" err="1">
-                <a:solidFill>
-                  <a:srgbClr val="808000"/>
-                </a:solidFill>
-                <a:latin typeface="Courier New" panose="02070309020205020404" pitchFamily="49" charset="0"/>
-              </a:rPr>
-              <a:t>mediaID</a:t>
-            </a:r>
-            <a:r>
-              <a:rPr lang="en-US" sz="1200" b="0" i="0" u="none" strike="noStrike" baseline="0" dirty="0">
-                <a:solidFill>
-                  <a:srgbClr val="0000FF"/>
-                </a:solidFill>
-                <a:latin typeface="Courier New" panose="02070309020205020404" pitchFamily="49" charset="0"/>
-              </a:rPr>
-              <a:t>,</a:t>
-            </a:r>
-            <a:r>
-              <a:rPr lang="en-US" sz="1200" b="0" i="0" u="none" strike="noStrike" baseline="0" dirty="0">
-                <a:solidFill>
-                  <a:srgbClr val="000000"/>
-                </a:solidFill>
-                <a:latin typeface="Courier New" panose="02070309020205020404" pitchFamily="49" charset="0"/>
-              </a:rPr>
-              <a:t> </a:t>
-            </a:r>
-            <a:r>
-              <a:rPr lang="en-US" sz="1200" b="0" i="0" u="none" strike="noStrike" baseline="0" dirty="0" err="1">
-                <a:solidFill>
-                  <a:srgbClr val="FF00FF"/>
-                </a:solidFill>
-                <a:latin typeface="Courier New" panose="02070309020205020404" pitchFamily="49" charset="0"/>
-              </a:rPr>
-              <a:t>media</a:t>
-            </a:r>
-            <a:r>
-              <a:rPr lang="en-US" sz="1200" b="0" i="0" u="none" strike="noStrike" baseline="0" dirty="0" err="1">
-                <a:solidFill>
-                  <a:srgbClr val="0000FF"/>
-                </a:solidFill>
-                <a:latin typeface="Courier New" panose="02070309020205020404" pitchFamily="49" charset="0"/>
-              </a:rPr>
-              <a:t>.</a:t>
-            </a:r>
-            <a:r>
-              <a:rPr lang="en-US" sz="1200" b="0" i="0" u="none" strike="noStrike" baseline="0" dirty="0" err="1">
-                <a:solidFill>
-                  <a:srgbClr val="808000"/>
-                </a:solidFill>
-                <a:latin typeface="Courier New" panose="02070309020205020404" pitchFamily="49" charset="0"/>
-              </a:rPr>
-              <a:t>title</a:t>
-            </a:r>
-            <a:r>
-              <a:rPr lang="en-US" sz="1200" b="0" i="0" u="none" strike="noStrike" baseline="0" dirty="0">
-                <a:solidFill>
-                  <a:srgbClr val="0000FF"/>
-                </a:solidFill>
-                <a:latin typeface="Courier New" panose="02070309020205020404" pitchFamily="49" charset="0"/>
-              </a:rPr>
-              <a:t>,</a:t>
-            </a:r>
-            <a:r>
-              <a:rPr lang="en-US" sz="1200" b="0" i="0" u="none" strike="noStrike" baseline="0" dirty="0">
-                <a:solidFill>
-                  <a:srgbClr val="000000"/>
-                </a:solidFill>
-                <a:latin typeface="Courier New" panose="02070309020205020404" pitchFamily="49" charset="0"/>
-              </a:rPr>
-              <a:t> </a:t>
-            </a:r>
-          </a:p>
-          <a:p>
-            <a:r>
-              <a:rPr lang="de-DE" sz="1200" b="0" i="0" u="none" strike="noStrike" baseline="0" dirty="0">
-                <a:solidFill>
-                  <a:srgbClr val="000000"/>
-                </a:solidFill>
-                <a:latin typeface="Courier New" panose="02070309020205020404" pitchFamily="49" charset="0"/>
-              </a:rPr>
-              <a:t>       </a:t>
-            </a:r>
-            <a:r>
-              <a:rPr lang="de-DE" sz="1200" b="1" i="0" u="none" strike="noStrike" baseline="0" dirty="0">
-                <a:solidFill>
-                  <a:srgbClr val="000000"/>
-                </a:solidFill>
-                <a:latin typeface="Courier New" panose="02070309020205020404" pitchFamily="49" charset="0"/>
-              </a:rPr>
-              <a:t>CASE</a:t>
-            </a:r>
-            <a:r>
-              <a:rPr lang="de-DE" sz="1200" b="0" i="0" u="none" strike="noStrike" baseline="0" dirty="0">
-                <a:solidFill>
-                  <a:srgbClr val="000000"/>
-                </a:solidFill>
-                <a:latin typeface="Courier New" panose="02070309020205020404" pitchFamily="49" charset="0"/>
-              </a:rPr>
-              <a:t> </a:t>
-            </a:r>
-          </a:p>
-          <a:p>
-            <a:r>
-              <a:rPr lang="en-US" sz="1200" b="0" i="0" u="none" strike="noStrike" baseline="0" dirty="0">
-                <a:solidFill>
-                  <a:srgbClr val="000000"/>
-                </a:solidFill>
-                <a:latin typeface="Courier New" panose="02070309020205020404" pitchFamily="49" charset="0"/>
-              </a:rPr>
-              <a:t>           </a:t>
-            </a:r>
-            <a:r>
-              <a:rPr lang="en-US" sz="1200" b="1" i="0" u="none" strike="noStrike" baseline="0" dirty="0">
-                <a:solidFill>
-                  <a:srgbClr val="000000"/>
-                </a:solidFill>
-                <a:latin typeface="Courier New" panose="02070309020205020404" pitchFamily="49" charset="0"/>
-              </a:rPr>
-              <a:t>WHEN</a:t>
-            </a:r>
-            <a:r>
-              <a:rPr lang="en-US" sz="1200" b="0" i="0" u="none" strike="noStrike" baseline="0" dirty="0">
-                <a:solidFill>
-                  <a:srgbClr val="000000"/>
-                </a:solidFill>
-                <a:latin typeface="Courier New" panose="02070309020205020404" pitchFamily="49" charset="0"/>
-              </a:rPr>
-              <a:t> </a:t>
-            </a:r>
-            <a:r>
-              <a:rPr lang="en-US" sz="1200" b="0" i="0" u="none" strike="noStrike" baseline="0" dirty="0" err="1">
-                <a:solidFill>
-                  <a:srgbClr val="FF00FF"/>
-                </a:solidFill>
-                <a:latin typeface="Courier New" panose="02070309020205020404" pitchFamily="49" charset="0"/>
-              </a:rPr>
-              <a:t>music</a:t>
-            </a:r>
-            <a:r>
-              <a:rPr lang="en-US" sz="1200" b="0" i="0" u="none" strike="noStrike" baseline="0" dirty="0" err="1">
-                <a:solidFill>
-                  <a:srgbClr val="0000FF"/>
-                </a:solidFill>
-                <a:latin typeface="Courier New" panose="02070309020205020404" pitchFamily="49" charset="0"/>
-              </a:rPr>
-              <a:t>.</a:t>
-            </a:r>
-            <a:r>
-              <a:rPr lang="en-US" sz="1200" b="0" i="0" u="none" strike="noStrike" baseline="0" dirty="0" err="1">
-                <a:solidFill>
-                  <a:srgbClr val="808000"/>
-                </a:solidFill>
-                <a:latin typeface="Courier New" panose="02070309020205020404" pitchFamily="49" charset="0"/>
-              </a:rPr>
-              <a:t>mediaID</a:t>
-            </a:r>
-            <a:r>
-              <a:rPr lang="en-US" sz="1200" b="0" i="0" u="none" strike="noStrike" baseline="0" dirty="0">
-                <a:solidFill>
-                  <a:srgbClr val="000000"/>
-                </a:solidFill>
-                <a:latin typeface="Courier New" panose="02070309020205020404" pitchFamily="49" charset="0"/>
-              </a:rPr>
-              <a:t> </a:t>
-            </a:r>
-            <a:r>
-              <a:rPr lang="en-US" sz="1200" b="1" i="0" u="none" strike="noStrike" baseline="0" dirty="0">
-                <a:solidFill>
-                  <a:srgbClr val="0000FF"/>
-                </a:solidFill>
-                <a:latin typeface="Courier New" panose="02070309020205020404" pitchFamily="49" charset="0"/>
-              </a:rPr>
-              <a:t>IS</a:t>
-            </a:r>
-            <a:r>
-              <a:rPr lang="en-US" sz="1200" b="0" i="0" u="none" strike="noStrike" baseline="0" dirty="0">
-                <a:solidFill>
-                  <a:srgbClr val="000000"/>
-                </a:solidFill>
-                <a:latin typeface="Courier New" panose="02070309020205020404" pitchFamily="49" charset="0"/>
-              </a:rPr>
-              <a:t> </a:t>
-            </a:r>
-            <a:r>
-              <a:rPr lang="en-US" sz="1200" b="1" i="0" u="none" strike="noStrike" baseline="0" dirty="0">
-                <a:solidFill>
-                  <a:srgbClr val="0000FF"/>
-                </a:solidFill>
-                <a:latin typeface="Courier New" panose="02070309020205020404" pitchFamily="49" charset="0"/>
-              </a:rPr>
-              <a:t>NOT</a:t>
-            </a:r>
-            <a:r>
-              <a:rPr lang="en-US" sz="1200" b="0" i="0" u="none" strike="noStrike" baseline="0" dirty="0">
-                <a:solidFill>
-                  <a:srgbClr val="000000"/>
-                </a:solidFill>
-                <a:latin typeface="Courier New" panose="02070309020205020404" pitchFamily="49" charset="0"/>
-              </a:rPr>
-              <a:t> </a:t>
-            </a:r>
-            <a:r>
-              <a:rPr lang="en-US" sz="1200" b="1" i="0" u="none" strike="noStrike" baseline="0" dirty="0">
-                <a:solidFill>
-                  <a:srgbClr val="0000FF"/>
-                </a:solidFill>
-                <a:latin typeface="Courier New" panose="02070309020205020404" pitchFamily="49" charset="0"/>
-              </a:rPr>
-              <a:t>NULL</a:t>
-            </a:r>
-            <a:r>
-              <a:rPr lang="en-US" sz="1200" b="0" i="0" u="none" strike="noStrike" baseline="0" dirty="0">
-                <a:solidFill>
-                  <a:srgbClr val="000000"/>
-                </a:solidFill>
-                <a:latin typeface="Courier New" panose="02070309020205020404" pitchFamily="49" charset="0"/>
-              </a:rPr>
-              <a:t> </a:t>
-            </a:r>
-            <a:r>
-              <a:rPr lang="en-US" sz="1200" b="1" i="0" u="none" strike="noStrike" baseline="0" dirty="0">
-                <a:solidFill>
-                  <a:srgbClr val="000000"/>
-                </a:solidFill>
-                <a:latin typeface="Courier New" panose="02070309020205020404" pitchFamily="49" charset="0"/>
-              </a:rPr>
-              <a:t>THEN</a:t>
-            </a:r>
-            <a:r>
-              <a:rPr lang="en-US" sz="1200" b="0" i="0" u="none" strike="noStrike" baseline="0" dirty="0">
-                <a:solidFill>
-                  <a:srgbClr val="000000"/>
-                </a:solidFill>
-                <a:latin typeface="Courier New" panose="02070309020205020404" pitchFamily="49" charset="0"/>
-              </a:rPr>
-              <a:t> </a:t>
-            </a:r>
-            <a:r>
-              <a:rPr lang="en-US" sz="1200" b="0" i="0" u="none" strike="noStrike" baseline="0" dirty="0">
-                <a:solidFill>
-                  <a:srgbClr val="008000"/>
-                </a:solidFill>
-                <a:latin typeface="Courier New" panose="02070309020205020404" pitchFamily="49" charset="0"/>
-              </a:rPr>
-              <a:t>'Music'</a:t>
-            </a:r>
-          </a:p>
-          <a:p>
-            <a:r>
-              <a:rPr lang="en-US" sz="1200" b="0" i="0" u="none" strike="noStrike" baseline="0" dirty="0">
-                <a:solidFill>
-                  <a:srgbClr val="000000"/>
-                </a:solidFill>
-                <a:latin typeface="Courier New" panose="02070309020205020404" pitchFamily="49" charset="0"/>
-              </a:rPr>
-              <a:t>           </a:t>
-            </a:r>
-            <a:r>
-              <a:rPr lang="en-US" sz="1200" b="1" i="0" u="none" strike="noStrike" baseline="0" dirty="0">
-                <a:solidFill>
-                  <a:srgbClr val="000000"/>
-                </a:solidFill>
-                <a:latin typeface="Courier New" panose="02070309020205020404" pitchFamily="49" charset="0"/>
-              </a:rPr>
-              <a:t>WHEN</a:t>
-            </a:r>
-            <a:r>
-              <a:rPr lang="en-US" sz="1200" b="0" i="0" u="none" strike="noStrike" baseline="0" dirty="0">
-                <a:solidFill>
-                  <a:srgbClr val="000000"/>
-                </a:solidFill>
-                <a:latin typeface="Courier New" panose="02070309020205020404" pitchFamily="49" charset="0"/>
-              </a:rPr>
-              <a:t> </a:t>
-            </a:r>
-            <a:r>
-              <a:rPr lang="en-US" sz="1200" b="0" i="0" u="none" strike="noStrike" baseline="0" dirty="0" err="1">
-                <a:solidFill>
-                  <a:srgbClr val="FF00FF"/>
-                </a:solidFill>
-                <a:latin typeface="Courier New" panose="02070309020205020404" pitchFamily="49" charset="0"/>
-              </a:rPr>
-              <a:t>films</a:t>
-            </a:r>
-            <a:r>
-              <a:rPr lang="en-US" sz="1200" b="0" i="0" u="none" strike="noStrike" baseline="0" dirty="0" err="1">
-                <a:solidFill>
-                  <a:srgbClr val="0000FF"/>
-                </a:solidFill>
-                <a:latin typeface="Courier New" panose="02070309020205020404" pitchFamily="49" charset="0"/>
-              </a:rPr>
-              <a:t>.</a:t>
-            </a:r>
-            <a:r>
-              <a:rPr lang="en-US" sz="1200" b="0" i="0" u="none" strike="noStrike" baseline="0" dirty="0" err="1">
-                <a:solidFill>
-                  <a:srgbClr val="808000"/>
-                </a:solidFill>
-                <a:latin typeface="Courier New" panose="02070309020205020404" pitchFamily="49" charset="0"/>
-              </a:rPr>
-              <a:t>mediaID</a:t>
-            </a:r>
-            <a:r>
-              <a:rPr lang="en-US" sz="1200" b="0" i="0" u="none" strike="noStrike" baseline="0" dirty="0">
-                <a:solidFill>
-                  <a:srgbClr val="000000"/>
-                </a:solidFill>
-                <a:latin typeface="Courier New" panose="02070309020205020404" pitchFamily="49" charset="0"/>
-              </a:rPr>
-              <a:t> </a:t>
-            </a:r>
-            <a:r>
-              <a:rPr lang="en-US" sz="1200" b="1" i="0" u="none" strike="noStrike" baseline="0" dirty="0">
-                <a:solidFill>
-                  <a:srgbClr val="0000FF"/>
-                </a:solidFill>
-                <a:latin typeface="Courier New" panose="02070309020205020404" pitchFamily="49" charset="0"/>
-              </a:rPr>
-              <a:t>IS</a:t>
-            </a:r>
-            <a:r>
-              <a:rPr lang="en-US" sz="1200" b="0" i="0" u="none" strike="noStrike" baseline="0" dirty="0">
-                <a:solidFill>
-                  <a:srgbClr val="000000"/>
-                </a:solidFill>
-                <a:latin typeface="Courier New" panose="02070309020205020404" pitchFamily="49" charset="0"/>
-              </a:rPr>
-              <a:t> </a:t>
-            </a:r>
-            <a:r>
-              <a:rPr lang="en-US" sz="1200" b="1" i="0" u="none" strike="noStrike" baseline="0" dirty="0">
-                <a:solidFill>
-                  <a:srgbClr val="0000FF"/>
-                </a:solidFill>
-                <a:latin typeface="Courier New" panose="02070309020205020404" pitchFamily="49" charset="0"/>
-              </a:rPr>
-              <a:t>NOT</a:t>
-            </a:r>
-            <a:r>
-              <a:rPr lang="en-US" sz="1200" b="0" i="0" u="none" strike="noStrike" baseline="0" dirty="0">
-                <a:solidFill>
-                  <a:srgbClr val="000000"/>
-                </a:solidFill>
-                <a:latin typeface="Courier New" panose="02070309020205020404" pitchFamily="49" charset="0"/>
-              </a:rPr>
-              <a:t> </a:t>
-            </a:r>
-            <a:r>
-              <a:rPr lang="en-US" sz="1200" b="1" i="0" u="none" strike="noStrike" baseline="0" dirty="0">
-                <a:solidFill>
-                  <a:srgbClr val="0000FF"/>
-                </a:solidFill>
-                <a:latin typeface="Courier New" panose="02070309020205020404" pitchFamily="49" charset="0"/>
-              </a:rPr>
-              <a:t>NULL</a:t>
-            </a:r>
-            <a:r>
-              <a:rPr lang="en-US" sz="1200" b="0" i="0" u="none" strike="noStrike" baseline="0" dirty="0">
-                <a:solidFill>
-                  <a:srgbClr val="000000"/>
-                </a:solidFill>
-                <a:latin typeface="Courier New" panose="02070309020205020404" pitchFamily="49" charset="0"/>
-              </a:rPr>
-              <a:t> </a:t>
-            </a:r>
-            <a:r>
-              <a:rPr lang="en-US" sz="1200" b="1" i="0" u="none" strike="noStrike" baseline="0" dirty="0">
-                <a:solidFill>
-                  <a:srgbClr val="000000"/>
-                </a:solidFill>
-                <a:latin typeface="Courier New" panose="02070309020205020404" pitchFamily="49" charset="0"/>
-              </a:rPr>
-              <a:t>THEN</a:t>
-            </a:r>
-            <a:r>
-              <a:rPr lang="en-US" sz="1200" b="0" i="0" u="none" strike="noStrike" baseline="0" dirty="0">
-                <a:solidFill>
-                  <a:srgbClr val="000000"/>
-                </a:solidFill>
-                <a:latin typeface="Courier New" panose="02070309020205020404" pitchFamily="49" charset="0"/>
-              </a:rPr>
-              <a:t> </a:t>
-            </a:r>
-            <a:r>
-              <a:rPr lang="en-US" sz="1200" b="0" i="0" u="none" strike="noStrike" baseline="0" dirty="0">
-                <a:solidFill>
-                  <a:srgbClr val="008000"/>
-                </a:solidFill>
-                <a:latin typeface="Courier New" panose="02070309020205020404" pitchFamily="49" charset="0"/>
-              </a:rPr>
-              <a:t>'Film'</a:t>
-            </a:r>
-          </a:p>
-          <a:p>
-            <a:r>
-              <a:rPr lang="en-US" sz="1200" b="0" i="0" u="none" strike="noStrike" baseline="0" dirty="0">
-                <a:solidFill>
-                  <a:srgbClr val="000000"/>
-                </a:solidFill>
-                <a:latin typeface="Courier New" panose="02070309020205020404" pitchFamily="49" charset="0"/>
-              </a:rPr>
-              <a:t>           </a:t>
-            </a:r>
-            <a:r>
-              <a:rPr lang="en-US" sz="1200" b="1" i="0" u="none" strike="noStrike" baseline="0" dirty="0">
-                <a:solidFill>
-                  <a:srgbClr val="000000"/>
-                </a:solidFill>
-                <a:latin typeface="Courier New" panose="02070309020205020404" pitchFamily="49" charset="0"/>
-              </a:rPr>
-              <a:t>WHEN</a:t>
-            </a:r>
-            <a:r>
-              <a:rPr lang="en-US" sz="1200" b="0" i="0" u="none" strike="noStrike" baseline="0" dirty="0">
-                <a:solidFill>
-                  <a:srgbClr val="000000"/>
-                </a:solidFill>
-                <a:latin typeface="Courier New" panose="02070309020205020404" pitchFamily="49" charset="0"/>
-              </a:rPr>
-              <a:t> </a:t>
-            </a:r>
-            <a:r>
-              <a:rPr lang="en-US" sz="1200" b="0" i="0" u="none" strike="noStrike" baseline="0" dirty="0" err="1">
-                <a:solidFill>
-                  <a:srgbClr val="FF00FF"/>
-                </a:solidFill>
-                <a:latin typeface="Courier New" panose="02070309020205020404" pitchFamily="49" charset="0"/>
-              </a:rPr>
-              <a:t>books</a:t>
-            </a:r>
-            <a:r>
-              <a:rPr lang="en-US" sz="1200" b="0" i="0" u="none" strike="noStrike" baseline="0" dirty="0" err="1">
-                <a:solidFill>
-                  <a:srgbClr val="0000FF"/>
-                </a:solidFill>
-                <a:latin typeface="Courier New" panose="02070309020205020404" pitchFamily="49" charset="0"/>
-              </a:rPr>
-              <a:t>.</a:t>
-            </a:r>
-            <a:r>
-              <a:rPr lang="en-US" sz="1200" b="0" i="0" u="none" strike="noStrike" baseline="0" dirty="0" err="1">
-                <a:solidFill>
-                  <a:srgbClr val="808000"/>
-                </a:solidFill>
-                <a:latin typeface="Courier New" panose="02070309020205020404" pitchFamily="49" charset="0"/>
-              </a:rPr>
-              <a:t>mediaID</a:t>
-            </a:r>
-            <a:r>
-              <a:rPr lang="en-US" sz="1200" b="0" i="0" u="none" strike="noStrike" baseline="0" dirty="0">
-                <a:solidFill>
-                  <a:srgbClr val="000000"/>
-                </a:solidFill>
-                <a:latin typeface="Courier New" panose="02070309020205020404" pitchFamily="49" charset="0"/>
-              </a:rPr>
-              <a:t> </a:t>
-            </a:r>
-            <a:r>
-              <a:rPr lang="en-US" sz="1200" b="1" i="0" u="none" strike="noStrike" baseline="0" dirty="0">
-                <a:solidFill>
-                  <a:srgbClr val="0000FF"/>
-                </a:solidFill>
-                <a:latin typeface="Courier New" panose="02070309020205020404" pitchFamily="49" charset="0"/>
-              </a:rPr>
-              <a:t>IS</a:t>
-            </a:r>
-            <a:r>
-              <a:rPr lang="en-US" sz="1200" b="0" i="0" u="none" strike="noStrike" baseline="0" dirty="0">
-                <a:solidFill>
-                  <a:srgbClr val="000000"/>
-                </a:solidFill>
-                <a:latin typeface="Courier New" panose="02070309020205020404" pitchFamily="49" charset="0"/>
-              </a:rPr>
-              <a:t> </a:t>
-            </a:r>
-            <a:r>
-              <a:rPr lang="en-US" sz="1200" b="1" i="0" u="none" strike="noStrike" baseline="0" dirty="0">
-                <a:solidFill>
-                  <a:srgbClr val="0000FF"/>
-                </a:solidFill>
-                <a:latin typeface="Courier New" panose="02070309020205020404" pitchFamily="49" charset="0"/>
-              </a:rPr>
-              <a:t>NOT</a:t>
-            </a:r>
-            <a:r>
-              <a:rPr lang="en-US" sz="1200" b="0" i="0" u="none" strike="noStrike" baseline="0" dirty="0">
-                <a:solidFill>
-                  <a:srgbClr val="000000"/>
-                </a:solidFill>
-                <a:latin typeface="Courier New" panose="02070309020205020404" pitchFamily="49" charset="0"/>
-              </a:rPr>
-              <a:t> </a:t>
-            </a:r>
-            <a:r>
-              <a:rPr lang="en-US" sz="1200" b="1" i="0" u="none" strike="noStrike" baseline="0" dirty="0">
-                <a:solidFill>
-                  <a:srgbClr val="0000FF"/>
-                </a:solidFill>
-                <a:latin typeface="Courier New" panose="02070309020205020404" pitchFamily="49" charset="0"/>
-              </a:rPr>
-              <a:t>NULL</a:t>
-            </a:r>
-            <a:r>
-              <a:rPr lang="en-US" sz="1200" b="0" i="0" u="none" strike="noStrike" baseline="0" dirty="0">
-                <a:solidFill>
-                  <a:srgbClr val="000000"/>
-                </a:solidFill>
-                <a:latin typeface="Courier New" panose="02070309020205020404" pitchFamily="49" charset="0"/>
-              </a:rPr>
-              <a:t> </a:t>
-            </a:r>
-            <a:r>
-              <a:rPr lang="en-US" sz="1200" b="1" i="0" u="none" strike="noStrike" baseline="0" dirty="0">
-                <a:solidFill>
-                  <a:srgbClr val="000000"/>
-                </a:solidFill>
-                <a:latin typeface="Courier New" panose="02070309020205020404" pitchFamily="49" charset="0"/>
-              </a:rPr>
-              <a:t>THEN</a:t>
-            </a:r>
-            <a:r>
-              <a:rPr lang="en-US" sz="1200" b="0" i="0" u="none" strike="noStrike" baseline="0" dirty="0">
-                <a:solidFill>
-                  <a:srgbClr val="000000"/>
-                </a:solidFill>
-                <a:latin typeface="Courier New" panose="02070309020205020404" pitchFamily="49" charset="0"/>
-              </a:rPr>
-              <a:t> </a:t>
-            </a:r>
-            <a:r>
-              <a:rPr lang="en-US" sz="1200" b="0" i="0" u="none" strike="noStrike" baseline="0" dirty="0">
-                <a:solidFill>
-                  <a:srgbClr val="008000"/>
-                </a:solidFill>
-                <a:latin typeface="Courier New" panose="02070309020205020404" pitchFamily="49" charset="0"/>
-              </a:rPr>
-              <a:t>'Book'</a:t>
-            </a:r>
-          </a:p>
-          <a:p>
-            <a:r>
-              <a:rPr lang="en-US" sz="1200" b="0" i="0" u="none" strike="noStrike" baseline="0" dirty="0">
-                <a:solidFill>
-                  <a:srgbClr val="000000"/>
-                </a:solidFill>
-                <a:latin typeface="Courier New" panose="02070309020205020404" pitchFamily="49" charset="0"/>
-              </a:rPr>
-              <a:t>           </a:t>
-            </a:r>
-            <a:r>
-              <a:rPr lang="en-US" sz="1200" b="1" i="0" u="none" strike="noStrike" baseline="0" dirty="0">
-                <a:solidFill>
-                  <a:srgbClr val="000000"/>
-                </a:solidFill>
-                <a:latin typeface="Courier New" panose="02070309020205020404" pitchFamily="49" charset="0"/>
-              </a:rPr>
-              <a:t>WHEN</a:t>
-            </a:r>
-            <a:r>
-              <a:rPr lang="en-US" sz="1200" b="0" i="0" u="none" strike="noStrike" baseline="0" dirty="0">
-                <a:solidFill>
-                  <a:srgbClr val="000000"/>
-                </a:solidFill>
-                <a:latin typeface="Courier New" panose="02070309020205020404" pitchFamily="49" charset="0"/>
-              </a:rPr>
-              <a:t> </a:t>
-            </a:r>
-            <a:r>
-              <a:rPr lang="en-US" sz="1200" b="0" i="0" u="none" strike="noStrike" baseline="0" dirty="0" err="1">
-                <a:solidFill>
-                  <a:srgbClr val="FF00FF"/>
-                </a:solidFill>
-                <a:latin typeface="Courier New" panose="02070309020205020404" pitchFamily="49" charset="0"/>
-              </a:rPr>
-              <a:t>series</a:t>
-            </a:r>
-            <a:r>
-              <a:rPr lang="en-US" sz="1200" b="0" i="0" u="none" strike="noStrike" baseline="0" dirty="0" err="1">
-                <a:solidFill>
-                  <a:srgbClr val="0000FF"/>
-                </a:solidFill>
-                <a:latin typeface="Courier New" panose="02070309020205020404" pitchFamily="49" charset="0"/>
-              </a:rPr>
-              <a:t>.</a:t>
-            </a:r>
-            <a:r>
-              <a:rPr lang="en-US" sz="1200" b="0" i="0" u="none" strike="noStrike" baseline="0" dirty="0" err="1">
-                <a:solidFill>
-                  <a:srgbClr val="808000"/>
-                </a:solidFill>
-                <a:latin typeface="Courier New" panose="02070309020205020404" pitchFamily="49" charset="0"/>
-              </a:rPr>
-              <a:t>mediaID</a:t>
-            </a:r>
-            <a:r>
-              <a:rPr lang="en-US" sz="1200" b="0" i="0" u="none" strike="noStrike" baseline="0" dirty="0">
-                <a:solidFill>
-                  <a:srgbClr val="000000"/>
-                </a:solidFill>
-                <a:latin typeface="Courier New" panose="02070309020205020404" pitchFamily="49" charset="0"/>
-              </a:rPr>
-              <a:t> </a:t>
-            </a:r>
-            <a:r>
-              <a:rPr lang="en-US" sz="1200" b="1" i="0" u="none" strike="noStrike" baseline="0" dirty="0">
-                <a:solidFill>
-                  <a:srgbClr val="0000FF"/>
-                </a:solidFill>
-                <a:latin typeface="Courier New" panose="02070309020205020404" pitchFamily="49" charset="0"/>
-              </a:rPr>
-              <a:t>IS</a:t>
-            </a:r>
-            <a:r>
-              <a:rPr lang="en-US" sz="1200" b="0" i="0" u="none" strike="noStrike" baseline="0" dirty="0">
-                <a:solidFill>
-                  <a:srgbClr val="000000"/>
-                </a:solidFill>
-                <a:latin typeface="Courier New" panose="02070309020205020404" pitchFamily="49" charset="0"/>
-              </a:rPr>
-              <a:t> </a:t>
-            </a:r>
-            <a:r>
-              <a:rPr lang="en-US" sz="1200" b="1" i="0" u="none" strike="noStrike" baseline="0" dirty="0">
-                <a:solidFill>
-                  <a:srgbClr val="0000FF"/>
-                </a:solidFill>
-                <a:latin typeface="Courier New" panose="02070309020205020404" pitchFamily="49" charset="0"/>
-              </a:rPr>
-              <a:t>NOT</a:t>
-            </a:r>
-            <a:r>
-              <a:rPr lang="en-US" sz="1200" b="0" i="0" u="none" strike="noStrike" baseline="0" dirty="0">
-                <a:solidFill>
-                  <a:srgbClr val="000000"/>
-                </a:solidFill>
-                <a:latin typeface="Courier New" panose="02070309020205020404" pitchFamily="49" charset="0"/>
-              </a:rPr>
-              <a:t> </a:t>
-            </a:r>
-            <a:r>
-              <a:rPr lang="en-US" sz="1200" b="1" i="0" u="none" strike="noStrike" baseline="0" dirty="0">
-                <a:solidFill>
-                  <a:srgbClr val="0000FF"/>
-                </a:solidFill>
-                <a:latin typeface="Courier New" panose="02070309020205020404" pitchFamily="49" charset="0"/>
-              </a:rPr>
-              <a:t>NULL</a:t>
-            </a:r>
-            <a:r>
-              <a:rPr lang="en-US" sz="1200" b="0" i="0" u="none" strike="noStrike" baseline="0" dirty="0">
-                <a:solidFill>
-                  <a:srgbClr val="000000"/>
-                </a:solidFill>
-                <a:latin typeface="Courier New" panose="02070309020205020404" pitchFamily="49" charset="0"/>
-              </a:rPr>
-              <a:t> </a:t>
-            </a:r>
-            <a:r>
-              <a:rPr lang="en-US" sz="1200" b="1" i="0" u="none" strike="noStrike" baseline="0" dirty="0">
-                <a:solidFill>
-                  <a:srgbClr val="000000"/>
-                </a:solidFill>
-                <a:latin typeface="Courier New" panose="02070309020205020404" pitchFamily="49" charset="0"/>
-              </a:rPr>
-              <a:t>THEN</a:t>
-            </a:r>
-            <a:r>
-              <a:rPr lang="en-US" sz="1200" b="0" i="0" u="none" strike="noStrike" baseline="0" dirty="0">
-                <a:solidFill>
-                  <a:srgbClr val="000000"/>
-                </a:solidFill>
-                <a:latin typeface="Courier New" panose="02070309020205020404" pitchFamily="49" charset="0"/>
-              </a:rPr>
-              <a:t> </a:t>
-            </a:r>
-            <a:r>
-              <a:rPr lang="en-US" sz="1200" b="0" i="0" u="none" strike="noStrike" baseline="0" dirty="0">
-                <a:solidFill>
-                  <a:srgbClr val="008000"/>
-                </a:solidFill>
-                <a:latin typeface="Courier New" panose="02070309020205020404" pitchFamily="49" charset="0"/>
-              </a:rPr>
-              <a:t>'Series'</a:t>
-            </a:r>
-          </a:p>
-          <a:p>
-            <a:r>
-              <a:rPr lang="de-DE" sz="1200" b="0" i="0" u="none" strike="noStrike" baseline="0" dirty="0">
-                <a:solidFill>
-                  <a:srgbClr val="000000"/>
-                </a:solidFill>
-                <a:latin typeface="Courier New" panose="02070309020205020404" pitchFamily="49" charset="0"/>
-              </a:rPr>
-              <a:t>       </a:t>
-            </a:r>
-            <a:r>
-              <a:rPr lang="de-DE" sz="1200" b="1" i="0" u="none" strike="noStrike" baseline="0" dirty="0">
-                <a:solidFill>
-                  <a:srgbClr val="0000FF"/>
-                </a:solidFill>
-                <a:latin typeface="Courier New" panose="02070309020205020404" pitchFamily="49" charset="0"/>
-              </a:rPr>
-              <a:t>END</a:t>
-            </a:r>
-            <a:r>
-              <a:rPr lang="de-DE" sz="1200" b="0" i="0" u="none" strike="noStrike" baseline="0" dirty="0">
-                <a:solidFill>
-                  <a:srgbClr val="000000"/>
-                </a:solidFill>
-                <a:latin typeface="Courier New" panose="02070309020205020404" pitchFamily="49" charset="0"/>
-              </a:rPr>
-              <a:t> </a:t>
-            </a:r>
-            <a:r>
-              <a:rPr lang="de-DE" sz="1200" b="1" i="0" u="none" strike="noStrike" baseline="0" dirty="0">
-                <a:solidFill>
-                  <a:srgbClr val="0000FF"/>
-                </a:solidFill>
-                <a:latin typeface="Courier New" panose="02070309020205020404" pitchFamily="49" charset="0"/>
-              </a:rPr>
-              <a:t>AS</a:t>
-            </a:r>
-            <a:r>
-              <a:rPr lang="de-DE" sz="1200" b="0" i="0" u="none" strike="noStrike" baseline="0" dirty="0">
-                <a:solidFill>
-                  <a:srgbClr val="000000"/>
-                </a:solidFill>
-                <a:latin typeface="Courier New" panose="02070309020205020404" pitchFamily="49" charset="0"/>
-              </a:rPr>
-              <a:t> </a:t>
-            </a:r>
-            <a:r>
-              <a:rPr lang="de-DE" sz="1200" b="0" i="0" u="none" strike="noStrike" baseline="0" dirty="0" err="1">
-                <a:solidFill>
-                  <a:srgbClr val="808000"/>
-                </a:solidFill>
-                <a:latin typeface="Courier New" panose="02070309020205020404" pitchFamily="49" charset="0"/>
-              </a:rPr>
-              <a:t>media_type</a:t>
-            </a:r>
-            <a:endParaRPr lang="de-DE" sz="1200" b="0" i="0" u="none" strike="noStrike" baseline="0" dirty="0">
-              <a:solidFill>
-                <a:srgbClr val="808000"/>
-              </a:solidFill>
-              <a:latin typeface="Courier New" panose="02070309020205020404" pitchFamily="49" charset="0"/>
-            </a:endParaRPr>
-          </a:p>
-          <a:p>
-            <a:r>
-              <a:rPr lang="de-DE" sz="1200" b="1" i="0" u="none" strike="noStrike" baseline="0" dirty="0">
-                <a:solidFill>
-                  <a:srgbClr val="0000FF"/>
-                </a:solidFill>
-                <a:latin typeface="Courier New" panose="02070309020205020404" pitchFamily="49" charset="0"/>
-              </a:rPr>
-              <a:t>FROM</a:t>
-            </a:r>
-            <a:r>
-              <a:rPr lang="de-DE" sz="1200" b="0" i="0" u="none" strike="noStrike" baseline="0" dirty="0">
-                <a:solidFill>
-                  <a:srgbClr val="000000"/>
-                </a:solidFill>
-                <a:latin typeface="Courier New" panose="02070309020205020404" pitchFamily="49" charset="0"/>
-              </a:rPr>
-              <a:t> </a:t>
-            </a:r>
-            <a:r>
-              <a:rPr lang="de-DE" sz="1200" b="0" i="0" u="none" strike="noStrike" baseline="0" dirty="0">
-                <a:solidFill>
-                  <a:srgbClr val="FF00FF"/>
-                </a:solidFill>
-                <a:latin typeface="Courier New" panose="02070309020205020404" pitchFamily="49" charset="0"/>
-              </a:rPr>
-              <a:t>media</a:t>
-            </a:r>
-          </a:p>
-          <a:p>
-            <a:r>
-              <a:rPr lang="en-US" sz="1200" b="1" i="0" u="none" strike="noStrike" baseline="0" dirty="0">
-                <a:solidFill>
-                  <a:srgbClr val="000080"/>
-                </a:solidFill>
-                <a:latin typeface="Courier New" panose="02070309020205020404" pitchFamily="49" charset="0"/>
-              </a:rPr>
-              <a:t>LEFT</a:t>
-            </a:r>
-            <a:r>
-              <a:rPr lang="en-US" sz="1200" b="0" i="0" u="none" strike="noStrike" baseline="0" dirty="0">
-                <a:solidFill>
-                  <a:srgbClr val="000000"/>
-                </a:solidFill>
-                <a:latin typeface="Courier New" panose="02070309020205020404" pitchFamily="49" charset="0"/>
-              </a:rPr>
-              <a:t> </a:t>
-            </a:r>
-            <a:r>
-              <a:rPr lang="en-US" sz="1200" b="1" i="0" u="none" strike="noStrike" baseline="0" dirty="0">
-                <a:solidFill>
-                  <a:srgbClr val="0000FF"/>
-                </a:solidFill>
-                <a:latin typeface="Courier New" panose="02070309020205020404" pitchFamily="49" charset="0"/>
-              </a:rPr>
-              <a:t>JOIN</a:t>
-            </a:r>
-            <a:r>
-              <a:rPr lang="en-US" sz="1200" b="0" i="0" u="none" strike="noStrike" baseline="0" dirty="0">
-                <a:solidFill>
-                  <a:srgbClr val="000000"/>
-                </a:solidFill>
-                <a:latin typeface="Courier New" panose="02070309020205020404" pitchFamily="49" charset="0"/>
-              </a:rPr>
-              <a:t> </a:t>
-            </a:r>
-            <a:r>
-              <a:rPr lang="en-US" sz="1200" b="0" i="0" u="none" strike="noStrike" baseline="0" dirty="0">
-                <a:solidFill>
-                  <a:srgbClr val="FF00FF"/>
-                </a:solidFill>
-                <a:latin typeface="Courier New" panose="02070309020205020404" pitchFamily="49" charset="0"/>
-              </a:rPr>
-              <a:t>music</a:t>
-            </a:r>
-            <a:r>
-              <a:rPr lang="en-US" sz="1200" b="0" i="0" u="none" strike="noStrike" baseline="0" dirty="0">
-                <a:solidFill>
-                  <a:srgbClr val="000000"/>
-                </a:solidFill>
-                <a:latin typeface="Courier New" panose="02070309020205020404" pitchFamily="49" charset="0"/>
-              </a:rPr>
-              <a:t> </a:t>
-            </a:r>
-            <a:r>
-              <a:rPr lang="en-US" sz="1200" b="1" i="0" u="none" strike="noStrike" baseline="0" dirty="0">
-                <a:solidFill>
-                  <a:srgbClr val="0000FF"/>
-                </a:solidFill>
-                <a:latin typeface="Courier New" panose="02070309020205020404" pitchFamily="49" charset="0"/>
-              </a:rPr>
-              <a:t>ON</a:t>
-            </a:r>
-            <a:r>
-              <a:rPr lang="en-US" sz="1200" b="0" i="0" u="none" strike="noStrike" baseline="0" dirty="0">
-                <a:solidFill>
-                  <a:srgbClr val="000000"/>
-                </a:solidFill>
-                <a:latin typeface="Courier New" panose="02070309020205020404" pitchFamily="49" charset="0"/>
-              </a:rPr>
-              <a:t> </a:t>
-            </a:r>
-            <a:r>
-              <a:rPr lang="en-US" sz="1200" b="0" i="0" u="none" strike="noStrike" baseline="0" dirty="0" err="1">
-                <a:solidFill>
-                  <a:srgbClr val="FF00FF"/>
-                </a:solidFill>
-                <a:latin typeface="Courier New" panose="02070309020205020404" pitchFamily="49" charset="0"/>
-              </a:rPr>
-              <a:t>media</a:t>
-            </a:r>
-            <a:r>
-              <a:rPr lang="en-US" sz="1200" b="0" i="0" u="none" strike="noStrike" baseline="0" dirty="0" err="1">
-                <a:solidFill>
-                  <a:srgbClr val="0000FF"/>
-                </a:solidFill>
-                <a:latin typeface="Courier New" panose="02070309020205020404" pitchFamily="49" charset="0"/>
-              </a:rPr>
-              <a:t>.</a:t>
-            </a:r>
-            <a:r>
-              <a:rPr lang="en-US" sz="1200" b="0" i="0" u="none" strike="noStrike" baseline="0" dirty="0" err="1">
-                <a:solidFill>
-                  <a:srgbClr val="808000"/>
-                </a:solidFill>
-                <a:latin typeface="Courier New" panose="02070309020205020404" pitchFamily="49" charset="0"/>
-              </a:rPr>
-              <a:t>mediaID</a:t>
-            </a:r>
-            <a:r>
-              <a:rPr lang="en-US" sz="1200" b="0" i="0" u="none" strike="noStrike" baseline="0" dirty="0">
-                <a:solidFill>
-                  <a:srgbClr val="000000"/>
-                </a:solidFill>
-                <a:latin typeface="Courier New" panose="02070309020205020404" pitchFamily="49" charset="0"/>
-              </a:rPr>
-              <a:t> </a:t>
-            </a:r>
-            <a:r>
-              <a:rPr lang="en-US" sz="1200" b="0" i="0" u="none" strike="noStrike" baseline="0" dirty="0">
-                <a:solidFill>
-                  <a:srgbClr val="0000FF"/>
-                </a:solidFill>
-                <a:latin typeface="Courier New" panose="02070309020205020404" pitchFamily="49" charset="0"/>
-              </a:rPr>
-              <a:t>=</a:t>
-            </a:r>
-            <a:r>
-              <a:rPr lang="en-US" sz="1200" b="0" i="0" u="none" strike="noStrike" baseline="0" dirty="0">
-                <a:solidFill>
-                  <a:srgbClr val="000000"/>
-                </a:solidFill>
-                <a:latin typeface="Courier New" panose="02070309020205020404" pitchFamily="49" charset="0"/>
-              </a:rPr>
-              <a:t> </a:t>
-            </a:r>
-            <a:r>
-              <a:rPr lang="en-US" sz="1200" b="0" i="0" u="none" strike="noStrike" baseline="0" dirty="0" err="1">
-                <a:solidFill>
-                  <a:srgbClr val="FF00FF"/>
-                </a:solidFill>
-                <a:latin typeface="Courier New" panose="02070309020205020404" pitchFamily="49" charset="0"/>
-              </a:rPr>
-              <a:t>music</a:t>
-            </a:r>
-            <a:r>
-              <a:rPr lang="en-US" sz="1200" b="0" i="0" u="none" strike="noStrike" baseline="0" dirty="0" err="1">
-                <a:solidFill>
-                  <a:srgbClr val="0000FF"/>
-                </a:solidFill>
-                <a:latin typeface="Courier New" panose="02070309020205020404" pitchFamily="49" charset="0"/>
-              </a:rPr>
-              <a:t>.</a:t>
-            </a:r>
-            <a:r>
-              <a:rPr lang="en-US" sz="1200" b="0" i="0" u="none" strike="noStrike" baseline="0" dirty="0" err="1">
-                <a:solidFill>
-                  <a:srgbClr val="808000"/>
-                </a:solidFill>
-                <a:latin typeface="Courier New" panose="02070309020205020404" pitchFamily="49" charset="0"/>
-              </a:rPr>
-              <a:t>mediaID</a:t>
-            </a:r>
-            <a:endParaRPr lang="en-US" sz="1200" b="0" i="0" u="none" strike="noStrike" baseline="0" dirty="0">
-              <a:solidFill>
-                <a:srgbClr val="808000"/>
-              </a:solidFill>
-              <a:latin typeface="Courier New" panose="02070309020205020404" pitchFamily="49" charset="0"/>
-            </a:endParaRPr>
-          </a:p>
-          <a:p>
-            <a:r>
-              <a:rPr lang="en-US" sz="1200" b="1" i="0" u="none" strike="noStrike" baseline="0" dirty="0">
-                <a:solidFill>
-                  <a:srgbClr val="000080"/>
-                </a:solidFill>
-                <a:latin typeface="Courier New" panose="02070309020205020404" pitchFamily="49" charset="0"/>
-              </a:rPr>
-              <a:t>LEFT</a:t>
-            </a:r>
-            <a:r>
-              <a:rPr lang="en-US" sz="1200" b="0" i="0" u="none" strike="noStrike" baseline="0" dirty="0">
-                <a:solidFill>
-                  <a:srgbClr val="000000"/>
-                </a:solidFill>
-                <a:latin typeface="Courier New" panose="02070309020205020404" pitchFamily="49" charset="0"/>
-              </a:rPr>
-              <a:t> </a:t>
-            </a:r>
-            <a:r>
-              <a:rPr lang="en-US" sz="1200" b="1" i="0" u="none" strike="noStrike" baseline="0" dirty="0">
-                <a:solidFill>
-                  <a:srgbClr val="0000FF"/>
-                </a:solidFill>
-                <a:latin typeface="Courier New" panose="02070309020205020404" pitchFamily="49" charset="0"/>
-              </a:rPr>
-              <a:t>JOIN</a:t>
-            </a:r>
-            <a:r>
-              <a:rPr lang="en-US" sz="1200" b="0" i="0" u="none" strike="noStrike" baseline="0" dirty="0">
-                <a:solidFill>
-                  <a:srgbClr val="000000"/>
-                </a:solidFill>
-                <a:latin typeface="Courier New" panose="02070309020205020404" pitchFamily="49" charset="0"/>
-              </a:rPr>
-              <a:t> </a:t>
-            </a:r>
-            <a:r>
-              <a:rPr lang="en-US" sz="1200" b="0" i="0" u="none" strike="noStrike" baseline="0" dirty="0">
-                <a:solidFill>
-                  <a:srgbClr val="FF00FF"/>
-                </a:solidFill>
-                <a:latin typeface="Courier New" panose="02070309020205020404" pitchFamily="49" charset="0"/>
-              </a:rPr>
-              <a:t>films</a:t>
-            </a:r>
-            <a:r>
-              <a:rPr lang="en-US" sz="1200" b="0" i="0" u="none" strike="noStrike" baseline="0" dirty="0">
-                <a:solidFill>
-                  <a:srgbClr val="000000"/>
-                </a:solidFill>
-                <a:latin typeface="Courier New" panose="02070309020205020404" pitchFamily="49" charset="0"/>
-              </a:rPr>
-              <a:t> </a:t>
-            </a:r>
-            <a:r>
-              <a:rPr lang="en-US" sz="1200" b="1" i="0" u="none" strike="noStrike" baseline="0" dirty="0">
-                <a:solidFill>
-                  <a:srgbClr val="0000FF"/>
-                </a:solidFill>
-                <a:latin typeface="Courier New" panose="02070309020205020404" pitchFamily="49" charset="0"/>
-              </a:rPr>
-              <a:t>ON</a:t>
-            </a:r>
-            <a:r>
-              <a:rPr lang="en-US" sz="1200" b="0" i="0" u="none" strike="noStrike" baseline="0" dirty="0">
-                <a:solidFill>
-                  <a:srgbClr val="000000"/>
-                </a:solidFill>
-                <a:latin typeface="Courier New" panose="02070309020205020404" pitchFamily="49" charset="0"/>
-              </a:rPr>
-              <a:t> </a:t>
-            </a:r>
-            <a:r>
-              <a:rPr lang="en-US" sz="1200" b="0" i="0" u="none" strike="noStrike" baseline="0" dirty="0" err="1">
-                <a:solidFill>
-                  <a:srgbClr val="FF00FF"/>
-                </a:solidFill>
-                <a:latin typeface="Courier New" panose="02070309020205020404" pitchFamily="49" charset="0"/>
-              </a:rPr>
-              <a:t>media</a:t>
-            </a:r>
-            <a:r>
-              <a:rPr lang="en-US" sz="1200" b="0" i="0" u="none" strike="noStrike" baseline="0" dirty="0" err="1">
-                <a:solidFill>
-                  <a:srgbClr val="0000FF"/>
-                </a:solidFill>
-                <a:latin typeface="Courier New" panose="02070309020205020404" pitchFamily="49" charset="0"/>
-              </a:rPr>
-              <a:t>.</a:t>
-            </a:r>
-            <a:r>
-              <a:rPr lang="en-US" sz="1200" b="0" i="0" u="none" strike="noStrike" baseline="0" dirty="0" err="1">
-                <a:solidFill>
-                  <a:srgbClr val="808000"/>
-                </a:solidFill>
-                <a:latin typeface="Courier New" panose="02070309020205020404" pitchFamily="49" charset="0"/>
-              </a:rPr>
-              <a:t>mediaID</a:t>
-            </a:r>
-            <a:r>
-              <a:rPr lang="en-US" sz="1200" b="0" i="0" u="none" strike="noStrike" baseline="0" dirty="0">
-                <a:solidFill>
-                  <a:srgbClr val="000000"/>
-                </a:solidFill>
-                <a:latin typeface="Courier New" panose="02070309020205020404" pitchFamily="49" charset="0"/>
-              </a:rPr>
-              <a:t> </a:t>
-            </a:r>
-            <a:r>
-              <a:rPr lang="en-US" sz="1200" b="0" i="0" u="none" strike="noStrike" baseline="0" dirty="0">
-                <a:solidFill>
-                  <a:srgbClr val="0000FF"/>
-                </a:solidFill>
-                <a:latin typeface="Courier New" panose="02070309020205020404" pitchFamily="49" charset="0"/>
-              </a:rPr>
-              <a:t>=</a:t>
-            </a:r>
-            <a:r>
-              <a:rPr lang="en-US" sz="1200" b="0" i="0" u="none" strike="noStrike" baseline="0" dirty="0">
-                <a:solidFill>
-                  <a:srgbClr val="000000"/>
-                </a:solidFill>
-                <a:latin typeface="Courier New" panose="02070309020205020404" pitchFamily="49" charset="0"/>
-              </a:rPr>
-              <a:t> </a:t>
-            </a:r>
-            <a:r>
-              <a:rPr lang="en-US" sz="1200" b="0" i="0" u="none" strike="noStrike" baseline="0" dirty="0" err="1">
-                <a:solidFill>
-                  <a:srgbClr val="FF00FF"/>
-                </a:solidFill>
-                <a:latin typeface="Courier New" panose="02070309020205020404" pitchFamily="49" charset="0"/>
-              </a:rPr>
-              <a:t>films</a:t>
-            </a:r>
-            <a:r>
-              <a:rPr lang="en-US" sz="1200" b="0" i="0" u="none" strike="noStrike" baseline="0" dirty="0" err="1">
-                <a:solidFill>
-                  <a:srgbClr val="0000FF"/>
-                </a:solidFill>
-                <a:latin typeface="Courier New" panose="02070309020205020404" pitchFamily="49" charset="0"/>
-              </a:rPr>
-              <a:t>.</a:t>
-            </a:r>
-            <a:r>
-              <a:rPr lang="en-US" sz="1200" b="0" i="0" u="none" strike="noStrike" baseline="0" dirty="0" err="1">
-                <a:solidFill>
-                  <a:srgbClr val="808000"/>
-                </a:solidFill>
-                <a:latin typeface="Courier New" panose="02070309020205020404" pitchFamily="49" charset="0"/>
-              </a:rPr>
-              <a:t>mediaID</a:t>
-            </a:r>
-            <a:endParaRPr lang="en-US" sz="1200" b="0" i="0" u="none" strike="noStrike" baseline="0" dirty="0">
-              <a:solidFill>
-                <a:srgbClr val="808000"/>
-              </a:solidFill>
-              <a:latin typeface="Courier New" panose="02070309020205020404" pitchFamily="49" charset="0"/>
-            </a:endParaRPr>
-          </a:p>
-          <a:p>
-            <a:r>
-              <a:rPr lang="en-US" sz="1200" b="1" i="0" u="none" strike="noStrike" baseline="0" dirty="0">
-                <a:solidFill>
-                  <a:srgbClr val="000080"/>
-                </a:solidFill>
-                <a:latin typeface="Courier New" panose="02070309020205020404" pitchFamily="49" charset="0"/>
-              </a:rPr>
-              <a:t>LEFT</a:t>
-            </a:r>
-            <a:r>
-              <a:rPr lang="en-US" sz="1200" b="0" i="0" u="none" strike="noStrike" baseline="0" dirty="0">
-                <a:solidFill>
-                  <a:srgbClr val="000000"/>
-                </a:solidFill>
-                <a:latin typeface="Courier New" panose="02070309020205020404" pitchFamily="49" charset="0"/>
-              </a:rPr>
-              <a:t> </a:t>
-            </a:r>
-            <a:r>
-              <a:rPr lang="en-US" sz="1200" b="1" i="0" u="none" strike="noStrike" baseline="0" dirty="0">
-                <a:solidFill>
-                  <a:srgbClr val="0000FF"/>
-                </a:solidFill>
-                <a:latin typeface="Courier New" panose="02070309020205020404" pitchFamily="49" charset="0"/>
-              </a:rPr>
-              <a:t>JOIN</a:t>
-            </a:r>
-            <a:r>
-              <a:rPr lang="en-US" sz="1200" b="0" i="0" u="none" strike="noStrike" baseline="0" dirty="0">
-                <a:solidFill>
-                  <a:srgbClr val="000000"/>
-                </a:solidFill>
-                <a:latin typeface="Courier New" panose="02070309020205020404" pitchFamily="49" charset="0"/>
-              </a:rPr>
-              <a:t> </a:t>
-            </a:r>
-            <a:r>
-              <a:rPr lang="en-US" sz="1200" b="0" i="0" u="none" strike="noStrike" baseline="0" dirty="0">
-                <a:solidFill>
-                  <a:srgbClr val="FF00FF"/>
-                </a:solidFill>
-                <a:latin typeface="Courier New" panose="02070309020205020404" pitchFamily="49" charset="0"/>
-              </a:rPr>
-              <a:t>books</a:t>
-            </a:r>
-            <a:r>
-              <a:rPr lang="en-US" sz="1200" b="0" i="0" u="none" strike="noStrike" baseline="0" dirty="0">
-                <a:solidFill>
-                  <a:srgbClr val="000000"/>
-                </a:solidFill>
-                <a:latin typeface="Courier New" panose="02070309020205020404" pitchFamily="49" charset="0"/>
-              </a:rPr>
-              <a:t> </a:t>
-            </a:r>
-            <a:r>
-              <a:rPr lang="en-US" sz="1200" b="1" i="0" u="none" strike="noStrike" baseline="0" dirty="0">
-                <a:solidFill>
-                  <a:srgbClr val="0000FF"/>
-                </a:solidFill>
-                <a:latin typeface="Courier New" panose="02070309020205020404" pitchFamily="49" charset="0"/>
-              </a:rPr>
-              <a:t>ON</a:t>
-            </a:r>
-            <a:r>
-              <a:rPr lang="en-US" sz="1200" b="0" i="0" u="none" strike="noStrike" baseline="0" dirty="0">
-                <a:solidFill>
-                  <a:srgbClr val="000000"/>
-                </a:solidFill>
-                <a:latin typeface="Courier New" panose="02070309020205020404" pitchFamily="49" charset="0"/>
-              </a:rPr>
-              <a:t> </a:t>
-            </a:r>
-            <a:r>
-              <a:rPr lang="en-US" sz="1200" b="0" i="0" u="none" strike="noStrike" baseline="0" dirty="0" err="1">
-                <a:solidFill>
-                  <a:srgbClr val="FF00FF"/>
-                </a:solidFill>
-                <a:latin typeface="Courier New" panose="02070309020205020404" pitchFamily="49" charset="0"/>
-              </a:rPr>
-              <a:t>media</a:t>
-            </a:r>
-            <a:r>
-              <a:rPr lang="en-US" sz="1200" b="0" i="0" u="none" strike="noStrike" baseline="0" dirty="0" err="1">
-                <a:solidFill>
-                  <a:srgbClr val="0000FF"/>
-                </a:solidFill>
-                <a:latin typeface="Courier New" panose="02070309020205020404" pitchFamily="49" charset="0"/>
-              </a:rPr>
-              <a:t>.</a:t>
-            </a:r>
-            <a:r>
-              <a:rPr lang="en-US" sz="1200" b="0" i="0" u="none" strike="noStrike" baseline="0" dirty="0" err="1">
-                <a:solidFill>
-                  <a:srgbClr val="808000"/>
-                </a:solidFill>
-                <a:latin typeface="Courier New" panose="02070309020205020404" pitchFamily="49" charset="0"/>
-              </a:rPr>
-              <a:t>mediaID</a:t>
-            </a:r>
-            <a:r>
-              <a:rPr lang="en-US" sz="1200" b="0" i="0" u="none" strike="noStrike" baseline="0" dirty="0">
-                <a:solidFill>
-                  <a:srgbClr val="000000"/>
-                </a:solidFill>
-                <a:latin typeface="Courier New" panose="02070309020205020404" pitchFamily="49" charset="0"/>
-              </a:rPr>
-              <a:t> </a:t>
-            </a:r>
-            <a:r>
-              <a:rPr lang="en-US" sz="1200" b="0" i="0" u="none" strike="noStrike" baseline="0" dirty="0">
-                <a:solidFill>
-                  <a:srgbClr val="0000FF"/>
-                </a:solidFill>
-                <a:latin typeface="Courier New" panose="02070309020205020404" pitchFamily="49" charset="0"/>
-              </a:rPr>
-              <a:t>=</a:t>
-            </a:r>
-            <a:r>
-              <a:rPr lang="en-US" sz="1200" b="0" i="0" u="none" strike="noStrike" baseline="0" dirty="0">
-                <a:solidFill>
-                  <a:srgbClr val="000000"/>
-                </a:solidFill>
-                <a:latin typeface="Courier New" panose="02070309020205020404" pitchFamily="49" charset="0"/>
-              </a:rPr>
-              <a:t> </a:t>
-            </a:r>
-            <a:r>
-              <a:rPr lang="en-US" sz="1200" b="0" i="0" u="none" strike="noStrike" baseline="0" dirty="0" err="1">
-                <a:solidFill>
-                  <a:srgbClr val="FF00FF"/>
-                </a:solidFill>
-                <a:latin typeface="Courier New" panose="02070309020205020404" pitchFamily="49" charset="0"/>
-              </a:rPr>
-              <a:t>books</a:t>
-            </a:r>
-            <a:r>
-              <a:rPr lang="en-US" sz="1200" b="0" i="0" u="none" strike="noStrike" baseline="0" dirty="0" err="1">
-                <a:solidFill>
-                  <a:srgbClr val="0000FF"/>
-                </a:solidFill>
-                <a:latin typeface="Courier New" panose="02070309020205020404" pitchFamily="49" charset="0"/>
-              </a:rPr>
-              <a:t>.</a:t>
-            </a:r>
-            <a:r>
-              <a:rPr lang="en-US" sz="1200" b="0" i="0" u="none" strike="noStrike" baseline="0" dirty="0" err="1">
-                <a:solidFill>
-                  <a:srgbClr val="808000"/>
-                </a:solidFill>
-                <a:latin typeface="Courier New" panose="02070309020205020404" pitchFamily="49" charset="0"/>
-              </a:rPr>
-              <a:t>mediaID</a:t>
-            </a:r>
-            <a:endParaRPr lang="en-US" sz="1200" b="0" i="0" u="none" strike="noStrike" baseline="0" dirty="0">
-              <a:solidFill>
-                <a:srgbClr val="808000"/>
-              </a:solidFill>
-              <a:latin typeface="Courier New" panose="02070309020205020404" pitchFamily="49" charset="0"/>
-            </a:endParaRPr>
-          </a:p>
-          <a:p>
-            <a:r>
-              <a:rPr lang="en-US" sz="1200" b="1" i="0" u="none" strike="noStrike" baseline="0" dirty="0">
-                <a:solidFill>
-                  <a:srgbClr val="000080"/>
-                </a:solidFill>
-                <a:latin typeface="Courier New" panose="02070309020205020404" pitchFamily="49" charset="0"/>
-              </a:rPr>
-              <a:t>LEFT</a:t>
-            </a:r>
-            <a:r>
-              <a:rPr lang="en-US" sz="1200" b="0" i="0" u="none" strike="noStrike" baseline="0" dirty="0">
-                <a:solidFill>
-                  <a:srgbClr val="000000"/>
-                </a:solidFill>
-                <a:latin typeface="Courier New" panose="02070309020205020404" pitchFamily="49" charset="0"/>
-              </a:rPr>
-              <a:t> </a:t>
-            </a:r>
-            <a:r>
-              <a:rPr lang="en-US" sz="1200" b="1" i="0" u="none" strike="noStrike" baseline="0" dirty="0">
-                <a:solidFill>
-                  <a:srgbClr val="0000FF"/>
-                </a:solidFill>
-                <a:latin typeface="Courier New" panose="02070309020205020404" pitchFamily="49" charset="0"/>
-              </a:rPr>
-              <a:t>JOIN</a:t>
-            </a:r>
-            <a:r>
-              <a:rPr lang="en-US" sz="1200" b="0" i="0" u="none" strike="noStrike" baseline="0" dirty="0">
-                <a:solidFill>
-                  <a:srgbClr val="000000"/>
-                </a:solidFill>
-                <a:latin typeface="Courier New" panose="02070309020205020404" pitchFamily="49" charset="0"/>
-              </a:rPr>
-              <a:t> </a:t>
-            </a:r>
-            <a:r>
-              <a:rPr lang="en-US" sz="1200" b="0" i="0" u="none" strike="noStrike" baseline="0" dirty="0">
-                <a:solidFill>
-                  <a:srgbClr val="FF00FF"/>
-                </a:solidFill>
-                <a:latin typeface="Courier New" panose="02070309020205020404" pitchFamily="49" charset="0"/>
-              </a:rPr>
-              <a:t>series</a:t>
-            </a:r>
-            <a:r>
-              <a:rPr lang="en-US" sz="1200" b="0" i="0" u="none" strike="noStrike" baseline="0" dirty="0">
-                <a:solidFill>
-                  <a:srgbClr val="000000"/>
-                </a:solidFill>
-                <a:latin typeface="Courier New" panose="02070309020205020404" pitchFamily="49" charset="0"/>
-              </a:rPr>
-              <a:t> </a:t>
-            </a:r>
-            <a:r>
-              <a:rPr lang="en-US" sz="1200" b="1" i="0" u="none" strike="noStrike" baseline="0" dirty="0">
-                <a:solidFill>
-                  <a:srgbClr val="0000FF"/>
-                </a:solidFill>
-                <a:latin typeface="Courier New" panose="02070309020205020404" pitchFamily="49" charset="0"/>
-              </a:rPr>
-              <a:t>ON</a:t>
-            </a:r>
-            <a:r>
-              <a:rPr lang="en-US" sz="1200" b="0" i="0" u="none" strike="noStrike" baseline="0" dirty="0">
-                <a:solidFill>
-                  <a:srgbClr val="000000"/>
-                </a:solidFill>
-                <a:latin typeface="Courier New" panose="02070309020205020404" pitchFamily="49" charset="0"/>
-              </a:rPr>
-              <a:t> </a:t>
-            </a:r>
-            <a:r>
-              <a:rPr lang="en-US" sz="1200" b="0" i="0" u="none" strike="noStrike" baseline="0" dirty="0" err="1">
-                <a:solidFill>
-                  <a:srgbClr val="FF00FF"/>
-                </a:solidFill>
-                <a:latin typeface="Courier New" panose="02070309020205020404" pitchFamily="49" charset="0"/>
-              </a:rPr>
-              <a:t>media</a:t>
-            </a:r>
-            <a:r>
-              <a:rPr lang="en-US" sz="1200" b="0" i="0" u="none" strike="noStrike" baseline="0" dirty="0" err="1">
-                <a:solidFill>
-                  <a:srgbClr val="0000FF"/>
-                </a:solidFill>
-                <a:latin typeface="Courier New" panose="02070309020205020404" pitchFamily="49" charset="0"/>
-              </a:rPr>
-              <a:t>.</a:t>
-            </a:r>
-            <a:r>
-              <a:rPr lang="en-US" sz="1200" b="0" i="0" u="none" strike="noStrike" baseline="0" dirty="0" err="1">
-                <a:solidFill>
-                  <a:srgbClr val="808000"/>
-                </a:solidFill>
-                <a:latin typeface="Courier New" panose="02070309020205020404" pitchFamily="49" charset="0"/>
-              </a:rPr>
-              <a:t>mediaID</a:t>
-            </a:r>
-            <a:r>
-              <a:rPr lang="en-US" sz="1200" b="0" i="0" u="none" strike="noStrike" baseline="0" dirty="0">
-                <a:solidFill>
-                  <a:srgbClr val="000000"/>
-                </a:solidFill>
-                <a:latin typeface="Courier New" panose="02070309020205020404" pitchFamily="49" charset="0"/>
-              </a:rPr>
-              <a:t> </a:t>
-            </a:r>
-            <a:r>
-              <a:rPr lang="en-US" sz="1200" b="0" i="0" u="none" strike="noStrike" baseline="0" dirty="0">
-                <a:solidFill>
-                  <a:srgbClr val="0000FF"/>
-                </a:solidFill>
-                <a:latin typeface="Courier New" panose="02070309020205020404" pitchFamily="49" charset="0"/>
-              </a:rPr>
-              <a:t>=</a:t>
-            </a:r>
-            <a:r>
-              <a:rPr lang="en-US" sz="1200" b="0" i="0" u="none" strike="noStrike" baseline="0" dirty="0">
-                <a:solidFill>
-                  <a:srgbClr val="000000"/>
-                </a:solidFill>
-                <a:latin typeface="Courier New" panose="02070309020205020404" pitchFamily="49" charset="0"/>
-              </a:rPr>
-              <a:t> </a:t>
-            </a:r>
-            <a:r>
-              <a:rPr lang="en-US" sz="1200" b="0" i="0" u="none" strike="noStrike" baseline="0" dirty="0" err="1">
-                <a:solidFill>
-                  <a:srgbClr val="FF00FF"/>
-                </a:solidFill>
-                <a:latin typeface="Courier New" panose="02070309020205020404" pitchFamily="49" charset="0"/>
-              </a:rPr>
-              <a:t>series</a:t>
-            </a:r>
-            <a:r>
-              <a:rPr lang="en-US" sz="1200" b="0" i="0" u="none" strike="noStrike" baseline="0" dirty="0" err="1">
-                <a:solidFill>
-                  <a:srgbClr val="0000FF"/>
-                </a:solidFill>
-                <a:latin typeface="Courier New" panose="02070309020205020404" pitchFamily="49" charset="0"/>
-              </a:rPr>
-              <a:t>.</a:t>
-            </a:r>
-            <a:r>
-              <a:rPr lang="en-US" sz="1200" b="0" i="0" u="none" strike="noStrike" baseline="0" dirty="0" err="1">
-                <a:solidFill>
-                  <a:srgbClr val="808000"/>
-                </a:solidFill>
-                <a:latin typeface="Courier New" panose="02070309020205020404" pitchFamily="49" charset="0"/>
-              </a:rPr>
-              <a:t>mediaID</a:t>
-            </a:r>
-            <a:r>
-              <a:rPr lang="en-US" sz="1200" b="0" i="0" u="none" strike="noStrike" baseline="0" dirty="0">
-                <a:solidFill>
-                  <a:srgbClr val="0000FF"/>
-                </a:solidFill>
-                <a:latin typeface="Courier New" panose="02070309020205020404" pitchFamily="49" charset="0"/>
-              </a:rPr>
-              <a:t>;</a:t>
-            </a:r>
-            <a:endParaRPr lang="de-DE" sz="1200" dirty="0"/>
-          </a:p>
-        </p:txBody>
-      </p:sp>
     </p:spTree>
     <p:extLst>
       <p:ext uri="{BB962C8B-B14F-4D97-AF65-F5344CB8AC3E}">
@@ -20925,6 +19250,1338 @@
         <p:cNvPr id="1" name="">
           <a:extLst>
             <a:ext uri="{FF2B5EF4-FFF2-40B4-BE49-F238E27FC236}">
+              <a16:creationId xmlns:a16="http://schemas.microsoft.com/office/drawing/2014/main" id="{8A284F3D-F3CE-8FC7-8F25-180C04703C70}"/>
+            </a:ext>
+          </a:extLst>
+        </p:cNvPr>
+        <p:cNvGrpSpPr/>
+        <p:nvPr/>
+      </p:nvGrpSpPr>
+      <p:grpSpPr>
+        <a:xfrm>
+          <a:off x="0" y="0"/>
+          <a:ext cx="0" cy="0"/>
+          <a:chOff x="0" y="0"/>
+          <a:chExt cx="0" cy="0"/>
+        </a:xfrm>
+      </p:grpSpPr>
+      <p:sp>
+        <p:nvSpPr>
+          <p:cNvPr id="10" name="Rechteck 9">
+            <a:extLst>
+              <a:ext uri="{FF2B5EF4-FFF2-40B4-BE49-F238E27FC236}">
+                <a16:creationId xmlns:a16="http://schemas.microsoft.com/office/drawing/2014/main" id="{3610283F-67E5-E9EB-D989-9771D2F29728}"/>
+              </a:ext>
+            </a:extLst>
+          </p:cNvPr>
+          <p:cNvSpPr/>
+          <p:nvPr/>
+        </p:nvSpPr>
+        <p:spPr>
+          <a:xfrm>
+            <a:off x="4737498" y="606375"/>
+            <a:ext cx="900000" cy="216000"/>
+          </a:xfrm>
+          <a:prstGeom prst="rect">
+            <a:avLst/>
+          </a:prstGeom>
+          <a:ln>
+            <a:solidFill>
+              <a:schemeClr val="bg1"/>
+            </a:solidFill>
+          </a:ln>
+        </p:spPr>
+        <p:style>
+          <a:lnRef idx="2">
+            <a:schemeClr val="dk1"/>
+          </a:lnRef>
+          <a:fillRef idx="1">
+            <a:schemeClr val="lt1"/>
+          </a:fillRef>
+          <a:effectRef idx="0">
+            <a:schemeClr val="dk1"/>
+          </a:effectRef>
+          <a:fontRef idx="minor">
+            <a:schemeClr val="dk1"/>
+          </a:fontRef>
+        </p:style>
+        <p:txBody>
+          <a:bodyPr lIns="36000" rIns="36000" rtlCol="0" anchor="ctr"/>
+          <a:lstStyle/>
+          <a:p>
+            <a:pPr algn="ctr"/>
+            <a:r>
+              <a:rPr lang="de-DE" sz="800" dirty="0">
+                <a:latin typeface="Arial" panose="020B0604020202020204" pitchFamily="34" charset="0"/>
+                <a:cs typeface="Arial" panose="020B0604020202020204" pitchFamily="34" charset="0"/>
+              </a:rPr>
+              <a:t>Soll-Zustand</a:t>
+            </a:r>
+          </a:p>
+        </p:txBody>
+      </p:sp>
+      <p:sp>
+        <p:nvSpPr>
+          <p:cNvPr id="13" name="Rechteck 12">
+            <a:extLst>
+              <a:ext uri="{FF2B5EF4-FFF2-40B4-BE49-F238E27FC236}">
+                <a16:creationId xmlns:a16="http://schemas.microsoft.com/office/drawing/2014/main" id="{B5811B29-16A3-7ABA-F0AE-6B3BF22447B6}"/>
+              </a:ext>
+            </a:extLst>
+          </p:cNvPr>
+          <p:cNvSpPr/>
+          <p:nvPr/>
+        </p:nvSpPr>
+        <p:spPr>
+          <a:xfrm>
+            <a:off x="6568680" y="606375"/>
+            <a:ext cx="900000" cy="216000"/>
+          </a:xfrm>
+          <a:prstGeom prst="rect">
+            <a:avLst/>
+          </a:prstGeom>
+          <a:ln>
+            <a:solidFill>
+              <a:schemeClr val="bg1"/>
+            </a:solidFill>
+          </a:ln>
+        </p:spPr>
+        <p:style>
+          <a:lnRef idx="2">
+            <a:schemeClr val="dk1"/>
+          </a:lnRef>
+          <a:fillRef idx="1">
+            <a:schemeClr val="lt1"/>
+          </a:fillRef>
+          <a:effectRef idx="0">
+            <a:schemeClr val="dk1"/>
+          </a:effectRef>
+          <a:fontRef idx="minor">
+            <a:schemeClr val="dk1"/>
+          </a:fontRef>
+        </p:style>
+        <p:txBody>
+          <a:bodyPr lIns="36000" rIns="36000" rtlCol="0" anchor="ctr"/>
+          <a:lstStyle/>
+          <a:p>
+            <a:pPr algn="ctr"/>
+            <a:r>
+              <a:rPr lang="de-DE" sz="800" dirty="0">
+                <a:latin typeface="Arial" panose="020B0604020202020204" pitchFamily="34" charset="0"/>
+                <a:cs typeface="Arial" panose="020B0604020202020204" pitchFamily="34" charset="0"/>
+              </a:rPr>
+              <a:t>Durchführung</a:t>
+            </a:r>
+          </a:p>
+        </p:txBody>
+      </p:sp>
+      <p:sp>
+        <p:nvSpPr>
+          <p:cNvPr id="7" name="Rechteck 6">
+            <a:extLst>
+              <a:ext uri="{FF2B5EF4-FFF2-40B4-BE49-F238E27FC236}">
+                <a16:creationId xmlns:a16="http://schemas.microsoft.com/office/drawing/2014/main" id="{20EA1A7C-A76D-F8CB-084D-5BAAE79F41F0}"/>
+              </a:ext>
+            </a:extLst>
+          </p:cNvPr>
+          <p:cNvSpPr/>
+          <p:nvPr/>
+        </p:nvSpPr>
+        <p:spPr>
+          <a:xfrm>
+            <a:off x="1990725" y="606375"/>
+            <a:ext cx="900000" cy="216000"/>
+          </a:xfrm>
+          <a:prstGeom prst="rect">
+            <a:avLst/>
+          </a:prstGeom>
+          <a:ln/>
+        </p:spPr>
+        <p:style>
+          <a:lnRef idx="1">
+            <a:schemeClr val="accent5"/>
+          </a:lnRef>
+          <a:fillRef idx="3">
+            <a:schemeClr val="accent5"/>
+          </a:fillRef>
+          <a:effectRef idx="2">
+            <a:schemeClr val="accent5"/>
+          </a:effectRef>
+          <a:fontRef idx="minor">
+            <a:schemeClr val="lt1"/>
+          </a:fontRef>
+        </p:style>
+        <p:txBody>
+          <a:bodyPr lIns="36000" rIns="36000" rtlCol="0" anchor="ctr"/>
+          <a:lstStyle/>
+          <a:p>
+            <a:pPr algn="ctr"/>
+            <a:r>
+              <a:rPr lang="de-DE" sz="800" dirty="0">
+                <a:latin typeface="Arial" panose="020B0604020202020204" pitchFamily="34" charset="0"/>
+                <a:cs typeface="Arial" panose="020B0604020202020204" pitchFamily="34" charset="0"/>
+              </a:rPr>
+              <a:t>Inhalt</a:t>
+            </a:r>
+          </a:p>
+        </p:txBody>
+      </p:sp>
+      <p:sp>
+        <p:nvSpPr>
+          <p:cNvPr id="12" name="Rechteck 11">
+            <a:extLst>
+              <a:ext uri="{FF2B5EF4-FFF2-40B4-BE49-F238E27FC236}">
+                <a16:creationId xmlns:a16="http://schemas.microsoft.com/office/drawing/2014/main" id="{AA5F4966-2AF0-E2D2-1B3C-A03D00906325}"/>
+              </a:ext>
+            </a:extLst>
+          </p:cNvPr>
+          <p:cNvSpPr/>
+          <p:nvPr/>
+        </p:nvSpPr>
+        <p:spPr>
+          <a:xfrm>
+            <a:off x="2906316" y="606375"/>
+            <a:ext cx="900000" cy="216000"/>
+          </a:xfrm>
+          <a:prstGeom prst="rect">
+            <a:avLst/>
+          </a:prstGeom>
+          <a:ln>
+            <a:solidFill>
+              <a:schemeClr val="bg1"/>
+            </a:solidFill>
+          </a:ln>
+        </p:spPr>
+        <p:style>
+          <a:lnRef idx="2">
+            <a:schemeClr val="dk1"/>
+          </a:lnRef>
+          <a:fillRef idx="1">
+            <a:schemeClr val="lt1"/>
+          </a:fillRef>
+          <a:effectRef idx="0">
+            <a:schemeClr val="dk1"/>
+          </a:effectRef>
+          <a:fontRef idx="minor">
+            <a:schemeClr val="dk1"/>
+          </a:fontRef>
+        </p:style>
+        <p:txBody>
+          <a:bodyPr lIns="36000" rIns="36000" rtlCol="0" anchor="ctr"/>
+          <a:lstStyle/>
+          <a:p>
+            <a:pPr algn="ctr"/>
+            <a:r>
+              <a:rPr lang="de-DE" sz="800" dirty="0">
+                <a:latin typeface="Arial" panose="020B0604020202020204" pitchFamily="34" charset="0"/>
+                <a:cs typeface="Arial" panose="020B0604020202020204" pitchFamily="34" charset="0"/>
+              </a:rPr>
+              <a:t>Betriebsumfeld</a:t>
+            </a:r>
+          </a:p>
+        </p:txBody>
+      </p:sp>
+      <p:sp>
+        <p:nvSpPr>
+          <p:cNvPr id="9" name="Rechteck 8">
+            <a:extLst>
+              <a:ext uri="{FF2B5EF4-FFF2-40B4-BE49-F238E27FC236}">
+                <a16:creationId xmlns:a16="http://schemas.microsoft.com/office/drawing/2014/main" id="{7E455163-50A8-E731-3B33-26030FB10965}"/>
+              </a:ext>
+            </a:extLst>
+          </p:cNvPr>
+          <p:cNvSpPr/>
+          <p:nvPr/>
+        </p:nvSpPr>
+        <p:spPr>
+          <a:xfrm>
+            <a:off x="3821907" y="606375"/>
+            <a:ext cx="900000" cy="216000"/>
+          </a:xfrm>
+          <a:prstGeom prst="rect">
+            <a:avLst/>
+          </a:prstGeom>
+          <a:ln>
+            <a:solidFill>
+              <a:schemeClr val="bg1"/>
+            </a:solidFill>
+          </a:ln>
+        </p:spPr>
+        <p:style>
+          <a:lnRef idx="2">
+            <a:schemeClr val="dk1"/>
+          </a:lnRef>
+          <a:fillRef idx="1">
+            <a:schemeClr val="lt1"/>
+          </a:fillRef>
+          <a:effectRef idx="0">
+            <a:schemeClr val="dk1"/>
+          </a:effectRef>
+          <a:fontRef idx="minor">
+            <a:schemeClr val="dk1"/>
+          </a:fontRef>
+        </p:style>
+        <p:txBody>
+          <a:bodyPr lIns="36000" rIns="36000" rtlCol="0" anchor="ctr"/>
+          <a:lstStyle/>
+          <a:p>
+            <a:pPr algn="ctr"/>
+            <a:r>
+              <a:rPr lang="de-DE" sz="800" dirty="0">
+                <a:latin typeface="Arial" panose="020B0604020202020204" pitchFamily="34" charset="0"/>
+                <a:cs typeface="Arial" panose="020B0604020202020204" pitchFamily="34" charset="0"/>
+              </a:rPr>
+              <a:t>Ist-Zustand</a:t>
+            </a:r>
+          </a:p>
+        </p:txBody>
+      </p:sp>
+      <p:sp>
+        <p:nvSpPr>
+          <p:cNvPr id="11" name="Rechteck 10">
+            <a:extLst>
+              <a:ext uri="{FF2B5EF4-FFF2-40B4-BE49-F238E27FC236}">
+                <a16:creationId xmlns:a16="http://schemas.microsoft.com/office/drawing/2014/main" id="{BF12D75D-E5BD-806F-2F81-47E7A6E513F3}"/>
+              </a:ext>
+            </a:extLst>
+          </p:cNvPr>
+          <p:cNvSpPr/>
+          <p:nvPr/>
+        </p:nvSpPr>
+        <p:spPr>
+          <a:xfrm>
+            <a:off x="5653089" y="606375"/>
+            <a:ext cx="900000" cy="216000"/>
+          </a:xfrm>
+          <a:prstGeom prst="rect">
+            <a:avLst/>
+          </a:prstGeom>
+          <a:ln>
+            <a:solidFill>
+              <a:schemeClr val="bg1"/>
+            </a:solidFill>
+          </a:ln>
+        </p:spPr>
+        <p:style>
+          <a:lnRef idx="2">
+            <a:schemeClr val="dk1"/>
+          </a:lnRef>
+          <a:fillRef idx="1">
+            <a:schemeClr val="lt1"/>
+          </a:fillRef>
+          <a:effectRef idx="0">
+            <a:schemeClr val="dk1"/>
+          </a:effectRef>
+          <a:fontRef idx="minor">
+            <a:schemeClr val="dk1"/>
+          </a:fontRef>
+        </p:style>
+        <p:txBody>
+          <a:bodyPr lIns="36000" rIns="36000" rtlCol="0" anchor="ctr"/>
+          <a:lstStyle/>
+          <a:p>
+            <a:pPr algn="ctr"/>
+            <a:r>
+              <a:rPr lang="de-DE" sz="800" dirty="0">
+                <a:latin typeface="Arial" panose="020B0604020202020204" pitchFamily="34" charset="0"/>
+                <a:cs typeface="Arial" panose="020B0604020202020204" pitchFamily="34" charset="0"/>
+              </a:rPr>
+              <a:t>Wirtschaftlichkeit</a:t>
+            </a:r>
+          </a:p>
+        </p:txBody>
+      </p:sp>
+      <p:sp>
+        <p:nvSpPr>
+          <p:cNvPr id="14" name="Rechteck 13">
+            <a:extLst>
+              <a:ext uri="{FF2B5EF4-FFF2-40B4-BE49-F238E27FC236}">
+                <a16:creationId xmlns:a16="http://schemas.microsoft.com/office/drawing/2014/main" id="{50B2A97B-477A-ACDF-D416-232559CE129F}"/>
+              </a:ext>
+            </a:extLst>
+          </p:cNvPr>
+          <p:cNvSpPr/>
+          <p:nvPr/>
+        </p:nvSpPr>
+        <p:spPr>
+          <a:xfrm>
+            <a:off x="7484271" y="606375"/>
+            <a:ext cx="900000" cy="216000"/>
+          </a:xfrm>
+          <a:prstGeom prst="rect">
+            <a:avLst/>
+          </a:prstGeom>
+          <a:ln>
+            <a:solidFill>
+              <a:schemeClr val="bg1"/>
+            </a:solidFill>
+          </a:ln>
+        </p:spPr>
+        <p:style>
+          <a:lnRef idx="2">
+            <a:schemeClr val="dk1"/>
+          </a:lnRef>
+          <a:fillRef idx="1">
+            <a:schemeClr val="lt1"/>
+          </a:fillRef>
+          <a:effectRef idx="0">
+            <a:schemeClr val="dk1"/>
+          </a:effectRef>
+          <a:fontRef idx="minor">
+            <a:schemeClr val="dk1"/>
+          </a:fontRef>
+        </p:style>
+        <p:txBody>
+          <a:bodyPr lIns="36000" rIns="36000" rtlCol="0" anchor="ctr"/>
+          <a:lstStyle/>
+          <a:p>
+            <a:pPr algn="ctr"/>
+            <a:r>
+              <a:rPr lang="de-DE" sz="800" dirty="0">
+                <a:latin typeface="Arial" panose="020B0604020202020204" pitchFamily="34" charset="0"/>
+                <a:cs typeface="Arial" panose="020B0604020202020204" pitchFamily="34" charset="0"/>
+              </a:rPr>
+              <a:t>Tests</a:t>
+            </a:r>
+          </a:p>
+        </p:txBody>
+      </p:sp>
+      <p:sp>
+        <p:nvSpPr>
+          <p:cNvPr id="15" name="Rechteck 14">
+            <a:extLst>
+              <a:ext uri="{FF2B5EF4-FFF2-40B4-BE49-F238E27FC236}">
+                <a16:creationId xmlns:a16="http://schemas.microsoft.com/office/drawing/2014/main" id="{B3C11C8B-37AC-0B38-672F-6BA686023E24}"/>
+              </a:ext>
+            </a:extLst>
+          </p:cNvPr>
+          <p:cNvSpPr/>
+          <p:nvPr/>
+        </p:nvSpPr>
+        <p:spPr>
+          <a:xfrm>
+            <a:off x="8399862" y="606375"/>
+            <a:ext cx="900000" cy="216000"/>
+          </a:xfrm>
+          <a:prstGeom prst="rect">
+            <a:avLst/>
+          </a:prstGeom>
+          <a:ln>
+            <a:solidFill>
+              <a:schemeClr val="bg1"/>
+            </a:solidFill>
+          </a:ln>
+        </p:spPr>
+        <p:style>
+          <a:lnRef idx="2">
+            <a:schemeClr val="dk1"/>
+          </a:lnRef>
+          <a:fillRef idx="1">
+            <a:schemeClr val="lt1"/>
+          </a:fillRef>
+          <a:effectRef idx="0">
+            <a:schemeClr val="dk1"/>
+          </a:effectRef>
+          <a:fontRef idx="minor">
+            <a:schemeClr val="dk1"/>
+          </a:fontRef>
+        </p:style>
+        <p:txBody>
+          <a:bodyPr lIns="36000" rIns="36000" rtlCol="0" anchor="ctr"/>
+          <a:lstStyle/>
+          <a:p>
+            <a:pPr algn="ctr"/>
+            <a:r>
+              <a:rPr lang="de-DE" sz="800" dirty="0">
+                <a:latin typeface="Arial" panose="020B0604020202020204" pitchFamily="34" charset="0"/>
+                <a:cs typeface="Arial" panose="020B0604020202020204" pitchFamily="34" charset="0"/>
+              </a:rPr>
+              <a:t>Soll-Ist-Vergleich</a:t>
+            </a:r>
+          </a:p>
+        </p:txBody>
+      </p:sp>
+      <p:sp>
+        <p:nvSpPr>
+          <p:cNvPr id="16" name="Rechteck 15">
+            <a:extLst>
+              <a:ext uri="{FF2B5EF4-FFF2-40B4-BE49-F238E27FC236}">
+                <a16:creationId xmlns:a16="http://schemas.microsoft.com/office/drawing/2014/main" id="{8482BECB-2ED7-1F0D-92B9-27EF993AF85D}"/>
+              </a:ext>
+            </a:extLst>
+          </p:cNvPr>
+          <p:cNvSpPr/>
+          <p:nvPr/>
+        </p:nvSpPr>
+        <p:spPr>
+          <a:xfrm>
+            <a:off x="9315455" y="606375"/>
+            <a:ext cx="900000" cy="216000"/>
+          </a:xfrm>
+          <a:prstGeom prst="rect">
+            <a:avLst/>
+          </a:prstGeom>
+          <a:ln>
+            <a:solidFill>
+              <a:schemeClr val="bg1"/>
+            </a:solidFill>
+          </a:ln>
+        </p:spPr>
+        <p:style>
+          <a:lnRef idx="2">
+            <a:schemeClr val="dk1"/>
+          </a:lnRef>
+          <a:fillRef idx="1">
+            <a:schemeClr val="lt1"/>
+          </a:fillRef>
+          <a:effectRef idx="0">
+            <a:schemeClr val="dk1"/>
+          </a:effectRef>
+          <a:fontRef idx="minor">
+            <a:schemeClr val="dk1"/>
+          </a:fontRef>
+        </p:style>
+        <p:txBody>
+          <a:bodyPr lIns="36000" rIns="36000" rtlCol="0" anchor="ctr"/>
+          <a:lstStyle/>
+          <a:p>
+            <a:pPr algn="ctr"/>
+            <a:r>
+              <a:rPr lang="de-DE" sz="800" dirty="0">
+                <a:latin typeface="Arial" panose="020B0604020202020204" pitchFamily="34" charset="0"/>
+                <a:cs typeface="Arial" panose="020B0604020202020204" pitchFamily="34" charset="0"/>
+              </a:rPr>
+              <a:t>Fazit</a:t>
+            </a:r>
+          </a:p>
+        </p:txBody>
+      </p:sp>
+      <p:sp>
+        <p:nvSpPr>
+          <p:cNvPr id="4" name="Datumsplatzhalter 3">
+            <a:extLst>
+              <a:ext uri="{FF2B5EF4-FFF2-40B4-BE49-F238E27FC236}">
+                <a16:creationId xmlns:a16="http://schemas.microsoft.com/office/drawing/2014/main" id="{A7CDB294-0E9E-67E3-1E5D-BCDA99F35E69}"/>
+              </a:ext>
+            </a:extLst>
+          </p:cNvPr>
+          <p:cNvSpPr>
+            <a:spLocks noGrp="1"/>
+          </p:cNvSpPr>
+          <p:nvPr>
+            <p:ph type="dt" sz="half" idx="10"/>
+          </p:nvPr>
+        </p:nvSpPr>
+        <p:spPr/>
+        <p:txBody>
+          <a:bodyPr/>
+          <a:lstStyle/>
+          <a:p>
+            <a:pPr algn="ctr"/>
+            <a:fld id="{6DCE2E55-0611-429C-9DFA-BA78059032C7}" type="datetime1">
+              <a:rPr lang="de-DE" smtClean="0"/>
+              <a:t>30.01.2025</a:t>
+            </a:fld>
+            <a:endParaRPr lang="de-DE" dirty="0"/>
+          </a:p>
+        </p:txBody>
+      </p:sp>
+      <p:sp>
+        <p:nvSpPr>
+          <p:cNvPr id="20" name="Textplatzhalter 19">
+            <a:extLst>
+              <a:ext uri="{FF2B5EF4-FFF2-40B4-BE49-F238E27FC236}">
+                <a16:creationId xmlns:a16="http://schemas.microsoft.com/office/drawing/2014/main" id="{BD4967A7-A803-76F5-B1B3-FE25911CFF7D}"/>
+              </a:ext>
+            </a:extLst>
+          </p:cNvPr>
+          <p:cNvSpPr>
+            <a:spLocks noGrp="1"/>
+          </p:cNvSpPr>
+          <p:nvPr>
+            <p:ph type="body" sz="quarter" idx="15"/>
+          </p:nvPr>
+        </p:nvSpPr>
+        <p:spPr/>
+        <p:txBody>
+          <a:bodyPr/>
+          <a:lstStyle/>
+          <a:p>
+            <a:r>
+              <a:rPr lang="de-DE" dirty="0"/>
+              <a:t>IT-Akademie Dr. Heuer</a:t>
+            </a:r>
+          </a:p>
+        </p:txBody>
+      </p:sp>
+      <p:sp>
+        <p:nvSpPr>
+          <p:cNvPr id="25" name="Textplatzhalter 19">
+            <a:extLst>
+              <a:ext uri="{FF2B5EF4-FFF2-40B4-BE49-F238E27FC236}">
+                <a16:creationId xmlns:a16="http://schemas.microsoft.com/office/drawing/2014/main" id="{A8280725-FC50-4F54-B9DC-8BA48CC8F655}"/>
+              </a:ext>
+            </a:extLst>
+          </p:cNvPr>
+          <p:cNvSpPr txBox="1">
+            <a:spLocks/>
+          </p:cNvSpPr>
+          <p:nvPr/>
+        </p:nvSpPr>
+        <p:spPr>
+          <a:xfrm>
+            <a:off x="748400" y="6396831"/>
+            <a:ext cx="2640000" cy="360000"/>
+          </a:xfrm>
+          <a:prstGeom prst="rect">
+            <a:avLst/>
+          </a:prstGeom>
+        </p:spPr>
+        <p:txBody>
+          <a:bodyPr vert="horz" lIns="91440" tIns="45720" rIns="91440" bIns="45720" rtlCol="0" anchor="ctr">
+            <a:normAutofit/>
+          </a:bodyPr>
+          <a:lstStyle>
+            <a:lvl1pPr marL="0" indent="0" algn="l" defTabSz="914400" rtl="0" eaLnBrk="1" latinLnBrk="0" hangingPunct="1">
+              <a:lnSpc>
+                <a:spcPct val="90000"/>
+              </a:lnSpc>
+              <a:spcBef>
+                <a:spcPts val="1000"/>
+              </a:spcBef>
+              <a:buFont typeface="Arial" panose="020B0604020202020204" pitchFamily="34" charset="0"/>
+              <a:buNone/>
+              <a:defRPr lang="de-DE" sz="1200" kern="1200" smtClean="0">
+                <a:solidFill>
+                  <a:schemeClr val="tx1"/>
+                </a:solidFill>
+                <a:latin typeface="Arial" panose="020B0604020202020204" pitchFamily="34" charset="0"/>
+                <a:ea typeface="+mn-ea"/>
+                <a:cs typeface="Arial" panose="020B0604020202020204" pitchFamily="34" charset="0"/>
+              </a:defRPr>
+            </a:lvl1pPr>
+            <a:lvl2pPr marL="685800" indent="-228600" algn="l" defTabSz="914400" rtl="0" eaLnBrk="1" latinLnBrk="0" hangingPunct="1">
+              <a:lnSpc>
+                <a:spcPct val="90000"/>
+              </a:lnSpc>
+              <a:spcBef>
+                <a:spcPts val="500"/>
+              </a:spcBef>
+              <a:buFont typeface="Arial" panose="020B0604020202020204" pitchFamily="34" charset="0"/>
+              <a:buChar char="•"/>
+              <a:defRPr sz="2400" kern="1200">
+                <a:solidFill>
+                  <a:schemeClr val="tx1"/>
+                </a:solidFill>
+                <a:latin typeface="+mn-lt"/>
+                <a:ea typeface="+mn-ea"/>
+                <a:cs typeface="+mn-cs"/>
+              </a:defRPr>
+            </a:lvl2pPr>
+            <a:lvl3pPr marL="1143000" indent="-228600" algn="l" defTabSz="914400" rtl="0" eaLnBrk="1" latinLnBrk="0" hangingPunct="1">
+              <a:lnSpc>
+                <a:spcPct val="90000"/>
+              </a:lnSpc>
+              <a:spcBef>
+                <a:spcPts val="500"/>
+              </a:spcBef>
+              <a:buFont typeface="Arial" panose="020B0604020202020204" pitchFamily="34" charset="0"/>
+              <a:buChar char="•"/>
+              <a:defRPr sz="2000" kern="1200">
+                <a:solidFill>
+                  <a:schemeClr val="tx1"/>
+                </a:solidFill>
+                <a:latin typeface="+mn-lt"/>
+                <a:ea typeface="+mn-ea"/>
+                <a:cs typeface="+mn-cs"/>
+              </a:defRPr>
+            </a:lvl3pPr>
+            <a:lvl4pPr marL="1600200" indent="-228600" algn="l" defTabSz="914400" rtl="0" eaLnBrk="1" latinLnBrk="0" hangingPunct="1">
+              <a:lnSpc>
+                <a:spcPct val="90000"/>
+              </a:lnSpc>
+              <a:spcBef>
+                <a:spcPts val="500"/>
+              </a:spcBef>
+              <a:buFont typeface="Arial" panose="020B0604020202020204" pitchFamily="34" charset="0"/>
+              <a:buChar char="•"/>
+              <a:defRPr sz="1800" kern="1200">
+                <a:solidFill>
+                  <a:schemeClr val="tx1"/>
+                </a:solidFill>
+                <a:latin typeface="+mn-lt"/>
+                <a:ea typeface="+mn-ea"/>
+                <a:cs typeface="+mn-cs"/>
+              </a:defRPr>
+            </a:lvl4pPr>
+            <a:lvl5pPr marL="2057400" indent="-228600" algn="l" defTabSz="914400" rtl="0" eaLnBrk="1" latinLnBrk="0" hangingPunct="1">
+              <a:lnSpc>
+                <a:spcPct val="90000"/>
+              </a:lnSpc>
+              <a:spcBef>
+                <a:spcPts val="500"/>
+              </a:spcBef>
+              <a:buFont typeface="Arial" panose="020B0604020202020204" pitchFamily="34" charset="0"/>
+              <a:buChar char="•"/>
+              <a:defRPr sz="1800" kern="1200">
+                <a:solidFill>
+                  <a:schemeClr val="tx1"/>
+                </a:solidFill>
+                <a:latin typeface="+mn-lt"/>
+                <a:ea typeface="+mn-ea"/>
+                <a:cs typeface="+mn-cs"/>
+              </a:defRPr>
+            </a:lvl5pPr>
+            <a:lvl6pPr marL="2514600" indent="-228600" algn="l" defTabSz="914400" rtl="0" eaLnBrk="1" latinLnBrk="0" hangingPunct="1">
+              <a:lnSpc>
+                <a:spcPct val="90000"/>
+              </a:lnSpc>
+              <a:spcBef>
+                <a:spcPts val="500"/>
+              </a:spcBef>
+              <a:buFont typeface="Arial" panose="020B0604020202020204" pitchFamily="34" charset="0"/>
+              <a:buChar char="•"/>
+              <a:defRPr sz="1800" kern="1200">
+                <a:solidFill>
+                  <a:schemeClr val="tx1"/>
+                </a:solidFill>
+                <a:latin typeface="+mn-lt"/>
+                <a:ea typeface="+mn-ea"/>
+                <a:cs typeface="+mn-cs"/>
+              </a:defRPr>
+            </a:lvl6pPr>
+            <a:lvl7pPr marL="2971800" indent="-228600" algn="l" defTabSz="914400" rtl="0" eaLnBrk="1" latinLnBrk="0" hangingPunct="1">
+              <a:lnSpc>
+                <a:spcPct val="90000"/>
+              </a:lnSpc>
+              <a:spcBef>
+                <a:spcPts val="500"/>
+              </a:spcBef>
+              <a:buFont typeface="Arial" panose="020B0604020202020204" pitchFamily="34" charset="0"/>
+              <a:buChar char="•"/>
+              <a:defRPr sz="1800" kern="1200">
+                <a:solidFill>
+                  <a:schemeClr val="tx1"/>
+                </a:solidFill>
+                <a:latin typeface="+mn-lt"/>
+                <a:ea typeface="+mn-ea"/>
+                <a:cs typeface="+mn-cs"/>
+              </a:defRPr>
+            </a:lvl7pPr>
+            <a:lvl8pPr marL="3429000" indent="-228600" algn="l" defTabSz="914400" rtl="0" eaLnBrk="1" latinLnBrk="0" hangingPunct="1">
+              <a:lnSpc>
+                <a:spcPct val="90000"/>
+              </a:lnSpc>
+              <a:spcBef>
+                <a:spcPts val="500"/>
+              </a:spcBef>
+              <a:buFont typeface="Arial" panose="020B0604020202020204" pitchFamily="34" charset="0"/>
+              <a:buChar char="•"/>
+              <a:defRPr sz="1800" kern="1200">
+                <a:solidFill>
+                  <a:schemeClr val="tx1"/>
+                </a:solidFill>
+                <a:latin typeface="+mn-lt"/>
+                <a:ea typeface="+mn-ea"/>
+                <a:cs typeface="+mn-cs"/>
+              </a:defRPr>
+            </a:lvl8pPr>
+            <a:lvl9pPr marL="3886200" indent="-228600" algn="l" defTabSz="914400" rtl="0" eaLnBrk="1" latinLnBrk="0" hangingPunct="1">
+              <a:lnSpc>
+                <a:spcPct val="90000"/>
+              </a:lnSpc>
+              <a:spcBef>
+                <a:spcPts val="500"/>
+              </a:spcBef>
+              <a:buFont typeface="Arial" panose="020B0604020202020204" pitchFamily="34" charset="0"/>
+              <a:buChar char="•"/>
+              <a:defRPr sz="1800" kern="1200">
+                <a:solidFill>
+                  <a:schemeClr val="tx1"/>
+                </a:solidFill>
+                <a:latin typeface="+mn-lt"/>
+                <a:ea typeface="+mn-ea"/>
+                <a:cs typeface="+mn-cs"/>
+              </a:defRPr>
+            </a:lvl9pPr>
+          </a:lstStyle>
+          <a:p>
+            <a:r>
+              <a:rPr lang="de-DE" dirty="0"/>
+              <a:t>Gruppenprojekt</a:t>
+            </a:r>
+          </a:p>
+        </p:txBody>
+      </p:sp>
+      <p:sp>
+        <p:nvSpPr>
+          <p:cNvPr id="2" name="Textplatzhalter 8">
+            <a:extLst>
+              <a:ext uri="{FF2B5EF4-FFF2-40B4-BE49-F238E27FC236}">
+                <a16:creationId xmlns:a16="http://schemas.microsoft.com/office/drawing/2014/main" id="{6D4DA1C7-E518-1B49-8873-F0EA3C648C6E}"/>
+              </a:ext>
+            </a:extLst>
+          </p:cNvPr>
+          <p:cNvSpPr txBox="1">
+            <a:spLocks/>
+          </p:cNvSpPr>
+          <p:nvPr/>
+        </p:nvSpPr>
+        <p:spPr>
+          <a:xfrm>
+            <a:off x="748400" y="1066800"/>
+            <a:ext cx="10148200" cy="609600"/>
+          </a:xfrm>
+          <a:prstGeom prst="rect">
+            <a:avLst/>
+          </a:prstGeom>
+        </p:spPr>
+        <p:txBody>
+          <a:bodyPr vert="horz" lIns="91440" tIns="45720" rIns="91440" bIns="45720" rtlCol="0">
+            <a:noAutofit/>
+          </a:bodyPr>
+          <a:lstStyle>
+            <a:lvl1pPr marL="0" indent="0" algn="ctr" defTabSz="914400" rtl="0" eaLnBrk="1" latinLnBrk="0" hangingPunct="1">
+              <a:lnSpc>
+                <a:spcPct val="90000"/>
+              </a:lnSpc>
+              <a:spcBef>
+                <a:spcPts val="1000"/>
+              </a:spcBef>
+              <a:buFont typeface="Arial" panose="020B0604020202020204" pitchFamily="34" charset="0"/>
+              <a:buNone/>
+              <a:tabLst/>
+              <a:defRPr sz="3200" u="sng" kern="1200">
+                <a:solidFill>
+                  <a:schemeClr val="tx1"/>
+                </a:solidFill>
+                <a:latin typeface="+mn-lt"/>
+                <a:ea typeface="+mn-ea"/>
+                <a:cs typeface="+mn-cs"/>
+              </a:defRPr>
+            </a:lvl1pPr>
+            <a:lvl2pPr marL="685800" indent="-228600" algn="l" defTabSz="914400" rtl="0" eaLnBrk="1" latinLnBrk="0" hangingPunct="1">
+              <a:lnSpc>
+                <a:spcPct val="90000"/>
+              </a:lnSpc>
+              <a:spcBef>
+                <a:spcPts val="500"/>
+              </a:spcBef>
+              <a:buFont typeface="Arial" panose="020B0604020202020204" pitchFamily="34" charset="0"/>
+              <a:buChar char="•"/>
+              <a:defRPr sz="2400" kern="1200">
+                <a:solidFill>
+                  <a:schemeClr val="tx1"/>
+                </a:solidFill>
+                <a:latin typeface="+mn-lt"/>
+                <a:ea typeface="+mn-ea"/>
+                <a:cs typeface="+mn-cs"/>
+              </a:defRPr>
+            </a:lvl2pPr>
+            <a:lvl3pPr marL="1143000" indent="-228600" algn="l" defTabSz="914400" rtl="0" eaLnBrk="1" latinLnBrk="0" hangingPunct="1">
+              <a:lnSpc>
+                <a:spcPct val="90000"/>
+              </a:lnSpc>
+              <a:spcBef>
+                <a:spcPts val="500"/>
+              </a:spcBef>
+              <a:buFont typeface="Arial" panose="020B0604020202020204" pitchFamily="34" charset="0"/>
+              <a:buChar char="•"/>
+              <a:defRPr sz="2000" kern="1200">
+                <a:solidFill>
+                  <a:schemeClr val="tx1"/>
+                </a:solidFill>
+                <a:latin typeface="+mn-lt"/>
+                <a:ea typeface="+mn-ea"/>
+                <a:cs typeface="+mn-cs"/>
+              </a:defRPr>
+            </a:lvl3pPr>
+            <a:lvl4pPr marL="1600200" indent="-228600" algn="l" defTabSz="914400" rtl="0" eaLnBrk="1" latinLnBrk="0" hangingPunct="1">
+              <a:lnSpc>
+                <a:spcPct val="90000"/>
+              </a:lnSpc>
+              <a:spcBef>
+                <a:spcPts val="500"/>
+              </a:spcBef>
+              <a:buFont typeface="Arial" panose="020B0604020202020204" pitchFamily="34" charset="0"/>
+              <a:buChar char="•"/>
+              <a:defRPr sz="1800" kern="1200">
+                <a:solidFill>
+                  <a:schemeClr val="tx1"/>
+                </a:solidFill>
+                <a:latin typeface="+mn-lt"/>
+                <a:ea typeface="+mn-ea"/>
+                <a:cs typeface="+mn-cs"/>
+              </a:defRPr>
+            </a:lvl4pPr>
+            <a:lvl5pPr marL="2057400" indent="-228600" algn="l" defTabSz="914400" rtl="0" eaLnBrk="1" latinLnBrk="0" hangingPunct="1">
+              <a:lnSpc>
+                <a:spcPct val="90000"/>
+              </a:lnSpc>
+              <a:spcBef>
+                <a:spcPts val="500"/>
+              </a:spcBef>
+              <a:buFont typeface="Arial" panose="020B0604020202020204" pitchFamily="34" charset="0"/>
+              <a:buChar char="•"/>
+              <a:defRPr sz="1800" kern="1200">
+                <a:solidFill>
+                  <a:schemeClr val="tx1"/>
+                </a:solidFill>
+                <a:latin typeface="+mn-lt"/>
+                <a:ea typeface="+mn-ea"/>
+                <a:cs typeface="+mn-cs"/>
+              </a:defRPr>
+            </a:lvl5pPr>
+            <a:lvl6pPr marL="2514600" indent="-228600" algn="l" defTabSz="914400" rtl="0" eaLnBrk="1" latinLnBrk="0" hangingPunct="1">
+              <a:lnSpc>
+                <a:spcPct val="90000"/>
+              </a:lnSpc>
+              <a:spcBef>
+                <a:spcPts val="500"/>
+              </a:spcBef>
+              <a:buFont typeface="Arial" panose="020B0604020202020204" pitchFamily="34" charset="0"/>
+              <a:buChar char="•"/>
+              <a:defRPr sz="1800" kern="1200">
+                <a:solidFill>
+                  <a:schemeClr val="tx1"/>
+                </a:solidFill>
+                <a:latin typeface="+mn-lt"/>
+                <a:ea typeface="+mn-ea"/>
+                <a:cs typeface="+mn-cs"/>
+              </a:defRPr>
+            </a:lvl6pPr>
+            <a:lvl7pPr marL="2971800" indent="-228600" algn="l" defTabSz="914400" rtl="0" eaLnBrk="1" latinLnBrk="0" hangingPunct="1">
+              <a:lnSpc>
+                <a:spcPct val="90000"/>
+              </a:lnSpc>
+              <a:spcBef>
+                <a:spcPts val="500"/>
+              </a:spcBef>
+              <a:buFont typeface="Arial" panose="020B0604020202020204" pitchFamily="34" charset="0"/>
+              <a:buChar char="•"/>
+              <a:defRPr sz="1800" kern="1200">
+                <a:solidFill>
+                  <a:schemeClr val="tx1"/>
+                </a:solidFill>
+                <a:latin typeface="+mn-lt"/>
+                <a:ea typeface="+mn-ea"/>
+                <a:cs typeface="+mn-cs"/>
+              </a:defRPr>
+            </a:lvl7pPr>
+            <a:lvl8pPr marL="3429000" indent="-228600" algn="l" defTabSz="914400" rtl="0" eaLnBrk="1" latinLnBrk="0" hangingPunct="1">
+              <a:lnSpc>
+                <a:spcPct val="90000"/>
+              </a:lnSpc>
+              <a:spcBef>
+                <a:spcPts val="500"/>
+              </a:spcBef>
+              <a:buFont typeface="Arial" panose="020B0604020202020204" pitchFamily="34" charset="0"/>
+              <a:buChar char="•"/>
+              <a:defRPr sz="1800" kern="1200">
+                <a:solidFill>
+                  <a:schemeClr val="tx1"/>
+                </a:solidFill>
+                <a:latin typeface="+mn-lt"/>
+                <a:ea typeface="+mn-ea"/>
+                <a:cs typeface="+mn-cs"/>
+              </a:defRPr>
+            </a:lvl8pPr>
+            <a:lvl9pPr marL="3886200" indent="-228600" algn="l" defTabSz="914400" rtl="0" eaLnBrk="1" latinLnBrk="0" hangingPunct="1">
+              <a:lnSpc>
+                <a:spcPct val="90000"/>
+              </a:lnSpc>
+              <a:spcBef>
+                <a:spcPts val="500"/>
+              </a:spcBef>
+              <a:buFont typeface="Arial" panose="020B0604020202020204" pitchFamily="34" charset="0"/>
+              <a:buChar char="•"/>
+              <a:defRPr sz="1800" kern="1200">
+                <a:solidFill>
+                  <a:schemeClr val="tx1"/>
+                </a:solidFill>
+                <a:latin typeface="+mn-lt"/>
+                <a:ea typeface="+mn-ea"/>
+                <a:cs typeface="+mn-cs"/>
+              </a:defRPr>
+            </a:lvl9pPr>
+          </a:lstStyle>
+          <a:p>
+            <a:r>
+              <a:rPr lang="de-DE" dirty="0"/>
+              <a:t>Views</a:t>
+            </a:r>
+          </a:p>
+          <a:p>
+            <a:pPr algn="l"/>
+            <a:endParaRPr lang="de-DE" dirty="0"/>
+          </a:p>
+        </p:txBody>
+      </p:sp>
+      <p:sp>
+        <p:nvSpPr>
+          <p:cNvPr id="6" name="Textplatzhalter 8">
+            <a:extLst>
+              <a:ext uri="{FF2B5EF4-FFF2-40B4-BE49-F238E27FC236}">
+                <a16:creationId xmlns:a16="http://schemas.microsoft.com/office/drawing/2014/main" id="{B0640BB7-EC22-E9B9-A863-9249AC58D54C}"/>
+              </a:ext>
+            </a:extLst>
+          </p:cNvPr>
+          <p:cNvSpPr txBox="1">
+            <a:spLocks/>
+          </p:cNvSpPr>
+          <p:nvPr/>
+        </p:nvSpPr>
+        <p:spPr>
+          <a:xfrm>
+            <a:off x="2890725" y="1872916"/>
+            <a:ext cx="6212270" cy="609600"/>
+          </a:xfrm>
+          <a:prstGeom prst="rect">
+            <a:avLst/>
+          </a:prstGeom>
+        </p:spPr>
+        <p:txBody>
+          <a:bodyPr vert="horz" lIns="91440" tIns="45720" rIns="91440" bIns="45720" rtlCol="0">
+            <a:noAutofit/>
+          </a:bodyPr>
+          <a:lstStyle>
+            <a:lvl1pPr marL="0" indent="0" algn="ctr" defTabSz="914400" rtl="0" eaLnBrk="1" latinLnBrk="0" hangingPunct="1">
+              <a:lnSpc>
+                <a:spcPct val="90000"/>
+              </a:lnSpc>
+              <a:spcBef>
+                <a:spcPts val="1000"/>
+              </a:spcBef>
+              <a:buFont typeface="Arial" panose="020B0604020202020204" pitchFamily="34" charset="0"/>
+              <a:buNone/>
+              <a:tabLst/>
+              <a:defRPr sz="3200" u="sng" kern="1200">
+                <a:solidFill>
+                  <a:schemeClr val="tx1"/>
+                </a:solidFill>
+                <a:latin typeface="+mn-lt"/>
+                <a:ea typeface="+mn-ea"/>
+                <a:cs typeface="+mn-cs"/>
+              </a:defRPr>
+            </a:lvl1pPr>
+            <a:lvl2pPr marL="685800" indent="-228600" algn="l" defTabSz="914400" rtl="0" eaLnBrk="1" latinLnBrk="0" hangingPunct="1">
+              <a:lnSpc>
+                <a:spcPct val="90000"/>
+              </a:lnSpc>
+              <a:spcBef>
+                <a:spcPts val="500"/>
+              </a:spcBef>
+              <a:buFont typeface="Arial" panose="020B0604020202020204" pitchFamily="34" charset="0"/>
+              <a:buChar char="•"/>
+              <a:defRPr sz="2400" kern="1200">
+                <a:solidFill>
+                  <a:schemeClr val="tx1"/>
+                </a:solidFill>
+                <a:latin typeface="+mn-lt"/>
+                <a:ea typeface="+mn-ea"/>
+                <a:cs typeface="+mn-cs"/>
+              </a:defRPr>
+            </a:lvl2pPr>
+            <a:lvl3pPr marL="1143000" indent="-228600" algn="l" defTabSz="914400" rtl="0" eaLnBrk="1" latinLnBrk="0" hangingPunct="1">
+              <a:lnSpc>
+                <a:spcPct val="90000"/>
+              </a:lnSpc>
+              <a:spcBef>
+                <a:spcPts val="500"/>
+              </a:spcBef>
+              <a:buFont typeface="Arial" panose="020B0604020202020204" pitchFamily="34" charset="0"/>
+              <a:buChar char="•"/>
+              <a:defRPr sz="2000" kern="1200">
+                <a:solidFill>
+                  <a:schemeClr val="tx1"/>
+                </a:solidFill>
+                <a:latin typeface="+mn-lt"/>
+                <a:ea typeface="+mn-ea"/>
+                <a:cs typeface="+mn-cs"/>
+              </a:defRPr>
+            </a:lvl3pPr>
+            <a:lvl4pPr marL="1600200" indent="-228600" algn="l" defTabSz="914400" rtl="0" eaLnBrk="1" latinLnBrk="0" hangingPunct="1">
+              <a:lnSpc>
+                <a:spcPct val="90000"/>
+              </a:lnSpc>
+              <a:spcBef>
+                <a:spcPts val="500"/>
+              </a:spcBef>
+              <a:buFont typeface="Arial" panose="020B0604020202020204" pitchFamily="34" charset="0"/>
+              <a:buChar char="•"/>
+              <a:defRPr sz="1800" kern="1200">
+                <a:solidFill>
+                  <a:schemeClr val="tx1"/>
+                </a:solidFill>
+                <a:latin typeface="+mn-lt"/>
+                <a:ea typeface="+mn-ea"/>
+                <a:cs typeface="+mn-cs"/>
+              </a:defRPr>
+            </a:lvl4pPr>
+            <a:lvl5pPr marL="2057400" indent="-228600" algn="l" defTabSz="914400" rtl="0" eaLnBrk="1" latinLnBrk="0" hangingPunct="1">
+              <a:lnSpc>
+                <a:spcPct val="90000"/>
+              </a:lnSpc>
+              <a:spcBef>
+                <a:spcPts val="500"/>
+              </a:spcBef>
+              <a:buFont typeface="Arial" panose="020B0604020202020204" pitchFamily="34" charset="0"/>
+              <a:buChar char="•"/>
+              <a:defRPr sz="1800" kern="1200">
+                <a:solidFill>
+                  <a:schemeClr val="tx1"/>
+                </a:solidFill>
+                <a:latin typeface="+mn-lt"/>
+                <a:ea typeface="+mn-ea"/>
+                <a:cs typeface="+mn-cs"/>
+              </a:defRPr>
+            </a:lvl5pPr>
+            <a:lvl6pPr marL="2514600" indent="-228600" algn="l" defTabSz="914400" rtl="0" eaLnBrk="1" latinLnBrk="0" hangingPunct="1">
+              <a:lnSpc>
+                <a:spcPct val="90000"/>
+              </a:lnSpc>
+              <a:spcBef>
+                <a:spcPts val="500"/>
+              </a:spcBef>
+              <a:buFont typeface="Arial" panose="020B0604020202020204" pitchFamily="34" charset="0"/>
+              <a:buChar char="•"/>
+              <a:defRPr sz="1800" kern="1200">
+                <a:solidFill>
+                  <a:schemeClr val="tx1"/>
+                </a:solidFill>
+                <a:latin typeface="+mn-lt"/>
+                <a:ea typeface="+mn-ea"/>
+                <a:cs typeface="+mn-cs"/>
+              </a:defRPr>
+            </a:lvl6pPr>
+            <a:lvl7pPr marL="2971800" indent="-228600" algn="l" defTabSz="914400" rtl="0" eaLnBrk="1" latinLnBrk="0" hangingPunct="1">
+              <a:lnSpc>
+                <a:spcPct val="90000"/>
+              </a:lnSpc>
+              <a:spcBef>
+                <a:spcPts val="500"/>
+              </a:spcBef>
+              <a:buFont typeface="Arial" panose="020B0604020202020204" pitchFamily="34" charset="0"/>
+              <a:buChar char="•"/>
+              <a:defRPr sz="1800" kern="1200">
+                <a:solidFill>
+                  <a:schemeClr val="tx1"/>
+                </a:solidFill>
+                <a:latin typeface="+mn-lt"/>
+                <a:ea typeface="+mn-ea"/>
+                <a:cs typeface="+mn-cs"/>
+              </a:defRPr>
+            </a:lvl7pPr>
+            <a:lvl8pPr marL="3429000" indent="-228600" algn="l" defTabSz="914400" rtl="0" eaLnBrk="1" latinLnBrk="0" hangingPunct="1">
+              <a:lnSpc>
+                <a:spcPct val="90000"/>
+              </a:lnSpc>
+              <a:spcBef>
+                <a:spcPts val="500"/>
+              </a:spcBef>
+              <a:buFont typeface="Arial" panose="020B0604020202020204" pitchFamily="34" charset="0"/>
+              <a:buChar char="•"/>
+              <a:defRPr sz="1800" kern="1200">
+                <a:solidFill>
+                  <a:schemeClr val="tx1"/>
+                </a:solidFill>
+                <a:latin typeface="+mn-lt"/>
+                <a:ea typeface="+mn-ea"/>
+                <a:cs typeface="+mn-cs"/>
+              </a:defRPr>
+            </a:lvl8pPr>
+            <a:lvl9pPr marL="3886200" indent="-228600" algn="l" defTabSz="914400" rtl="0" eaLnBrk="1" latinLnBrk="0" hangingPunct="1">
+              <a:lnSpc>
+                <a:spcPct val="90000"/>
+              </a:lnSpc>
+              <a:spcBef>
+                <a:spcPts val="500"/>
+              </a:spcBef>
+              <a:buFont typeface="Arial" panose="020B0604020202020204" pitchFamily="34" charset="0"/>
+              <a:buChar char="•"/>
+              <a:defRPr sz="1800" kern="1200">
+                <a:solidFill>
+                  <a:schemeClr val="tx1"/>
+                </a:solidFill>
+                <a:latin typeface="+mn-lt"/>
+                <a:ea typeface="+mn-ea"/>
+                <a:cs typeface="+mn-cs"/>
+              </a:defRPr>
+            </a:lvl9pPr>
+          </a:lstStyle>
+          <a:p>
+            <a:pPr algn="l"/>
+            <a:endParaRPr lang="de-DE" dirty="0"/>
+          </a:p>
+        </p:txBody>
+      </p:sp>
+      <p:sp>
+        <p:nvSpPr>
+          <p:cNvPr id="3" name="Textfeld 2">
+            <a:extLst>
+              <a:ext uri="{FF2B5EF4-FFF2-40B4-BE49-F238E27FC236}">
+                <a16:creationId xmlns:a16="http://schemas.microsoft.com/office/drawing/2014/main" id="{15A3F124-4701-2338-37B0-19611547906E}"/>
+              </a:ext>
+            </a:extLst>
+          </p:cNvPr>
+          <p:cNvSpPr txBox="1"/>
+          <p:nvPr/>
+        </p:nvSpPr>
+        <p:spPr>
+          <a:xfrm>
+            <a:off x="609600" y="1466853"/>
+            <a:ext cx="2479012" cy="2031325"/>
+          </a:xfrm>
+          <a:prstGeom prst="rect">
+            <a:avLst/>
+          </a:prstGeom>
+          <a:noFill/>
+        </p:spPr>
+        <p:txBody>
+          <a:bodyPr wrap="none" rtlCol="0">
+            <a:spAutoFit/>
+          </a:bodyPr>
+          <a:lstStyle/>
+          <a:p>
+            <a:pPr marL="342900" indent="-342900">
+              <a:buFont typeface="+mj-lt"/>
+              <a:buAutoNum type="arabicPeriod"/>
+            </a:pPr>
+            <a:r>
+              <a:rPr lang="de-DE" b="1" dirty="0" err="1"/>
+              <a:t>view_master</a:t>
+            </a:r>
+            <a:endParaRPr lang="de-DE" b="1" dirty="0"/>
+          </a:p>
+          <a:p>
+            <a:pPr marL="342900" indent="-342900">
+              <a:buFont typeface="+mj-lt"/>
+              <a:buAutoNum type="arabicPeriod"/>
+            </a:pPr>
+            <a:r>
+              <a:rPr lang="de-DE" dirty="0" err="1"/>
+              <a:t>View_media_titles</a:t>
+            </a:r>
+            <a:endParaRPr lang="de-DE" dirty="0"/>
+          </a:p>
+          <a:p>
+            <a:pPr marL="342900" indent="-342900">
+              <a:buFont typeface="+mj-lt"/>
+              <a:buAutoNum type="arabicPeriod"/>
+            </a:pPr>
+            <a:r>
+              <a:rPr lang="de-DE" dirty="0" err="1"/>
+              <a:t>view_films_details</a:t>
+            </a:r>
+            <a:endParaRPr lang="de-DE" dirty="0"/>
+          </a:p>
+          <a:p>
+            <a:pPr marL="342900" indent="-342900">
+              <a:buFont typeface="+mj-lt"/>
+              <a:buAutoNum type="arabicPeriod"/>
+            </a:pPr>
+            <a:r>
+              <a:rPr lang="de-DE" dirty="0" err="1"/>
+              <a:t>view</a:t>
+            </a:r>
+            <a:r>
+              <a:rPr lang="de-DE" dirty="0"/>
+              <a:t>_ </a:t>
+            </a:r>
+            <a:r>
+              <a:rPr lang="de-DE" dirty="0" err="1"/>
+              <a:t>book_details</a:t>
+            </a:r>
+            <a:endParaRPr lang="de-DE" dirty="0"/>
+          </a:p>
+          <a:p>
+            <a:pPr marL="342900" indent="-342900">
+              <a:buFont typeface="+mj-lt"/>
+              <a:buAutoNum type="arabicPeriod"/>
+            </a:pPr>
+            <a:r>
+              <a:rPr lang="de-DE" dirty="0" err="1"/>
+              <a:t>view_music_details</a:t>
+            </a:r>
+            <a:endParaRPr lang="de-DE" dirty="0"/>
+          </a:p>
+          <a:p>
+            <a:pPr marL="342900" indent="-342900">
+              <a:buFont typeface="+mj-lt"/>
+              <a:buAutoNum type="arabicPeriod"/>
+            </a:pPr>
+            <a:r>
+              <a:rPr lang="de-DE" dirty="0" err="1"/>
+              <a:t>view_series_details</a:t>
+            </a:r>
+            <a:endParaRPr lang="de-DE" dirty="0"/>
+          </a:p>
+          <a:p>
+            <a:pPr marL="285750" indent="-285750">
+              <a:buFontTx/>
+              <a:buChar char="-"/>
+            </a:pPr>
+            <a:endParaRPr lang="de-DE" dirty="0"/>
+          </a:p>
+        </p:txBody>
+      </p:sp>
+      <p:pic>
+        <p:nvPicPr>
+          <p:cNvPr id="8" name="Picture 7" descr="A screenshot of a computer&#10;&#10;Description automatically generated">
+            <a:extLst>
+              <a:ext uri="{FF2B5EF4-FFF2-40B4-BE49-F238E27FC236}">
+                <a16:creationId xmlns:a16="http://schemas.microsoft.com/office/drawing/2014/main" id="{D8F4C5E9-0FE3-DBE4-B648-2C472104C742}"/>
+              </a:ext>
+            </a:extLst>
+          </p:cNvPr>
+          <p:cNvPicPr>
+            <a:picLocks noChangeAspect="1"/>
+          </p:cNvPicPr>
+          <p:nvPr/>
+        </p:nvPicPr>
+        <p:blipFill>
+          <a:blip r:embed="rId3">
+            <a:extLst>
+              <a:ext uri="{28A0092B-C50C-407E-A947-70E740481C1C}">
+                <a14:useLocalDpi xmlns:a14="http://schemas.microsoft.com/office/drawing/2010/main" val="0"/>
+              </a:ext>
+            </a:extLst>
+          </a:blip>
+          <a:stretch>
+            <a:fillRect/>
+          </a:stretch>
+        </p:blipFill>
+        <p:spPr>
+          <a:xfrm>
+            <a:off x="315417" y="3402426"/>
+            <a:ext cx="11561166" cy="2213513"/>
+          </a:xfrm>
+          <a:prstGeom prst="rect">
+            <a:avLst/>
+          </a:prstGeom>
+        </p:spPr>
+      </p:pic>
+    </p:spTree>
+    <p:extLst>
+      <p:ext uri="{BB962C8B-B14F-4D97-AF65-F5344CB8AC3E}">
+        <p14:creationId xmlns:p14="http://schemas.microsoft.com/office/powerpoint/2010/main" val="2655362479"/>
+      </p:ext>
+    </p:extLst>
+  </p:cSld>
+  <p:clrMapOvr>
+    <a:masterClrMapping/>
+  </p:clrMapOvr>
+</p:sld>
+</file>
+
+<file path=ppt/slides/slide13.xml><?xml version="1.0" encoding="utf-8"?>
+<p:sld xmlns:a="http://schemas.openxmlformats.org/drawingml/2006/main" xmlns:r="http://schemas.openxmlformats.org/officeDocument/2006/relationships" xmlns:p="http://schemas.openxmlformats.org/presentationml/2006/main" show="0">
+  <p:cSld>
+    <p:spTree>
+      <p:nvGrpSpPr>
+        <p:cNvPr id="1" name="">
+          <a:extLst>
+            <a:ext uri="{FF2B5EF4-FFF2-40B4-BE49-F238E27FC236}">
               <a16:creationId xmlns:a16="http://schemas.microsoft.com/office/drawing/2014/main" id="{0D212585-8A23-06D1-32F4-C0D84864F805}"/>
             </a:ext>
           </a:extLst>
@@ -21965,7 +21622,7 @@
 </p:sld>
 </file>
 
-<file path=ppt/slides/slide13.xml><?xml version="1.0" encoding="utf-8"?>
+<file path=ppt/slides/slide14.xml><?xml version="1.0" encoding="utf-8"?>
 <p:sld xmlns:a="http://schemas.openxmlformats.org/drawingml/2006/main" xmlns:r="http://schemas.openxmlformats.org/officeDocument/2006/relationships" xmlns:p="http://schemas.openxmlformats.org/presentationml/2006/main">
   <p:cSld>
     <p:spTree>
@@ -22940,7 +22597,7 @@
 </p:sld>
 </file>
 
-<file path=ppt/slides/slide14.xml><?xml version="1.0" encoding="utf-8"?>
+<file path=ppt/slides/slide15.xml><?xml version="1.0" encoding="utf-8"?>
 <p:sld xmlns:a="http://schemas.openxmlformats.org/drawingml/2006/main" xmlns:r="http://schemas.openxmlformats.org/officeDocument/2006/relationships" xmlns:p="http://schemas.openxmlformats.org/presentationml/2006/main">
   <p:cSld>
     <p:spTree>
@@ -23800,7 +23457,7 @@
 </p:sld>
 </file>
 
-<file path=ppt/slides/slide15.xml><?xml version="1.0" encoding="utf-8"?>
+<file path=ppt/slides/slide16.xml><?xml version="1.0" encoding="utf-8"?>
 <p:sld xmlns:a="http://schemas.openxmlformats.org/drawingml/2006/main" xmlns:r="http://schemas.openxmlformats.org/officeDocument/2006/relationships" xmlns:p="http://schemas.openxmlformats.org/presentationml/2006/main">
   <p:cSld>
     <p:spTree>
@@ -24786,7 +24443,7 @@
 </p:sld>
 </file>
 
-<file path=ppt/slides/slide16.xml><?xml version="1.0" encoding="utf-8"?>
+<file path=ppt/slides/slide17.xml><?xml version="1.0" encoding="utf-8"?>
 <p:sld xmlns:a="http://schemas.openxmlformats.org/drawingml/2006/main" xmlns:r="http://schemas.openxmlformats.org/officeDocument/2006/relationships" xmlns:p="http://schemas.openxmlformats.org/presentationml/2006/main">
   <p:cSld>
     <p:spTree>
@@ -25784,7 +25441,7 @@
 </p:sld>
 </file>
 
-<file path=ppt/slides/slide17.xml><?xml version="1.0" encoding="utf-8"?>
+<file path=ppt/slides/slide18.xml><?xml version="1.0" encoding="utf-8"?>
 <p:sld xmlns:a="http://schemas.openxmlformats.org/drawingml/2006/main" xmlns:r="http://schemas.openxmlformats.org/officeDocument/2006/relationships" xmlns:p="http://schemas.openxmlformats.org/presentationml/2006/main">
   <p:cSld>
     <p:spTree>
@@ -26716,7 +26373,7 @@
 </p:sld>
 </file>
 
-<file path=ppt/slides/slide18.xml><?xml version="1.0" encoding="utf-8"?>
+<file path=ppt/slides/slide19.xml><?xml version="1.0" encoding="utf-8"?>
 <p:sld xmlns:a="http://schemas.openxmlformats.org/drawingml/2006/main" xmlns:r="http://schemas.openxmlformats.org/officeDocument/2006/relationships" xmlns:p="http://schemas.openxmlformats.org/presentationml/2006/main">
   <p:cSld>
     <p:spTree>
@@ -27688,962 +27345,6 @@
     <p:extLst>
       <p:ext uri="{BB962C8B-B14F-4D97-AF65-F5344CB8AC3E}">
         <p14:creationId xmlns:p14="http://schemas.microsoft.com/office/powerpoint/2010/main" val="3745847576"/>
-      </p:ext>
-    </p:extLst>
-  </p:cSld>
-  <p:clrMapOvr>
-    <a:masterClrMapping/>
-  </p:clrMapOvr>
-</p:sld>
-</file>
-
-<file path=ppt/slides/slide19.xml><?xml version="1.0" encoding="utf-8"?>
-<p:sld xmlns:a="http://schemas.openxmlformats.org/drawingml/2006/main" xmlns:r="http://schemas.openxmlformats.org/officeDocument/2006/relationships" xmlns:p="http://schemas.openxmlformats.org/presentationml/2006/main">
-  <p:cSld>
-    <p:spTree>
-      <p:nvGrpSpPr>
-        <p:cNvPr id="1" name="">
-          <a:extLst>
-            <a:ext uri="{FF2B5EF4-FFF2-40B4-BE49-F238E27FC236}">
-              <a16:creationId xmlns:a16="http://schemas.microsoft.com/office/drawing/2014/main" id="{0F95A21A-CD9F-5AC5-134E-26BC61E52342}"/>
-            </a:ext>
-          </a:extLst>
-        </p:cNvPr>
-        <p:cNvGrpSpPr/>
-        <p:nvPr/>
-      </p:nvGrpSpPr>
-      <p:grpSpPr>
-        <a:xfrm>
-          <a:off x="0" y="0"/>
-          <a:ext cx="0" cy="0"/>
-          <a:chOff x="0" y="0"/>
-          <a:chExt cx="0" cy="0"/>
-        </a:xfrm>
-      </p:grpSpPr>
-      <p:sp>
-        <p:nvSpPr>
-          <p:cNvPr id="10" name="Rechteck 9">
-            <a:extLst>
-              <a:ext uri="{FF2B5EF4-FFF2-40B4-BE49-F238E27FC236}">
-                <a16:creationId xmlns:a16="http://schemas.microsoft.com/office/drawing/2014/main" id="{0C1743CF-0467-5446-20CF-84D561A7416F}"/>
-              </a:ext>
-            </a:extLst>
-          </p:cNvPr>
-          <p:cNvSpPr/>
-          <p:nvPr/>
-        </p:nvSpPr>
-        <p:spPr>
-          <a:xfrm>
-            <a:off x="4737498" y="606375"/>
-            <a:ext cx="900000" cy="216000"/>
-          </a:xfrm>
-          <a:prstGeom prst="rect">
-            <a:avLst/>
-          </a:prstGeom>
-          <a:ln>
-            <a:solidFill>
-              <a:schemeClr val="bg1"/>
-            </a:solidFill>
-          </a:ln>
-        </p:spPr>
-        <p:style>
-          <a:lnRef idx="2">
-            <a:schemeClr val="dk1"/>
-          </a:lnRef>
-          <a:fillRef idx="1">
-            <a:schemeClr val="lt1"/>
-          </a:fillRef>
-          <a:effectRef idx="0">
-            <a:schemeClr val="dk1"/>
-          </a:effectRef>
-          <a:fontRef idx="minor">
-            <a:schemeClr val="dk1"/>
-          </a:fontRef>
-        </p:style>
-        <p:txBody>
-          <a:bodyPr lIns="36000" rIns="36000" rtlCol="0" anchor="ctr"/>
-          <a:lstStyle/>
-          <a:p>
-            <a:pPr algn="ctr"/>
-            <a:r>
-              <a:rPr lang="de-DE" sz="800" dirty="0">
-                <a:latin typeface="Arial" panose="020B0604020202020204" pitchFamily="34" charset="0"/>
-                <a:cs typeface="Arial" panose="020B0604020202020204" pitchFamily="34" charset="0"/>
-              </a:rPr>
-              <a:t>Soll-Zustand</a:t>
-            </a:r>
-          </a:p>
-        </p:txBody>
-      </p:sp>
-      <p:sp>
-        <p:nvSpPr>
-          <p:cNvPr id="13" name="Rechteck 12">
-            <a:extLst>
-              <a:ext uri="{FF2B5EF4-FFF2-40B4-BE49-F238E27FC236}">
-                <a16:creationId xmlns:a16="http://schemas.microsoft.com/office/drawing/2014/main" id="{3D3C6A53-3948-BEB6-0000-4339E4C98073}"/>
-              </a:ext>
-            </a:extLst>
-          </p:cNvPr>
-          <p:cNvSpPr/>
-          <p:nvPr/>
-        </p:nvSpPr>
-        <p:spPr>
-          <a:xfrm>
-            <a:off x="6568680" y="606375"/>
-            <a:ext cx="900000" cy="216000"/>
-          </a:xfrm>
-          <a:prstGeom prst="rect">
-            <a:avLst/>
-          </a:prstGeom>
-          <a:ln>
-            <a:solidFill>
-              <a:schemeClr val="bg1"/>
-            </a:solidFill>
-          </a:ln>
-        </p:spPr>
-        <p:style>
-          <a:lnRef idx="2">
-            <a:schemeClr val="dk1"/>
-          </a:lnRef>
-          <a:fillRef idx="1">
-            <a:schemeClr val="lt1"/>
-          </a:fillRef>
-          <a:effectRef idx="0">
-            <a:schemeClr val="dk1"/>
-          </a:effectRef>
-          <a:fontRef idx="minor">
-            <a:schemeClr val="dk1"/>
-          </a:fontRef>
-        </p:style>
-        <p:txBody>
-          <a:bodyPr lIns="36000" rIns="36000" rtlCol="0" anchor="ctr"/>
-          <a:lstStyle/>
-          <a:p>
-            <a:pPr algn="ctr"/>
-            <a:r>
-              <a:rPr lang="de-DE" sz="800" dirty="0">
-                <a:latin typeface="Arial" panose="020B0604020202020204" pitchFamily="34" charset="0"/>
-                <a:cs typeface="Arial" panose="020B0604020202020204" pitchFamily="34" charset="0"/>
-              </a:rPr>
-              <a:t>Durchführung</a:t>
-            </a:r>
-          </a:p>
-        </p:txBody>
-      </p:sp>
-      <p:sp>
-        <p:nvSpPr>
-          <p:cNvPr id="7" name="Rechteck 6">
-            <a:extLst>
-              <a:ext uri="{FF2B5EF4-FFF2-40B4-BE49-F238E27FC236}">
-                <a16:creationId xmlns:a16="http://schemas.microsoft.com/office/drawing/2014/main" id="{FB361135-5016-8E37-22EB-DD343A2C8BCE}"/>
-              </a:ext>
-            </a:extLst>
-          </p:cNvPr>
-          <p:cNvSpPr/>
-          <p:nvPr/>
-        </p:nvSpPr>
-        <p:spPr>
-          <a:xfrm>
-            <a:off x="1990725" y="606375"/>
-            <a:ext cx="900000" cy="216000"/>
-          </a:xfrm>
-          <a:prstGeom prst="rect">
-            <a:avLst/>
-          </a:prstGeom>
-          <a:ln/>
-        </p:spPr>
-        <p:style>
-          <a:lnRef idx="1">
-            <a:schemeClr val="accent5"/>
-          </a:lnRef>
-          <a:fillRef idx="3">
-            <a:schemeClr val="accent5"/>
-          </a:fillRef>
-          <a:effectRef idx="2">
-            <a:schemeClr val="accent5"/>
-          </a:effectRef>
-          <a:fontRef idx="minor">
-            <a:schemeClr val="lt1"/>
-          </a:fontRef>
-        </p:style>
-        <p:txBody>
-          <a:bodyPr lIns="36000" rIns="36000" rtlCol="0" anchor="ctr"/>
-          <a:lstStyle/>
-          <a:p>
-            <a:pPr algn="ctr"/>
-            <a:r>
-              <a:rPr lang="de-DE" sz="800" dirty="0">
-                <a:latin typeface="Arial" panose="020B0604020202020204" pitchFamily="34" charset="0"/>
-                <a:cs typeface="Arial" panose="020B0604020202020204" pitchFamily="34" charset="0"/>
-              </a:rPr>
-              <a:t>Inhalt</a:t>
-            </a:r>
-          </a:p>
-        </p:txBody>
-      </p:sp>
-      <p:sp>
-        <p:nvSpPr>
-          <p:cNvPr id="12" name="Rechteck 11">
-            <a:extLst>
-              <a:ext uri="{FF2B5EF4-FFF2-40B4-BE49-F238E27FC236}">
-                <a16:creationId xmlns:a16="http://schemas.microsoft.com/office/drawing/2014/main" id="{A7794D67-2092-B784-DF07-63DE179B2471}"/>
-              </a:ext>
-            </a:extLst>
-          </p:cNvPr>
-          <p:cNvSpPr/>
-          <p:nvPr/>
-        </p:nvSpPr>
-        <p:spPr>
-          <a:xfrm>
-            <a:off x="2906316" y="606375"/>
-            <a:ext cx="900000" cy="216000"/>
-          </a:xfrm>
-          <a:prstGeom prst="rect">
-            <a:avLst/>
-          </a:prstGeom>
-          <a:ln>
-            <a:solidFill>
-              <a:schemeClr val="bg1"/>
-            </a:solidFill>
-          </a:ln>
-        </p:spPr>
-        <p:style>
-          <a:lnRef idx="2">
-            <a:schemeClr val="dk1"/>
-          </a:lnRef>
-          <a:fillRef idx="1">
-            <a:schemeClr val="lt1"/>
-          </a:fillRef>
-          <a:effectRef idx="0">
-            <a:schemeClr val="dk1"/>
-          </a:effectRef>
-          <a:fontRef idx="minor">
-            <a:schemeClr val="dk1"/>
-          </a:fontRef>
-        </p:style>
-        <p:txBody>
-          <a:bodyPr lIns="36000" rIns="36000" rtlCol="0" anchor="ctr"/>
-          <a:lstStyle/>
-          <a:p>
-            <a:pPr algn="ctr"/>
-            <a:r>
-              <a:rPr lang="de-DE" sz="800" dirty="0">
-                <a:latin typeface="Arial" panose="020B0604020202020204" pitchFamily="34" charset="0"/>
-                <a:cs typeface="Arial" panose="020B0604020202020204" pitchFamily="34" charset="0"/>
-              </a:rPr>
-              <a:t>Betriebsumfeld</a:t>
-            </a:r>
-          </a:p>
-        </p:txBody>
-      </p:sp>
-      <p:sp>
-        <p:nvSpPr>
-          <p:cNvPr id="9" name="Rechteck 8">
-            <a:extLst>
-              <a:ext uri="{FF2B5EF4-FFF2-40B4-BE49-F238E27FC236}">
-                <a16:creationId xmlns:a16="http://schemas.microsoft.com/office/drawing/2014/main" id="{129C57A9-4695-4BCB-3537-18B6A43BC3A3}"/>
-              </a:ext>
-            </a:extLst>
-          </p:cNvPr>
-          <p:cNvSpPr/>
-          <p:nvPr/>
-        </p:nvSpPr>
-        <p:spPr>
-          <a:xfrm>
-            <a:off x="3821907" y="606375"/>
-            <a:ext cx="900000" cy="216000"/>
-          </a:xfrm>
-          <a:prstGeom prst="rect">
-            <a:avLst/>
-          </a:prstGeom>
-          <a:ln>
-            <a:solidFill>
-              <a:schemeClr val="bg1"/>
-            </a:solidFill>
-          </a:ln>
-        </p:spPr>
-        <p:style>
-          <a:lnRef idx="2">
-            <a:schemeClr val="dk1"/>
-          </a:lnRef>
-          <a:fillRef idx="1">
-            <a:schemeClr val="lt1"/>
-          </a:fillRef>
-          <a:effectRef idx="0">
-            <a:schemeClr val="dk1"/>
-          </a:effectRef>
-          <a:fontRef idx="minor">
-            <a:schemeClr val="dk1"/>
-          </a:fontRef>
-        </p:style>
-        <p:txBody>
-          <a:bodyPr lIns="36000" rIns="36000" rtlCol="0" anchor="ctr"/>
-          <a:lstStyle/>
-          <a:p>
-            <a:pPr algn="ctr"/>
-            <a:r>
-              <a:rPr lang="de-DE" sz="800" dirty="0">
-                <a:latin typeface="Arial" panose="020B0604020202020204" pitchFamily="34" charset="0"/>
-                <a:cs typeface="Arial" panose="020B0604020202020204" pitchFamily="34" charset="0"/>
-              </a:rPr>
-              <a:t>Ist-Zustand</a:t>
-            </a:r>
-          </a:p>
-        </p:txBody>
-      </p:sp>
-      <p:sp>
-        <p:nvSpPr>
-          <p:cNvPr id="11" name="Rechteck 10">
-            <a:extLst>
-              <a:ext uri="{FF2B5EF4-FFF2-40B4-BE49-F238E27FC236}">
-                <a16:creationId xmlns:a16="http://schemas.microsoft.com/office/drawing/2014/main" id="{ACDC25D8-5D2D-397E-E584-975BE4E5A801}"/>
-              </a:ext>
-            </a:extLst>
-          </p:cNvPr>
-          <p:cNvSpPr/>
-          <p:nvPr/>
-        </p:nvSpPr>
-        <p:spPr>
-          <a:xfrm>
-            <a:off x="5653089" y="606375"/>
-            <a:ext cx="900000" cy="216000"/>
-          </a:xfrm>
-          <a:prstGeom prst="rect">
-            <a:avLst/>
-          </a:prstGeom>
-          <a:ln>
-            <a:solidFill>
-              <a:schemeClr val="bg1"/>
-            </a:solidFill>
-          </a:ln>
-        </p:spPr>
-        <p:style>
-          <a:lnRef idx="2">
-            <a:schemeClr val="dk1"/>
-          </a:lnRef>
-          <a:fillRef idx="1">
-            <a:schemeClr val="lt1"/>
-          </a:fillRef>
-          <a:effectRef idx="0">
-            <a:schemeClr val="dk1"/>
-          </a:effectRef>
-          <a:fontRef idx="minor">
-            <a:schemeClr val="dk1"/>
-          </a:fontRef>
-        </p:style>
-        <p:txBody>
-          <a:bodyPr lIns="36000" rIns="36000" rtlCol="0" anchor="ctr"/>
-          <a:lstStyle/>
-          <a:p>
-            <a:pPr algn="ctr"/>
-            <a:r>
-              <a:rPr lang="de-DE" sz="800" dirty="0">
-                <a:latin typeface="Arial" panose="020B0604020202020204" pitchFamily="34" charset="0"/>
-                <a:cs typeface="Arial" panose="020B0604020202020204" pitchFamily="34" charset="0"/>
-              </a:rPr>
-              <a:t>Wirtschaftlichkeit</a:t>
-            </a:r>
-          </a:p>
-        </p:txBody>
-      </p:sp>
-      <p:sp>
-        <p:nvSpPr>
-          <p:cNvPr id="14" name="Rechteck 13">
-            <a:extLst>
-              <a:ext uri="{FF2B5EF4-FFF2-40B4-BE49-F238E27FC236}">
-                <a16:creationId xmlns:a16="http://schemas.microsoft.com/office/drawing/2014/main" id="{183F1EFD-94BE-CB79-E328-123D821E0237}"/>
-              </a:ext>
-            </a:extLst>
-          </p:cNvPr>
-          <p:cNvSpPr/>
-          <p:nvPr/>
-        </p:nvSpPr>
-        <p:spPr>
-          <a:xfrm>
-            <a:off x="7484271" y="606375"/>
-            <a:ext cx="900000" cy="216000"/>
-          </a:xfrm>
-          <a:prstGeom prst="rect">
-            <a:avLst/>
-          </a:prstGeom>
-          <a:ln>
-            <a:solidFill>
-              <a:schemeClr val="bg1"/>
-            </a:solidFill>
-          </a:ln>
-        </p:spPr>
-        <p:style>
-          <a:lnRef idx="2">
-            <a:schemeClr val="dk1"/>
-          </a:lnRef>
-          <a:fillRef idx="1">
-            <a:schemeClr val="lt1"/>
-          </a:fillRef>
-          <a:effectRef idx="0">
-            <a:schemeClr val="dk1"/>
-          </a:effectRef>
-          <a:fontRef idx="minor">
-            <a:schemeClr val="dk1"/>
-          </a:fontRef>
-        </p:style>
-        <p:txBody>
-          <a:bodyPr lIns="36000" rIns="36000" rtlCol="0" anchor="ctr"/>
-          <a:lstStyle/>
-          <a:p>
-            <a:pPr algn="ctr"/>
-            <a:r>
-              <a:rPr lang="de-DE" sz="800" dirty="0">
-                <a:latin typeface="Arial" panose="020B0604020202020204" pitchFamily="34" charset="0"/>
-                <a:cs typeface="Arial" panose="020B0604020202020204" pitchFamily="34" charset="0"/>
-              </a:rPr>
-              <a:t>Tests</a:t>
-            </a:r>
-          </a:p>
-        </p:txBody>
-      </p:sp>
-      <p:sp>
-        <p:nvSpPr>
-          <p:cNvPr id="15" name="Rechteck 14">
-            <a:extLst>
-              <a:ext uri="{FF2B5EF4-FFF2-40B4-BE49-F238E27FC236}">
-                <a16:creationId xmlns:a16="http://schemas.microsoft.com/office/drawing/2014/main" id="{99F09238-9879-A53C-5D61-4EAB3B563C0B}"/>
-              </a:ext>
-            </a:extLst>
-          </p:cNvPr>
-          <p:cNvSpPr/>
-          <p:nvPr/>
-        </p:nvSpPr>
-        <p:spPr>
-          <a:xfrm>
-            <a:off x="8399862" y="606375"/>
-            <a:ext cx="900000" cy="216000"/>
-          </a:xfrm>
-          <a:prstGeom prst="rect">
-            <a:avLst/>
-          </a:prstGeom>
-          <a:ln>
-            <a:solidFill>
-              <a:schemeClr val="bg1"/>
-            </a:solidFill>
-          </a:ln>
-        </p:spPr>
-        <p:style>
-          <a:lnRef idx="2">
-            <a:schemeClr val="dk1"/>
-          </a:lnRef>
-          <a:fillRef idx="1">
-            <a:schemeClr val="lt1"/>
-          </a:fillRef>
-          <a:effectRef idx="0">
-            <a:schemeClr val="dk1"/>
-          </a:effectRef>
-          <a:fontRef idx="minor">
-            <a:schemeClr val="dk1"/>
-          </a:fontRef>
-        </p:style>
-        <p:txBody>
-          <a:bodyPr lIns="36000" rIns="36000" rtlCol="0" anchor="ctr"/>
-          <a:lstStyle/>
-          <a:p>
-            <a:pPr algn="ctr"/>
-            <a:r>
-              <a:rPr lang="de-DE" sz="800" dirty="0">
-                <a:latin typeface="Arial" panose="020B0604020202020204" pitchFamily="34" charset="0"/>
-                <a:cs typeface="Arial" panose="020B0604020202020204" pitchFamily="34" charset="0"/>
-              </a:rPr>
-              <a:t>Soll-Ist-Vergleich</a:t>
-            </a:r>
-          </a:p>
-        </p:txBody>
-      </p:sp>
-      <p:sp>
-        <p:nvSpPr>
-          <p:cNvPr id="16" name="Rechteck 15">
-            <a:extLst>
-              <a:ext uri="{FF2B5EF4-FFF2-40B4-BE49-F238E27FC236}">
-                <a16:creationId xmlns:a16="http://schemas.microsoft.com/office/drawing/2014/main" id="{8ED39D62-5AE6-EE26-54BD-CF747C28BF6E}"/>
-              </a:ext>
-            </a:extLst>
-          </p:cNvPr>
-          <p:cNvSpPr/>
-          <p:nvPr/>
-        </p:nvSpPr>
-        <p:spPr>
-          <a:xfrm>
-            <a:off x="9315455" y="606375"/>
-            <a:ext cx="900000" cy="216000"/>
-          </a:xfrm>
-          <a:prstGeom prst="rect">
-            <a:avLst/>
-          </a:prstGeom>
-          <a:ln>
-            <a:solidFill>
-              <a:schemeClr val="bg1"/>
-            </a:solidFill>
-          </a:ln>
-        </p:spPr>
-        <p:style>
-          <a:lnRef idx="2">
-            <a:schemeClr val="dk1"/>
-          </a:lnRef>
-          <a:fillRef idx="1">
-            <a:schemeClr val="lt1"/>
-          </a:fillRef>
-          <a:effectRef idx="0">
-            <a:schemeClr val="dk1"/>
-          </a:effectRef>
-          <a:fontRef idx="minor">
-            <a:schemeClr val="dk1"/>
-          </a:fontRef>
-        </p:style>
-        <p:txBody>
-          <a:bodyPr lIns="36000" rIns="36000" rtlCol="0" anchor="ctr"/>
-          <a:lstStyle/>
-          <a:p>
-            <a:pPr algn="ctr"/>
-            <a:r>
-              <a:rPr lang="de-DE" sz="800" dirty="0">
-                <a:latin typeface="Arial" panose="020B0604020202020204" pitchFamily="34" charset="0"/>
-                <a:cs typeface="Arial" panose="020B0604020202020204" pitchFamily="34" charset="0"/>
-              </a:rPr>
-              <a:t>Fazit</a:t>
-            </a:r>
-          </a:p>
-        </p:txBody>
-      </p:sp>
-      <p:sp>
-        <p:nvSpPr>
-          <p:cNvPr id="4" name="Datumsplatzhalter 3">
-            <a:extLst>
-              <a:ext uri="{FF2B5EF4-FFF2-40B4-BE49-F238E27FC236}">
-                <a16:creationId xmlns:a16="http://schemas.microsoft.com/office/drawing/2014/main" id="{8D5A7922-2709-67B5-3188-88547633CFD3}"/>
-              </a:ext>
-            </a:extLst>
-          </p:cNvPr>
-          <p:cNvSpPr>
-            <a:spLocks noGrp="1"/>
-          </p:cNvSpPr>
-          <p:nvPr>
-            <p:ph type="dt" sz="half" idx="10"/>
-          </p:nvPr>
-        </p:nvSpPr>
-        <p:spPr/>
-        <p:txBody>
-          <a:bodyPr/>
-          <a:lstStyle/>
-          <a:p>
-            <a:pPr algn="ctr"/>
-            <a:fld id="{6DCE2E55-0611-429C-9DFA-BA78059032C7}" type="datetime1">
-              <a:rPr lang="de-DE" smtClean="0"/>
-              <a:t>30.01.2025</a:t>
-            </a:fld>
-            <a:endParaRPr lang="de-DE" dirty="0"/>
-          </a:p>
-        </p:txBody>
-      </p:sp>
-      <p:sp>
-        <p:nvSpPr>
-          <p:cNvPr id="20" name="Textplatzhalter 19">
-            <a:extLst>
-              <a:ext uri="{FF2B5EF4-FFF2-40B4-BE49-F238E27FC236}">
-                <a16:creationId xmlns:a16="http://schemas.microsoft.com/office/drawing/2014/main" id="{D85DCDA5-1CD0-C7C8-FD5B-1AAD7B4A9C1C}"/>
-              </a:ext>
-            </a:extLst>
-          </p:cNvPr>
-          <p:cNvSpPr>
-            <a:spLocks noGrp="1"/>
-          </p:cNvSpPr>
-          <p:nvPr>
-            <p:ph type="body" sz="quarter" idx="15"/>
-          </p:nvPr>
-        </p:nvSpPr>
-        <p:spPr/>
-        <p:txBody>
-          <a:bodyPr/>
-          <a:lstStyle/>
-          <a:p>
-            <a:r>
-              <a:rPr lang="de-DE" dirty="0"/>
-              <a:t>IT-Akademie Dr. Heuer</a:t>
-            </a:r>
-          </a:p>
-        </p:txBody>
-      </p:sp>
-      <p:sp>
-        <p:nvSpPr>
-          <p:cNvPr id="25" name="Textplatzhalter 19">
-            <a:extLst>
-              <a:ext uri="{FF2B5EF4-FFF2-40B4-BE49-F238E27FC236}">
-                <a16:creationId xmlns:a16="http://schemas.microsoft.com/office/drawing/2014/main" id="{4160718F-4085-9AC7-0DA9-0E678702FEBF}"/>
-              </a:ext>
-            </a:extLst>
-          </p:cNvPr>
-          <p:cNvSpPr txBox="1">
-            <a:spLocks/>
-          </p:cNvSpPr>
-          <p:nvPr/>
-        </p:nvSpPr>
-        <p:spPr>
-          <a:xfrm>
-            <a:off x="748400" y="6396831"/>
-            <a:ext cx="2640000" cy="360000"/>
-          </a:xfrm>
-          <a:prstGeom prst="rect">
-            <a:avLst/>
-          </a:prstGeom>
-        </p:spPr>
-        <p:txBody>
-          <a:bodyPr vert="horz" lIns="91440" tIns="45720" rIns="91440" bIns="45720" rtlCol="0" anchor="ctr">
-            <a:normAutofit/>
-          </a:bodyPr>
-          <a:lstStyle>
-            <a:lvl1pPr marL="0" indent="0" algn="l" defTabSz="914400" rtl="0" eaLnBrk="1" latinLnBrk="0" hangingPunct="1">
-              <a:lnSpc>
-                <a:spcPct val="90000"/>
-              </a:lnSpc>
-              <a:spcBef>
-                <a:spcPts val="1000"/>
-              </a:spcBef>
-              <a:buFont typeface="Arial" panose="020B0604020202020204" pitchFamily="34" charset="0"/>
-              <a:buNone/>
-              <a:defRPr lang="de-DE" sz="1200" kern="1200" smtClean="0">
-                <a:solidFill>
-                  <a:schemeClr val="tx1"/>
-                </a:solidFill>
-                <a:latin typeface="Arial" panose="020B0604020202020204" pitchFamily="34" charset="0"/>
-                <a:ea typeface="+mn-ea"/>
-                <a:cs typeface="Arial" panose="020B0604020202020204" pitchFamily="34" charset="0"/>
-              </a:defRPr>
-            </a:lvl1pPr>
-            <a:lvl2pPr marL="685800" indent="-228600" algn="l" defTabSz="914400" rtl="0" eaLnBrk="1" latinLnBrk="0" hangingPunct="1">
-              <a:lnSpc>
-                <a:spcPct val="90000"/>
-              </a:lnSpc>
-              <a:spcBef>
-                <a:spcPts val="500"/>
-              </a:spcBef>
-              <a:buFont typeface="Arial" panose="020B0604020202020204" pitchFamily="34" charset="0"/>
-              <a:buChar char="•"/>
-              <a:defRPr sz="2400" kern="1200">
-                <a:solidFill>
-                  <a:schemeClr val="tx1"/>
-                </a:solidFill>
-                <a:latin typeface="+mn-lt"/>
-                <a:ea typeface="+mn-ea"/>
-                <a:cs typeface="+mn-cs"/>
-              </a:defRPr>
-            </a:lvl2pPr>
-            <a:lvl3pPr marL="1143000" indent="-228600" algn="l" defTabSz="914400" rtl="0" eaLnBrk="1" latinLnBrk="0" hangingPunct="1">
-              <a:lnSpc>
-                <a:spcPct val="90000"/>
-              </a:lnSpc>
-              <a:spcBef>
-                <a:spcPts val="500"/>
-              </a:spcBef>
-              <a:buFont typeface="Arial" panose="020B0604020202020204" pitchFamily="34" charset="0"/>
-              <a:buChar char="•"/>
-              <a:defRPr sz="2000" kern="1200">
-                <a:solidFill>
-                  <a:schemeClr val="tx1"/>
-                </a:solidFill>
-                <a:latin typeface="+mn-lt"/>
-                <a:ea typeface="+mn-ea"/>
-                <a:cs typeface="+mn-cs"/>
-              </a:defRPr>
-            </a:lvl3pPr>
-            <a:lvl4pPr marL="1600200" indent="-228600" algn="l" defTabSz="914400" rtl="0" eaLnBrk="1" latinLnBrk="0" hangingPunct="1">
-              <a:lnSpc>
-                <a:spcPct val="90000"/>
-              </a:lnSpc>
-              <a:spcBef>
-                <a:spcPts val="500"/>
-              </a:spcBef>
-              <a:buFont typeface="Arial" panose="020B0604020202020204" pitchFamily="34" charset="0"/>
-              <a:buChar char="•"/>
-              <a:defRPr sz="1800" kern="1200">
-                <a:solidFill>
-                  <a:schemeClr val="tx1"/>
-                </a:solidFill>
-                <a:latin typeface="+mn-lt"/>
-                <a:ea typeface="+mn-ea"/>
-                <a:cs typeface="+mn-cs"/>
-              </a:defRPr>
-            </a:lvl4pPr>
-            <a:lvl5pPr marL="2057400" indent="-228600" algn="l" defTabSz="914400" rtl="0" eaLnBrk="1" latinLnBrk="0" hangingPunct="1">
-              <a:lnSpc>
-                <a:spcPct val="90000"/>
-              </a:lnSpc>
-              <a:spcBef>
-                <a:spcPts val="500"/>
-              </a:spcBef>
-              <a:buFont typeface="Arial" panose="020B0604020202020204" pitchFamily="34" charset="0"/>
-              <a:buChar char="•"/>
-              <a:defRPr sz="1800" kern="1200">
-                <a:solidFill>
-                  <a:schemeClr val="tx1"/>
-                </a:solidFill>
-                <a:latin typeface="+mn-lt"/>
-                <a:ea typeface="+mn-ea"/>
-                <a:cs typeface="+mn-cs"/>
-              </a:defRPr>
-            </a:lvl5pPr>
-            <a:lvl6pPr marL="2514600" indent="-228600" algn="l" defTabSz="914400" rtl="0" eaLnBrk="1" latinLnBrk="0" hangingPunct="1">
-              <a:lnSpc>
-                <a:spcPct val="90000"/>
-              </a:lnSpc>
-              <a:spcBef>
-                <a:spcPts val="500"/>
-              </a:spcBef>
-              <a:buFont typeface="Arial" panose="020B0604020202020204" pitchFamily="34" charset="0"/>
-              <a:buChar char="•"/>
-              <a:defRPr sz="1800" kern="1200">
-                <a:solidFill>
-                  <a:schemeClr val="tx1"/>
-                </a:solidFill>
-                <a:latin typeface="+mn-lt"/>
-                <a:ea typeface="+mn-ea"/>
-                <a:cs typeface="+mn-cs"/>
-              </a:defRPr>
-            </a:lvl6pPr>
-            <a:lvl7pPr marL="2971800" indent="-228600" algn="l" defTabSz="914400" rtl="0" eaLnBrk="1" latinLnBrk="0" hangingPunct="1">
-              <a:lnSpc>
-                <a:spcPct val="90000"/>
-              </a:lnSpc>
-              <a:spcBef>
-                <a:spcPts val="500"/>
-              </a:spcBef>
-              <a:buFont typeface="Arial" panose="020B0604020202020204" pitchFamily="34" charset="0"/>
-              <a:buChar char="•"/>
-              <a:defRPr sz="1800" kern="1200">
-                <a:solidFill>
-                  <a:schemeClr val="tx1"/>
-                </a:solidFill>
-                <a:latin typeface="+mn-lt"/>
-                <a:ea typeface="+mn-ea"/>
-                <a:cs typeface="+mn-cs"/>
-              </a:defRPr>
-            </a:lvl7pPr>
-            <a:lvl8pPr marL="3429000" indent="-228600" algn="l" defTabSz="914400" rtl="0" eaLnBrk="1" latinLnBrk="0" hangingPunct="1">
-              <a:lnSpc>
-                <a:spcPct val="90000"/>
-              </a:lnSpc>
-              <a:spcBef>
-                <a:spcPts val="500"/>
-              </a:spcBef>
-              <a:buFont typeface="Arial" panose="020B0604020202020204" pitchFamily="34" charset="0"/>
-              <a:buChar char="•"/>
-              <a:defRPr sz="1800" kern="1200">
-                <a:solidFill>
-                  <a:schemeClr val="tx1"/>
-                </a:solidFill>
-                <a:latin typeface="+mn-lt"/>
-                <a:ea typeface="+mn-ea"/>
-                <a:cs typeface="+mn-cs"/>
-              </a:defRPr>
-            </a:lvl8pPr>
-            <a:lvl9pPr marL="3886200" indent="-228600" algn="l" defTabSz="914400" rtl="0" eaLnBrk="1" latinLnBrk="0" hangingPunct="1">
-              <a:lnSpc>
-                <a:spcPct val="90000"/>
-              </a:lnSpc>
-              <a:spcBef>
-                <a:spcPts val="500"/>
-              </a:spcBef>
-              <a:buFont typeface="Arial" panose="020B0604020202020204" pitchFamily="34" charset="0"/>
-              <a:buChar char="•"/>
-              <a:defRPr sz="1800" kern="1200">
-                <a:solidFill>
-                  <a:schemeClr val="tx1"/>
-                </a:solidFill>
-                <a:latin typeface="+mn-lt"/>
-                <a:ea typeface="+mn-ea"/>
-                <a:cs typeface="+mn-cs"/>
-              </a:defRPr>
-            </a:lvl9pPr>
-          </a:lstStyle>
-          <a:p>
-            <a:r>
-              <a:rPr lang="de-DE" dirty="0"/>
-              <a:t>Gruppenprojekt</a:t>
-            </a:r>
-          </a:p>
-        </p:txBody>
-      </p:sp>
-      <p:sp>
-        <p:nvSpPr>
-          <p:cNvPr id="18" name="Textplatzhalter 25">
-            <a:extLst>
-              <a:ext uri="{FF2B5EF4-FFF2-40B4-BE49-F238E27FC236}">
-                <a16:creationId xmlns:a16="http://schemas.microsoft.com/office/drawing/2014/main" id="{72C78106-7E7F-48B4-6F09-4B4DDCD7FFD8}"/>
-              </a:ext>
-            </a:extLst>
-          </p:cNvPr>
-          <p:cNvSpPr>
-            <a:spLocks noGrp="1"/>
-          </p:cNvSpPr>
-          <p:nvPr>
-            <p:ph type="body" sz="quarter" idx="13"/>
-          </p:nvPr>
-        </p:nvSpPr>
-        <p:spPr>
-          <a:xfrm>
-            <a:off x="609600" y="990600"/>
-            <a:ext cx="10972800" cy="609600"/>
-          </a:xfrm>
-        </p:spPr>
-        <p:txBody>
-          <a:bodyPr>
-            <a:normAutofit/>
-          </a:bodyPr>
-          <a:lstStyle/>
-          <a:p>
-            <a:r>
-              <a:rPr lang="de-DE" dirty="0"/>
-              <a:t>Neue Spezialisierung</a:t>
-            </a:r>
-          </a:p>
-        </p:txBody>
-      </p:sp>
-      <p:sp>
-        <p:nvSpPr>
-          <p:cNvPr id="19" name="Inhaltsplatzhalter 5">
-            <a:extLst>
-              <a:ext uri="{FF2B5EF4-FFF2-40B4-BE49-F238E27FC236}">
-                <a16:creationId xmlns:a16="http://schemas.microsoft.com/office/drawing/2014/main" id="{F05AB910-93EE-EBE8-939D-F4F136548507}"/>
-              </a:ext>
-            </a:extLst>
-          </p:cNvPr>
-          <p:cNvSpPr>
-            <a:spLocks noGrp="1"/>
-          </p:cNvSpPr>
-          <p:nvPr>
-            <p:ph sz="quarter" idx="14"/>
-          </p:nvPr>
-        </p:nvSpPr>
-        <p:spPr>
-          <a:xfrm>
-            <a:off x="609601" y="1768425"/>
-            <a:ext cx="5486400" cy="4098975"/>
-          </a:xfrm>
-        </p:spPr>
-        <p:txBody>
-          <a:bodyPr>
-            <a:normAutofit/>
-          </a:bodyPr>
-          <a:lstStyle/>
-          <a:p>
-            <a:pPr marL="0" indent="0" hangingPunct="0">
-              <a:lnSpc>
-                <a:spcPct val="115000"/>
-              </a:lnSpc>
-              <a:spcAft>
-                <a:spcPts val="1000"/>
-              </a:spcAft>
-              <a:buNone/>
-            </a:pPr>
-            <a:r>
-              <a:rPr lang="de-DE" sz="2800" kern="150" dirty="0">
-                <a:effectLst/>
-                <a:latin typeface="Calibri" panose="020F0502020204030204" pitchFamily="34" charset="0"/>
-                <a:ea typeface="Calibri" panose="020F0502020204030204" pitchFamily="34" charset="0"/>
-                <a:cs typeface="Calibri" panose="020F0502020204030204" pitchFamily="34" charset="0"/>
-              </a:rPr>
-              <a:t>1. </a:t>
-            </a:r>
-            <a:r>
-              <a:rPr lang="de-DE" kern="150" dirty="0">
-                <a:latin typeface="Calibri" panose="020F0502020204030204" pitchFamily="34" charset="0"/>
-                <a:ea typeface="Calibri" panose="020F0502020204030204" pitchFamily="34" charset="0"/>
-                <a:cs typeface="Calibri" panose="020F0502020204030204" pitchFamily="34" charset="0"/>
-              </a:rPr>
-              <a:t>Tabelle anlegen</a:t>
-            </a:r>
-            <a:endParaRPr lang="de-DE" sz="2800" kern="150" dirty="0">
-              <a:effectLst/>
-              <a:latin typeface="Calibri" panose="020F0502020204030204" pitchFamily="34" charset="0"/>
-              <a:ea typeface="Times New Roman" panose="02020603050405020304" pitchFamily="18" charset="0"/>
-              <a:cs typeface="Times New Roman" panose="02020603050405020304" pitchFamily="18" charset="0"/>
-            </a:endParaRPr>
-          </a:p>
-          <a:p>
-            <a:pPr marL="0" indent="0" hangingPunct="0">
-              <a:lnSpc>
-                <a:spcPct val="115000"/>
-              </a:lnSpc>
-              <a:spcAft>
-                <a:spcPts val="1000"/>
-              </a:spcAft>
-              <a:buNone/>
-            </a:pPr>
-            <a:r>
-              <a:rPr lang="de-DE" sz="2800" kern="150" dirty="0">
-                <a:effectLst/>
-                <a:latin typeface="Calibri" panose="020F0502020204030204" pitchFamily="34" charset="0"/>
-                <a:ea typeface="Calibri" panose="020F0502020204030204" pitchFamily="34" charset="0"/>
-                <a:cs typeface="Calibri" panose="020F0502020204030204" pitchFamily="34" charset="0"/>
-              </a:rPr>
-              <a:t>2. </a:t>
-            </a:r>
-            <a:r>
-              <a:rPr lang="de-DE" kern="150" dirty="0">
-                <a:latin typeface="Calibri" panose="020F0502020204030204" pitchFamily="34" charset="0"/>
-                <a:ea typeface="Calibri" panose="020F0502020204030204" pitchFamily="34" charset="0"/>
-                <a:cs typeface="Calibri" panose="020F0502020204030204" pitchFamily="34" charset="0"/>
-              </a:rPr>
-              <a:t>Insert-Prozedur schreiben</a:t>
-            </a:r>
-            <a:endParaRPr lang="de-DE" sz="2800" kern="150" dirty="0">
-              <a:effectLst/>
-              <a:latin typeface="Calibri" panose="020F0502020204030204" pitchFamily="34" charset="0"/>
-              <a:ea typeface="Times New Roman" panose="02020603050405020304" pitchFamily="18" charset="0"/>
-              <a:cs typeface="Times New Roman" panose="02020603050405020304" pitchFamily="18" charset="0"/>
-            </a:endParaRPr>
-          </a:p>
-          <a:p>
-            <a:pPr marL="0" indent="0" hangingPunct="0">
-              <a:lnSpc>
-                <a:spcPct val="115000"/>
-              </a:lnSpc>
-              <a:spcAft>
-                <a:spcPts val="1000"/>
-              </a:spcAft>
-              <a:buNone/>
-            </a:pPr>
-            <a:r>
-              <a:rPr lang="de-DE" sz="2800" kern="150" dirty="0">
-                <a:effectLst/>
-                <a:latin typeface="Calibri" panose="020F0502020204030204" pitchFamily="34" charset="0"/>
-                <a:ea typeface="Calibri" panose="020F0502020204030204" pitchFamily="34" charset="0"/>
-                <a:cs typeface="Calibri" panose="020F0502020204030204" pitchFamily="34" charset="0"/>
-              </a:rPr>
-              <a:t>3. An Master-View anhängen</a:t>
-            </a:r>
-          </a:p>
-          <a:p>
-            <a:pPr marL="0" indent="0" hangingPunct="0">
-              <a:lnSpc>
-                <a:spcPct val="115000"/>
-              </a:lnSpc>
-              <a:spcAft>
-                <a:spcPts val="1000"/>
-              </a:spcAft>
-              <a:buNone/>
-            </a:pPr>
-            <a:r>
-              <a:rPr lang="de-DE" sz="2800" kern="150" dirty="0">
-                <a:effectLst/>
-                <a:latin typeface="Calibri" panose="020F0502020204030204" pitchFamily="34" charset="0"/>
-                <a:ea typeface="Times New Roman" panose="02020603050405020304" pitchFamily="18" charset="0"/>
-                <a:cs typeface="Times New Roman" panose="02020603050405020304" pitchFamily="18" charset="0"/>
-              </a:rPr>
-              <a:t>*4. Eigenen View anlegen</a:t>
-            </a:r>
-          </a:p>
-        </p:txBody>
-      </p:sp>
-    </p:spTree>
-    <p:extLst>
-      <p:ext uri="{BB962C8B-B14F-4D97-AF65-F5344CB8AC3E}">
-        <p14:creationId xmlns:p14="http://schemas.microsoft.com/office/powerpoint/2010/main" val="206485930"/>
       </p:ext>
     </p:extLst>
   </p:cSld>
@@ -29752,6 +28453,962 @@
         <p:cNvPr id="1" name="">
           <a:extLst>
             <a:ext uri="{FF2B5EF4-FFF2-40B4-BE49-F238E27FC236}">
+              <a16:creationId xmlns:a16="http://schemas.microsoft.com/office/drawing/2014/main" id="{0F95A21A-CD9F-5AC5-134E-26BC61E52342}"/>
+            </a:ext>
+          </a:extLst>
+        </p:cNvPr>
+        <p:cNvGrpSpPr/>
+        <p:nvPr/>
+      </p:nvGrpSpPr>
+      <p:grpSpPr>
+        <a:xfrm>
+          <a:off x="0" y="0"/>
+          <a:ext cx="0" cy="0"/>
+          <a:chOff x="0" y="0"/>
+          <a:chExt cx="0" cy="0"/>
+        </a:xfrm>
+      </p:grpSpPr>
+      <p:sp>
+        <p:nvSpPr>
+          <p:cNvPr id="10" name="Rechteck 9">
+            <a:extLst>
+              <a:ext uri="{FF2B5EF4-FFF2-40B4-BE49-F238E27FC236}">
+                <a16:creationId xmlns:a16="http://schemas.microsoft.com/office/drawing/2014/main" id="{0C1743CF-0467-5446-20CF-84D561A7416F}"/>
+              </a:ext>
+            </a:extLst>
+          </p:cNvPr>
+          <p:cNvSpPr/>
+          <p:nvPr/>
+        </p:nvSpPr>
+        <p:spPr>
+          <a:xfrm>
+            <a:off x="4737498" y="606375"/>
+            <a:ext cx="900000" cy="216000"/>
+          </a:xfrm>
+          <a:prstGeom prst="rect">
+            <a:avLst/>
+          </a:prstGeom>
+          <a:ln>
+            <a:solidFill>
+              <a:schemeClr val="bg1"/>
+            </a:solidFill>
+          </a:ln>
+        </p:spPr>
+        <p:style>
+          <a:lnRef idx="2">
+            <a:schemeClr val="dk1"/>
+          </a:lnRef>
+          <a:fillRef idx="1">
+            <a:schemeClr val="lt1"/>
+          </a:fillRef>
+          <a:effectRef idx="0">
+            <a:schemeClr val="dk1"/>
+          </a:effectRef>
+          <a:fontRef idx="minor">
+            <a:schemeClr val="dk1"/>
+          </a:fontRef>
+        </p:style>
+        <p:txBody>
+          <a:bodyPr lIns="36000" rIns="36000" rtlCol="0" anchor="ctr"/>
+          <a:lstStyle/>
+          <a:p>
+            <a:pPr algn="ctr"/>
+            <a:r>
+              <a:rPr lang="de-DE" sz="800" dirty="0">
+                <a:latin typeface="Arial" panose="020B0604020202020204" pitchFamily="34" charset="0"/>
+                <a:cs typeface="Arial" panose="020B0604020202020204" pitchFamily="34" charset="0"/>
+              </a:rPr>
+              <a:t>Soll-Zustand</a:t>
+            </a:r>
+          </a:p>
+        </p:txBody>
+      </p:sp>
+      <p:sp>
+        <p:nvSpPr>
+          <p:cNvPr id="13" name="Rechteck 12">
+            <a:extLst>
+              <a:ext uri="{FF2B5EF4-FFF2-40B4-BE49-F238E27FC236}">
+                <a16:creationId xmlns:a16="http://schemas.microsoft.com/office/drawing/2014/main" id="{3D3C6A53-3948-BEB6-0000-4339E4C98073}"/>
+              </a:ext>
+            </a:extLst>
+          </p:cNvPr>
+          <p:cNvSpPr/>
+          <p:nvPr/>
+        </p:nvSpPr>
+        <p:spPr>
+          <a:xfrm>
+            <a:off x="6568680" y="606375"/>
+            <a:ext cx="900000" cy="216000"/>
+          </a:xfrm>
+          <a:prstGeom prst="rect">
+            <a:avLst/>
+          </a:prstGeom>
+          <a:ln>
+            <a:solidFill>
+              <a:schemeClr val="bg1"/>
+            </a:solidFill>
+          </a:ln>
+        </p:spPr>
+        <p:style>
+          <a:lnRef idx="2">
+            <a:schemeClr val="dk1"/>
+          </a:lnRef>
+          <a:fillRef idx="1">
+            <a:schemeClr val="lt1"/>
+          </a:fillRef>
+          <a:effectRef idx="0">
+            <a:schemeClr val="dk1"/>
+          </a:effectRef>
+          <a:fontRef idx="minor">
+            <a:schemeClr val="dk1"/>
+          </a:fontRef>
+        </p:style>
+        <p:txBody>
+          <a:bodyPr lIns="36000" rIns="36000" rtlCol="0" anchor="ctr"/>
+          <a:lstStyle/>
+          <a:p>
+            <a:pPr algn="ctr"/>
+            <a:r>
+              <a:rPr lang="de-DE" sz="800" dirty="0">
+                <a:latin typeface="Arial" panose="020B0604020202020204" pitchFamily="34" charset="0"/>
+                <a:cs typeface="Arial" panose="020B0604020202020204" pitchFamily="34" charset="0"/>
+              </a:rPr>
+              <a:t>Durchführung</a:t>
+            </a:r>
+          </a:p>
+        </p:txBody>
+      </p:sp>
+      <p:sp>
+        <p:nvSpPr>
+          <p:cNvPr id="7" name="Rechteck 6">
+            <a:extLst>
+              <a:ext uri="{FF2B5EF4-FFF2-40B4-BE49-F238E27FC236}">
+                <a16:creationId xmlns:a16="http://schemas.microsoft.com/office/drawing/2014/main" id="{FB361135-5016-8E37-22EB-DD343A2C8BCE}"/>
+              </a:ext>
+            </a:extLst>
+          </p:cNvPr>
+          <p:cNvSpPr/>
+          <p:nvPr/>
+        </p:nvSpPr>
+        <p:spPr>
+          <a:xfrm>
+            <a:off x="1990725" y="606375"/>
+            <a:ext cx="900000" cy="216000"/>
+          </a:xfrm>
+          <a:prstGeom prst="rect">
+            <a:avLst/>
+          </a:prstGeom>
+          <a:ln/>
+        </p:spPr>
+        <p:style>
+          <a:lnRef idx="1">
+            <a:schemeClr val="accent5"/>
+          </a:lnRef>
+          <a:fillRef idx="3">
+            <a:schemeClr val="accent5"/>
+          </a:fillRef>
+          <a:effectRef idx="2">
+            <a:schemeClr val="accent5"/>
+          </a:effectRef>
+          <a:fontRef idx="minor">
+            <a:schemeClr val="lt1"/>
+          </a:fontRef>
+        </p:style>
+        <p:txBody>
+          <a:bodyPr lIns="36000" rIns="36000" rtlCol="0" anchor="ctr"/>
+          <a:lstStyle/>
+          <a:p>
+            <a:pPr algn="ctr"/>
+            <a:r>
+              <a:rPr lang="de-DE" sz="800" dirty="0">
+                <a:latin typeface="Arial" panose="020B0604020202020204" pitchFamily="34" charset="0"/>
+                <a:cs typeface="Arial" panose="020B0604020202020204" pitchFamily="34" charset="0"/>
+              </a:rPr>
+              <a:t>Inhalt</a:t>
+            </a:r>
+          </a:p>
+        </p:txBody>
+      </p:sp>
+      <p:sp>
+        <p:nvSpPr>
+          <p:cNvPr id="12" name="Rechteck 11">
+            <a:extLst>
+              <a:ext uri="{FF2B5EF4-FFF2-40B4-BE49-F238E27FC236}">
+                <a16:creationId xmlns:a16="http://schemas.microsoft.com/office/drawing/2014/main" id="{A7794D67-2092-B784-DF07-63DE179B2471}"/>
+              </a:ext>
+            </a:extLst>
+          </p:cNvPr>
+          <p:cNvSpPr/>
+          <p:nvPr/>
+        </p:nvSpPr>
+        <p:spPr>
+          <a:xfrm>
+            <a:off x="2906316" y="606375"/>
+            <a:ext cx="900000" cy="216000"/>
+          </a:xfrm>
+          <a:prstGeom prst="rect">
+            <a:avLst/>
+          </a:prstGeom>
+          <a:ln>
+            <a:solidFill>
+              <a:schemeClr val="bg1"/>
+            </a:solidFill>
+          </a:ln>
+        </p:spPr>
+        <p:style>
+          <a:lnRef idx="2">
+            <a:schemeClr val="dk1"/>
+          </a:lnRef>
+          <a:fillRef idx="1">
+            <a:schemeClr val="lt1"/>
+          </a:fillRef>
+          <a:effectRef idx="0">
+            <a:schemeClr val="dk1"/>
+          </a:effectRef>
+          <a:fontRef idx="minor">
+            <a:schemeClr val="dk1"/>
+          </a:fontRef>
+        </p:style>
+        <p:txBody>
+          <a:bodyPr lIns="36000" rIns="36000" rtlCol="0" anchor="ctr"/>
+          <a:lstStyle/>
+          <a:p>
+            <a:pPr algn="ctr"/>
+            <a:r>
+              <a:rPr lang="de-DE" sz="800" dirty="0">
+                <a:latin typeface="Arial" panose="020B0604020202020204" pitchFamily="34" charset="0"/>
+                <a:cs typeface="Arial" panose="020B0604020202020204" pitchFamily="34" charset="0"/>
+              </a:rPr>
+              <a:t>Betriebsumfeld</a:t>
+            </a:r>
+          </a:p>
+        </p:txBody>
+      </p:sp>
+      <p:sp>
+        <p:nvSpPr>
+          <p:cNvPr id="9" name="Rechteck 8">
+            <a:extLst>
+              <a:ext uri="{FF2B5EF4-FFF2-40B4-BE49-F238E27FC236}">
+                <a16:creationId xmlns:a16="http://schemas.microsoft.com/office/drawing/2014/main" id="{129C57A9-4695-4BCB-3537-18B6A43BC3A3}"/>
+              </a:ext>
+            </a:extLst>
+          </p:cNvPr>
+          <p:cNvSpPr/>
+          <p:nvPr/>
+        </p:nvSpPr>
+        <p:spPr>
+          <a:xfrm>
+            <a:off x="3821907" y="606375"/>
+            <a:ext cx="900000" cy="216000"/>
+          </a:xfrm>
+          <a:prstGeom prst="rect">
+            <a:avLst/>
+          </a:prstGeom>
+          <a:ln>
+            <a:solidFill>
+              <a:schemeClr val="bg1"/>
+            </a:solidFill>
+          </a:ln>
+        </p:spPr>
+        <p:style>
+          <a:lnRef idx="2">
+            <a:schemeClr val="dk1"/>
+          </a:lnRef>
+          <a:fillRef idx="1">
+            <a:schemeClr val="lt1"/>
+          </a:fillRef>
+          <a:effectRef idx="0">
+            <a:schemeClr val="dk1"/>
+          </a:effectRef>
+          <a:fontRef idx="minor">
+            <a:schemeClr val="dk1"/>
+          </a:fontRef>
+        </p:style>
+        <p:txBody>
+          <a:bodyPr lIns="36000" rIns="36000" rtlCol="0" anchor="ctr"/>
+          <a:lstStyle/>
+          <a:p>
+            <a:pPr algn="ctr"/>
+            <a:r>
+              <a:rPr lang="de-DE" sz="800" dirty="0">
+                <a:latin typeface="Arial" panose="020B0604020202020204" pitchFamily="34" charset="0"/>
+                <a:cs typeface="Arial" panose="020B0604020202020204" pitchFamily="34" charset="0"/>
+              </a:rPr>
+              <a:t>Ist-Zustand</a:t>
+            </a:r>
+          </a:p>
+        </p:txBody>
+      </p:sp>
+      <p:sp>
+        <p:nvSpPr>
+          <p:cNvPr id="11" name="Rechteck 10">
+            <a:extLst>
+              <a:ext uri="{FF2B5EF4-FFF2-40B4-BE49-F238E27FC236}">
+                <a16:creationId xmlns:a16="http://schemas.microsoft.com/office/drawing/2014/main" id="{ACDC25D8-5D2D-397E-E584-975BE4E5A801}"/>
+              </a:ext>
+            </a:extLst>
+          </p:cNvPr>
+          <p:cNvSpPr/>
+          <p:nvPr/>
+        </p:nvSpPr>
+        <p:spPr>
+          <a:xfrm>
+            <a:off x="5653089" y="606375"/>
+            <a:ext cx="900000" cy="216000"/>
+          </a:xfrm>
+          <a:prstGeom prst="rect">
+            <a:avLst/>
+          </a:prstGeom>
+          <a:ln>
+            <a:solidFill>
+              <a:schemeClr val="bg1"/>
+            </a:solidFill>
+          </a:ln>
+        </p:spPr>
+        <p:style>
+          <a:lnRef idx="2">
+            <a:schemeClr val="dk1"/>
+          </a:lnRef>
+          <a:fillRef idx="1">
+            <a:schemeClr val="lt1"/>
+          </a:fillRef>
+          <a:effectRef idx="0">
+            <a:schemeClr val="dk1"/>
+          </a:effectRef>
+          <a:fontRef idx="minor">
+            <a:schemeClr val="dk1"/>
+          </a:fontRef>
+        </p:style>
+        <p:txBody>
+          <a:bodyPr lIns="36000" rIns="36000" rtlCol="0" anchor="ctr"/>
+          <a:lstStyle/>
+          <a:p>
+            <a:pPr algn="ctr"/>
+            <a:r>
+              <a:rPr lang="de-DE" sz="800" dirty="0">
+                <a:latin typeface="Arial" panose="020B0604020202020204" pitchFamily="34" charset="0"/>
+                <a:cs typeface="Arial" panose="020B0604020202020204" pitchFamily="34" charset="0"/>
+              </a:rPr>
+              <a:t>Wirtschaftlichkeit</a:t>
+            </a:r>
+          </a:p>
+        </p:txBody>
+      </p:sp>
+      <p:sp>
+        <p:nvSpPr>
+          <p:cNvPr id="14" name="Rechteck 13">
+            <a:extLst>
+              <a:ext uri="{FF2B5EF4-FFF2-40B4-BE49-F238E27FC236}">
+                <a16:creationId xmlns:a16="http://schemas.microsoft.com/office/drawing/2014/main" id="{183F1EFD-94BE-CB79-E328-123D821E0237}"/>
+              </a:ext>
+            </a:extLst>
+          </p:cNvPr>
+          <p:cNvSpPr/>
+          <p:nvPr/>
+        </p:nvSpPr>
+        <p:spPr>
+          <a:xfrm>
+            <a:off x="7484271" y="606375"/>
+            <a:ext cx="900000" cy="216000"/>
+          </a:xfrm>
+          <a:prstGeom prst="rect">
+            <a:avLst/>
+          </a:prstGeom>
+          <a:ln>
+            <a:solidFill>
+              <a:schemeClr val="bg1"/>
+            </a:solidFill>
+          </a:ln>
+        </p:spPr>
+        <p:style>
+          <a:lnRef idx="2">
+            <a:schemeClr val="dk1"/>
+          </a:lnRef>
+          <a:fillRef idx="1">
+            <a:schemeClr val="lt1"/>
+          </a:fillRef>
+          <a:effectRef idx="0">
+            <a:schemeClr val="dk1"/>
+          </a:effectRef>
+          <a:fontRef idx="minor">
+            <a:schemeClr val="dk1"/>
+          </a:fontRef>
+        </p:style>
+        <p:txBody>
+          <a:bodyPr lIns="36000" rIns="36000" rtlCol="0" anchor="ctr"/>
+          <a:lstStyle/>
+          <a:p>
+            <a:pPr algn="ctr"/>
+            <a:r>
+              <a:rPr lang="de-DE" sz="800" dirty="0">
+                <a:latin typeface="Arial" panose="020B0604020202020204" pitchFamily="34" charset="0"/>
+                <a:cs typeface="Arial" panose="020B0604020202020204" pitchFamily="34" charset="0"/>
+              </a:rPr>
+              <a:t>Tests</a:t>
+            </a:r>
+          </a:p>
+        </p:txBody>
+      </p:sp>
+      <p:sp>
+        <p:nvSpPr>
+          <p:cNvPr id="15" name="Rechteck 14">
+            <a:extLst>
+              <a:ext uri="{FF2B5EF4-FFF2-40B4-BE49-F238E27FC236}">
+                <a16:creationId xmlns:a16="http://schemas.microsoft.com/office/drawing/2014/main" id="{99F09238-9879-A53C-5D61-4EAB3B563C0B}"/>
+              </a:ext>
+            </a:extLst>
+          </p:cNvPr>
+          <p:cNvSpPr/>
+          <p:nvPr/>
+        </p:nvSpPr>
+        <p:spPr>
+          <a:xfrm>
+            <a:off x="8399862" y="606375"/>
+            <a:ext cx="900000" cy="216000"/>
+          </a:xfrm>
+          <a:prstGeom prst="rect">
+            <a:avLst/>
+          </a:prstGeom>
+          <a:ln>
+            <a:solidFill>
+              <a:schemeClr val="bg1"/>
+            </a:solidFill>
+          </a:ln>
+        </p:spPr>
+        <p:style>
+          <a:lnRef idx="2">
+            <a:schemeClr val="dk1"/>
+          </a:lnRef>
+          <a:fillRef idx="1">
+            <a:schemeClr val="lt1"/>
+          </a:fillRef>
+          <a:effectRef idx="0">
+            <a:schemeClr val="dk1"/>
+          </a:effectRef>
+          <a:fontRef idx="minor">
+            <a:schemeClr val="dk1"/>
+          </a:fontRef>
+        </p:style>
+        <p:txBody>
+          <a:bodyPr lIns="36000" rIns="36000" rtlCol="0" anchor="ctr"/>
+          <a:lstStyle/>
+          <a:p>
+            <a:pPr algn="ctr"/>
+            <a:r>
+              <a:rPr lang="de-DE" sz="800" dirty="0">
+                <a:latin typeface="Arial" panose="020B0604020202020204" pitchFamily="34" charset="0"/>
+                <a:cs typeface="Arial" panose="020B0604020202020204" pitchFamily="34" charset="0"/>
+              </a:rPr>
+              <a:t>Soll-Ist-Vergleich</a:t>
+            </a:r>
+          </a:p>
+        </p:txBody>
+      </p:sp>
+      <p:sp>
+        <p:nvSpPr>
+          <p:cNvPr id="16" name="Rechteck 15">
+            <a:extLst>
+              <a:ext uri="{FF2B5EF4-FFF2-40B4-BE49-F238E27FC236}">
+                <a16:creationId xmlns:a16="http://schemas.microsoft.com/office/drawing/2014/main" id="{8ED39D62-5AE6-EE26-54BD-CF747C28BF6E}"/>
+              </a:ext>
+            </a:extLst>
+          </p:cNvPr>
+          <p:cNvSpPr/>
+          <p:nvPr/>
+        </p:nvSpPr>
+        <p:spPr>
+          <a:xfrm>
+            <a:off x="9315455" y="606375"/>
+            <a:ext cx="900000" cy="216000"/>
+          </a:xfrm>
+          <a:prstGeom prst="rect">
+            <a:avLst/>
+          </a:prstGeom>
+          <a:ln>
+            <a:solidFill>
+              <a:schemeClr val="bg1"/>
+            </a:solidFill>
+          </a:ln>
+        </p:spPr>
+        <p:style>
+          <a:lnRef idx="2">
+            <a:schemeClr val="dk1"/>
+          </a:lnRef>
+          <a:fillRef idx="1">
+            <a:schemeClr val="lt1"/>
+          </a:fillRef>
+          <a:effectRef idx="0">
+            <a:schemeClr val="dk1"/>
+          </a:effectRef>
+          <a:fontRef idx="minor">
+            <a:schemeClr val="dk1"/>
+          </a:fontRef>
+        </p:style>
+        <p:txBody>
+          <a:bodyPr lIns="36000" rIns="36000" rtlCol="0" anchor="ctr"/>
+          <a:lstStyle/>
+          <a:p>
+            <a:pPr algn="ctr"/>
+            <a:r>
+              <a:rPr lang="de-DE" sz="800" dirty="0">
+                <a:latin typeface="Arial" panose="020B0604020202020204" pitchFamily="34" charset="0"/>
+                <a:cs typeface="Arial" panose="020B0604020202020204" pitchFamily="34" charset="0"/>
+              </a:rPr>
+              <a:t>Fazit</a:t>
+            </a:r>
+          </a:p>
+        </p:txBody>
+      </p:sp>
+      <p:sp>
+        <p:nvSpPr>
+          <p:cNvPr id="4" name="Datumsplatzhalter 3">
+            <a:extLst>
+              <a:ext uri="{FF2B5EF4-FFF2-40B4-BE49-F238E27FC236}">
+                <a16:creationId xmlns:a16="http://schemas.microsoft.com/office/drawing/2014/main" id="{8D5A7922-2709-67B5-3188-88547633CFD3}"/>
+              </a:ext>
+            </a:extLst>
+          </p:cNvPr>
+          <p:cNvSpPr>
+            <a:spLocks noGrp="1"/>
+          </p:cNvSpPr>
+          <p:nvPr>
+            <p:ph type="dt" sz="half" idx="10"/>
+          </p:nvPr>
+        </p:nvSpPr>
+        <p:spPr/>
+        <p:txBody>
+          <a:bodyPr/>
+          <a:lstStyle/>
+          <a:p>
+            <a:pPr algn="ctr"/>
+            <a:fld id="{6DCE2E55-0611-429C-9DFA-BA78059032C7}" type="datetime1">
+              <a:rPr lang="de-DE" smtClean="0"/>
+              <a:t>30.01.2025</a:t>
+            </a:fld>
+            <a:endParaRPr lang="de-DE" dirty="0"/>
+          </a:p>
+        </p:txBody>
+      </p:sp>
+      <p:sp>
+        <p:nvSpPr>
+          <p:cNvPr id="20" name="Textplatzhalter 19">
+            <a:extLst>
+              <a:ext uri="{FF2B5EF4-FFF2-40B4-BE49-F238E27FC236}">
+                <a16:creationId xmlns:a16="http://schemas.microsoft.com/office/drawing/2014/main" id="{D85DCDA5-1CD0-C7C8-FD5B-1AAD7B4A9C1C}"/>
+              </a:ext>
+            </a:extLst>
+          </p:cNvPr>
+          <p:cNvSpPr>
+            <a:spLocks noGrp="1"/>
+          </p:cNvSpPr>
+          <p:nvPr>
+            <p:ph type="body" sz="quarter" idx="15"/>
+          </p:nvPr>
+        </p:nvSpPr>
+        <p:spPr/>
+        <p:txBody>
+          <a:bodyPr/>
+          <a:lstStyle/>
+          <a:p>
+            <a:r>
+              <a:rPr lang="de-DE" dirty="0"/>
+              <a:t>IT-Akademie Dr. Heuer</a:t>
+            </a:r>
+          </a:p>
+        </p:txBody>
+      </p:sp>
+      <p:sp>
+        <p:nvSpPr>
+          <p:cNvPr id="25" name="Textplatzhalter 19">
+            <a:extLst>
+              <a:ext uri="{FF2B5EF4-FFF2-40B4-BE49-F238E27FC236}">
+                <a16:creationId xmlns:a16="http://schemas.microsoft.com/office/drawing/2014/main" id="{4160718F-4085-9AC7-0DA9-0E678702FEBF}"/>
+              </a:ext>
+            </a:extLst>
+          </p:cNvPr>
+          <p:cNvSpPr txBox="1">
+            <a:spLocks/>
+          </p:cNvSpPr>
+          <p:nvPr/>
+        </p:nvSpPr>
+        <p:spPr>
+          <a:xfrm>
+            <a:off x="748400" y="6396831"/>
+            <a:ext cx="2640000" cy="360000"/>
+          </a:xfrm>
+          <a:prstGeom prst="rect">
+            <a:avLst/>
+          </a:prstGeom>
+        </p:spPr>
+        <p:txBody>
+          <a:bodyPr vert="horz" lIns="91440" tIns="45720" rIns="91440" bIns="45720" rtlCol="0" anchor="ctr">
+            <a:normAutofit/>
+          </a:bodyPr>
+          <a:lstStyle>
+            <a:lvl1pPr marL="0" indent="0" algn="l" defTabSz="914400" rtl="0" eaLnBrk="1" latinLnBrk="0" hangingPunct="1">
+              <a:lnSpc>
+                <a:spcPct val="90000"/>
+              </a:lnSpc>
+              <a:spcBef>
+                <a:spcPts val="1000"/>
+              </a:spcBef>
+              <a:buFont typeface="Arial" panose="020B0604020202020204" pitchFamily="34" charset="0"/>
+              <a:buNone/>
+              <a:defRPr lang="de-DE" sz="1200" kern="1200" smtClean="0">
+                <a:solidFill>
+                  <a:schemeClr val="tx1"/>
+                </a:solidFill>
+                <a:latin typeface="Arial" panose="020B0604020202020204" pitchFamily="34" charset="0"/>
+                <a:ea typeface="+mn-ea"/>
+                <a:cs typeface="Arial" panose="020B0604020202020204" pitchFamily="34" charset="0"/>
+              </a:defRPr>
+            </a:lvl1pPr>
+            <a:lvl2pPr marL="685800" indent="-228600" algn="l" defTabSz="914400" rtl="0" eaLnBrk="1" latinLnBrk="0" hangingPunct="1">
+              <a:lnSpc>
+                <a:spcPct val="90000"/>
+              </a:lnSpc>
+              <a:spcBef>
+                <a:spcPts val="500"/>
+              </a:spcBef>
+              <a:buFont typeface="Arial" panose="020B0604020202020204" pitchFamily="34" charset="0"/>
+              <a:buChar char="•"/>
+              <a:defRPr sz="2400" kern="1200">
+                <a:solidFill>
+                  <a:schemeClr val="tx1"/>
+                </a:solidFill>
+                <a:latin typeface="+mn-lt"/>
+                <a:ea typeface="+mn-ea"/>
+                <a:cs typeface="+mn-cs"/>
+              </a:defRPr>
+            </a:lvl2pPr>
+            <a:lvl3pPr marL="1143000" indent="-228600" algn="l" defTabSz="914400" rtl="0" eaLnBrk="1" latinLnBrk="0" hangingPunct="1">
+              <a:lnSpc>
+                <a:spcPct val="90000"/>
+              </a:lnSpc>
+              <a:spcBef>
+                <a:spcPts val="500"/>
+              </a:spcBef>
+              <a:buFont typeface="Arial" panose="020B0604020202020204" pitchFamily="34" charset="0"/>
+              <a:buChar char="•"/>
+              <a:defRPr sz="2000" kern="1200">
+                <a:solidFill>
+                  <a:schemeClr val="tx1"/>
+                </a:solidFill>
+                <a:latin typeface="+mn-lt"/>
+                <a:ea typeface="+mn-ea"/>
+                <a:cs typeface="+mn-cs"/>
+              </a:defRPr>
+            </a:lvl3pPr>
+            <a:lvl4pPr marL="1600200" indent="-228600" algn="l" defTabSz="914400" rtl="0" eaLnBrk="1" latinLnBrk="0" hangingPunct="1">
+              <a:lnSpc>
+                <a:spcPct val="90000"/>
+              </a:lnSpc>
+              <a:spcBef>
+                <a:spcPts val="500"/>
+              </a:spcBef>
+              <a:buFont typeface="Arial" panose="020B0604020202020204" pitchFamily="34" charset="0"/>
+              <a:buChar char="•"/>
+              <a:defRPr sz="1800" kern="1200">
+                <a:solidFill>
+                  <a:schemeClr val="tx1"/>
+                </a:solidFill>
+                <a:latin typeface="+mn-lt"/>
+                <a:ea typeface="+mn-ea"/>
+                <a:cs typeface="+mn-cs"/>
+              </a:defRPr>
+            </a:lvl4pPr>
+            <a:lvl5pPr marL="2057400" indent="-228600" algn="l" defTabSz="914400" rtl="0" eaLnBrk="1" latinLnBrk="0" hangingPunct="1">
+              <a:lnSpc>
+                <a:spcPct val="90000"/>
+              </a:lnSpc>
+              <a:spcBef>
+                <a:spcPts val="500"/>
+              </a:spcBef>
+              <a:buFont typeface="Arial" panose="020B0604020202020204" pitchFamily="34" charset="0"/>
+              <a:buChar char="•"/>
+              <a:defRPr sz="1800" kern="1200">
+                <a:solidFill>
+                  <a:schemeClr val="tx1"/>
+                </a:solidFill>
+                <a:latin typeface="+mn-lt"/>
+                <a:ea typeface="+mn-ea"/>
+                <a:cs typeface="+mn-cs"/>
+              </a:defRPr>
+            </a:lvl5pPr>
+            <a:lvl6pPr marL="2514600" indent="-228600" algn="l" defTabSz="914400" rtl="0" eaLnBrk="1" latinLnBrk="0" hangingPunct="1">
+              <a:lnSpc>
+                <a:spcPct val="90000"/>
+              </a:lnSpc>
+              <a:spcBef>
+                <a:spcPts val="500"/>
+              </a:spcBef>
+              <a:buFont typeface="Arial" panose="020B0604020202020204" pitchFamily="34" charset="0"/>
+              <a:buChar char="•"/>
+              <a:defRPr sz="1800" kern="1200">
+                <a:solidFill>
+                  <a:schemeClr val="tx1"/>
+                </a:solidFill>
+                <a:latin typeface="+mn-lt"/>
+                <a:ea typeface="+mn-ea"/>
+                <a:cs typeface="+mn-cs"/>
+              </a:defRPr>
+            </a:lvl6pPr>
+            <a:lvl7pPr marL="2971800" indent="-228600" algn="l" defTabSz="914400" rtl="0" eaLnBrk="1" latinLnBrk="0" hangingPunct="1">
+              <a:lnSpc>
+                <a:spcPct val="90000"/>
+              </a:lnSpc>
+              <a:spcBef>
+                <a:spcPts val="500"/>
+              </a:spcBef>
+              <a:buFont typeface="Arial" panose="020B0604020202020204" pitchFamily="34" charset="0"/>
+              <a:buChar char="•"/>
+              <a:defRPr sz="1800" kern="1200">
+                <a:solidFill>
+                  <a:schemeClr val="tx1"/>
+                </a:solidFill>
+                <a:latin typeface="+mn-lt"/>
+                <a:ea typeface="+mn-ea"/>
+                <a:cs typeface="+mn-cs"/>
+              </a:defRPr>
+            </a:lvl7pPr>
+            <a:lvl8pPr marL="3429000" indent="-228600" algn="l" defTabSz="914400" rtl="0" eaLnBrk="1" latinLnBrk="0" hangingPunct="1">
+              <a:lnSpc>
+                <a:spcPct val="90000"/>
+              </a:lnSpc>
+              <a:spcBef>
+                <a:spcPts val="500"/>
+              </a:spcBef>
+              <a:buFont typeface="Arial" panose="020B0604020202020204" pitchFamily="34" charset="0"/>
+              <a:buChar char="•"/>
+              <a:defRPr sz="1800" kern="1200">
+                <a:solidFill>
+                  <a:schemeClr val="tx1"/>
+                </a:solidFill>
+                <a:latin typeface="+mn-lt"/>
+                <a:ea typeface="+mn-ea"/>
+                <a:cs typeface="+mn-cs"/>
+              </a:defRPr>
+            </a:lvl8pPr>
+            <a:lvl9pPr marL="3886200" indent="-228600" algn="l" defTabSz="914400" rtl="0" eaLnBrk="1" latinLnBrk="0" hangingPunct="1">
+              <a:lnSpc>
+                <a:spcPct val="90000"/>
+              </a:lnSpc>
+              <a:spcBef>
+                <a:spcPts val="500"/>
+              </a:spcBef>
+              <a:buFont typeface="Arial" panose="020B0604020202020204" pitchFamily="34" charset="0"/>
+              <a:buChar char="•"/>
+              <a:defRPr sz="1800" kern="1200">
+                <a:solidFill>
+                  <a:schemeClr val="tx1"/>
+                </a:solidFill>
+                <a:latin typeface="+mn-lt"/>
+                <a:ea typeface="+mn-ea"/>
+                <a:cs typeface="+mn-cs"/>
+              </a:defRPr>
+            </a:lvl9pPr>
+          </a:lstStyle>
+          <a:p>
+            <a:r>
+              <a:rPr lang="de-DE" dirty="0"/>
+              <a:t>Gruppenprojekt</a:t>
+            </a:r>
+          </a:p>
+        </p:txBody>
+      </p:sp>
+      <p:sp>
+        <p:nvSpPr>
+          <p:cNvPr id="18" name="Textplatzhalter 25">
+            <a:extLst>
+              <a:ext uri="{FF2B5EF4-FFF2-40B4-BE49-F238E27FC236}">
+                <a16:creationId xmlns:a16="http://schemas.microsoft.com/office/drawing/2014/main" id="{72C78106-7E7F-48B4-6F09-4B4DDCD7FFD8}"/>
+              </a:ext>
+            </a:extLst>
+          </p:cNvPr>
+          <p:cNvSpPr>
+            <a:spLocks noGrp="1"/>
+          </p:cNvSpPr>
+          <p:nvPr>
+            <p:ph type="body" sz="quarter" idx="13"/>
+          </p:nvPr>
+        </p:nvSpPr>
+        <p:spPr>
+          <a:xfrm>
+            <a:off x="609600" y="990600"/>
+            <a:ext cx="10972800" cy="609600"/>
+          </a:xfrm>
+        </p:spPr>
+        <p:txBody>
+          <a:bodyPr>
+            <a:normAutofit/>
+          </a:bodyPr>
+          <a:lstStyle/>
+          <a:p>
+            <a:r>
+              <a:rPr lang="de-DE" dirty="0"/>
+              <a:t>Neue Spezialisierung</a:t>
+            </a:r>
+          </a:p>
+        </p:txBody>
+      </p:sp>
+      <p:sp>
+        <p:nvSpPr>
+          <p:cNvPr id="19" name="Inhaltsplatzhalter 5">
+            <a:extLst>
+              <a:ext uri="{FF2B5EF4-FFF2-40B4-BE49-F238E27FC236}">
+                <a16:creationId xmlns:a16="http://schemas.microsoft.com/office/drawing/2014/main" id="{F05AB910-93EE-EBE8-939D-F4F136548507}"/>
+              </a:ext>
+            </a:extLst>
+          </p:cNvPr>
+          <p:cNvSpPr>
+            <a:spLocks noGrp="1"/>
+          </p:cNvSpPr>
+          <p:nvPr>
+            <p:ph sz="quarter" idx="14"/>
+          </p:nvPr>
+        </p:nvSpPr>
+        <p:spPr>
+          <a:xfrm>
+            <a:off x="609601" y="1768425"/>
+            <a:ext cx="5486400" cy="4098975"/>
+          </a:xfrm>
+        </p:spPr>
+        <p:txBody>
+          <a:bodyPr>
+            <a:normAutofit/>
+          </a:bodyPr>
+          <a:lstStyle/>
+          <a:p>
+            <a:pPr marL="0" indent="0" hangingPunct="0">
+              <a:lnSpc>
+                <a:spcPct val="115000"/>
+              </a:lnSpc>
+              <a:spcAft>
+                <a:spcPts val="1000"/>
+              </a:spcAft>
+              <a:buNone/>
+            </a:pPr>
+            <a:r>
+              <a:rPr lang="de-DE" sz="2800" kern="150" dirty="0">
+                <a:effectLst/>
+                <a:latin typeface="Calibri" panose="020F0502020204030204" pitchFamily="34" charset="0"/>
+                <a:ea typeface="Calibri" panose="020F0502020204030204" pitchFamily="34" charset="0"/>
+                <a:cs typeface="Calibri" panose="020F0502020204030204" pitchFamily="34" charset="0"/>
+              </a:rPr>
+              <a:t>1. </a:t>
+            </a:r>
+            <a:r>
+              <a:rPr lang="de-DE" kern="150" dirty="0">
+                <a:latin typeface="Calibri" panose="020F0502020204030204" pitchFamily="34" charset="0"/>
+                <a:ea typeface="Calibri" panose="020F0502020204030204" pitchFamily="34" charset="0"/>
+                <a:cs typeface="Calibri" panose="020F0502020204030204" pitchFamily="34" charset="0"/>
+              </a:rPr>
+              <a:t>Tabelle anlegen</a:t>
+            </a:r>
+            <a:endParaRPr lang="de-DE" sz="2800" kern="150" dirty="0">
+              <a:effectLst/>
+              <a:latin typeface="Calibri" panose="020F0502020204030204" pitchFamily="34" charset="0"/>
+              <a:ea typeface="Times New Roman" panose="02020603050405020304" pitchFamily="18" charset="0"/>
+              <a:cs typeface="Times New Roman" panose="02020603050405020304" pitchFamily="18" charset="0"/>
+            </a:endParaRPr>
+          </a:p>
+          <a:p>
+            <a:pPr marL="0" indent="0" hangingPunct="0">
+              <a:lnSpc>
+                <a:spcPct val="115000"/>
+              </a:lnSpc>
+              <a:spcAft>
+                <a:spcPts val="1000"/>
+              </a:spcAft>
+              <a:buNone/>
+            </a:pPr>
+            <a:r>
+              <a:rPr lang="de-DE" sz="2800" kern="150" dirty="0">
+                <a:effectLst/>
+                <a:latin typeface="Calibri" panose="020F0502020204030204" pitchFamily="34" charset="0"/>
+                <a:ea typeface="Calibri" panose="020F0502020204030204" pitchFamily="34" charset="0"/>
+                <a:cs typeface="Calibri" panose="020F0502020204030204" pitchFamily="34" charset="0"/>
+              </a:rPr>
+              <a:t>2. </a:t>
+            </a:r>
+            <a:r>
+              <a:rPr lang="de-DE" kern="150" dirty="0">
+                <a:latin typeface="Calibri" panose="020F0502020204030204" pitchFamily="34" charset="0"/>
+                <a:ea typeface="Calibri" panose="020F0502020204030204" pitchFamily="34" charset="0"/>
+                <a:cs typeface="Calibri" panose="020F0502020204030204" pitchFamily="34" charset="0"/>
+              </a:rPr>
+              <a:t>Insert-Prozedur schreiben</a:t>
+            </a:r>
+            <a:endParaRPr lang="de-DE" sz="2800" kern="150" dirty="0">
+              <a:effectLst/>
+              <a:latin typeface="Calibri" panose="020F0502020204030204" pitchFamily="34" charset="0"/>
+              <a:ea typeface="Times New Roman" panose="02020603050405020304" pitchFamily="18" charset="0"/>
+              <a:cs typeface="Times New Roman" panose="02020603050405020304" pitchFamily="18" charset="0"/>
+            </a:endParaRPr>
+          </a:p>
+          <a:p>
+            <a:pPr marL="0" indent="0" hangingPunct="0">
+              <a:lnSpc>
+                <a:spcPct val="115000"/>
+              </a:lnSpc>
+              <a:spcAft>
+                <a:spcPts val="1000"/>
+              </a:spcAft>
+              <a:buNone/>
+            </a:pPr>
+            <a:r>
+              <a:rPr lang="de-DE" sz="2800" kern="150" dirty="0">
+                <a:effectLst/>
+                <a:latin typeface="Calibri" panose="020F0502020204030204" pitchFamily="34" charset="0"/>
+                <a:ea typeface="Calibri" panose="020F0502020204030204" pitchFamily="34" charset="0"/>
+                <a:cs typeface="Calibri" panose="020F0502020204030204" pitchFamily="34" charset="0"/>
+              </a:rPr>
+              <a:t>3. An Master-View anhängen</a:t>
+            </a:r>
+          </a:p>
+          <a:p>
+            <a:pPr marL="0" indent="0" hangingPunct="0">
+              <a:lnSpc>
+                <a:spcPct val="115000"/>
+              </a:lnSpc>
+              <a:spcAft>
+                <a:spcPts val="1000"/>
+              </a:spcAft>
+              <a:buNone/>
+            </a:pPr>
+            <a:r>
+              <a:rPr lang="de-DE" sz="2800" kern="150" dirty="0">
+                <a:effectLst/>
+                <a:latin typeface="Calibri" panose="020F0502020204030204" pitchFamily="34" charset="0"/>
+                <a:ea typeface="Times New Roman" panose="02020603050405020304" pitchFamily="18" charset="0"/>
+                <a:cs typeface="Times New Roman" panose="02020603050405020304" pitchFamily="18" charset="0"/>
+              </a:rPr>
+              <a:t>*4. Eigenen View anlegen</a:t>
+            </a:r>
+          </a:p>
+        </p:txBody>
+      </p:sp>
+    </p:spTree>
+    <p:extLst>
+      <p:ext uri="{BB962C8B-B14F-4D97-AF65-F5344CB8AC3E}">
+        <p14:creationId xmlns:p14="http://schemas.microsoft.com/office/powerpoint/2010/main" val="206485930"/>
+      </p:ext>
+    </p:extLst>
+  </p:cSld>
+  <p:clrMapOvr>
+    <a:masterClrMapping/>
+  </p:clrMapOvr>
+</p:sld>
+</file>
+
+<file path=ppt/slides/slide21.xml><?xml version="1.0" encoding="utf-8"?>
+<p:sld xmlns:a="http://schemas.openxmlformats.org/drawingml/2006/main" xmlns:r="http://schemas.openxmlformats.org/officeDocument/2006/relationships" xmlns:p="http://schemas.openxmlformats.org/presentationml/2006/main">
+  <p:cSld>
+    <p:spTree>
+      <p:nvGrpSpPr>
+        <p:cNvPr id="1" name="">
+          <a:extLst>
+            <a:ext uri="{FF2B5EF4-FFF2-40B4-BE49-F238E27FC236}">
               <a16:creationId xmlns:a16="http://schemas.microsoft.com/office/drawing/2014/main" id="{A9C37334-26E1-8D29-92E0-32D6C0373810}"/>
             </a:ext>
           </a:extLst>
@@ -30656,7 +30313,7 @@
 </p:sld>
 </file>
 
-<file path=ppt/slides/slide21.xml><?xml version="1.0" encoding="utf-8"?>
+<file path=ppt/slides/slide22.xml><?xml version="1.0" encoding="utf-8"?>
 <p:sld xmlns:a="http://schemas.openxmlformats.org/drawingml/2006/main" xmlns:r="http://schemas.openxmlformats.org/officeDocument/2006/relationships" xmlns:p="http://schemas.openxmlformats.org/presentationml/2006/main">
   <p:cSld>
     <p:spTree>
@@ -31547,7 +31204,7 @@
 </p:sld>
 </file>
 
-<file path=ppt/slides/slide22.xml><?xml version="1.0" encoding="utf-8"?>
+<file path=ppt/slides/slide23.xml><?xml version="1.0" encoding="utf-8"?>
 <p:sld xmlns:a="http://schemas.openxmlformats.org/drawingml/2006/main" xmlns:r="http://schemas.openxmlformats.org/officeDocument/2006/relationships" xmlns:p="http://schemas.openxmlformats.org/presentationml/2006/main">
   <p:cSld>
     <p:spTree>
@@ -32438,7 +32095,7 @@
 </p:sld>
 </file>
 
-<file path=ppt/slides/slide23.xml><?xml version="1.0" encoding="utf-8"?>
+<file path=ppt/slides/slide24.xml><?xml version="1.0" encoding="utf-8"?>
 <p:sld xmlns:a="http://schemas.openxmlformats.org/drawingml/2006/main" xmlns:r="http://schemas.openxmlformats.org/officeDocument/2006/relationships" xmlns:p="http://schemas.openxmlformats.org/presentationml/2006/main">
   <p:cSld>
     <p:spTree>
@@ -33282,200 +32939,111 @@
       </p:pic>
       <p:sp>
         <p:nvSpPr>
-          <p:cNvPr id="2" name="Textplatzhalter 25">
-            <a:extLst>
-              <a:ext uri="{FF2B5EF4-FFF2-40B4-BE49-F238E27FC236}">
-                <a16:creationId xmlns:a16="http://schemas.microsoft.com/office/drawing/2014/main" id="{B0CDCB43-67A7-47EA-7978-41D7E292ABC0}"/>
-              </a:ext>
-            </a:extLst>
-          </p:cNvPr>
-          <p:cNvSpPr txBox="1">
-            <a:spLocks/>
-          </p:cNvSpPr>
+          <p:cNvPr id="19" name="TextBox 18">
+            <a:extLst>
+              <a:ext uri="{FF2B5EF4-FFF2-40B4-BE49-F238E27FC236}">
+                <a16:creationId xmlns:a16="http://schemas.microsoft.com/office/drawing/2014/main" id="{4402EB19-F9C0-752C-96C2-64A0A542AF84}"/>
+              </a:ext>
+            </a:extLst>
+          </p:cNvPr>
+          <p:cNvSpPr txBox="1"/>
           <p:nvPr/>
         </p:nvSpPr>
         <p:spPr>
           <a:xfrm>
-            <a:off x="302718" y="2029109"/>
-            <a:ext cx="6265962" cy="609600"/>
+            <a:off x="682516" y="3986544"/>
+            <a:ext cx="4838184" cy="1200329"/>
           </a:xfrm>
           <a:prstGeom prst="rect">
             <a:avLst/>
           </a:prstGeom>
-        </p:spPr>
-        <p:txBody>
-          <a:bodyPr vert="horz" lIns="91440" tIns="45720" rIns="91440" bIns="45720" rtlCol="0">
-            <a:normAutofit/>
+          <a:noFill/>
+        </p:spPr>
+        <p:txBody>
+          <a:bodyPr wrap="none" rtlCol="0">
+            <a:spAutoFit/>
           </a:bodyPr>
-          <a:lstStyle>
-            <a:lvl1pPr marL="0" indent="0" algn="ctr" defTabSz="914400" rtl="0" eaLnBrk="1" latinLnBrk="0" hangingPunct="1">
-              <a:lnSpc>
-                <a:spcPct val="90000"/>
-              </a:lnSpc>
-              <a:spcBef>
-                <a:spcPts val="1000"/>
-              </a:spcBef>
-              <a:buFont typeface="Arial" panose="020B0604020202020204" pitchFamily="34" charset="0"/>
-              <a:buNone/>
-              <a:tabLst/>
-              <a:defRPr sz="3200" u="sng" kern="1200">
-                <a:solidFill>
-                  <a:schemeClr val="tx1"/>
-                </a:solidFill>
-                <a:latin typeface="+mn-lt"/>
-                <a:ea typeface="+mn-ea"/>
-                <a:cs typeface="+mn-cs"/>
-              </a:defRPr>
-            </a:lvl1pPr>
-            <a:lvl2pPr marL="685800" indent="-228600" algn="l" defTabSz="914400" rtl="0" eaLnBrk="1" latinLnBrk="0" hangingPunct="1">
-              <a:lnSpc>
-                <a:spcPct val="90000"/>
-              </a:lnSpc>
-              <a:spcBef>
-                <a:spcPts val="500"/>
-              </a:spcBef>
-              <a:buFont typeface="Arial" panose="020B0604020202020204" pitchFamily="34" charset="0"/>
-              <a:buChar char="•"/>
-              <a:defRPr sz="2400" kern="1200">
-                <a:solidFill>
-                  <a:schemeClr val="tx1"/>
-                </a:solidFill>
-                <a:latin typeface="+mn-lt"/>
-                <a:ea typeface="+mn-ea"/>
-                <a:cs typeface="+mn-cs"/>
-              </a:defRPr>
-            </a:lvl2pPr>
-            <a:lvl3pPr marL="1143000" indent="-228600" algn="l" defTabSz="914400" rtl="0" eaLnBrk="1" latinLnBrk="0" hangingPunct="1">
-              <a:lnSpc>
-                <a:spcPct val="90000"/>
-              </a:lnSpc>
-              <a:spcBef>
-                <a:spcPts val="500"/>
-              </a:spcBef>
-              <a:buFont typeface="Arial" panose="020B0604020202020204" pitchFamily="34" charset="0"/>
-              <a:buChar char="•"/>
-              <a:defRPr sz="2000" kern="1200">
-                <a:solidFill>
-                  <a:schemeClr val="tx1"/>
-                </a:solidFill>
-                <a:latin typeface="+mn-lt"/>
-                <a:ea typeface="+mn-ea"/>
-                <a:cs typeface="+mn-cs"/>
-              </a:defRPr>
-            </a:lvl3pPr>
-            <a:lvl4pPr marL="1600200" indent="-228600" algn="l" defTabSz="914400" rtl="0" eaLnBrk="1" latinLnBrk="0" hangingPunct="1">
-              <a:lnSpc>
-                <a:spcPct val="90000"/>
-              </a:lnSpc>
-              <a:spcBef>
-                <a:spcPts val="500"/>
-              </a:spcBef>
-              <a:buFont typeface="Arial" panose="020B0604020202020204" pitchFamily="34" charset="0"/>
-              <a:buChar char="•"/>
-              <a:defRPr sz="1800" kern="1200">
-                <a:solidFill>
-                  <a:schemeClr val="tx1"/>
-                </a:solidFill>
-                <a:latin typeface="+mn-lt"/>
-                <a:ea typeface="+mn-ea"/>
-                <a:cs typeface="+mn-cs"/>
-              </a:defRPr>
-            </a:lvl4pPr>
-            <a:lvl5pPr marL="2057400" indent="-228600" algn="l" defTabSz="914400" rtl="0" eaLnBrk="1" latinLnBrk="0" hangingPunct="1">
-              <a:lnSpc>
-                <a:spcPct val="90000"/>
-              </a:lnSpc>
-              <a:spcBef>
-                <a:spcPts val="500"/>
-              </a:spcBef>
-              <a:buFont typeface="Arial" panose="020B0604020202020204" pitchFamily="34" charset="0"/>
-              <a:buChar char="•"/>
-              <a:defRPr sz="1800" kern="1200">
-                <a:solidFill>
-                  <a:schemeClr val="tx1"/>
-                </a:solidFill>
-                <a:latin typeface="+mn-lt"/>
-                <a:ea typeface="+mn-ea"/>
-                <a:cs typeface="+mn-cs"/>
-              </a:defRPr>
-            </a:lvl5pPr>
-            <a:lvl6pPr marL="2514600" indent="-228600" algn="l" defTabSz="914400" rtl="0" eaLnBrk="1" latinLnBrk="0" hangingPunct="1">
-              <a:lnSpc>
-                <a:spcPct val="90000"/>
-              </a:lnSpc>
-              <a:spcBef>
-                <a:spcPts val="500"/>
-              </a:spcBef>
-              <a:buFont typeface="Arial" panose="020B0604020202020204" pitchFamily="34" charset="0"/>
-              <a:buChar char="•"/>
-              <a:defRPr sz="1800" kern="1200">
-                <a:solidFill>
-                  <a:schemeClr val="tx1"/>
-                </a:solidFill>
-                <a:latin typeface="+mn-lt"/>
-                <a:ea typeface="+mn-ea"/>
-                <a:cs typeface="+mn-cs"/>
-              </a:defRPr>
-            </a:lvl6pPr>
-            <a:lvl7pPr marL="2971800" indent="-228600" algn="l" defTabSz="914400" rtl="0" eaLnBrk="1" latinLnBrk="0" hangingPunct="1">
-              <a:lnSpc>
-                <a:spcPct val="90000"/>
-              </a:lnSpc>
-              <a:spcBef>
-                <a:spcPts val="500"/>
-              </a:spcBef>
-              <a:buFont typeface="Arial" panose="020B0604020202020204" pitchFamily="34" charset="0"/>
-              <a:buChar char="•"/>
-              <a:defRPr sz="1800" kern="1200">
-                <a:solidFill>
-                  <a:schemeClr val="tx1"/>
-                </a:solidFill>
-                <a:latin typeface="+mn-lt"/>
-                <a:ea typeface="+mn-ea"/>
-                <a:cs typeface="+mn-cs"/>
-              </a:defRPr>
-            </a:lvl7pPr>
-            <a:lvl8pPr marL="3429000" indent="-228600" algn="l" defTabSz="914400" rtl="0" eaLnBrk="1" latinLnBrk="0" hangingPunct="1">
-              <a:lnSpc>
-                <a:spcPct val="90000"/>
-              </a:lnSpc>
-              <a:spcBef>
-                <a:spcPts val="500"/>
-              </a:spcBef>
-              <a:buFont typeface="Arial" panose="020B0604020202020204" pitchFamily="34" charset="0"/>
-              <a:buChar char="•"/>
-              <a:defRPr sz="1800" kern="1200">
-                <a:solidFill>
-                  <a:schemeClr val="tx1"/>
-                </a:solidFill>
-                <a:latin typeface="+mn-lt"/>
-                <a:ea typeface="+mn-ea"/>
-                <a:cs typeface="+mn-cs"/>
-              </a:defRPr>
-            </a:lvl8pPr>
-            <a:lvl9pPr marL="3886200" indent="-228600" algn="l" defTabSz="914400" rtl="0" eaLnBrk="1" latinLnBrk="0" hangingPunct="1">
-              <a:lnSpc>
-                <a:spcPct val="90000"/>
-              </a:lnSpc>
-              <a:spcBef>
-                <a:spcPts val="500"/>
-              </a:spcBef>
-              <a:buFont typeface="Arial" panose="020B0604020202020204" pitchFamily="34" charset="0"/>
-              <a:buChar char="•"/>
-              <a:defRPr sz="1800" kern="1200">
-                <a:solidFill>
-                  <a:schemeClr val="tx1"/>
-                </a:solidFill>
-                <a:latin typeface="+mn-lt"/>
-                <a:ea typeface="+mn-ea"/>
-                <a:cs typeface="+mn-cs"/>
-              </a:defRPr>
-            </a:lvl9pPr>
-          </a:lstStyle>
-          <a:p>
+          <a:lstStyle/>
+          <a:p>
+            <a:pPr algn="l"/>
+            <a:r>
+              <a:rPr lang="de-DE" sz="2400" b="1" u="none" dirty="0"/>
+              <a:t>Ergebnis: </a:t>
+            </a:r>
+          </a:p>
+          <a:p>
+            <a:pPr marL="285750" indent="-285750" algn="l">
+              <a:buFontTx/>
+              <a:buChar char="-"/>
+            </a:pPr>
             <a:r>
               <a:rPr lang="de-DE" sz="2400" u="none" dirty="0"/>
-              <a:t>Ordnung</a:t>
+              <a:t>Medien sind sortiert und suchbar</a:t>
+            </a:r>
+          </a:p>
+          <a:p>
+            <a:pPr marL="285750" indent="-285750" algn="l">
+              <a:buFontTx/>
+              <a:buChar char="-"/>
+            </a:pPr>
+            <a:r>
+              <a:rPr lang="de-DE" sz="2400" dirty="0"/>
+              <a:t>Daten bleiben konsistent</a:t>
+            </a:r>
+            <a:endParaRPr lang="de-DE" sz="2400" u="none" dirty="0"/>
+          </a:p>
+        </p:txBody>
+      </p:sp>
+      <p:sp>
+        <p:nvSpPr>
+          <p:cNvPr id="21" name="TextBox 20">
+            <a:extLst>
+              <a:ext uri="{FF2B5EF4-FFF2-40B4-BE49-F238E27FC236}">
+                <a16:creationId xmlns:a16="http://schemas.microsoft.com/office/drawing/2014/main" id="{EFCAA3F9-DBB8-0E41-1E1C-04545C056EF9}"/>
+              </a:ext>
+            </a:extLst>
+          </p:cNvPr>
+          <p:cNvSpPr txBox="1"/>
+          <p:nvPr/>
+        </p:nvSpPr>
+        <p:spPr>
+          <a:xfrm>
+            <a:off x="647700" y="1717294"/>
+            <a:ext cx="5347600" cy="2308324"/>
+          </a:xfrm>
+          <a:prstGeom prst="rect">
+            <a:avLst/>
+          </a:prstGeom>
+          <a:noFill/>
+        </p:spPr>
+        <p:txBody>
+          <a:bodyPr wrap="square" rtlCol="0">
+            <a:spAutoFit/>
+          </a:bodyPr>
+          <a:lstStyle/>
+          <a:p>
+            <a:r>
+              <a:rPr lang="de-DE" sz="2400" dirty="0"/>
+              <a:t>Der Umfang einer Datenbank muss klar definiert sein.</a:t>
+            </a:r>
+          </a:p>
+          <a:p>
+            <a:endParaRPr lang="de-DE" sz="2400" dirty="0"/>
+          </a:p>
+          <a:p>
+            <a:r>
+              <a:rPr lang="de-DE" sz="2400" b="1" dirty="0"/>
+              <a:t>Ziel:</a:t>
+            </a:r>
+          </a:p>
+          <a:p>
+            <a:pPr marL="285750" indent="-285750">
+              <a:buFontTx/>
+              <a:buChar char="-"/>
+            </a:pPr>
+            <a:r>
+              <a:rPr lang="de-DE" sz="2400" dirty="0"/>
+              <a:t>verteilte Medien zentral suchbar zu machen</a:t>
             </a:r>
           </a:p>
         </p:txBody>
@@ -39493,6 +39061,42 @@
           </a:prstGeom>
         </p:spPr>
       </p:pic>
+      <p:sp>
+        <p:nvSpPr>
+          <p:cNvPr id="5" name="TextBox 4">
+            <a:extLst>
+              <a:ext uri="{FF2B5EF4-FFF2-40B4-BE49-F238E27FC236}">
+                <a16:creationId xmlns:a16="http://schemas.microsoft.com/office/drawing/2014/main" id="{93F15231-A017-E8C9-45F3-E8E60133F055}"/>
+              </a:ext>
+            </a:extLst>
+          </p:cNvPr>
+          <p:cNvSpPr txBox="1"/>
+          <p:nvPr/>
+        </p:nvSpPr>
+        <p:spPr>
+          <a:xfrm>
+            <a:off x="5187498" y="1960474"/>
+            <a:ext cx="1464953" cy="369332"/>
+          </a:xfrm>
+          <a:prstGeom prst="rect">
+            <a:avLst/>
+          </a:prstGeom>
+          <a:noFill/>
+        </p:spPr>
+        <p:txBody>
+          <a:bodyPr wrap="none" rtlCol="0">
+            <a:spAutoFit/>
+          </a:bodyPr>
+          <a:lstStyle/>
+          <a:p>
+            <a:r>
+              <a:rPr lang="en-US" altLang="zh-CN" b="1" dirty="0"/>
+              <a:t>withdrawals</a:t>
+            </a:r>
+            <a:endParaRPr lang="en-US" b="1" dirty="0"/>
+          </a:p>
+        </p:txBody>
+      </p:sp>
     </p:spTree>
     <p:extLst>
       <p:ext uri="{BB962C8B-B14F-4D97-AF65-F5344CB8AC3E}">
@@ -40307,17 +39911,22 @@
           <a:p>
             <a:r>
               <a:rPr lang="de-DE" dirty="0"/>
-              <a:t>Trigger</a:t>
-            </a:r>
+              <a:t>Trigger </a:t>
+            </a:r>
+            <a:r>
+              <a:rPr lang="de-DE" dirty="0" err="1"/>
+              <a:t>on_withdrawal</a:t>
+            </a:r>
+            <a:endParaRPr lang="de-DE" dirty="0"/>
           </a:p>
         </p:txBody>
       </p:sp>
       <p:pic>
         <p:nvPicPr>
-          <p:cNvPr id="5" name="Grafik 4">
-            <a:extLst>
-              <a:ext uri="{FF2B5EF4-FFF2-40B4-BE49-F238E27FC236}">
-                <a16:creationId xmlns:a16="http://schemas.microsoft.com/office/drawing/2014/main" id="{CF84A689-86B6-7BD3-1738-06920D976BC1}"/>
+          <p:cNvPr id="2" name="Grafik 1">
+            <a:extLst>
+              <a:ext uri="{FF2B5EF4-FFF2-40B4-BE49-F238E27FC236}">
+                <a16:creationId xmlns:a16="http://schemas.microsoft.com/office/drawing/2014/main" id="{CE782280-75E7-C8D6-B433-7FCE9499D2D5}"/>
               </a:ext>
             </a:extLst>
           </p:cNvPr>
@@ -40334,8 +39943,8 @@
         </p:blipFill>
         <p:spPr>
           <a:xfrm>
-            <a:off x="725120" y="1244543"/>
-            <a:ext cx="5262392" cy="4706056"/>
+            <a:off x="1250367" y="1851156"/>
+            <a:ext cx="4845633" cy="1569062"/>
           </a:xfrm>
           <a:prstGeom prst="rect">
             <a:avLst/>
@@ -40344,10 +39953,10 @@
       </p:pic>
       <p:pic>
         <p:nvPicPr>
-          <p:cNvPr id="2" name="Grafik 1">
-            <a:extLst>
-              <a:ext uri="{FF2B5EF4-FFF2-40B4-BE49-F238E27FC236}">
-                <a16:creationId xmlns:a16="http://schemas.microsoft.com/office/drawing/2014/main" id="{CE782280-75E7-C8D6-B433-7FCE9499D2D5}"/>
+          <p:cNvPr id="6" name="Grafik 5">
+            <a:extLst>
+              <a:ext uri="{FF2B5EF4-FFF2-40B4-BE49-F238E27FC236}">
+                <a16:creationId xmlns:a16="http://schemas.microsoft.com/office/drawing/2014/main" id="{AEAF3491-9520-CF04-0DFD-8B77FAE2E3B7}"/>
               </a:ext>
             </a:extLst>
           </p:cNvPr>
@@ -40364,44 +39973,594 @@
         </p:blipFill>
         <p:spPr>
           <a:xfrm>
-            <a:off x="6320010" y="1524000"/>
-            <a:ext cx="4845633" cy="1569062"/>
+            <a:off x="1250367" y="4043238"/>
+            <a:ext cx="6850009" cy="1569062"/>
           </a:xfrm>
           <a:prstGeom prst="rect">
             <a:avLst/>
           </a:prstGeom>
         </p:spPr>
       </p:pic>
-      <p:pic>
-        <p:nvPicPr>
-          <p:cNvPr id="6" name="Grafik 5">
-            <a:extLst>
-              <a:ext uri="{FF2B5EF4-FFF2-40B4-BE49-F238E27FC236}">
-                <a16:creationId xmlns:a16="http://schemas.microsoft.com/office/drawing/2014/main" id="{AEAF3491-9520-CF04-0DFD-8B77FAE2E3B7}"/>
-              </a:ext>
-            </a:extLst>
-          </p:cNvPr>
-          <p:cNvPicPr>
-            <a:picLocks noChangeAspect="1"/>
-          </p:cNvPicPr>
+      <p:sp>
+        <p:nvSpPr>
+          <p:cNvPr id="19" name="TextBox 18">
+            <a:extLst>
+              <a:ext uri="{FF2B5EF4-FFF2-40B4-BE49-F238E27FC236}">
+                <a16:creationId xmlns:a16="http://schemas.microsoft.com/office/drawing/2014/main" id="{FE25A2CD-3D7F-A2DE-187C-B1F73081812B}"/>
+              </a:ext>
+            </a:extLst>
+          </p:cNvPr>
+          <p:cNvSpPr txBox="1"/>
           <p:nvPr/>
-        </p:nvPicPr>
-        <p:blipFill>
-          <a:blip r:embed="rId5"/>
-          <a:stretch>
-            <a:fillRect/>
-          </a:stretch>
-        </p:blipFill>
-        <p:spPr>
-          <a:xfrm>
-            <a:off x="4909867" y="4163614"/>
-            <a:ext cx="6850009" cy="1569062"/>
+        </p:nvSpPr>
+        <p:spPr>
+          <a:xfrm>
+            <a:off x="6553089" y="2266017"/>
+            <a:ext cx="6097904" cy="1200329"/>
           </a:xfrm>
           <a:prstGeom prst="rect">
             <a:avLst/>
           </a:prstGeom>
-        </p:spPr>
-      </p:pic>
+          <a:noFill/>
+        </p:spPr>
+        <p:txBody>
+          <a:bodyPr wrap="square">
+            <a:spAutoFit/>
+          </a:bodyPr>
+          <a:lstStyle/>
+          <a:p>
+            <a:r>
+              <a:rPr lang="en-US" sz="1800" b="1" i="0" u="none" strike="noStrike" baseline="0" dirty="0">
+                <a:solidFill>
+                  <a:srgbClr val="0000FF"/>
+                </a:solidFill>
+                <a:latin typeface="Courier New" panose="02070309020205020404" pitchFamily="49" charset="0"/>
+              </a:rPr>
+              <a:t>INSERT</a:t>
+            </a:r>
+            <a:r>
+              <a:rPr lang="en-US" sz="1800" b="0" i="0" u="none" strike="noStrike" baseline="0" dirty="0">
+                <a:solidFill>
+                  <a:srgbClr val="000000"/>
+                </a:solidFill>
+                <a:latin typeface="Courier New" panose="02070309020205020404" pitchFamily="49" charset="0"/>
+              </a:rPr>
+              <a:t> </a:t>
+            </a:r>
+            <a:r>
+              <a:rPr lang="en-US" sz="1800" b="1" i="0" u="none" strike="noStrike" baseline="0" dirty="0">
+                <a:solidFill>
+                  <a:srgbClr val="0000FF"/>
+                </a:solidFill>
+                <a:latin typeface="Courier New" panose="02070309020205020404" pitchFamily="49" charset="0"/>
+              </a:rPr>
+              <a:t>INTO</a:t>
+            </a:r>
+            <a:r>
+              <a:rPr lang="en-US" sz="1800" b="0" i="0" u="none" strike="noStrike" baseline="0" dirty="0">
+                <a:solidFill>
+                  <a:srgbClr val="000000"/>
+                </a:solidFill>
+                <a:latin typeface="Courier New" panose="02070309020205020404" pitchFamily="49" charset="0"/>
+              </a:rPr>
+              <a:t> </a:t>
+            </a:r>
+            <a:r>
+              <a:rPr lang="en-US" sz="1800" b="0" i="0" u="none" strike="noStrike" baseline="0" dirty="0">
+                <a:solidFill>
+                  <a:srgbClr val="FF00FF"/>
+                </a:solidFill>
+                <a:latin typeface="Courier New" panose="02070309020205020404" pitchFamily="49" charset="0"/>
+              </a:rPr>
+              <a:t>withdrawals</a:t>
+            </a:r>
+            <a:r>
+              <a:rPr lang="en-US" sz="1800" b="0" i="0" u="none" strike="noStrike" baseline="0" dirty="0">
+                <a:solidFill>
+                  <a:srgbClr val="000000"/>
+                </a:solidFill>
+                <a:latin typeface="Courier New" panose="02070309020205020404" pitchFamily="49" charset="0"/>
+              </a:rPr>
+              <a:t> </a:t>
+            </a:r>
+            <a:r>
+              <a:rPr lang="en-US" sz="1800" b="0" i="0" u="none" strike="noStrike" baseline="0" dirty="0">
+                <a:solidFill>
+                  <a:srgbClr val="0000FF"/>
+                </a:solidFill>
+                <a:latin typeface="Courier New" panose="02070309020205020404" pitchFamily="49" charset="0"/>
+              </a:rPr>
+              <a:t>(</a:t>
+            </a:r>
+            <a:r>
+              <a:rPr lang="en-US" sz="1800" b="0" i="0" u="none" strike="noStrike" baseline="0" dirty="0" err="1">
+                <a:solidFill>
+                  <a:srgbClr val="808000"/>
+                </a:solidFill>
+                <a:latin typeface="Courier New" panose="02070309020205020404" pitchFamily="49" charset="0"/>
+              </a:rPr>
+              <a:t>mediaID</a:t>
+            </a:r>
+            <a:r>
+              <a:rPr lang="en-US" sz="1800" b="0" i="0" u="none" strike="noStrike" baseline="0" dirty="0">
+                <a:solidFill>
+                  <a:srgbClr val="0000FF"/>
+                </a:solidFill>
+                <a:latin typeface="Courier New" panose="02070309020205020404" pitchFamily="49" charset="0"/>
+              </a:rPr>
+              <a:t>,</a:t>
+            </a:r>
+            <a:r>
+              <a:rPr lang="en-US" sz="1800" b="0" i="0" u="none" strike="noStrike" baseline="0" dirty="0">
+                <a:solidFill>
+                  <a:srgbClr val="000000"/>
+                </a:solidFill>
+                <a:latin typeface="Courier New" panose="02070309020205020404" pitchFamily="49" charset="0"/>
+              </a:rPr>
+              <a:t> </a:t>
+            </a:r>
+            <a:r>
+              <a:rPr lang="en-US" sz="1800" b="0" i="0" u="none" strike="noStrike" baseline="0" dirty="0" err="1">
+                <a:solidFill>
+                  <a:srgbClr val="808000"/>
+                </a:solidFill>
+                <a:latin typeface="Courier New" panose="02070309020205020404" pitchFamily="49" charset="0"/>
+              </a:rPr>
+              <a:t>withdrawnBy</a:t>
+            </a:r>
+            <a:r>
+              <a:rPr lang="en-US" sz="1800" b="0" i="0" u="none" strike="noStrike" baseline="0" dirty="0">
+                <a:solidFill>
+                  <a:srgbClr val="0000FF"/>
+                </a:solidFill>
+                <a:latin typeface="Courier New" panose="02070309020205020404" pitchFamily="49" charset="0"/>
+              </a:rPr>
+              <a:t>)</a:t>
+            </a:r>
+          </a:p>
+          <a:p>
+            <a:r>
+              <a:rPr lang="en-US" sz="1800" b="1" i="0" u="none" strike="noStrike" baseline="0" dirty="0">
+                <a:solidFill>
+                  <a:srgbClr val="0000FF"/>
+                </a:solidFill>
+                <a:latin typeface="Courier New" panose="02070309020205020404" pitchFamily="49" charset="0"/>
+              </a:rPr>
+              <a:t>VALUES</a:t>
+            </a:r>
+            <a:r>
+              <a:rPr lang="en-US" sz="1800" b="0" i="0" u="none" strike="noStrike" baseline="0" dirty="0">
+                <a:solidFill>
+                  <a:srgbClr val="000000"/>
+                </a:solidFill>
+                <a:latin typeface="Courier New" panose="02070309020205020404" pitchFamily="49" charset="0"/>
+              </a:rPr>
+              <a:t> </a:t>
+            </a:r>
+            <a:r>
+              <a:rPr lang="en-US" sz="1800" b="0" i="0" u="none" strike="noStrike" baseline="0" dirty="0">
+                <a:solidFill>
+                  <a:srgbClr val="0000FF"/>
+                </a:solidFill>
+                <a:latin typeface="Courier New" panose="02070309020205020404" pitchFamily="49" charset="0"/>
+              </a:rPr>
+              <a:t>(</a:t>
+            </a:r>
+            <a:r>
+              <a:rPr lang="en-US" sz="1800" b="0" i="0" u="none" strike="noStrike" baseline="0" dirty="0">
+                <a:solidFill>
+                  <a:srgbClr val="000000"/>
+                </a:solidFill>
+                <a:latin typeface="Courier New" panose="02070309020205020404" pitchFamily="49" charset="0"/>
+              </a:rPr>
+              <a:t> </a:t>
+            </a:r>
+            <a:r>
+              <a:rPr lang="en-US" sz="1800" b="0" i="0" u="none" strike="noStrike" baseline="0" dirty="0">
+                <a:solidFill>
+                  <a:srgbClr val="800080"/>
+                </a:solidFill>
+                <a:latin typeface="Courier New" panose="02070309020205020404" pitchFamily="49" charset="0"/>
+              </a:rPr>
+              <a:t>8</a:t>
+            </a:r>
+            <a:r>
+              <a:rPr lang="en-US" sz="1800" b="0" i="0" u="none" strike="noStrike" baseline="0" dirty="0">
+                <a:solidFill>
+                  <a:srgbClr val="0000FF"/>
+                </a:solidFill>
+                <a:latin typeface="Courier New" panose="02070309020205020404" pitchFamily="49" charset="0"/>
+              </a:rPr>
+              <a:t>,</a:t>
+            </a:r>
+            <a:r>
+              <a:rPr lang="en-US" sz="1800" b="0" i="0" u="none" strike="noStrike" baseline="0" dirty="0">
+                <a:solidFill>
+                  <a:srgbClr val="000000"/>
+                </a:solidFill>
+                <a:latin typeface="Courier New" panose="02070309020205020404" pitchFamily="49" charset="0"/>
+              </a:rPr>
+              <a:t> </a:t>
+            </a:r>
+            <a:r>
+              <a:rPr lang="en-US" sz="1800" b="0" i="0" u="none" strike="noStrike" baseline="0" dirty="0">
+                <a:solidFill>
+                  <a:srgbClr val="008000"/>
+                </a:solidFill>
+                <a:latin typeface="Courier New" panose="02070309020205020404" pitchFamily="49" charset="0"/>
+              </a:rPr>
+              <a:t>'Nick'</a:t>
+            </a:r>
+            <a:r>
+              <a:rPr lang="en-US" sz="1800" b="0" i="0" u="none" strike="noStrike" baseline="0" dirty="0">
+                <a:solidFill>
+                  <a:srgbClr val="0000FF"/>
+                </a:solidFill>
+                <a:latin typeface="Courier New" panose="02070309020205020404" pitchFamily="49" charset="0"/>
+              </a:rPr>
+              <a:t>),</a:t>
+            </a:r>
+          </a:p>
+          <a:p>
+            <a:r>
+              <a:rPr lang="en-US" sz="1800" b="0" i="0" u="none" strike="noStrike" baseline="0" dirty="0">
+                <a:solidFill>
+                  <a:srgbClr val="0000FF"/>
+                </a:solidFill>
+                <a:latin typeface="Courier New" panose="02070309020205020404" pitchFamily="49" charset="0"/>
+              </a:rPr>
+              <a:t>...</a:t>
+            </a:r>
+          </a:p>
+        </p:txBody>
+      </p:sp>
+      <p:cxnSp>
+        <p:nvCxnSpPr>
+          <p:cNvPr id="24" name="Straight Arrow Connector 23">
+            <a:extLst>
+              <a:ext uri="{FF2B5EF4-FFF2-40B4-BE49-F238E27FC236}">
+                <a16:creationId xmlns:a16="http://schemas.microsoft.com/office/drawing/2014/main" id="{085530FC-036E-69E5-5D13-AFD18D072908}"/>
+              </a:ext>
+            </a:extLst>
+          </p:cNvPr>
+          <p:cNvCxnSpPr/>
+          <p:nvPr/>
+        </p:nvCxnSpPr>
+        <p:spPr>
+          <a:xfrm>
+            <a:off x="3200400" y="2635687"/>
+            <a:ext cx="838200" cy="2192082"/>
+          </a:xfrm>
+          <a:prstGeom prst="straightConnector1">
+            <a:avLst/>
+          </a:prstGeom>
+          <a:ln>
+            <a:tailEnd type="triangle"/>
+          </a:ln>
+        </p:spPr>
+        <p:style>
+          <a:lnRef idx="2">
+            <a:schemeClr val="accent1"/>
+          </a:lnRef>
+          <a:fillRef idx="0">
+            <a:schemeClr val="accent1"/>
+          </a:fillRef>
+          <a:effectRef idx="1">
+            <a:schemeClr val="accent1"/>
+          </a:effectRef>
+          <a:fontRef idx="minor">
+            <a:schemeClr val="tx1"/>
+          </a:fontRef>
+        </p:style>
+      </p:cxnSp>
+      <p:cxnSp>
+        <p:nvCxnSpPr>
+          <p:cNvPr id="26" name="Straight Arrow Connector 25">
+            <a:extLst>
+              <a:ext uri="{FF2B5EF4-FFF2-40B4-BE49-F238E27FC236}">
+                <a16:creationId xmlns:a16="http://schemas.microsoft.com/office/drawing/2014/main" id="{692A671F-CC80-7DA4-1239-003E79B4D01F}"/>
+              </a:ext>
+            </a:extLst>
+          </p:cNvPr>
+          <p:cNvCxnSpPr/>
+          <p:nvPr/>
+        </p:nvCxnSpPr>
+        <p:spPr>
+          <a:xfrm>
+            <a:off x="4675371" y="2608519"/>
+            <a:ext cx="838200" cy="2192082"/>
+          </a:xfrm>
+          <a:prstGeom prst="straightConnector1">
+            <a:avLst/>
+          </a:prstGeom>
+          <a:ln>
+            <a:tailEnd type="triangle"/>
+          </a:ln>
+        </p:spPr>
+        <p:style>
+          <a:lnRef idx="2">
+            <a:schemeClr val="accent1"/>
+          </a:lnRef>
+          <a:fillRef idx="0">
+            <a:schemeClr val="accent1"/>
+          </a:fillRef>
+          <a:effectRef idx="1">
+            <a:schemeClr val="accent1"/>
+          </a:effectRef>
+          <a:fontRef idx="minor">
+            <a:schemeClr val="tx1"/>
+          </a:fontRef>
+        </p:style>
+      </p:cxnSp>
+      <p:cxnSp>
+        <p:nvCxnSpPr>
+          <p:cNvPr id="27" name="Straight Arrow Connector 26">
+            <a:extLst>
+              <a:ext uri="{FF2B5EF4-FFF2-40B4-BE49-F238E27FC236}">
+                <a16:creationId xmlns:a16="http://schemas.microsoft.com/office/drawing/2014/main" id="{93FA2BFB-301B-3EB9-470F-01EAB3B73E5C}"/>
+              </a:ext>
+            </a:extLst>
+          </p:cNvPr>
+          <p:cNvCxnSpPr>
+            <a:cxnSpLocks/>
+          </p:cNvCxnSpPr>
+          <p:nvPr/>
+        </p:nvCxnSpPr>
+        <p:spPr>
+          <a:xfrm>
+            <a:off x="6096000" y="2643511"/>
+            <a:ext cx="874302" cy="2157090"/>
+          </a:xfrm>
+          <a:prstGeom prst="straightConnector1">
+            <a:avLst/>
+          </a:prstGeom>
+          <a:ln>
+            <a:tailEnd type="triangle"/>
+          </a:ln>
+        </p:spPr>
+        <p:style>
+          <a:lnRef idx="2">
+            <a:schemeClr val="accent1"/>
+          </a:lnRef>
+          <a:fillRef idx="0">
+            <a:schemeClr val="accent1"/>
+          </a:fillRef>
+          <a:effectRef idx="1">
+            <a:schemeClr val="accent1"/>
+          </a:effectRef>
+          <a:fontRef idx="minor">
+            <a:schemeClr val="tx1"/>
+          </a:fontRef>
+        </p:style>
+      </p:cxnSp>
+      <p:sp>
+        <p:nvSpPr>
+          <p:cNvPr id="29" name="Rectangle 28">
+            <a:extLst>
+              <a:ext uri="{FF2B5EF4-FFF2-40B4-BE49-F238E27FC236}">
+                <a16:creationId xmlns:a16="http://schemas.microsoft.com/office/drawing/2014/main" id="{260E0026-D2FE-F9BB-2538-07D0DD340E38}"/>
+              </a:ext>
+            </a:extLst>
+          </p:cNvPr>
+          <p:cNvSpPr/>
+          <p:nvPr/>
+        </p:nvSpPr>
+        <p:spPr>
+          <a:xfrm>
+            <a:off x="2248011" y="2397192"/>
+            <a:ext cx="990600" cy="246319"/>
+          </a:xfrm>
+          <a:prstGeom prst="rect">
+            <a:avLst/>
+          </a:prstGeom>
+          <a:noFill/>
+          <a:ln>
+            <a:solidFill>
+              <a:srgbClr val="FF0000"/>
+            </a:solidFill>
+          </a:ln>
+        </p:spPr>
+        <p:style>
+          <a:lnRef idx="2">
+            <a:schemeClr val="accent1">
+              <a:shade val="15000"/>
+            </a:schemeClr>
+          </a:lnRef>
+          <a:fillRef idx="1">
+            <a:schemeClr val="accent1"/>
+          </a:fillRef>
+          <a:effectRef idx="0">
+            <a:schemeClr val="accent1"/>
+          </a:effectRef>
+          <a:fontRef idx="minor">
+            <a:schemeClr val="lt1"/>
+          </a:fontRef>
+        </p:style>
+        <p:txBody>
+          <a:bodyPr rtlCol="0" anchor="ctr"/>
+          <a:lstStyle/>
+          <a:p>
+            <a:pPr algn="ctr"/>
+            <a:endParaRPr lang="en-US" dirty="0"/>
+          </a:p>
+        </p:txBody>
+      </p:sp>
+      <p:sp>
+        <p:nvSpPr>
+          <p:cNvPr id="30" name="Rectangle 29">
+            <a:extLst>
+              <a:ext uri="{FF2B5EF4-FFF2-40B4-BE49-F238E27FC236}">
+                <a16:creationId xmlns:a16="http://schemas.microsoft.com/office/drawing/2014/main" id="{C67BA7A5-4320-1EB6-F339-56382CDE1FDB}"/>
+              </a:ext>
+            </a:extLst>
+          </p:cNvPr>
+          <p:cNvSpPr/>
+          <p:nvPr/>
+        </p:nvSpPr>
+        <p:spPr>
+          <a:xfrm>
+            <a:off x="4947096" y="2387973"/>
+            <a:ext cx="1148904" cy="246319"/>
+          </a:xfrm>
+          <a:prstGeom prst="rect">
+            <a:avLst/>
+          </a:prstGeom>
+          <a:noFill/>
+          <a:ln>
+            <a:solidFill>
+              <a:srgbClr val="FF0000"/>
+            </a:solidFill>
+          </a:ln>
+        </p:spPr>
+        <p:style>
+          <a:lnRef idx="2">
+            <a:schemeClr val="accent1">
+              <a:shade val="15000"/>
+            </a:schemeClr>
+          </a:lnRef>
+          <a:fillRef idx="1">
+            <a:schemeClr val="accent1"/>
+          </a:fillRef>
+          <a:effectRef idx="0">
+            <a:schemeClr val="accent1"/>
+          </a:effectRef>
+          <a:fontRef idx="minor">
+            <a:schemeClr val="lt1"/>
+          </a:fontRef>
+        </p:style>
+        <p:txBody>
+          <a:bodyPr rtlCol="0" anchor="ctr"/>
+          <a:lstStyle/>
+          <a:p>
+            <a:pPr algn="ctr"/>
+            <a:endParaRPr lang="en-US" dirty="0"/>
+          </a:p>
+        </p:txBody>
+      </p:sp>
+      <p:sp>
+        <p:nvSpPr>
+          <p:cNvPr id="31" name="Rectangle 30">
+            <a:extLst>
+              <a:ext uri="{FF2B5EF4-FFF2-40B4-BE49-F238E27FC236}">
+                <a16:creationId xmlns:a16="http://schemas.microsoft.com/office/drawing/2014/main" id="{4F30F5B9-5F99-2DB0-F627-C4479CF87CD5}"/>
+              </a:ext>
+            </a:extLst>
+          </p:cNvPr>
+          <p:cNvSpPr/>
+          <p:nvPr/>
+        </p:nvSpPr>
+        <p:spPr>
+          <a:xfrm>
+            <a:off x="3245655" y="2397192"/>
+            <a:ext cx="1476252" cy="246319"/>
+          </a:xfrm>
+          <a:prstGeom prst="rect">
+            <a:avLst/>
+          </a:prstGeom>
+          <a:noFill/>
+          <a:ln>
+            <a:solidFill>
+              <a:srgbClr val="FF0000"/>
+            </a:solidFill>
+          </a:ln>
+        </p:spPr>
+        <p:style>
+          <a:lnRef idx="2">
+            <a:schemeClr val="accent1">
+              <a:shade val="15000"/>
+            </a:schemeClr>
+          </a:lnRef>
+          <a:fillRef idx="1">
+            <a:schemeClr val="accent1"/>
+          </a:fillRef>
+          <a:effectRef idx="0">
+            <a:schemeClr val="accent1"/>
+          </a:effectRef>
+          <a:fontRef idx="minor">
+            <a:schemeClr val="lt1"/>
+          </a:fontRef>
+        </p:style>
+        <p:txBody>
+          <a:bodyPr rtlCol="0" anchor="ctr"/>
+          <a:lstStyle/>
+          <a:p>
+            <a:pPr algn="ctr"/>
+            <a:endParaRPr lang="en-US" dirty="0"/>
+          </a:p>
+        </p:txBody>
+      </p:sp>
+      <p:sp>
+        <p:nvSpPr>
+          <p:cNvPr id="32" name="TextBox 31">
+            <a:extLst>
+              <a:ext uri="{FF2B5EF4-FFF2-40B4-BE49-F238E27FC236}">
+                <a16:creationId xmlns:a16="http://schemas.microsoft.com/office/drawing/2014/main" id="{C6F29967-481C-EABC-8266-C9819E289312}"/>
+              </a:ext>
+            </a:extLst>
+          </p:cNvPr>
+          <p:cNvSpPr txBox="1"/>
+          <p:nvPr/>
+        </p:nvSpPr>
+        <p:spPr>
+          <a:xfrm>
+            <a:off x="1224967" y="1524000"/>
+            <a:ext cx="1464953" cy="369332"/>
+          </a:xfrm>
+          <a:prstGeom prst="rect">
+            <a:avLst/>
+          </a:prstGeom>
+          <a:noFill/>
+        </p:spPr>
+        <p:txBody>
+          <a:bodyPr wrap="none" rtlCol="0">
+            <a:spAutoFit/>
+          </a:bodyPr>
+          <a:lstStyle/>
+          <a:p>
+            <a:r>
+              <a:rPr lang="en-US" altLang="zh-CN" b="1" dirty="0"/>
+              <a:t>withdrawals</a:t>
+            </a:r>
+            <a:endParaRPr lang="en-US" b="1" dirty="0"/>
+          </a:p>
+        </p:txBody>
+      </p:sp>
+      <p:sp>
+        <p:nvSpPr>
+          <p:cNvPr id="35" name="TextBox 34">
+            <a:extLst>
+              <a:ext uri="{FF2B5EF4-FFF2-40B4-BE49-F238E27FC236}">
+                <a16:creationId xmlns:a16="http://schemas.microsoft.com/office/drawing/2014/main" id="{468842D6-A60F-2121-A22E-D07F1315CDBC}"/>
+              </a:ext>
+            </a:extLst>
+          </p:cNvPr>
+          <p:cNvSpPr txBox="1"/>
+          <p:nvPr/>
+        </p:nvSpPr>
+        <p:spPr>
+          <a:xfrm>
+            <a:off x="1185965" y="3673906"/>
+            <a:ext cx="2298899" cy="369332"/>
+          </a:xfrm>
+          <a:prstGeom prst="rect">
+            <a:avLst/>
+          </a:prstGeom>
+          <a:noFill/>
+        </p:spPr>
+        <p:txBody>
+          <a:bodyPr wrap="none" rtlCol="0">
+            <a:spAutoFit/>
+          </a:bodyPr>
+          <a:lstStyle/>
+          <a:p>
+            <a:r>
+              <a:rPr lang="en-US" altLang="zh-CN" b="1" dirty="0" err="1"/>
+              <a:t>withdrawals_history</a:t>
+            </a:r>
+            <a:endParaRPr lang="en-US" b="1" dirty="0"/>
+          </a:p>
+        </p:txBody>
+      </p:sp>
     </p:spTree>
     <p:extLst>
       <p:ext uri="{BB962C8B-B14F-4D97-AF65-F5344CB8AC3E}">

--- a/Medienverwaltungsdatenbank Gruppe1.pptx
+++ b/Medienverwaltungsdatenbank Gruppe1.pptx
@@ -10528,7 +10528,7 @@
             </a:fld>
             <a:r>
               <a:rPr lang="de-DE" sz="1200" dirty="0"/>
-              <a:t>/17</a:t>
+              <a:t>/23</a:t>
             </a:r>
           </a:p>
         </p:txBody>
@@ -10983,7 +10983,7 @@
             </a:fld>
             <a:r>
               <a:rPr lang="de-DE" sz="1200" dirty="0"/>
-              <a:t>/17</a:t>
+              <a:t>/23</a:t>
             </a:r>
           </a:p>
         </p:txBody>
@@ -10998,6 +10998,22 @@
   <p:clrMapOvr>
     <a:masterClrMapping/>
   </p:clrMapOvr>
+  <p:extLst>
+    <p:ext uri="{DCECCB84-F9BA-43D5-87BE-67443E8EF086}">
+      <p15:sldGuideLst xmlns:p15="http://schemas.microsoft.com/office/powerpoint/2012/main">
+        <p15:guide id="1" orient="horz" pos="2160" userDrawn="1">
+          <p15:clr>
+            <a:srgbClr val="FBAE40"/>
+          </p15:clr>
+        </p15:guide>
+        <p15:guide id="2" pos="3840" userDrawn="1">
+          <p15:clr>
+            <a:srgbClr val="FBAE40"/>
+          </p15:clr>
+        </p15:guide>
+      </p15:sldGuideLst>
+    </p:ext>
+  </p:extLst>
 </p:sldLayout>
 </file>
 
@@ -13722,7 +13738,7 @@
               <a:pPr/>
               <a:t>‹Nr.›</a:t>
             </a:fld>
-            <a:endParaRPr lang="de-DE"/>
+            <a:endParaRPr lang="de-DE" dirty="0"/>
           </a:p>
         </p:txBody>
       </p:sp>
@@ -13780,6 +13796,22 @@
   <p:clrMapOvr>
     <a:masterClrMapping/>
   </p:clrMapOvr>
+  <p:extLst>
+    <p:ext uri="{DCECCB84-F9BA-43D5-87BE-67443E8EF086}">
+      <p15:sldGuideLst xmlns:p15="http://schemas.microsoft.com/office/powerpoint/2012/main">
+        <p15:guide id="1" orient="horz" pos="2160" userDrawn="1">
+          <p15:clr>
+            <a:srgbClr val="FBAE40"/>
+          </p15:clr>
+        </p15:guide>
+        <p15:guide id="2" pos="3840" userDrawn="1">
+          <p15:clr>
+            <a:srgbClr val="FBAE40"/>
+          </p15:clr>
+        </p15:guide>
+      </p15:sldGuideLst>
+    </p:ext>
+  </p:extLst>
 </p:sldLayout>
 </file>
 
@@ -14291,6 +14323,22 @@
       </a:lvl9pPr>
     </p:otherStyle>
   </p:txStyles>
+  <p:extLst>
+    <p:ext uri="{27BBF7A9-308A-43DC-89C8-2F10F3537804}">
+      <p15:sldGuideLst xmlns:p15="http://schemas.microsoft.com/office/powerpoint/2012/main">
+        <p15:guide id="1" orient="horz" pos="2160" userDrawn="1">
+          <p15:clr>
+            <a:srgbClr val="F26B43"/>
+          </p15:clr>
+        </p15:guide>
+        <p15:guide id="2" pos="3840" userDrawn="1">
+          <p15:clr>
+            <a:srgbClr val="F26B43"/>
+          </p15:clr>
+        </p15:guide>
+      </p15:sldGuideLst>
+    </p:ext>
+  </p:extLst>
 </p:sldMaster>
 </file>
 

--- a/Medienverwaltungsdatenbank Gruppe1.pptx
+++ b/Medienverwaltungsdatenbank Gruppe1.pptx
@@ -18501,7 +18501,7 @@
         </p:nvSpPr>
         <p:spPr>
           <a:xfrm>
-            <a:off x="609601" y="1768425"/>
+            <a:off x="1136521" y="1815384"/>
             <a:ext cx="4800600" cy="4098976"/>
           </a:xfrm>
         </p:spPr>
@@ -22013,7 +22013,6 @@
             </a:pPr>
             <a:endParaRPr lang="de-DE" sz="2800" kern="150" dirty="0">
               <a:effectLst/>
-              <a:latin typeface="Calibri" panose="020F0502020204030204" pitchFamily="34" charset="0"/>
               <a:ea typeface="Times New Roman" panose="02020603050405020304" pitchFamily="18" charset="0"/>
               <a:cs typeface="Times New Roman" panose="02020603050405020304" pitchFamily="18" charset="0"/>
             </a:endParaRPr>
@@ -22030,14 +22029,12 @@
             <a:r>
               <a:rPr lang="de-DE" sz="2800" kern="150" dirty="0">
                 <a:effectLst/>
-                <a:latin typeface="Calibri" panose="020F0502020204030204" pitchFamily="34" charset="0"/>
                 <a:ea typeface="Times New Roman" panose="02020603050405020304" pitchFamily="18" charset="0"/>
                 <a:cs typeface="Calibri" panose="020F0502020204030204" pitchFamily="34" charset="0"/>
               </a:rPr>
               <a:t>Unabhängig</a:t>
             </a:r>
             <a:endParaRPr lang="de-DE" kern="150" dirty="0">
-              <a:latin typeface="Calibri" panose="020F0502020204030204" pitchFamily="34" charset="0"/>
               <a:ea typeface="Times New Roman" panose="02020603050405020304" pitchFamily="18" charset="0"/>
               <a:cs typeface="Calibri" panose="020F0502020204030204" pitchFamily="34" charset="0"/>
             </a:endParaRPr>
@@ -22054,7 +22051,6 @@
             <a:r>
               <a:rPr lang="de-DE" sz="2800" kern="150" dirty="0">
                 <a:effectLst/>
-                <a:latin typeface="Calibri" panose="020F0502020204030204" pitchFamily="34" charset="0"/>
                 <a:ea typeface="Times New Roman" panose="02020603050405020304" pitchFamily="18" charset="0"/>
                 <a:cs typeface="Calibri" panose="020F0502020204030204" pitchFamily="34" charset="0"/>
               </a:rPr>
@@ -22072,7 +22068,6 @@
             </a:pPr>
             <a:r>
               <a:rPr lang="de-DE" kern="150" dirty="0">
-                <a:latin typeface="Calibri" panose="020F0502020204030204" pitchFamily="34" charset="0"/>
                 <a:ea typeface="Times New Roman" panose="02020603050405020304" pitchFamily="18" charset="0"/>
                 <a:cs typeface="Calibri" panose="020F0502020204030204" pitchFamily="34" charset="0"/>
               </a:rPr>
@@ -22080,7 +22075,6 @@
             </a:r>
             <a:endParaRPr lang="de-DE" sz="2800" kern="150" dirty="0">
               <a:effectLst/>
-              <a:latin typeface="Calibri" panose="020F0502020204030204" pitchFamily="34" charset="0"/>
               <a:ea typeface="Times New Roman" panose="02020603050405020304" pitchFamily="18" charset="0"/>
               <a:cs typeface="Times New Roman" panose="02020603050405020304" pitchFamily="18" charset="0"/>
             </a:endParaRPr>
@@ -22871,7 +22865,6 @@
             </a:pPr>
             <a:endParaRPr lang="de-DE" sz="2800" kern="150" dirty="0">
               <a:effectLst/>
-              <a:latin typeface="Calibri" panose="020F0502020204030204" pitchFamily="34" charset="0"/>
               <a:ea typeface="Times New Roman" panose="02020603050405020304" pitchFamily="18" charset="0"/>
               <a:cs typeface="Times New Roman" panose="02020603050405020304" pitchFamily="18" charset="0"/>
             </a:endParaRPr>
@@ -22887,7 +22880,6 @@
             </a:pPr>
             <a:r>
               <a:rPr lang="de-DE" kern="150" dirty="0" err="1">
-                <a:latin typeface="Calibri" panose="020F0502020204030204" pitchFamily="34" charset="0"/>
                 <a:ea typeface="Times New Roman" panose="02020603050405020304" pitchFamily="18" charset="0"/>
                 <a:cs typeface="Calibri" panose="020F0502020204030204" pitchFamily="34" charset="0"/>
               </a:rPr>
@@ -22895,7 +22887,6 @@
             </a:r>
             <a:r>
               <a:rPr lang="de-DE" kern="150" dirty="0">
-                <a:latin typeface="Calibri" panose="020F0502020204030204" pitchFamily="34" charset="0"/>
                 <a:ea typeface="Times New Roman" panose="02020603050405020304" pitchFamily="18" charset="0"/>
                 <a:cs typeface="Calibri" panose="020F0502020204030204" pitchFamily="34" charset="0"/>
               </a:rPr>
@@ -22913,7 +22904,6 @@
             </a:pPr>
             <a:r>
               <a:rPr lang="de-DE" kern="150" dirty="0">
-                <a:latin typeface="Calibri" panose="020F0502020204030204" pitchFamily="34" charset="0"/>
                 <a:ea typeface="Times New Roman" panose="02020603050405020304" pitchFamily="18" charset="0"/>
                 <a:cs typeface="Calibri" panose="020F0502020204030204" pitchFamily="34" charset="0"/>
               </a:rPr>
@@ -22932,7 +22922,6 @@
             <a:r>
               <a:rPr lang="de-DE" kern="150" dirty="0">
                 <a:effectLst/>
-                <a:latin typeface="Calibri" panose="020F0502020204030204" pitchFamily="34" charset="0"/>
                 <a:ea typeface="Times New Roman" panose="02020603050405020304" pitchFamily="18" charset="0"/>
                 <a:cs typeface="Calibri" panose="020F0502020204030204" pitchFamily="34" charset="0"/>
               </a:rPr>
@@ -22951,7 +22940,6 @@
             </a:pPr>
             <a:endParaRPr lang="de-DE" sz="2800" kern="150" dirty="0">
               <a:effectLst/>
-              <a:latin typeface="Calibri" panose="020F0502020204030204" pitchFamily="34" charset="0"/>
               <a:ea typeface="Times New Roman" panose="02020603050405020304" pitchFamily="18" charset="0"/>
               <a:cs typeface="Times New Roman" panose="02020603050405020304" pitchFamily="18" charset="0"/>
             </a:endParaRPr>
@@ -23757,7 +23745,7 @@
         </p:nvSpPr>
         <p:spPr>
           <a:xfrm>
-            <a:off x="609601" y="1768425"/>
+            <a:off x="1136521" y="1807363"/>
             <a:ext cx="5486400" cy="4098975"/>
           </a:xfrm>
         </p:spPr>
@@ -23779,7 +23767,6 @@
             <a:r>
               <a:rPr lang="de-DE" sz="2800" kern="150" dirty="0">
                 <a:effectLst/>
-                <a:latin typeface="Calibri" panose="020F0502020204030204" pitchFamily="34" charset="0"/>
                 <a:ea typeface="Calibri" panose="020F0502020204030204" pitchFamily="34" charset="0"/>
                 <a:cs typeface="Calibri" panose="020F0502020204030204" pitchFamily="34" charset="0"/>
               </a:rPr>
@@ -23787,7 +23774,6 @@
             </a:r>
             <a:r>
               <a:rPr lang="de-DE" kern="150" dirty="0">
-                <a:latin typeface="Calibri" panose="020F0502020204030204" pitchFamily="34" charset="0"/>
                 <a:ea typeface="Calibri" panose="020F0502020204030204" pitchFamily="34" charset="0"/>
                 <a:cs typeface="Calibri" panose="020F0502020204030204" pitchFamily="34" charset="0"/>
               </a:rPr>
@@ -23795,7 +23781,6 @@
             </a:r>
             <a:endParaRPr lang="de-DE" sz="2800" kern="150" dirty="0">
               <a:effectLst/>
-              <a:latin typeface="Calibri" panose="020F0502020204030204" pitchFamily="34" charset="0"/>
               <a:ea typeface="Times New Roman" panose="02020603050405020304" pitchFamily="18" charset="0"/>
               <a:cs typeface="Times New Roman" panose="02020603050405020304" pitchFamily="18" charset="0"/>
             </a:endParaRPr>
@@ -23813,7 +23798,6 @@
             <a:r>
               <a:rPr lang="de-DE" sz="2800" kern="150" dirty="0">
                 <a:effectLst/>
-                <a:latin typeface="Calibri" panose="020F0502020204030204" pitchFamily="34" charset="0"/>
                 <a:ea typeface="Calibri" panose="020F0502020204030204" pitchFamily="34" charset="0"/>
                 <a:cs typeface="Calibri" panose="020F0502020204030204" pitchFamily="34" charset="0"/>
               </a:rPr>
@@ -23821,7 +23805,6 @@
             </a:r>
             <a:r>
               <a:rPr lang="de-DE" kern="150" dirty="0">
-                <a:latin typeface="Calibri" panose="020F0502020204030204" pitchFamily="34" charset="0"/>
                 <a:ea typeface="Calibri" panose="020F0502020204030204" pitchFamily="34" charset="0"/>
                 <a:cs typeface="Calibri" panose="020F0502020204030204" pitchFamily="34" charset="0"/>
               </a:rPr>
@@ -23829,7 +23812,6 @@
             </a:r>
             <a:endParaRPr lang="de-DE" sz="2800" kern="150" dirty="0">
               <a:effectLst/>
-              <a:latin typeface="Calibri" panose="020F0502020204030204" pitchFamily="34" charset="0"/>
               <a:ea typeface="Times New Roman" panose="02020603050405020304" pitchFamily="18" charset="0"/>
               <a:cs typeface="Times New Roman" panose="02020603050405020304" pitchFamily="18" charset="0"/>
             </a:endParaRPr>
@@ -23847,7 +23829,6 @@
             <a:r>
               <a:rPr lang="de-DE" sz="2800" kern="150" dirty="0">
                 <a:effectLst/>
-                <a:latin typeface="Calibri" panose="020F0502020204030204" pitchFamily="34" charset="0"/>
                 <a:ea typeface="Calibri" panose="020F0502020204030204" pitchFamily="34" charset="0"/>
                 <a:cs typeface="Calibri" panose="020F0502020204030204" pitchFamily="34" charset="0"/>
               </a:rPr>
@@ -23867,7 +23848,6 @@
             <a:r>
               <a:rPr lang="de-DE" sz="2800" kern="150" dirty="0">
                 <a:effectLst/>
-                <a:latin typeface="Calibri" panose="020F0502020204030204" pitchFamily="34" charset="0"/>
                 <a:ea typeface="Times New Roman" panose="02020603050405020304" pitchFamily="18" charset="0"/>
                 <a:cs typeface="Times New Roman" panose="02020603050405020304" pitchFamily="18" charset="0"/>
               </a:rPr>

--- a/Medienverwaltungsdatenbank Gruppe1.pptx
+++ b/Medienverwaltungsdatenbank Gruppe1.pptx
@@ -14865,11 +14865,15 @@
         </p:spPr>
         <p:txBody>
           <a:bodyPr vert="horz" lIns="91440" tIns="45720" rIns="91440" bIns="45720" rtlCol="0" anchor="ctr">
-            <a:normAutofit fontScale="90000"/>
+            <a:noAutofit/>
           </a:bodyPr>
           <a:lstStyle/>
           <a:p>
-            <a:pPr algn="l"/>
+            <a:pPr algn="l">
+              <a:lnSpc>
+                <a:spcPct val="100000"/>
+              </a:lnSpc>
+            </a:pPr>
             <a:r>
               <a:rPr lang="en-US" sz="4000" b="1" dirty="0"/>
               <a:t>Projekt: </a:t>
@@ -14885,14 +14889,14 @@
               <a:rPr lang="en-US" sz="4000" b="1" dirty="0"/>
             </a:br>
             <a:r>
-              <a:rPr lang="en-US" sz="4000" b="1" dirty="0"/>
+              <a:rPr lang="en-US" sz="3600" b="1" dirty="0"/>
               <a:t>für </a:t>
             </a:r>
             <a:r>
-              <a:rPr lang="en-US" sz="4000" b="1" dirty="0" err="1"/>
+              <a:rPr lang="en-US" sz="3600" b="1" dirty="0" err="1"/>
               <a:t>Medienverwaltung</a:t>
             </a:r>
-            <a:endParaRPr lang="en-US" sz="4000" b="1" dirty="0"/>
+            <a:endParaRPr lang="en-US" sz="3600" b="1" dirty="0"/>
           </a:p>
         </p:txBody>
       </p:sp>
@@ -17629,10 +17633,10 @@
               <a:buAutoNum type="arabicPeriod"/>
             </a:pPr>
             <a:r>
-              <a:rPr lang="de-DE" b="1" dirty="0" err="1"/>
-              <a:t>view_master</a:t>
-            </a:r>
-            <a:endParaRPr lang="de-DE" b="1" dirty="0"/>
+              <a:rPr lang="de-DE" dirty="0" err="1"/>
+              <a:t>view_media_titles</a:t>
+            </a:r>
+            <a:endParaRPr lang="de-DE" dirty="0"/>
           </a:p>
           <a:p>
             <a:pPr marL="342900" indent="-342900">
@@ -17641,7 +17645,7 @@
             </a:pPr>
             <a:r>
               <a:rPr lang="de-DE" dirty="0" err="1"/>
-              <a:t>View_media_titles</a:t>
+              <a:t>view_films_details</a:t>
             </a:r>
             <a:endParaRPr lang="de-DE" dirty="0"/>
           </a:p>
@@ -17652,7 +17656,15 @@
             </a:pPr>
             <a:r>
               <a:rPr lang="de-DE" dirty="0" err="1"/>
-              <a:t>view_films_details</a:t>
+              <a:t>view</a:t>
+            </a:r>
+            <a:r>
+              <a:rPr lang="de-DE" dirty="0"/>
+              <a:t>_ </a:t>
+            </a:r>
+            <a:r>
+              <a:rPr lang="de-DE" dirty="0" err="1"/>
+              <a:t>book_details</a:t>
             </a:r>
             <a:endParaRPr lang="de-DE" dirty="0"/>
           </a:p>
@@ -17663,15 +17675,7 @@
             </a:pPr>
             <a:r>
               <a:rPr lang="de-DE" dirty="0" err="1"/>
-              <a:t>view</a:t>
-            </a:r>
-            <a:r>
-              <a:rPr lang="de-DE" dirty="0"/>
-              <a:t>_ </a:t>
-            </a:r>
-            <a:r>
-              <a:rPr lang="de-DE" dirty="0" err="1"/>
-              <a:t>book_details</a:t>
+              <a:t>view_music_details</a:t>
             </a:r>
             <a:endParaRPr lang="de-DE" dirty="0"/>
           </a:p>
@@ -17682,7 +17686,7 @@
             </a:pPr>
             <a:r>
               <a:rPr lang="de-DE" dirty="0" err="1"/>
-              <a:t>view_music_details</a:t>
+              <a:t>view_series_details</a:t>
             </a:r>
             <a:endParaRPr lang="de-DE" dirty="0"/>
           </a:p>
@@ -17692,8 +17696,8 @@
               <a:buAutoNum type="arabicPeriod"/>
             </a:pPr>
             <a:r>
-              <a:rPr lang="de-DE" dirty="0" err="1"/>
-              <a:t>view_series_details</a:t>
+              <a:rPr lang="de-DE" b="1" dirty="0" err="1"/>
+              <a:t>view_master</a:t>
             </a:r>
             <a:endParaRPr lang="de-DE" dirty="0"/>
           </a:p>
@@ -30738,42 +30742,6 @@
           </a:p>
         </p:txBody>
       </p:sp>
-      <p:pic>
-        <p:nvPicPr>
-          <p:cNvPr id="5" name="Grafik 4" descr="Ein Bild, das Screenshot, Text, Design enthält.&#10;&#10;Automatisch generierte Beschreibung">
-            <a:extLst>
-              <a:ext uri="{FF2B5EF4-FFF2-40B4-BE49-F238E27FC236}">
-                <a16:creationId xmlns:a16="http://schemas.microsoft.com/office/drawing/2014/main" id="{2B0C4DCA-D669-80BE-EE9B-28B93AEBABF4}"/>
-              </a:ext>
-            </a:extLst>
-          </p:cNvPr>
-          <p:cNvPicPr>
-            <a:picLocks noChangeAspect="1"/>
-          </p:cNvPicPr>
-          <p:nvPr/>
-        </p:nvPicPr>
-        <p:blipFill>
-          <a:blip r:embed="rId3">
-            <a:extLst>
-              <a:ext uri="{28A0092B-C50C-407E-A947-70E740481C1C}">
-                <a14:useLocalDpi xmlns:a14="http://schemas.microsoft.com/office/drawing/2010/main" val="0"/>
-              </a:ext>
-            </a:extLst>
-          </a:blip>
-          <a:stretch>
-            <a:fillRect/>
-          </a:stretch>
-        </p:blipFill>
-        <p:spPr>
-          <a:xfrm>
-            <a:off x="2944948" y="1841670"/>
-            <a:ext cx="6316282" cy="4313690"/>
-          </a:xfrm>
-          <a:prstGeom prst="rect">
-            <a:avLst/>
-          </a:prstGeom>
-        </p:spPr>
-      </p:pic>
       <p:sp>
         <p:nvSpPr>
           <p:cNvPr id="7" name="Rechteck 6">
@@ -31185,6 +31153,42 @@
           </a:p>
         </p:txBody>
       </p:sp>
+      <p:pic>
+        <p:nvPicPr>
+          <p:cNvPr id="6" name="Grafik 5" descr="Ein Bild, das Text, Screenshot, Diagramm, Zahl enthält.&#10;&#10;Automatisch generierte Beschreibung">
+            <a:extLst>
+              <a:ext uri="{FF2B5EF4-FFF2-40B4-BE49-F238E27FC236}">
+                <a16:creationId xmlns:a16="http://schemas.microsoft.com/office/drawing/2014/main" id="{4F444CEB-F186-BB51-E667-4A86F1B3E114}"/>
+              </a:ext>
+            </a:extLst>
+          </p:cNvPr>
+          <p:cNvPicPr>
+            <a:picLocks noChangeAspect="1"/>
+          </p:cNvPicPr>
+          <p:nvPr/>
+        </p:nvPicPr>
+        <p:blipFill>
+          <a:blip r:embed="rId3">
+            <a:extLst>
+              <a:ext uri="{28A0092B-C50C-407E-A947-70E740481C1C}">
+                <a14:useLocalDpi xmlns:a14="http://schemas.microsoft.com/office/drawing/2010/main" val="0"/>
+              </a:ext>
+            </a:extLst>
+          </a:blip>
+          <a:stretch>
+            <a:fillRect/>
+          </a:stretch>
+        </p:blipFill>
+        <p:spPr>
+          <a:xfrm>
+            <a:off x="2803261" y="1612232"/>
+            <a:ext cx="6585477" cy="4446750"/>
+          </a:xfrm>
+          <a:prstGeom prst="rect">
+            <a:avLst/>
+          </a:prstGeom>
+        </p:spPr>
+      </p:pic>
     </p:spTree>
     <p:extLst>
       <p:ext uri="{BB962C8B-B14F-4D97-AF65-F5344CB8AC3E}">
@@ -31301,8 +31305,8 @@
         </p:blipFill>
         <p:spPr>
           <a:xfrm>
-            <a:off x="6400800" y="1217304"/>
-            <a:ext cx="4655640" cy="4876436"/>
+            <a:off x="6612735" y="1600200"/>
+            <a:ext cx="3853582" cy="4036340"/>
           </a:xfrm>
           <a:prstGeom prst="rect">
             <a:avLst/>
@@ -31603,8 +31607,8 @@
         </p:blipFill>
         <p:spPr>
           <a:xfrm>
-            <a:off x="748400" y="1934561"/>
-            <a:ext cx="5211548" cy="2973308"/>
+            <a:off x="1105193" y="2127043"/>
+            <a:ext cx="4969348" cy="2835127"/>
           </a:xfrm>
           <a:prstGeom prst="rect">
             <a:avLst/>

--- a/Medienverwaltungsdatenbank Gruppe1.pptx
+++ b/Medienverwaltungsdatenbank Gruppe1.pptx
@@ -3492,7 +3492,7 @@
                 <a:ea typeface="Roboto" pitchFamily="34" charset="-122"/>
                 <a:cs typeface="Roboto" pitchFamily="34" charset="-120"/>
               </a:rPr>
-              <a:t>, </a:t>
+              <a:t> und </a:t>
             </a:r>
             <a:r>
               <a:rPr lang="en-US" sz="1200" dirty="0" err="1">
@@ -3503,7 +3503,7 @@
                 <a:ea typeface="Roboto" pitchFamily="34" charset="-122"/>
                 <a:cs typeface="Roboto" pitchFamily="34" charset="-120"/>
               </a:rPr>
-              <a:t>Sichten</a:t>
+              <a:t>zukünftige</a:t>
             </a:r>
             <a:r>
               <a:rPr lang="en-US" sz="1200" dirty="0">
@@ -3514,7 +3514,7 @@
                 <a:ea typeface="Roboto" pitchFamily="34" charset="-122"/>
                 <a:cs typeface="Roboto" pitchFamily="34" charset="-120"/>
               </a:rPr>
-              <a:t> und </a:t>
+              <a:t> </a:t>
             </a:r>
             <a:r>
               <a:rPr lang="en-US" sz="1200" dirty="0" err="1">
@@ -3525,7 +3525,7 @@
                 <a:ea typeface="Roboto" pitchFamily="34" charset="-122"/>
                 <a:cs typeface="Roboto" pitchFamily="34" charset="-120"/>
               </a:rPr>
-              <a:t>Funktionen</a:t>
+              <a:t>Erweiterungen</a:t>
             </a:r>
             <a:r>
               <a:rPr lang="en-US" sz="1200" dirty="0">
@@ -3548,182 +3548,6 @@
                 <a:cs typeface="Roboto" pitchFamily="34" charset="-120"/>
               </a:rPr>
               <a:t>erläutern</a:t>
-            </a:r>
-            <a:r>
-              <a:rPr lang="en-US" sz="1200" dirty="0">
-                <a:solidFill>
-                  <a:srgbClr val="3C3939"/>
-                </a:solidFill>
-                <a:latin typeface="Roboto" pitchFamily="34" charset="0"/>
-                <a:ea typeface="Roboto" pitchFamily="34" charset="-122"/>
-                <a:cs typeface="Roboto" pitchFamily="34" charset="-120"/>
-              </a:rPr>
-              <a:t>. </a:t>
-            </a:r>
-            <a:r>
-              <a:rPr lang="en-US" sz="1200" dirty="0" err="1">
-                <a:solidFill>
-                  <a:srgbClr val="3C3939"/>
-                </a:solidFill>
-                <a:latin typeface="Roboto" pitchFamily="34" charset="0"/>
-                <a:ea typeface="Roboto" pitchFamily="34" charset="-122"/>
-                <a:cs typeface="Roboto" pitchFamily="34" charset="-120"/>
-              </a:rPr>
-              <a:t>Außerdem</a:t>
-            </a:r>
-            <a:r>
-              <a:rPr lang="en-US" sz="1200" dirty="0">
-                <a:solidFill>
-                  <a:srgbClr val="3C3939"/>
-                </a:solidFill>
-                <a:latin typeface="Roboto" pitchFamily="34" charset="0"/>
-                <a:ea typeface="Roboto" pitchFamily="34" charset="-122"/>
-                <a:cs typeface="Roboto" pitchFamily="34" charset="-120"/>
-              </a:rPr>
-              <a:t> </a:t>
-            </a:r>
-            <a:r>
-              <a:rPr lang="en-US" sz="1200" dirty="0" err="1">
-                <a:solidFill>
-                  <a:srgbClr val="3C3939"/>
-                </a:solidFill>
-                <a:latin typeface="Roboto" pitchFamily="34" charset="0"/>
-                <a:ea typeface="Roboto" pitchFamily="34" charset="-122"/>
-                <a:cs typeface="Roboto" pitchFamily="34" charset="-120"/>
-              </a:rPr>
-              <a:t>gehen</a:t>
-            </a:r>
-            <a:r>
-              <a:rPr lang="en-US" sz="1200" dirty="0">
-                <a:solidFill>
-                  <a:srgbClr val="3C3939"/>
-                </a:solidFill>
-                <a:latin typeface="Roboto" pitchFamily="34" charset="0"/>
-                <a:ea typeface="Roboto" pitchFamily="34" charset="-122"/>
-                <a:cs typeface="Roboto" pitchFamily="34" charset="-120"/>
-              </a:rPr>
-              <a:t> </a:t>
-            </a:r>
-            <a:r>
-              <a:rPr lang="en-US" sz="1200" dirty="0" err="1">
-                <a:solidFill>
-                  <a:srgbClr val="3C3939"/>
-                </a:solidFill>
-                <a:latin typeface="Roboto" pitchFamily="34" charset="0"/>
-                <a:ea typeface="Roboto" pitchFamily="34" charset="-122"/>
-                <a:cs typeface="Roboto" pitchFamily="34" charset="-120"/>
-              </a:rPr>
-              <a:t>wir</a:t>
-            </a:r>
-            <a:r>
-              <a:rPr lang="en-US" sz="1200" dirty="0">
-                <a:solidFill>
-                  <a:srgbClr val="3C3939"/>
-                </a:solidFill>
-                <a:latin typeface="Roboto" pitchFamily="34" charset="0"/>
-                <a:ea typeface="Roboto" pitchFamily="34" charset="-122"/>
-                <a:cs typeface="Roboto" pitchFamily="34" charset="-120"/>
-              </a:rPr>
-              <a:t> auf die </a:t>
-            </a:r>
-            <a:r>
-              <a:rPr lang="en-US" sz="1200" dirty="0" err="1">
-                <a:solidFill>
-                  <a:srgbClr val="3C3939"/>
-                </a:solidFill>
-                <a:latin typeface="Roboto" pitchFamily="34" charset="0"/>
-                <a:ea typeface="Roboto" pitchFamily="34" charset="-122"/>
-                <a:cs typeface="Roboto" pitchFamily="34" charset="-120"/>
-              </a:rPr>
-              <a:t>Schnittstellen</a:t>
-            </a:r>
-            <a:r>
-              <a:rPr lang="en-US" sz="1200" dirty="0">
-                <a:solidFill>
-                  <a:srgbClr val="3C3939"/>
-                </a:solidFill>
-                <a:latin typeface="Roboto" pitchFamily="34" charset="0"/>
-                <a:ea typeface="Roboto" pitchFamily="34" charset="-122"/>
-                <a:cs typeface="Roboto" pitchFamily="34" charset="-120"/>
-              </a:rPr>
-              <a:t> und den </a:t>
-            </a:r>
-            <a:r>
-              <a:rPr lang="en-US" sz="1200" dirty="0" err="1">
-                <a:solidFill>
-                  <a:srgbClr val="3C3939"/>
-                </a:solidFill>
-                <a:latin typeface="Roboto" pitchFamily="34" charset="0"/>
-                <a:ea typeface="Roboto" pitchFamily="34" charset="-122"/>
-                <a:cs typeface="Roboto" pitchFamily="34" charset="-120"/>
-              </a:rPr>
-              <a:t>Ausblick</a:t>
-            </a:r>
-            <a:r>
-              <a:rPr lang="en-US" sz="1200" dirty="0">
-                <a:solidFill>
-                  <a:srgbClr val="3C3939"/>
-                </a:solidFill>
-                <a:latin typeface="Roboto" pitchFamily="34" charset="0"/>
-                <a:ea typeface="Roboto" pitchFamily="34" charset="-122"/>
-                <a:cs typeface="Roboto" pitchFamily="34" charset="-120"/>
-              </a:rPr>
-              <a:t> auf </a:t>
-            </a:r>
-            <a:r>
-              <a:rPr lang="en-US" sz="1200" dirty="0" err="1">
-                <a:solidFill>
-                  <a:srgbClr val="3C3939"/>
-                </a:solidFill>
-                <a:latin typeface="Roboto" pitchFamily="34" charset="0"/>
-                <a:ea typeface="Roboto" pitchFamily="34" charset="-122"/>
-                <a:cs typeface="Roboto" pitchFamily="34" charset="-120"/>
-              </a:rPr>
-              <a:t>zukünftige</a:t>
-            </a:r>
-            <a:r>
-              <a:rPr lang="en-US" sz="1200" dirty="0">
-                <a:solidFill>
-                  <a:srgbClr val="3C3939"/>
-                </a:solidFill>
-                <a:latin typeface="Roboto" pitchFamily="34" charset="0"/>
-                <a:ea typeface="Roboto" pitchFamily="34" charset="-122"/>
-                <a:cs typeface="Roboto" pitchFamily="34" charset="-120"/>
-              </a:rPr>
-              <a:t> </a:t>
-            </a:r>
-            <a:r>
-              <a:rPr lang="en-US" sz="1200" dirty="0" err="1">
-                <a:solidFill>
-                  <a:srgbClr val="3C3939"/>
-                </a:solidFill>
-                <a:latin typeface="Roboto" pitchFamily="34" charset="0"/>
-                <a:ea typeface="Roboto" pitchFamily="34" charset="-122"/>
-                <a:cs typeface="Roboto" pitchFamily="34" charset="-120"/>
-              </a:rPr>
-              <a:t>Erweiterungen</a:t>
-            </a:r>
-            <a:r>
-              <a:rPr lang="en-US" sz="1200" dirty="0">
-                <a:solidFill>
-                  <a:srgbClr val="3C3939"/>
-                </a:solidFill>
-                <a:latin typeface="Roboto" pitchFamily="34" charset="0"/>
-                <a:ea typeface="Roboto" pitchFamily="34" charset="-122"/>
-                <a:cs typeface="Roboto" pitchFamily="34" charset="-120"/>
-              </a:rPr>
-              <a:t> </a:t>
-            </a:r>
-            <a:r>
-              <a:rPr lang="en-US" sz="1200" dirty="0" err="1">
-                <a:solidFill>
-                  <a:srgbClr val="3C3939"/>
-                </a:solidFill>
-                <a:latin typeface="Roboto" pitchFamily="34" charset="0"/>
-                <a:ea typeface="Roboto" pitchFamily="34" charset="-122"/>
-                <a:cs typeface="Roboto" pitchFamily="34" charset="-120"/>
-              </a:rPr>
-              <a:t>ein</a:t>
             </a:r>
             <a:r>
               <a:rPr lang="en-US" sz="1200" dirty="0">
@@ -5388,8 +5212,6 @@
               <a:rPr lang="de-DE" dirty="0"/>
               <a:t>.</a:t>
             </a:r>
-          </a:p>
-          <a:p>
             <a:endParaRPr lang="en-US" sz="1200" dirty="0">
               <a:solidFill>
                 <a:srgbClr val="3C3939"/>
@@ -25337,8 +25159,8 @@
         </p:nvSpPr>
         <p:spPr>
           <a:xfrm>
-            <a:off x="1621990" y="1809106"/>
-            <a:ext cx="5731933" cy="4636690"/>
+            <a:off x="1627563" y="1981200"/>
+            <a:ext cx="5769409" cy="3211050"/>
           </a:xfrm>
         </p:spPr>
         <p:txBody>
@@ -25452,7 +25274,7 @@
         </p:blipFill>
         <p:spPr>
           <a:xfrm>
-            <a:off x="7950768" y="1739519"/>
+            <a:off x="7706486" y="1987178"/>
             <a:ext cx="3211050" cy="3211050"/>
           </a:xfrm>
           <a:prstGeom prst="rect">
@@ -28760,239 +28582,6 @@
           </a:p>
         </p:txBody>
       </p:sp>
-      <p:sp>
-        <p:nvSpPr>
-          <p:cNvPr id="23" name="Textplatzhalter 8">
-            <a:extLst>
-              <a:ext uri="{FF2B5EF4-FFF2-40B4-BE49-F238E27FC236}">
-                <a16:creationId xmlns:a16="http://schemas.microsoft.com/office/drawing/2014/main" id="{D9C66708-EB0C-A2EF-CAE8-B7733B5A24C2}"/>
-              </a:ext>
-            </a:extLst>
-          </p:cNvPr>
-          <p:cNvSpPr txBox="1">
-            <a:spLocks/>
-          </p:cNvSpPr>
-          <p:nvPr/>
-        </p:nvSpPr>
-        <p:spPr>
-          <a:xfrm>
-            <a:off x="1752600" y="2526999"/>
-            <a:ext cx="10972800" cy="609600"/>
-          </a:xfrm>
-          <a:prstGeom prst="rect">
-            <a:avLst/>
-          </a:prstGeom>
-        </p:spPr>
-        <p:txBody>
-          <a:bodyPr vert="horz" lIns="91440" tIns="45720" rIns="91440" bIns="45720" rtlCol="0">
-            <a:noAutofit/>
-          </a:bodyPr>
-          <a:lstStyle>
-            <a:lvl1pPr marL="0" indent="0" algn="ctr" defTabSz="914400" rtl="0" eaLnBrk="1" latinLnBrk="0" hangingPunct="1">
-              <a:lnSpc>
-                <a:spcPct val="90000"/>
-              </a:lnSpc>
-              <a:spcBef>
-                <a:spcPts val="1000"/>
-              </a:spcBef>
-              <a:buFont typeface="Arial" panose="020B0604020202020204" pitchFamily="34" charset="0"/>
-              <a:buNone/>
-              <a:tabLst/>
-              <a:defRPr sz="3200" u="sng" kern="1200">
-                <a:solidFill>
-                  <a:schemeClr val="tx1"/>
-                </a:solidFill>
-                <a:latin typeface="+mn-lt"/>
-                <a:ea typeface="+mn-ea"/>
-                <a:cs typeface="+mn-cs"/>
-              </a:defRPr>
-            </a:lvl1pPr>
-            <a:lvl2pPr marL="685800" indent="-228600" algn="l" defTabSz="914400" rtl="0" eaLnBrk="1" latinLnBrk="0" hangingPunct="1">
-              <a:lnSpc>
-                <a:spcPct val="90000"/>
-              </a:lnSpc>
-              <a:spcBef>
-                <a:spcPts val="500"/>
-              </a:spcBef>
-              <a:buFont typeface="Arial" panose="020B0604020202020204" pitchFamily="34" charset="0"/>
-              <a:buChar char="•"/>
-              <a:defRPr sz="2400" kern="1200">
-                <a:solidFill>
-                  <a:schemeClr val="tx1"/>
-                </a:solidFill>
-                <a:latin typeface="+mn-lt"/>
-                <a:ea typeface="+mn-ea"/>
-                <a:cs typeface="+mn-cs"/>
-              </a:defRPr>
-            </a:lvl2pPr>
-            <a:lvl3pPr marL="1143000" indent="-228600" algn="l" defTabSz="914400" rtl="0" eaLnBrk="1" latinLnBrk="0" hangingPunct="1">
-              <a:lnSpc>
-                <a:spcPct val="90000"/>
-              </a:lnSpc>
-              <a:spcBef>
-                <a:spcPts val="500"/>
-              </a:spcBef>
-              <a:buFont typeface="Arial" panose="020B0604020202020204" pitchFamily="34" charset="0"/>
-              <a:buChar char="•"/>
-              <a:defRPr sz="2000" kern="1200">
-                <a:solidFill>
-                  <a:schemeClr val="tx1"/>
-                </a:solidFill>
-                <a:latin typeface="+mn-lt"/>
-                <a:ea typeface="+mn-ea"/>
-                <a:cs typeface="+mn-cs"/>
-              </a:defRPr>
-            </a:lvl3pPr>
-            <a:lvl4pPr marL="1600200" indent="-228600" algn="l" defTabSz="914400" rtl="0" eaLnBrk="1" latinLnBrk="0" hangingPunct="1">
-              <a:lnSpc>
-                <a:spcPct val="90000"/>
-              </a:lnSpc>
-              <a:spcBef>
-                <a:spcPts val="500"/>
-              </a:spcBef>
-              <a:buFont typeface="Arial" panose="020B0604020202020204" pitchFamily="34" charset="0"/>
-              <a:buChar char="•"/>
-              <a:defRPr sz="1800" kern="1200">
-                <a:solidFill>
-                  <a:schemeClr val="tx1"/>
-                </a:solidFill>
-                <a:latin typeface="+mn-lt"/>
-                <a:ea typeface="+mn-ea"/>
-                <a:cs typeface="+mn-cs"/>
-              </a:defRPr>
-            </a:lvl4pPr>
-            <a:lvl5pPr marL="2057400" indent="-228600" algn="l" defTabSz="914400" rtl="0" eaLnBrk="1" latinLnBrk="0" hangingPunct="1">
-              <a:lnSpc>
-                <a:spcPct val="90000"/>
-              </a:lnSpc>
-              <a:spcBef>
-                <a:spcPts val="500"/>
-              </a:spcBef>
-              <a:buFont typeface="Arial" panose="020B0604020202020204" pitchFamily="34" charset="0"/>
-              <a:buChar char="•"/>
-              <a:defRPr sz="1800" kern="1200">
-                <a:solidFill>
-                  <a:schemeClr val="tx1"/>
-                </a:solidFill>
-                <a:latin typeface="+mn-lt"/>
-                <a:ea typeface="+mn-ea"/>
-                <a:cs typeface="+mn-cs"/>
-              </a:defRPr>
-            </a:lvl5pPr>
-            <a:lvl6pPr marL="2514600" indent="-228600" algn="l" defTabSz="914400" rtl="0" eaLnBrk="1" latinLnBrk="0" hangingPunct="1">
-              <a:lnSpc>
-                <a:spcPct val="90000"/>
-              </a:lnSpc>
-              <a:spcBef>
-                <a:spcPts val="500"/>
-              </a:spcBef>
-              <a:buFont typeface="Arial" panose="020B0604020202020204" pitchFamily="34" charset="0"/>
-              <a:buChar char="•"/>
-              <a:defRPr sz="1800" kern="1200">
-                <a:solidFill>
-                  <a:schemeClr val="tx1"/>
-                </a:solidFill>
-                <a:latin typeface="+mn-lt"/>
-                <a:ea typeface="+mn-ea"/>
-                <a:cs typeface="+mn-cs"/>
-              </a:defRPr>
-            </a:lvl6pPr>
-            <a:lvl7pPr marL="2971800" indent="-228600" algn="l" defTabSz="914400" rtl="0" eaLnBrk="1" latinLnBrk="0" hangingPunct="1">
-              <a:lnSpc>
-                <a:spcPct val="90000"/>
-              </a:lnSpc>
-              <a:spcBef>
-                <a:spcPts val="500"/>
-              </a:spcBef>
-              <a:buFont typeface="Arial" panose="020B0604020202020204" pitchFamily="34" charset="0"/>
-              <a:buChar char="•"/>
-              <a:defRPr sz="1800" kern="1200">
-                <a:solidFill>
-                  <a:schemeClr val="tx1"/>
-                </a:solidFill>
-                <a:latin typeface="+mn-lt"/>
-                <a:ea typeface="+mn-ea"/>
-                <a:cs typeface="+mn-cs"/>
-              </a:defRPr>
-            </a:lvl7pPr>
-            <a:lvl8pPr marL="3429000" indent="-228600" algn="l" defTabSz="914400" rtl="0" eaLnBrk="1" latinLnBrk="0" hangingPunct="1">
-              <a:lnSpc>
-                <a:spcPct val="90000"/>
-              </a:lnSpc>
-              <a:spcBef>
-                <a:spcPts val="500"/>
-              </a:spcBef>
-              <a:buFont typeface="Arial" panose="020B0604020202020204" pitchFamily="34" charset="0"/>
-              <a:buChar char="•"/>
-              <a:defRPr sz="1800" kern="1200">
-                <a:solidFill>
-                  <a:schemeClr val="tx1"/>
-                </a:solidFill>
-                <a:latin typeface="+mn-lt"/>
-                <a:ea typeface="+mn-ea"/>
-                <a:cs typeface="+mn-cs"/>
-              </a:defRPr>
-            </a:lvl8pPr>
-            <a:lvl9pPr marL="3886200" indent="-228600" algn="l" defTabSz="914400" rtl="0" eaLnBrk="1" latinLnBrk="0" hangingPunct="1">
-              <a:lnSpc>
-                <a:spcPct val="90000"/>
-              </a:lnSpc>
-              <a:spcBef>
-                <a:spcPts val="500"/>
-              </a:spcBef>
-              <a:buFont typeface="Arial" panose="020B0604020202020204" pitchFamily="34" charset="0"/>
-              <a:buChar char="•"/>
-              <a:defRPr sz="1800" kern="1200">
-                <a:solidFill>
-                  <a:schemeClr val="tx1"/>
-                </a:solidFill>
-                <a:latin typeface="+mn-lt"/>
-                <a:ea typeface="+mn-ea"/>
-                <a:cs typeface="+mn-cs"/>
-              </a:defRPr>
-            </a:lvl9pPr>
-          </a:lstStyle>
-          <a:p>
-            <a:pPr marL="571500" indent="-571500" algn="l">
-              <a:buFont typeface="Arial" panose="020B0604020202020204" pitchFamily="34" charset="0"/>
-              <a:buChar char="•"/>
-            </a:pPr>
-            <a:r>
-              <a:rPr lang="de-DE" sz="3600" u="none" dirty="0">
-                <a:latin typeface="+mj-lt"/>
-              </a:rPr>
-              <a:t>IST-Situation</a:t>
-            </a:r>
-          </a:p>
-          <a:p>
-            <a:pPr marL="571500" indent="-571500" algn="l">
-              <a:buFont typeface="Arial" panose="020B0604020202020204" pitchFamily="34" charset="0"/>
-              <a:buChar char="•"/>
-            </a:pPr>
-            <a:r>
-              <a:rPr lang="de-DE" sz="3600" u="none" dirty="0">
-                <a:latin typeface="+mj-lt"/>
-              </a:rPr>
-              <a:t>Soll-Situation</a:t>
-            </a:r>
-          </a:p>
-          <a:p>
-            <a:pPr marL="571500" indent="-571500" algn="l">
-              <a:buFont typeface="Arial" panose="020B0604020202020204" pitchFamily="34" charset="0"/>
-              <a:buChar char="•"/>
-            </a:pPr>
-            <a:r>
-              <a:rPr lang="de-DE" sz="3600" u="none" dirty="0">
-                <a:latin typeface="+mj-lt"/>
-              </a:rPr>
-              <a:t>Konzept</a:t>
-            </a:r>
-            <a:endParaRPr lang="de-DE" sz="3600" dirty="0">
-              <a:latin typeface="+mj-lt"/>
-            </a:endParaRPr>
-          </a:p>
-        </p:txBody>
-      </p:sp>
       <p:pic>
         <p:nvPicPr>
           <p:cNvPr id="24" name="Picture 2" descr="Imágenes de Soll-Ist-Vergleich: descubre bancos de fotos, ilustraciones ...">
@@ -29022,7 +28611,7 @@
         </p:blipFill>
         <p:spPr bwMode="auto">
           <a:xfrm>
-            <a:off x="6294521" y="1768425"/>
+            <a:off x="3448050" y="1885376"/>
             <a:ext cx="5295900" cy="3429000"/>
           </a:xfrm>
           <a:prstGeom prst="rect">

--- a/Medienverwaltungsdatenbank Gruppe1.pptx
+++ b/Medienverwaltungsdatenbank Gruppe1.pptx
@@ -245,7 +245,7 @@
           <a:p>
             <a:fld id="{77D5EFAF-E70D-4EAB-8272-5C61B681CB4A}" type="datetimeFigureOut">
               <a:rPr lang="de-DE" smtClean="0"/>
-              <a:t>30.01.2025</a:t>
+              <a:t>31.01.2025</a:t>
             </a:fld>
             <a:endParaRPr lang="de-DE"/>
           </a:p>
@@ -427,7 +427,7 @@
             <a:fld id="{D3962EC7-0D43-44FC-9E1B-67DC9E990A5E}" type="datetimeFigureOut">
               <a:rPr lang="de-DE" smtClean="0"/>
               <a:pPr/>
-              <a:t>30.01.2025</a:t>
+              <a:t>31.01.2025</a:t>
             </a:fld>
             <a:endParaRPr lang="de-DE"/>
           </a:p>
@@ -1390,244 +1390,161 @@
           <a:bodyPr/>
           <a:lstStyle/>
           <a:p>
-            <a:pPr marL="0" marR="0" lvl="0" indent="0" algn="l" defTabSz="914400" rtl="0" eaLnBrk="1" fontAlgn="auto" latinLnBrk="0" hangingPunct="1">
+            <a:pPr hangingPunct="0">
               <a:lnSpc>
-                <a:spcPct val="100000"/>
+                <a:spcPct val="115000"/>
               </a:lnSpc>
-              <a:spcBef>
-                <a:spcPts val="0"/>
-              </a:spcBef>
               <a:spcAft>
-                <a:spcPts val="0"/>
+                <a:spcPts val="1000"/>
               </a:spcAft>
-              <a:buClrTx/>
-              <a:buSzTx/>
+            </a:pPr>
+            <a:r>
+              <a:rPr lang="de-DE" sz="1800" kern="150" dirty="0">
+                <a:effectLst/>
+                <a:latin typeface="Calibri" panose="020F0502020204030204" pitchFamily="34" charset="0"/>
+                <a:ea typeface="Times New Roman" panose="02020603050405020304" pitchFamily="18" charset="0"/>
+                <a:cs typeface="Times New Roman" panose="02020603050405020304" pitchFamily="18" charset="0"/>
+              </a:rPr>
+              <a:t>„Nachdem jetzt erklärt ist, wie unsere Datenbank aufgebaut ist, möchte ich beschreiben wie ein Nutzer mit ihr arbeiten kann.“</a:t>
+            </a:r>
+          </a:p>
+          <a:p>
+            <a:pPr hangingPunct="0">
+              <a:lnSpc>
+                <a:spcPct val="115000"/>
+              </a:lnSpc>
+              <a:spcAft>
+                <a:spcPts val="1000"/>
+              </a:spcAft>
+            </a:pPr>
+            <a:endParaRPr lang="de-DE" sz="1800" kern="150" dirty="0">
+              <a:effectLst/>
+              <a:latin typeface="Calibri" panose="020F0502020204030204" pitchFamily="34" charset="0"/>
+              <a:ea typeface="Times New Roman" panose="02020603050405020304" pitchFamily="18" charset="0"/>
+              <a:cs typeface="Times New Roman" panose="02020603050405020304" pitchFamily="18" charset="0"/>
+            </a:endParaRPr>
+          </a:p>
+          <a:p>
+            <a:pPr marL="285750" indent="-285750" hangingPunct="0">
+              <a:lnSpc>
+                <a:spcPct val="115000"/>
+              </a:lnSpc>
+              <a:spcAft>
+                <a:spcPts val="1000"/>
+              </a:spcAft>
+              <a:buFontTx/>
+              <a:buChar char="-"/>
+            </a:pPr>
+            <a:r>
+              <a:rPr lang="de-DE" sz="1800" kern="150" dirty="0">
+                <a:effectLst/>
+                <a:latin typeface="Calibri" panose="020F0502020204030204" pitchFamily="34" charset="0"/>
+                <a:ea typeface="Times New Roman" panose="02020603050405020304" pitchFamily="18" charset="0"/>
+                <a:cs typeface="Times New Roman" panose="02020603050405020304" pitchFamily="18" charset="0"/>
+              </a:rPr>
+              <a:t>Mit Nutzer ist gemeint…</a:t>
+            </a:r>
+          </a:p>
+          <a:p>
+            <a:pPr marL="285750" indent="-285750" hangingPunct="0">
+              <a:lnSpc>
+                <a:spcPct val="115000"/>
+              </a:lnSpc>
+              <a:spcAft>
+                <a:spcPts val="1000"/>
+              </a:spcAft>
+              <a:buFontTx/>
+              <a:buChar char="-"/>
+            </a:pPr>
+            <a:r>
+              <a:rPr lang="de-DE" sz="1800" kern="150" dirty="0">
+                <a:effectLst/>
+                <a:latin typeface="Calibri" panose="020F0502020204030204" pitchFamily="34" charset="0"/>
+                <a:ea typeface="Times New Roman" panose="02020603050405020304" pitchFamily="18" charset="0"/>
+                <a:cs typeface="Times New Roman" panose="02020603050405020304" pitchFamily="18" charset="0"/>
+              </a:rPr>
+              <a:t>Hauptarbeit: Medienverwaltung, Ausleihe, Informationen über Medien, Standorte und Ausleihen lesen</a:t>
+            </a:r>
+          </a:p>
+          <a:p>
+            <a:pPr marL="285750" indent="-285750" hangingPunct="0">
+              <a:lnSpc>
+                <a:spcPct val="115000"/>
+              </a:lnSpc>
+              <a:spcAft>
+                <a:spcPts val="1000"/>
+              </a:spcAft>
+              <a:buFontTx/>
+              <a:buChar char="-"/>
+            </a:pPr>
+            <a:r>
+              <a:rPr lang="de-DE" sz="1800" kern="150" dirty="0">
+                <a:effectLst/>
+                <a:latin typeface="Calibri" panose="020F0502020204030204" pitchFamily="34" charset="0"/>
+                <a:ea typeface="Times New Roman" panose="02020603050405020304" pitchFamily="18" charset="0"/>
+                <a:cs typeface="Times New Roman" panose="02020603050405020304" pitchFamily="18" charset="0"/>
+              </a:rPr>
+              <a:t>-&gt; einfach und sicher gestaltet</a:t>
+            </a:r>
+          </a:p>
+          <a:p>
+            <a:pPr marL="285750" indent="-285750" hangingPunct="0">
+              <a:lnSpc>
+                <a:spcPct val="115000"/>
+              </a:lnSpc>
+              <a:spcAft>
+                <a:spcPts val="1000"/>
+              </a:spcAft>
+              <a:buFontTx/>
+              <a:buChar char="-"/>
+            </a:pPr>
+            <a:r>
+              <a:rPr lang="de-DE" sz="1800" kern="150" dirty="0">
+                <a:effectLst/>
+                <a:latin typeface="Calibri" panose="020F0502020204030204" pitchFamily="34" charset="0"/>
+                <a:ea typeface="Times New Roman" panose="02020603050405020304" pitchFamily="18" charset="0"/>
+                <a:cs typeface="Times New Roman" panose="02020603050405020304" pitchFamily="18" charset="0"/>
+              </a:rPr>
+              <a:t>Auch regelmäßig vorgesehen: neue Spezialisierungen</a:t>
+            </a:r>
+          </a:p>
+          <a:p>
+            <a:pPr marL="0" indent="0" hangingPunct="0">
+              <a:lnSpc>
+                <a:spcPct val="115000"/>
+              </a:lnSpc>
+              <a:spcAft>
+                <a:spcPts val="1000"/>
+              </a:spcAft>
               <a:buFontTx/>
               <a:buNone/>
-              <a:tabLst/>
-              <a:defRPr/>
             </a:pPr>
-            <a:r>
-              <a:rPr lang="de-DE" sz="1200" dirty="0">
-                <a:solidFill>
-                  <a:srgbClr val="3C3939"/>
-                </a:solidFill>
-                <a:latin typeface="Roboto" pitchFamily="34" charset="0"/>
-                <a:ea typeface="Roboto" pitchFamily="34" charset="-122"/>
-                <a:cs typeface="Roboto" pitchFamily="34" charset="-120"/>
-              </a:rPr>
-              <a:t>Diese Datenbank kann mit folgenden Features weiterentwickelt werden.</a:t>
-            </a:r>
-          </a:p>
-          <a:p>
-            <a:pPr marL="0" marR="0" lvl="0" indent="0" algn="l" defTabSz="914400" rtl="0" eaLnBrk="1" fontAlgn="auto" latinLnBrk="0" hangingPunct="1">
+            <a:endParaRPr lang="de-DE" sz="1800" kern="150" dirty="0">
+              <a:effectLst/>
+              <a:latin typeface="Calibri" panose="020F0502020204030204" pitchFamily="34" charset="0"/>
+              <a:ea typeface="Times New Roman" panose="02020603050405020304" pitchFamily="18" charset="0"/>
+              <a:cs typeface="Times New Roman" panose="02020603050405020304" pitchFamily="18" charset="0"/>
+            </a:endParaRPr>
+          </a:p>
+          <a:p>
+            <a:pPr marL="0" indent="0" hangingPunct="0">
               <a:lnSpc>
-                <a:spcPct val="100000"/>
+                <a:spcPct val="115000"/>
               </a:lnSpc>
-              <a:spcBef>
-                <a:spcPts val="0"/>
-              </a:spcBef>
               <a:spcAft>
-                <a:spcPts val="0"/>
+                <a:spcPts val="1000"/>
               </a:spcAft>
-              <a:buClrTx/>
-              <a:buSzTx/>
               <a:buFontTx/>
               <a:buNone/>
-              <a:tabLst/>
-              <a:defRPr/>
             </a:pPr>
-            <a:endParaRPr lang="en-US" sz="1200" dirty="0">
-              <a:solidFill>
-                <a:srgbClr val="3C3939"/>
-              </a:solidFill>
-              <a:latin typeface="Roboto" pitchFamily="34" charset="0"/>
-              <a:ea typeface="Roboto" pitchFamily="34" charset="-122"/>
-              <a:cs typeface="Roboto" pitchFamily="34" charset="-120"/>
-            </a:endParaRPr>
-          </a:p>
-          <a:p>
-            <a:pPr marL="0" marR="0" lvl="0" indent="0" algn="l" defTabSz="914400" rtl="0" eaLnBrk="1" fontAlgn="auto" latinLnBrk="0" hangingPunct="1">
-              <a:lnSpc>
-                <a:spcPct val="100000"/>
-              </a:lnSpc>
-              <a:spcBef>
-                <a:spcPts val="0"/>
-              </a:spcBef>
-              <a:spcAft>
-                <a:spcPts val="0"/>
-              </a:spcAft>
-              <a:buClrTx/>
-              <a:buSzTx/>
-              <a:buFontTx/>
-              <a:buNone/>
-              <a:tabLst/>
-              <a:defRPr/>
-            </a:pPr>
-            <a:r>
-              <a:rPr lang="en-US" sz="1200" dirty="0">
-                <a:solidFill>
-                  <a:srgbClr val="3C3939"/>
-                </a:solidFill>
-                <a:latin typeface="Roboto" pitchFamily="34" charset="0"/>
-                <a:ea typeface="Roboto" pitchFamily="34" charset="-122"/>
-                <a:cs typeface="Roboto" pitchFamily="34" charset="-120"/>
-              </a:rPr>
-              <a:t>* </a:t>
-            </a:r>
-            <a:r>
-              <a:rPr lang="en-US" sz="1200" dirty="0" err="1">
-                <a:solidFill>
-                  <a:srgbClr val="3C3939"/>
-                </a:solidFill>
-                <a:latin typeface="Roboto" pitchFamily="34" charset="0"/>
-                <a:ea typeface="Roboto" pitchFamily="34" charset="-122"/>
-                <a:cs typeface="Roboto" pitchFamily="34" charset="-120"/>
-              </a:rPr>
-              <a:t>Nutzer</a:t>
-            </a:r>
-            <a:r>
-              <a:rPr lang="en-US" sz="1200" dirty="0">
-                <a:solidFill>
-                  <a:srgbClr val="3C3939"/>
-                </a:solidFill>
-                <a:latin typeface="Roboto" pitchFamily="34" charset="0"/>
-                <a:ea typeface="Roboto" pitchFamily="34" charset="-122"/>
-                <a:cs typeface="Roboto" pitchFamily="34" charset="-120"/>
-              </a:rPr>
-              <a:t> </a:t>
-            </a:r>
-            <a:r>
-              <a:rPr lang="en-US" sz="1200" dirty="0" err="1">
-                <a:solidFill>
-                  <a:srgbClr val="3C3939"/>
-                </a:solidFill>
-                <a:latin typeface="Roboto" pitchFamily="34" charset="0"/>
-                <a:ea typeface="Roboto" pitchFamily="34" charset="-122"/>
-                <a:cs typeface="Roboto" pitchFamily="34" charset="-120"/>
-              </a:rPr>
-              <a:t>kann</a:t>
-            </a:r>
-            <a:r>
-              <a:rPr lang="en-US" sz="1200" dirty="0">
-                <a:solidFill>
-                  <a:srgbClr val="3C3939"/>
-                </a:solidFill>
-                <a:latin typeface="Roboto" pitchFamily="34" charset="0"/>
-                <a:ea typeface="Roboto" pitchFamily="34" charset="-122"/>
-                <a:cs typeface="Roboto" pitchFamily="34" charset="-120"/>
-              </a:rPr>
-              <a:t> </a:t>
-            </a:r>
-            <a:r>
-              <a:rPr lang="en-US" sz="1200" dirty="0" err="1">
-                <a:solidFill>
-                  <a:srgbClr val="3C3939"/>
-                </a:solidFill>
-                <a:latin typeface="Roboto" pitchFamily="34" charset="0"/>
-                <a:ea typeface="Roboto" pitchFamily="34" charset="-122"/>
-                <a:cs typeface="Roboto" pitchFamily="34" charset="-120"/>
-              </a:rPr>
-              <a:t>eine</a:t>
-            </a:r>
-            <a:r>
-              <a:rPr lang="en-US" sz="1200" dirty="0">
-                <a:solidFill>
-                  <a:srgbClr val="3C3939"/>
-                </a:solidFill>
-                <a:latin typeface="Roboto" pitchFamily="34" charset="0"/>
-                <a:ea typeface="Roboto" pitchFamily="34" charset="-122"/>
-                <a:cs typeface="Roboto" pitchFamily="34" charset="-120"/>
-              </a:rPr>
-              <a:t> Person, </a:t>
-            </a:r>
-            <a:r>
-              <a:rPr lang="en-US" sz="1200" dirty="0" err="1">
-                <a:solidFill>
-                  <a:srgbClr val="3C3939"/>
-                </a:solidFill>
-                <a:latin typeface="Roboto" pitchFamily="34" charset="0"/>
-                <a:ea typeface="Roboto" pitchFamily="34" charset="-122"/>
-                <a:cs typeface="Roboto" pitchFamily="34" charset="-120"/>
-              </a:rPr>
-              <a:t>ein</a:t>
-            </a:r>
-            <a:r>
-              <a:rPr lang="en-US" sz="1200" dirty="0">
-                <a:solidFill>
-                  <a:srgbClr val="3C3939"/>
-                </a:solidFill>
-                <a:latin typeface="Roboto" pitchFamily="34" charset="0"/>
-                <a:ea typeface="Roboto" pitchFamily="34" charset="-122"/>
-                <a:cs typeface="Roboto" pitchFamily="34" charset="-120"/>
-              </a:rPr>
-              <a:t> Team </a:t>
-            </a:r>
-            <a:r>
-              <a:rPr lang="en-US" sz="1200" dirty="0" err="1">
-                <a:solidFill>
-                  <a:srgbClr val="3C3939"/>
-                </a:solidFill>
-                <a:latin typeface="Roboto" pitchFamily="34" charset="0"/>
-                <a:ea typeface="Roboto" pitchFamily="34" charset="-122"/>
-                <a:cs typeface="Roboto" pitchFamily="34" charset="-120"/>
-              </a:rPr>
-              <a:t>oder</a:t>
-            </a:r>
-            <a:r>
-              <a:rPr lang="en-US" sz="1200" dirty="0">
-                <a:solidFill>
-                  <a:srgbClr val="3C3939"/>
-                </a:solidFill>
-                <a:latin typeface="Roboto" pitchFamily="34" charset="0"/>
-                <a:ea typeface="Roboto" pitchFamily="34" charset="-122"/>
-                <a:cs typeface="Roboto" pitchFamily="34" charset="-120"/>
-              </a:rPr>
-              <a:t> </a:t>
-            </a:r>
-            <a:r>
-              <a:rPr lang="en-US" sz="1200" dirty="0" err="1">
-                <a:solidFill>
-                  <a:srgbClr val="3C3939"/>
-                </a:solidFill>
-                <a:latin typeface="Roboto" pitchFamily="34" charset="0"/>
-                <a:ea typeface="Roboto" pitchFamily="34" charset="-122"/>
-                <a:cs typeface="Roboto" pitchFamily="34" charset="-120"/>
-              </a:rPr>
-              <a:t>eine</a:t>
-            </a:r>
-            <a:r>
-              <a:rPr lang="en-US" sz="1200" dirty="0">
-                <a:solidFill>
-                  <a:srgbClr val="3C3939"/>
-                </a:solidFill>
-                <a:latin typeface="Roboto" pitchFamily="34" charset="0"/>
-                <a:ea typeface="Roboto" pitchFamily="34" charset="-122"/>
-                <a:cs typeface="Roboto" pitchFamily="34" charset="-120"/>
-              </a:rPr>
-              <a:t> </a:t>
-            </a:r>
-            <a:r>
-              <a:rPr lang="en-US" sz="1200" dirty="0" err="1">
-                <a:solidFill>
-                  <a:srgbClr val="3C3939"/>
-                </a:solidFill>
-                <a:latin typeface="Roboto" pitchFamily="34" charset="0"/>
-                <a:ea typeface="Roboto" pitchFamily="34" charset="-122"/>
-                <a:cs typeface="Roboto" pitchFamily="34" charset="-120"/>
-              </a:rPr>
-              <a:t>Anwendung</a:t>
-            </a:r>
-            <a:r>
-              <a:rPr lang="en-US" sz="1200" dirty="0">
-                <a:solidFill>
-                  <a:srgbClr val="3C3939"/>
-                </a:solidFill>
-                <a:latin typeface="Roboto" pitchFamily="34" charset="0"/>
-                <a:ea typeface="Roboto" pitchFamily="34" charset="-122"/>
-                <a:cs typeface="Roboto" pitchFamily="34" charset="-120"/>
-              </a:rPr>
-              <a:t> sein*</a:t>
+            <a:r>
+              <a:rPr lang="de-DE" sz="1800" kern="150" dirty="0">
+                <a:effectLst/>
+                <a:latin typeface="Calibri" panose="020F0502020204030204" pitchFamily="34" charset="0"/>
+                <a:ea typeface="Times New Roman" panose="02020603050405020304" pitchFamily="18" charset="0"/>
+                <a:cs typeface="Times New Roman" panose="02020603050405020304" pitchFamily="18" charset="0"/>
+              </a:rPr>
+              <a:t>- „Wir betrachten jetzt diese Schritte, was Nutzer beachten sollten und was gegeben ist.“</a:t>
             </a:r>
           </a:p>
         </p:txBody>
@@ -1765,18 +1682,20 @@
             <a:endParaRPr lang="de-DE" sz="1800" kern="150" dirty="0">
               <a:effectLst/>
               <a:latin typeface="Calibri" panose="020F0502020204030204" pitchFamily="34" charset="0"/>
-              <a:ea typeface="Times New Roman" panose="02020603050405020304" pitchFamily="18" charset="0"/>
-              <a:cs typeface="Times New Roman" panose="02020603050405020304" pitchFamily="18" charset="0"/>
+              <a:ea typeface="Calibri" panose="020F0502020204030204" pitchFamily="34" charset="0"/>
+              <a:cs typeface="Calibri" panose="020F0502020204030204" pitchFamily="34" charset="0"/>
             </a:endParaRPr>
           </a:p>
           <a:p>
-            <a:pPr hangingPunct="0">
+            <a:pPr marL="285750" indent="-285750" hangingPunct="0">
               <a:lnSpc>
                 <a:spcPct val="115000"/>
               </a:lnSpc>
               <a:spcAft>
                 <a:spcPts val="1000"/>
               </a:spcAft>
+              <a:buFontTx/>
+              <a:buChar char="-"/>
             </a:pPr>
             <a:r>
               <a:rPr lang="de-DE" sz="1800" kern="150" dirty="0">
@@ -1785,8 +1704,89 @@
                 <a:ea typeface="Calibri" panose="020F0502020204030204" pitchFamily="34" charset="0"/>
                 <a:cs typeface="Calibri" panose="020F0502020204030204" pitchFamily="34" charset="0"/>
               </a:rPr>
-              <a:t>Pro Spezialisierung gibt es eine Prozedur, um einen neuen Eintrag anzulegen</a:t>
-            </a:r>
+              <a:t>Aufteilung auf mehrere Tabellen</a:t>
+            </a:r>
+          </a:p>
+          <a:p>
+            <a:pPr marL="285750" indent="-285750" hangingPunct="0">
+              <a:lnSpc>
+                <a:spcPct val="115000"/>
+              </a:lnSpc>
+              <a:spcAft>
+                <a:spcPts val="1000"/>
+              </a:spcAft>
+              <a:buFontTx/>
+              <a:buChar char="-"/>
+            </a:pPr>
+            <a:r>
+              <a:rPr lang="de-DE" sz="1800" kern="150" dirty="0">
+                <a:effectLst/>
+                <a:latin typeface="Calibri" panose="020F0502020204030204" pitchFamily="34" charset="0"/>
+                <a:ea typeface="Calibri" panose="020F0502020204030204" pitchFamily="34" charset="0"/>
+                <a:cs typeface="Calibri" panose="020F0502020204030204" pitchFamily="34" charset="0"/>
+              </a:rPr>
+              <a:t>Spezialisierte Insert Prozeduren pro Spezialisierung</a:t>
+            </a:r>
+          </a:p>
+          <a:p>
+            <a:pPr marL="285750" indent="-285750" hangingPunct="0">
+              <a:lnSpc>
+                <a:spcPct val="115000"/>
+              </a:lnSpc>
+              <a:spcAft>
+                <a:spcPts val="1000"/>
+              </a:spcAft>
+              <a:buFontTx/>
+              <a:buChar char="-"/>
+            </a:pPr>
+            <a:r>
+              <a:rPr lang="de-DE" sz="1800" kern="150" dirty="0">
+                <a:effectLst/>
+                <a:latin typeface="Calibri" panose="020F0502020204030204" pitchFamily="34" charset="0"/>
+                <a:ea typeface="Calibri" panose="020F0502020204030204" pitchFamily="34" charset="0"/>
+                <a:cs typeface="Calibri" panose="020F0502020204030204" pitchFamily="34" charset="0"/>
+              </a:rPr>
+              <a:t>Nutzer muss nur sachliche Daten angeben, Organisationsdaten werden automatisch vergeben</a:t>
+            </a:r>
+          </a:p>
+          <a:p>
+            <a:pPr marL="285750" indent="-285750" hangingPunct="0">
+              <a:lnSpc>
+                <a:spcPct val="115000"/>
+              </a:lnSpc>
+              <a:spcAft>
+                <a:spcPts val="1000"/>
+              </a:spcAft>
+              <a:buFontTx/>
+              <a:buChar char="-"/>
+            </a:pPr>
+            <a:r>
+              <a:rPr lang="de-DE" sz="1800" kern="150" dirty="0">
+                <a:effectLst/>
+                <a:latin typeface="Calibri" panose="020F0502020204030204" pitchFamily="34" charset="0"/>
+                <a:ea typeface="Calibri" panose="020F0502020204030204" pitchFamily="34" charset="0"/>
+                <a:cs typeface="Calibri" panose="020F0502020204030204" pitchFamily="34" charset="0"/>
+              </a:rPr>
+              <a:t>Transaktion -&gt; alle Daten oder keine</a:t>
+            </a:r>
+          </a:p>
+          <a:p>
+            <a:pPr marL="285750" indent="-285750" hangingPunct="0">
+              <a:lnSpc>
+                <a:spcPct val="115000"/>
+              </a:lnSpc>
+              <a:spcAft>
+                <a:spcPts val="1000"/>
+              </a:spcAft>
+              <a:buFontTx/>
+              <a:buChar char="-"/>
+            </a:pPr>
+            <a:endParaRPr lang="de-DE" sz="1800" kern="150" dirty="0">
+              <a:effectLst/>
+              <a:latin typeface="Calibri" panose="020F0502020204030204" pitchFamily="34" charset="0"/>
+              <a:ea typeface="Calibri" panose="020F0502020204030204" pitchFamily="34" charset="0"/>
+              <a:cs typeface="Calibri" panose="020F0502020204030204" pitchFamily="34" charset="0"/>
+            </a:endParaRPr>
           </a:p>
           <a:p>
             <a:pPr hangingPunct="0">
@@ -2034,13 +2034,15 @@
             </a:endParaRPr>
           </a:p>
           <a:p>
-            <a:pPr hangingPunct="0">
+            <a:pPr marL="171450" indent="-171450" hangingPunct="0">
               <a:lnSpc>
                 <a:spcPct val="115000"/>
               </a:lnSpc>
               <a:spcAft>
                 <a:spcPts val="1000"/>
               </a:spcAft>
+              <a:buFontTx/>
+              <a:buChar char="-"/>
             </a:pPr>
             <a:r>
               <a:rPr lang="de-DE" sz="1200" kern="150" dirty="0">
@@ -2049,7 +2051,70 @@
                 <a:ea typeface="Calibri" panose="020F0502020204030204" pitchFamily="34" charset="0"/>
                 <a:cs typeface="Calibri" panose="020F0502020204030204" pitchFamily="34" charset="0"/>
               </a:rPr>
-              <a:t>Beim Einfügen kann der Nutzer auf Prozeduren zugreifen, die die Aufteilung auf mehrere Tabellen transparent machen.</a:t>
+              <a:t>Daten einfügen: Aufteilung der Einträge transparent</a:t>
+            </a:r>
+          </a:p>
+          <a:p>
+            <a:pPr marL="171450" indent="-171450" hangingPunct="0">
+              <a:lnSpc>
+                <a:spcPct val="115000"/>
+              </a:lnSpc>
+              <a:spcAft>
+                <a:spcPts val="1000"/>
+              </a:spcAft>
+              <a:buFontTx/>
+              <a:buChar char="-"/>
+            </a:pPr>
+            <a:r>
+              <a:rPr lang="de-DE" sz="1200" kern="150" dirty="0">
+                <a:effectLst/>
+                <a:latin typeface="Calibri" panose="020F0502020204030204" pitchFamily="34" charset="0"/>
+                <a:ea typeface="Calibri" panose="020F0502020204030204" pitchFamily="34" charset="0"/>
+                <a:cs typeface="Calibri" panose="020F0502020204030204" pitchFamily="34" charset="0"/>
+              </a:rPr>
+              <a:t>Daten lesen: über View ebenfalls transparent</a:t>
+            </a:r>
+          </a:p>
+          <a:p>
+            <a:pPr marL="171450" indent="-171450" hangingPunct="0">
+              <a:lnSpc>
+                <a:spcPct val="115000"/>
+              </a:lnSpc>
+              <a:spcAft>
+                <a:spcPts val="1000"/>
+              </a:spcAft>
+              <a:buFontTx/>
+              <a:buChar char="-"/>
+            </a:pPr>
+            <a:r>
+              <a:rPr lang="de-DE" sz="1200" kern="150" dirty="0">
+                <a:effectLst/>
+                <a:latin typeface="Calibri" panose="020F0502020204030204" pitchFamily="34" charset="0"/>
+                <a:ea typeface="Calibri" panose="020F0502020204030204" pitchFamily="34" charset="0"/>
+                <a:cs typeface="Calibri" panose="020F0502020204030204" pitchFamily="34" charset="0"/>
+              </a:rPr>
+              <a:t>Daten ändern: über View möglich</a:t>
+            </a:r>
+          </a:p>
+          <a:p>
+            <a:pPr marL="171450" indent="-171450" hangingPunct="0">
+              <a:lnSpc>
+                <a:spcPct val="115000"/>
+              </a:lnSpc>
+              <a:spcAft>
+                <a:spcPts val="1000"/>
+              </a:spcAft>
+              <a:buFontTx/>
+              <a:buChar char="-"/>
+            </a:pPr>
+            <a:r>
+              <a:rPr lang="de-DE" sz="1200" kern="150" dirty="0">
+                <a:effectLst/>
+                <a:latin typeface="Calibri" panose="020F0502020204030204" pitchFamily="34" charset="0"/>
+                <a:ea typeface="Calibri" panose="020F0502020204030204" pitchFamily="34" charset="0"/>
+                <a:cs typeface="Calibri" panose="020F0502020204030204" pitchFamily="34" charset="0"/>
+              </a:rPr>
+              <a:t>An sich: Benutzer muss für die meisten Aufgaben genaue Aufteilung nicht kennen</a:t>
             </a:r>
           </a:p>
           <a:p>
@@ -2069,13 +2134,15 @@
             </a:endParaRPr>
           </a:p>
           <a:p>
-            <a:pPr hangingPunct="0">
+            <a:pPr marL="171450" indent="-171450" hangingPunct="0">
               <a:lnSpc>
                 <a:spcPct val="115000"/>
               </a:lnSpc>
               <a:spcAft>
                 <a:spcPts val="1000"/>
               </a:spcAft>
+              <a:buFontTx/>
+              <a:buChar char="-"/>
             </a:pPr>
             <a:r>
               <a:rPr lang="de-DE" sz="1200" kern="150" dirty="0">
@@ -2084,17 +2151,67 @@
                 <a:ea typeface="Calibri" panose="020F0502020204030204" pitchFamily="34" charset="0"/>
                 <a:cs typeface="Calibri" panose="020F0502020204030204" pitchFamily="34" charset="0"/>
               </a:rPr>
-              <a:t>Sollen nachträglich Daten geändert werden, muss der Nutzer aber selbst die richtige Tabelle bestimmen.</a:t>
-            </a:r>
-          </a:p>
-          <a:p>
-            <a:pPr hangingPunct="0">
+              <a:t>Keine vollständige </a:t>
+            </a:r>
+            <a:r>
+              <a:rPr lang="de-DE" sz="1200" kern="150" dirty="0" err="1">
+                <a:effectLst/>
+                <a:latin typeface="Calibri" panose="020F0502020204030204" pitchFamily="34" charset="0"/>
+                <a:ea typeface="Calibri" panose="020F0502020204030204" pitchFamily="34" charset="0"/>
+                <a:cs typeface="Calibri" panose="020F0502020204030204" pitchFamily="34" charset="0"/>
+              </a:rPr>
+              <a:t>Enkapsulierung</a:t>
+            </a:r>
+            <a:r>
+              <a:rPr lang="de-DE" sz="1200" kern="150" dirty="0">
+                <a:effectLst/>
+                <a:latin typeface="Calibri" panose="020F0502020204030204" pitchFamily="34" charset="0"/>
+                <a:ea typeface="Calibri" panose="020F0502020204030204" pitchFamily="34" charset="0"/>
+                <a:cs typeface="Calibri" panose="020F0502020204030204" pitchFamily="34" charset="0"/>
+              </a:rPr>
+              <a:t> garantiert: Nutzer sollte Aufbau der Datenbank kennen</a:t>
+            </a:r>
+          </a:p>
+          <a:p>
+            <a:pPr marL="171450" indent="-171450" hangingPunct="0">
               <a:lnSpc>
                 <a:spcPct val="115000"/>
               </a:lnSpc>
               <a:spcAft>
                 <a:spcPts val="1000"/>
               </a:spcAft>
+              <a:buFontTx/>
+              <a:buChar char="-"/>
+            </a:pPr>
+            <a:r>
+              <a:rPr lang="de-DE" sz="1200" kern="150" dirty="0" err="1">
+                <a:effectLst/>
+                <a:latin typeface="Calibri" panose="020F0502020204030204" pitchFamily="34" charset="0"/>
+                <a:ea typeface="Calibri" panose="020F0502020204030204" pitchFamily="34" charset="0"/>
+                <a:cs typeface="Calibri" panose="020F0502020204030204" pitchFamily="34" charset="0"/>
+              </a:rPr>
+              <a:t>Enkapsulierung</a:t>
+            </a:r>
+            <a:r>
+              <a:rPr lang="de-DE" sz="1200" kern="150" dirty="0">
+                <a:effectLst/>
+                <a:latin typeface="Calibri" panose="020F0502020204030204" pitchFamily="34" charset="0"/>
+                <a:ea typeface="Calibri" panose="020F0502020204030204" pitchFamily="34" charset="0"/>
+                <a:cs typeface="Calibri" panose="020F0502020204030204" pitchFamily="34" charset="0"/>
+              </a:rPr>
+              <a:t> höherer Ebene überlassen</a:t>
+            </a:r>
+          </a:p>
+          <a:p>
+            <a:pPr marL="171450" indent="-171450" hangingPunct="0">
+              <a:lnSpc>
+                <a:spcPct val="115000"/>
+              </a:lnSpc>
+              <a:spcAft>
+                <a:spcPts val="1000"/>
+              </a:spcAft>
+              <a:buFontTx/>
+              <a:buChar char="-"/>
             </a:pPr>
             <a:endParaRPr lang="de-DE" sz="1200" kern="150" dirty="0">
               <a:effectLst/>
@@ -2104,13 +2221,15 @@
             </a:endParaRPr>
           </a:p>
           <a:p>
-            <a:pPr hangingPunct="0">
+            <a:pPr marL="171450" indent="-171450" hangingPunct="0">
               <a:lnSpc>
                 <a:spcPct val="115000"/>
               </a:lnSpc>
               <a:spcAft>
                 <a:spcPts val="1000"/>
               </a:spcAft>
+              <a:buFontTx/>
+              <a:buChar char="-"/>
             </a:pPr>
             <a:r>
               <a:rPr lang="de-DE" sz="1200" kern="150" dirty="0">
@@ -2119,7 +2238,7 @@
                 <a:ea typeface="Calibri" panose="020F0502020204030204" pitchFamily="34" charset="0"/>
                 <a:cs typeface="Calibri" panose="020F0502020204030204" pitchFamily="34" charset="0"/>
               </a:rPr>
-              <a:t>Wir haben also Datenkonsistenz beim Einfügen gesichert, aber keine vollständige </a:t>
+              <a:t>Zweck: Konsistenz gesichert durch Transaktion &amp; </a:t>
             </a:r>
             <a:r>
               <a:rPr lang="de-DE" sz="1200" kern="150" dirty="0" err="1">
@@ -2128,7 +2247,7 @@
                 <a:ea typeface="Calibri" panose="020F0502020204030204" pitchFamily="34" charset="0"/>
                 <a:cs typeface="Calibri" panose="020F0502020204030204" pitchFamily="34" charset="0"/>
               </a:rPr>
-              <a:t>Enkapsulierung</a:t>
+              <a:t>Foreign</a:t>
             </a:r>
             <a:r>
               <a:rPr lang="de-DE" sz="1200" kern="150" dirty="0">
@@ -2137,79 +2256,23 @@
                 <a:ea typeface="Calibri" panose="020F0502020204030204" pitchFamily="34" charset="0"/>
                 <a:cs typeface="Calibri" panose="020F0502020204030204" pitchFamily="34" charset="0"/>
               </a:rPr>
-              <a:t>.</a:t>
-            </a:r>
-          </a:p>
-          <a:p>
-            <a:pPr hangingPunct="0">
-              <a:lnSpc>
-                <a:spcPct val="115000"/>
-              </a:lnSpc>
-              <a:spcAft>
-                <a:spcPts val="1000"/>
-              </a:spcAft>
-            </a:pPr>
+              <a:t> Key </a:t>
+            </a:r>
+            <a:r>
+              <a:rPr lang="de-DE" sz="1200" kern="150" dirty="0" err="1">
+                <a:effectLst/>
+                <a:latin typeface="Calibri" panose="020F0502020204030204" pitchFamily="34" charset="0"/>
+                <a:ea typeface="Calibri" panose="020F0502020204030204" pitchFamily="34" charset="0"/>
+                <a:cs typeface="Calibri" panose="020F0502020204030204" pitchFamily="34" charset="0"/>
+              </a:rPr>
+              <a:t>Constraints</a:t>
+            </a:r>
             <a:endParaRPr lang="de-DE" sz="1200" kern="150" dirty="0">
               <a:effectLst/>
               <a:latin typeface="Calibri" panose="020F0502020204030204" pitchFamily="34" charset="0"/>
               <a:ea typeface="Calibri" panose="020F0502020204030204" pitchFamily="34" charset="0"/>
               <a:cs typeface="Calibri" panose="020F0502020204030204" pitchFamily="34" charset="0"/>
             </a:endParaRPr>
-          </a:p>
-          <a:p>
-            <a:pPr hangingPunct="0">
-              <a:lnSpc>
-                <a:spcPct val="115000"/>
-              </a:lnSpc>
-              <a:spcAft>
-                <a:spcPts val="1000"/>
-              </a:spcAft>
-            </a:pPr>
-            <a:r>
-              <a:rPr lang="de-DE" sz="1200" kern="150" dirty="0">
-                <a:effectLst/>
-                <a:latin typeface="Calibri" panose="020F0502020204030204" pitchFamily="34" charset="0"/>
-                <a:ea typeface="Calibri" panose="020F0502020204030204" pitchFamily="34" charset="0"/>
-                <a:cs typeface="Calibri" panose="020F0502020204030204" pitchFamily="34" charset="0"/>
-              </a:rPr>
-              <a:t>Konsistenz zwischen den Tabellen wird mit </a:t>
-            </a:r>
-            <a:r>
-              <a:rPr lang="de-DE" sz="1200" kern="150" dirty="0" err="1">
-                <a:effectLst/>
-                <a:latin typeface="Calibri" panose="020F0502020204030204" pitchFamily="34" charset="0"/>
-                <a:ea typeface="Calibri" panose="020F0502020204030204" pitchFamily="34" charset="0"/>
-                <a:cs typeface="Calibri" panose="020F0502020204030204" pitchFamily="34" charset="0"/>
-              </a:rPr>
-              <a:t>Foreign</a:t>
-            </a:r>
-            <a:r>
-              <a:rPr lang="de-DE" sz="1200" kern="150" dirty="0">
-                <a:effectLst/>
-                <a:latin typeface="Calibri" panose="020F0502020204030204" pitchFamily="34" charset="0"/>
-                <a:ea typeface="Calibri" panose="020F0502020204030204" pitchFamily="34" charset="0"/>
-                <a:cs typeface="Calibri" panose="020F0502020204030204" pitchFamily="34" charset="0"/>
-              </a:rPr>
-              <a:t> Key </a:t>
-            </a:r>
-            <a:r>
-              <a:rPr lang="de-DE" sz="1200" kern="150" dirty="0" err="1">
-                <a:effectLst/>
-                <a:latin typeface="Calibri" panose="020F0502020204030204" pitchFamily="34" charset="0"/>
-                <a:ea typeface="Calibri" panose="020F0502020204030204" pitchFamily="34" charset="0"/>
-                <a:cs typeface="Calibri" panose="020F0502020204030204" pitchFamily="34" charset="0"/>
-              </a:rPr>
-              <a:t>Constraints</a:t>
-            </a:r>
-            <a:r>
-              <a:rPr lang="de-DE" sz="1200" kern="150" dirty="0">
-                <a:effectLst/>
-                <a:latin typeface="Calibri" panose="020F0502020204030204" pitchFamily="34" charset="0"/>
-                <a:ea typeface="Calibri" panose="020F0502020204030204" pitchFamily="34" charset="0"/>
-                <a:cs typeface="Calibri" panose="020F0502020204030204" pitchFamily="34" charset="0"/>
-              </a:rPr>
-              <a:t> trotzdem weiter gesichert.</a:t>
-            </a:r>
           </a:p>
         </p:txBody>
       </p:sp>
@@ -2316,7 +2379,7 @@
           <a:bodyPr/>
           <a:lstStyle/>
           <a:p>
-            <a:pPr marL="0" marR="0" lvl="0" indent="0" algn="l" defTabSz="914400" rtl="0" eaLnBrk="1" fontAlgn="auto" latinLnBrk="0" hangingPunct="1">
+            <a:pPr marL="171450" marR="0" lvl="0" indent="-171450" algn="l" defTabSz="914400" rtl="0" eaLnBrk="1" fontAlgn="auto" latinLnBrk="0" hangingPunct="1">
               <a:lnSpc>
                 <a:spcPct val="100000"/>
               </a:lnSpc>
@@ -2329,10 +2392,50 @@
               <a:buClrTx/>
               <a:buSzTx/>
               <a:buFontTx/>
-              <a:buNone/>
+              <a:buChar char="-"/>
               <a:tabLst/>
               <a:defRPr/>
             </a:pPr>
+            <a:r>
+              <a:rPr lang="de-DE" sz="1200" kern="150" dirty="0">
+                <a:effectLst/>
+                <a:latin typeface="Calibri" panose="020F0502020204030204" pitchFamily="34" charset="0"/>
+                <a:ea typeface="Calibri" panose="020F0502020204030204" pitchFamily="34" charset="0"/>
+                <a:cs typeface="Calibri" panose="020F0502020204030204" pitchFamily="34" charset="0"/>
+              </a:rPr>
+              <a:t>Medien die schonmal ausgeliehen wurden, können nicht gelöscht werden (Log bezieht sich darauf)</a:t>
+            </a:r>
+          </a:p>
+          <a:p>
+            <a:pPr marL="171450" marR="0" lvl="0" indent="-171450" algn="l" defTabSz="914400" rtl="0" eaLnBrk="1" fontAlgn="auto" latinLnBrk="0" hangingPunct="1">
+              <a:lnSpc>
+                <a:spcPct val="100000"/>
+              </a:lnSpc>
+              <a:spcBef>
+                <a:spcPts val="0"/>
+              </a:spcBef>
+              <a:spcAft>
+                <a:spcPts val="0"/>
+              </a:spcAft>
+              <a:buClrTx/>
+              <a:buSzTx/>
+              <a:buFontTx/>
+              <a:buChar char="-"/>
+              <a:tabLst/>
+              <a:defRPr/>
+            </a:pPr>
+            <a:r>
+              <a:rPr lang="de-DE" sz="1200" kern="150" dirty="0">
+                <a:solidFill>
+                  <a:srgbClr val="3C3939"/>
+                </a:solidFill>
+                <a:effectLst/>
+                <a:latin typeface="Calibri" panose="020F0502020204030204" pitchFamily="34" charset="0"/>
+                <a:ea typeface="Roboto" pitchFamily="34" charset="-122"/>
+                <a:cs typeface="Calibri" panose="020F0502020204030204" pitchFamily="34" charset="0"/>
+              </a:rPr>
+              <a:t>Medieninformationen an einem Standort können nicht gelöscht werden</a:t>
+            </a:r>
             <a:endParaRPr lang="de-DE" sz="1200" dirty="0">
               <a:solidFill>
                 <a:srgbClr val="3C3939"/>
@@ -2343,32 +2446,33 @@
             </a:endParaRPr>
           </a:p>
           <a:p>
-            <a:pPr hangingPunct="0">
+            <a:pPr marL="285750" indent="-285750" hangingPunct="0">
               <a:lnSpc>
                 <a:spcPct val="115000"/>
               </a:lnSpc>
               <a:spcAft>
                 <a:spcPts val="1000"/>
               </a:spcAft>
+              <a:buFontTx/>
+              <a:buChar char="-"/>
             </a:pPr>
-            <a:r>
-              <a:rPr lang="de-DE" sz="1800" kern="150" dirty="0">
-                <a:effectLst/>
-                <a:latin typeface="Calibri" panose="020F0502020204030204" pitchFamily="34" charset="0"/>
-                <a:ea typeface="Calibri" panose="020F0502020204030204" pitchFamily="34" charset="0"/>
-                <a:cs typeface="Calibri" panose="020F0502020204030204" pitchFamily="34" charset="0"/>
-              </a:rPr>
-              <a:t>Löschen von Medieninformationen ist nicht vorgesehen, damit Log-Informationen benutzbar bleiben. </a:t>
-            </a:r>
-          </a:p>
-          <a:p>
-            <a:pPr hangingPunct="0">
+            <a:endParaRPr lang="de-DE" sz="1800" kern="150" dirty="0">
+              <a:effectLst/>
+              <a:latin typeface="Calibri" panose="020F0502020204030204" pitchFamily="34" charset="0"/>
+              <a:ea typeface="Calibri" panose="020F0502020204030204" pitchFamily="34" charset="0"/>
+              <a:cs typeface="Calibri" panose="020F0502020204030204" pitchFamily="34" charset="0"/>
+            </a:endParaRPr>
+          </a:p>
+          <a:p>
+            <a:pPr marL="285750" indent="-285750" hangingPunct="0">
               <a:lnSpc>
                 <a:spcPct val="115000"/>
               </a:lnSpc>
               <a:spcAft>
                 <a:spcPts val="1000"/>
               </a:spcAft>
+              <a:buFontTx/>
+              <a:buChar char="-"/>
             </a:pPr>
             <a:r>
               <a:rPr lang="de-DE" sz="1800" kern="150" dirty="0">
@@ -2377,7 +2481,74 @@
                 <a:ea typeface="Calibri" panose="020F0502020204030204" pitchFamily="34" charset="0"/>
                 <a:cs typeface="Calibri" panose="020F0502020204030204" pitchFamily="34" charset="0"/>
               </a:rPr>
-              <a:t>Ausschluss aus dem Leihsystem kann z.B. durch </a:t>
+              <a:t>Kann löschen, wenn von allen Standorten entfernt und entweder nicht ausgeliehen</a:t>
+            </a:r>
+          </a:p>
+          <a:p>
+            <a:pPr marL="285750" marR="0" lvl="0" indent="-285750" algn="l" defTabSz="914400" rtl="0" eaLnBrk="1" fontAlgn="auto" latinLnBrk="0" hangingPunct="0">
+              <a:lnSpc>
+                <a:spcPct val="115000"/>
+              </a:lnSpc>
+              <a:spcBef>
+                <a:spcPts val="0"/>
+              </a:spcBef>
+              <a:spcAft>
+                <a:spcPts val="1000"/>
+              </a:spcAft>
+              <a:buClrTx/>
+              <a:buSzTx/>
+              <a:buFontTx/>
+              <a:buChar char="-"/>
+              <a:tabLst/>
+              <a:defRPr/>
+            </a:pPr>
+            <a:r>
+              <a:rPr lang="de-DE" sz="1800" kern="150" dirty="0">
+                <a:effectLst/>
+                <a:latin typeface="Calibri" panose="020F0502020204030204" pitchFamily="34" charset="0"/>
+                <a:ea typeface="Calibri" panose="020F0502020204030204" pitchFamily="34" charset="0"/>
+                <a:cs typeface="Calibri" panose="020F0502020204030204" pitchFamily="34" charset="0"/>
+              </a:rPr>
+              <a:t>Löschen nicht vorgesehen</a:t>
+            </a:r>
+          </a:p>
+          <a:p>
+            <a:pPr marL="285750" indent="-285750" hangingPunct="0">
+              <a:lnSpc>
+                <a:spcPct val="115000"/>
+              </a:lnSpc>
+              <a:spcAft>
+                <a:spcPts val="1000"/>
+              </a:spcAft>
+              <a:buFontTx/>
+              <a:buChar char="-"/>
+            </a:pPr>
+            <a:endParaRPr lang="de-DE" sz="1800" kern="150" dirty="0">
+              <a:effectLst/>
+              <a:latin typeface="Calibri" panose="020F0502020204030204" pitchFamily="34" charset="0"/>
+              <a:ea typeface="Calibri" panose="020F0502020204030204" pitchFamily="34" charset="0"/>
+              <a:cs typeface="Calibri" panose="020F0502020204030204" pitchFamily="34" charset="0"/>
+            </a:endParaRPr>
+          </a:p>
+          <a:p>
+            <a:pPr marL="285750" indent="-285750" hangingPunct="0">
+              <a:lnSpc>
+                <a:spcPct val="115000"/>
+              </a:lnSpc>
+              <a:spcAft>
+                <a:spcPts val="1000"/>
+              </a:spcAft>
+              <a:buFontTx/>
+              <a:buChar char="-"/>
+            </a:pPr>
+            <a:r>
+              <a:rPr lang="de-DE" sz="1800" kern="150" dirty="0">
+                <a:effectLst/>
+                <a:latin typeface="Calibri" panose="020F0502020204030204" pitchFamily="34" charset="0"/>
+                <a:ea typeface="Calibri" panose="020F0502020204030204" pitchFamily="34" charset="0"/>
+                <a:cs typeface="Calibri" panose="020F0502020204030204" pitchFamily="34" charset="0"/>
+              </a:rPr>
+              <a:t>Von Ausleihe ausschließen: Ausleihen mit besonderem Benutzer </a:t>
             </a:r>
             <a:r>
               <a:rPr lang="de-DE" sz="1800" kern="150" dirty="0" err="1">
@@ -2386,7 +2557,7 @@
                 <a:ea typeface="Calibri" panose="020F0502020204030204" pitchFamily="34" charset="0"/>
                 <a:cs typeface="Calibri" panose="020F0502020204030204" pitchFamily="34" charset="0"/>
               </a:rPr>
-              <a:t>withdrawal</a:t>
+              <a:t>zB</a:t>
             </a:r>
             <a:r>
               <a:rPr lang="de-DE" sz="1800" kern="150" dirty="0">
@@ -2395,7 +2566,70 @@
                 <a:ea typeface="Calibri" panose="020F0502020204030204" pitchFamily="34" charset="0"/>
                 <a:cs typeface="Calibri" panose="020F0502020204030204" pitchFamily="34" charset="0"/>
               </a:rPr>
-              <a:t> mit speziellen Benutzer "REMOVED" implementiert werden.</a:t>
+              <a:t> „REMOVED“</a:t>
+            </a:r>
+          </a:p>
+          <a:p>
+            <a:pPr marL="285750" indent="-285750" hangingPunct="0">
+              <a:lnSpc>
+                <a:spcPct val="115000"/>
+              </a:lnSpc>
+              <a:spcAft>
+                <a:spcPts val="1000"/>
+              </a:spcAft>
+              <a:buFontTx/>
+              <a:buChar char="-"/>
+            </a:pPr>
+            <a:r>
+              <a:rPr lang="de-DE" sz="1800" kern="150" dirty="0">
+                <a:effectLst/>
+                <a:latin typeface="Calibri" panose="020F0502020204030204" pitchFamily="34" charset="0"/>
+                <a:ea typeface="Calibri" panose="020F0502020204030204" pitchFamily="34" charset="0"/>
+                <a:cs typeface="Calibri" panose="020F0502020204030204" pitchFamily="34" charset="0"/>
+              </a:rPr>
+              <a:t>+ Informationen bleiben erhalten</a:t>
+            </a:r>
+          </a:p>
+          <a:p>
+            <a:pPr marL="285750" indent="-285750" hangingPunct="0">
+              <a:lnSpc>
+                <a:spcPct val="115000"/>
+              </a:lnSpc>
+              <a:spcAft>
+                <a:spcPts val="1000"/>
+              </a:spcAft>
+              <a:buFontTx/>
+              <a:buChar char="-"/>
+            </a:pPr>
+            <a:r>
+              <a:rPr lang="de-DE" sz="1800" kern="150" dirty="0">
+                <a:effectLst/>
+                <a:latin typeface="Calibri" panose="020F0502020204030204" pitchFamily="34" charset="0"/>
+                <a:ea typeface="Calibri" panose="020F0502020204030204" pitchFamily="34" charset="0"/>
+                <a:cs typeface="Calibri" panose="020F0502020204030204" pitchFamily="34" charset="0"/>
+              </a:rPr>
+              <a:t>+ kann einfach wiederhergestellt werden</a:t>
+            </a:r>
+          </a:p>
+          <a:p>
+            <a:pPr marL="285750" indent="-285750" hangingPunct="0">
+              <a:lnSpc>
+                <a:spcPct val="115000"/>
+              </a:lnSpc>
+              <a:spcAft>
+                <a:spcPts val="1000"/>
+              </a:spcAft>
+              <a:buFontTx/>
+              <a:buChar char="-"/>
+            </a:pPr>
+            <a:r>
+              <a:rPr lang="de-DE" sz="1800" kern="150" dirty="0">
+                <a:effectLst/>
+                <a:latin typeface="Calibri" panose="020F0502020204030204" pitchFamily="34" charset="0"/>
+                <a:ea typeface="Calibri" panose="020F0502020204030204" pitchFamily="34" charset="0"/>
+                <a:cs typeface="Calibri" panose="020F0502020204030204" pitchFamily="34" charset="0"/>
+              </a:rPr>
+              <a:t>+ verschiedene Gründe/Sonderbenutzer</a:t>
             </a:r>
             <a:endParaRPr lang="de-DE" sz="1800" kern="150" dirty="0">
               <a:effectLst/>
@@ -2509,140 +2743,46 @@
           <a:bodyPr/>
           <a:lstStyle/>
           <a:p>
-            <a:pPr hangingPunct="0">
+            <a:pPr marL="285750" indent="-285750" hangingPunct="0">
               <a:lnSpc>
                 <a:spcPct val="115000"/>
               </a:lnSpc>
               <a:spcAft>
                 <a:spcPts val="1000"/>
               </a:spcAft>
+              <a:buFontTx/>
+              <a:buChar char="-"/>
             </a:pPr>
             <a:r>
               <a:rPr lang="de-DE" sz="1800" kern="150" dirty="0">
                 <a:effectLst/>
                 <a:latin typeface="Calibri" panose="020F0502020204030204" pitchFamily="34" charset="0"/>
-                <a:ea typeface="Calibri" panose="020F0502020204030204" pitchFamily="34" charset="0"/>
-                <a:cs typeface="Calibri" panose="020F0502020204030204" pitchFamily="34" charset="0"/>
-              </a:rPr>
-              <a:t>Die Tabelle </a:t>
-            </a:r>
-            <a:r>
-              <a:rPr lang="de-DE" sz="1800" kern="150" dirty="0" err="1">
-                <a:effectLst/>
-                <a:latin typeface="Calibri" panose="020F0502020204030204" pitchFamily="34" charset="0"/>
-                <a:ea typeface="Calibri" panose="020F0502020204030204" pitchFamily="34" charset="0"/>
-                <a:cs typeface="Calibri" panose="020F0502020204030204" pitchFamily="34" charset="0"/>
-              </a:rPr>
-              <a:t>withdrawals</a:t>
-            </a:r>
-            <a:r>
-              <a:rPr lang="de-DE" sz="1800" kern="150" dirty="0">
-                <a:effectLst/>
-                <a:latin typeface="Calibri" panose="020F0502020204030204" pitchFamily="34" charset="0"/>
-                <a:ea typeface="Calibri" panose="020F0502020204030204" pitchFamily="34" charset="0"/>
-                <a:cs typeface="Calibri" panose="020F0502020204030204" pitchFamily="34" charset="0"/>
-              </a:rPr>
-              <a:t> enthält nur aktuellen Ausleihen, </a:t>
-            </a:r>
-            <a:r>
-              <a:rPr lang="de-DE" sz="1800" kern="150" dirty="0" err="1">
-                <a:effectLst/>
-                <a:latin typeface="Calibri" panose="020F0502020204030204" pitchFamily="34" charset="0"/>
-                <a:ea typeface="Calibri" panose="020F0502020204030204" pitchFamily="34" charset="0"/>
-                <a:cs typeface="Calibri" panose="020F0502020204030204" pitchFamily="34" charset="0"/>
-              </a:rPr>
-              <a:t>withdrawals_history</a:t>
-            </a:r>
-            <a:r>
-              <a:rPr lang="de-DE" sz="1800" kern="150" dirty="0">
-                <a:effectLst/>
-                <a:latin typeface="Calibri" panose="020F0502020204030204" pitchFamily="34" charset="0"/>
-                <a:ea typeface="Calibri" panose="020F0502020204030204" pitchFamily="34" charset="0"/>
-                <a:cs typeface="Calibri" panose="020F0502020204030204" pitchFamily="34" charset="0"/>
-              </a:rPr>
-              <a:t> enthält Informationen zu jeder Leihgabe die jemals gemacht wurde.</a:t>
-            </a:r>
-            <a:endParaRPr lang="de-DE" sz="1800" kern="150" dirty="0">
-              <a:effectLst/>
-              <a:latin typeface="Calibri" panose="020F0502020204030204" pitchFamily="34" charset="0"/>
-              <a:ea typeface="Times New Roman" panose="02020603050405020304" pitchFamily="18" charset="0"/>
-              <a:cs typeface="Times New Roman" panose="02020603050405020304" pitchFamily="18" charset="0"/>
-            </a:endParaRPr>
-          </a:p>
-          <a:p>
-            <a:pPr hangingPunct="0">
+                <a:ea typeface="Times New Roman" panose="02020603050405020304" pitchFamily="18" charset="0"/>
+                <a:cs typeface="Times New Roman" panose="02020603050405020304" pitchFamily="18" charset="0"/>
+              </a:rPr>
+              <a:t>Standorte: Unabhängig vom Leihsystem und Mediendaten</a:t>
+            </a:r>
+          </a:p>
+          <a:p>
+            <a:pPr marL="285750" indent="-285750" hangingPunct="0">
               <a:lnSpc>
                 <a:spcPct val="115000"/>
               </a:lnSpc>
               <a:spcAft>
                 <a:spcPts val="1000"/>
               </a:spcAft>
+              <a:buFontTx/>
+              <a:buChar char="-"/>
             </a:pPr>
             <a:r>
               <a:rPr lang="de-DE" sz="1800" kern="150" dirty="0">
                 <a:effectLst/>
                 <a:latin typeface="Calibri" panose="020F0502020204030204" pitchFamily="34" charset="0"/>
-                <a:ea typeface="Calibri" panose="020F0502020204030204" pitchFamily="34" charset="0"/>
-                <a:cs typeface="Calibri" panose="020F0502020204030204" pitchFamily="34" charset="0"/>
-              </a:rPr>
-              <a:t>-&gt; Verfügbarkeit ist einfach und schnell zu bestimmen</a:t>
-            </a:r>
-            <a:endParaRPr lang="de-DE" sz="1800" kern="150" dirty="0">
-              <a:effectLst/>
-              <a:latin typeface="Calibri" panose="020F0502020204030204" pitchFamily="34" charset="0"/>
-              <a:ea typeface="Times New Roman" panose="02020603050405020304" pitchFamily="18" charset="0"/>
-              <a:cs typeface="Times New Roman" panose="02020603050405020304" pitchFamily="18" charset="0"/>
-            </a:endParaRPr>
-          </a:p>
-          <a:p>
-            <a:pPr hangingPunct="0">
-              <a:lnSpc>
-                <a:spcPct val="115000"/>
-              </a:lnSpc>
-              <a:spcAft>
-                <a:spcPts val="1000"/>
-              </a:spcAft>
-            </a:pPr>
-            <a:r>
-              <a:rPr lang="de-DE" sz="1800" kern="150" dirty="0">
-                <a:effectLst/>
-                <a:latin typeface="Calibri" panose="020F0502020204030204" pitchFamily="34" charset="0"/>
-                <a:ea typeface="Calibri" panose="020F0502020204030204" pitchFamily="34" charset="0"/>
-                <a:cs typeface="Calibri" panose="020F0502020204030204" pitchFamily="34" charset="0"/>
-              </a:rPr>
-              <a:t>-&gt; Informationen über alle Ausleihen bleiben verfügbar</a:t>
-            </a:r>
-            <a:endParaRPr lang="de-DE" sz="1800" kern="150" dirty="0">
-              <a:effectLst/>
-              <a:latin typeface="Calibri" panose="020F0502020204030204" pitchFamily="34" charset="0"/>
-              <a:ea typeface="Times New Roman" panose="02020603050405020304" pitchFamily="18" charset="0"/>
-              <a:cs typeface="Times New Roman" panose="02020603050405020304" pitchFamily="18" charset="0"/>
-            </a:endParaRPr>
-          </a:p>
-          <a:p>
-            <a:pPr hangingPunct="0">
-              <a:lnSpc>
-                <a:spcPct val="115000"/>
-              </a:lnSpc>
-              <a:spcAft>
-                <a:spcPts val="1000"/>
-              </a:spcAft>
-            </a:pPr>
-            <a:r>
-              <a:rPr lang="de-DE" sz="1800" kern="150" dirty="0">
-                <a:effectLst/>
-                <a:latin typeface="Calibri" panose="020F0502020204030204" pitchFamily="34" charset="0"/>
-                <a:ea typeface="Calibri" panose="020F0502020204030204" pitchFamily="34" charset="0"/>
-                <a:cs typeface="Calibri" panose="020F0502020204030204" pitchFamily="34" charset="0"/>
-              </a:rPr>
-              <a:t>Logs werden per Trigger automatisch angelegt, wenn etwas ausgeliehen oder zurückgegeben wird. Der Nutzer muss nicht selbst darauf achten, dass Logs stimmen.</a:t>
-            </a:r>
-            <a:endParaRPr lang="de-DE" sz="1800" kern="150" dirty="0">
-              <a:effectLst/>
-              <a:latin typeface="Calibri" panose="020F0502020204030204" pitchFamily="34" charset="0"/>
-              <a:ea typeface="Times New Roman" panose="02020603050405020304" pitchFamily="18" charset="0"/>
-              <a:cs typeface="Times New Roman" panose="02020603050405020304" pitchFamily="18" charset="0"/>
-            </a:endParaRPr>
+                <a:ea typeface="Times New Roman" panose="02020603050405020304" pitchFamily="18" charset="0"/>
+                <a:cs typeface="Times New Roman" panose="02020603050405020304" pitchFamily="18" charset="0"/>
+              </a:rPr>
+              <a:t>Normale SQL-Abfragen, Nichts besonderes zu beachten</a:t>
+            </a:r>
           </a:p>
         </p:txBody>
       </p:sp>
@@ -2749,13 +2889,15 @@
           <a:bodyPr/>
           <a:lstStyle/>
           <a:p>
-            <a:pPr hangingPunct="0">
+            <a:pPr marL="285750" indent="-285750" hangingPunct="0">
               <a:lnSpc>
                 <a:spcPct val="115000"/>
               </a:lnSpc>
               <a:spcAft>
                 <a:spcPts val="1000"/>
               </a:spcAft>
+              <a:buFontTx/>
+              <a:buChar char="-"/>
             </a:pPr>
             <a:r>
               <a:rPr lang="de-DE" sz="1800" kern="150" dirty="0">
@@ -2764,7 +2906,7 @@
                 <a:ea typeface="Calibri" panose="020F0502020204030204" pitchFamily="34" charset="0"/>
                 <a:cs typeface="Calibri" panose="020F0502020204030204" pitchFamily="34" charset="0"/>
               </a:rPr>
-              <a:t>Nutzer können aktuelle Ausleihen über </a:t>
+              <a:t>Ausleihen: über Einträge in </a:t>
             </a:r>
             <a:r>
               <a:rPr lang="de-DE" sz="1800" kern="150" dirty="0" err="1">
@@ -2775,24 +2917,23 @@
               </a:rPr>
               <a:t>withdrawals</a:t>
             </a:r>
-            <a:r>
-              <a:rPr lang="de-DE" sz="1800" kern="150" dirty="0">
-                <a:effectLst/>
-                <a:latin typeface="Calibri" panose="020F0502020204030204" pitchFamily="34" charset="0"/>
-                <a:ea typeface="Calibri" panose="020F0502020204030204" pitchFamily="34" charset="0"/>
-                <a:cs typeface="Calibri" panose="020F0502020204030204" pitchFamily="34" charset="0"/>
-              </a:rPr>
-              <a:t> bearbeiten:</a:t>
-            </a:r>
-          </a:p>
-          <a:p>
-            <a:pPr hangingPunct="0">
+            <a:endParaRPr lang="de-DE" sz="1800" kern="150" dirty="0">
+              <a:effectLst/>
+              <a:latin typeface="Calibri" panose="020F0502020204030204" pitchFamily="34" charset="0"/>
+              <a:ea typeface="Calibri" panose="020F0502020204030204" pitchFamily="34" charset="0"/>
+              <a:cs typeface="Calibri" panose="020F0502020204030204" pitchFamily="34" charset="0"/>
+            </a:endParaRPr>
+          </a:p>
+          <a:p>
+            <a:pPr marL="285750" indent="-285750" hangingPunct="0">
               <a:lnSpc>
                 <a:spcPct val="115000"/>
               </a:lnSpc>
               <a:spcAft>
                 <a:spcPts val="1000"/>
               </a:spcAft>
+              <a:buFontTx/>
+              <a:buChar char="-"/>
             </a:pPr>
             <a:r>
               <a:rPr lang="de-DE" sz="1800" kern="150" dirty="0">
@@ -2801,7 +2942,7 @@
                 <a:ea typeface="Calibri" panose="020F0502020204030204" pitchFamily="34" charset="0"/>
                 <a:cs typeface="Calibri" panose="020F0502020204030204" pitchFamily="34" charset="0"/>
               </a:rPr>
-              <a:t>Wird etwas ausgeliehen, legt man einen Eintrag in </a:t>
+              <a:t>Benutzer muss nur Einträge in </a:t>
             </a:r>
             <a:r>
               <a:rPr lang="de-DE" sz="1800" kern="150" dirty="0" err="1">
@@ -2819,17 +2960,19 @@
                 <a:ea typeface="Calibri" panose="020F0502020204030204" pitchFamily="34" charset="0"/>
                 <a:cs typeface="Calibri" panose="020F0502020204030204" pitchFamily="34" charset="0"/>
               </a:rPr>
-              <a:t> an und es wird automatisch ein Log-Eintrag angelegt.</a:t>
-            </a:r>
-          </a:p>
-          <a:p>
-            <a:pPr hangingPunct="0">
+              <a:t> anlegen und löschen</a:t>
+            </a:r>
+          </a:p>
+          <a:p>
+            <a:pPr marL="285750" indent="-285750" hangingPunct="0">
               <a:lnSpc>
                 <a:spcPct val="115000"/>
               </a:lnSpc>
               <a:spcAft>
                 <a:spcPts val="1000"/>
               </a:spcAft>
+              <a:buFontTx/>
+              <a:buChar char="-"/>
             </a:pPr>
             <a:r>
               <a:rPr lang="de-DE" sz="1800" kern="150" dirty="0">
@@ -2838,35 +2981,19 @@
                 <a:ea typeface="Calibri" panose="020F0502020204030204" pitchFamily="34" charset="0"/>
                 <a:cs typeface="Calibri" panose="020F0502020204030204" pitchFamily="34" charset="0"/>
               </a:rPr>
-              <a:t>Wenn es wieder zurückgegeben wird, löscht man den entsprechenden Eintrag in </a:t>
-            </a:r>
-            <a:r>
-              <a:rPr lang="de-DE" sz="1800" kern="150" dirty="0" err="1">
-                <a:effectLst/>
-                <a:latin typeface="Calibri" panose="020F0502020204030204" pitchFamily="34" charset="0"/>
-                <a:ea typeface="Calibri" panose="020F0502020204030204" pitchFamily="34" charset="0"/>
-                <a:cs typeface="Calibri" panose="020F0502020204030204" pitchFamily="34" charset="0"/>
-              </a:rPr>
-              <a:t>withdrawals</a:t>
-            </a:r>
-            <a:r>
-              <a:rPr lang="de-DE" sz="1800" kern="150" dirty="0">
-                <a:effectLst/>
-                <a:latin typeface="Calibri" panose="020F0502020204030204" pitchFamily="34" charset="0"/>
-                <a:ea typeface="Calibri" panose="020F0502020204030204" pitchFamily="34" charset="0"/>
-                <a:cs typeface="Calibri" panose="020F0502020204030204" pitchFamily="34" charset="0"/>
-              </a:rPr>
-              <a:t> und der Log-Eintrag wird um den Zeitpunkt ergänzt.</a:t>
-            </a:r>
-          </a:p>
-          <a:p>
-            <a:pPr hangingPunct="0">
+              <a:t>Logs werden über Trigger automatisch angelegt und ergänzt</a:t>
+            </a:r>
+          </a:p>
+          <a:p>
+            <a:pPr marL="285750" indent="-285750" hangingPunct="0">
               <a:lnSpc>
                 <a:spcPct val="115000"/>
               </a:lnSpc>
               <a:spcAft>
                 <a:spcPts val="1000"/>
               </a:spcAft>
+              <a:buFontTx/>
+              <a:buChar char="-"/>
             </a:pPr>
             <a:r>
               <a:rPr lang="de-DE" sz="1800" kern="150" dirty="0">
@@ -2875,17 +3002,19 @@
                 <a:ea typeface="Calibri" panose="020F0502020204030204" pitchFamily="34" charset="0"/>
                 <a:cs typeface="Calibri" panose="020F0502020204030204" pitchFamily="34" charset="0"/>
               </a:rPr>
-              <a:t>Es gibt eine Funktion, um Verfügbarkeit zu prüfen.</a:t>
-            </a:r>
-          </a:p>
-          <a:p>
-            <a:pPr hangingPunct="0">
+              <a:t>Funktion um Verfügbarkeit zu prüfen</a:t>
+            </a:r>
+          </a:p>
+          <a:p>
+            <a:pPr marL="285750" indent="-285750" hangingPunct="0">
               <a:lnSpc>
                 <a:spcPct val="115000"/>
               </a:lnSpc>
               <a:spcAft>
                 <a:spcPts val="1000"/>
               </a:spcAft>
+              <a:buFontTx/>
+              <a:buChar char="-"/>
             </a:pPr>
             <a:r>
               <a:rPr lang="de-DE" sz="1800" kern="150" dirty="0">
@@ -2894,17 +3023,52 @@
                 <a:ea typeface="Calibri" panose="020F0502020204030204" pitchFamily="34" charset="0"/>
                 <a:cs typeface="Calibri" panose="020F0502020204030204" pitchFamily="34" charset="0"/>
               </a:rPr>
-              <a:t>Der Nutzer muss auch hier nicht selbst darauf achten, dass die Logs konsistent bleiben.</a:t>
-            </a:r>
-          </a:p>
-          <a:p>
-            <a:pPr hangingPunct="0">
+              <a:t>Keine doppelte Ausleihe: </a:t>
+            </a:r>
+            <a:r>
+              <a:rPr lang="de-DE" sz="1800" kern="150" dirty="0" err="1">
+                <a:effectLst/>
+                <a:latin typeface="Calibri" panose="020F0502020204030204" pitchFamily="34" charset="0"/>
+                <a:ea typeface="Calibri" panose="020F0502020204030204" pitchFamily="34" charset="0"/>
+                <a:cs typeface="Calibri" panose="020F0502020204030204" pitchFamily="34" charset="0"/>
+              </a:rPr>
+              <a:t>primary</a:t>
+            </a:r>
+            <a:r>
+              <a:rPr lang="de-DE" sz="1800" kern="150" dirty="0">
+                <a:effectLst/>
+                <a:latin typeface="Calibri" panose="020F0502020204030204" pitchFamily="34" charset="0"/>
+                <a:ea typeface="Calibri" panose="020F0502020204030204" pitchFamily="34" charset="0"/>
+                <a:cs typeface="Calibri" panose="020F0502020204030204" pitchFamily="34" charset="0"/>
+              </a:rPr>
+              <a:t> Key ist </a:t>
+            </a:r>
+            <a:r>
+              <a:rPr lang="de-DE" sz="1800" kern="150" dirty="0" err="1">
+                <a:effectLst/>
+                <a:latin typeface="Calibri" panose="020F0502020204030204" pitchFamily="34" charset="0"/>
+                <a:ea typeface="Calibri" panose="020F0502020204030204" pitchFamily="34" charset="0"/>
+                <a:cs typeface="Calibri" panose="020F0502020204030204" pitchFamily="34" charset="0"/>
+              </a:rPr>
+              <a:t>mediaID</a:t>
+            </a:r>
+            <a:endParaRPr lang="de-DE" sz="1800" kern="150" dirty="0">
+              <a:effectLst/>
+              <a:latin typeface="Calibri" panose="020F0502020204030204" pitchFamily="34" charset="0"/>
+              <a:ea typeface="Calibri" panose="020F0502020204030204" pitchFamily="34" charset="0"/>
+              <a:cs typeface="Calibri" panose="020F0502020204030204" pitchFamily="34" charset="0"/>
+            </a:endParaRPr>
+          </a:p>
+          <a:p>
+            <a:pPr marL="285750" indent="-285750" hangingPunct="0">
               <a:lnSpc>
                 <a:spcPct val="115000"/>
               </a:lnSpc>
               <a:spcAft>
                 <a:spcPts val="1000"/>
               </a:spcAft>
+              <a:buFontTx/>
+              <a:buChar char="-"/>
             </a:pPr>
             <a:r>
               <a:rPr lang="de-DE" sz="1800" kern="150" dirty="0">
@@ -2913,42 +3077,8 @@
                 <a:ea typeface="Calibri" panose="020F0502020204030204" pitchFamily="34" charset="0"/>
                 <a:cs typeface="Calibri" panose="020F0502020204030204" pitchFamily="34" charset="0"/>
               </a:rPr>
-              <a:t>Vor doppelter Ausleihung ist man geschützt, da die </a:t>
-            </a:r>
-            <a:r>
-              <a:rPr lang="de-DE" sz="1800" kern="150" dirty="0" err="1">
-                <a:effectLst/>
-                <a:latin typeface="Calibri" panose="020F0502020204030204" pitchFamily="34" charset="0"/>
-                <a:ea typeface="Calibri" panose="020F0502020204030204" pitchFamily="34" charset="0"/>
-                <a:cs typeface="Calibri" panose="020F0502020204030204" pitchFamily="34" charset="0"/>
-              </a:rPr>
-              <a:t>MediaID</a:t>
-            </a:r>
-            <a:r>
-              <a:rPr lang="de-DE" sz="1800" kern="150" dirty="0">
-                <a:effectLst/>
-                <a:latin typeface="Calibri" panose="020F0502020204030204" pitchFamily="34" charset="0"/>
-                <a:ea typeface="Calibri" panose="020F0502020204030204" pitchFamily="34" charset="0"/>
-                <a:cs typeface="Calibri" panose="020F0502020204030204" pitchFamily="34" charset="0"/>
-              </a:rPr>
-              <a:t> ein Primärschlüssel ist.</a:t>
-            </a:r>
-          </a:p>
-          <a:p>
-            <a:pPr hangingPunct="0">
-              <a:lnSpc>
-                <a:spcPct val="115000"/>
-              </a:lnSpc>
-              <a:spcAft>
-                <a:spcPts val="1000"/>
-              </a:spcAft>
-            </a:pPr>
-            <a:endParaRPr lang="de-DE" sz="1800" kern="150" dirty="0">
-              <a:effectLst/>
-              <a:latin typeface="Calibri" panose="020F0502020204030204" pitchFamily="34" charset="0"/>
-              <a:ea typeface="Calibri" panose="020F0502020204030204" pitchFamily="34" charset="0"/>
-              <a:cs typeface="Calibri" panose="020F0502020204030204" pitchFamily="34" charset="0"/>
-            </a:endParaRPr>
+              <a:t>Gesichert: Logs werden angelegt, nur eine Ausleihe</a:t>
+            </a:r>
           </a:p>
         </p:txBody>
       </p:sp>
@@ -3055,7 +3185,7 @@
           <a:bodyPr/>
           <a:lstStyle/>
           <a:p>
-            <a:pPr marL="0" marR="0" lvl="0" indent="0" algn="l" defTabSz="914400" rtl="0" eaLnBrk="1" fontAlgn="auto" latinLnBrk="0" hangingPunct="1">
+            <a:pPr marL="171450" marR="0" lvl="0" indent="-171450" algn="l" defTabSz="914400" rtl="0" eaLnBrk="1" fontAlgn="auto" latinLnBrk="0" hangingPunct="1">
               <a:lnSpc>
                 <a:spcPct val="100000"/>
               </a:lnSpc>
@@ -3068,10 +3198,84 @@
               <a:buClrTx/>
               <a:buSzTx/>
               <a:buFontTx/>
-              <a:buNone/>
+              <a:buChar char="-"/>
               <a:tabLst/>
               <a:defRPr/>
             </a:pPr>
+            <a:r>
+              <a:rPr lang="en-US" sz="1200" dirty="0" err="1">
+                <a:solidFill>
+                  <a:srgbClr val="3C3939"/>
+                </a:solidFill>
+                <a:latin typeface="Roboto" pitchFamily="34" charset="0"/>
+                <a:ea typeface="Roboto" pitchFamily="34" charset="-122"/>
+                <a:cs typeface="Roboto" pitchFamily="34" charset="-120"/>
+              </a:rPr>
+              <a:t>Aufwendigste</a:t>
+            </a:r>
+            <a:r>
+              <a:rPr lang="en-US" sz="1200" dirty="0">
+                <a:solidFill>
+                  <a:srgbClr val="3C3939"/>
+                </a:solidFill>
+                <a:latin typeface="Roboto" pitchFamily="34" charset="0"/>
+                <a:ea typeface="Roboto" pitchFamily="34" charset="-122"/>
+                <a:cs typeface="Roboto" pitchFamily="34" charset="-120"/>
+              </a:rPr>
+              <a:t>,</a:t>
+            </a:r>
+          </a:p>
+          <a:p>
+            <a:pPr marL="171450" marR="0" lvl="0" indent="-171450" algn="l" defTabSz="914400" rtl="0" eaLnBrk="1" fontAlgn="auto" latinLnBrk="0" hangingPunct="1">
+              <a:lnSpc>
+                <a:spcPct val="100000"/>
+              </a:lnSpc>
+              <a:spcBef>
+                <a:spcPts val="0"/>
+              </a:spcBef>
+              <a:spcAft>
+                <a:spcPts val="0"/>
+              </a:spcAft>
+              <a:buClrTx/>
+              <a:buSzTx/>
+              <a:buFontTx/>
+              <a:buChar char="-"/>
+              <a:tabLst/>
+              <a:defRPr/>
+            </a:pPr>
+            <a:r>
+              <a:rPr lang="en-US" sz="1200" dirty="0" err="1">
+                <a:solidFill>
+                  <a:srgbClr val="3C3939"/>
+                </a:solidFill>
+                <a:latin typeface="Roboto" pitchFamily="34" charset="0"/>
+                <a:ea typeface="Roboto" pitchFamily="34" charset="-122"/>
+                <a:cs typeface="Roboto" pitchFamily="34" charset="-120"/>
+              </a:rPr>
+              <a:t>Gibt</a:t>
+            </a:r>
+            <a:r>
+              <a:rPr lang="en-US" sz="1200" dirty="0">
+                <a:solidFill>
+                  <a:srgbClr val="3C3939"/>
+                </a:solidFill>
+                <a:latin typeface="Roboto" pitchFamily="34" charset="0"/>
+                <a:ea typeface="Roboto" pitchFamily="34" charset="-122"/>
+                <a:cs typeface="Roboto" pitchFamily="34" charset="-120"/>
+              </a:rPr>
+              <a:t> </a:t>
+            </a:r>
+            <a:r>
+              <a:rPr lang="en-US" sz="1200" dirty="0" err="1">
+                <a:solidFill>
+                  <a:srgbClr val="3C3939"/>
+                </a:solidFill>
+                <a:latin typeface="Roboto" pitchFamily="34" charset="0"/>
+                <a:ea typeface="Roboto" pitchFamily="34" charset="-122"/>
+                <a:cs typeface="Roboto" pitchFamily="34" charset="-120"/>
+              </a:rPr>
+              <a:t>insert_media</a:t>
+            </a:r>
             <a:endParaRPr lang="en-US" sz="1200" dirty="0">
               <a:solidFill>
                 <a:srgbClr val="3C3939"/>
@@ -3233,6 +3437,138 @@
               <a:tabLst/>
               <a:defRPr/>
             </a:pPr>
+            <a:r>
+              <a:rPr lang="en-US" sz="1200" dirty="0">
+                <a:solidFill>
+                  <a:srgbClr val="3C3939"/>
+                </a:solidFill>
+                <a:latin typeface="Roboto" pitchFamily="34" charset="0"/>
+                <a:ea typeface="Roboto" pitchFamily="34" charset="-122"/>
+                <a:cs typeface="Roboto" pitchFamily="34" charset="-120"/>
+              </a:rPr>
+              <a:t>- </a:t>
+            </a:r>
+            <a:r>
+              <a:rPr lang="en-US" sz="1200" dirty="0" err="1">
+                <a:solidFill>
+                  <a:srgbClr val="3C3939"/>
+                </a:solidFill>
+                <a:latin typeface="Roboto" pitchFamily="34" charset="0"/>
+                <a:ea typeface="Roboto" pitchFamily="34" charset="-122"/>
+                <a:cs typeface="Roboto" pitchFamily="34" charset="-120"/>
+              </a:rPr>
+              <a:t>Funktionen</a:t>
+            </a:r>
+            <a:r>
+              <a:rPr lang="en-US" sz="1200" dirty="0">
+                <a:solidFill>
+                  <a:srgbClr val="3C3939"/>
+                </a:solidFill>
+                <a:latin typeface="Roboto" pitchFamily="34" charset="0"/>
+                <a:ea typeface="Roboto" pitchFamily="34" charset="-122"/>
+                <a:cs typeface="Roboto" pitchFamily="34" charset="-120"/>
+              </a:rPr>
+              <a:t>: </a:t>
+            </a:r>
+            <a:r>
+              <a:rPr lang="en-US" sz="1200" dirty="0" err="1">
+                <a:solidFill>
+                  <a:srgbClr val="3C3939"/>
+                </a:solidFill>
+                <a:latin typeface="Roboto" pitchFamily="34" charset="0"/>
+                <a:ea typeface="Roboto" pitchFamily="34" charset="-122"/>
+                <a:cs typeface="Roboto" pitchFamily="34" charset="-120"/>
+              </a:rPr>
+              <a:t>isAvailable</a:t>
+            </a:r>
+            <a:r>
+              <a:rPr lang="en-US" sz="1200" dirty="0">
+                <a:solidFill>
+                  <a:srgbClr val="3C3939"/>
+                </a:solidFill>
+                <a:latin typeface="Roboto" pitchFamily="34" charset="0"/>
+                <a:ea typeface="Roboto" pitchFamily="34" charset="-122"/>
+                <a:cs typeface="Roboto" pitchFamily="34" charset="-120"/>
+              </a:rPr>
+              <a:t> und </a:t>
+            </a:r>
+            <a:r>
+              <a:rPr lang="en-US" sz="1200" dirty="0" err="1">
+                <a:solidFill>
+                  <a:srgbClr val="3C3939"/>
+                </a:solidFill>
+                <a:latin typeface="Roboto" pitchFamily="34" charset="0"/>
+                <a:ea typeface="Roboto" pitchFamily="34" charset="-122"/>
+                <a:cs typeface="Roboto" pitchFamily="34" charset="-120"/>
+              </a:rPr>
+              <a:t>countDigital</a:t>
+            </a:r>
+            <a:r>
+              <a:rPr lang="en-US" sz="1200" dirty="0">
+                <a:solidFill>
+                  <a:srgbClr val="3C3939"/>
+                </a:solidFill>
+                <a:latin typeface="Roboto" pitchFamily="34" charset="0"/>
+                <a:ea typeface="Roboto" pitchFamily="34" charset="-122"/>
+                <a:cs typeface="Roboto" pitchFamily="34" charset="-120"/>
+              </a:rPr>
+              <a:t>, </a:t>
+            </a:r>
+            <a:r>
+              <a:rPr lang="en-US" sz="1200" dirty="0" err="1">
+                <a:solidFill>
+                  <a:srgbClr val="3C3939"/>
+                </a:solidFill>
+                <a:latin typeface="Roboto" pitchFamily="34" charset="0"/>
+                <a:ea typeface="Roboto" pitchFamily="34" charset="-122"/>
+                <a:cs typeface="Roboto" pitchFamily="34" charset="-120"/>
+              </a:rPr>
+              <a:t>viele</a:t>
+            </a:r>
+            <a:r>
+              <a:rPr lang="en-US" sz="1200" dirty="0">
+                <a:solidFill>
+                  <a:srgbClr val="3C3939"/>
+                </a:solidFill>
+                <a:latin typeface="Roboto" pitchFamily="34" charset="0"/>
+                <a:ea typeface="Roboto" pitchFamily="34" charset="-122"/>
+                <a:cs typeface="Roboto" pitchFamily="34" charset="-120"/>
+              </a:rPr>
+              <a:t> </a:t>
+            </a:r>
+            <a:r>
+              <a:rPr lang="en-US" sz="1200" dirty="0" err="1">
+                <a:solidFill>
+                  <a:srgbClr val="3C3939"/>
+                </a:solidFill>
+                <a:latin typeface="Roboto" pitchFamily="34" charset="0"/>
+                <a:ea typeface="Roboto" pitchFamily="34" charset="-122"/>
+                <a:cs typeface="Roboto" pitchFamily="34" charset="-120"/>
+              </a:rPr>
+              <a:t>mehr</a:t>
+            </a:r>
+            <a:r>
+              <a:rPr lang="en-US" sz="1200" dirty="0">
+                <a:solidFill>
+                  <a:srgbClr val="3C3939"/>
+                </a:solidFill>
+                <a:latin typeface="Roboto" pitchFamily="34" charset="0"/>
+                <a:ea typeface="Roboto" pitchFamily="34" charset="-122"/>
+                <a:cs typeface="Roboto" pitchFamily="34" charset="-120"/>
+              </a:rPr>
+              <a:t> </a:t>
+            </a:r>
+            <a:r>
+              <a:rPr lang="en-US" sz="1200" dirty="0" err="1">
+                <a:solidFill>
+                  <a:srgbClr val="3C3939"/>
+                </a:solidFill>
+                <a:latin typeface="Roboto" pitchFamily="34" charset="0"/>
+                <a:ea typeface="Roboto" pitchFamily="34" charset="-122"/>
+                <a:cs typeface="Roboto" pitchFamily="34" charset="-120"/>
+              </a:rPr>
+              <a:t>möglich</a:t>
+            </a:r>
             <a:endParaRPr lang="en-US" sz="1200" dirty="0">
               <a:solidFill>
                 <a:srgbClr val="3C3939"/>
@@ -3241,6 +3577,418 @@
               <a:ea typeface="Roboto" pitchFamily="34" charset="-122"/>
               <a:cs typeface="Roboto" pitchFamily="34" charset="-120"/>
             </a:endParaRPr>
+          </a:p>
+          <a:p>
+            <a:pPr marL="0" marR="0" lvl="0" indent="0" algn="l" defTabSz="914400" rtl="0" eaLnBrk="1" fontAlgn="auto" latinLnBrk="0" hangingPunct="1">
+              <a:lnSpc>
+                <a:spcPct val="100000"/>
+              </a:lnSpc>
+              <a:spcBef>
+                <a:spcPts val="0"/>
+              </a:spcBef>
+              <a:spcAft>
+                <a:spcPts val="0"/>
+              </a:spcAft>
+              <a:buClrTx/>
+              <a:buSzTx/>
+              <a:buFontTx/>
+              <a:buNone/>
+              <a:tabLst/>
+              <a:defRPr/>
+            </a:pPr>
+            <a:endParaRPr lang="en-US" sz="1200" dirty="0">
+              <a:solidFill>
+                <a:srgbClr val="3C3939"/>
+              </a:solidFill>
+              <a:latin typeface="Roboto" pitchFamily="34" charset="0"/>
+              <a:ea typeface="Roboto" pitchFamily="34" charset="-122"/>
+              <a:cs typeface="Roboto" pitchFamily="34" charset="-120"/>
+            </a:endParaRPr>
+          </a:p>
+          <a:p>
+            <a:pPr marL="171450" marR="0" lvl="0" indent="-171450" algn="l" defTabSz="914400" rtl="0" eaLnBrk="1" fontAlgn="auto" latinLnBrk="0" hangingPunct="1">
+              <a:lnSpc>
+                <a:spcPct val="100000"/>
+              </a:lnSpc>
+              <a:spcBef>
+                <a:spcPts val="0"/>
+              </a:spcBef>
+              <a:spcAft>
+                <a:spcPts val="0"/>
+              </a:spcAft>
+              <a:buClrTx/>
+              <a:buSzTx/>
+              <a:buFontTx/>
+              <a:buChar char="-"/>
+              <a:tabLst/>
+              <a:defRPr/>
+            </a:pPr>
+            <a:r>
+              <a:rPr lang="en-US" sz="1200" dirty="0" err="1">
+                <a:solidFill>
+                  <a:srgbClr val="3C3939"/>
+                </a:solidFill>
+                <a:latin typeface="Roboto" pitchFamily="34" charset="0"/>
+                <a:ea typeface="Roboto" pitchFamily="34" charset="-122"/>
+                <a:cs typeface="Roboto" pitchFamily="34" charset="-120"/>
+              </a:rPr>
+              <a:t>Funktionen</a:t>
+            </a:r>
+            <a:r>
+              <a:rPr lang="en-US" sz="1200" dirty="0">
+                <a:solidFill>
+                  <a:srgbClr val="3C3939"/>
+                </a:solidFill>
+                <a:latin typeface="Roboto" pitchFamily="34" charset="0"/>
+                <a:ea typeface="Roboto" pitchFamily="34" charset="-122"/>
+                <a:cs typeface="Roboto" pitchFamily="34" charset="-120"/>
+              </a:rPr>
+              <a:t>, Attribute und </a:t>
+            </a:r>
+            <a:r>
+              <a:rPr lang="en-US" sz="1200" dirty="0" err="1">
+                <a:solidFill>
+                  <a:srgbClr val="3C3939"/>
+                </a:solidFill>
+                <a:latin typeface="Roboto" pitchFamily="34" charset="0"/>
+                <a:ea typeface="Roboto" pitchFamily="34" charset="-122"/>
+                <a:cs typeface="Roboto" pitchFamily="34" charset="-120"/>
+              </a:rPr>
+              <a:t>Spezialisierungen</a:t>
+            </a:r>
+            <a:r>
+              <a:rPr lang="en-US" sz="1200" dirty="0">
+                <a:solidFill>
+                  <a:srgbClr val="3C3939"/>
+                </a:solidFill>
+                <a:latin typeface="Roboto" pitchFamily="34" charset="0"/>
+                <a:ea typeface="Roboto" pitchFamily="34" charset="-122"/>
+                <a:cs typeface="Roboto" pitchFamily="34" charset="-120"/>
+              </a:rPr>
+              <a:t> je </a:t>
+            </a:r>
+            <a:r>
+              <a:rPr lang="en-US" sz="1200" dirty="0" err="1">
+                <a:solidFill>
+                  <a:srgbClr val="3C3939"/>
+                </a:solidFill>
+                <a:latin typeface="Roboto" pitchFamily="34" charset="0"/>
+                <a:ea typeface="Roboto" pitchFamily="34" charset="-122"/>
+                <a:cs typeface="Roboto" pitchFamily="34" charset="-120"/>
+              </a:rPr>
+              <a:t>nach</a:t>
+            </a:r>
+            <a:endParaRPr lang="en-US" sz="1200" dirty="0">
+              <a:solidFill>
+                <a:srgbClr val="3C3939"/>
+              </a:solidFill>
+              <a:latin typeface="Roboto" pitchFamily="34" charset="0"/>
+              <a:ea typeface="Roboto" pitchFamily="34" charset="-122"/>
+              <a:cs typeface="Roboto" pitchFamily="34" charset="-120"/>
+            </a:endParaRPr>
+          </a:p>
+          <a:p>
+            <a:pPr marL="171450" marR="0" lvl="0" indent="-171450" algn="l" defTabSz="914400" rtl="0" eaLnBrk="1" fontAlgn="auto" latinLnBrk="0" hangingPunct="1">
+              <a:lnSpc>
+                <a:spcPct val="100000"/>
+              </a:lnSpc>
+              <a:spcBef>
+                <a:spcPts val="0"/>
+              </a:spcBef>
+              <a:spcAft>
+                <a:spcPts val="0"/>
+              </a:spcAft>
+              <a:buClrTx/>
+              <a:buSzTx/>
+              <a:buFontTx/>
+              <a:buChar char="-"/>
+              <a:tabLst/>
+              <a:defRPr/>
+            </a:pPr>
+            <a:endParaRPr lang="en-US" sz="1200" dirty="0">
+              <a:solidFill>
+                <a:srgbClr val="3C3939"/>
+              </a:solidFill>
+              <a:latin typeface="Roboto" pitchFamily="34" charset="0"/>
+              <a:ea typeface="Roboto" pitchFamily="34" charset="-122"/>
+              <a:cs typeface="Roboto" pitchFamily="34" charset="-120"/>
+            </a:endParaRPr>
+          </a:p>
+          <a:p>
+            <a:pPr marL="171450" marR="0" lvl="0" indent="-171450" algn="l" defTabSz="914400" rtl="0" eaLnBrk="1" fontAlgn="auto" latinLnBrk="0" hangingPunct="1">
+              <a:lnSpc>
+                <a:spcPct val="100000"/>
+              </a:lnSpc>
+              <a:spcBef>
+                <a:spcPts val="0"/>
+              </a:spcBef>
+              <a:spcAft>
+                <a:spcPts val="0"/>
+              </a:spcAft>
+              <a:buClrTx/>
+              <a:buSzTx/>
+              <a:buFontTx/>
+              <a:buChar char="-"/>
+              <a:tabLst/>
+              <a:defRPr/>
+            </a:pPr>
+            <a:r>
+              <a:rPr lang="en-US" sz="1200" dirty="0" err="1">
+                <a:solidFill>
+                  <a:srgbClr val="3C3939"/>
+                </a:solidFill>
+                <a:latin typeface="Roboto" pitchFamily="34" charset="0"/>
+                <a:ea typeface="Roboto" pitchFamily="34" charset="-122"/>
+                <a:cs typeface="Roboto" pitchFamily="34" charset="-120"/>
+              </a:rPr>
+              <a:t>Standorte</a:t>
+            </a:r>
+            <a:r>
+              <a:rPr lang="en-US" sz="1200" dirty="0">
+                <a:solidFill>
+                  <a:srgbClr val="3C3939"/>
+                </a:solidFill>
+                <a:latin typeface="Roboto" pitchFamily="34" charset="0"/>
+                <a:ea typeface="Roboto" pitchFamily="34" charset="-122"/>
+                <a:cs typeface="Roboto" pitchFamily="34" charset="-120"/>
+              </a:rPr>
+              <a:t> </a:t>
+            </a:r>
+            <a:r>
+              <a:rPr lang="en-US" sz="1200" dirty="0" err="1">
+                <a:solidFill>
+                  <a:srgbClr val="3C3939"/>
+                </a:solidFill>
+                <a:latin typeface="Roboto" pitchFamily="34" charset="0"/>
+                <a:ea typeface="Roboto" pitchFamily="34" charset="-122"/>
+                <a:cs typeface="Roboto" pitchFamily="34" charset="-120"/>
+              </a:rPr>
+              <a:t>ausbauen</a:t>
+            </a:r>
+            <a:endParaRPr lang="en-US" sz="1200" dirty="0">
+              <a:solidFill>
+                <a:srgbClr val="3C3939"/>
+              </a:solidFill>
+              <a:latin typeface="Roboto" pitchFamily="34" charset="0"/>
+              <a:ea typeface="Roboto" pitchFamily="34" charset="-122"/>
+              <a:cs typeface="Roboto" pitchFamily="34" charset="-120"/>
+            </a:endParaRPr>
+          </a:p>
+          <a:p>
+            <a:pPr marL="171450" marR="0" lvl="0" indent="-171450" algn="l" defTabSz="914400" rtl="0" eaLnBrk="1" fontAlgn="auto" latinLnBrk="0" hangingPunct="1">
+              <a:lnSpc>
+                <a:spcPct val="100000"/>
+              </a:lnSpc>
+              <a:spcBef>
+                <a:spcPts val="0"/>
+              </a:spcBef>
+              <a:spcAft>
+                <a:spcPts val="0"/>
+              </a:spcAft>
+              <a:buClrTx/>
+              <a:buSzTx/>
+              <a:buFontTx/>
+              <a:buChar char="-"/>
+              <a:tabLst/>
+              <a:defRPr/>
+            </a:pPr>
+            <a:r>
+              <a:rPr lang="en-US" sz="1200" dirty="0" err="1">
+                <a:solidFill>
+                  <a:srgbClr val="3C3939"/>
+                </a:solidFill>
+                <a:latin typeface="Roboto" pitchFamily="34" charset="0"/>
+                <a:ea typeface="Roboto" pitchFamily="34" charset="-122"/>
+                <a:cs typeface="Roboto" pitchFamily="34" charset="-120"/>
+              </a:rPr>
+              <a:t>Benutzer</a:t>
+            </a:r>
+            <a:r>
+              <a:rPr lang="en-US" sz="1200" dirty="0">
+                <a:solidFill>
+                  <a:srgbClr val="3C3939"/>
+                </a:solidFill>
+                <a:latin typeface="Roboto" pitchFamily="34" charset="0"/>
+                <a:ea typeface="Roboto" pitchFamily="34" charset="-122"/>
+                <a:cs typeface="Roboto" pitchFamily="34" charset="-120"/>
+              </a:rPr>
+              <a:t> </a:t>
+            </a:r>
+            <a:r>
+              <a:rPr lang="en-US" sz="1200" dirty="0" err="1">
+                <a:solidFill>
+                  <a:srgbClr val="3C3939"/>
+                </a:solidFill>
+                <a:latin typeface="Roboto" pitchFamily="34" charset="0"/>
+                <a:ea typeface="Roboto" pitchFamily="34" charset="-122"/>
+                <a:cs typeface="Roboto" pitchFamily="34" charset="-120"/>
+              </a:rPr>
+              <a:t>anlegen</a:t>
+            </a:r>
+            <a:r>
+              <a:rPr lang="en-US" sz="1200" dirty="0">
+                <a:solidFill>
+                  <a:srgbClr val="3C3939"/>
+                </a:solidFill>
+                <a:latin typeface="Roboto" pitchFamily="34" charset="0"/>
+                <a:ea typeface="Roboto" pitchFamily="34" charset="-122"/>
+                <a:cs typeface="Roboto" pitchFamily="34" charset="-120"/>
+              </a:rPr>
+              <a:t>, analog </a:t>
+            </a:r>
+            <a:r>
+              <a:rPr lang="en-US" sz="1200" dirty="0" err="1">
+                <a:solidFill>
+                  <a:srgbClr val="3C3939"/>
+                </a:solidFill>
+                <a:latin typeface="Roboto" pitchFamily="34" charset="0"/>
+                <a:ea typeface="Roboto" pitchFamily="34" charset="-122"/>
+                <a:cs typeface="Roboto" pitchFamily="34" charset="-120"/>
+              </a:rPr>
+              <a:t>zu</a:t>
+            </a:r>
+            <a:r>
+              <a:rPr lang="en-US" sz="1200" dirty="0">
+                <a:solidFill>
+                  <a:srgbClr val="3C3939"/>
+                </a:solidFill>
+                <a:latin typeface="Roboto" pitchFamily="34" charset="0"/>
+                <a:ea typeface="Roboto" pitchFamily="34" charset="-122"/>
+                <a:cs typeface="Roboto" pitchFamily="34" charset="-120"/>
+              </a:rPr>
+              <a:t> </a:t>
+            </a:r>
+            <a:r>
+              <a:rPr lang="en-US" sz="1200" dirty="0" err="1">
+                <a:solidFill>
+                  <a:srgbClr val="3C3939"/>
+                </a:solidFill>
+                <a:latin typeface="Roboto" pitchFamily="34" charset="0"/>
+                <a:ea typeface="Roboto" pitchFamily="34" charset="-122"/>
+                <a:cs typeface="Roboto" pitchFamily="34" charset="-120"/>
+              </a:rPr>
+              <a:t>Standorten</a:t>
+            </a:r>
+            <a:endParaRPr lang="en-US" sz="1200" dirty="0">
+              <a:solidFill>
+                <a:srgbClr val="3C3939"/>
+              </a:solidFill>
+              <a:latin typeface="Roboto" pitchFamily="34" charset="0"/>
+              <a:ea typeface="Roboto" pitchFamily="34" charset="-122"/>
+              <a:cs typeface="Roboto" pitchFamily="34" charset="-120"/>
+            </a:endParaRPr>
+          </a:p>
+          <a:p>
+            <a:pPr marL="171450" marR="0" lvl="0" indent="-171450" algn="l" defTabSz="914400" rtl="0" eaLnBrk="1" fontAlgn="auto" latinLnBrk="0" hangingPunct="1">
+              <a:lnSpc>
+                <a:spcPct val="100000"/>
+              </a:lnSpc>
+              <a:spcBef>
+                <a:spcPts val="0"/>
+              </a:spcBef>
+              <a:spcAft>
+                <a:spcPts val="0"/>
+              </a:spcAft>
+              <a:buClrTx/>
+              <a:buSzTx/>
+              <a:buFontTx/>
+              <a:buChar char="-"/>
+              <a:tabLst/>
+              <a:defRPr/>
+            </a:pPr>
+            <a:endParaRPr lang="en-US" sz="1200" dirty="0">
+              <a:solidFill>
+                <a:srgbClr val="3C3939"/>
+              </a:solidFill>
+              <a:latin typeface="Roboto" pitchFamily="34" charset="0"/>
+              <a:ea typeface="Roboto" pitchFamily="34" charset="-122"/>
+              <a:cs typeface="Roboto" pitchFamily="34" charset="-120"/>
+            </a:endParaRPr>
+          </a:p>
+          <a:p>
+            <a:pPr marL="171450" marR="0" lvl="0" indent="-171450" algn="l" defTabSz="914400" rtl="0" eaLnBrk="1" fontAlgn="auto" latinLnBrk="0" hangingPunct="1">
+              <a:lnSpc>
+                <a:spcPct val="100000"/>
+              </a:lnSpc>
+              <a:spcBef>
+                <a:spcPts val="0"/>
+              </a:spcBef>
+              <a:spcAft>
+                <a:spcPts val="0"/>
+              </a:spcAft>
+              <a:buClrTx/>
+              <a:buSzTx/>
+              <a:buFontTx/>
+              <a:buChar char="-"/>
+              <a:tabLst/>
+              <a:defRPr/>
+            </a:pPr>
+            <a:r>
+              <a:rPr lang="en-US" sz="1200" dirty="0" err="1">
+                <a:solidFill>
+                  <a:srgbClr val="3C3939"/>
+                </a:solidFill>
+                <a:latin typeface="Roboto" pitchFamily="34" charset="0"/>
+                <a:ea typeface="Roboto" pitchFamily="34" charset="-122"/>
+                <a:cs typeface="Roboto" pitchFamily="34" charset="-120"/>
+              </a:rPr>
+              <a:t>Flexibel</a:t>
+            </a:r>
+            <a:r>
+              <a:rPr lang="en-US" sz="1200" dirty="0">
+                <a:solidFill>
+                  <a:srgbClr val="3C3939"/>
+                </a:solidFill>
+                <a:latin typeface="Roboto" pitchFamily="34" charset="0"/>
+                <a:ea typeface="Roboto" pitchFamily="34" charset="-122"/>
+                <a:cs typeface="Roboto" pitchFamily="34" charset="-120"/>
+              </a:rPr>
+              <a:t> </a:t>
+            </a:r>
+            <a:r>
+              <a:rPr lang="en-US" sz="1200" dirty="0" err="1">
+                <a:solidFill>
+                  <a:srgbClr val="3C3939"/>
+                </a:solidFill>
+                <a:latin typeface="Roboto" pitchFamily="34" charset="0"/>
+                <a:ea typeface="Roboto" pitchFamily="34" charset="-122"/>
+                <a:cs typeface="Roboto" pitchFamily="34" charset="-120"/>
+              </a:rPr>
+              <a:t>durch</a:t>
+            </a:r>
+            <a:r>
+              <a:rPr lang="en-US" sz="1200" dirty="0">
+                <a:solidFill>
+                  <a:srgbClr val="3C3939"/>
+                </a:solidFill>
+                <a:latin typeface="Roboto" pitchFamily="34" charset="0"/>
+                <a:ea typeface="Roboto" pitchFamily="34" charset="-122"/>
+                <a:cs typeface="Roboto" pitchFamily="34" charset="-120"/>
+              </a:rPr>
+              <a:t> </a:t>
+            </a:r>
+            <a:r>
+              <a:rPr lang="en-US" sz="1200" dirty="0" err="1">
+                <a:solidFill>
+                  <a:srgbClr val="3C3939"/>
+                </a:solidFill>
+                <a:latin typeface="Roboto" pitchFamily="34" charset="0"/>
+                <a:ea typeface="Roboto" pitchFamily="34" charset="-122"/>
+                <a:cs typeface="Roboto" pitchFamily="34" charset="-120"/>
+              </a:rPr>
+              <a:t>Spezialisierung</a:t>
+            </a:r>
+            <a:r>
+              <a:rPr lang="en-US" sz="1200" dirty="0">
+                <a:solidFill>
+                  <a:srgbClr val="3C3939"/>
+                </a:solidFill>
+                <a:latin typeface="Roboto" pitchFamily="34" charset="0"/>
+                <a:ea typeface="Roboto" pitchFamily="34" charset="-122"/>
+                <a:cs typeface="Roboto" pitchFamily="34" charset="-120"/>
+              </a:rPr>
+              <a:t>:</a:t>
+            </a:r>
           </a:p>
         </p:txBody>
       </p:sp>
@@ -3667,7 +4415,7 @@
           <a:bodyPr/>
           <a:lstStyle/>
           <a:p>
-            <a:pPr marL="0" marR="0" lvl="0" indent="0" algn="l" defTabSz="914400" rtl="0" eaLnBrk="1" fontAlgn="auto" latinLnBrk="0" hangingPunct="1">
+            <a:pPr marL="171450" marR="0" lvl="0" indent="-171450" algn="l" defTabSz="914400" rtl="0" eaLnBrk="1" fontAlgn="auto" latinLnBrk="0" hangingPunct="1">
               <a:lnSpc>
                 <a:spcPct val="100000"/>
               </a:lnSpc>
@@ -3680,7 +4428,7 @@
               <a:buClrTx/>
               <a:buSzTx/>
               <a:buFontTx/>
-              <a:buNone/>
+              <a:buChar char="-"/>
               <a:tabLst/>
               <a:defRPr/>
             </a:pPr>
@@ -3693,7 +4441,124 @@
                 <a:ea typeface="Roboto" pitchFamily="34" charset="-122"/>
                 <a:cs typeface="Roboto" pitchFamily="34" charset="-120"/>
               </a:rPr>
-              <a:t>Diese Datenbank kann mit folgenden Features weiterentwickelt werden.</a:t>
+              <a:t>Mehrstufige Spezialisierungen: Beliebig genaue Kategorien</a:t>
+            </a:r>
+          </a:p>
+          <a:p>
+            <a:pPr marL="171450" marR="0" lvl="0" indent="-171450" algn="l" defTabSz="914400" rtl="0" eaLnBrk="1" fontAlgn="auto" latinLnBrk="0" hangingPunct="1">
+              <a:lnSpc>
+                <a:spcPct val="100000"/>
+              </a:lnSpc>
+              <a:spcBef>
+                <a:spcPts val="0"/>
+              </a:spcBef>
+              <a:spcAft>
+                <a:spcPts val="0"/>
+              </a:spcAft>
+              <a:buClrTx/>
+              <a:buSzTx/>
+              <a:buFontTx/>
+              <a:buChar char="-"/>
+              <a:tabLst/>
+              <a:defRPr/>
+            </a:pPr>
+            <a:endParaRPr lang="de-DE" sz="1200" dirty="0">
+              <a:solidFill>
+                <a:srgbClr val="3C3939"/>
+              </a:solidFill>
+              <a:latin typeface="Roboto" pitchFamily="34" charset="0"/>
+              <a:ea typeface="Roboto" pitchFamily="34" charset="-122"/>
+              <a:cs typeface="Roboto" pitchFamily="34" charset="-120"/>
+            </a:endParaRPr>
+          </a:p>
+          <a:p>
+            <a:pPr marL="171450" marR="0" lvl="0" indent="-171450" algn="l" defTabSz="914400" rtl="0" eaLnBrk="1" fontAlgn="auto" latinLnBrk="0" hangingPunct="1">
+              <a:lnSpc>
+                <a:spcPct val="100000"/>
+              </a:lnSpc>
+              <a:spcBef>
+                <a:spcPts val="0"/>
+              </a:spcBef>
+              <a:spcAft>
+                <a:spcPts val="0"/>
+              </a:spcAft>
+              <a:buClrTx/>
+              <a:buSzTx/>
+              <a:buFontTx/>
+              <a:buChar char="-"/>
+              <a:tabLst/>
+              <a:defRPr/>
+            </a:pPr>
+            <a:r>
+              <a:rPr lang="de-DE" sz="1200" dirty="0">
+                <a:solidFill>
+                  <a:srgbClr val="3C3939"/>
+                </a:solidFill>
+                <a:latin typeface="Roboto" pitchFamily="34" charset="0"/>
+                <a:ea typeface="Roboto" pitchFamily="34" charset="-122"/>
+                <a:cs typeface="Roboto" pitchFamily="34" charset="-120"/>
+              </a:rPr>
+              <a:t>Hauptarbeit: Insert Prozeduren und Views einrichten </a:t>
+            </a:r>
+          </a:p>
+          <a:p>
+            <a:pPr marL="171450" marR="0" lvl="0" indent="-171450" algn="l" defTabSz="914400" rtl="0" eaLnBrk="1" fontAlgn="auto" latinLnBrk="0" hangingPunct="1">
+              <a:lnSpc>
+                <a:spcPct val="100000"/>
+              </a:lnSpc>
+              <a:spcBef>
+                <a:spcPts val="0"/>
+              </a:spcBef>
+              <a:spcAft>
+                <a:spcPts val="0"/>
+              </a:spcAft>
+              <a:buClrTx/>
+              <a:buSzTx/>
+              <a:buFontTx/>
+              <a:buChar char="-"/>
+              <a:tabLst/>
+              <a:defRPr/>
+            </a:pPr>
+            <a:r>
+              <a:rPr lang="de-DE" sz="1200" dirty="0">
+                <a:solidFill>
+                  <a:srgbClr val="3C3939"/>
+                </a:solidFill>
+                <a:latin typeface="Roboto" pitchFamily="34" charset="0"/>
+                <a:ea typeface="Roboto" pitchFamily="34" charset="-122"/>
+                <a:cs typeface="Roboto" pitchFamily="34" charset="-120"/>
+              </a:rPr>
+              <a:t>-&gt; einmal pro Spezialisierung</a:t>
+            </a:r>
+          </a:p>
+          <a:p>
+            <a:pPr marL="171450" marR="0" lvl="0" indent="-171450" algn="l" defTabSz="914400" rtl="0" eaLnBrk="1" fontAlgn="auto" latinLnBrk="0" hangingPunct="1">
+              <a:lnSpc>
+                <a:spcPct val="100000"/>
+              </a:lnSpc>
+              <a:spcBef>
+                <a:spcPts val="0"/>
+              </a:spcBef>
+              <a:spcAft>
+                <a:spcPts val="0"/>
+              </a:spcAft>
+              <a:buClrTx/>
+              <a:buSzTx/>
+              <a:buFontTx/>
+              <a:buChar char="-"/>
+              <a:tabLst/>
+              <a:defRPr/>
+            </a:pPr>
+            <a:r>
+              <a:rPr lang="de-DE" sz="1200" dirty="0">
+                <a:solidFill>
+                  <a:srgbClr val="3C3939"/>
+                </a:solidFill>
+                <a:latin typeface="Roboto" pitchFamily="34" charset="0"/>
+                <a:ea typeface="Roboto" pitchFamily="34" charset="-122"/>
+                <a:cs typeface="Roboto" pitchFamily="34" charset="-120"/>
+              </a:rPr>
+              <a:t>-&gt; danach schneller, einfacher Zugriff</a:t>
             </a:r>
           </a:p>
           <a:p>
@@ -3846,7 +4711,7 @@
               <a:defRPr/>
             </a:pPr>
             <a:r>
-              <a:rPr lang="de-DE" sz="1200" dirty="0">
+              <a:rPr lang="en-US" sz="1200" dirty="0">
                 <a:solidFill>
                   <a:srgbClr val="3C3939"/>
                 </a:solidFill>
@@ -3854,27 +4719,129 @@
                 <a:ea typeface="Roboto" pitchFamily="34" charset="-122"/>
                 <a:cs typeface="Roboto" pitchFamily="34" charset="-120"/>
               </a:rPr>
-              <a:t>Diese Datenbank kann mit folgenden Features weiterentwickelt werden.</a:t>
-            </a:r>
-          </a:p>
-          <a:p>
-            <a:pPr marL="0" marR="0" lvl="0" indent="0" algn="l" defTabSz="914400" rtl="0" eaLnBrk="1" fontAlgn="auto" latinLnBrk="0" hangingPunct="1">
-              <a:lnSpc>
-                <a:spcPct val="100000"/>
-              </a:lnSpc>
-              <a:spcBef>
-                <a:spcPts val="0"/>
-              </a:spcBef>
-              <a:spcAft>
-                <a:spcPts val="0"/>
-              </a:spcAft>
-              <a:buClrTx/>
-              <a:buSzTx/>
-              <a:buFontTx/>
-              <a:buNone/>
-              <a:tabLst/>
-              <a:defRPr/>
-            </a:pPr>
+              <a:t>- </a:t>
+            </a:r>
+            <a:r>
+              <a:rPr lang="en-US" sz="1200" dirty="0" err="1">
+                <a:solidFill>
+                  <a:srgbClr val="3C3939"/>
+                </a:solidFill>
+                <a:latin typeface="Roboto" pitchFamily="34" charset="0"/>
+                <a:ea typeface="Roboto" pitchFamily="34" charset="-122"/>
+                <a:cs typeface="Roboto" pitchFamily="34" charset="-120"/>
+              </a:rPr>
+              <a:t>Verschiedene</a:t>
+            </a:r>
+            <a:r>
+              <a:rPr lang="en-US" sz="1200" dirty="0">
+                <a:solidFill>
+                  <a:srgbClr val="3C3939"/>
+                </a:solidFill>
+                <a:latin typeface="Roboto" pitchFamily="34" charset="0"/>
+                <a:ea typeface="Roboto" pitchFamily="34" charset="-122"/>
+                <a:cs typeface="Roboto" pitchFamily="34" charset="-120"/>
+              </a:rPr>
+              <a:t> </a:t>
+            </a:r>
+            <a:r>
+              <a:rPr lang="en-US" sz="1200" dirty="0" err="1">
+                <a:solidFill>
+                  <a:srgbClr val="3C3939"/>
+                </a:solidFill>
+                <a:latin typeface="Roboto" pitchFamily="34" charset="0"/>
+                <a:ea typeface="Roboto" pitchFamily="34" charset="-122"/>
+                <a:cs typeface="Roboto" pitchFamily="34" charset="-120"/>
+              </a:rPr>
+              <a:t>Spezialisierungen</a:t>
+            </a:r>
+            <a:r>
+              <a:rPr lang="en-US" sz="1200" dirty="0">
+                <a:solidFill>
+                  <a:srgbClr val="3C3939"/>
+                </a:solidFill>
+                <a:latin typeface="Roboto" pitchFamily="34" charset="0"/>
+                <a:ea typeface="Roboto" pitchFamily="34" charset="-122"/>
+                <a:cs typeface="Roboto" pitchFamily="34" charset="-120"/>
+              </a:rPr>
+              <a:t> </a:t>
+            </a:r>
+            <a:r>
+              <a:rPr lang="en-US" sz="1200" dirty="0" err="1">
+                <a:solidFill>
+                  <a:srgbClr val="3C3939"/>
+                </a:solidFill>
+                <a:latin typeface="Roboto" pitchFamily="34" charset="0"/>
+                <a:ea typeface="Roboto" pitchFamily="34" charset="-122"/>
+                <a:cs typeface="Roboto" pitchFamily="34" charset="-120"/>
+              </a:rPr>
+              <a:t>können</a:t>
+            </a:r>
+            <a:r>
+              <a:rPr lang="en-US" sz="1200" dirty="0">
+                <a:solidFill>
+                  <a:srgbClr val="3C3939"/>
+                </a:solidFill>
+                <a:latin typeface="Roboto" pitchFamily="34" charset="0"/>
+                <a:ea typeface="Roboto" pitchFamily="34" charset="-122"/>
+                <a:cs typeface="Roboto" pitchFamily="34" charset="-120"/>
+              </a:rPr>
+              <a:t> </a:t>
+            </a:r>
+            <a:r>
+              <a:rPr lang="en-US" sz="1200" dirty="0" err="1">
+                <a:solidFill>
+                  <a:srgbClr val="3C3939"/>
+                </a:solidFill>
+                <a:latin typeface="Roboto" pitchFamily="34" charset="0"/>
+                <a:ea typeface="Roboto" pitchFamily="34" charset="-122"/>
+                <a:cs typeface="Roboto" pitchFamily="34" charset="-120"/>
+              </a:rPr>
+              <a:t>selbe</a:t>
+            </a:r>
+            <a:r>
+              <a:rPr lang="en-US" sz="1200" dirty="0">
+                <a:solidFill>
+                  <a:srgbClr val="3C3939"/>
+                </a:solidFill>
+                <a:latin typeface="Roboto" pitchFamily="34" charset="0"/>
+                <a:ea typeface="Roboto" pitchFamily="34" charset="-122"/>
+                <a:cs typeface="Roboto" pitchFamily="34" charset="-120"/>
+              </a:rPr>
+              <a:t> </a:t>
+            </a:r>
+            <a:r>
+              <a:rPr lang="en-US" sz="1200" dirty="0" err="1">
+                <a:solidFill>
+                  <a:srgbClr val="3C3939"/>
+                </a:solidFill>
+                <a:latin typeface="Roboto" pitchFamily="34" charset="0"/>
+                <a:ea typeface="Roboto" pitchFamily="34" charset="-122"/>
+                <a:cs typeface="Roboto" pitchFamily="34" charset="-120"/>
+              </a:rPr>
+              <a:t>Beziehungen</a:t>
+            </a:r>
+            <a:r>
+              <a:rPr lang="en-US" sz="1200" dirty="0">
+                <a:solidFill>
+                  <a:srgbClr val="3C3939"/>
+                </a:solidFill>
+                <a:latin typeface="Roboto" pitchFamily="34" charset="0"/>
+                <a:ea typeface="Roboto" pitchFamily="34" charset="-122"/>
+                <a:cs typeface="Roboto" pitchFamily="34" charset="-120"/>
+              </a:rPr>
+              <a:t> </a:t>
+            </a:r>
+            <a:r>
+              <a:rPr lang="en-US" sz="1200" dirty="0" err="1">
+                <a:solidFill>
+                  <a:srgbClr val="3C3939"/>
+                </a:solidFill>
+                <a:latin typeface="Roboto" pitchFamily="34" charset="0"/>
+                <a:ea typeface="Roboto" pitchFamily="34" charset="-122"/>
+                <a:cs typeface="Roboto" pitchFamily="34" charset="-120"/>
+              </a:rPr>
+              <a:t>haben</a:t>
+            </a:r>
             <a:endParaRPr lang="en-US" sz="1200" dirty="0">
               <a:solidFill>
                 <a:srgbClr val="3C3939"/>
@@ -7196,7 +8163,7 @@
           <a:p>
             <a:fld id="{8E4D871A-5D80-4C11-B3ED-C3CE1D227336}" type="datetime1">
               <a:rPr lang="de-DE" smtClean="0"/>
-              <a:t>30.01.2025</a:t>
+              <a:t>31.01.2025</a:t>
             </a:fld>
             <a:endParaRPr lang="de-DE"/>
           </a:p>
@@ -7424,7 +8391,7 @@
           <a:p>
             <a:fld id="{267ED303-FB57-488C-82D4-DF76186A07D3}" type="datetime1">
               <a:rPr lang="de-DE" smtClean="0"/>
-              <a:t>30.01.2025</a:t>
+              <a:t>31.01.2025</a:t>
             </a:fld>
             <a:endParaRPr lang="de-DE" dirty="0"/>
           </a:p>
@@ -7704,7 +8671,7 @@
           <a:p>
             <a:fld id="{B3324BE7-7F5A-494A-BD10-1C0163A30414}" type="datetime1">
               <a:rPr lang="de-DE" smtClean="0"/>
-              <a:t>30.01.2025</a:t>
+              <a:t>31.01.2025</a:t>
             </a:fld>
             <a:endParaRPr lang="de-DE" dirty="0"/>
           </a:p>
@@ -7974,7 +8941,7 @@
           <a:p>
             <a:fld id="{064A188B-21B4-4A8D-83C8-7E791F366FD9}" type="datetime1">
               <a:rPr lang="de-DE" smtClean="0"/>
-              <a:t>30.01.2025</a:t>
+              <a:t>31.01.2025</a:t>
             </a:fld>
             <a:endParaRPr lang="de-DE" dirty="0"/>
           </a:p>
@@ -8391,7 +9358,7 @@
           <a:p>
             <a:fld id="{5A5F09BD-03F5-4C49-80D7-3DA1C0A872D5}" type="datetime1">
               <a:rPr lang="de-DE" smtClean="0"/>
-              <a:t>30.01.2025</a:t>
+              <a:t>31.01.2025</a:t>
             </a:fld>
             <a:endParaRPr lang="de-DE" dirty="0"/>
           </a:p>
@@ -8537,7 +9504,7 @@
           <a:p>
             <a:fld id="{6026F39E-F7EC-4B84-9C37-8690984FE4D5}" type="datetime1">
               <a:rPr lang="de-DE" smtClean="0"/>
-              <a:t>30.01.2025</a:t>
+              <a:t>31.01.2025</a:t>
             </a:fld>
             <a:endParaRPr lang="de-DE" dirty="0"/>
           </a:p>
@@ -8655,7 +9622,7 @@
           <a:p>
             <a:fld id="{31418602-D941-4A49-9446-B64F5A22A085}" type="datetime1">
               <a:rPr lang="de-DE" smtClean="0"/>
-              <a:t>30.01.2025</a:t>
+              <a:t>31.01.2025</a:t>
             </a:fld>
             <a:endParaRPr lang="de-DE" dirty="0"/>
           </a:p>
@@ -8971,7 +9938,7 @@
           <a:p>
             <a:fld id="{03033249-D010-40F8-B47F-946F6814A06A}" type="datetime1">
               <a:rPr lang="de-DE" smtClean="0"/>
-              <a:t>30.01.2025</a:t>
+              <a:t>31.01.2025</a:t>
             </a:fld>
             <a:endParaRPr lang="de-DE" dirty="0"/>
           </a:p>
@@ -9264,7 +10231,7 @@
           <a:p>
             <a:fld id="{76585B8D-1870-4F78-BE2E-2699F501307D}" type="datetime1">
               <a:rPr lang="de-DE" smtClean="0"/>
-              <a:t>30.01.2025</a:t>
+              <a:t>31.01.2025</a:t>
             </a:fld>
             <a:endParaRPr lang="de-DE" dirty="0"/>
           </a:p>
@@ -9467,7 +10434,7 @@
           <a:p>
             <a:fld id="{4BF9EEE7-A2C7-4ACB-A34A-E88C67FBD696}" type="datetime1">
               <a:rPr lang="de-DE" smtClean="0"/>
-              <a:t>30.01.2025</a:t>
+              <a:t>31.01.2025</a:t>
             </a:fld>
             <a:endParaRPr lang="de-DE" dirty="0"/>
           </a:p>
@@ -9680,7 +10647,7 @@
           <a:p>
             <a:fld id="{691A7485-77A7-44E2-883A-FF8407A1A046}" type="datetime1">
               <a:rPr lang="de-DE" smtClean="0"/>
-              <a:t>30.01.2025</a:t>
+              <a:t>31.01.2025</a:t>
             </a:fld>
             <a:endParaRPr lang="de-DE" dirty="0"/>
           </a:p>
@@ -9828,7 +10795,7 @@
           <a:p>
             <a:fld id="{A4681764-CC49-4870-8B4A-58EBB06CE56E}" type="datetime1">
               <a:rPr lang="de-DE" smtClean="0"/>
-              <a:t>30.01.2025</a:t>
+              <a:t>31.01.2025</a:t>
             </a:fld>
             <a:endParaRPr lang="de-DE" dirty="0"/>
           </a:p>
@@ -10283,7 +11250,7 @@
           <a:p>
             <a:fld id="{A3B7E015-F6DD-469F-90E4-FB4A8C04FC0B}" type="datetime1">
               <a:rPr lang="de-DE" smtClean="0"/>
-              <a:t>30.01.2025</a:t>
+              <a:t>31.01.2025</a:t>
             </a:fld>
             <a:endParaRPr lang="de-DE" dirty="0"/>
           </a:p>
@@ -10754,7 +11721,7 @@
           <a:p>
             <a:fld id="{D2DAB08A-7767-47B3-9ABC-F251074A687B}" type="datetime1">
               <a:rPr lang="de-DE" smtClean="0"/>
-              <a:t>30.01.2025</a:t>
+              <a:t>31.01.2025</a:t>
             </a:fld>
             <a:endParaRPr lang="de-DE" dirty="0"/>
           </a:p>
@@ -11282,7 +12249,7 @@
           <a:p>
             <a:fld id="{6E224F6F-7879-40FC-901C-18BF6D42ED8D}" type="datetime1">
               <a:rPr lang="de-DE" smtClean="0"/>
-              <a:t>30.01.2025</a:t>
+              <a:t>31.01.2025</a:t>
             </a:fld>
             <a:endParaRPr lang="de-DE" dirty="0"/>
           </a:p>
@@ -11568,7 +12535,7 @@
           <a:p>
             <a:fld id="{C7A0F3EB-20A0-4500-8BD5-99B2F4FBEAA9}" type="datetime1">
               <a:rPr lang="de-DE" smtClean="0"/>
-              <a:t>30.01.2025</a:t>
+              <a:t>31.01.2025</a:t>
             </a:fld>
             <a:endParaRPr lang="de-DE" dirty="0"/>
           </a:p>
@@ -12023,7 +12990,7 @@
           <a:p>
             <a:fld id="{E9D597F0-980E-4A77-9D38-21E0C09079D3}" type="datetime1">
               <a:rPr lang="de-DE" smtClean="0"/>
-              <a:t>30.01.2025</a:t>
+              <a:t>31.01.2025</a:t>
             </a:fld>
             <a:endParaRPr lang="de-DE" dirty="0"/>
           </a:p>
@@ -12418,7 +13385,7 @@
           <a:p>
             <a:fld id="{6A6E7471-7EEB-432B-89A6-1AD99B0E46FF}" type="datetime1">
               <a:rPr lang="de-DE" smtClean="0"/>
-              <a:t>30.01.2025</a:t>
+              <a:t>31.01.2025</a:t>
             </a:fld>
             <a:endParaRPr lang="de-DE" dirty="0"/>
           </a:p>
@@ -12873,7 +13840,7 @@
           <a:p>
             <a:fld id="{5241AFB2-4563-40C8-B55A-8DF3E65E7F81}" type="datetime1">
               <a:rPr lang="de-DE" smtClean="0"/>
-              <a:t>30.01.2025</a:t>
+              <a:t>31.01.2025</a:t>
             </a:fld>
             <a:endParaRPr lang="de-DE" dirty="0"/>
           </a:p>
@@ -13345,7 +14312,7 @@
           <a:p>
             <a:fld id="{A66FA4F9-E427-452F-83F5-F8F1CC44DC41}" type="datetime1">
               <a:rPr lang="de-DE" smtClean="0"/>
-              <a:t>30.01.2025</a:t>
+              <a:t>31.01.2025</a:t>
             </a:fld>
             <a:endParaRPr lang="de-DE"/>
           </a:p>
@@ -13632,7 +14599,7 @@
           <a:p>
             <a:fld id="{03768D43-2635-4FA2-AABB-860D9CB8B160}" type="datetime1">
               <a:rPr lang="de-DE" smtClean="0"/>
-              <a:t>30.01.2025</a:t>
+              <a:t>31.01.2025</a:t>
             </a:fld>
             <a:endParaRPr lang="de-DE" dirty="0"/>
           </a:p>
@@ -14177,7 +15144,7 @@
           <a:p>
             <a:fld id="{606E70BA-FD79-466F-A344-6ED84EB9E5B8}" type="datetime1">
               <a:rPr lang="de-DE" smtClean="0"/>
-              <a:t>30.01.2025</a:t>
+              <a:t>31.01.2025</a:t>
             </a:fld>
             <a:endParaRPr lang="de-DE" dirty="0"/>
           </a:p>
@@ -15531,7 +16498,7 @@
             <a:pPr algn="ctr"/>
             <a:fld id="{6DCE2E55-0611-429C-9DFA-BA78059032C7}" type="datetime1">
               <a:rPr lang="de-DE" smtClean="0"/>
-              <a:t>30.01.2025</a:t>
+              <a:t>31.01.2025</a:t>
             </a:fld>
             <a:endParaRPr lang="de-DE" dirty="0"/>
           </a:p>
@@ -16787,7 +17754,7 @@
             <a:pPr algn="ctr"/>
             <a:fld id="{6DCE2E55-0611-429C-9DFA-BA78059032C7}" type="datetime1">
               <a:rPr lang="de-DE" smtClean="0"/>
-              <a:t>30.01.2025</a:t>
+              <a:t>31.01.2025</a:t>
             </a:fld>
             <a:endParaRPr lang="de-DE" dirty="0"/>
           </a:p>
@@ -18039,7 +19006,7 @@
             <a:pPr algn="ctr"/>
             <a:fld id="{6DCE2E55-0611-429C-9DFA-BA78059032C7}" type="datetime1">
               <a:rPr lang="de-DE" smtClean="0"/>
-              <a:t>30.01.2025</a:t>
+              <a:t>31.01.2025</a:t>
             </a:fld>
             <a:endParaRPr lang="de-DE" dirty="0"/>
           </a:p>
@@ -18932,7 +19899,7 @@
             <a:pPr algn="ctr"/>
             <a:fld id="{6DCE2E55-0611-429C-9DFA-BA78059032C7}" type="datetime1">
               <a:rPr lang="de-DE" smtClean="0"/>
-              <a:t>30.01.2025</a:t>
+              <a:t>31.01.2025</a:t>
             </a:fld>
             <a:endParaRPr lang="de-DE" dirty="0"/>
           </a:p>
@@ -19717,7 +20684,7 @@
             <a:pPr algn="ctr"/>
             <a:fld id="{6DCE2E55-0611-429C-9DFA-BA78059032C7}" type="datetime1">
               <a:rPr lang="de-DE" smtClean="0"/>
-              <a:t>30.01.2025</a:t>
+              <a:t>31.01.2025</a:t>
             </a:fld>
             <a:endParaRPr lang="de-DE" dirty="0"/>
           </a:p>
@@ -20619,7 +21586,7 @@
             <a:pPr algn="ctr"/>
             <a:fld id="{6DCE2E55-0611-429C-9DFA-BA78059032C7}" type="datetime1">
               <a:rPr lang="de-DE" smtClean="0"/>
-              <a:t>30.01.2025</a:t>
+              <a:t>31.01.2025</a:t>
             </a:fld>
             <a:endParaRPr lang="de-DE" dirty="0"/>
           </a:p>
@@ -21532,7 +22499,7 @@
             <a:pPr algn="ctr"/>
             <a:fld id="{6DCE2E55-0611-429C-9DFA-BA78059032C7}" type="datetime1">
               <a:rPr lang="de-DE" smtClean="0"/>
-              <a:t>30.01.2025</a:t>
+              <a:t>31.01.2025</a:t>
             </a:fld>
             <a:endParaRPr lang="de-DE" dirty="0"/>
           </a:p>
@@ -22384,7 +23351,7 @@
             <a:pPr algn="ctr"/>
             <a:fld id="{6DCE2E55-0611-429C-9DFA-BA78059032C7}" type="datetime1">
               <a:rPr lang="de-DE" smtClean="0"/>
-              <a:t>30.01.2025</a:t>
+              <a:t>31.01.2025</a:t>
             </a:fld>
             <a:endParaRPr lang="de-DE" dirty="0"/>
           </a:p>
@@ -23285,7 +24252,7 @@
             <a:pPr algn="ctr"/>
             <a:fld id="{6DCE2E55-0611-429C-9DFA-BA78059032C7}" type="datetime1">
               <a:rPr lang="de-DE" smtClean="0"/>
-              <a:t>30.01.2025</a:t>
+              <a:t>31.01.2025</a:t>
             </a:fld>
             <a:endParaRPr lang="de-DE" dirty="0"/>
           </a:p>
@@ -24159,7 +25126,7 @@
             <a:pPr algn="ctr"/>
             <a:fld id="{6DCE2E55-0611-429C-9DFA-BA78059032C7}" type="datetime1">
               <a:rPr lang="de-DE" smtClean="0"/>
-              <a:t>30.01.2025</a:t>
+              <a:t>31.01.2025</a:t>
             </a:fld>
             <a:endParaRPr lang="de-DE" dirty="0"/>
           </a:p>
@@ -25141,7 +26108,7 @@
             <a:fld id="{78528F33-B51B-4692-8105-AFA8C2F7C22E}" type="datetime1">
               <a:rPr lang="de-DE" smtClean="0"/>
               <a:pPr algn="ctr"/>
-              <a:t>30.01.2025</a:t>
+              <a:t>31.01.2025</a:t>
             </a:fld>
             <a:endParaRPr lang="de-DE" dirty="0"/>
           </a:p>
@@ -25794,7 +26761,7 @@
             <a:pPr algn="ctr"/>
             <a:fld id="{1C9ABDDE-E530-429E-AC56-5EDCA42B2C2B}" type="datetime1">
               <a:rPr lang="de-DE" smtClean="0"/>
-              <a:t>30.01.2025</a:t>
+              <a:t>31.01.2025</a:t>
             </a:fld>
             <a:endParaRPr lang="de-DE" dirty="0"/>
           </a:p>
@@ -26617,7 +27584,7 @@
             <a:pPr algn="ctr"/>
             <a:fld id="{6DCE2E55-0611-429C-9DFA-BA78059032C7}" type="datetime1">
               <a:rPr lang="de-DE" smtClean="0"/>
-              <a:t>30.01.2025</a:t>
+              <a:t>31.01.2025</a:t>
             </a:fld>
             <a:endParaRPr lang="de-DE" dirty="0"/>
           </a:p>
@@ -27440,7 +28407,7 @@
             <a:pPr algn="ctr"/>
             <a:fld id="{6DCE2E55-0611-429C-9DFA-BA78059032C7}" type="datetime1">
               <a:rPr lang="de-DE" smtClean="0"/>
-              <a:t>30.01.2025</a:t>
+              <a:t>31.01.2025</a:t>
             </a:fld>
             <a:endParaRPr lang="de-DE" dirty="0"/>
           </a:p>
@@ -28344,7 +29311,7 @@
             <a:pPr algn="ctr"/>
             <a:fld id="{6365D8CF-27D3-43A4-BBA3-052FBE53B27E}" type="datetime1">
               <a:rPr lang="de-DE" smtClean="0"/>
-              <a:t>30.01.2025</a:t>
+              <a:t>31.01.2025</a:t>
             </a:fld>
             <a:endParaRPr lang="de-DE" dirty="0"/>
           </a:p>
@@ -29293,7 +30260,7 @@
             <a:pPr algn="ctr"/>
             <a:fld id="{374E3A58-FB67-4F71-9C3A-917825C8FEC1}" type="datetime1">
               <a:rPr lang="de-DE" smtClean="0"/>
-              <a:t>30.01.2025</a:t>
+              <a:t>31.01.2025</a:t>
             </a:fld>
             <a:endParaRPr lang="de-DE" dirty="0"/>
           </a:p>
@@ -30061,7 +31028,7 @@
             <a:pPr algn="ctr"/>
             <a:fld id="{0953343C-08E3-417E-ABC9-2F51F6F24065}" type="datetime1">
               <a:rPr lang="de-DE" smtClean="0"/>
-              <a:t>30.01.2025</a:t>
+              <a:t>31.01.2025</a:t>
             </a:fld>
             <a:endParaRPr lang="de-DE" dirty="0"/>
           </a:p>
@@ -30838,7 +31805,7 @@
             <a:pPr algn="ctr"/>
             <a:fld id="{6DCE2E55-0611-429C-9DFA-BA78059032C7}" type="datetime1">
               <a:rPr lang="de-DE" smtClean="0"/>
-              <a:t>30.01.2025</a:t>
+              <a:t>31.01.2025</a:t>
             </a:fld>
             <a:endParaRPr lang="de-DE" dirty="0"/>
           </a:p>
@@ -31928,7 +32895,7 @@
             <a:pPr algn="ctr"/>
             <a:fld id="{6DCE2E55-0611-429C-9DFA-BA78059032C7}" type="datetime1">
               <a:rPr lang="de-DE" smtClean="0"/>
-              <a:t>30.01.2025</a:t>
+              <a:t>31.01.2025</a:t>
             </a:fld>
             <a:endParaRPr lang="de-DE" dirty="0"/>
           </a:p>
@@ -32667,7 +33634,7 @@
             <a:pPr algn="ctr"/>
             <a:fld id="{6DCE2E55-0611-429C-9DFA-BA78059032C7}" type="datetime1">
               <a:rPr lang="de-DE" smtClean="0"/>
-              <a:t>30.01.2025</a:t>
+              <a:t>31.01.2025</a:t>
             </a:fld>
             <a:endParaRPr lang="de-DE" dirty="0"/>
           </a:p>
@@ -33671,7 +34638,7 @@
             <a:pPr algn="ctr"/>
             <a:fld id="{6DCE2E55-0611-429C-9DFA-BA78059032C7}" type="datetime1">
               <a:rPr lang="de-DE" smtClean="0"/>
-              <a:t>30.01.2025</a:t>
+              <a:t>31.01.2025</a:t>
             </a:fld>
             <a:endParaRPr lang="de-DE" dirty="0"/>
           </a:p>

--- a/Medienverwaltungsdatenbank Gruppe1.pptx
+++ b/Medienverwaltungsdatenbank Gruppe1.pptx
@@ -31711,10 +31711,10 @@
       </p:sp>
       <p:pic>
         <p:nvPicPr>
-          <p:cNvPr id="6" name="Grafik 5" descr="Ein Bild, das Text, Screenshot, Diagramm, Zahl enthält.&#10;&#10;Automatisch generierte Beschreibung">
-            <a:extLst>
-              <a:ext uri="{FF2B5EF4-FFF2-40B4-BE49-F238E27FC236}">
-                <a16:creationId xmlns:a16="http://schemas.microsoft.com/office/drawing/2014/main" id="{4F444CEB-F186-BB51-E667-4A86F1B3E114}"/>
+          <p:cNvPr id="5" name="Grafik 4">
+            <a:extLst>
+              <a:ext uri="{FF2B5EF4-FFF2-40B4-BE49-F238E27FC236}">
+                <a16:creationId xmlns:a16="http://schemas.microsoft.com/office/drawing/2014/main" id="{45755198-A517-3625-F5D3-A4EB9DA81F00}"/>
               </a:ext>
             </a:extLst>
           </p:cNvPr>
@@ -31724,21 +31724,15 @@
           <p:nvPr/>
         </p:nvPicPr>
         <p:blipFill>
-          <a:blip r:embed="rId3">
-            <a:extLst>
-              <a:ext uri="{28A0092B-C50C-407E-A947-70E740481C1C}">
-                <a14:useLocalDpi xmlns:a14="http://schemas.microsoft.com/office/drawing/2010/main" val="0"/>
-              </a:ext>
-            </a:extLst>
-          </a:blip>
+          <a:blip r:embed="rId3"/>
           <a:stretch>
             <a:fillRect/>
           </a:stretch>
         </p:blipFill>
         <p:spPr>
           <a:xfrm>
-            <a:off x="2803261" y="1612232"/>
-            <a:ext cx="6585477" cy="4446750"/>
+            <a:off x="2683451" y="1600200"/>
+            <a:ext cx="6773446" cy="4571786"/>
           </a:xfrm>
           <a:prstGeom prst="rect">
             <a:avLst/>
@@ -31781,6 +31775,42 @@
           <a:chExt cx="0" cy="0"/>
         </a:xfrm>
       </p:grpSpPr>
+      <p:pic>
+        <p:nvPicPr>
+          <p:cNvPr id="5" name="Grafik 4" descr="Ein Bild, das Text, Screenshot, Diagramm, Reihe enthält.&#10;&#10;Automatisch generierte Beschreibung">
+            <a:extLst>
+              <a:ext uri="{FF2B5EF4-FFF2-40B4-BE49-F238E27FC236}">
+                <a16:creationId xmlns:a16="http://schemas.microsoft.com/office/drawing/2014/main" id="{29CB73EE-A109-42C0-FE3C-3136007AD9F0}"/>
+              </a:ext>
+            </a:extLst>
+          </p:cNvPr>
+          <p:cNvPicPr>
+            <a:picLocks noChangeAspect="1"/>
+          </p:cNvPicPr>
+          <p:nvPr/>
+        </p:nvPicPr>
+        <p:blipFill>
+          <a:blip r:embed="rId3">
+            <a:extLst>
+              <a:ext uri="{28A0092B-C50C-407E-A947-70E740481C1C}">
+                <a14:useLocalDpi xmlns:a14="http://schemas.microsoft.com/office/drawing/2010/main" val="0"/>
+              </a:ext>
+            </a:extLst>
+          </a:blip>
+          <a:stretch>
+            <a:fillRect/>
+          </a:stretch>
+        </p:blipFill>
+        <p:spPr>
+          <a:xfrm>
+            <a:off x="6570133" y="1388842"/>
+            <a:ext cx="4307838" cy="4478558"/>
+          </a:xfrm>
+          <a:prstGeom prst="rect">
+            <a:avLst/>
+          </a:prstGeom>
+        </p:spPr>
+      </p:pic>
       <p:sp>
         <p:nvSpPr>
           <p:cNvPr id="4" name="Datumsplatzhalter 3">
@@ -31839,36 +31869,6 @@
           </a:p>
         </p:txBody>
       </p:sp>
-      <p:pic>
-        <p:nvPicPr>
-          <p:cNvPr id="18" name="Grafik 17">
-            <a:extLst>
-              <a:ext uri="{FF2B5EF4-FFF2-40B4-BE49-F238E27FC236}">
-                <a16:creationId xmlns:a16="http://schemas.microsoft.com/office/drawing/2014/main" id="{9E4A51F6-466B-4B62-4BA4-B235127619BB}"/>
-              </a:ext>
-            </a:extLst>
-          </p:cNvPr>
-          <p:cNvPicPr>
-            <a:picLocks noChangeAspect="1"/>
-          </p:cNvPicPr>
-          <p:nvPr/>
-        </p:nvPicPr>
-        <p:blipFill>
-          <a:blip r:embed="rId3"/>
-          <a:stretch>
-            <a:fillRect/>
-          </a:stretch>
-        </p:blipFill>
-        <p:spPr>
-          <a:xfrm>
-            <a:off x="6612735" y="1600200"/>
-            <a:ext cx="3853582" cy="4036340"/>
-          </a:xfrm>
-          <a:prstGeom prst="rect">
-            <a:avLst/>
-          </a:prstGeom>
-        </p:spPr>
-      </p:pic>
       <p:sp>
         <p:nvSpPr>
           <p:cNvPr id="19" name="Textplatzhalter 8">
@@ -31924,19 +31924,21 @@
         </p:nvSpPr>
         <p:spPr>
           <a:xfrm>
-            <a:off x="2177598" y="5210960"/>
+            <a:off x="1105193" y="5344603"/>
             <a:ext cx="6019800" cy="949113"/>
           </a:xfrm>
         </p:spPr>
         <p:txBody>
-          <a:bodyPr/>
+          <a:bodyPr>
+            <a:normAutofit/>
+          </a:bodyPr>
           <a:lstStyle/>
           <a:p>
             <a:pPr marL="0" indent="0">
               <a:buNone/>
             </a:pPr>
             <a:r>
-              <a:rPr lang="de-DE" dirty="0"/>
+              <a:rPr lang="de-DE" sz="2400" dirty="0"/>
               <a:t>zentrale Tabelle für alle Medientypen</a:t>
             </a:r>
           </a:p>

--- a/Medienverwaltungsdatenbank Gruppe1.pptx
+++ b/Medienverwaltungsdatenbank Gruppe1.pptx
@@ -326,7 +326,7 @@
           <a:p>
             <a:fld id="{C27547F7-D748-49E6-9D4F-0B55DC9C0D26}" type="slidenum">
               <a:rPr lang="de-DE" smtClean="0"/>
-              <a:t>‹Nr.›</a:t>
+              <a:t>‹#›</a:t>
             </a:fld>
             <a:endParaRPr lang="de-DE"/>
           </a:p>
@@ -589,7 +589,7 @@
             <a:fld id="{ED6708E0-6EBE-4615-87DF-D15A83EC26B6}" type="slidenum">
               <a:rPr lang="de-DE" smtClean="0"/>
               <a:pPr/>
-              <a:t>‹Nr.›</a:t>
+              <a:t>‹#›</a:t>
             </a:fld>
             <a:endParaRPr lang="de-DE"/>
           </a:p>
@@ -1094,54 +1094,7 @@
               <a:buFont typeface="Arial" panose="020B0604020202020204" pitchFamily="34" charset="0"/>
               <a:buChar char="•"/>
             </a:pPr>
-            <a:r>
-              <a:rPr lang="de-DE" dirty="0"/>
-              <a:t>Tabellen erklären</a:t>
-            </a:r>
-          </a:p>
-          <a:p>
-            <a:pPr marL="285750" marR="0" lvl="0" indent="-285750" algn="l" defTabSz="914400" rtl="0" eaLnBrk="1" fontAlgn="auto" latinLnBrk="0" hangingPunct="1">
-              <a:lnSpc>
-                <a:spcPct val="100000"/>
-              </a:lnSpc>
-              <a:spcBef>
-                <a:spcPts val="0"/>
-              </a:spcBef>
-              <a:spcAft>
-                <a:spcPts val="0"/>
-              </a:spcAft>
-              <a:buClrTx/>
-              <a:buSzTx/>
-              <a:buFont typeface="Arial" panose="020B0604020202020204" pitchFamily="34" charset="0"/>
-              <a:buChar char="•"/>
-              <a:tabLst/>
-              <a:defRPr/>
-            </a:pPr>
-            <a:r>
-              <a:rPr lang="de-DE" dirty="0"/>
-              <a:t>Erklärung der Attribute, </a:t>
-            </a:r>
-            <a:r>
-              <a:rPr lang="de-DE" sz="1200" dirty="0">
-                <a:solidFill>
-                  <a:srgbClr val="3C3939"/>
-                </a:solidFill>
-                <a:latin typeface="Roboto" pitchFamily="34" charset="0"/>
-                <a:ea typeface="Roboto" pitchFamily="34" charset="-122"/>
-                <a:cs typeface="Roboto" pitchFamily="34" charset="-120"/>
-              </a:rPr>
-              <a:t>Datentype</a:t>
-            </a:r>
-          </a:p>
-          <a:p>
-            <a:pPr marL="285750" indent="-285750">
-              <a:buFont typeface="Arial" panose="020B0604020202020204" pitchFamily="34" charset="0"/>
-              <a:buChar char="•"/>
-            </a:pPr>
-            <a:r>
-              <a:rPr lang="de-DE" dirty="0"/>
-              <a:t>Datenintegrität-Lösung (ON UPDATE CASCADE)</a:t>
-            </a:r>
+            <a:endParaRPr lang="de-DE" dirty="0"/>
           </a:p>
         </p:txBody>
       </p:sp>
@@ -1274,7 +1227,89 @@
                 <a:ea typeface="Roboto" pitchFamily="34" charset="-122"/>
                 <a:cs typeface="Roboto" pitchFamily="34" charset="-120"/>
               </a:rPr>
-              <a:t>Code + Erklärung kurz</a:t>
+              <a:t>- Daten sind über mehrere Tabellen verteilt, deshalb Daten die man häufig</a:t>
+            </a:r>
+          </a:p>
+          <a:p>
+            <a:pPr marL="0" marR="0" lvl="0" indent="0" algn="l" defTabSz="914400" rtl="0" eaLnBrk="1" fontAlgn="auto" latinLnBrk="0" hangingPunct="1">
+              <a:lnSpc>
+                <a:spcPct val="100000"/>
+              </a:lnSpc>
+              <a:spcBef>
+                <a:spcPts val="0"/>
+              </a:spcBef>
+              <a:spcAft>
+                <a:spcPts val="0"/>
+              </a:spcAft>
+              <a:buClrTx/>
+              <a:buSzTx/>
+              <a:buFontTx/>
+              <a:buNone/>
+              <a:tabLst/>
+              <a:defRPr/>
+            </a:pPr>
+            <a:r>
+              <a:rPr lang="de-DE" sz="1200" dirty="0">
+                <a:solidFill>
+                  <a:srgbClr val="3C3939"/>
+                </a:solidFill>
+                <a:latin typeface="Roboto" pitchFamily="34" charset="0"/>
+                <a:ea typeface="Roboto" pitchFamily="34" charset="-122"/>
+                <a:cs typeface="Roboto" pitchFamily="34" charset="-120"/>
+              </a:rPr>
+              <a:t>zusammen abfragen möchte zusammengefasst in Views</a:t>
+            </a:r>
+          </a:p>
+          <a:p>
+            <a:pPr marL="0" marR="0" lvl="0" indent="0" algn="l" defTabSz="914400" rtl="0" eaLnBrk="1" fontAlgn="auto" latinLnBrk="0" hangingPunct="1">
+              <a:lnSpc>
+                <a:spcPct val="100000"/>
+              </a:lnSpc>
+              <a:spcBef>
+                <a:spcPts val="0"/>
+              </a:spcBef>
+              <a:spcAft>
+                <a:spcPts val="0"/>
+              </a:spcAft>
+              <a:buClrTx/>
+              <a:buSzTx/>
+              <a:buFontTx/>
+              <a:buNone/>
+              <a:tabLst/>
+              <a:defRPr/>
+            </a:pPr>
+            <a:r>
+              <a:rPr lang="de-DE" sz="1200" dirty="0">
+                <a:solidFill>
+                  <a:srgbClr val="3C3939"/>
+                </a:solidFill>
+                <a:latin typeface="Roboto" pitchFamily="34" charset="0"/>
+                <a:ea typeface="Roboto" pitchFamily="34" charset="-122"/>
+                <a:cs typeface="Roboto" pitchFamily="34" charset="-120"/>
+              </a:rPr>
+              <a:t>- </a:t>
+            </a:r>
+            <a:r>
+              <a:rPr lang="de-DE" sz="1200" dirty="0" err="1">
+                <a:solidFill>
+                  <a:srgbClr val="3C3939"/>
+                </a:solidFill>
+                <a:latin typeface="Roboto" pitchFamily="34" charset="0"/>
+                <a:ea typeface="Roboto" pitchFamily="34" charset="-122"/>
+                <a:cs typeface="Roboto" pitchFamily="34" charset="-120"/>
+              </a:rPr>
+              <a:t>view_master</a:t>
+            </a:r>
+            <a:r>
+              <a:rPr lang="de-DE" sz="1200" dirty="0">
+                <a:solidFill>
+                  <a:srgbClr val="3C3939"/>
+                </a:solidFill>
+                <a:latin typeface="Roboto" pitchFamily="34" charset="0"/>
+                <a:ea typeface="Roboto" pitchFamily="34" charset="-122"/>
+                <a:cs typeface="Roboto" pitchFamily="34" charset="-120"/>
+              </a:rPr>
+              <a:t>: Alle Medien, Attribute erklären</a:t>
             </a:r>
             <a:endParaRPr lang="en-US" sz="1200" dirty="0">
               <a:solidFill>
@@ -4974,7 +5009,7 @@
               <a:defRPr/>
             </a:pPr>
             <a:r>
-              <a:rPr lang="en-US" sz="1200" dirty="0" err="1">
+              <a:rPr lang="de-DE" sz="1200" dirty="0">
                 <a:solidFill>
                   <a:srgbClr val="3C3939"/>
                 </a:solidFill>
@@ -4982,348 +5017,7 @@
                 <a:ea typeface="Roboto" pitchFamily="34" charset="-122"/>
                 <a:cs typeface="Roboto" pitchFamily="34" charset="-120"/>
               </a:rPr>
-              <a:t>Ist-Zustand</a:t>
-            </a:r>
-            <a:r>
-              <a:rPr lang="en-US" sz="1200" dirty="0">
-                <a:solidFill>
-                  <a:srgbClr val="3C3939"/>
-                </a:solidFill>
-                <a:latin typeface="Roboto" pitchFamily="34" charset="0"/>
-                <a:ea typeface="Roboto" pitchFamily="34" charset="-122"/>
-                <a:cs typeface="Roboto" pitchFamily="34" charset="-120"/>
-              </a:rPr>
-              <a:t> – Soll-</a:t>
-            </a:r>
-            <a:r>
-              <a:rPr lang="en-US" sz="1200" dirty="0" err="1">
-                <a:solidFill>
-                  <a:srgbClr val="3C3939"/>
-                </a:solidFill>
-                <a:latin typeface="Roboto" pitchFamily="34" charset="0"/>
-                <a:ea typeface="Roboto" pitchFamily="34" charset="-122"/>
-                <a:cs typeface="Roboto" pitchFamily="34" charset="-120"/>
-              </a:rPr>
-              <a:t>Zustand</a:t>
-            </a:r>
-            <a:r>
-              <a:rPr lang="en-US" sz="1200" dirty="0">
-                <a:solidFill>
-                  <a:srgbClr val="3C3939"/>
-                </a:solidFill>
-                <a:latin typeface="Roboto" pitchFamily="34" charset="0"/>
-                <a:ea typeface="Roboto" pitchFamily="34" charset="-122"/>
-                <a:cs typeface="Roboto" pitchFamily="34" charset="-120"/>
-              </a:rPr>
-              <a:t> </a:t>
-            </a:r>
-            <a:r>
-              <a:rPr lang="en-US" sz="1200" dirty="0" err="1">
-                <a:solidFill>
-                  <a:srgbClr val="3C3939"/>
-                </a:solidFill>
-                <a:latin typeface="Roboto" pitchFamily="34" charset="0"/>
-                <a:ea typeface="Roboto" pitchFamily="34" charset="-122"/>
-                <a:cs typeface="Roboto" pitchFamily="34" charset="-120"/>
-              </a:rPr>
-              <a:t>erreicht</a:t>
-            </a:r>
-            <a:r>
-              <a:rPr lang="en-US" sz="1200" dirty="0">
-                <a:solidFill>
-                  <a:srgbClr val="3C3939"/>
-                </a:solidFill>
-                <a:latin typeface="Roboto" pitchFamily="34" charset="0"/>
-                <a:ea typeface="Roboto" pitchFamily="34" charset="-122"/>
-                <a:cs typeface="Roboto" pitchFamily="34" charset="-120"/>
-              </a:rPr>
-              <a:t> – </a:t>
-            </a:r>
-            <a:r>
-              <a:rPr lang="en-US" sz="1200" dirty="0" err="1">
-                <a:solidFill>
-                  <a:srgbClr val="3C3939"/>
-                </a:solidFill>
-                <a:latin typeface="Roboto" pitchFamily="34" charset="0"/>
-                <a:ea typeface="Roboto" pitchFamily="34" charset="-122"/>
-                <a:cs typeface="Roboto" pitchFamily="34" charset="-120"/>
-              </a:rPr>
-              <a:t>teile</a:t>
-            </a:r>
-            <a:r>
-              <a:rPr lang="en-US" sz="1200" dirty="0">
-                <a:solidFill>
-                  <a:srgbClr val="3C3939"/>
-                </a:solidFill>
-                <a:latin typeface="Roboto" pitchFamily="34" charset="0"/>
-                <a:ea typeface="Roboto" pitchFamily="34" charset="-122"/>
-                <a:cs typeface="Roboto" pitchFamily="34" charset="-120"/>
-              </a:rPr>
-              <a:t> der </a:t>
-            </a:r>
-            <a:r>
-              <a:rPr lang="en-US" sz="1200" dirty="0" err="1">
-                <a:solidFill>
-                  <a:srgbClr val="3C3939"/>
-                </a:solidFill>
-                <a:latin typeface="Roboto" pitchFamily="34" charset="0"/>
-                <a:ea typeface="Roboto" pitchFamily="34" charset="-122"/>
-                <a:cs typeface="Roboto" pitchFamily="34" charset="-120"/>
-              </a:rPr>
-              <a:t>Medien</a:t>
-            </a:r>
-            <a:r>
-              <a:rPr lang="en-US" sz="1200" dirty="0">
-                <a:solidFill>
-                  <a:srgbClr val="3C3939"/>
-                </a:solidFill>
-                <a:latin typeface="Roboto" pitchFamily="34" charset="0"/>
-                <a:ea typeface="Roboto" pitchFamily="34" charset="-122"/>
-                <a:cs typeface="Roboto" pitchFamily="34" charset="-120"/>
-              </a:rPr>
-              <a:t> </a:t>
-            </a:r>
-            <a:r>
-              <a:rPr lang="en-US" sz="1200" dirty="0" err="1">
-                <a:solidFill>
-                  <a:srgbClr val="3C3939"/>
-                </a:solidFill>
-                <a:latin typeface="Roboto" pitchFamily="34" charset="0"/>
-                <a:ea typeface="Roboto" pitchFamily="34" charset="-122"/>
-                <a:cs typeface="Roboto" pitchFamily="34" charset="-120"/>
-              </a:rPr>
-              <a:t>sind</a:t>
-            </a:r>
-            <a:r>
-              <a:rPr lang="en-US" sz="1200" dirty="0">
-                <a:solidFill>
-                  <a:srgbClr val="3C3939"/>
-                </a:solidFill>
-                <a:latin typeface="Roboto" pitchFamily="34" charset="0"/>
-                <a:ea typeface="Roboto" pitchFamily="34" charset="-122"/>
-                <a:cs typeface="Roboto" pitchFamily="34" charset="-120"/>
-              </a:rPr>
-              <a:t> </a:t>
-            </a:r>
-            <a:r>
-              <a:rPr lang="en-US" sz="1200" dirty="0" err="1">
-                <a:solidFill>
-                  <a:srgbClr val="3C3939"/>
-                </a:solidFill>
-                <a:latin typeface="Roboto" pitchFamily="34" charset="0"/>
-                <a:ea typeface="Roboto" pitchFamily="34" charset="-122"/>
-                <a:cs typeface="Roboto" pitchFamily="34" charset="-120"/>
-              </a:rPr>
-              <a:t>schon</a:t>
-            </a:r>
-            <a:r>
-              <a:rPr lang="en-US" sz="1200" dirty="0">
-                <a:solidFill>
-                  <a:srgbClr val="3C3939"/>
-                </a:solidFill>
-                <a:latin typeface="Roboto" pitchFamily="34" charset="0"/>
-                <a:ea typeface="Roboto" pitchFamily="34" charset="-122"/>
-                <a:cs typeface="Roboto" pitchFamily="34" charset="-120"/>
-              </a:rPr>
-              <a:t> </a:t>
-            </a:r>
-            <a:r>
-              <a:rPr lang="en-US" sz="1200" dirty="0" err="1">
-                <a:solidFill>
-                  <a:srgbClr val="3C3939"/>
-                </a:solidFill>
-                <a:latin typeface="Roboto" pitchFamily="34" charset="0"/>
-                <a:ea typeface="Roboto" pitchFamily="34" charset="-122"/>
-                <a:cs typeface="Roboto" pitchFamily="34" charset="-120"/>
-              </a:rPr>
-              <a:t>eingepflegt</a:t>
-            </a:r>
-            <a:r>
-              <a:rPr lang="en-US" sz="1200" dirty="0">
-                <a:solidFill>
-                  <a:srgbClr val="3C3939"/>
-                </a:solidFill>
-                <a:latin typeface="Roboto" pitchFamily="34" charset="0"/>
-                <a:ea typeface="Roboto" pitchFamily="34" charset="-122"/>
-                <a:cs typeface="Roboto" pitchFamily="34" charset="-120"/>
-              </a:rPr>
-              <a:t> </a:t>
-            </a:r>
-            <a:r>
-              <a:rPr lang="en-US" sz="1200" dirty="0" err="1">
-                <a:solidFill>
-                  <a:srgbClr val="3C3939"/>
-                </a:solidFill>
-                <a:latin typeface="Roboto" pitchFamily="34" charset="0"/>
-                <a:ea typeface="Roboto" pitchFamily="34" charset="-122"/>
-                <a:cs typeface="Roboto" pitchFamily="34" charset="-120"/>
-              </a:rPr>
-              <a:t>worden</a:t>
-            </a:r>
-            <a:r>
-              <a:rPr lang="en-US" sz="1200" dirty="0">
-                <a:solidFill>
-                  <a:srgbClr val="3C3939"/>
-                </a:solidFill>
-                <a:latin typeface="Roboto" pitchFamily="34" charset="0"/>
-                <a:ea typeface="Roboto" pitchFamily="34" charset="-122"/>
-                <a:cs typeface="Roboto" pitchFamily="34" charset="-120"/>
-              </a:rPr>
-              <a:t> und </a:t>
-            </a:r>
-            <a:r>
-              <a:rPr lang="en-US" sz="1200" dirty="0" err="1">
-                <a:solidFill>
-                  <a:srgbClr val="3C3939"/>
-                </a:solidFill>
-                <a:latin typeface="Roboto" pitchFamily="34" charset="0"/>
-                <a:ea typeface="Roboto" pitchFamily="34" charset="-122"/>
-                <a:cs typeface="Roboto" pitchFamily="34" charset="-120"/>
-              </a:rPr>
-              <a:t>sind</a:t>
-            </a:r>
-            <a:r>
-              <a:rPr lang="en-US" sz="1200" dirty="0">
-                <a:solidFill>
-                  <a:srgbClr val="3C3939"/>
-                </a:solidFill>
-                <a:latin typeface="Roboto" pitchFamily="34" charset="0"/>
-                <a:ea typeface="Roboto" pitchFamily="34" charset="-122"/>
-                <a:cs typeface="Roboto" pitchFamily="34" charset="-120"/>
-              </a:rPr>
-              <a:t> </a:t>
-            </a:r>
-            <a:r>
-              <a:rPr lang="en-US" sz="1200" dirty="0" err="1">
-                <a:solidFill>
-                  <a:srgbClr val="3C3939"/>
-                </a:solidFill>
-                <a:latin typeface="Roboto" pitchFamily="34" charset="0"/>
-                <a:ea typeface="Roboto" pitchFamily="34" charset="-122"/>
-                <a:cs typeface="Roboto" pitchFamily="34" charset="-120"/>
-              </a:rPr>
-              <a:t>besser</a:t>
-            </a:r>
-            <a:r>
-              <a:rPr lang="en-US" sz="1200" dirty="0">
-                <a:solidFill>
-                  <a:srgbClr val="3C3939"/>
-                </a:solidFill>
-                <a:latin typeface="Roboto" pitchFamily="34" charset="0"/>
-                <a:ea typeface="Roboto" pitchFamily="34" charset="-122"/>
-                <a:cs typeface="Roboto" pitchFamily="34" charset="-120"/>
-              </a:rPr>
-              <a:t> </a:t>
-            </a:r>
-            <a:r>
-              <a:rPr lang="en-US" sz="1200" dirty="0" err="1">
-                <a:solidFill>
-                  <a:srgbClr val="3C3939"/>
-                </a:solidFill>
-                <a:latin typeface="Roboto" pitchFamily="34" charset="0"/>
-                <a:ea typeface="Roboto" pitchFamily="34" charset="-122"/>
-                <a:cs typeface="Roboto" pitchFamily="34" charset="-120"/>
-              </a:rPr>
-              <a:t>zu</a:t>
-            </a:r>
-            <a:r>
-              <a:rPr lang="en-US" sz="1200" dirty="0">
-                <a:solidFill>
-                  <a:srgbClr val="3C3939"/>
-                </a:solidFill>
-                <a:latin typeface="Roboto" pitchFamily="34" charset="0"/>
-                <a:ea typeface="Roboto" pitchFamily="34" charset="-122"/>
-                <a:cs typeface="Roboto" pitchFamily="34" charset="-120"/>
-              </a:rPr>
-              <a:t> </a:t>
-            </a:r>
-            <a:r>
-              <a:rPr lang="en-US" sz="1200" dirty="0" err="1">
-                <a:solidFill>
-                  <a:srgbClr val="3C3939"/>
-                </a:solidFill>
-                <a:latin typeface="Roboto" pitchFamily="34" charset="0"/>
-                <a:ea typeface="Roboto" pitchFamily="34" charset="-122"/>
-                <a:cs typeface="Roboto" pitchFamily="34" charset="-120"/>
-              </a:rPr>
-              <a:t>lokalisieren</a:t>
-            </a:r>
-            <a:r>
-              <a:rPr lang="en-US" sz="1200" dirty="0">
-                <a:solidFill>
-                  <a:srgbClr val="3C3939"/>
-                </a:solidFill>
-                <a:latin typeface="Roboto" pitchFamily="34" charset="0"/>
-                <a:ea typeface="Roboto" pitchFamily="34" charset="-122"/>
-                <a:cs typeface="Roboto" pitchFamily="34" charset="-120"/>
-              </a:rPr>
-              <a:t>. Es </a:t>
-            </a:r>
-            <a:r>
-              <a:rPr lang="en-US" sz="1200" dirty="0" err="1">
-                <a:solidFill>
-                  <a:srgbClr val="3C3939"/>
-                </a:solidFill>
-                <a:latin typeface="Roboto" pitchFamily="34" charset="0"/>
-                <a:ea typeface="Roboto" pitchFamily="34" charset="-122"/>
-                <a:cs typeface="Roboto" pitchFamily="34" charset="-120"/>
-              </a:rPr>
-              <a:t>gibt</a:t>
-            </a:r>
-            <a:r>
-              <a:rPr lang="en-US" sz="1200" dirty="0">
-                <a:solidFill>
-                  <a:srgbClr val="3C3939"/>
-                </a:solidFill>
-                <a:latin typeface="Roboto" pitchFamily="34" charset="0"/>
-                <a:ea typeface="Roboto" pitchFamily="34" charset="-122"/>
-                <a:cs typeface="Roboto" pitchFamily="34" charset="-120"/>
-              </a:rPr>
-              <a:t> Wege </a:t>
-            </a:r>
-            <a:r>
-              <a:rPr lang="en-US" sz="1200" dirty="0" err="1">
-                <a:solidFill>
-                  <a:srgbClr val="3C3939"/>
-                </a:solidFill>
-                <a:latin typeface="Roboto" pitchFamily="34" charset="0"/>
-                <a:ea typeface="Roboto" pitchFamily="34" charset="-122"/>
-                <a:cs typeface="Roboto" pitchFamily="34" charset="-120"/>
-              </a:rPr>
-              <a:t>zur</a:t>
-            </a:r>
-            <a:r>
-              <a:rPr lang="en-US" sz="1200" dirty="0">
-                <a:solidFill>
-                  <a:srgbClr val="3C3939"/>
-                </a:solidFill>
-                <a:latin typeface="Roboto" pitchFamily="34" charset="0"/>
-                <a:ea typeface="Roboto" pitchFamily="34" charset="-122"/>
-                <a:cs typeface="Roboto" pitchFamily="34" charset="-120"/>
-              </a:rPr>
-              <a:t> </a:t>
-            </a:r>
-            <a:r>
-              <a:rPr lang="en-US" sz="1200" dirty="0" err="1">
-                <a:solidFill>
-                  <a:srgbClr val="3C3939"/>
-                </a:solidFill>
-                <a:latin typeface="Roboto" pitchFamily="34" charset="0"/>
-                <a:ea typeface="Roboto" pitchFamily="34" charset="-122"/>
-                <a:cs typeface="Roboto" pitchFamily="34" charset="-120"/>
-              </a:rPr>
-              <a:t>Weiterentwicklung</a:t>
-            </a:r>
-            <a:r>
-              <a:rPr lang="en-US" sz="1200" dirty="0">
-                <a:solidFill>
-                  <a:srgbClr val="3C3939"/>
-                </a:solidFill>
-                <a:latin typeface="Roboto" pitchFamily="34" charset="0"/>
-                <a:ea typeface="Roboto" pitchFamily="34" charset="-122"/>
-                <a:cs typeface="Roboto" pitchFamily="34" charset="-120"/>
-              </a:rPr>
-              <a:t>.</a:t>
+              <a:t>- Umfang und Problemstellung treibt Designentscheidungen</a:t>
             </a:r>
           </a:p>
           <a:p>
@@ -5345,7 +5039,7 @@
               <a:defRPr/>
             </a:pPr>
             <a:r>
-              <a:rPr lang="en-US" sz="1200" dirty="0" err="1">
+              <a:rPr lang="de-DE" sz="1200" dirty="0">
                 <a:solidFill>
                   <a:srgbClr val="3C3939"/>
                 </a:solidFill>
@@ -5353,10 +5047,29 @@
                 <a:ea typeface="Roboto" pitchFamily="34" charset="-122"/>
                 <a:cs typeface="Roboto" pitchFamily="34" charset="-120"/>
               </a:rPr>
-              <a:t>Vielen</a:t>
-            </a:r>
-            <a:r>
-              <a:rPr lang="en-US" sz="1200" dirty="0">
+              <a:t>- Es muss eine klare Linie gezogen werden, nicht zu viel machen</a:t>
+            </a:r>
+          </a:p>
+          <a:p>
+            <a:pPr marL="0" marR="0" lvl="0" indent="0" algn="l" defTabSz="914400" rtl="0" eaLnBrk="1" fontAlgn="auto" latinLnBrk="0" hangingPunct="1">
+              <a:lnSpc>
+                <a:spcPct val="100000"/>
+              </a:lnSpc>
+              <a:spcBef>
+                <a:spcPts val="0"/>
+              </a:spcBef>
+              <a:spcAft>
+                <a:spcPts val="0"/>
+              </a:spcAft>
+              <a:buClrTx/>
+              <a:buSzTx/>
+              <a:buFontTx/>
+              <a:buNone/>
+              <a:tabLst/>
+              <a:defRPr/>
+            </a:pPr>
+            <a:r>
+              <a:rPr lang="de-DE" sz="1200" dirty="0">
                 <a:solidFill>
                   <a:srgbClr val="3C3939"/>
                 </a:solidFill>
@@ -5364,10 +5077,29 @@
                 <a:ea typeface="Roboto" pitchFamily="34" charset="-122"/>
                 <a:cs typeface="Roboto" pitchFamily="34" charset="-120"/>
               </a:rPr>
-              <a:t> Dank für </a:t>
-            </a:r>
-            <a:r>
-              <a:rPr lang="en-US" sz="1200" dirty="0" err="1">
+              <a:t>- Aber: sollte zu gewissem Grad erweiterbar sein</a:t>
+            </a:r>
+          </a:p>
+          <a:p>
+            <a:pPr marL="0" marR="0" lvl="0" indent="0" algn="l" defTabSz="914400" rtl="0" eaLnBrk="1" fontAlgn="auto" latinLnBrk="0" hangingPunct="1">
+              <a:lnSpc>
+                <a:spcPct val="100000"/>
+              </a:lnSpc>
+              <a:spcBef>
+                <a:spcPts val="0"/>
+              </a:spcBef>
+              <a:spcAft>
+                <a:spcPts val="0"/>
+              </a:spcAft>
+              <a:buClrTx/>
+              <a:buSzTx/>
+              <a:buFontTx/>
+              <a:buNone/>
+              <a:tabLst/>
+              <a:defRPr/>
+            </a:pPr>
+            <a:r>
+              <a:rPr lang="de-DE" sz="1200" dirty="0">
                 <a:solidFill>
                   <a:srgbClr val="3C3939"/>
                 </a:solidFill>
@@ -5375,10 +5107,29 @@
                 <a:ea typeface="Roboto" pitchFamily="34" charset="-122"/>
                 <a:cs typeface="Roboto" pitchFamily="34" charset="-120"/>
               </a:rPr>
-              <a:t>Ihre</a:t>
-            </a:r>
-            <a:r>
-              <a:rPr lang="en-US" sz="1200" dirty="0">
+              <a:t>	nicht zu viel erweiterbar, sonst Überanalyse</a:t>
+            </a:r>
+          </a:p>
+          <a:p>
+            <a:pPr marL="0" marR="0" lvl="0" indent="0" algn="l" defTabSz="914400" rtl="0" eaLnBrk="1" fontAlgn="auto" latinLnBrk="0" hangingPunct="1">
+              <a:lnSpc>
+                <a:spcPct val="100000"/>
+              </a:lnSpc>
+              <a:spcBef>
+                <a:spcPts val="0"/>
+              </a:spcBef>
+              <a:spcAft>
+                <a:spcPts val="0"/>
+              </a:spcAft>
+              <a:buClrTx/>
+              <a:buSzTx/>
+              <a:buFontTx/>
+              <a:buNone/>
+              <a:tabLst/>
+              <a:defRPr/>
+            </a:pPr>
+            <a:r>
+              <a:rPr lang="de-DE" sz="1200" dirty="0">
                 <a:solidFill>
                   <a:srgbClr val="3C3939"/>
                 </a:solidFill>
@@ -5386,10 +5137,56 @@
                 <a:ea typeface="Roboto" pitchFamily="34" charset="-122"/>
                 <a:cs typeface="Roboto" pitchFamily="34" charset="-120"/>
               </a:rPr>
-              <a:t> </a:t>
-            </a:r>
-            <a:r>
-              <a:rPr lang="en-US" sz="1200" dirty="0" err="1">
+              <a:t>	und unnötiges Planen für Zukunft</a:t>
+            </a:r>
+          </a:p>
+          <a:p>
+            <a:pPr marL="0" marR="0" lvl="0" indent="0" algn="l" defTabSz="914400" rtl="0" eaLnBrk="1" fontAlgn="auto" latinLnBrk="0" hangingPunct="1">
+              <a:lnSpc>
+                <a:spcPct val="100000"/>
+              </a:lnSpc>
+              <a:spcBef>
+                <a:spcPts val="0"/>
+              </a:spcBef>
+              <a:spcAft>
+                <a:spcPts val="0"/>
+              </a:spcAft>
+              <a:buClrTx/>
+              <a:buSzTx/>
+              <a:buFontTx/>
+              <a:buNone/>
+              <a:tabLst/>
+              <a:defRPr/>
+            </a:pPr>
+            <a:endParaRPr lang="de-DE" sz="1200" dirty="0">
+              <a:solidFill>
+                <a:srgbClr val="3C3939"/>
+              </a:solidFill>
+              <a:latin typeface="Roboto" pitchFamily="34" charset="0"/>
+              <a:ea typeface="Roboto" pitchFamily="34" charset="-122"/>
+              <a:cs typeface="Roboto" pitchFamily="34" charset="-120"/>
+            </a:endParaRPr>
+          </a:p>
+          <a:p>
+            <a:pPr marL="0" marR="0" lvl="0" indent="0" algn="l" defTabSz="914400" rtl="0" eaLnBrk="1" fontAlgn="auto" latinLnBrk="0" hangingPunct="1">
+              <a:lnSpc>
+                <a:spcPct val="100000"/>
+              </a:lnSpc>
+              <a:spcBef>
+                <a:spcPts val="0"/>
+              </a:spcBef>
+              <a:spcAft>
+                <a:spcPts val="0"/>
+              </a:spcAft>
+              <a:buClrTx/>
+              <a:buSzTx/>
+              <a:buFontTx/>
+              <a:buNone/>
+              <a:tabLst/>
+              <a:defRPr/>
+            </a:pPr>
+            <a:r>
+              <a:rPr lang="de-DE" sz="1200" dirty="0">
                 <a:solidFill>
                   <a:srgbClr val="3C3939"/>
                 </a:solidFill>
@@ -5397,10 +5194,29 @@
                 <a:ea typeface="Roboto" pitchFamily="34" charset="-122"/>
                 <a:cs typeface="Roboto" pitchFamily="34" charset="-120"/>
               </a:rPr>
-              <a:t>Aufmerksamkeit</a:t>
-            </a:r>
-            <a:r>
-              <a:rPr lang="en-US" sz="1200" dirty="0">
+              <a:t>ZIEL:</a:t>
+            </a:r>
+          </a:p>
+          <a:p>
+            <a:pPr marL="0" marR="0" lvl="0" indent="0" algn="l" defTabSz="914400" rtl="0" eaLnBrk="1" fontAlgn="auto" latinLnBrk="0" hangingPunct="1">
+              <a:lnSpc>
+                <a:spcPct val="100000"/>
+              </a:lnSpc>
+              <a:spcBef>
+                <a:spcPts val="0"/>
+              </a:spcBef>
+              <a:spcAft>
+                <a:spcPts val="0"/>
+              </a:spcAft>
+              <a:buClrTx/>
+              <a:buSzTx/>
+              <a:buFontTx/>
+              <a:buNone/>
+              <a:tabLst/>
+              <a:defRPr/>
+            </a:pPr>
+            <a:r>
+              <a:rPr lang="de-DE" sz="1200" dirty="0">
                 <a:solidFill>
                   <a:srgbClr val="3C3939"/>
                 </a:solidFill>
@@ -5408,10 +5224,29 @@
                 <a:ea typeface="Roboto" pitchFamily="34" charset="-122"/>
                 <a:cs typeface="Roboto" pitchFamily="34" charset="-120"/>
               </a:rPr>
-              <a:t> und </a:t>
-            </a:r>
-            <a:r>
-              <a:rPr lang="en-US" sz="1200" dirty="0" err="1">
+              <a:t>Digitale, sowie physische Medien, die über mehrere Orte verteilt </a:t>
+            </a:r>
+          </a:p>
+          <a:p>
+            <a:pPr marL="0" marR="0" lvl="0" indent="0" algn="l" defTabSz="914400" rtl="0" eaLnBrk="1" fontAlgn="auto" latinLnBrk="0" hangingPunct="1">
+              <a:lnSpc>
+                <a:spcPct val="100000"/>
+              </a:lnSpc>
+              <a:spcBef>
+                <a:spcPts val="0"/>
+              </a:spcBef>
+              <a:spcAft>
+                <a:spcPts val="0"/>
+              </a:spcAft>
+              <a:buClrTx/>
+              <a:buSzTx/>
+              <a:buFontTx/>
+              <a:buNone/>
+              <a:tabLst/>
+              <a:defRPr/>
+            </a:pPr>
+            <a:r>
+              <a:rPr lang="de-DE" sz="1200" dirty="0">
                 <a:solidFill>
                   <a:srgbClr val="3C3939"/>
                 </a:solidFill>
@@ -5419,10 +5254,10 @@
                 <a:ea typeface="Roboto" pitchFamily="34" charset="-122"/>
                 <a:cs typeface="Roboto" pitchFamily="34" charset="-120"/>
               </a:rPr>
-              <a:t>wir</a:t>
-            </a:r>
-            <a:r>
-              <a:rPr lang="en-US" sz="1200" dirty="0">
+              <a:t>sind (</a:t>
+            </a:r>
+            <a:r>
+              <a:rPr lang="de-DE" sz="1200" dirty="0" err="1">
                 <a:solidFill>
                   <a:srgbClr val="3C3939"/>
                 </a:solidFill>
@@ -5430,10 +5265,10 @@
                 <a:ea typeface="Roboto" pitchFamily="34" charset="-122"/>
                 <a:cs typeface="Roboto" pitchFamily="34" charset="-120"/>
               </a:rPr>
-              <a:t> </a:t>
-            </a:r>
-            <a:r>
-              <a:rPr lang="en-US" sz="1200" dirty="0" err="1">
+              <a:t>inkl</a:t>
+            </a:r>
+            <a:r>
+              <a:rPr lang="de-DE" sz="1200" dirty="0">
                 <a:solidFill>
                   <a:srgbClr val="3C3939"/>
                 </a:solidFill>
@@ -5441,84 +5276,7 @@
                 <a:ea typeface="Roboto" pitchFamily="34" charset="-122"/>
                 <a:cs typeface="Roboto" pitchFamily="34" charset="-120"/>
               </a:rPr>
-              <a:t>freuen</a:t>
-            </a:r>
-            <a:r>
-              <a:rPr lang="en-US" sz="1200" dirty="0">
-                <a:solidFill>
-                  <a:srgbClr val="3C3939"/>
-                </a:solidFill>
-                <a:latin typeface="Roboto" pitchFamily="34" charset="0"/>
-                <a:ea typeface="Roboto" pitchFamily="34" charset="-122"/>
-                <a:cs typeface="Roboto" pitchFamily="34" charset="-120"/>
-              </a:rPr>
-              <a:t> </a:t>
-            </a:r>
-            <a:r>
-              <a:rPr lang="en-US" sz="1200" dirty="0" err="1">
-                <a:solidFill>
-                  <a:srgbClr val="3C3939"/>
-                </a:solidFill>
-                <a:latin typeface="Roboto" pitchFamily="34" charset="0"/>
-                <a:ea typeface="Roboto" pitchFamily="34" charset="-122"/>
-                <a:cs typeface="Roboto" pitchFamily="34" charset="-120"/>
-              </a:rPr>
-              <a:t>uns</a:t>
-            </a:r>
-            <a:r>
-              <a:rPr lang="en-US" sz="1200" dirty="0">
-                <a:solidFill>
-                  <a:srgbClr val="3C3939"/>
-                </a:solidFill>
-                <a:latin typeface="Roboto" pitchFamily="34" charset="0"/>
-                <a:ea typeface="Roboto" pitchFamily="34" charset="-122"/>
-                <a:cs typeface="Roboto" pitchFamily="34" charset="-120"/>
-              </a:rPr>
-              <a:t> auf </a:t>
-            </a:r>
-            <a:r>
-              <a:rPr lang="en-US" sz="1200" dirty="0" err="1">
-                <a:solidFill>
-                  <a:srgbClr val="3C3939"/>
-                </a:solidFill>
-                <a:latin typeface="Roboto" pitchFamily="34" charset="0"/>
-                <a:ea typeface="Roboto" pitchFamily="34" charset="-122"/>
-                <a:cs typeface="Roboto" pitchFamily="34" charset="-120"/>
-              </a:rPr>
-              <a:t>Ihre</a:t>
-            </a:r>
-            <a:r>
-              <a:rPr lang="en-US" sz="1200" dirty="0">
-                <a:solidFill>
-                  <a:srgbClr val="3C3939"/>
-                </a:solidFill>
-                <a:latin typeface="Roboto" pitchFamily="34" charset="0"/>
-                <a:ea typeface="Roboto" pitchFamily="34" charset="-122"/>
-                <a:cs typeface="Roboto" pitchFamily="34" charset="-120"/>
-              </a:rPr>
-              <a:t> </a:t>
-            </a:r>
-            <a:r>
-              <a:rPr lang="en-US" sz="1200" dirty="0" err="1">
-                <a:solidFill>
-                  <a:srgbClr val="3C3939"/>
-                </a:solidFill>
-                <a:latin typeface="Roboto" pitchFamily="34" charset="0"/>
-                <a:ea typeface="Roboto" pitchFamily="34" charset="-122"/>
-                <a:cs typeface="Roboto" pitchFamily="34" charset="-120"/>
-              </a:rPr>
-              <a:t>Fragen</a:t>
-            </a:r>
-            <a:r>
-              <a:rPr lang="en-US" sz="1200" dirty="0">
-                <a:solidFill>
-                  <a:srgbClr val="3C3939"/>
-                </a:solidFill>
-                <a:latin typeface="Roboto" pitchFamily="34" charset="0"/>
-                <a:ea typeface="Roboto" pitchFamily="34" charset="-122"/>
-                <a:cs typeface="Roboto" pitchFamily="34" charset="-120"/>
-              </a:rPr>
-              <a:t>.</a:t>
+              <a:t> entnommen), zentral auffindbar zu machen</a:t>
             </a:r>
           </a:p>
         </p:txBody>
@@ -7595,42 +7353,8 @@
               <a:buChar char="•"/>
             </a:pPr>
             <a:r>
-              <a:rPr lang="de-DE" dirty="0"/>
-              <a:t>Tabellen erklären</a:t>
-            </a:r>
-          </a:p>
-          <a:p>
-            <a:pPr marL="285750" marR="0" lvl="0" indent="-285750" algn="l" defTabSz="914400" rtl="0" eaLnBrk="1" fontAlgn="auto" latinLnBrk="0" hangingPunct="1">
-              <a:lnSpc>
-                <a:spcPct val="100000"/>
-              </a:lnSpc>
-              <a:spcBef>
-                <a:spcPts val="0"/>
-              </a:spcBef>
-              <a:spcAft>
-                <a:spcPts val="0"/>
-              </a:spcAft>
-              <a:buClrTx/>
-              <a:buSzTx/>
-              <a:buFont typeface="Arial" panose="020B0604020202020204" pitchFamily="34" charset="0"/>
-              <a:buChar char="•"/>
-              <a:tabLst/>
-              <a:defRPr/>
-            </a:pPr>
-            <a:r>
-              <a:rPr lang="de-DE" dirty="0"/>
-              <a:t>Erklärung der Attribute, </a:t>
-            </a:r>
-            <a:r>
-              <a:rPr lang="de-DE" sz="1200" dirty="0">
-                <a:solidFill>
-                  <a:srgbClr val="3C3939"/>
-                </a:solidFill>
-                <a:latin typeface="Roboto" pitchFamily="34" charset="0"/>
-                <a:ea typeface="Roboto" pitchFamily="34" charset="-122"/>
-                <a:cs typeface="Roboto" pitchFamily="34" charset="-120"/>
-              </a:rPr>
-              <a:t>Datentype</a:t>
+              <a:rPr lang="en-US" dirty="0"/>
+              <a:t>Two tables (normalization 3rd form)</a:t>
             </a:r>
           </a:p>
           <a:p>
@@ -7639,8 +7363,39 @@
               <a:buChar char="•"/>
             </a:pPr>
             <a:r>
-              <a:rPr lang="de-DE" dirty="0"/>
-              <a:t>Datenintegrität-Lösung (ON UPDATE CASCADE)</a:t>
+              <a:rPr lang="en-US" dirty="0"/>
+              <a:t>	redundant data and ease of modification</a:t>
+            </a:r>
+          </a:p>
+          <a:p>
+            <a:pPr marL="285750" indent="-285750">
+              <a:buFont typeface="Arial" panose="020B0604020202020204" pitchFamily="34" charset="0"/>
+              <a:buChar char="•"/>
+            </a:pPr>
+            <a:r>
+              <a:rPr lang="en-US" dirty="0" err="1"/>
+              <a:t>Granularität</a:t>
+            </a:r>
+            <a:endParaRPr lang="en-US" dirty="0"/>
+          </a:p>
+          <a:p>
+            <a:pPr marL="742950" lvl="1" indent="-285750">
+              <a:buFont typeface="Arial" panose="020B0604020202020204" pitchFamily="34" charset="0"/>
+              <a:buChar char="•"/>
+            </a:pPr>
+            <a:r>
+              <a:rPr lang="en-US" dirty="0"/>
+              <a:t>Rooms: O-, CH-, ... instead of tables for rooms</a:t>
+            </a:r>
+          </a:p>
+          <a:p>
+            <a:pPr marL="285750" indent="-285750">
+              <a:buFont typeface="Arial" panose="020B0604020202020204" pitchFamily="34" charset="0"/>
+              <a:buChar char="•"/>
+            </a:pPr>
+            <a:r>
+              <a:rPr lang="en-US" dirty="0"/>
+              <a:t>Categories: want to know what belongs into which boxes etc.</a:t>
             </a:r>
           </a:p>
         </p:txBody>
@@ -7753,43 +7508,26 @@
               <a:buChar char="•"/>
             </a:pPr>
             <a:r>
+              <a:rPr lang="de-DE" dirty="0" err="1"/>
+              <a:t>Current</a:t>
+            </a:r>
+            <a:r>
               <a:rPr lang="de-DE" dirty="0"/>
-              <a:t>Tabellen erklären</a:t>
-            </a:r>
-          </a:p>
-          <a:p>
-            <a:pPr marL="285750" marR="0" lvl="0" indent="-285750" algn="l" defTabSz="914400" rtl="0" eaLnBrk="1" fontAlgn="auto" latinLnBrk="0" hangingPunct="1">
-              <a:lnSpc>
-                <a:spcPct val="100000"/>
-              </a:lnSpc>
-              <a:spcBef>
-                <a:spcPts val="0"/>
-              </a:spcBef>
-              <a:spcAft>
-                <a:spcPts val="0"/>
-              </a:spcAft>
-              <a:buClrTx/>
-              <a:buSzTx/>
-              <a:buFont typeface="Arial" panose="020B0604020202020204" pitchFamily="34" charset="0"/>
-              <a:buChar char="•"/>
-              <a:tabLst/>
-              <a:defRPr/>
-            </a:pPr>
+              <a:t> </a:t>
+            </a:r>
+            <a:r>
+              <a:rPr lang="de-DE" dirty="0" err="1"/>
+              <a:t>withdrawals</a:t>
+            </a:r>
             <a:r>
               <a:rPr lang="de-DE" dirty="0"/>
-              <a:t>Erklärung der Attribute, </a:t>
-            </a:r>
-            <a:r>
-              <a:rPr lang="de-DE" sz="1200" dirty="0">
-                <a:solidFill>
-                  <a:srgbClr val="3C3939"/>
-                </a:solidFill>
-                <a:latin typeface="Roboto" pitchFamily="34" charset="0"/>
-                <a:ea typeface="Roboto" pitchFamily="34" charset="-122"/>
-                <a:cs typeface="Roboto" pitchFamily="34" charset="-120"/>
-              </a:rPr>
-              <a:t>Datentype</a:t>
-            </a:r>
+              <a:t> </a:t>
+            </a:r>
+            <a:r>
+              <a:rPr lang="de-DE" dirty="0" err="1"/>
+              <a:t>only</a:t>
+            </a:r>
+            <a:endParaRPr lang="de-DE" dirty="0"/>
           </a:p>
           <a:p>
             <a:pPr marL="285750" indent="-285750">
@@ -7798,7 +7536,146 @@
             </a:pPr>
             <a:r>
               <a:rPr lang="de-DE" dirty="0"/>
-              <a:t>Datenintegrität-Lösung (ON UPDATE CASCADE)</a:t>
+              <a:t>	</a:t>
+            </a:r>
+            <a:r>
+              <a:rPr lang="de-DE" dirty="0" err="1"/>
+              <a:t>know</a:t>
+            </a:r>
+            <a:r>
+              <a:rPr lang="de-DE" dirty="0"/>
+              <a:t> </a:t>
+            </a:r>
+            <a:r>
+              <a:rPr lang="de-DE" dirty="0" err="1"/>
+              <a:t>if</a:t>
+            </a:r>
+            <a:r>
+              <a:rPr lang="de-DE" dirty="0"/>
+              <a:t> </a:t>
+            </a:r>
+            <a:r>
+              <a:rPr lang="de-DE" dirty="0" err="1"/>
+              <a:t>there</a:t>
+            </a:r>
+            <a:r>
+              <a:rPr lang="de-DE" dirty="0"/>
+              <a:t> and </a:t>
+            </a:r>
+            <a:r>
+              <a:rPr lang="de-DE" dirty="0" err="1"/>
+              <a:t>who</a:t>
+            </a:r>
+            <a:r>
+              <a:rPr lang="de-DE" dirty="0"/>
+              <a:t> </a:t>
+            </a:r>
+            <a:r>
+              <a:rPr lang="de-DE" dirty="0" err="1"/>
+              <a:t>responsible</a:t>
+            </a:r>
+            <a:r>
+              <a:rPr lang="de-DE" dirty="0"/>
+              <a:t>, </a:t>
+            </a:r>
+            <a:r>
+              <a:rPr lang="de-DE" dirty="0" err="1"/>
+              <a:t>no</a:t>
+            </a:r>
+            <a:r>
+              <a:rPr lang="de-DE" dirty="0"/>
+              <a:t> </a:t>
+            </a:r>
+            <a:r>
+              <a:rPr lang="de-DE" dirty="0" err="1"/>
+              <a:t>further</a:t>
+            </a:r>
+            <a:r>
+              <a:rPr lang="de-DE" dirty="0"/>
+              <a:t> </a:t>
+            </a:r>
+            <a:r>
+              <a:rPr lang="de-DE" dirty="0" err="1"/>
+              <a:t>tracking</a:t>
+            </a:r>
+            <a:endParaRPr lang="de-DE" dirty="0"/>
+          </a:p>
+          <a:p>
+            <a:pPr marL="285750" indent="-285750">
+              <a:buFont typeface="Arial" panose="020B0604020202020204" pitchFamily="34" charset="0"/>
+              <a:buChar char="•"/>
+            </a:pPr>
+            <a:r>
+              <a:rPr lang="de-DE" dirty="0"/>
+              <a:t>- Log (</a:t>
+            </a:r>
+            <a:r>
+              <a:rPr lang="de-DE" dirty="0" err="1"/>
+              <a:t>maybe</a:t>
+            </a:r>
+            <a:r>
+              <a:rPr lang="de-DE" dirty="0"/>
+              <a:t> </a:t>
+            </a:r>
+            <a:r>
+              <a:rPr lang="de-DE" dirty="0" err="1"/>
+              <a:t>someone</a:t>
+            </a:r>
+            <a:r>
+              <a:rPr lang="de-DE" dirty="0"/>
+              <a:t> </a:t>
+            </a:r>
+            <a:r>
+              <a:rPr lang="de-DE" dirty="0" err="1"/>
+              <a:t>damaged</a:t>
+            </a:r>
+            <a:r>
+              <a:rPr lang="de-DE" dirty="0"/>
+              <a:t> a </a:t>
+            </a:r>
+            <a:r>
+              <a:rPr lang="de-DE" dirty="0" err="1"/>
+              <a:t>book</a:t>
+            </a:r>
+            <a:r>
+              <a:rPr lang="de-DE" dirty="0"/>
+              <a:t>, </a:t>
+            </a:r>
+            <a:r>
+              <a:rPr lang="de-DE" dirty="0" err="1"/>
+              <a:t>scratched</a:t>
+            </a:r>
+            <a:r>
+              <a:rPr lang="de-DE" dirty="0"/>
+              <a:t> a cd...)</a:t>
+            </a:r>
+          </a:p>
+          <a:p>
+            <a:pPr marL="285750" indent="-285750">
+              <a:buFont typeface="Arial" panose="020B0604020202020204" pitchFamily="34" charset="0"/>
+              <a:buChar char="•"/>
+            </a:pPr>
+            <a:r>
+              <a:rPr lang="de-DE" dirty="0"/>
+              <a:t>- 1:n Beziehung, ein Medium kann mehrmals ausgeliehen worden sein</a:t>
+            </a:r>
+          </a:p>
+          <a:p>
+            <a:pPr marL="285750" indent="-285750">
+              <a:buFont typeface="Arial" panose="020B0604020202020204" pitchFamily="34" charset="0"/>
+              <a:buChar char="•"/>
+            </a:pPr>
+            <a:r>
+              <a:rPr lang="de-DE" dirty="0"/>
+              <a:t>- Surrogatschlüssel zum Identifizieren der Einträge (</a:t>
+            </a:r>
+            <a:r>
+              <a:rPr lang="de-DE" dirty="0" err="1"/>
+              <a:t>id</a:t>
+            </a:r>
+            <a:r>
+              <a:rPr lang="de-DE" dirty="0"/>
+              <a:t>)</a:t>
             </a:r>
           </a:p>
         </p:txBody>
@@ -8209,7 +8086,7 @@
             <a:fld id="{BA93D431-FB07-4B32-A294-EDD402A598F2}" type="slidenum">
               <a:rPr lang="de-DE" smtClean="0"/>
               <a:pPr/>
-              <a:t>‹Nr.›</a:t>
+              <a:t>‹#›</a:t>
             </a:fld>
             <a:endParaRPr lang="de-DE"/>
           </a:p>
@@ -8450,7 +8327,7 @@
             <a:fld id="{BA93D431-FB07-4B32-A294-EDD402A598F2}" type="slidenum">
               <a:rPr lang="de-DE" smtClean="0"/>
               <a:pPr/>
-              <a:t>‹Nr.›</a:t>
+              <a:t>‹#›</a:t>
             </a:fld>
             <a:endParaRPr lang="de-DE" dirty="0"/>
           </a:p>
@@ -8730,7 +8607,7 @@
             <a:fld id="{BA93D431-FB07-4B32-A294-EDD402A598F2}" type="slidenum">
               <a:rPr lang="de-DE" smtClean="0"/>
               <a:pPr/>
-              <a:t>‹Nr.›</a:t>
+              <a:t>‹#›</a:t>
             </a:fld>
             <a:endParaRPr lang="de-DE" dirty="0"/>
           </a:p>
@@ -9000,7 +8877,7 @@
             <a:fld id="{BA93D431-FB07-4B32-A294-EDD402A598F2}" type="slidenum">
               <a:rPr lang="de-DE" smtClean="0"/>
               <a:pPr/>
-              <a:t>‹Nr.›</a:t>
+              <a:t>‹#›</a:t>
             </a:fld>
             <a:endParaRPr lang="de-DE" dirty="0"/>
           </a:p>
@@ -9417,7 +9294,7 @@
             <a:fld id="{BA93D431-FB07-4B32-A294-EDD402A598F2}" type="slidenum">
               <a:rPr lang="de-DE" smtClean="0"/>
               <a:pPr/>
-              <a:t>‹Nr.›</a:t>
+              <a:t>‹#›</a:t>
             </a:fld>
             <a:endParaRPr lang="de-DE" dirty="0"/>
           </a:p>
@@ -9563,7 +9440,7 @@
             <a:fld id="{BA93D431-FB07-4B32-A294-EDD402A598F2}" type="slidenum">
               <a:rPr lang="de-DE" smtClean="0"/>
               <a:pPr/>
-              <a:t>‹Nr.›</a:t>
+              <a:t>‹#›</a:t>
             </a:fld>
             <a:endParaRPr lang="de-DE" dirty="0"/>
           </a:p>
@@ -9681,7 +9558,7 @@
             <a:fld id="{BA93D431-FB07-4B32-A294-EDD402A598F2}" type="slidenum">
               <a:rPr lang="de-DE" smtClean="0"/>
               <a:pPr/>
-              <a:t>‹Nr.›</a:t>
+              <a:t>‹#›</a:t>
             </a:fld>
             <a:endParaRPr lang="de-DE" dirty="0"/>
           </a:p>
@@ -9997,7 +9874,7 @@
             <a:fld id="{BA93D431-FB07-4B32-A294-EDD402A598F2}" type="slidenum">
               <a:rPr lang="de-DE" smtClean="0"/>
               <a:pPr/>
-              <a:t>‹Nr.›</a:t>
+              <a:t>‹#›</a:t>
             </a:fld>
             <a:endParaRPr lang="de-DE" dirty="0"/>
           </a:p>
@@ -10290,7 +10167,7 @@
             <a:fld id="{BA93D431-FB07-4B32-A294-EDD402A598F2}" type="slidenum">
               <a:rPr lang="de-DE" smtClean="0"/>
               <a:pPr/>
-              <a:t>‹Nr.›</a:t>
+              <a:t>‹#›</a:t>
             </a:fld>
             <a:endParaRPr lang="de-DE" dirty="0"/>
           </a:p>
@@ -10493,7 +10370,7 @@
             <a:fld id="{BA93D431-FB07-4B32-A294-EDD402A598F2}" type="slidenum">
               <a:rPr lang="de-DE" smtClean="0"/>
               <a:pPr/>
-              <a:t>‹Nr.›</a:t>
+              <a:t>‹#›</a:t>
             </a:fld>
             <a:endParaRPr lang="de-DE" dirty="0"/>
           </a:p>
@@ -10706,7 +10583,7 @@
             <a:fld id="{BA93D431-FB07-4B32-A294-EDD402A598F2}" type="slidenum">
               <a:rPr lang="de-DE" smtClean="0"/>
               <a:pPr/>
-              <a:t>‹Nr.›</a:t>
+              <a:t>‹#›</a:t>
             </a:fld>
             <a:endParaRPr lang="de-DE" dirty="0"/>
           </a:p>
@@ -11158,7 +11035,7 @@
             <a:fld id="{A60C3423-E9C8-4611-86F9-FF8D9F46AC4E}" type="slidenum">
               <a:rPr lang="de-DE" sz="1200" smtClean="0"/>
               <a:pPr algn="r"/>
-              <a:t>‹Nr.›</a:t>
+              <a:t>‹#›</a:t>
             </a:fld>
             <a:r>
               <a:rPr lang="de-DE" sz="1200" dirty="0"/>
@@ -11613,7 +11490,7 @@
             <a:fld id="{A60C3423-E9C8-4611-86F9-FF8D9F46AC4E}" type="slidenum">
               <a:rPr lang="de-DE" sz="1200" smtClean="0"/>
               <a:pPr algn="r"/>
-              <a:t>‹Nr.›</a:t>
+              <a:t>‹#›</a:t>
             </a:fld>
             <a:r>
               <a:rPr lang="de-DE" sz="1200" dirty="0"/>
@@ -12024,7 +11901,7 @@
             <a:fld id="{A60C3423-E9C8-4611-86F9-FF8D9F46AC4E}" type="slidenum">
               <a:rPr lang="de-DE" sz="1200" smtClean="0"/>
               <a:pPr algn="r"/>
-              <a:t>‹Nr.›</a:t>
+              <a:t>‹#›</a:t>
             </a:fld>
             <a:r>
               <a:rPr lang="de-DE" sz="1200" dirty="0"/>
@@ -12443,7 +12320,7 @@
             <a:fld id="{A60C3423-E9C8-4611-86F9-FF8D9F46AC4E}" type="slidenum">
               <a:rPr lang="de-DE" sz="1200" smtClean="0"/>
               <a:pPr algn="r"/>
-              <a:t>‹Nr.›</a:t>
+              <a:t>‹#›</a:t>
             </a:fld>
             <a:r>
               <a:rPr lang="de-DE" sz="1200" dirty="0"/>
@@ -12898,7 +12775,7 @@
             <a:fld id="{A60C3423-E9C8-4611-86F9-FF8D9F46AC4E}" type="slidenum">
               <a:rPr lang="de-DE" sz="1200" smtClean="0"/>
               <a:pPr algn="r"/>
-              <a:t>‹Nr.›</a:t>
+              <a:t>‹#›</a:t>
             </a:fld>
             <a:r>
               <a:rPr lang="de-DE" sz="1200" dirty="0"/>
@@ -13293,7 +13170,7 @@
             <a:fld id="{A60C3423-E9C8-4611-86F9-FF8D9F46AC4E}" type="slidenum">
               <a:rPr lang="de-DE" sz="1200" smtClean="0"/>
               <a:pPr algn="r"/>
-              <a:t>‹Nr.›</a:t>
+              <a:t>‹#›</a:t>
             </a:fld>
             <a:r>
               <a:rPr lang="de-DE" sz="1200" dirty="0"/>
@@ -13748,7 +13625,7 @@
             <a:fld id="{A60C3423-E9C8-4611-86F9-FF8D9F46AC4E}" type="slidenum">
               <a:rPr lang="de-DE" sz="1200" smtClean="0"/>
               <a:pPr algn="r"/>
-              <a:t>‹Nr.›</a:t>
+              <a:t>‹#›</a:t>
             </a:fld>
             <a:r>
               <a:rPr lang="de-DE" sz="1200" dirty="0"/>
@@ -14143,7 +14020,7 @@
             <a:fld id="{A60C3423-E9C8-4611-86F9-FF8D9F46AC4E}" type="slidenum">
               <a:rPr lang="de-DE" sz="1200" smtClean="0"/>
               <a:pPr algn="r"/>
-              <a:t>‹Nr.›</a:t>
+              <a:t>‹#›</a:t>
             </a:fld>
             <a:r>
               <a:rPr lang="de-DE" sz="1200" dirty="0"/>
@@ -14370,7 +14247,7 @@
             <a:fld id="{BA93D431-FB07-4B32-A294-EDD402A598F2}" type="slidenum">
               <a:rPr lang="de-DE" smtClean="0"/>
               <a:pPr/>
-              <a:t>‹Nr.›</a:t>
+              <a:t>‹#›</a:t>
             </a:fld>
             <a:endParaRPr lang="de-DE" dirty="0"/>
           </a:p>
@@ -14682,7 +14559,7 @@
             <a:fld id="{BA93D431-FB07-4B32-A294-EDD402A598F2}" type="slidenum">
               <a:rPr lang="de-DE" smtClean="0"/>
               <a:pPr/>
-              <a:t>‹Nr.›</a:t>
+              <a:t>‹#›</a:t>
             </a:fld>
             <a:endParaRPr lang="de-DE" dirty="0"/>
           </a:p>
@@ -15239,7 +15116,7 @@
             <a:fld id="{BA93D431-FB07-4B32-A294-EDD402A598F2}" type="slidenum">
               <a:rPr lang="de-DE" smtClean="0"/>
               <a:pPr/>
-              <a:t>‹Nr.›</a:t>
+              <a:t>‹#›</a:t>
             </a:fld>
             <a:endParaRPr lang="de-DE" dirty="0"/>
           </a:p>
